--- a/Python Introduction.pptx
+++ b/Python Introduction.pptx
@@ -927,7 +927,7 @@
           <a:p>
             <a:fld id="{117F0709-AC62-415F-B52D-54A77B1A61B0}" type="datetimeFigureOut">
               <a:rPr lang="zh-TW" altLang="en-US" smtClean="0"/>
-              <a:t>2021/9/23</a:t>
+              <a:t>2022/2/20</a:t>
             </a:fld>
             <a:endParaRPr lang="zh-TW" altLang="en-US"/>
           </a:p>
@@ -1178,7 +1178,7 @@
           <a:p>
             <a:fld id="{117F0709-AC62-415F-B52D-54A77B1A61B0}" type="datetimeFigureOut">
               <a:rPr lang="zh-TW" altLang="en-US" smtClean="0"/>
-              <a:t>2021/9/23</a:t>
+              <a:t>2022/2/20</a:t>
             </a:fld>
             <a:endParaRPr lang="zh-TW" altLang="en-US"/>
           </a:p>
@@ -1492,7 +1492,7 @@
           <a:p>
             <a:fld id="{117F0709-AC62-415F-B52D-54A77B1A61B0}" type="datetimeFigureOut">
               <a:rPr lang="zh-TW" altLang="en-US" smtClean="0"/>
-              <a:t>2021/9/23</a:t>
+              <a:t>2022/2/20</a:t>
             </a:fld>
             <a:endParaRPr lang="zh-TW" altLang="en-US"/>
           </a:p>
@@ -1825,7 +1825,7 @@
           <a:p>
             <a:fld id="{117F0709-AC62-415F-B52D-54A77B1A61B0}" type="datetimeFigureOut">
               <a:rPr lang="zh-TW" altLang="en-US" smtClean="0"/>
-              <a:t>2021/9/23</a:t>
+              <a:t>2022/2/20</a:t>
             </a:fld>
             <a:endParaRPr lang="zh-TW" altLang="en-US"/>
           </a:p>
@@ -2139,7 +2139,7 @@
           <a:p>
             <a:fld id="{117F0709-AC62-415F-B52D-54A77B1A61B0}" type="datetimeFigureOut">
               <a:rPr lang="zh-TW" altLang="en-US" smtClean="0"/>
-              <a:t>2021/9/23</a:t>
+              <a:t>2022/2/20</a:t>
             </a:fld>
             <a:endParaRPr lang="zh-TW" altLang="en-US"/>
           </a:p>
@@ -2532,7 +2532,7 @@
           <a:p>
             <a:fld id="{117F0709-AC62-415F-B52D-54A77B1A61B0}" type="datetimeFigureOut">
               <a:rPr lang="zh-TW" altLang="en-US" smtClean="0"/>
-              <a:t>2021/9/23</a:t>
+              <a:t>2022/2/20</a:t>
             </a:fld>
             <a:endParaRPr lang="zh-TW" altLang="en-US"/>
           </a:p>
@@ -2702,7 +2702,7 @@
           <a:p>
             <a:fld id="{117F0709-AC62-415F-B52D-54A77B1A61B0}" type="datetimeFigureOut">
               <a:rPr lang="zh-TW" altLang="en-US" smtClean="0"/>
-              <a:t>2021/9/23</a:t>
+              <a:t>2022/2/20</a:t>
             </a:fld>
             <a:endParaRPr lang="zh-TW" altLang="en-US"/>
           </a:p>
@@ -2882,7 +2882,7 @@
           <a:p>
             <a:fld id="{117F0709-AC62-415F-B52D-54A77B1A61B0}" type="datetimeFigureOut">
               <a:rPr lang="zh-TW" altLang="en-US" smtClean="0"/>
-              <a:t>2021/9/23</a:t>
+              <a:t>2022/2/20</a:t>
             </a:fld>
             <a:endParaRPr lang="zh-TW" altLang="en-US"/>
           </a:p>
@@ -3052,7 +3052,7 @@
           <a:p>
             <a:fld id="{117F0709-AC62-415F-B52D-54A77B1A61B0}" type="datetimeFigureOut">
               <a:rPr lang="zh-TW" altLang="en-US" smtClean="0"/>
-              <a:t>2021/9/23</a:t>
+              <a:t>2022/2/20</a:t>
             </a:fld>
             <a:endParaRPr lang="zh-TW" altLang="en-US"/>
           </a:p>
@@ -3299,7 +3299,7 @@
           <a:p>
             <a:fld id="{117F0709-AC62-415F-B52D-54A77B1A61B0}" type="datetimeFigureOut">
               <a:rPr lang="zh-TW" altLang="en-US" smtClean="0"/>
-              <a:t>2021/9/23</a:t>
+              <a:t>2022/2/20</a:t>
             </a:fld>
             <a:endParaRPr lang="zh-TW" altLang="en-US"/>
           </a:p>
@@ -3531,7 +3531,7 @@
           <a:p>
             <a:fld id="{117F0709-AC62-415F-B52D-54A77B1A61B0}" type="datetimeFigureOut">
               <a:rPr lang="zh-TW" altLang="en-US" smtClean="0"/>
-              <a:t>2021/9/23</a:t>
+              <a:t>2022/2/20</a:t>
             </a:fld>
             <a:endParaRPr lang="zh-TW" altLang="en-US"/>
           </a:p>
@@ -3905,7 +3905,7 @@
           <a:p>
             <a:fld id="{117F0709-AC62-415F-B52D-54A77B1A61B0}" type="datetimeFigureOut">
               <a:rPr lang="zh-TW" altLang="en-US" smtClean="0"/>
-              <a:t>2021/9/23</a:t>
+              <a:t>2022/2/20</a:t>
             </a:fld>
             <a:endParaRPr lang="zh-TW" altLang="en-US"/>
           </a:p>
@@ -4028,7 +4028,7 @@
           <a:p>
             <a:fld id="{117F0709-AC62-415F-B52D-54A77B1A61B0}" type="datetimeFigureOut">
               <a:rPr lang="zh-TW" altLang="en-US" smtClean="0"/>
-              <a:t>2021/9/23</a:t>
+              <a:t>2022/2/20</a:t>
             </a:fld>
             <a:endParaRPr lang="zh-TW" altLang="en-US"/>
           </a:p>
@@ -4123,7 +4123,7 @@
           <a:p>
             <a:fld id="{117F0709-AC62-415F-B52D-54A77B1A61B0}" type="datetimeFigureOut">
               <a:rPr lang="zh-TW" altLang="en-US" smtClean="0"/>
-              <a:t>2021/9/23</a:t>
+              <a:t>2022/2/20</a:t>
             </a:fld>
             <a:endParaRPr lang="zh-TW" altLang="en-US"/>
           </a:p>
@@ -4378,7 +4378,7 @@
           <a:p>
             <a:fld id="{117F0709-AC62-415F-B52D-54A77B1A61B0}" type="datetimeFigureOut">
               <a:rPr lang="zh-TW" altLang="en-US" smtClean="0"/>
-              <a:t>2021/9/23</a:t>
+              <a:t>2022/2/20</a:t>
             </a:fld>
             <a:endParaRPr lang="zh-TW" altLang="en-US"/>
           </a:p>
@@ -4683,7 +4683,7 @@
           <a:p>
             <a:fld id="{117F0709-AC62-415F-B52D-54A77B1A61B0}" type="datetimeFigureOut">
               <a:rPr lang="zh-TW" altLang="en-US" smtClean="0"/>
-              <a:t>2021/9/23</a:t>
+              <a:t>2022/2/20</a:t>
             </a:fld>
             <a:endParaRPr lang="zh-TW" altLang="en-US"/>
           </a:p>
@@ -5385,7 +5385,7 @@
           <a:p>
             <a:fld id="{117F0709-AC62-415F-B52D-54A77B1A61B0}" type="datetimeFigureOut">
               <a:rPr lang="zh-TW" altLang="en-US" smtClean="0"/>
-              <a:t>2021/9/23</a:t>
+              <a:t>2022/2/20</a:t>
             </a:fld>
             <a:endParaRPr lang="zh-TW" altLang="en-US"/>
           </a:p>
@@ -5979,7 +5979,6 @@
               <a:rPr lang="en-US" altLang="zh-TW" sz="2800" dirty="0" smtClean="0"/>
               <a:t>2021/4/25</a:t>
             </a:r>
-            <a:endParaRPr lang="en-US" altLang="zh-TW" sz="2800" dirty="0" smtClean="0"/>
           </a:p>
         </p:txBody>
       </p:sp>
@@ -11543,20 +11542,33 @@
           </a:p>
           <a:p>
             <a:r>
-              <a:rPr lang="en-US" altLang="zh-TW" sz="2400" dirty="0" smtClean="0"/>
-              <a:t>Anaconda install for Windows (Spyder4)</a:t>
-            </a:r>
-          </a:p>
-          <a:p>
-            <a:r>
-              <a:rPr lang="en-US" altLang="zh-TW" sz="2400" dirty="0" smtClean="0"/>
+              <a:rPr lang="en-US" altLang="zh-TW" sz="2400" smtClean="0">
+                <a:solidFill>
+                  <a:schemeClr val="tx1"/>
+                </a:solidFill>
+              </a:rPr>
+              <a:t>Visual </a:t>
+            </a:r>
+            <a:r>
+              <a:rPr lang="en-US" altLang="zh-TW" sz="2400">
+                <a:solidFill>
+                  <a:schemeClr val="tx1"/>
+                </a:solidFill>
+              </a:rPr>
+              <a:t>Studio Code</a:t>
+            </a:r>
+            <a:endParaRPr lang="en-US" altLang="zh-TW" sz="2400" smtClean="0"/>
+          </a:p>
+          <a:p>
+            <a:r>
+              <a:rPr lang="en-US" altLang="zh-TW" sz="2400" smtClean="0"/>
               <a:t>Python </a:t>
             </a:r>
           </a:p>
           <a:p>
             <a:pPr lvl="1"/>
             <a:r>
-              <a:rPr lang="en-US" altLang="zh-TW" sz="2000" dirty="0" smtClean="0"/>
+              <a:rPr lang="en-US" altLang="zh-TW" sz="2000" smtClean="0"/>
               <a:t>Package </a:t>
             </a:r>
             <a:r>
@@ -18413,7 +18425,7 @@
         <p:spPr>
           <a:xfrm>
             <a:off x="677334" y="1393508"/>
-            <a:ext cx="5507662" cy="461665"/>
+            <a:ext cx="5394747" cy="369332"/>
           </a:xfrm>
           <a:prstGeom prst="rect">
             <a:avLst/>
@@ -18426,17 +18438,30 @@
           <a:lstStyle/>
           <a:p>
             <a:r>
-              <a:rPr lang="en-US" altLang="zh-TW" sz="2400" b="1" i="1" dirty="0">
-                <a:solidFill>
-                  <a:srgbClr val="FF0000"/>
+              <a:rPr lang="en-US" altLang="zh-TW"/>
+              <a:t>Download : </a:t>
+            </a:r>
+            <a:r>
+              <a:rPr lang="en-US" altLang="zh-TW" b="1" i="1" smtClean="0">
+                <a:solidFill>
+                  <a:srgbClr val="0070C0"/>
                 </a:solidFill>
                 <a:hlinkClick r:id="rId4"/>
               </a:rPr>
-              <a:t>https://www.python.org/downloads/</a:t>
-            </a:r>
-            <a:endParaRPr lang="en-US" altLang="zh-TW" sz="2400" b="1" i="1" dirty="0">
+              <a:t>https</a:t>
+            </a:r>
+            <a:r>
+              <a:rPr lang="en-US" altLang="zh-TW" b="1" i="1" dirty="0">
+                <a:solidFill>
+                  <a:srgbClr val="0070C0"/>
+                </a:solidFill>
+                <a:hlinkClick r:id="rId4"/>
+              </a:rPr>
+              <a:t>://www.python.org/downloads/</a:t>
+            </a:r>
+            <a:endParaRPr lang="en-US" altLang="zh-TW" b="1" i="1" dirty="0">
               <a:solidFill>
-                <a:srgbClr val="FF0000"/>
+                <a:srgbClr val="0070C0"/>
               </a:solidFill>
             </a:endParaRPr>
           </a:p>
@@ -21507,20 +21532,20 @@
           <a:p>
             <a:pPr algn="ctr"/>
             <a:r>
-              <a:rPr lang="en-US" altLang="zh-TW" sz="4000" dirty="0">
+              <a:rPr lang="en-US" altLang="zh-TW" sz="4000">
                 <a:solidFill>
                   <a:schemeClr val="tx1"/>
                 </a:solidFill>
               </a:rPr>
-              <a:t>Python I</a:t>
-            </a:r>
-            <a:r>
-              <a:rPr lang="en-US" altLang="zh-TW" sz="4000" dirty="0" smtClean="0">
+              <a:t>Python </a:t>
+            </a:r>
+            <a:r>
+              <a:rPr lang="en-US" altLang="zh-TW" sz="4000" smtClean="0">
                 <a:solidFill>
                   <a:schemeClr val="tx1"/>
                 </a:solidFill>
               </a:rPr>
-              <a:t>nstall </a:t>
+              <a:t>Install </a:t>
             </a:r>
             <a:endParaRPr lang="en-US" altLang="zh-TW" sz="4000" dirty="0">
               <a:solidFill>
@@ -24368,21 +24393,18 @@
           <a:p>
             <a:pPr algn="ctr"/>
             <a:r>
-              <a:rPr lang="en-US" altLang="zh-TW" sz="6600" smtClean="0">
+              <a:rPr lang="en-US" altLang="zh-TW" sz="6600">
                 <a:solidFill>
                   <a:schemeClr val="tx1"/>
                 </a:solidFill>
               </a:rPr>
-              <a:t>Anaconda(Spyder</a:t>
-            </a:r>
-            <a:r>
-              <a:rPr lang="en-US" altLang="zh-TW" sz="6600" dirty="0">
-                <a:solidFill>
-                  <a:schemeClr val="tx1"/>
-                </a:solidFill>
-              </a:rPr>
-              <a:t>) </a:t>
-            </a:r>
+              <a:t>Visual Studio Code </a:t>
+            </a:r>
+            <a:endParaRPr lang="en-US" altLang="zh-TW" sz="6600" dirty="0">
+              <a:solidFill>
+                <a:schemeClr val="tx1"/>
+              </a:solidFill>
+            </a:endParaRPr>
           </a:p>
         </p:txBody>
       </p:sp>
@@ -30961,7 +30983,7 @@
         </p:nvSpPr>
         <p:spPr>
           <a:xfrm>
-            <a:off x="565190" y="480204"/>
+            <a:off x="565190" y="337716"/>
             <a:ext cx="8596668" cy="1320800"/>
           </a:xfrm>
         </p:spPr>
@@ -30973,28 +30995,20 @@
           <a:p>
             <a:pPr algn="ctr"/>
             <a:r>
-              <a:rPr lang="en-US" altLang="zh-TW" sz="4000" dirty="0" smtClean="0">
+              <a:rPr lang="en-US" altLang="zh-TW" sz="4000">
                 <a:solidFill>
                   <a:schemeClr val="tx1"/>
                 </a:solidFill>
               </a:rPr>
-              <a:t>Anaconda (</a:t>
-            </a:r>
-            <a:r>
-              <a:rPr lang="en-US" altLang="zh-TW" sz="4000" dirty="0" err="1" smtClean="0">
+              <a:t>Visual Studio </a:t>
+            </a:r>
+            <a:r>
+              <a:rPr lang="en-US" altLang="zh-TW" sz="4000" smtClean="0">
                 <a:solidFill>
                   <a:schemeClr val="tx1"/>
                 </a:solidFill>
               </a:rPr>
-              <a:t>Spyder</a:t>
-            </a:r>
-            <a:r>
-              <a:rPr lang="en-US" altLang="zh-TW" sz="4000" dirty="0" smtClean="0">
-                <a:solidFill>
-                  <a:schemeClr val="tx1"/>
-                </a:solidFill>
-              </a:rPr>
-              <a:t>) </a:t>
+              <a:t>Code</a:t>
             </a:r>
             <a:endParaRPr lang="en-US" altLang="zh-TW" sz="4000" dirty="0">
               <a:solidFill>
@@ -31004,39 +31018,60 @@
           </a:p>
         </p:txBody>
       </p:sp>
-      <p:pic>
-        <p:nvPicPr>
-          <p:cNvPr id="3" name="圖片 2"/>
-          <p:cNvPicPr>
-            <a:picLocks noChangeAspect="1"/>
-          </p:cNvPicPr>
+      <p:sp>
+        <p:nvSpPr>
+          <p:cNvPr id="5" name="矩形 4"/>
+          <p:cNvSpPr/>
           <p:nvPr/>
-        </p:nvPicPr>
-        <p:blipFill>
-          <a:blip r:embed="rId2">
-            <a:extLst>
-              <a:ext uri="{28A0092B-C50C-407E-A947-70E740481C1C}">
-                <a14:useLocalDpi xmlns:a14="http://schemas.microsoft.com/office/drawing/2010/main" val="0"/>
-              </a:ext>
-            </a:extLst>
-          </a:blip>
-          <a:stretch>
-            <a:fillRect/>
-          </a:stretch>
-        </p:blipFill>
+        </p:nvSpPr>
         <p:spPr>
           <a:xfrm>
-            <a:off x="297675" y="2439359"/>
-            <a:ext cx="5489416" cy="3434600"/>
+            <a:off x="897328" y="1473850"/>
+            <a:ext cx="4928705" cy="369332"/>
           </a:xfrm>
           <a:prstGeom prst="rect">
             <a:avLst/>
           </a:prstGeom>
         </p:spPr>
-      </p:pic>
+        <p:txBody>
+          <a:bodyPr wrap="square">
+            <a:spAutoFit/>
+          </a:bodyPr>
+          <a:lstStyle/>
+          <a:p>
+            <a:r>
+              <a:rPr lang="en-US" altLang="zh-TW" smtClean="0"/>
+              <a:t>Download : </a:t>
+            </a:r>
+            <a:r>
+              <a:rPr lang="zh-TW" altLang="en-US" b="1" i="1" smtClean="0">
+                <a:solidFill>
+                  <a:srgbClr val="0070C0"/>
+                </a:solidFill>
+                <a:hlinkClick r:id="rId2"/>
+              </a:rPr>
+              <a:t>https</a:t>
+            </a:r>
+            <a:r>
+              <a:rPr lang="zh-TW" altLang="en-US" b="1" i="1">
+                <a:solidFill>
+                  <a:srgbClr val="0070C0"/>
+                </a:solidFill>
+                <a:hlinkClick r:id="rId2"/>
+              </a:rPr>
+              <a:t>://code.visualstudio.com/</a:t>
+            </a:r>
+            <a:endParaRPr lang="zh-TW" altLang="en-US" b="1" i="1">
+              <a:solidFill>
+                <a:srgbClr val="0070C0"/>
+              </a:solidFill>
+            </a:endParaRPr>
+          </a:p>
+        </p:txBody>
+      </p:sp>
       <p:pic>
         <p:nvPicPr>
-          <p:cNvPr id="4" name="圖片 3"/>
+          <p:cNvPr id="6" name="圖片 5"/>
           <p:cNvPicPr>
             <a:picLocks noChangeAspect="1"/>
           </p:cNvPicPr>
@@ -31056,45 +31091,14 @@
         </p:blipFill>
         <p:spPr>
           <a:xfrm>
-            <a:off x="5787091" y="2439359"/>
-            <a:ext cx="4718013" cy="3629241"/>
+            <a:off x="695316" y="2249580"/>
+            <a:ext cx="8336415" cy="4318950"/>
           </a:xfrm>
           <a:prstGeom prst="rect">
             <a:avLst/>
           </a:prstGeom>
         </p:spPr>
       </p:pic>
-      <p:sp>
-        <p:nvSpPr>
-          <p:cNvPr id="2" name="矩形 1"/>
-          <p:cNvSpPr/>
-          <p:nvPr/>
-        </p:nvSpPr>
-        <p:spPr>
-          <a:xfrm>
-            <a:off x="565190" y="1658516"/>
-            <a:ext cx="7197227" cy="461665"/>
-          </a:xfrm>
-          <a:prstGeom prst="rect">
-            <a:avLst/>
-          </a:prstGeom>
-        </p:spPr>
-        <p:txBody>
-          <a:bodyPr wrap="none">
-            <a:spAutoFit/>
-          </a:bodyPr>
-          <a:lstStyle/>
-          <a:p>
-            <a:r>
-              <a:rPr lang="en-US" altLang="zh-TW" sz="2400" b="1" i="1" dirty="0">
-                <a:hlinkClick r:id="rId4"/>
-              </a:rPr>
-              <a:t>https://www.anaconda.com/products/individual</a:t>
-            </a:r>
-            <a:endParaRPr lang="en-US" altLang="zh-TW" sz="2400" b="1" i="1" dirty="0"/>
-          </a:p>
-        </p:txBody>
-      </p:sp>
     </p:spTree>
     <p:extLst>
       <p:ext uri="{BB962C8B-B14F-4D97-AF65-F5344CB8AC3E}">
@@ -31573,28 +31577,12 @@
           <a:p>
             <a:pPr algn="ctr"/>
             <a:r>
-              <a:rPr lang="en-US" altLang="zh-TW" sz="4000" dirty="0">
+              <a:rPr lang="en-US" altLang="zh-TW" sz="4000">
                 <a:solidFill>
                   <a:schemeClr val="tx1"/>
                 </a:solidFill>
               </a:rPr>
-              <a:t>Anaconda (</a:t>
-            </a:r>
-            <a:r>
-              <a:rPr lang="en-US" altLang="zh-TW" sz="4000" dirty="0" err="1" smtClean="0">
-                <a:solidFill>
-                  <a:schemeClr val="tx1"/>
-                </a:solidFill>
-              </a:rPr>
-              <a:t>Spyder</a:t>
-            </a:r>
-            <a:r>
-              <a:rPr lang="en-US" altLang="zh-TW" sz="4000" dirty="0" smtClean="0">
-                <a:solidFill>
-                  <a:schemeClr val="tx1"/>
-                </a:solidFill>
-              </a:rPr>
-              <a:t>) </a:t>
+              <a:t>Visual Studio Code</a:t>
             </a:r>
             <a:endParaRPr lang="en-US" altLang="zh-TW" sz="4000" dirty="0">
               <a:solidFill>
@@ -31604,36 +31592,6 @@
           </a:p>
         </p:txBody>
       </p:sp>
-      <p:pic>
-        <p:nvPicPr>
-          <p:cNvPr id="3" name="圖片 2"/>
-          <p:cNvPicPr>
-            <a:picLocks noChangeAspect="1"/>
-          </p:cNvPicPr>
-          <p:nvPr/>
-        </p:nvPicPr>
-        <p:blipFill>
-          <a:blip r:embed="rId2">
-            <a:extLst>
-              <a:ext uri="{28A0092B-C50C-407E-A947-70E740481C1C}">
-                <a14:useLocalDpi xmlns:a14="http://schemas.microsoft.com/office/drawing/2010/main" val="0"/>
-              </a:ext>
-            </a:extLst>
-          </a:blip>
-          <a:stretch>
-            <a:fillRect/>
-          </a:stretch>
-        </p:blipFill>
-        <p:spPr>
-          <a:xfrm>
-            <a:off x="3174274" y="1507705"/>
-            <a:ext cx="8583530" cy="4976123"/>
-          </a:xfrm>
-          <a:prstGeom prst="rect">
-            <a:avLst/>
-          </a:prstGeom>
-        </p:spPr>
-      </p:pic>
       <p:sp>
         <p:nvSpPr>
           <p:cNvPr id="4" name="文字方塊 3"/>
@@ -31661,13 +31619,18 @@
               <a:buChar char="•"/>
             </a:pPr>
             <a:r>
-              <a:rPr lang="en-US" altLang="zh-TW" sz="2400" dirty="0" smtClean="0">
+              <a:rPr lang="en-US" altLang="zh-TW" sz="2400" smtClean="0">
                 <a:solidFill>
                   <a:srgbClr val="FF0000"/>
                 </a:solidFill>
               </a:rPr>
-              <a:t>Browse tabs </a:t>
-            </a:r>
+              <a:t>Explorer </a:t>
+            </a:r>
+            <a:endParaRPr lang="en-US" altLang="zh-TW" sz="2400" dirty="0" smtClean="0">
+              <a:solidFill>
+                <a:srgbClr val="FF0000"/>
+              </a:solidFill>
+            </a:endParaRPr>
           </a:p>
           <a:p>
             <a:endParaRPr lang="en-US" altLang="zh-TW" sz="2400" dirty="0">
@@ -31682,12 +31645,12 @@
               <a:buChar char="•"/>
             </a:pPr>
             <a:r>
-              <a:rPr lang="en-US" altLang="zh-TW" sz="2400" dirty="0" smtClean="0">
+              <a:rPr lang="en-US" altLang="zh-TW" sz="2400" smtClean="0">
                 <a:solidFill>
                   <a:srgbClr val="00B050"/>
                 </a:solidFill>
               </a:rPr>
-              <a:t>Variables explorer  </a:t>
+              <a:t>Code </a:t>
             </a:r>
           </a:p>
           <a:p>
@@ -31726,6 +31689,36 @@
           </a:p>
         </p:txBody>
       </p:sp>
+      <p:pic>
+        <p:nvPicPr>
+          <p:cNvPr id="2" name="圖片 1"/>
+          <p:cNvPicPr>
+            <a:picLocks noChangeAspect="1"/>
+          </p:cNvPicPr>
+          <p:nvPr/>
+        </p:nvPicPr>
+        <p:blipFill>
+          <a:blip r:embed="rId2">
+            <a:extLst>
+              <a:ext uri="{28A0092B-C50C-407E-A947-70E740481C1C}">
+                <a14:useLocalDpi xmlns:a14="http://schemas.microsoft.com/office/drawing/2010/main" val="0"/>
+              </a:ext>
+            </a:extLst>
+          </a:blip>
+          <a:stretch>
+            <a:fillRect/>
+          </a:stretch>
+        </p:blipFill>
+        <p:spPr>
+          <a:xfrm>
+            <a:off x="2279372" y="1415862"/>
+            <a:ext cx="8105600" cy="5050252"/>
+          </a:xfrm>
+          <a:prstGeom prst="rect">
+            <a:avLst/>
+          </a:prstGeom>
+        </p:spPr>
+      </p:pic>
     </p:spTree>
     <p:extLst>
       <p:ext uri="{BB962C8B-B14F-4D97-AF65-F5344CB8AC3E}">
@@ -31795,28 +31788,12 @@
           <a:p>
             <a:pPr algn="ctr"/>
             <a:r>
-              <a:rPr lang="en-US" altLang="zh-TW" sz="4000" dirty="0">
+              <a:rPr lang="en-US" altLang="zh-TW" sz="4000">
                 <a:solidFill>
                   <a:schemeClr val="tx1"/>
                 </a:solidFill>
               </a:rPr>
-              <a:t>Anaconda (</a:t>
-            </a:r>
-            <a:r>
-              <a:rPr lang="en-US" altLang="zh-TW" sz="4000" dirty="0" err="1" smtClean="0">
-                <a:solidFill>
-                  <a:schemeClr val="tx1"/>
-                </a:solidFill>
-              </a:rPr>
-              <a:t>Spyder</a:t>
-            </a:r>
-            <a:r>
-              <a:rPr lang="en-US" altLang="zh-TW" sz="4000" dirty="0" smtClean="0">
-                <a:solidFill>
-                  <a:schemeClr val="tx1"/>
-                </a:solidFill>
-              </a:rPr>
-              <a:t>) </a:t>
+              <a:t>Visual Studio Code</a:t>
             </a:r>
             <a:endParaRPr lang="en-US" altLang="zh-TW" sz="4000" dirty="0">
               <a:solidFill>
@@ -31834,8 +31811,8 @@
         </p:nvSpPr>
         <p:spPr>
           <a:xfrm>
-            <a:off x="224287" y="1708030"/>
-            <a:ext cx="3398807" cy="461665"/>
+            <a:off x="172034" y="1198099"/>
+            <a:ext cx="4831040" cy="1261884"/>
           </a:xfrm>
           <a:prstGeom prst="rect">
             <a:avLst/>
@@ -31848,24 +31825,53 @@
           </a:bodyPr>
           <a:lstStyle/>
           <a:p>
+            <a:r>
+              <a:rPr lang="en-US" altLang="zh-TW" sz="2800" smtClean="0">
+                <a:solidFill>
+                  <a:srgbClr val="FF0000"/>
+                </a:solidFill>
+              </a:rPr>
+              <a:t>Debug mode</a:t>
+            </a:r>
+          </a:p>
+          <a:p>
             <a:pPr marL="285750" indent="-285750">
               <a:buFont typeface="Arial" panose="020B0604020202020204" pitchFamily="34" charset="0"/>
               <a:buChar char="•"/>
             </a:pPr>
             <a:r>
-              <a:rPr lang="en-US" altLang="zh-TW" sz="2400" dirty="0" smtClean="0">
-                <a:solidFill>
-                  <a:srgbClr val="FF0000"/>
-                </a:solidFill>
-              </a:rPr>
-              <a:t>Debug mode </a:t>
-            </a:r>
+              <a:rPr lang="en-US" altLang="zh-TW" sz="2400" smtClean="0">
+                <a:solidFill>
+                  <a:srgbClr val="0070C0"/>
+                </a:solidFill>
+              </a:rPr>
+              <a:t>By step to execute</a:t>
+            </a:r>
+          </a:p>
+          <a:p>
+            <a:pPr marL="285750" indent="-285750">
+              <a:buFont typeface="Arial" panose="020B0604020202020204" pitchFamily="34" charset="0"/>
+              <a:buChar char="•"/>
+            </a:pPr>
+            <a:r>
+              <a:rPr lang="en-US" altLang="zh-TW" sz="2400" smtClean="0">
+                <a:solidFill>
+                  <a:srgbClr val="0070C0"/>
+                </a:solidFill>
+              </a:rPr>
+              <a:t>View all of the variables </a:t>
+            </a:r>
+            <a:endParaRPr lang="en-US" altLang="zh-TW" sz="2400" dirty="0" smtClean="0">
+              <a:solidFill>
+                <a:srgbClr val="0070C0"/>
+              </a:solidFill>
+            </a:endParaRPr>
           </a:p>
         </p:txBody>
       </p:sp>
       <p:pic>
         <p:nvPicPr>
-          <p:cNvPr id="7" name="圖片 6"/>
+          <p:cNvPr id="2" name="圖片 1"/>
           <p:cNvPicPr>
             <a:picLocks noChangeAspect="1"/>
           </p:cNvPicPr>
@@ -31885,8 +31891,8 @@
         </p:blipFill>
         <p:spPr>
           <a:xfrm>
-            <a:off x="3165894" y="1483744"/>
-            <a:ext cx="8574656" cy="4986067"/>
+            <a:off x="966651" y="2644046"/>
+            <a:ext cx="8072846" cy="4020918"/>
           </a:xfrm>
           <a:prstGeom prst="rect">
             <a:avLst/>

--- a/Python Introduction.pptx
+++ b/Python Introduction.pptx
@@ -188,7 +188,7 @@
 </file>
 
 <file path=ppt/slideLayouts/slideLayout1.xml><?xml version="1.0" encoding="utf-8"?>
-<p:sldLayout xmlns:a="http://schemas.openxmlformats.org/drawingml/2006/main" xmlns:r="http://schemas.openxmlformats.org/officeDocument/2006/relationships" xmlns:p="http://schemas.openxmlformats.org/presentationml/2006/main" showMasterSp="0" type="title" preserve="1">
+<p:sldLayout xmlns:a="http://schemas.openxmlformats.org/drawingml/2006/main" xmlns:r="http://schemas.openxmlformats.org/officeDocument/2006/relationships" xmlns:p="http://schemas.openxmlformats.org/presentationml/2006/main" type="title" preserve="1">
   <p:cSld name="標題投影片">
     <p:spTree>
       <p:nvGrpSpPr>
@@ -932,7 +932,7 @@
           <a:p>
             <a:fld id="{117F0709-AC62-415F-B52D-54A77B1A61B0}" type="datetimeFigureOut">
               <a:rPr lang="zh-TW" altLang="en-US" smtClean="0"/>
-              <a:t>2022/4/29</a:t>
+              <a:t>2022/4/30</a:t>
             </a:fld>
             <a:endParaRPr lang="zh-TW" altLang="en-US"/>
           </a:p>
@@ -1183,7 +1183,7 @@
           <a:p>
             <a:fld id="{117F0709-AC62-415F-B52D-54A77B1A61B0}" type="datetimeFigureOut">
               <a:rPr lang="zh-TW" altLang="en-US" smtClean="0"/>
-              <a:t>2022/4/29</a:t>
+              <a:t>2022/4/30</a:t>
             </a:fld>
             <a:endParaRPr lang="zh-TW" altLang="en-US"/>
           </a:p>
@@ -1497,7 +1497,7 @@
           <a:p>
             <a:fld id="{117F0709-AC62-415F-B52D-54A77B1A61B0}" type="datetimeFigureOut">
               <a:rPr lang="zh-TW" altLang="en-US" smtClean="0"/>
-              <a:t>2022/4/29</a:t>
+              <a:t>2022/4/30</a:t>
             </a:fld>
             <a:endParaRPr lang="zh-TW" altLang="en-US"/>
           </a:p>
@@ -1830,7 +1830,7 @@
           <a:p>
             <a:fld id="{117F0709-AC62-415F-B52D-54A77B1A61B0}" type="datetimeFigureOut">
               <a:rPr lang="zh-TW" altLang="en-US" smtClean="0"/>
-              <a:t>2022/4/29</a:t>
+              <a:t>2022/4/30</a:t>
             </a:fld>
             <a:endParaRPr lang="zh-TW" altLang="en-US"/>
           </a:p>
@@ -2144,7 +2144,7 @@
           <a:p>
             <a:fld id="{117F0709-AC62-415F-B52D-54A77B1A61B0}" type="datetimeFigureOut">
               <a:rPr lang="zh-TW" altLang="en-US" smtClean="0"/>
-              <a:t>2022/4/29</a:t>
+              <a:t>2022/4/30</a:t>
             </a:fld>
             <a:endParaRPr lang="zh-TW" altLang="en-US"/>
           </a:p>
@@ -2537,7 +2537,7 @@
           <a:p>
             <a:fld id="{117F0709-AC62-415F-B52D-54A77B1A61B0}" type="datetimeFigureOut">
               <a:rPr lang="zh-TW" altLang="en-US" smtClean="0"/>
-              <a:t>2022/4/29</a:t>
+              <a:t>2022/4/30</a:t>
             </a:fld>
             <a:endParaRPr lang="zh-TW" altLang="en-US"/>
           </a:p>
@@ -2707,7 +2707,7 @@
           <a:p>
             <a:fld id="{117F0709-AC62-415F-B52D-54A77B1A61B0}" type="datetimeFigureOut">
               <a:rPr lang="zh-TW" altLang="en-US" smtClean="0"/>
-              <a:t>2022/4/29</a:t>
+              <a:t>2022/4/30</a:t>
             </a:fld>
             <a:endParaRPr lang="zh-TW" altLang="en-US"/>
           </a:p>
@@ -2887,7 +2887,7 @@
           <a:p>
             <a:fld id="{117F0709-AC62-415F-B52D-54A77B1A61B0}" type="datetimeFigureOut">
               <a:rPr lang="zh-TW" altLang="en-US" smtClean="0"/>
-              <a:t>2022/4/29</a:t>
+              <a:t>2022/4/30</a:t>
             </a:fld>
             <a:endParaRPr lang="zh-TW" altLang="en-US"/>
           </a:p>
@@ -3057,7 +3057,7 @@
           <a:p>
             <a:fld id="{117F0709-AC62-415F-B52D-54A77B1A61B0}" type="datetimeFigureOut">
               <a:rPr lang="zh-TW" altLang="en-US" smtClean="0"/>
-              <a:t>2022/4/29</a:t>
+              <a:t>2022/4/30</a:t>
             </a:fld>
             <a:endParaRPr lang="zh-TW" altLang="en-US"/>
           </a:p>
@@ -3304,7 +3304,7 @@
           <a:p>
             <a:fld id="{117F0709-AC62-415F-B52D-54A77B1A61B0}" type="datetimeFigureOut">
               <a:rPr lang="zh-TW" altLang="en-US" smtClean="0"/>
-              <a:t>2022/4/29</a:t>
+              <a:t>2022/4/30</a:t>
             </a:fld>
             <a:endParaRPr lang="zh-TW" altLang="en-US"/>
           </a:p>
@@ -3536,7 +3536,7 @@
           <a:p>
             <a:fld id="{117F0709-AC62-415F-B52D-54A77B1A61B0}" type="datetimeFigureOut">
               <a:rPr lang="zh-TW" altLang="en-US" smtClean="0"/>
-              <a:t>2022/4/29</a:t>
+              <a:t>2022/4/30</a:t>
             </a:fld>
             <a:endParaRPr lang="zh-TW" altLang="en-US"/>
           </a:p>
@@ -3910,7 +3910,7 @@
           <a:p>
             <a:fld id="{117F0709-AC62-415F-B52D-54A77B1A61B0}" type="datetimeFigureOut">
               <a:rPr lang="zh-TW" altLang="en-US" smtClean="0"/>
-              <a:t>2022/4/29</a:t>
+              <a:t>2022/4/30</a:t>
             </a:fld>
             <a:endParaRPr lang="zh-TW" altLang="en-US"/>
           </a:p>
@@ -4033,7 +4033,7 @@
           <a:p>
             <a:fld id="{117F0709-AC62-415F-B52D-54A77B1A61B0}" type="datetimeFigureOut">
               <a:rPr lang="zh-TW" altLang="en-US" smtClean="0"/>
-              <a:t>2022/4/29</a:t>
+              <a:t>2022/4/30</a:t>
             </a:fld>
             <a:endParaRPr lang="zh-TW" altLang="en-US"/>
           </a:p>
@@ -4128,7 +4128,7 @@
           <a:p>
             <a:fld id="{117F0709-AC62-415F-B52D-54A77B1A61B0}" type="datetimeFigureOut">
               <a:rPr lang="zh-TW" altLang="en-US" smtClean="0"/>
-              <a:t>2022/4/29</a:t>
+              <a:t>2022/4/30</a:t>
             </a:fld>
             <a:endParaRPr lang="zh-TW" altLang="en-US"/>
           </a:p>
@@ -4383,7 +4383,7 @@
           <a:p>
             <a:fld id="{117F0709-AC62-415F-B52D-54A77B1A61B0}" type="datetimeFigureOut">
               <a:rPr lang="zh-TW" altLang="en-US" smtClean="0"/>
-              <a:t>2022/4/29</a:t>
+              <a:t>2022/4/30</a:t>
             </a:fld>
             <a:endParaRPr lang="zh-TW" altLang="en-US"/>
           </a:p>
@@ -4688,7 +4688,7 @@
           <a:p>
             <a:fld id="{117F0709-AC62-415F-B52D-54A77B1A61B0}" type="datetimeFigureOut">
               <a:rPr lang="zh-TW" altLang="en-US" smtClean="0"/>
-              <a:t>2022/4/29</a:t>
+              <a:t>2022/4/30</a:t>
             </a:fld>
             <a:endParaRPr lang="zh-TW" altLang="en-US"/>
           </a:p>
@@ -5390,7 +5390,7 @@
           <a:p>
             <a:fld id="{117F0709-AC62-415F-B52D-54A77B1A61B0}" type="datetimeFigureOut">
               <a:rPr lang="zh-TW" altLang="en-US" smtClean="0"/>
-              <a:t>2022/4/29</a:t>
+              <a:t>2022/4/30</a:t>
             </a:fld>
             <a:endParaRPr lang="zh-TW" altLang="en-US"/>
           </a:p>
@@ -6300,6 +6300,9 @@
           <a:prstGeom prst="rect">
             <a:avLst/>
           </a:prstGeom>
+          <a:effectLst>
+            <a:softEdge rad="76200"/>
+          </a:effectLst>
         </p:spPr>
       </p:pic>
     </p:spTree>
@@ -6511,6 +6514,9 @@
           <a:prstGeom prst="rect">
             <a:avLst/>
           </a:prstGeom>
+          <a:effectLst>
+            <a:softEdge rad="76200"/>
+          </a:effectLst>
         </p:spPr>
       </p:pic>
     </p:spTree>
@@ -6620,7 +6626,7 @@
           <a:lstStyle/>
           <a:p>
             <a:r>
-              <a:rPr lang="en-US" altLang="zh-TW" sz="2800" smtClean="0">
+              <a:rPr lang="en-US" altLang="zh-TW" sz="2800" dirty="0" smtClean="0">
                 <a:solidFill>
                   <a:srgbClr val="FF0000"/>
                 </a:solidFill>
@@ -6634,7 +6640,7 @@
               <a:buChar char="•"/>
             </a:pPr>
             <a:r>
-              <a:rPr lang="en-US" altLang="zh-TW" sz="2400" smtClean="0">
+              <a:rPr lang="en-US" altLang="zh-TW" sz="2400" dirty="0" smtClean="0">
                 <a:solidFill>
                   <a:srgbClr val="0070C0"/>
                 </a:solidFill>
@@ -6648,18 +6654,13 @@
               <a:buChar char="•"/>
             </a:pPr>
             <a:r>
-              <a:rPr lang="en-US" altLang="zh-TW" sz="2400" smtClean="0">
+              <a:rPr lang="en-US" altLang="zh-TW" sz="2400" dirty="0" smtClean="0">
                 <a:solidFill>
                   <a:srgbClr val="0070C0"/>
                 </a:solidFill>
               </a:rPr>
               <a:t>View all of the variables </a:t>
             </a:r>
-            <a:endParaRPr lang="en-US" altLang="zh-TW" sz="2400" dirty="0" smtClean="0">
-              <a:solidFill>
-                <a:srgbClr val="0070C0"/>
-              </a:solidFill>
-            </a:endParaRPr>
           </a:p>
         </p:txBody>
       </p:sp>
@@ -6685,12 +6686,15 @@
         </p:blipFill>
         <p:spPr>
           <a:xfrm>
-            <a:off x="966651" y="2644046"/>
-            <a:ext cx="8072846" cy="4020918"/>
+            <a:off x="4245428" y="1198099"/>
+            <a:ext cx="7188926" cy="4926929"/>
           </a:xfrm>
           <a:prstGeom prst="rect">
             <a:avLst/>
           </a:prstGeom>
+          <a:effectLst>
+            <a:softEdge rad="76200"/>
+          </a:effectLst>
         </p:spPr>
       </p:pic>
     </p:spTree>
@@ -6908,6 +6912,9 @@
           <a:prstGeom prst="rect">
             <a:avLst/>
           </a:prstGeom>
+          <a:effectLst>
+            <a:softEdge rad="76200"/>
+          </a:effectLst>
         </p:spPr>
       </p:pic>
       <p:sp>
@@ -7161,6 +7168,9 @@
           <a:prstGeom prst="rect">
             <a:avLst/>
           </a:prstGeom>
+          <a:effectLst>
+            <a:softEdge rad="76200"/>
+          </a:effectLst>
         </p:spPr>
       </p:pic>
     </p:spTree>
@@ -7334,6 +7344,9 @@
           <a:prstGeom prst="rect">
             <a:avLst/>
           </a:prstGeom>
+          <a:effectLst>
+            <a:softEdge rad="76200"/>
+          </a:effectLst>
         </p:spPr>
       </p:pic>
     </p:spTree>
@@ -8347,65 +8360,53 @@
           <a:p>
             <a:r>
               <a:rPr lang="en-US" altLang="zh-TW" sz="2400" dirty="0" smtClean="0"/>
-              <a:t>Python install for Windows (</a:t>
+              <a:t>Python install for Windows</a:t>
+            </a:r>
+          </a:p>
+          <a:p>
+            <a:r>
+              <a:rPr lang="en-US" altLang="zh-TW" sz="2400" dirty="0" smtClean="0"/>
+              <a:t>Visual </a:t>
             </a:r>
             <a:r>
               <a:rPr lang="en-US" altLang="zh-TW" sz="2400" dirty="0"/>
-              <a:t>Python </a:t>
+              <a:t>Studio </a:t>
             </a:r>
             <a:r>
               <a:rPr lang="en-US" altLang="zh-TW" sz="2400" dirty="0" smtClean="0"/>
-              <a:t>3.9.2</a:t>
+              <a:t>Code</a:t>
+            </a:r>
+            <a:r>
+              <a:rPr lang="zh-TW" altLang="en-US" sz="2400" dirty="0" smtClean="0"/>
+              <a:t> </a:t>
+            </a:r>
+            <a:r>
+              <a:rPr lang="en-US" altLang="zh-TW" sz="2400" dirty="0" smtClean="0"/>
+              <a:t>/</a:t>
+            </a:r>
+            <a:r>
+              <a:rPr lang="zh-TW" altLang="en-US" sz="2400" dirty="0" smtClean="0"/>
+              <a:t> </a:t>
+            </a:r>
+            <a:r>
+              <a:rPr lang="en-US" altLang="zh-TW" sz="2400" dirty="0" smtClean="0"/>
+              <a:t>Anaconda </a:t>
+            </a:r>
+            <a:r>
+              <a:rPr lang="en-US" altLang="zh-TW" sz="2400" dirty="0" err="1" smtClean="0"/>
+              <a:t>Spyder</a:t>
+            </a:r>
+            <a:endParaRPr lang="en-US" altLang="zh-TW" sz="2400" dirty="0" smtClean="0"/>
+          </a:p>
+          <a:p>
+            <a:r>
+              <a:rPr lang="en-US" altLang="zh-TW" sz="2400" dirty="0"/>
+              <a:t>Package Install (Pip install</a:t>
             </a:r>
             <a:r>
               <a:rPr lang="en-US" altLang="zh-TW" sz="2400" dirty="0" smtClean="0"/>
               <a:t>)</a:t>
             </a:r>
-          </a:p>
-          <a:p>
-            <a:r>
-              <a:rPr lang="en-US" altLang="zh-TW" sz="2400" dirty="0" smtClean="0"/>
-              <a:t>Visual </a:t>
-            </a:r>
-            <a:r>
-              <a:rPr lang="en-US" altLang="zh-TW" sz="2400" dirty="0"/>
-              <a:t>Studio </a:t>
-            </a:r>
-            <a:r>
-              <a:rPr lang="en-US" altLang="zh-TW" sz="2400" dirty="0" smtClean="0"/>
-              <a:t>Code</a:t>
-            </a:r>
-            <a:r>
-              <a:rPr lang="zh-TW" altLang="en-US" sz="2400" dirty="0" smtClean="0"/>
-              <a:t> </a:t>
-            </a:r>
-            <a:r>
-              <a:rPr lang="en-US" altLang="zh-TW" sz="2400" dirty="0" smtClean="0"/>
-              <a:t>/</a:t>
-            </a:r>
-            <a:r>
-              <a:rPr lang="zh-TW" altLang="en-US" sz="2400" dirty="0" smtClean="0"/>
-              <a:t> </a:t>
-            </a:r>
-            <a:r>
-              <a:rPr lang="en-US" altLang="zh-TW" sz="2400" dirty="0" smtClean="0"/>
-              <a:t>Anaconda </a:t>
-            </a:r>
-            <a:r>
-              <a:rPr lang="en-US" altLang="zh-TW" sz="2400" dirty="0" err="1" smtClean="0"/>
-              <a:t>Spyder</a:t>
-            </a:r>
-            <a:endParaRPr lang="en-US" altLang="zh-TW" sz="2400" dirty="0" smtClean="0"/>
-          </a:p>
-          <a:p>
-            <a:r>
-              <a:rPr lang="en-US" altLang="zh-TW" sz="2400" dirty="0"/>
-              <a:t>Package Install (Pip install</a:t>
-            </a:r>
-            <a:r>
-              <a:rPr lang="en-US" altLang="zh-TW" sz="2400" dirty="0" smtClean="0"/>
-              <a:t>)</a:t>
-            </a:r>
             <a:endParaRPr lang="en-US" altLang="zh-TW" sz="2400" dirty="0"/>
           </a:p>
           <a:p>
@@ -8417,7 +8418,6 @@
               <a:rPr lang="en-US" altLang="zh-TW" sz="2000" dirty="0" smtClean="0"/>
               <a:t> </a:t>
             </a:r>
-            <a:endParaRPr lang="en-US" altLang="zh-TW" sz="2000" dirty="0" smtClean="0"/>
           </a:p>
           <a:p>
             <a:pPr lvl="1"/>
@@ -13184,6 +13184,9 @@
               <a:lumMod val="85000"/>
             </a:schemeClr>
           </a:solidFill>
+          <a:effectLst>
+            <a:softEdge rad="38100"/>
+          </a:effectLst>
         </p:spPr>
         <p:txBody>
           <a:bodyPr wrap="square" rtlCol="0">
@@ -13303,6 +13306,9 @@
           <a:prstGeom prst="rect">
             <a:avLst/>
           </a:prstGeom>
+          <a:effectLst>
+            <a:softEdge rad="38100"/>
+          </a:effectLst>
         </p:spPr>
       </p:pic>
     </p:spTree>
@@ -13484,6 +13490,9 @@
               <a:lumMod val="85000"/>
             </a:schemeClr>
           </a:solidFill>
+          <a:effectLst>
+            <a:softEdge rad="31750"/>
+          </a:effectLst>
         </p:spPr>
         <p:txBody>
           <a:bodyPr wrap="square" rtlCol="0">
@@ -13603,6 +13612,9 @@
           <a:prstGeom prst="rect">
             <a:avLst/>
           </a:prstGeom>
+          <a:effectLst>
+            <a:softEdge rad="31750"/>
+          </a:effectLst>
         </p:spPr>
       </p:pic>
     </p:spTree>
@@ -13788,6 +13800,9 @@
               <a:lumMod val="85000"/>
             </a:schemeClr>
           </a:solidFill>
+          <a:effectLst>
+            <a:softEdge rad="31750"/>
+          </a:effectLst>
         </p:spPr>
         <p:txBody>
           <a:bodyPr wrap="square" rtlCol="0">
@@ -13797,14 +13812,10 @@
           <a:p>
             <a:r>
               <a:rPr lang="en-US" altLang="zh-TW" sz="2400" dirty="0"/>
-              <a:t>x </a:t>
-            </a:r>
-            <a:r>
-              <a:rPr lang="en-US" altLang="zh-TW" sz="2400"/>
-              <a:t>= </a:t>
-            </a:r>
-            <a:r>
-              <a:rPr lang="en-US" altLang="zh-TW" sz="2400" smtClean="0">
+              <a:t>x = </a:t>
+            </a:r>
+            <a:r>
+              <a:rPr lang="en-US" altLang="zh-TW" sz="2400" dirty="0" smtClean="0">
                 <a:solidFill>
                   <a:schemeClr val="accent2">
                     <a:lumMod val="75000"/>
@@ -13814,7 +13825,7 @@
               <a:t>“string” </a:t>
             </a:r>
             <a:r>
-              <a:rPr lang="zh-TW" altLang="en-US" sz="2400" smtClean="0">
+              <a:rPr lang="zh-TW" altLang="en-US" sz="2400" dirty="0" smtClean="0">
                 <a:solidFill>
                   <a:schemeClr val="accent2">
                     <a:lumMod val="75000"/>
@@ -13824,12 +13835,8 @@
               <a:t>            </a:t>
             </a:r>
             <a:r>
-              <a:rPr lang="en-US" altLang="zh-TW" sz="2400" smtClean="0"/>
-              <a:t># Assign “string” </a:t>
-            </a:r>
-            <a:r>
               <a:rPr lang="en-US" altLang="zh-TW" sz="2400" dirty="0" smtClean="0"/>
-              <a:t>to x </a:t>
+              <a:t># Assign “string” to x </a:t>
             </a:r>
             <a:r>
               <a:rPr lang="en-US" altLang="zh-TW" sz="2400" dirty="0"/>
@@ -13843,15 +13850,15 @@
               <a:t>print(x</a:t>
             </a:r>
             <a:r>
-              <a:rPr lang="en-US" altLang="zh-TW" sz="2400" smtClean="0"/>
+              <a:rPr lang="en-US" altLang="zh-TW" sz="2400" dirty="0" smtClean="0"/>
               <a:t>) </a:t>
             </a:r>
             <a:r>
-              <a:rPr lang="zh-TW" altLang="en-US" sz="2400" smtClean="0"/>
+              <a:rPr lang="zh-TW" altLang="en-US" sz="2400" dirty="0" smtClean="0"/>
               <a:t>                  </a:t>
             </a:r>
             <a:r>
-              <a:rPr lang="en-US" altLang="zh-TW" sz="2400" smtClean="0"/>
+              <a:rPr lang="en-US" altLang="zh-TW" sz="2400" dirty="0" smtClean="0"/>
               <a:t># </a:t>
             </a:r>
             <a:r>
@@ -13866,15 +13873,15 @@
               <a:t>print(type(x</a:t>
             </a:r>
             <a:r>
-              <a:rPr lang="en-US" altLang="zh-TW" sz="2400" smtClean="0"/>
+              <a:rPr lang="en-US" altLang="zh-TW" sz="2400" dirty="0" smtClean="0"/>
               <a:t>)) </a:t>
             </a:r>
             <a:r>
-              <a:rPr lang="zh-TW" altLang="en-US" sz="2400" smtClean="0"/>
+              <a:rPr lang="zh-TW" altLang="en-US" sz="2400" dirty="0" smtClean="0"/>
               <a:t>         </a:t>
             </a:r>
             <a:r>
-              <a:rPr lang="en-US" altLang="zh-TW" sz="2400" smtClean="0"/>
+              <a:rPr lang="en-US" altLang="zh-TW" sz="2400" dirty="0" smtClean="0"/>
               <a:t># </a:t>
             </a:r>
             <a:r>
@@ -13919,6 +13926,9 @@
           <a:prstGeom prst="rect">
             <a:avLst/>
           </a:prstGeom>
+          <a:effectLst>
+            <a:softEdge rad="31750"/>
+          </a:effectLst>
         </p:spPr>
       </p:pic>
     </p:spTree>
@@ -14100,6 +14110,9 @@
               <a:lumMod val="85000"/>
             </a:schemeClr>
           </a:solidFill>
+          <a:effectLst>
+            <a:softEdge rad="31750"/>
+          </a:effectLst>
         </p:spPr>
         <p:txBody>
           <a:bodyPr wrap="square" rtlCol="0">
@@ -14303,6 +14316,9 @@
           <a:prstGeom prst="rect">
             <a:avLst/>
           </a:prstGeom>
+          <a:effectLst>
+            <a:softEdge rad="31750"/>
+          </a:effectLst>
         </p:spPr>
       </p:pic>
     </p:spTree>
@@ -14720,6 +14736,9 @@
               <a:lumMod val="85000"/>
             </a:schemeClr>
           </a:solidFill>
+          <a:effectLst>
+            <a:softEdge rad="31750"/>
+          </a:effectLst>
         </p:spPr>
         <p:txBody>
           <a:bodyPr wrap="square" rtlCol="0">
@@ -14728,11 +14747,11 @@
           <a:lstStyle/>
           <a:p>
             <a:r>
-              <a:rPr lang="en-US" altLang="zh-TW" sz="2400"/>
+              <a:rPr lang="en-US" altLang="zh-TW" sz="2400" dirty="0"/>
               <a:t>y = </a:t>
             </a:r>
             <a:r>
-              <a:rPr lang="en-US" altLang="zh-TW" sz="2400" smtClean="0">
+              <a:rPr lang="en-US" altLang="zh-TW" sz="2400" dirty="0" smtClean="0">
                 <a:solidFill>
                   <a:schemeClr val="accent4">
                     <a:lumMod val="75000"/>
@@ -14742,18 +14761,18 @@
               <a:t>False</a:t>
             </a:r>
             <a:r>
-              <a:rPr lang="en-US" altLang="zh-TW" sz="2400" smtClean="0"/>
+              <a:rPr lang="en-US" altLang="zh-TW" sz="2400" dirty="0" smtClean="0"/>
               <a:t>                       #Assign “False” to bool y </a:t>
             </a:r>
-            <a:endParaRPr lang="en-US" altLang="zh-TW" sz="2400"/>
-          </a:p>
-          <a:p>
-            <a:r>
-              <a:rPr lang="en-US" altLang="zh-TW" sz="2400" smtClean="0"/>
+            <a:endParaRPr lang="en-US" altLang="zh-TW" sz="2400" dirty="0"/>
+          </a:p>
+          <a:p>
+            <a:r>
+              <a:rPr lang="en-US" altLang="zh-TW" sz="2400" dirty="0" smtClean="0"/>
               <a:t>x = ( </a:t>
             </a:r>
             <a:r>
-              <a:rPr lang="en-US" altLang="zh-TW" sz="2400" smtClean="0">
+              <a:rPr lang="en-US" altLang="zh-TW" sz="2400" dirty="0" smtClean="0">
                 <a:solidFill>
                   <a:schemeClr val="accent5">
                     <a:lumMod val="75000"/>
@@ -14763,11 +14782,11 @@
               <a:t>1</a:t>
             </a:r>
             <a:r>
-              <a:rPr lang="en-US" altLang="zh-TW" sz="2400" smtClean="0"/>
+              <a:rPr lang="en-US" altLang="zh-TW" sz="2400" dirty="0" smtClean="0"/>
               <a:t> </a:t>
             </a:r>
             <a:r>
-              <a:rPr lang="en-US" altLang="zh-TW" sz="2400" smtClean="0">
+              <a:rPr lang="en-US" altLang="zh-TW" sz="2400" dirty="0" smtClean="0">
                 <a:solidFill>
                   <a:schemeClr val="accent2">
                     <a:lumMod val="75000"/>
@@ -14777,7 +14796,7 @@
               <a:t>,“string”, </a:t>
             </a:r>
             <a:r>
-              <a:rPr lang="en-US" altLang="zh-TW" sz="2400" smtClean="0">
+              <a:rPr lang="en-US" altLang="zh-TW" sz="2400" dirty="0" smtClean="0">
                 <a:solidFill>
                   <a:srgbClr val="7030A0"/>
                 </a:solidFill>
@@ -14785,43 +14804,43 @@
               <a:t>y</a:t>
             </a:r>
             <a:r>
-              <a:rPr lang="en-US" altLang="zh-TW" sz="2400" smtClean="0"/>
+              <a:rPr lang="en-US" altLang="zh-TW" sz="2400" dirty="0" smtClean="0"/>
               <a:t>) </a:t>
             </a:r>
             <a:r>
-              <a:rPr lang="zh-TW" altLang="en-US" sz="2400" smtClean="0"/>
+              <a:rPr lang="zh-TW" altLang="en-US" sz="2400" dirty="0" smtClean="0"/>
               <a:t>      </a:t>
             </a:r>
             <a:r>
-              <a:rPr lang="en-US" altLang="zh-TW" sz="2400" smtClean="0"/>
+              <a:rPr lang="en-US" altLang="zh-TW" sz="2400" dirty="0" smtClean="0"/>
               <a:t>#Assign (1, “string”, y) to tuple x  </a:t>
             </a:r>
           </a:p>
           <a:p>
             <a:r>
-              <a:rPr lang="en-US" altLang="zh-TW" sz="2400" smtClean="0"/>
+              <a:rPr lang="en-US" altLang="zh-TW" sz="2400" dirty="0" smtClean="0"/>
               <a:t>print(x</a:t>
             </a:r>
             <a:r>
-              <a:rPr lang="en-US" altLang="zh-TW" sz="2400"/>
+              <a:rPr lang="en-US" altLang="zh-TW" sz="2400" dirty="0"/>
               <a:t>)  	 </a:t>
             </a:r>
             <a:r>
-              <a:rPr lang="en-US" altLang="zh-TW" sz="2400" smtClean="0"/>
+              <a:rPr lang="en-US" altLang="zh-TW" sz="2400" dirty="0" smtClean="0"/>
               <a:t>               #print </a:t>
             </a:r>
             <a:r>
-              <a:rPr lang="en-US" altLang="zh-TW" sz="2400"/>
+              <a:rPr lang="en-US" altLang="zh-TW" sz="2400" dirty="0"/>
               <a:t>x</a:t>
             </a:r>
           </a:p>
           <a:p>
             <a:r>
-              <a:rPr lang="en-US" altLang="zh-TW" sz="2400"/>
+              <a:rPr lang="en-US" altLang="zh-TW" sz="2400" dirty="0"/>
               <a:t>print(type(x</a:t>
             </a:r>
             <a:r>
-              <a:rPr lang="en-US" altLang="zh-TW" sz="2400" smtClean="0"/>
+              <a:rPr lang="en-US" altLang="zh-TW" sz="2400" dirty="0" smtClean="0"/>
               <a:t>))               #print x type</a:t>
             </a:r>
           </a:p>
@@ -14858,6 +14877,9 @@
           <a:prstGeom prst="rect">
             <a:avLst/>
           </a:prstGeom>
+          <a:effectLst>
+            <a:softEdge rad="31750"/>
+          </a:effectLst>
         </p:spPr>
       </p:pic>
     </p:spTree>
@@ -15043,6 +15065,9 @@
               <a:lumMod val="85000"/>
             </a:schemeClr>
           </a:solidFill>
+          <a:effectLst>
+            <a:softEdge rad="31750"/>
+          </a:effectLst>
         </p:spPr>
         <p:txBody>
           <a:bodyPr wrap="square" rtlCol="0">
@@ -15200,6 +15225,9 @@
           <a:prstGeom prst="rect">
             <a:avLst/>
           </a:prstGeom>
+          <a:effectLst>
+            <a:softEdge rad="31750"/>
+          </a:effectLst>
         </p:spPr>
       </p:pic>
       <p:sp>
@@ -15439,6 +15467,9 @@
               <a:lumMod val="85000"/>
             </a:schemeClr>
           </a:solidFill>
+          <a:effectLst>
+            <a:softEdge rad="31750"/>
+          </a:effectLst>
         </p:spPr>
         <p:txBody>
           <a:bodyPr wrap="square" rtlCol="0">
@@ -15447,11 +15478,11 @@
           <a:lstStyle/>
           <a:p>
             <a:r>
-              <a:rPr lang="en-US" altLang="zh-TW" sz="2400"/>
+              <a:rPr lang="en-US" altLang="zh-TW" sz="2400" dirty="0"/>
               <a:t>y = </a:t>
             </a:r>
             <a:r>
-              <a:rPr lang="en-US" altLang="zh-TW" sz="2400" smtClean="0">
+              <a:rPr lang="en-US" altLang="zh-TW" sz="2400" dirty="0" smtClean="0">
                 <a:solidFill>
                   <a:schemeClr val="accent5">
                     <a:lumMod val="75000"/>
@@ -15461,18 +15492,18 @@
               <a:t>False</a:t>
             </a:r>
             <a:r>
-              <a:rPr lang="en-US" altLang="zh-TW" sz="2400" smtClean="0"/>
+              <a:rPr lang="en-US" altLang="zh-TW" sz="2400" dirty="0" smtClean="0"/>
               <a:t>                       #Assign “False” to bool y </a:t>
             </a:r>
-            <a:endParaRPr lang="en-US" altLang="zh-TW" sz="2400"/>
-          </a:p>
-          <a:p>
-            <a:r>
-              <a:rPr lang="en-US" altLang="zh-TW" sz="2400" smtClean="0"/>
+            <a:endParaRPr lang="en-US" altLang="zh-TW" sz="2400" dirty="0"/>
+          </a:p>
+          <a:p>
+            <a:r>
+              <a:rPr lang="en-US" altLang="zh-TW" sz="2400" dirty="0" smtClean="0"/>
               <a:t>x = [</a:t>
             </a:r>
             <a:r>
-              <a:rPr lang="en-US" altLang="zh-TW" sz="2400" smtClean="0">
+              <a:rPr lang="en-US" altLang="zh-TW" sz="2400" dirty="0" smtClean="0">
                 <a:solidFill>
                   <a:schemeClr val="accent5">
                     <a:lumMod val="75000"/>
@@ -15482,7 +15513,7 @@
               <a:t> 1 </a:t>
             </a:r>
             <a:r>
-              <a:rPr lang="en-US" altLang="zh-TW" sz="2400" smtClean="0">
+              <a:rPr lang="en-US" altLang="zh-TW" sz="2400" dirty="0" smtClean="0">
                 <a:solidFill>
                   <a:schemeClr val="accent2">
                     <a:lumMod val="75000"/>
@@ -15492,7 +15523,7 @@
               <a:t>,“string”, </a:t>
             </a:r>
             <a:r>
-              <a:rPr lang="en-US" altLang="zh-TW" sz="2400" smtClean="0">
+              <a:rPr lang="en-US" altLang="zh-TW" sz="2400" dirty="0" smtClean="0">
                 <a:solidFill>
                   <a:srgbClr val="7030A0"/>
                 </a:solidFill>
@@ -15500,48 +15531,48 @@
               <a:t>y</a:t>
             </a:r>
             <a:r>
-              <a:rPr lang="en-US" altLang="zh-TW" sz="2400" smtClean="0"/>
+              <a:rPr lang="en-US" altLang="zh-TW" sz="2400" dirty="0" smtClean="0"/>
               <a:t>] </a:t>
             </a:r>
             <a:r>
-              <a:rPr lang="zh-TW" altLang="en-US" sz="2400" smtClean="0"/>
+              <a:rPr lang="zh-TW" altLang="en-US" sz="2400" dirty="0" smtClean="0"/>
               <a:t>      </a:t>
             </a:r>
             <a:r>
-              <a:rPr lang="en-US" altLang="zh-TW" sz="2400" smtClean="0"/>
+              <a:rPr lang="en-US" altLang="zh-TW" sz="2400" dirty="0" smtClean="0"/>
               <a:t>#Assign [1, “string”, y] to list x  </a:t>
             </a:r>
           </a:p>
           <a:p>
             <a:r>
-              <a:rPr lang="en-US" altLang="zh-TW" sz="2400" smtClean="0"/>
+              <a:rPr lang="en-US" altLang="zh-TW" sz="2400" dirty="0" smtClean="0"/>
               <a:t>print(x</a:t>
             </a:r>
             <a:r>
-              <a:rPr lang="en-US" altLang="zh-TW" sz="2400"/>
+              <a:rPr lang="en-US" altLang="zh-TW" sz="2400" dirty="0"/>
               <a:t>)  	 </a:t>
             </a:r>
             <a:r>
-              <a:rPr lang="en-US" altLang="zh-TW" sz="2400" smtClean="0"/>
+              <a:rPr lang="en-US" altLang="zh-TW" sz="2400" dirty="0" smtClean="0"/>
               <a:t>               #print </a:t>
             </a:r>
             <a:r>
-              <a:rPr lang="en-US" altLang="zh-TW" sz="2400"/>
+              <a:rPr lang="en-US" altLang="zh-TW" sz="2400" dirty="0"/>
               <a:t>x</a:t>
             </a:r>
           </a:p>
           <a:p>
             <a:r>
-              <a:rPr lang="en-US" altLang="zh-TW" sz="2400"/>
+              <a:rPr lang="en-US" altLang="zh-TW" sz="2400" dirty="0"/>
               <a:t>print(type(x</a:t>
             </a:r>
             <a:r>
-              <a:rPr lang="en-US" altLang="zh-TW" sz="2400" smtClean="0"/>
+              <a:rPr lang="en-US" altLang="zh-TW" sz="2400" dirty="0" smtClean="0"/>
               <a:t>))               #print x type</a:t>
             </a:r>
           </a:p>
           <a:p>
-            <a:endParaRPr lang="en-US" altLang="zh-TW" sz="2400" smtClean="0"/>
+            <a:endParaRPr lang="en-US" altLang="zh-TW" sz="2400" dirty="0" smtClean="0"/>
           </a:p>
           <a:p>
             <a:endParaRPr lang="en-US" altLang="zh-TW" sz="2400" dirty="0"/>
@@ -15576,6 +15607,9 @@
           <a:prstGeom prst="rect">
             <a:avLst/>
           </a:prstGeom>
+          <a:effectLst>
+            <a:softEdge rad="31750"/>
+          </a:effectLst>
         </p:spPr>
       </p:pic>
     </p:spTree>
@@ -15761,6 +15795,9 @@
               <a:lumMod val="85000"/>
             </a:schemeClr>
           </a:solidFill>
+          <a:effectLst>
+            <a:softEdge rad="31750"/>
+          </a:effectLst>
         </p:spPr>
         <p:txBody>
           <a:bodyPr wrap="square" rtlCol="0">
@@ -15968,6 +16005,9 @@
           <a:prstGeom prst="rect">
             <a:avLst/>
           </a:prstGeom>
+          <a:effectLst>
+            <a:softEdge rad="31750"/>
+          </a:effectLst>
         </p:spPr>
       </p:pic>
     </p:spTree>
@@ -16169,6 +16209,9 @@
               <a:lumMod val="85000"/>
             </a:schemeClr>
           </a:solidFill>
+          <a:effectLst>
+            <a:softEdge rad="31750"/>
+          </a:effectLst>
         </p:spPr>
         <p:txBody>
           <a:bodyPr wrap="square" rtlCol="0">
@@ -16177,11 +16220,11 @@
           <a:lstStyle/>
           <a:p>
             <a:r>
-              <a:rPr lang="en-US" altLang="zh-TW" sz="2400"/>
+              <a:rPr lang="en-US" altLang="zh-TW" sz="2400" dirty="0"/>
               <a:t>y = </a:t>
             </a:r>
             <a:r>
-              <a:rPr lang="en-US" altLang="zh-TW" sz="2400">
+              <a:rPr lang="en-US" altLang="zh-TW" sz="2400" dirty="0">
                 <a:solidFill>
                   <a:schemeClr val="accent5">
                     <a:lumMod val="75000"/>
@@ -16191,25 +16234,25 @@
               <a:t>False </a:t>
             </a:r>
             <a:r>
-              <a:rPr lang="en-US" altLang="zh-TW" sz="2400"/>
+              <a:rPr lang="en-US" altLang="zh-TW" sz="2400" dirty="0"/>
               <a:t>                 </a:t>
             </a:r>
             <a:r>
-              <a:rPr lang="en-US" altLang="zh-TW" sz="2400" smtClean="0"/>
+              <a:rPr lang="en-US" altLang="zh-TW" sz="2400" dirty="0" smtClean="0"/>
               <a:t>    #</a:t>
             </a:r>
             <a:r>
-              <a:rPr lang="en-US" altLang="zh-TW" sz="2400"/>
+              <a:rPr lang="en-US" altLang="zh-TW" sz="2400" dirty="0"/>
               <a:t>Assign “False” to bool y </a:t>
             </a:r>
           </a:p>
           <a:p>
             <a:r>
-              <a:rPr lang="en-US" altLang="zh-TW" sz="2400"/>
+              <a:rPr lang="en-US" altLang="zh-TW" sz="2400" dirty="0"/>
               <a:t>x = [ </a:t>
             </a:r>
             <a:r>
-              <a:rPr lang="en-US" altLang="zh-TW" sz="2400" smtClean="0">
+              <a:rPr lang="en-US" altLang="zh-TW" sz="2400" dirty="0" smtClean="0">
                 <a:solidFill>
                   <a:schemeClr val="accent5">
                     <a:lumMod val="75000"/>
@@ -16219,11 +16262,11 @@
               <a:t>1</a:t>
             </a:r>
             <a:r>
-              <a:rPr lang="en-US" altLang="zh-TW" sz="2400" smtClean="0"/>
+              <a:rPr lang="en-US" altLang="zh-TW" sz="2400" dirty="0" smtClean="0"/>
               <a:t> </a:t>
             </a:r>
             <a:r>
-              <a:rPr lang="en-US" altLang="zh-TW" sz="2400">
+              <a:rPr lang="en-US" altLang="zh-TW" sz="2400" dirty="0">
                 <a:solidFill>
                   <a:schemeClr val="accent2">
                     <a:lumMod val="75000"/>
@@ -16233,7 +16276,7 @@
               <a:t>,"string", </a:t>
             </a:r>
             <a:r>
-              <a:rPr lang="en-US" altLang="zh-TW" sz="2400">
+              <a:rPr lang="en-US" altLang="zh-TW" sz="2400" dirty="0">
                 <a:solidFill>
                   <a:srgbClr val="7030A0"/>
                 </a:solidFill>
@@ -16241,56 +16284,56 @@
               <a:t>y</a:t>
             </a:r>
             <a:r>
-              <a:rPr lang="en-US" altLang="zh-TW" sz="2400"/>
+              <a:rPr lang="en-US" altLang="zh-TW" sz="2400" dirty="0"/>
               <a:t>]    </a:t>
             </a:r>
             <a:r>
-              <a:rPr lang="en-US" altLang="zh-TW" sz="2400" smtClean="0"/>
+              <a:rPr lang="en-US" altLang="zh-TW" sz="2400" dirty="0" smtClean="0"/>
               <a:t>    #</a:t>
             </a:r>
             <a:r>
-              <a:rPr lang="en-US" altLang="zh-TW" sz="2400"/>
+              <a:rPr lang="en-US" altLang="zh-TW" sz="2400" dirty="0"/>
               <a:t>Assign [1, “string”, y] to list x  </a:t>
             </a:r>
           </a:p>
           <a:p>
             <a:r>
-              <a:rPr lang="en-US" altLang="zh-TW" sz="2400"/>
+              <a:rPr lang="en-US" altLang="zh-TW" sz="2400" dirty="0"/>
               <a:t>print(x)                   </a:t>
             </a:r>
             <a:r>
-              <a:rPr lang="en-US" altLang="zh-TW" sz="2400" smtClean="0"/>
+              <a:rPr lang="en-US" altLang="zh-TW" sz="2400" dirty="0" smtClean="0"/>
               <a:t>     #</a:t>
             </a:r>
             <a:r>
-              <a:rPr lang="en-US" altLang="zh-TW" sz="2400"/>
+              <a:rPr lang="en-US" altLang="zh-TW" sz="2400" dirty="0"/>
               <a:t>print x</a:t>
             </a:r>
           </a:p>
           <a:p>
             <a:r>
-              <a:rPr lang="en-US" altLang="zh-TW" sz="2400"/>
+              <a:rPr lang="en-US" altLang="zh-TW" sz="2400" dirty="0"/>
               <a:t>print(type(x))             </a:t>
             </a:r>
             <a:r>
-              <a:rPr lang="en-US" altLang="zh-TW" sz="2400" smtClean="0"/>
+              <a:rPr lang="en-US" altLang="zh-TW" sz="2400" dirty="0" smtClean="0"/>
               <a:t>  #</a:t>
             </a:r>
             <a:r>
-              <a:rPr lang="en-US" altLang="zh-TW" sz="2400"/>
+              <a:rPr lang="en-US" altLang="zh-TW" sz="2400" dirty="0"/>
               <a:t>print x type</a:t>
             </a:r>
           </a:p>
           <a:p>
-            <a:endParaRPr lang="en-US" altLang="zh-TW" sz="2400"/>
-          </a:p>
-          <a:p>
-            <a:r>
-              <a:rPr lang="en-US" altLang="zh-TW" sz="2400"/>
+            <a:endParaRPr lang="en-US" altLang="zh-TW" sz="2400" dirty="0"/>
+          </a:p>
+          <a:p>
+            <a:r>
+              <a:rPr lang="en-US" altLang="zh-TW" sz="2400" dirty="0" err="1"/>
               <a:t>x.</a:t>
             </a:r>
             <a:r>
-              <a:rPr lang="en-US" altLang="zh-TW" sz="2400">
+              <a:rPr lang="en-US" altLang="zh-TW" sz="2400" dirty="0" err="1">
                 <a:solidFill>
                   <a:srgbClr val="7030A0"/>
                 </a:solidFill>
@@ -16298,26 +16341,26 @@
               <a:t>append</a:t>
             </a:r>
             <a:r>
-              <a:rPr lang="en-US" altLang="zh-TW" sz="2400"/>
+              <a:rPr lang="en-US" altLang="zh-TW" sz="2400" dirty="0"/>
               <a:t>("Python</a:t>
             </a:r>
             <a:r>
-              <a:rPr lang="en-US" altLang="zh-TW" sz="2400" smtClean="0"/>
+              <a:rPr lang="en-US" altLang="zh-TW" sz="2400" dirty="0" smtClean="0"/>
               <a:t>")       #add “python” to list x</a:t>
             </a:r>
-            <a:endParaRPr lang="en-US" altLang="zh-TW" sz="2400"/>
-          </a:p>
-          <a:p>
-            <a:r>
-              <a:rPr lang="en-US" altLang="zh-TW" sz="2400"/>
+            <a:endParaRPr lang="en-US" altLang="zh-TW" sz="2400" dirty="0"/>
+          </a:p>
+          <a:p>
+            <a:r>
+              <a:rPr lang="en-US" altLang="zh-TW" sz="2400" dirty="0"/>
               <a:t>print(x</a:t>
             </a:r>
             <a:r>
-              <a:rPr lang="en-US" altLang="zh-TW" sz="2400" smtClean="0"/>
+              <a:rPr lang="en-US" altLang="zh-TW" sz="2400" dirty="0" smtClean="0"/>
               <a:t>)                         #</a:t>
             </a:r>
             <a:r>
-              <a:rPr lang="en-US" altLang="zh-TW" sz="2400"/>
+              <a:rPr lang="en-US" altLang="zh-TW" sz="2400" dirty="0"/>
               <a:t>print x</a:t>
             </a:r>
           </a:p>
@@ -16354,6 +16397,9 @@
           <a:prstGeom prst="rect">
             <a:avLst/>
           </a:prstGeom>
+          <a:effectLst>
+            <a:softEdge rad="31750"/>
+          </a:effectLst>
         </p:spPr>
       </p:pic>
     </p:spTree>
@@ -16555,6 +16601,9 @@
               <a:lumMod val="85000"/>
             </a:schemeClr>
           </a:solidFill>
+          <a:effectLst>
+            <a:softEdge rad="31750"/>
+          </a:effectLst>
         </p:spPr>
         <p:txBody>
           <a:bodyPr wrap="square" rtlCol="0">
@@ -16563,11 +16612,11 @@
           <a:lstStyle/>
           <a:p>
             <a:r>
-              <a:rPr lang="en-US" altLang="zh-TW" sz="2400"/>
+              <a:rPr lang="en-US" altLang="zh-TW" sz="2400" dirty="0"/>
               <a:t>y = </a:t>
             </a:r>
             <a:r>
-              <a:rPr lang="en-US" altLang="zh-TW" sz="2400">
+              <a:rPr lang="en-US" altLang="zh-TW" sz="2400" dirty="0">
                 <a:solidFill>
                   <a:schemeClr val="accent5">
                     <a:lumMod val="75000"/>
@@ -16577,25 +16626,25 @@
               <a:t>False</a:t>
             </a:r>
             <a:r>
-              <a:rPr lang="en-US" altLang="zh-TW" sz="2400"/>
+              <a:rPr lang="en-US" altLang="zh-TW" sz="2400" dirty="0"/>
               <a:t>                  </a:t>
             </a:r>
             <a:r>
-              <a:rPr lang="en-US" altLang="zh-TW" sz="2400" smtClean="0"/>
+              <a:rPr lang="en-US" altLang="zh-TW" sz="2400" dirty="0" smtClean="0"/>
               <a:t>    #</a:t>
             </a:r>
             <a:r>
-              <a:rPr lang="en-US" altLang="zh-TW" sz="2400"/>
+              <a:rPr lang="en-US" altLang="zh-TW" sz="2400" dirty="0"/>
               <a:t>Assign “False” to bool y </a:t>
             </a:r>
           </a:p>
           <a:p>
             <a:r>
-              <a:rPr lang="en-US" altLang="zh-TW" sz="2400"/>
+              <a:rPr lang="en-US" altLang="zh-TW" sz="2400" dirty="0"/>
               <a:t>x = [ </a:t>
             </a:r>
             <a:r>
-              <a:rPr lang="en-US" altLang="zh-TW" sz="2400" smtClean="0">
+              <a:rPr lang="en-US" altLang="zh-TW" sz="2400" dirty="0" smtClean="0">
                 <a:solidFill>
                   <a:schemeClr val="accent4">
                     <a:lumMod val="75000"/>
@@ -16605,15 +16654,15 @@
               <a:t>1</a:t>
             </a:r>
             <a:r>
-              <a:rPr lang="en-US" altLang="zh-TW" sz="2400" smtClean="0"/>
+              <a:rPr lang="en-US" altLang="zh-TW" sz="2400" dirty="0" smtClean="0"/>
               <a:t> </a:t>
             </a:r>
             <a:r>
-              <a:rPr lang="en-US" altLang="zh-TW" sz="2400"/>
+              <a:rPr lang="en-US" altLang="zh-TW" sz="2400" dirty="0"/>
               <a:t>,</a:t>
             </a:r>
             <a:r>
-              <a:rPr lang="en-US" altLang="zh-TW" sz="2400">
+              <a:rPr lang="en-US" altLang="zh-TW" sz="2400" dirty="0">
                 <a:solidFill>
                   <a:schemeClr val="accent2">
                     <a:lumMod val="75000"/>
@@ -16623,11 +16672,11 @@
               <a:t>"string</a:t>
             </a:r>
             <a:r>
-              <a:rPr lang="en-US" altLang="zh-TW" sz="2400"/>
+              <a:rPr lang="en-US" altLang="zh-TW" sz="2400" dirty="0"/>
               <a:t>", </a:t>
             </a:r>
             <a:r>
-              <a:rPr lang="en-US" altLang="zh-TW" sz="2400">
+              <a:rPr lang="en-US" altLang="zh-TW" sz="2400" dirty="0">
                 <a:solidFill>
                   <a:srgbClr val="7030A0"/>
                 </a:solidFill>
@@ -16635,56 +16684,56 @@
               <a:t>y</a:t>
             </a:r>
             <a:r>
-              <a:rPr lang="en-US" altLang="zh-TW" sz="2400"/>
+              <a:rPr lang="en-US" altLang="zh-TW" sz="2400" dirty="0"/>
               <a:t>]    </a:t>
             </a:r>
             <a:r>
-              <a:rPr lang="en-US" altLang="zh-TW" sz="2400" smtClean="0"/>
+              <a:rPr lang="en-US" altLang="zh-TW" sz="2400" dirty="0" smtClean="0"/>
               <a:t>    #</a:t>
             </a:r>
             <a:r>
-              <a:rPr lang="en-US" altLang="zh-TW" sz="2400"/>
+              <a:rPr lang="en-US" altLang="zh-TW" sz="2400" dirty="0"/>
               <a:t>Assign [1, “string”, y] to list x  </a:t>
             </a:r>
           </a:p>
           <a:p>
             <a:r>
-              <a:rPr lang="en-US" altLang="zh-TW" sz="2400"/>
+              <a:rPr lang="en-US" altLang="zh-TW" sz="2400" dirty="0"/>
               <a:t>print(x)                   </a:t>
             </a:r>
             <a:r>
-              <a:rPr lang="en-US" altLang="zh-TW" sz="2400" smtClean="0"/>
+              <a:rPr lang="en-US" altLang="zh-TW" sz="2400" dirty="0" smtClean="0"/>
               <a:t>     #</a:t>
             </a:r>
             <a:r>
-              <a:rPr lang="en-US" altLang="zh-TW" sz="2400"/>
+              <a:rPr lang="en-US" altLang="zh-TW" sz="2400" dirty="0"/>
               <a:t>print x</a:t>
             </a:r>
           </a:p>
           <a:p>
             <a:r>
-              <a:rPr lang="en-US" altLang="zh-TW" sz="2400"/>
+              <a:rPr lang="en-US" altLang="zh-TW" sz="2400" dirty="0"/>
               <a:t>print(type(x))             </a:t>
             </a:r>
             <a:r>
-              <a:rPr lang="en-US" altLang="zh-TW" sz="2400" smtClean="0"/>
+              <a:rPr lang="en-US" altLang="zh-TW" sz="2400" dirty="0" smtClean="0"/>
               <a:t>  #</a:t>
             </a:r>
             <a:r>
-              <a:rPr lang="en-US" altLang="zh-TW" sz="2400"/>
+              <a:rPr lang="en-US" altLang="zh-TW" sz="2400" dirty="0"/>
               <a:t>print x type</a:t>
             </a:r>
           </a:p>
           <a:p>
-            <a:endParaRPr lang="en-US" altLang="zh-TW" sz="2400"/>
-          </a:p>
-          <a:p>
-            <a:r>
-              <a:rPr lang="en-US" altLang="zh-TW" sz="2400"/>
+            <a:endParaRPr lang="en-US" altLang="zh-TW" sz="2400" dirty="0"/>
+          </a:p>
+          <a:p>
+            <a:r>
+              <a:rPr lang="en-US" altLang="zh-TW" sz="2400" dirty="0" err="1"/>
               <a:t>x.</a:t>
             </a:r>
             <a:r>
-              <a:rPr lang="en-US" altLang="zh-TW" sz="2400">
+              <a:rPr lang="en-US" altLang="zh-TW" sz="2400" dirty="0" err="1">
                 <a:solidFill>
                   <a:srgbClr val="7030A0"/>
                 </a:solidFill>
@@ -16692,18 +16741,18 @@
               <a:t>insert</a:t>
             </a:r>
             <a:r>
-              <a:rPr lang="en-US" altLang="zh-TW" sz="2400"/>
+              <a:rPr lang="en-US" altLang="zh-TW" sz="2400" dirty="0"/>
               <a:t>(0,"python</a:t>
             </a:r>
             <a:r>
-              <a:rPr lang="en-US" altLang="zh-TW" sz="2400" smtClean="0"/>
+              <a:rPr lang="en-US" altLang="zh-TW" sz="2400" dirty="0" smtClean="0"/>
               <a:t>")       #insert “python” to list x[0]</a:t>
             </a:r>
-            <a:endParaRPr lang="en-US" altLang="zh-TW" sz="2400"/>
-          </a:p>
-          <a:p>
-            <a:r>
-              <a:rPr lang="en-US" altLang="zh-TW" sz="2400" smtClean="0"/>
+            <a:endParaRPr lang="en-US" altLang="zh-TW" sz="2400" dirty="0"/>
+          </a:p>
+          <a:p>
+            <a:r>
+              <a:rPr lang="en-US" altLang="zh-TW" sz="2400" dirty="0" smtClean="0"/>
               <a:t>print(x)                         #print x</a:t>
             </a:r>
           </a:p>
@@ -16740,6 +16789,9 @@
           <a:prstGeom prst="rect">
             <a:avLst/>
           </a:prstGeom>
+          <a:effectLst>
+            <a:softEdge rad="31750"/>
+          </a:effectLst>
         </p:spPr>
       </p:pic>
     </p:spTree>
@@ -16925,6 +16977,9 @@
               <a:lumMod val="85000"/>
             </a:schemeClr>
           </a:solidFill>
+          <a:effectLst>
+            <a:softEdge rad="31750"/>
+          </a:effectLst>
         </p:spPr>
         <p:txBody>
           <a:bodyPr wrap="square" rtlCol="0">
@@ -16933,11 +16988,11 @@
           <a:lstStyle/>
           <a:p>
             <a:r>
-              <a:rPr lang="en-US" altLang="zh-TW" sz="2400"/>
+              <a:rPr lang="en-US" altLang="zh-TW" sz="2400" dirty="0"/>
               <a:t>y = </a:t>
             </a:r>
             <a:r>
-              <a:rPr lang="en-US" altLang="zh-TW" sz="2400">
+              <a:rPr lang="en-US" altLang="zh-TW" sz="2400" dirty="0">
                 <a:solidFill>
                   <a:schemeClr val="accent5">
                     <a:lumMod val="75000"/>
@@ -16947,25 +17002,25 @@
               <a:t>False</a:t>
             </a:r>
             <a:r>
-              <a:rPr lang="en-US" altLang="zh-TW" sz="2400"/>
+              <a:rPr lang="en-US" altLang="zh-TW" sz="2400" dirty="0"/>
               <a:t>                  </a:t>
             </a:r>
             <a:r>
-              <a:rPr lang="en-US" altLang="zh-TW" sz="2400" smtClean="0"/>
+              <a:rPr lang="en-US" altLang="zh-TW" sz="2400" dirty="0" smtClean="0"/>
               <a:t>    #</a:t>
             </a:r>
             <a:r>
-              <a:rPr lang="en-US" altLang="zh-TW" sz="2400"/>
+              <a:rPr lang="en-US" altLang="zh-TW" sz="2400" dirty="0"/>
               <a:t>Assign “False” to bool y </a:t>
             </a:r>
           </a:p>
           <a:p>
             <a:r>
-              <a:rPr lang="en-US" altLang="zh-TW" sz="2400"/>
+              <a:rPr lang="en-US" altLang="zh-TW" sz="2400" dirty="0"/>
               <a:t>x = [ </a:t>
             </a:r>
             <a:r>
-              <a:rPr lang="en-US" altLang="zh-TW" sz="2400" smtClean="0">
+              <a:rPr lang="en-US" altLang="zh-TW" sz="2400" dirty="0" smtClean="0">
                 <a:solidFill>
                   <a:schemeClr val="accent5">
                     <a:lumMod val="75000"/>
@@ -16975,11 +17030,11 @@
               <a:t>1 </a:t>
             </a:r>
             <a:r>
-              <a:rPr lang="en-US" altLang="zh-TW" sz="2400"/>
+              <a:rPr lang="en-US" altLang="zh-TW" sz="2400" dirty="0"/>
               <a:t>,</a:t>
             </a:r>
             <a:r>
-              <a:rPr lang="en-US" altLang="zh-TW" sz="2400">
+              <a:rPr lang="en-US" altLang="zh-TW" sz="2400" dirty="0">
                 <a:solidFill>
                   <a:schemeClr val="accent2">
                     <a:lumMod val="75000"/>
@@ -16989,11 +17044,11 @@
               <a:t>"string</a:t>
             </a:r>
             <a:r>
-              <a:rPr lang="en-US" altLang="zh-TW" sz="2400"/>
+              <a:rPr lang="en-US" altLang="zh-TW" sz="2400" dirty="0"/>
               <a:t>",</a:t>
             </a:r>
             <a:r>
-              <a:rPr lang="en-US" altLang="zh-TW" sz="2400">
+              <a:rPr lang="en-US" altLang="zh-TW" sz="2400" dirty="0">
                 <a:solidFill>
                   <a:srgbClr val="7030A0"/>
                 </a:solidFill>
@@ -17001,56 +17056,56 @@
               <a:t> y</a:t>
             </a:r>
             <a:r>
-              <a:rPr lang="en-US" altLang="zh-TW" sz="2400"/>
+              <a:rPr lang="en-US" altLang="zh-TW" sz="2400" dirty="0"/>
               <a:t>]    </a:t>
             </a:r>
             <a:r>
-              <a:rPr lang="en-US" altLang="zh-TW" sz="2400" smtClean="0"/>
+              <a:rPr lang="en-US" altLang="zh-TW" sz="2400" dirty="0" smtClean="0"/>
               <a:t>    #</a:t>
             </a:r>
             <a:r>
-              <a:rPr lang="en-US" altLang="zh-TW" sz="2400"/>
+              <a:rPr lang="en-US" altLang="zh-TW" sz="2400" dirty="0"/>
               <a:t>Assign [1, “string”, y] to list x  </a:t>
             </a:r>
           </a:p>
           <a:p>
             <a:r>
-              <a:rPr lang="en-US" altLang="zh-TW" sz="2400"/>
+              <a:rPr lang="en-US" altLang="zh-TW" sz="2400" dirty="0"/>
               <a:t>print(x)                   </a:t>
             </a:r>
             <a:r>
-              <a:rPr lang="en-US" altLang="zh-TW" sz="2400" smtClean="0"/>
+              <a:rPr lang="en-US" altLang="zh-TW" sz="2400" dirty="0" smtClean="0"/>
               <a:t>     #</a:t>
             </a:r>
             <a:r>
-              <a:rPr lang="en-US" altLang="zh-TW" sz="2400"/>
+              <a:rPr lang="en-US" altLang="zh-TW" sz="2400" dirty="0"/>
               <a:t>print x</a:t>
             </a:r>
           </a:p>
           <a:p>
             <a:r>
-              <a:rPr lang="en-US" altLang="zh-TW" sz="2400"/>
+              <a:rPr lang="en-US" altLang="zh-TW" sz="2400" dirty="0"/>
               <a:t>print(type(x))             </a:t>
             </a:r>
             <a:r>
-              <a:rPr lang="en-US" altLang="zh-TW" sz="2400" smtClean="0"/>
+              <a:rPr lang="en-US" altLang="zh-TW" sz="2400" dirty="0" smtClean="0"/>
               <a:t>  #</a:t>
             </a:r>
             <a:r>
-              <a:rPr lang="en-US" altLang="zh-TW" sz="2400"/>
+              <a:rPr lang="en-US" altLang="zh-TW" sz="2400" dirty="0"/>
               <a:t>print x type</a:t>
             </a:r>
           </a:p>
           <a:p>
-            <a:endParaRPr lang="en-US" altLang="zh-TW" sz="2400"/>
-          </a:p>
-          <a:p>
-            <a:r>
-              <a:rPr lang="en-US" altLang="zh-TW" sz="2400" smtClean="0"/>
+            <a:endParaRPr lang="en-US" altLang="zh-TW" sz="2400" dirty="0"/>
+          </a:p>
+          <a:p>
+            <a:r>
+              <a:rPr lang="en-US" altLang="zh-TW" sz="2400" dirty="0" err="1" smtClean="0"/>
               <a:t>x.</a:t>
             </a:r>
             <a:r>
-              <a:rPr lang="en-US" altLang="zh-TW" sz="2400" smtClean="0">
+              <a:rPr lang="en-US" altLang="zh-TW" sz="2400" dirty="0" err="1" smtClean="0">
                 <a:solidFill>
                   <a:srgbClr val="7030A0"/>
                 </a:solidFill>
@@ -17058,14 +17113,14 @@
               <a:t>remove</a:t>
             </a:r>
             <a:r>
-              <a:rPr lang="en-US" altLang="zh-TW" sz="2400" smtClean="0"/>
+              <a:rPr lang="en-US" altLang="zh-TW" sz="2400" dirty="0" smtClean="0"/>
               <a:t>(y)                  #remove y from list x</a:t>
             </a:r>
-            <a:endParaRPr lang="en-US" altLang="zh-TW" sz="2400"/>
-          </a:p>
-          <a:p>
-            <a:r>
-              <a:rPr lang="en-US" altLang="zh-TW" sz="2400" smtClean="0"/>
+            <a:endParaRPr lang="en-US" altLang="zh-TW" sz="2400" dirty="0"/>
+          </a:p>
+          <a:p>
+            <a:r>
+              <a:rPr lang="en-US" altLang="zh-TW" sz="2400" dirty="0" smtClean="0"/>
               <a:t>print(x)                         #print x</a:t>
             </a:r>
           </a:p>
@@ -17102,6 +17157,9 @@
           <a:prstGeom prst="rect">
             <a:avLst/>
           </a:prstGeom>
+          <a:effectLst>
+            <a:softEdge rad="31750"/>
+          </a:effectLst>
         </p:spPr>
       </p:pic>
     </p:spTree>
@@ -17303,6 +17361,9 @@
               <a:lumMod val="85000"/>
             </a:schemeClr>
           </a:solidFill>
+          <a:effectLst>
+            <a:softEdge rad="31750"/>
+          </a:effectLst>
         </p:spPr>
         <p:txBody>
           <a:bodyPr wrap="square" rtlCol="0">
@@ -17488,6 +17549,9 @@
           <a:prstGeom prst="rect">
             <a:avLst/>
           </a:prstGeom>
+          <a:effectLst>
+            <a:softEdge rad="31750"/>
+          </a:effectLst>
         </p:spPr>
       </p:pic>
     </p:spTree>
@@ -17673,6 +17737,9 @@
               <a:lumMod val="85000"/>
             </a:schemeClr>
           </a:solidFill>
+          <a:effectLst>
+            <a:softEdge rad="31750"/>
+          </a:effectLst>
         </p:spPr>
         <p:txBody>
           <a:bodyPr wrap="square" rtlCol="0">
@@ -17906,6 +17973,9 @@
           <a:prstGeom prst="rect">
             <a:avLst/>
           </a:prstGeom>
+          <a:effectLst>
+            <a:softEdge rad="31750"/>
+          </a:effectLst>
         </p:spPr>
       </p:pic>
     </p:spTree>
@@ -18053,6 +18123,9 @@
           <a:prstGeom prst="rect">
             <a:avLst/>
           </a:prstGeom>
+          <a:effectLst>
+            <a:softEdge rad="76200"/>
+          </a:effectLst>
         </p:spPr>
       </p:pic>
       <p:pic>
@@ -18077,12 +18150,15 @@
         </p:blipFill>
         <p:spPr>
           <a:xfrm>
-            <a:off x="5773117" y="2205262"/>
+            <a:off x="5779205" y="2187079"/>
             <a:ext cx="5583633" cy="3854283"/>
           </a:xfrm>
           <a:prstGeom prst="rect">
             <a:avLst/>
           </a:prstGeom>
+          <a:effectLst>
+            <a:softEdge rad="76200"/>
+          </a:effectLst>
         </p:spPr>
       </p:pic>
       <p:sp>
@@ -18319,6 +18395,9 @@
               <a:lumMod val="85000"/>
             </a:schemeClr>
           </a:solidFill>
+          <a:effectLst>
+            <a:softEdge rad="31750"/>
+          </a:effectLst>
         </p:spPr>
         <p:txBody>
           <a:bodyPr wrap="square" rtlCol="0">
@@ -18327,11 +18406,15 @@
           <a:lstStyle/>
           <a:p>
             <a:r>
-              <a:rPr lang="en-US" altLang="zh-TW" sz="2400"/>
-              <a:t>dict = </a:t>
-            </a:r>
-            <a:r>
-              <a:rPr lang="en-US" altLang="zh-TW" sz="2400">
+              <a:rPr lang="en-US" altLang="zh-TW" sz="2400" dirty="0" err="1"/>
+              <a:t>dict</a:t>
+            </a:r>
+            <a:r>
+              <a:rPr lang="en-US" altLang="zh-TW" sz="2400" dirty="0"/>
+              <a:t> = </a:t>
+            </a:r>
+            <a:r>
+              <a:rPr lang="en-US" altLang="zh-TW" sz="2400" dirty="0">
                 <a:solidFill>
                   <a:srgbClr val="7030A0"/>
                 </a:solidFill>
@@ -18339,7 +18422,7 @@
               <a:t>{"Name" : </a:t>
             </a:r>
             <a:r>
-              <a:rPr lang="en-US" altLang="zh-TW" sz="2400" smtClean="0">
+              <a:rPr lang="en-US" altLang="zh-TW" sz="2400" dirty="0" smtClean="0">
                 <a:solidFill>
                   <a:schemeClr val="accent4">
                     <a:lumMod val="75000"/>
@@ -18349,7 +18432,7 @@
               <a:t>"David"</a:t>
             </a:r>
             <a:r>
-              <a:rPr lang="en-US" altLang="zh-TW" sz="2400" smtClean="0">
+              <a:rPr lang="en-US" altLang="zh-TW" sz="2400" dirty="0" smtClean="0">
                 <a:solidFill>
                   <a:srgbClr val="7030A0"/>
                 </a:solidFill>
@@ -18357,7 +18440,7 @@
               <a:t>, "</a:t>
             </a:r>
             <a:r>
-              <a:rPr lang="en-US" altLang="zh-TW" sz="2400">
+              <a:rPr lang="en-US" altLang="zh-TW" sz="2400" dirty="0">
                 <a:solidFill>
                   <a:srgbClr val="7030A0"/>
                 </a:solidFill>
@@ -18365,7 +18448,7 @@
               <a:t>Age" : </a:t>
             </a:r>
             <a:r>
-              <a:rPr lang="en-US" altLang="zh-TW" sz="2400">
+              <a:rPr lang="en-US" altLang="zh-TW" sz="2400" dirty="0">
                 <a:solidFill>
                   <a:schemeClr val="accent4">
                     <a:lumMod val="75000"/>
@@ -18375,7 +18458,7 @@
               <a:t>28</a:t>
             </a:r>
             <a:r>
-              <a:rPr lang="en-US" altLang="zh-TW" sz="2400">
+              <a:rPr lang="en-US" altLang="zh-TW" sz="2400" dirty="0">
                 <a:solidFill>
                   <a:srgbClr val="7030A0"/>
                 </a:solidFill>
@@ -18383,7 +18466,7 @@
               <a:t>, "Weight" : </a:t>
             </a:r>
             <a:r>
-              <a:rPr lang="en-US" altLang="zh-TW" sz="2400">
+              <a:rPr lang="en-US" altLang="zh-TW" sz="2400" dirty="0">
                 <a:solidFill>
                   <a:schemeClr val="accent4">
                     <a:lumMod val="75000"/>
@@ -18393,7 +18476,7 @@
               <a:t>70</a:t>
             </a:r>
             <a:r>
-              <a:rPr lang="en-US" altLang="zh-TW" sz="2400">
+              <a:rPr lang="en-US" altLang="zh-TW" sz="2400" dirty="0">
                 <a:solidFill>
                   <a:srgbClr val="7030A0"/>
                 </a:solidFill>
@@ -18401,7 +18484,7 @@
               <a:t>, "Height" : </a:t>
             </a:r>
             <a:r>
-              <a:rPr lang="en-US" altLang="zh-TW" sz="2400">
+              <a:rPr lang="en-US" altLang="zh-TW" sz="2400" dirty="0">
                 <a:solidFill>
                   <a:schemeClr val="accent4">
                     <a:lumMod val="75000"/>
@@ -18411,7 +18494,7 @@
               <a:t>176</a:t>
             </a:r>
             <a:r>
-              <a:rPr lang="en-US" altLang="zh-TW" sz="2400">
+              <a:rPr lang="en-US" altLang="zh-TW" sz="2400" dirty="0">
                 <a:solidFill>
                   <a:srgbClr val="7030A0"/>
                 </a:solidFill>
@@ -18420,53 +18503,84 @@
             </a:r>
           </a:p>
           <a:p>
-            <a:endParaRPr lang="en-US" altLang="zh-TW" sz="2400"/>
-          </a:p>
-          <a:p>
-            <a:r>
-              <a:rPr lang="en-US" altLang="zh-TW" sz="2400"/>
-              <a:t>print(dict["Name</a:t>
-            </a:r>
-            <a:r>
-              <a:rPr lang="en-US" altLang="zh-TW" sz="2400" smtClean="0"/>
+            <a:endParaRPr lang="en-US" altLang="zh-TW" sz="2400" dirty="0"/>
+          </a:p>
+          <a:p>
+            <a:r>
+              <a:rPr lang="en-US" altLang="zh-TW" sz="2400" dirty="0"/>
+              <a:t>print(</a:t>
+            </a:r>
+            <a:r>
+              <a:rPr lang="en-US" altLang="zh-TW" sz="2400" dirty="0" err="1"/>
+              <a:t>dict</a:t>
+            </a:r>
+            <a:r>
+              <a:rPr lang="en-US" altLang="zh-TW" sz="2400" dirty="0"/>
+              <a:t>["Name</a:t>
+            </a:r>
+            <a:r>
+              <a:rPr lang="en-US" altLang="zh-TW" sz="2400" dirty="0" smtClean="0"/>
               <a:t>"])</a:t>
             </a:r>
           </a:p>
           <a:p>
-            <a:endParaRPr lang="en-US" altLang="zh-TW" sz="2400"/>
-          </a:p>
-          <a:p>
-            <a:r>
-              <a:rPr lang="en-US" altLang="zh-TW" sz="2400"/>
-              <a:t>print(dict["Age</a:t>
-            </a:r>
-            <a:r>
-              <a:rPr lang="en-US" altLang="zh-TW" sz="2400" smtClean="0"/>
+            <a:endParaRPr lang="en-US" altLang="zh-TW" sz="2400" dirty="0"/>
+          </a:p>
+          <a:p>
+            <a:r>
+              <a:rPr lang="en-US" altLang="zh-TW" sz="2400" dirty="0"/>
+              <a:t>print(</a:t>
+            </a:r>
+            <a:r>
+              <a:rPr lang="en-US" altLang="zh-TW" sz="2400" dirty="0" err="1"/>
+              <a:t>dict</a:t>
+            </a:r>
+            <a:r>
+              <a:rPr lang="en-US" altLang="zh-TW" sz="2400" dirty="0"/>
+              <a:t>["Age</a:t>
+            </a:r>
+            <a:r>
+              <a:rPr lang="en-US" altLang="zh-TW" sz="2400" dirty="0" smtClean="0"/>
               <a:t>"])</a:t>
             </a:r>
           </a:p>
           <a:p>
-            <a:endParaRPr lang="en-US" altLang="zh-TW" sz="2400"/>
-          </a:p>
-          <a:p>
-            <a:r>
-              <a:rPr lang="en-US" altLang="zh-TW" sz="2400"/>
-              <a:t>print(dict["Weight</a:t>
-            </a:r>
-            <a:r>
-              <a:rPr lang="en-US" altLang="zh-TW" sz="2400" smtClean="0"/>
+            <a:endParaRPr lang="en-US" altLang="zh-TW" sz="2400" dirty="0"/>
+          </a:p>
+          <a:p>
+            <a:r>
+              <a:rPr lang="en-US" altLang="zh-TW" sz="2400" dirty="0"/>
+              <a:t>print(</a:t>
+            </a:r>
+            <a:r>
+              <a:rPr lang="en-US" altLang="zh-TW" sz="2400" dirty="0" err="1"/>
+              <a:t>dict</a:t>
+            </a:r>
+            <a:r>
+              <a:rPr lang="en-US" altLang="zh-TW" sz="2400" dirty="0"/>
+              <a:t>["Weight</a:t>
+            </a:r>
+            <a:r>
+              <a:rPr lang="en-US" altLang="zh-TW" sz="2400" dirty="0" smtClean="0"/>
               <a:t>"])</a:t>
             </a:r>
           </a:p>
           <a:p>
-            <a:endParaRPr lang="en-US" altLang="zh-TW" sz="2400"/>
-          </a:p>
-          <a:p>
-            <a:r>
-              <a:rPr lang="en-US" altLang="zh-TW" sz="2400"/>
-              <a:t>print(dict["Height"])</a:t>
-            </a:r>
             <a:endParaRPr lang="en-US" altLang="zh-TW" sz="2400" dirty="0"/>
+          </a:p>
+          <a:p>
+            <a:r>
+              <a:rPr lang="en-US" altLang="zh-TW" sz="2400" dirty="0"/>
+              <a:t>print(</a:t>
+            </a:r>
+            <a:r>
+              <a:rPr lang="en-US" altLang="zh-TW" sz="2400" dirty="0" err="1"/>
+              <a:t>dict</a:t>
+            </a:r>
+            <a:r>
+              <a:rPr lang="en-US" altLang="zh-TW" sz="2400" dirty="0"/>
+              <a:t>["Height"])</a:t>
+            </a:r>
           </a:p>
         </p:txBody>
       </p:sp>
@@ -18498,6 +18612,9 @@
           <a:prstGeom prst="rect">
             <a:avLst/>
           </a:prstGeom>
+          <a:effectLst>
+            <a:softEdge rad="31750"/>
+          </a:effectLst>
         </p:spPr>
       </p:pic>
     </p:spTree>
@@ -19003,6 +19120,9 @@
               <a:lumMod val="85000"/>
             </a:schemeClr>
           </a:solidFill>
+          <a:effectLst>
+            <a:softEdge rad="31750"/>
+          </a:effectLst>
         </p:spPr>
         <p:txBody>
           <a:bodyPr wrap="square" rtlCol="0">
@@ -19149,6 +19269,9 @@
           <a:prstGeom prst="rect">
             <a:avLst/>
           </a:prstGeom>
+          <a:effectLst>
+            <a:softEdge rad="31750"/>
+          </a:effectLst>
         </p:spPr>
       </p:pic>
     </p:spTree>
@@ -19528,6 +19651,9 @@
               <a:lumMod val="85000"/>
             </a:schemeClr>
           </a:solidFill>
+          <a:effectLst>
+            <a:softEdge rad="31750"/>
+          </a:effectLst>
         </p:spPr>
         <p:txBody>
           <a:bodyPr wrap="square" rtlCol="0">
@@ -19648,12 +19774,15 @@
         </p:blipFill>
         <p:spPr>
           <a:xfrm>
-            <a:off x="1094283" y="4402182"/>
+            <a:off x="1094283" y="4402181"/>
             <a:ext cx="8814074" cy="1267098"/>
           </a:xfrm>
           <a:prstGeom prst="rect">
             <a:avLst/>
           </a:prstGeom>
+          <a:effectLst>
+            <a:softEdge rad="31750"/>
+          </a:effectLst>
         </p:spPr>
       </p:pic>
     </p:spTree>
@@ -19839,6 +19968,9 @@
               <a:lumMod val="85000"/>
             </a:schemeClr>
           </a:solidFill>
+          <a:effectLst>
+            <a:softEdge rad="31750"/>
+          </a:effectLst>
         </p:spPr>
         <p:txBody>
           <a:bodyPr wrap="square" rtlCol="0">
@@ -19934,6 +20066,9 @@
           <a:prstGeom prst="rect">
             <a:avLst/>
           </a:prstGeom>
+          <a:effectLst>
+            <a:softEdge rad="31750"/>
+          </a:effectLst>
         </p:spPr>
       </p:pic>
     </p:spTree>
@@ -20131,6 +20266,9 @@
               <a:lumMod val="85000"/>
             </a:schemeClr>
           </a:solidFill>
+          <a:effectLst>
+            <a:softEdge rad="31750"/>
+          </a:effectLst>
         </p:spPr>
         <p:txBody>
           <a:bodyPr wrap="square" rtlCol="0">
@@ -20286,6 +20424,9 @@
           <a:prstGeom prst="rect">
             <a:avLst/>
           </a:prstGeom>
+          <a:effectLst>
+            <a:softEdge rad="31750"/>
+          </a:effectLst>
         </p:spPr>
       </p:pic>
     </p:spTree>
@@ -20471,6 +20612,9 @@
               <a:lumMod val="85000"/>
             </a:schemeClr>
           </a:solidFill>
+          <a:effectLst>
+            <a:softEdge rad="31750"/>
+          </a:effectLst>
         </p:spPr>
         <p:txBody>
           <a:bodyPr wrap="square" rtlCol="0">
@@ -20601,6 +20745,9 @@
           <a:prstGeom prst="rect">
             <a:avLst/>
           </a:prstGeom>
+          <a:effectLst>
+            <a:softEdge rad="31750"/>
+          </a:effectLst>
         </p:spPr>
       </p:pic>
     </p:spTree>
@@ -20786,6 +20933,9 @@
               <a:lumMod val="85000"/>
             </a:schemeClr>
           </a:solidFill>
+          <a:effectLst>
+            <a:softEdge rad="31750"/>
+          </a:effectLst>
         </p:spPr>
         <p:txBody>
           <a:bodyPr wrap="square" rtlCol="0">
@@ -20918,6 +21068,9 @@
           <a:prstGeom prst="rect">
             <a:avLst/>
           </a:prstGeom>
+          <a:effectLst>
+            <a:softEdge rad="31750"/>
+          </a:effectLst>
         </p:spPr>
       </p:pic>
     </p:spTree>
@@ -21040,6 +21193,9 @@
           <a:prstGeom prst="rect">
             <a:avLst/>
           </a:prstGeom>
+          <a:effectLst>
+            <a:softEdge rad="76200"/>
+          </a:effectLst>
         </p:spPr>
       </p:pic>
       <p:pic>
@@ -21070,6 +21226,9 @@
           <a:prstGeom prst="rect">
             <a:avLst/>
           </a:prstGeom>
+          <a:effectLst>
+            <a:softEdge rad="76200"/>
+          </a:effectLst>
         </p:spPr>
       </p:pic>
     </p:spTree>
@@ -21449,6 +21608,9 @@
               <a:lumMod val="85000"/>
             </a:schemeClr>
           </a:solidFill>
+          <a:effectLst>
+            <a:softEdge rad="31750"/>
+          </a:effectLst>
         </p:spPr>
         <p:txBody>
           <a:bodyPr wrap="square" rtlCol="0">
@@ -21653,6 +21815,9 @@
           <a:prstGeom prst="rect">
             <a:avLst/>
           </a:prstGeom>
+          <a:effectLst>
+            <a:softEdge rad="31750"/>
+          </a:effectLst>
         </p:spPr>
       </p:pic>
     </p:spTree>
@@ -22032,6 +22197,9 @@
               <a:lumMod val="85000"/>
             </a:schemeClr>
           </a:solidFill>
+          <a:effectLst>
+            <a:softEdge rad="31750"/>
+          </a:effectLst>
         </p:spPr>
         <p:txBody>
           <a:bodyPr wrap="square" rtlCol="0">
@@ -22103,11 +22271,7 @@
             </a:r>
             <a:r>
               <a:rPr lang="en-US" altLang="zh-TW" sz="2400" dirty="0" smtClean="0"/>
-              <a:t>(10)               # call function </a:t>
-            </a:r>
-            <a:r>
-              <a:rPr lang="en-US" altLang="zh-TW" sz="2400" smtClean="0"/>
-              <a:t>example()</a:t>
+              <a:t>(10)               # call function example()</a:t>
             </a:r>
           </a:p>
           <a:p>
@@ -22143,6 +22307,9 @@
           <a:prstGeom prst="rect">
             <a:avLst/>
           </a:prstGeom>
+          <a:effectLst>
+            <a:softEdge rad="31750"/>
+          </a:effectLst>
         </p:spPr>
       </p:pic>
     </p:spTree>
@@ -22328,6 +22495,9 @@
               <a:lumMod val="85000"/>
             </a:schemeClr>
           </a:solidFill>
+          <a:effectLst>
+            <a:softEdge rad="31750"/>
+          </a:effectLst>
         </p:spPr>
         <p:txBody>
           <a:bodyPr wrap="square" rtlCol="0">
@@ -22491,6 +22661,9 @@
           <a:prstGeom prst="rect">
             <a:avLst/>
           </a:prstGeom>
+          <a:effectLst>
+            <a:softEdge rad="31750"/>
+          </a:effectLst>
         </p:spPr>
       </p:pic>
     </p:spTree>
@@ -22795,6 +22968,9 @@
               <a:lumMod val="85000"/>
             </a:schemeClr>
           </a:solidFill>
+          <a:effectLst>
+            <a:softEdge rad="31750"/>
+          </a:effectLst>
         </p:spPr>
         <p:txBody>
           <a:bodyPr wrap="square" rtlCol="0">
@@ -22939,6 +23115,9 @@
               <a:lumMod val="85000"/>
             </a:schemeClr>
           </a:solidFill>
+          <a:effectLst>
+            <a:softEdge rad="31750"/>
+          </a:effectLst>
         </p:spPr>
         <p:txBody>
           <a:bodyPr wrap="square" rtlCol="0">
@@ -23095,6 +23274,9 @@
           <a:prstGeom prst="rect">
             <a:avLst/>
           </a:prstGeom>
+          <a:effectLst>
+            <a:softEdge rad="31750"/>
+          </a:effectLst>
         </p:spPr>
       </p:pic>
     </p:spTree>
@@ -23312,6 +23494,9 @@
               <a:lumMod val="85000"/>
             </a:schemeClr>
           </a:solidFill>
+          <a:effectLst>
+            <a:softEdge rad="31750"/>
+          </a:effectLst>
         </p:spPr>
         <p:txBody>
           <a:bodyPr wrap="square" rtlCol="0">
@@ -23550,6 +23735,9 @@
           <a:prstGeom prst="rect">
             <a:avLst/>
           </a:prstGeom>
+          <a:effectLst>
+            <a:softEdge rad="31750"/>
+          </a:effectLst>
         </p:spPr>
       </p:pic>
     </p:spTree>
@@ -23865,6 +24053,9 @@
               <a:lumMod val="85000"/>
             </a:schemeClr>
           </a:solidFill>
+          <a:effectLst>
+            <a:softEdge rad="31750"/>
+          </a:effectLst>
         </p:spPr>
         <p:txBody>
           <a:bodyPr wrap="square" rtlCol="0">
@@ -24502,6 +24693,9 @@
               <a:lumMod val="85000"/>
             </a:schemeClr>
           </a:solidFill>
+          <a:effectLst>
+            <a:softEdge rad="31750"/>
+          </a:effectLst>
         </p:spPr>
         <p:txBody>
           <a:bodyPr wrap="square" rtlCol="0">
@@ -24604,6 +24798,9 @@
           <a:prstGeom prst="rect">
             <a:avLst/>
           </a:prstGeom>
+          <a:effectLst>
+            <a:softEdge rad="31750"/>
+          </a:effectLst>
         </p:spPr>
       </p:pic>
     </p:spTree>
@@ -24785,6 +24982,9 @@
               <a:lumMod val="85000"/>
             </a:schemeClr>
           </a:solidFill>
+          <a:effectLst>
+            <a:softEdge rad="31750"/>
+          </a:effectLst>
         </p:spPr>
         <p:txBody>
           <a:bodyPr wrap="square" rtlCol="0">
@@ -24915,6 +25115,9 @@
           <a:prstGeom prst="rect">
             <a:avLst/>
           </a:prstGeom>
+          <a:effectLst>
+            <a:softEdge rad="31750"/>
+          </a:effectLst>
         </p:spPr>
       </p:pic>
     </p:spTree>
@@ -25534,6 +25737,9 @@
               <a:lumMod val="85000"/>
             </a:schemeClr>
           </a:solidFill>
+          <a:effectLst>
+            <a:softEdge rad="31750"/>
+          </a:effectLst>
         </p:spPr>
         <p:txBody>
           <a:bodyPr wrap="square" rtlCol="0">
@@ -25833,6 +26039,9 @@
               <a:lumMod val="85000"/>
             </a:schemeClr>
           </a:solidFill>
+          <a:effectLst>
+            <a:softEdge rad="31750"/>
+          </a:effectLst>
         </p:spPr>
         <p:txBody>
           <a:bodyPr wrap="square" rtlCol="0">
@@ -26100,6 +26309,9 @@
           <a:prstGeom prst="rect">
             <a:avLst/>
           </a:prstGeom>
+          <a:effectLst>
+            <a:softEdge rad="31750"/>
+          </a:effectLst>
         </p:spPr>
       </p:pic>
     </p:spTree>
@@ -26301,6 +26513,9 @@
               <a:lumMod val="85000"/>
             </a:schemeClr>
           </a:solidFill>
+          <a:effectLst>
+            <a:softEdge rad="31750"/>
+          </a:effectLst>
         </p:spPr>
         <p:txBody>
           <a:bodyPr wrap="square" rtlCol="0">
@@ -26656,6 +26871,9 @@
           <a:prstGeom prst="rect">
             <a:avLst/>
           </a:prstGeom>
+          <a:effectLst>
+            <a:softEdge rad="31750"/>
+          </a:effectLst>
         </p:spPr>
       </p:pic>
     </p:spTree>
@@ -26841,6 +27059,9 @@
               <a:lumMod val="85000"/>
             </a:schemeClr>
           </a:solidFill>
+          <a:effectLst>
+            <a:softEdge rad="31750"/>
+          </a:effectLst>
         </p:spPr>
         <p:txBody>
           <a:bodyPr wrap="square" rtlCol="0">
@@ -27203,6 +27424,9 @@
           <a:prstGeom prst="rect">
             <a:avLst/>
           </a:prstGeom>
+          <a:effectLst>
+            <a:softEdge rad="31750"/>
+          </a:effectLst>
         </p:spPr>
       </p:pic>
     </p:spTree>
@@ -27388,6 +27612,9 @@
               <a:lumMod val="85000"/>
             </a:schemeClr>
           </a:solidFill>
+          <a:effectLst>
+            <a:softEdge rad="31750"/>
+          </a:effectLst>
         </p:spPr>
         <p:txBody>
           <a:bodyPr wrap="square" rtlCol="0">
@@ -27833,6 +28060,9 @@
           <a:prstGeom prst="rect">
             <a:avLst/>
           </a:prstGeom>
+          <a:effectLst>
+            <a:softEdge rad="31750"/>
+          </a:effectLst>
         </p:spPr>
       </p:pic>
     </p:spTree>
@@ -27963,6 +28193,9 @@
           <a:prstGeom prst="rect">
             <a:avLst/>
           </a:prstGeom>
+          <a:effectLst>
+            <a:softEdge rad="76200"/>
+          </a:effectLst>
         </p:spPr>
       </p:pic>
       <p:pic>
@@ -27987,12 +28220,15 @@
         </p:blipFill>
         <p:spPr>
           <a:xfrm>
-            <a:off x="5787091" y="2439359"/>
+            <a:off x="6161164" y="2439359"/>
             <a:ext cx="4718013" cy="3629241"/>
           </a:xfrm>
           <a:prstGeom prst="rect">
             <a:avLst/>
           </a:prstGeom>
+          <a:effectLst>
+            <a:softEdge rad="76200"/>
+          </a:effectLst>
         </p:spPr>
       </p:pic>
       <p:sp>
@@ -28213,6 +28449,9 @@
               <a:lumMod val="85000"/>
             </a:schemeClr>
           </a:solidFill>
+          <a:effectLst>
+            <a:softEdge rad="31750"/>
+          </a:effectLst>
         </p:spPr>
         <p:txBody>
           <a:bodyPr wrap="square" rtlCol="0">
@@ -28505,6 +28744,9 @@
               <a:lumMod val="85000"/>
             </a:schemeClr>
           </a:solidFill>
+          <a:effectLst>
+            <a:softEdge rad="31750"/>
+          </a:effectLst>
         </p:spPr>
         <p:txBody>
           <a:bodyPr wrap="square" rtlCol="0">
@@ -29091,6 +29333,9 @@
           <a:prstGeom prst="rect">
             <a:avLst/>
           </a:prstGeom>
+          <a:effectLst>
+            <a:softEdge rad="31750"/>
+          </a:effectLst>
         </p:spPr>
       </p:pic>
     </p:spTree>
@@ -29276,6 +29521,9 @@
               <a:lumMod val="85000"/>
             </a:schemeClr>
           </a:solidFill>
+          <a:effectLst>
+            <a:softEdge rad="31750"/>
+          </a:effectLst>
         </p:spPr>
         <p:txBody>
           <a:bodyPr wrap="square" rtlCol="0">
@@ -29661,6 +29909,9 @@
           <a:prstGeom prst="rect">
             <a:avLst/>
           </a:prstGeom>
+          <a:effectLst>
+            <a:softEdge rad="31750"/>
+          </a:effectLst>
         </p:spPr>
       </p:pic>
     </p:spTree>
@@ -29846,6 +30097,9 @@
               <a:lumMod val="85000"/>
             </a:schemeClr>
           </a:solidFill>
+          <a:effectLst>
+            <a:softEdge rad="31750"/>
+          </a:effectLst>
         </p:spPr>
         <p:txBody>
           <a:bodyPr wrap="square" rtlCol="0">
@@ -30586,6 +30840,9 @@
           <a:prstGeom prst="rect">
             <a:avLst/>
           </a:prstGeom>
+          <a:effectLst>
+            <a:softEdge rad="31750"/>
+          </a:effectLst>
         </p:spPr>
       </p:pic>
     </p:spTree>
@@ -30775,6 +31032,9 @@
               <a:lumMod val="85000"/>
             </a:schemeClr>
           </a:solidFill>
+          <a:effectLst>
+            <a:softEdge rad="31750"/>
+          </a:effectLst>
         </p:spPr>
         <p:txBody>
           <a:bodyPr wrap="square" rtlCol="0">
@@ -31386,6 +31646,9 @@
               <a:lumMod val="85000"/>
             </a:schemeClr>
           </a:solidFill>
+          <a:effectLst>
+            <a:softEdge rad="31750"/>
+          </a:effectLst>
         </p:spPr>
         <p:txBody>
           <a:bodyPr wrap="square" rtlCol="0">
@@ -32004,6 +32267,9 @@
           <a:prstGeom prst="rect">
             <a:avLst/>
           </a:prstGeom>
+          <a:effectLst>
+            <a:softEdge rad="31750"/>
+          </a:effectLst>
         </p:spPr>
       </p:pic>
     </p:spTree>
@@ -32543,6 +32809,9 @@
           <a:prstGeom prst="rect">
             <a:avLst/>
           </a:prstGeom>
+          <a:effectLst>
+            <a:softEdge rad="76200"/>
+          </a:effectLst>
         </p:spPr>
       </p:pic>
       <p:sp>
@@ -32737,43 +33006,6 @@
           </a:p>
         </p:txBody>
       </p:sp>
-      <p:sp>
-        <p:nvSpPr>
-          <p:cNvPr id="4" name="文字方塊 3"/>
-          <p:cNvSpPr txBox="1"/>
-          <p:nvPr/>
-        </p:nvSpPr>
-        <p:spPr>
-          <a:xfrm>
-            <a:off x="224287" y="1708030"/>
-            <a:ext cx="3398807" cy="461665"/>
-          </a:xfrm>
-          <a:prstGeom prst="rect">
-            <a:avLst/>
-          </a:prstGeom>
-          <a:noFill/>
-        </p:spPr>
-        <p:txBody>
-          <a:bodyPr wrap="square" rtlCol="0">
-            <a:spAutoFit/>
-          </a:bodyPr>
-          <a:lstStyle/>
-          <a:p>
-            <a:pPr marL="285750" indent="-285750">
-              <a:buFont typeface="Arial" panose="020B0604020202020204" pitchFamily="34" charset="0"/>
-              <a:buChar char="•"/>
-            </a:pPr>
-            <a:r>
-              <a:rPr lang="en-US" altLang="zh-TW" sz="2400" dirty="0" smtClean="0">
-                <a:solidFill>
-                  <a:srgbClr val="FF0000"/>
-                </a:solidFill>
-              </a:rPr>
-              <a:t>Debug mode </a:t>
-            </a:r>
-          </a:p>
-        </p:txBody>
-      </p:sp>
       <p:pic>
         <p:nvPicPr>
           <p:cNvPr id="7" name="圖片 6"/>
@@ -32796,14 +33028,78 @@
         </p:blipFill>
         <p:spPr>
           <a:xfrm>
-            <a:off x="3165894" y="1483744"/>
-            <a:ext cx="8574656" cy="4986067"/>
+            <a:off x="4062549" y="1483744"/>
+            <a:ext cx="7678000" cy="4986067"/>
           </a:xfrm>
           <a:prstGeom prst="rect">
             <a:avLst/>
           </a:prstGeom>
+          <a:effectLst>
+            <a:softEdge rad="76200"/>
+          </a:effectLst>
         </p:spPr>
       </p:pic>
+      <p:sp>
+        <p:nvSpPr>
+          <p:cNvPr id="5" name="文字方塊 4"/>
+          <p:cNvSpPr txBox="1"/>
+          <p:nvPr/>
+        </p:nvSpPr>
+        <p:spPr>
+          <a:xfrm>
+            <a:off x="132847" y="1593970"/>
+            <a:ext cx="4831040" cy="1261884"/>
+          </a:xfrm>
+          <a:prstGeom prst="rect">
+            <a:avLst/>
+          </a:prstGeom>
+          <a:noFill/>
+        </p:spPr>
+        <p:txBody>
+          <a:bodyPr wrap="square" rtlCol="0">
+            <a:spAutoFit/>
+          </a:bodyPr>
+          <a:lstStyle/>
+          <a:p>
+            <a:r>
+              <a:rPr lang="en-US" altLang="zh-TW" sz="2800" dirty="0" smtClean="0">
+                <a:solidFill>
+                  <a:srgbClr val="FF0000"/>
+                </a:solidFill>
+              </a:rPr>
+              <a:t>Debug mode</a:t>
+            </a:r>
+          </a:p>
+          <a:p>
+            <a:pPr marL="285750" indent="-285750">
+              <a:buFont typeface="Arial" panose="020B0604020202020204" pitchFamily="34" charset="0"/>
+              <a:buChar char="•"/>
+            </a:pPr>
+            <a:r>
+              <a:rPr lang="en-US" altLang="zh-TW" sz="2400" dirty="0" smtClean="0">
+                <a:solidFill>
+                  <a:srgbClr val="0070C0"/>
+                </a:solidFill>
+              </a:rPr>
+              <a:t>By step to execute</a:t>
+            </a:r>
+          </a:p>
+          <a:p>
+            <a:pPr marL="285750" indent="-285750">
+              <a:buFont typeface="Arial" panose="020B0604020202020204" pitchFamily="34" charset="0"/>
+              <a:buChar char="•"/>
+            </a:pPr>
+            <a:r>
+              <a:rPr lang="en-US" altLang="zh-TW" sz="2400" dirty="0" smtClean="0">
+                <a:solidFill>
+                  <a:srgbClr val="0070C0"/>
+                </a:solidFill>
+              </a:rPr>
+              <a:t>View all of the variables </a:t>
+            </a:r>
+          </a:p>
+        </p:txBody>
+      </p:sp>
     </p:spTree>
     <p:extLst>
       <p:ext uri="{BB962C8B-B14F-4D97-AF65-F5344CB8AC3E}">

--- a/Python Introduction.pptx
+++ b/Python Introduction.pptx
@@ -5963,8 +5963,8 @@
         </p:nvSpPr>
         <p:spPr>
           <a:xfrm>
-            <a:off x="6675119" y="4262057"/>
-            <a:ext cx="3004457" cy="1681543"/>
+            <a:off x="7478486" y="4873176"/>
+            <a:ext cx="4167052" cy="1681543"/>
           </a:xfrm>
         </p:spPr>
         <p:txBody>
@@ -5974,14 +5974,35 @@
           <a:lstStyle/>
           <a:p>
             <a:r>
-              <a:rPr lang="en-US" altLang="zh-TW" sz="2800" dirty="0" err="1" smtClean="0"/>
-              <a:t>David_Chu</a:t>
-            </a:r>
-            <a:endParaRPr lang="en-US" altLang="zh-TW" sz="2800" dirty="0" smtClean="0"/>
-          </a:p>
-          <a:p>
-            <a:r>
-              <a:rPr lang="en-US" altLang="zh-TW" sz="2800" dirty="0" smtClean="0"/>
+              <a:rPr lang="en-US" altLang="zh-TW" sz="2800" b="1" dirty="0" err="1" smtClean="0">
+                <a:solidFill>
+                  <a:schemeClr val="tx1">
+                    <a:lumMod val="85000"/>
+                    <a:lumOff val="15000"/>
+                  </a:schemeClr>
+                </a:solidFill>
+              </a:rPr>
+              <a:t>David_Zhu</a:t>
+            </a:r>
+            <a:endParaRPr lang="en-US" altLang="zh-TW" sz="2800" b="1" dirty="0" smtClean="0">
+              <a:solidFill>
+                <a:schemeClr val="tx1">
+                  <a:lumMod val="85000"/>
+                  <a:lumOff val="15000"/>
+                </a:schemeClr>
+              </a:solidFill>
+            </a:endParaRPr>
+          </a:p>
+          <a:p>
+            <a:r>
+              <a:rPr lang="en-US" altLang="zh-TW" sz="2800" b="1" dirty="0" smtClean="0">
+                <a:solidFill>
+                  <a:schemeClr val="tx1">
+                    <a:lumMod val="85000"/>
+                    <a:lumOff val="15000"/>
+                  </a:schemeClr>
+                </a:solidFill>
+              </a:rPr>
               <a:t>2022/4/29</a:t>
             </a:r>
           </a:p>
@@ -13185,7 +13206,7 @@
             </a:schemeClr>
           </a:solidFill>
           <a:effectLst>
-            <a:softEdge rad="38100"/>
+            <a:softEdge rad="76200"/>
           </a:effectLst>
         </p:spPr>
         <p:txBody>
@@ -13491,7 +13512,7 @@
             </a:schemeClr>
           </a:solidFill>
           <a:effectLst>
-            <a:softEdge rad="31750"/>
+            <a:softEdge rad="76200"/>
           </a:effectLst>
         </p:spPr>
         <p:txBody>
@@ -13801,7 +13822,7 @@
             </a:schemeClr>
           </a:solidFill>
           <a:effectLst>
-            <a:softEdge rad="31750"/>
+            <a:softEdge rad="76200"/>
           </a:effectLst>
         </p:spPr>
         <p:txBody>
@@ -14111,7 +14132,7 @@
             </a:schemeClr>
           </a:solidFill>
           <a:effectLst>
-            <a:softEdge rad="31750"/>
+            <a:softEdge rad="76200"/>
           </a:effectLst>
         </p:spPr>
         <p:txBody>
@@ -14737,7 +14758,7 @@
             </a:schemeClr>
           </a:solidFill>
           <a:effectLst>
-            <a:softEdge rad="31750"/>
+            <a:softEdge rad="76200"/>
           </a:effectLst>
         </p:spPr>
         <p:txBody>
@@ -14871,14 +14892,14 @@
         </p:blipFill>
         <p:spPr>
           <a:xfrm>
-            <a:off x="1152885" y="4125277"/>
+            <a:off x="1138329" y="4007290"/>
             <a:ext cx="8568865" cy="1047614"/>
           </a:xfrm>
           <a:prstGeom prst="rect">
             <a:avLst/>
           </a:prstGeom>
           <a:effectLst>
-            <a:softEdge rad="31750"/>
+            <a:softEdge rad="88900"/>
           </a:effectLst>
         </p:spPr>
       </p:pic>
@@ -15066,7 +15087,7 @@
             </a:schemeClr>
           </a:solidFill>
           <a:effectLst>
-            <a:softEdge rad="31750"/>
+            <a:softEdge rad="76200"/>
           </a:effectLst>
         </p:spPr>
         <p:txBody>
@@ -15468,7 +15489,7 @@
             </a:schemeClr>
           </a:solidFill>
           <a:effectLst>
-            <a:softEdge rad="31750"/>
+            <a:softEdge rad="76200"/>
           </a:effectLst>
         </p:spPr>
         <p:txBody>
@@ -15796,7 +15817,7 @@
             </a:schemeClr>
           </a:solidFill>
           <a:effectLst>
-            <a:softEdge rad="31750"/>
+            <a:softEdge rad="76200"/>
           </a:effectLst>
         </p:spPr>
         <p:txBody>
@@ -16210,7 +16231,7 @@
             </a:schemeClr>
           </a:solidFill>
           <a:effectLst>
-            <a:softEdge rad="31750"/>
+            <a:softEdge rad="76200"/>
           </a:effectLst>
         </p:spPr>
         <p:txBody>
@@ -16602,7 +16623,7 @@
             </a:schemeClr>
           </a:solidFill>
           <a:effectLst>
-            <a:softEdge rad="31750"/>
+            <a:softEdge rad="76200"/>
           </a:effectLst>
         </p:spPr>
         <p:txBody>
@@ -16978,7 +16999,7 @@
             </a:schemeClr>
           </a:solidFill>
           <a:effectLst>
-            <a:softEdge rad="31750"/>
+            <a:softEdge rad="76200"/>
           </a:effectLst>
         </p:spPr>
         <p:txBody>
@@ -17362,7 +17383,7 @@
             </a:schemeClr>
           </a:solidFill>
           <a:effectLst>
-            <a:softEdge rad="31750"/>
+            <a:softEdge rad="76200"/>
           </a:effectLst>
         </p:spPr>
         <p:txBody>
@@ -17738,7 +17759,7 @@
             </a:schemeClr>
           </a:solidFill>
           <a:effectLst>
-            <a:softEdge rad="31750"/>
+            <a:softEdge rad="76200"/>
           </a:effectLst>
         </p:spPr>
         <p:txBody>
@@ -18396,7 +18417,7 @@
             </a:schemeClr>
           </a:solidFill>
           <a:effectLst>
-            <a:softEdge rad="31750"/>
+            <a:softEdge rad="76200"/>
           </a:effectLst>
         </p:spPr>
         <p:txBody>
@@ -19121,7 +19142,7 @@
             </a:schemeClr>
           </a:solidFill>
           <a:effectLst>
-            <a:softEdge rad="31750"/>
+            <a:softEdge rad="76200"/>
           </a:effectLst>
         </p:spPr>
         <p:txBody>
@@ -19652,7 +19673,7 @@
             </a:schemeClr>
           </a:solidFill>
           <a:effectLst>
-            <a:softEdge rad="31750"/>
+            <a:softEdge rad="76200"/>
           </a:effectLst>
         </p:spPr>
         <p:txBody>
@@ -19969,7 +19990,7 @@
             </a:schemeClr>
           </a:solidFill>
           <a:effectLst>
-            <a:softEdge rad="31750"/>
+            <a:softEdge rad="76200"/>
           </a:effectLst>
         </p:spPr>
         <p:txBody>
@@ -20267,7 +20288,7 @@
             </a:schemeClr>
           </a:solidFill>
           <a:effectLst>
-            <a:softEdge rad="31750"/>
+            <a:softEdge rad="76200"/>
           </a:effectLst>
         </p:spPr>
         <p:txBody>
@@ -20613,7 +20634,7 @@
             </a:schemeClr>
           </a:solidFill>
           <a:effectLst>
-            <a:softEdge rad="31750"/>
+            <a:softEdge rad="76200"/>
           </a:effectLst>
         </p:spPr>
         <p:txBody>
@@ -20934,7 +20955,7 @@
             </a:schemeClr>
           </a:solidFill>
           <a:effectLst>
-            <a:softEdge rad="31750"/>
+            <a:softEdge rad="76200"/>
           </a:effectLst>
         </p:spPr>
         <p:txBody>
@@ -21609,7 +21630,7 @@
             </a:schemeClr>
           </a:solidFill>
           <a:effectLst>
-            <a:softEdge rad="31750"/>
+            <a:softEdge rad="76200"/>
           </a:effectLst>
         </p:spPr>
         <p:txBody>
@@ -22198,7 +22219,7 @@
             </a:schemeClr>
           </a:solidFill>
           <a:effectLst>
-            <a:softEdge rad="31750"/>
+            <a:softEdge rad="76200"/>
           </a:effectLst>
         </p:spPr>
         <p:txBody>
@@ -22496,7 +22517,7 @@
             </a:schemeClr>
           </a:solidFill>
           <a:effectLst>
-            <a:softEdge rad="31750"/>
+            <a:softEdge rad="76200"/>
           </a:effectLst>
         </p:spPr>
         <p:txBody>
@@ -22969,7 +22990,7 @@
             </a:schemeClr>
           </a:solidFill>
           <a:effectLst>
-            <a:softEdge rad="31750"/>
+            <a:softEdge rad="76200"/>
           </a:effectLst>
         </p:spPr>
         <p:txBody>
@@ -23116,7 +23137,7 @@
             </a:schemeClr>
           </a:solidFill>
           <a:effectLst>
-            <a:softEdge rad="31750"/>
+            <a:softEdge rad="76200"/>
           </a:effectLst>
         </p:spPr>
         <p:txBody>
@@ -23495,7 +23516,7 @@
             </a:schemeClr>
           </a:solidFill>
           <a:effectLst>
-            <a:softEdge rad="31750"/>
+            <a:softEdge rad="76200"/>
           </a:effectLst>
         </p:spPr>
         <p:txBody>
@@ -24054,7 +24075,7 @@
             </a:schemeClr>
           </a:solidFill>
           <a:effectLst>
-            <a:softEdge rad="31750"/>
+            <a:softEdge rad="76200"/>
           </a:effectLst>
         </p:spPr>
         <p:txBody>
@@ -24694,7 +24715,7 @@
             </a:schemeClr>
           </a:solidFill>
           <a:effectLst>
-            <a:softEdge rad="31750"/>
+            <a:softEdge rad="76200"/>
           </a:effectLst>
         </p:spPr>
         <p:txBody>
@@ -24983,7 +25004,7 @@
             </a:schemeClr>
           </a:solidFill>
           <a:effectLst>
-            <a:softEdge rad="31750"/>
+            <a:softEdge rad="76200"/>
           </a:effectLst>
         </p:spPr>
         <p:txBody>
@@ -25738,7 +25759,7 @@
             </a:schemeClr>
           </a:solidFill>
           <a:effectLst>
-            <a:softEdge rad="31750"/>
+            <a:softEdge rad="76200"/>
           </a:effectLst>
         </p:spPr>
         <p:txBody>
@@ -26040,7 +26061,7 @@
             </a:schemeClr>
           </a:solidFill>
           <a:effectLst>
-            <a:softEdge rad="31750"/>
+            <a:softEdge rad="76200"/>
           </a:effectLst>
         </p:spPr>
         <p:txBody>
@@ -26514,7 +26535,7 @@
             </a:schemeClr>
           </a:solidFill>
           <a:effectLst>
-            <a:softEdge rad="31750"/>
+            <a:softEdge rad="76200"/>
           </a:effectLst>
         </p:spPr>
         <p:txBody>
@@ -27060,7 +27081,7 @@
             </a:schemeClr>
           </a:solidFill>
           <a:effectLst>
-            <a:softEdge rad="31750"/>
+            <a:softEdge rad="76200"/>
           </a:effectLst>
         </p:spPr>
         <p:txBody>
@@ -27613,7 +27634,7 @@
             </a:schemeClr>
           </a:solidFill>
           <a:effectLst>
-            <a:softEdge rad="31750"/>
+            <a:softEdge rad="76200"/>
           </a:effectLst>
         </p:spPr>
         <p:txBody>
@@ -28450,7 +28471,7 @@
             </a:schemeClr>
           </a:solidFill>
           <a:effectLst>
-            <a:softEdge rad="31750"/>
+            <a:softEdge rad="76200"/>
           </a:effectLst>
         </p:spPr>
         <p:txBody>
@@ -28745,7 +28766,7 @@
             </a:schemeClr>
           </a:solidFill>
           <a:effectLst>
-            <a:softEdge rad="31750"/>
+            <a:softEdge rad="76200"/>
           </a:effectLst>
         </p:spPr>
         <p:txBody>
@@ -29522,7 +29543,7 @@
             </a:schemeClr>
           </a:solidFill>
           <a:effectLst>
-            <a:softEdge rad="31750"/>
+            <a:softEdge rad="76200"/>
           </a:effectLst>
         </p:spPr>
         <p:txBody>
@@ -30098,7 +30119,7 @@
             </a:schemeClr>
           </a:solidFill>
           <a:effectLst>
-            <a:softEdge rad="31750"/>
+            <a:softEdge rad="76200"/>
           </a:effectLst>
         </p:spPr>
         <p:txBody>
@@ -31033,7 +31054,7 @@
             </a:schemeClr>
           </a:solidFill>
           <a:effectLst>
-            <a:softEdge rad="31750"/>
+            <a:softEdge rad="76200"/>
           </a:effectLst>
         </p:spPr>
         <p:txBody>
@@ -31647,7 +31668,7 @@
             </a:schemeClr>
           </a:solidFill>
           <a:effectLst>
-            <a:softEdge rad="31750"/>
+            <a:softEdge rad="76200"/>
           </a:effectLst>
         </p:spPr>
         <p:txBody>

--- a/Python Introduction.pptx
+++ b/Python Introduction.pptx
@@ -5972,6 +5972,27 @@
             <a:normAutofit/>
           </a:bodyPr>
           <a:lstStyle/>
+          <a:p>
+            <a:r>
+              <a:rPr lang="zh-TW" altLang="en-US" sz="2800" b="1" dirty="0" smtClean="0">
+                <a:solidFill>
+                  <a:schemeClr val="tx1">
+                    <a:lumMod val="85000"/>
+                    <a:lumOff val="15000"/>
+                  </a:schemeClr>
+                </a:solidFill>
+              </a:rPr>
+              <a:t>自動化開發與認證課</a:t>
+            </a:r>
+            <a:endParaRPr lang="en-US" altLang="zh-TW" sz="2800" b="1" dirty="0" smtClean="0">
+              <a:solidFill>
+                <a:schemeClr val="tx1">
+                  <a:lumMod val="85000"/>
+                  <a:lumOff val="15000"/>
+                </a:schemeClr>
+              </a:solidFill>
+            </a:endParaRPr>
+          </a:p>
           <a:p>
             <a:r>
               <a:rPr lang="en-US" altLang="zh-TW" sz="2800" b="1" dirty="0" err="1" smtClean="0">
@@ -25688,7 +25709,7 @@
         </p:nvSpPr>
         <p:spPr>
           <a:xfrm>
-            <a:off x="2351198" y="2001312"/>
+            <a:off x="2181381" y="1922935"/>
             <a:ext cx="6374792" cy="3323987"/>
           </a:xfrm>
           <a:prstGeom prst="rect">
@@ -25990,7 +26011,7 @@
         </p:nvSpPr>
         <p:spPr>
           <a:xfrm>
-            <a:off x="1815618" y="1322042"/>
+            <a:off x="1384544" y="1322042"/>
             <a:ext cx="7459009" cy="4062651"/>
           </a:xfrm>
           <a:prstGeom prst="rect">
@@ -26265,7 +26286,7 @@
         </p:blipFill>
         <p:spPr>
           <a:xfrm>
-            <a:off x="1815618" y="5619896"/>
+            <a:off x="1384543" y="5619896"/>
             <a:ext cx="7459009" cy="976847"/>
           </a:xfrm>
           <a:prstGeom prst="rect">
@@ -32399,7 +32420,7 @@
         <p:spPr>
           <a:xfrm>
             <a:off x="897147" y="1199384"/>
-            <a:ext cx="8273337" cy="5447645"/>
+            <a:ext cx="8273337" cy="6555641"/>
           </a:xfrm>
           <a:prstGeom prst="rect">
             <a:avLst/>
@@ -32414,21 +32435,47 @@
           <a:p>
             <a:r>
               <a:rPr lang="en-US" altLang="zh-TW" dirty="0" smtClean="0"/>
-              <a:t>Python download</a:t>
-            </a:r>
-          </a:p>
-          <a:p>
-            <a:r>
-              <a:rPr lang="en-US" altLang="zh-TW" dirty="0">
-                <a:hlinkClick r:id="rId2"/>
-              </a:rPr>
-              <a:t>https://www.python.org/downloads</a:t>
-            </a:r>
+              <a:t>Python </a:t>
+            </a:r>
+            <a:r>
+              <a:rPr lang="en-US" altLang="zh-TW" dirty="0" smtClean="0"/>
+              <a:t>download</a:t>
+            </a:r>
+          </a:p>
+          <a:p>
             <a:r>
               <a:rPr lang="en-US" altLang="zh-TW" dirty="0" smtClean="0">
                 <a:hlinkClick r:id="rId2"/>
               </a:rPr>
-              <a:t>/</a:t>
+              <a:t>https://www.python.org/downloads/</a:t>
+            </a:r>
+            <a:endParaRPr lang="en-US" altLang="zh-TW" dirty="0" smtClean="0"/>
+          </a:p>
+          <a:p>
+            <a:endParaRPr lang="en-US" altLang="zh-TW" dirty="0"/>
+          </a:p>
+          <a:p>
+            <a:endParaRPr lang="en-US" altLang="zh-TW" dirty="0" smtClean="0"/>
+          </a:p>
+          <a:p>
+            <a:r>
+              <a:rPr lang="en-US" altLang="zh-TW" dirty="0" smtClean="0"/>
+              <a:t>Visual Studio Code download</a:t>
+            </a:r>
+            <a:endParaRPr lang="en-US" altLang="zh-TW" dirty="0" smtClean="0"/>
+          </a:p>
+          <a:p>
+            <a:r>
+              <a:rPr lang="en-US" altLang="zh-TW" dirty="0">
+                <a:hlinkClick r:id="rId3"/>
+              </a:rPr>
+              <a:t>https://</a:t>
+            </a:r>
+            <a:r>
+              <a:rPr lang="en-US" altLang="zh-TW" dirty="0" smtClean="0">
+                <a:hlinkClick r:id="rId3"/>
+              </a:rPr>
+              <a:t>code.visualstudio.com/download</a:t>
             </a:r>
             <a:endParaRPr lang="en-US" altLang="zh-TW" dirty="0" smtClean="0"/>
           </a:p>
@@ -32447,13 +32494,13 @@
           <a:p>
             <a:r>
               <a:rPr lang="en-US" altLang="zh-TW" dirty="0">
-                <a:hlinkClick r:id="rId3"/>
+                <a:hlinkClick r:id="rId4"/>
               </a:rPr>
               <a:t>https://</a:t>
             </a:r>
             <a:r>
               <a:rPr lang="en-US" altLang="zh-TW" dirty="0" smtClean="0">
-                <a:hlinkClick r:id="rId3"/>
+                <a:hlinkClick r:id="rId4"/>
               </a:rPr>
               <a:t>www.anaconda.com/products/individual</a:t>
             </a:r>
@@ -32474,13 +32521,13 @@
           <a:p>
             <a:r>
               <a:rPr lang="en-US" altLang="zh-TW" dirty="0">
-                <a:hlinkClick r:id="rId4"/>
+                <a:hlinkClick r:id="rId5"/>
               </a:rPr>
               <a:t>https://</a:t>
             </a:r>
             <a:r>
               <a:rPr lang="en-US" altLang="zh-TW" dirty="0" smtClean="0">
-                <a:hlinkClick r:id="rId4"/>
+                <a:hlinkClick r:id="rId5"/>
               </a:rPr>
               <a:t>docs.python.org/zh-tw/3/tutorial/index.html</a:t>
             </a:r>
@@ -32502,13 +32549,13 @@
           <a:p>
             <a:r>
               <a:rPr lang="en-US" altLang="zh-TW" dirty="0">
-                <a:hlinkClick r:id="rId5"/>
+                <a:hlinkClick r:id="rId6"/>
               </a:rPr>
               <a:t>https://</a:t>
             </a:r>
             <a:r>
               <a:rPr lang="en-US" altLang="zh-TW" dirty="0" smtClean="0">
-                <a:hlinkClick r:id="rId5"/>
+                <a:hlinkClick r:id="rId6"/>
               </a:rPr>
               <a:t>www.learnbyexample.org/python-introduction/</a:t>
             </a:r>

--- a/Python Introduction.pptx
+++ b/Python Introduction.pptx
@@ -89,16 +89,18 @@
     <p:sldId id="349" r:id="rId83"/>
     <p:sldId id="365" r:id="rId84"/>
     <p:sldId id="354" r:id="rId85"/>
-    <p:sldId id="355" r:id="rId86"/>
-    <p:sldId id="356" r:id="rId87"/>
-    <p:sldId id="357" r:id="rId88"/>
-    <p:sldId id="353" r:id="rId89"/>
-    <p:sldId id="358" r:id="rId90"/>
-    <p:sldId id="359" r:id="rId91"/>
-    <p:sldId id="360" r:id="rId92"/>
-    <p:sldId id="361" r:id="rId93"/>
-    <p:sldId id="318" r:id="rId94"/>
-    <p:sldId id="304" r:id="rId95"/>
+    <p:sldId id="401" r:id="rId86"/>
+    <p:sldId id="355" r:id="rId87"/>
+    <p:sldId id="356" r:id="rId88"/>
+    <p:sldId id="357" r:id="rId89"/>
+    <p:sldId id="353" r:id="rId90"/>
+    <p:sldId id="358" r:id="rId91"/>
+    <p:sldId id="402" r:id="rId92"/>
+    <p:sldId id="359" r:id="rId93"/>
+    <p:sldId id="360" r:id="rId94"/>
+    <p:sldId id="361" r:id="rId95"/>
+    <p:sldId id="318" r:id="rId96"/>
+    <p:sldId id="304" r:id="rId97"/>
   </p:sldIdLst>
   <p:sldSz cx="12192000" cy="6858000"/>
   <p:notesSz cx="6858000" cy="9144000"/>
@@ -950,7 +952,7 @@
           <a:p>
             <a:fld id="{117F0709-AC62-415F-B52D-54A77B1A61B0}" type="datetimeFigureOut">
               <a:rPr lang="zh-TW" altLang="en-US" smtClean="0"/>
-              <a:t>2022/5/10</a:t>
+              <a:t>2022/5/15</a:t>
             </a:fld>
             <a:endParaRPr lang="zh-TW" altLang="en-US"/>
           </a:p>
@@ -1201,7 +1203,7 @@
           <a:p>
             <a:fld id="{117F0709-AC62-415F-B52D-54A77B1A61B0}" type="datetimeFigureOut">
               <a:rPr lang="zh-TW" altLang="en-US" smtClean="0"/>
-              <a:t>2022/5/10</a:t>
+              <a:t>2022/5/15</a:t>
             </a:fld>
             <a:endParaRPr lang="zh-TW" altLang="en-US"/>
           </a:p>
@@ -1515,7 +1517,7 @@
           <a:p>
             <a:fld id="{117F0709-AC62-415F-B52D-54A77B1A61B0}" type="datetimeFigureOut">
               <a:rPr lang="zh-TW" altLang="en-US" smtClean="0"/>
-              <a:t>2022/5/10</a:t>
+              <a:t>2022/5/15</a:t>
             </a:fld>
             <a:endParaRPr lang="zh-TW" altLang="en-US"/>
           </a:p>
@@ -1848,7 +1850,7 @@
           <a:p>
             <a:fld id="{117F0709-AC62-415F-B52D-54A77B1A61B0}" type="datetimeFigureOut">
               <a:rPr lang="zh-TW" altLang="en-US" smtClean="0"/>
-              <a:t>2022/5/10</a:t>
+              <a:t>2022/5/15</a:t>
             </a:fld>
             <a:endParaRPr lang="zh-TW" altLang="en-US"/>
           </a:p>
@@ -2162,7 +2164,7 @@
           <a:p>
             <a:fld id="{117F0709-AC62-415F-B52D-54A77B1A61B0}" type="datetimeFigureOut">
               <a:rPr lang="zh-TW" altLang="en-US" smtClean="0"/>
-              <a:t>2022/5/10</a:t>
+              <a:t>2022/5/15</a:t>
             </a:fld>
             <a:endParaRPr lang="zh-TW" altLang="en-US"/>
           </a:p>
@@ -2555,7 +2557,7 @@
           <a:p>
             <a:fld id="{117F0709-AC62-415F-B52D-54A77B1A61B0}" type="datetimeFigureOut">
               <a:rPr lang="zh-TW" altLang="en-US" smtClean="0"/>
-              <a:t>2022/5/10</a:t>
+              <a:t>2022/5/15</a:t>
             </a:fld>
             <a:endParaRPr lang="zh-TW" altLang="en-US"/>
           </a:p>
@@ -2725,7 +2727,7 @@
           <a:p>
             <a:fld id="{117F0709-AC62-415F-B52D-54A77B1A61B0}" type="datetimeFigureOut">
               <a:rPr lang="zh-TW" altLang="en-US" smtClean="0"/>
-              <a:t>2022/5/10</a:t>
+              <a:t>2022/5/15</a:t>
             </a:fld>
             <a:endParaRPr lang="zh-TW" altLang="en-US"/>
           </a:p>
@@ -2905,7 +2907,7 @@
           <a:p>
             <a:fld id="{117F0709-AC62-415F-B52D-54A77B1A61B0}" type="datetimeFigureOut">
               <a:rPr lang="zh-TW" altLang="en-US" smtClean="0"/>
-              <a:t>2022/5/10</a:t>
+              <a:t>2022/5/15</a:t>
             </a:fld>
             <a:endParaRPr lang="zh-TW" altLang="en-US"/>
           </a:p>
@@ -3075,7 +3077,7 @@
           <a:p>
             <a:fld id="{117F0709-AC62-415F-B52D-54A77B1A61B0}" type="datetimeFigureOut">
               <a:rPr lang="zh-TW" altLang="en-US" smtClean="0"/>
-              <a:t>2022/5/10</a:t>
+              <a:t>2022/5/15</a:t>
             </a:fld>
             <a:endParaRPr lang="zh-TW" altLang="en-US"/>
           </a:p>
@@ -3322,7 +3324,7 @@
           <a:p>
             <a:fld id="{117F0709-AC62-415F-B52D-54A77B1A61B0}" type="datetimeFigureOut">
               <a:rPr lang="zh-TW" altLang="en-US" smtClean="0"/>
-              <a:t>2022/5/10</a:t>
+              <a:t>2022/5/15</a:t>
             </a:fld>
             <a:endParaRPr lang="zh-TW" altLang="en-US"/>
           </a:p>
@@ -3554,7 +3556,7 @@
           <a:p>
             <a:fld id="{117F0709-AC62-415F-B52D-54A77B1A61B0}" type="datetimeFigureOut">
               <a:rPr lang="zh-TW" altLang="en-US" smtClean="0"/>
-              <a:t>2022/5/10</a:t>
+              <a:t>2022/5/15</a:t>
             </a:fld>
             <a:endParaRPr lang="zh-TW" altLang="en-US"/>
           </a:p>
@@ -3928,7 +3930,7 @@
           <a:p>
             <a:fld id="{117F0709-AC62-415F-B52D-54A77B1A61B0}" type="datetimeFigureOut">
               <a:rPr lang="zh-TW" altLang="en-US" smtClean="0"/>
-              <a:t>2022/5/10</a:t>
+              <a:t>2022/5/15</a:t>
             </a:fld>
             <a:endParaRPr lang="zh-TW" altLang="en-US"/>
           </a:p>
@@ -4051,7 +4053,7 @@
           <a:p>
             <a:fld id="{117F0709-AC62-415F-B52D-54A77B1A61B0}" type="datetimeFigureOut">
               <a:rPr lang="zh-TW" altLang="en-US" smtClean="0"/>
-              <a:t>2022/5/10</a:t>
+              <a:t>2022/5/15</a:t>
             </a:fld>
             <a:endParaRPr lang="zh-TW" altLang="en-US"/>
           </a:p>
@@ -4146,7 +4148,7 @@
           <a:p>
             <a:fld id="{117F0709-AC62-415F-B52D-54A77B1A61B0}" type="datetimeFigureOut">
               <a:rPr lang="zh-TW" altLang="en-US" smtClean="0"/>
-              <a:t>2022/5/10</a:t>
+              <a:t>2022/5/15</a:t>
             </a:fld>
             <a:endParaRPr lang="zh-TW" altLang="en-US"/>
           </a:p>
@@ -4401,7 +4403,7 @@
           <a:p>
             <a:fld id="{117F0709-AC62-415F-B52D-54A77B1A61B0}" type="datetimeFigureOut">
               <a:rPr lang="zh-TW" altLang="en-US" smtClean="0"/>
-              <a:t>2022/5/10</a:t>
+              <a:t>2022/5/15</a:t>
             </a:fld>
             <a:endParaRPr lang="zh-TW" altLang="en-US"/>
           </a:p>
@@ -4706,7 +4708,7 @@
           <a:p>
             <a:fld id="{117F0709-AC62-415F-B52D-54A77B1A61B0}" type="datetimeFigureOut">
               <a:rPr lang="zh-TW" altLang="en-US" smtClean="0"/>
-              <a:t>2022/5/10</a:t>
+              <a:t>2022/5/15</a:t>
             </a:fld>
             <a:endParaRPr lang="zh-TW" altLang="en-US"/>
           </a:p>
@@ -5408,7 +5410,7 @@
           <a:p>
             <a:fld id="{117F0709-AC62-415F-B52D-54A77B1A61B0}" type="datetimeFigureOut">
               <a:rPr lang="zh-TW" altLang="en-US" smtClean="0"/>
-              <a:t>2022/5/10</a:t>
+              <a:t>2022/5/15</a:t>
             </a:fld>
             <a:endParaRPr lang="zh-TW" altLang="en-US"/>
           </a:p>
@@ -36327,7 +36329,7 @@
             </a:r>
             <a:r>
               <a:rPr lang="en-US" altLang="zh-TW" sz="2400" dirty="0" smtClean="0"/>
-              <a:t>)                     </a:t>
+              <a:t>)                    </a:t>
             </a:r>
             <a:r>
               <a:rPr lang="en-US" altLang="zh-TW" sz="2400" dirty="0" smtClean="0">
@@ -36486,7 +36488,7 @@
         </p:nvSpPr>
         <p:spPr>
           <a:xfrm>
-            <a:off x="782822" y="290334"/>
+            <a:off x="482571" y="290334"/>
             <a:ext cx="8596668" cy="796505"/>
           </a:xfrm>
           <a:prstGeom prst="rect">
@@ -36572,31 +36574,39 @@
           <a:p>
             <a:pPr lvl="1" algn="ctr"/>
             <a:r>
-              <a:rPr lang="en-US" altLang="zh-TW" sz="4000" smtClean="0">
+              <a:rPr lang="en-US" altLang="zh-TW" sz="4000" dirty="0" smtClean="0">
                 <a:solidFill>
                   <a:schemeClr val="tx1"/>
                 </a:solidFill>
               </a:rPr>
-              <a:t>Class ( __init__ </a:t>
-            </a:r>
-            <a:r>
-              <a:rPr lang="zh-TW" altLang="en-US" sz="4000" smtClean="0">
+              <a:t>Class</a:t>
+            </a:r>
+            <a:r>
+              <a:rPr lang="zh-TW" altLang="en-US" sz="4000" dirty="0" smtClean="0">
                 <a:solidFill>
                   <a:schemeClr val="tx1"/>
                 </a:solidFill>
               </a:rPr>
-              <a:t>建</a:t>
-            </a:r>
-            <a:r>
-              <a:rPr lang="zh-TW" altLang="en-US" sz="4000">
+              <a:t> </a:t>
+            </a:r>
+            <a:r>
+              <a:rPr lang="en-US" altLang="zh-TW" sz="4000" dirty="0" smtClean="0">
                 <a:solidFill>
                   <a:schemeClr val="tx1"/>
                 </a:solidFill>
               </a:rPr>
-              <a:t>構子</a:t>
-            </a:r>
-            <a:r>
-              <a:rPr lang="en-US" altLang="zh-TW" sz="4000" smtClean="0">
+              <a:t>(</a:t>
+            </a:r>
+            <a:r>
+              <a:rPr lang="zh-TW" altLang="en-US" sz="4000" dirty="0" smtClean="0">
+                <a:solidFill>
+                  <a:schemeClr val="tx1"/>
+                </a:solidFill>
+              </a:rPr>
+              <a:t>匿名物件</a:t>
+            </a:r>
+            <a:r>
+              <a:rPr lang="en-US" altLang="zh-TW" sz="4000" dirty="0" smtClean="0">
                 <a:solidFill>
                   <a:schemeClr val="tx1"/>
                 </a:solidFill>
@@ -36619,8 +36629,8 @@
         </p:nvSpPr>
         <p:spPr>
           <a:xfrm>
-            <a:off x="696557" y="1214717"/>
-            <a:ext cx="6454869" cy="5632311"/>
+            <a:off x="1384544" y="1086839"/>
+            <a:ext cx="7624180" cy="4431983"/>
           </a:xfrm>
           <a:prstGeom prst="rect">
             <a:avLst/>
@@ -36641,7 +36651,7 @@
           <a:lstStyle/>
           <a:p>
             <a:r>
-              <a:rPr lang="en-US" altLang="zh-TW" sz="2000" dirty="0" smtClean="0">
+              <a:rPr lang="en-US" altLang="zh-TW" sz="2400" dirty="0" smtClean="0">
                 <a:solidFill>
                   <a:schemeClr val="accent5">
                     <a:lumMod val="75000"/>
@@ -36652,318 +36662,276 @@
             </a:r>
           </a:p>
           <a:p>
-            <a:endParaRPr lang="en-US" altLang="zh-TW" sz="2000" dirty="0"/>
-          </a:p>
-          <a:p>
-            <a:r>
-              <a:rPr lang="en-US" altLang="zh-TW" sz="2000" dirty="0">
-                <a:solidFill>
-                  <a:srgbClr val="0070C0"/>
-                </a:solidFill>
-              </a:rPr>
-              <a:t>class </a:t>
-            </a:r>
-            <a:r>
-              <a:rPr lang="en-US" altLang="zh-TW" sz="2000" dirty="0" err="1">
-                <a:solidFill>
-                  <a:srgbClr val="0070C0"/>
-                </a:solidFill>
-              </a:rPr>
-              <a:t>baseAnimal</a:t>
-            </a:r>
-            <a:r>
-              <a:rPr lang="en-US" altLang="zh-TW" sz="2000" dirty="0"/>
-              <a:t>:</a:t>
-            </a:r>
-            <a:r>
-              <a:rPr lang="zh-TW" altLang="en-US" sz="2000" dirty="0"/>
-              <a:t> </a:t>
-            </a:r>
-            <a:endParaRPr lang="en-US" altLang="zh-TW" sz="2000" dirty="0"/>
-          </a:p>
-          <a:p>
-            <a:r>
-              <a:rPr lang="en-US" altLang="zh-TW" sz="2000" dirty="0"/>
-              <a:t>    </a:t>
-            </a:r>
-          </a:p>
-          <a:p>
-            <a:r>
-              <a:rPr lang="en-US" altLang="zh-TW" sz="2000" dirty="0"/>
-              <a:t>    </a:t>
-            </a:r>
-            <a:r>
-              <a:rPr lang="en-US" altLang="zh-TW" sz="2000" dirty="0" err="1">
-                <a:solidFill>
-                  <a:srgbClr val="0070C0"/>
-                </a:solidFill>
-              </a:rPr>
-              <a:t>def</a:t>
-            </a:r>
-            <a:r>
-              <a:rPr lang="en-US" altLang="zh-TW" sz="2000" dirty="0">
-                <a:solidFill>
-                  <a:srgbClr val="0070C0"/>
-                </a:solidFill>
-              </a:rPr>
-              <a:t> __</a:t>
-            </a:r>
-            <a:r>
-              <a:rPr lang="en-US" altLang="zh-TW" sz="2000" dirty="0" err="1">
-                <a:solidFill>
-                  <a:srgbClr val="0070C0"/>
-                </a:solidFill>
-              </a:rPr>
-              <a:t>init</a:t>
-            </a:r>
-            <a:r>
-              <a:rPr lang="en-US" altLang="zh-TW" sz="2000" dirty="0">
-                <a:solidFill>
-                  <a:srgbClr val="0070C0"/>
-                </a:solidFill>
-              </a:rPr>
-              <a:t>__(self, name, species):</a:t>
-            </a:r>
-          </a:p>
-          <a:p>
-            <a:r>
-              <a:rPr lang="en-US" altLang="zh-TW" sz="2000" dirty="0"/>
-              <a:t>        self.name = name</a:t>
-            </a:r>
-          </a:p>
-          <a:p>
-            <a:r>
-              <a:rPr lang="en-US" altLang="zh-TW" sz="2000" dirty="0"/>
-              <a:t>        </a:t>
-            </a:r>
-            <a:r>
-              <a:rPr lang="en-US" altLang="zh-TW" sz="2000" dirty="0" err="1"/>
-              <a:t>self.species</a:t>
-            </a:r>
-            <a:r>
-              <a:rPr lang="en-US" altLang="zh-TW" sz="2000" dirty="0"/>
-              <a:t> = species</a:t>
-            </a:r>
-          </a:p>
-          <a:p>
-            <a:r>
-              <a:rPr lang="en-US" altLang="zh-TW" sz="2000" dirty="0"/>
-              <a:t>     </a:t>
-            </a:r>
-          </a:p>
-          <a:p>
-            <a:r>
-              <a:rPr lang="en-US" altLang="zh-TW" sz="2000" dirty="0"/>
-              <a:t>    </a:t>
-            </a:r>
-            <a:r>
-              <a:rPr lang="en-US" altLang="zh-TW" sz="2000" dirty="0" err="1"/>
-              <a:t>def</a:t>
-            </a:r>
-            <a:r>
-              <a:rPr lang="en-US" altLang="zh-TW" sz="2000" dirty="0"/>
-              <a:t> animal(self):</a:t>
-            </a:r>
-          </a:p>
-          <a:p>
-            <a:r>
-              <a:rPr lang="en-US" altLang="zh-TW" sz="2000" dirty="0"/>
-              <a:t>        print("Is a animal")</a:t>
-            </a:r>
-          </a:p>
-          <a:p>
-            <a:endParaRPr lang="en-US" altLang="zh-TW" sz="2000" dirty="0"/>
-          </a:p>
-          <a:p>
-            <a:r>
-              <a:rPr lang="en-US" altLang="zh-TW" sz="2000" dirty="0">
-                <a:solidFill>
-                  <a:srgbClr val="0070C0"/>
-                </a:solidFill>
-              </a:rPr>
-              <a:t>X = </a:t>
-            </a:r>
-            <a:r>
-              <a:rPr lang="en-US" altLang="zh-TW" sz="2000" dirty="0" err="1">
-                <a:solidFill>
-                  <a:srgbClr val="0070C0"/>
-                </a:solidFill>
-              </a:rPr>
-              <a:t>baseAnimal</a:t>
-            </a:r>
-            <a:r>
-              <a:rPr lang="en-US" altLang="zh-TW" sz="2000" dirty="0">
-                <a:solidFill>
-                  <a:srgbClr val="0070C0"/>
-                </a:solidFill>
-              </a:rPr>
-              <a:t>('</a:t>
-            </a:r>
-            <a:r>
-              <a:rPr lang="en-US" altLang="zh-TW" sz="2000" dirty="0" err="1">
-                <a:solidFill>
-                  <a:srgbClr val="0070C0"/>
-                </a:solidFill>
-              </a:rPr>
-              <a:t>LaLa</a:t>
-            </a:r>
-            <a:r>
-              <a:rPr lang="en-US" altLang="zh-TW" sz="2000" dirty="0">
-                <a:solidFill>
-                  <a:srgbClr val="0070C0"/>
-                </a:solidFill>
-              </a:rPr>
-              <a:t>', 'Cat')</a:t>
-            </a:r>
-          </a:p>
-          <a:p>
-            <a:r>
-              <a:rPr lang="en-US" altLang="zh-TW" sz="2000" dirty="0"/>
-              <a:t>print(X.name)</a:t>
-            </a:r>
-          </a:p>
-          <a:p>
-            <a:r>
-              <a:rPr lang="en-US" altLang="zh-TW" sz="2000" dirty="0"/>
-              <a:t>print(</a:t>
-            </a:r>
-            <a:r>
-              <a:rPr lang="en-US" altLang="zh-TW" sz="2000" dirty="0" err="1"/>
-              <a:t>X.species</a:t>
-            </a:r>
-            <a:r>
-              <a:rPr lang="en-US" altLang="zh-TW" sz="2000" dirty="0"/>
-              <a:t>)</a:t>
-            </a:r>
-          </a:p>
-          <a:p>
-            <a:r>
-              <a:rPr lang="en-US" altLang="zh-TW" sz="2000" dirty="0" err="1"/>
-              <a:t>X.animal</a:t>
-            </a:r>
-            <a:r>
-              <a:rPr lang="en-US" altLang="zh-TW" sz="2000" dirty="0" smtClean="0"/>
-              <a:t>()</a:t>
-            </a:r>
-          </a:p>
-          <a:p>
-            <a:endParaRPr lang="en-US" altLang="zh-TW" sz="2000" dirty="0"/>
-          </a:p>
-          <a:p>
-            <a:r>
-              <a:rPr lang="en-US" altLang="zh-TW" sz="2000" dirty="0" smtClean="0">
-                <a:solidFill>
-                  <a:schemeClr val="accent5">
-                    <a:lumMod val="75000"/>
-                  </a:schemeClr>
-                </a:solidFill>
-              </a:rPr>
-              <a:t>#</a:t>
-            </a:r>
-            <a:r>
-              <a:rPr lang="en-US" altLang="zh-TW" sz="2000" b="1" i="1" dirty="0" smtClean="0">
-                <a:solidFill>
-                  <a:srgbClr val="FF0000"/>
-                </a:solidFill>
-              </a:rPr>
-              <a:t>__</a:t>
-            </a:r>
-            <a:r>
-              <a:rPr lang="en-US" altLang="zh-TW" sz="2000" b="1" i="1" dirty="0" err="1" smtClean="0">
-                <a:solidFill>
-                  <a:srgbClr val="FF0000"/>
-                </a:solidFill>
-              </a:rPr>
-              <a:t>init</a:t>
-            </a:r>
-            <a:r>
-              <a:rPr lang="en-US" altLang="zh-TW" sz="2000" b="1" i="1" dirty="0" smtClean="0">
-                <a:solidFill>
-                  <a:srgbClr val="FF0000"/>
-                </a:solidFill>
-              </a:rPr>
-              <a:t>__</a:t>
-            </a:r>
-            <a:r>
-              <a:rPr lang="zh-TW" altLang="en-US" sz="2000" b="1" i="1" dirty="0" smtClean="0">
-                <a:solidFill>
-                  <a:srgbClr val="FF0000"/>
-                </a:solidFill>
-              </a:rPr>
-              <a:t> 作為設</a:t>
-            </a:r>
-            <a:r>
-              <a:rPr lang="zh-TW" altLang="en-US" sz="2000" b="1" i="1" dirty="0">
-                <a:solidFill>
-                  <a:srgbClr val="FF0000"/>
-                </a:solidFill>
-              </a:rPr>
-              <a:t>定物件</a:t>
-            </a:r>
-            <a:r>
-              <a:rPr lang="zh-TW" altLang="en-US" sz="2000" b="1" i="1" dirty="0" smtClean="0">
-                <a:solidFill>
-                  <a:srgbClr val="FF0000"/>
-                </a:solidFill>
-              </a:rPr>
-              <a:t>初始化資料使用</a:t>
-            </a:r>
-            <a:endParaRPr lang="en-US" altLang="zh-TW" sz="2000" b="1" i="1" dirty="0" smtClean="0">
+            <a:endParaRPr lang="en-US" altLang="zh-TW" sz="2400" dirty="0">
               <a:solidFill>
-                <a:srgbClr val="FF0000"/>
+                <a:schemeClr val="accent2">
+                  <a:lumMod val="75000"/>
+                </a:schemeClr>
               </a:solidFill>
             </a:endParaRPr>
           </a:p>
           <a:p>
             <a:r>
-              <a:rPr lang="en-US" altLang="zh-TW" sz="2000" dirty="0">
+              <a:rPr lang="en-US" altLang="zh-TW" sz="2400" dirty="0">
+                <a:solidFill>
+                  <a:srgbClr val="0070C0"/>
+                </a:solidFill>
+              </a:rPr>
+              <a:t>class </a:t>
+            </a:r>
+            <a:r>
+              <a:rPr lang="en-US" altLang="zh-TW" sz="2400" dirty="0" err="1">
+                <a:solidFill>
+                  <a:srgbClr val="0070C0"/>
+                </a:solidFill>
+              </a:rPr>
+              <a:t>baseAnimal</a:t>
+            </a:r>
+            <a:r>
+              <a:rPr lang="en-US" altLang="zh-TW" sz="2400" dirty="0" smtClean="0">
+                <a:solidFill>
+                  <a:srgbClr val="0070C0"/>
+                </a:solidFill>
+              </a:rPr>
+              <a:t>:</a:t>
+            </a:r>
+            <a:r>
+              <a:rPr lang="en-US" altLang="zh-TW" sz="2400" dirty="0" smtClean="0"/>
+              <a:t>                </a:t>
+            </a:r>
+            <a:r>
+              <a:rPr lang="zh-TW" altLang="en-US" sz="2400" dirty="0" smtClean="0"/>
+              <a:t>        </a:t>
+            </a:r>
+            <a:r>
+              <a:rPr lang="en-US" altLang="zh-TW" sz="2400" dirty="0" smtClean="0">
                 <a:solidFill>
                   <a:schemeClr val="accent5">
                     <a:lumMod val="75000"/>
                   </a:schemeClr>
                 </a:solidFill>
               </a:rPr>
+              <a:t># </a:t>
+            </a:r>
+            <a:r>
+              <a:rPr lang="en-US" altLang="zh-TW" sz="2400" dirty="0" err="1" smtClean="0">
+                <a:solidFill>
+                  <a:schemeClr val="accent5">
+                    <a:lumMod val="75000"/>
+                  </a:schemeClr>
+                </a:solidFill>
+              </a:rPr>
+              <a:t>baseAnimal</a:t>
+            </a:r>
+            <a:r>
+              <a:rPr lang="en-US" altLang="zh-TW" sz="2400" dirty="0" smtClean="0">
+                <a:solidFill>
+                  <a:schemeClr val="accent5">
+                    <a:lumMod val="75000"/>
+                  </a:schemeClr>
+                </a:solidFill>
+              </a:rPr>
+              <a:t> class</a:t>
+            </a:r>
+          </a:p>
+          <a:p>
+            <a:r>
+              <a:rPr lang="en-US" altLang="zh-TW" sz="2400" dirty="0"/>
+              <a:t>    </a:t>
+            </a:r>
+            <a:r>
+              <a:rPr lang="en-US" altLang="zh-TW" sz="2400" dirty="0" smtClean="0"/>
+              <a:t>string </a:t>
+            </a:r>
+            <a:r>
+              <a:rPr lang="en-US" altLang="zh-TW" sz="2400" dirty="0"/>
+              <a:t>= "Is not a animal"</a:t>
+            </a:r>
+          </a:p>
+          <a:p>
+            <a:r>
+              <a:rPr lang="en-US" altLang="zh-TW" sz="2400" dirty="0"/>
+              <a:t>    </a:t>
+            </a:r>
+            <a:endParaRPr lang="en-US" altLang="zh-TW" sz="2400" dirty="0" smtClean="0"/>
+          </a:p>
+          <a:p>
+            <a:r>
+              <a:rPr lang="zh-TW" altLang="en-US" sz="2400" dirty="0"/>
+              <a:t>    </a:t>
+            </a:r>
+            <a:r>
+              <a:rPr lang="en-US" altLang="zh-TW" sz="2400" dirty="0" err="1" smtClean="0"/>
+              <a:t>def</a:t>
+            </a:r>
+            <a:r>
+              <a:rPr lang="en-US" altLang="zh-TW" sz="2400" dirty="0" smtClean="0"/>
+              <a:t> </a:t>
+            </a:r>
+            <a:r>
+              <a:rPr lang="en-US" altLang="zh-TW" sz="2400" dirty="0"/>
+              <a:t>animal(self):</a:t>
+            </a:r>
+          </a:p>
+          <a:p>
+            <a:r>
+              <a:rPr lang="en-US" altLang="zh-TW" sz="2400" dirty="0"/>
+              <a:t>        print("Is a animal")</a:t>
+            </a:r>
+          </a:p>
+          <a:p>
+            <a:r>
+              <a:rPr lang="en-US" altLang="zh-TW" dirty="0" smtClean="0">
+                <a:solidFill>
+                  <a:schemeClr val="accent2">
+                    <a:lumMod val="50000"/>
+                  </a:schemeClr>
+                </a:solidFill>
+              </a:rPr>
+              <a:t>        </a:t>
+            </a:r>
+            <a:endParaRPr lang="en-US" altLang="zh-TW" dirty="0">
+              <a:solidFill>
+                <a:schemeClr val="accent2">
+                  <a:lumMod val="50000"/>
+                </a:schemeClr>
+              </a:solidFill>
+            </a:endParaRPr>
+          </a:p>
+          <a:p>
+            <a:r>
+              <a:rPr lang="en-US" altLang="zh-TW" sz="2400" dirty="0" smtClean="0"/>
+              <a:t>print(</a:t>
+            </a:r>
+            <a:r>
+              <a:rPr lang="en-US" altLang="zh-TW" sz="2400" dirty="0" err="1" smtClean="0">
+                <a:solidFill>
+                  <a:srgbClr val="0070C0"/>
+                </a:solidFill>
+              </a:rPr>
+              <a:t>baseAnimal</a:t>
+            </a:r>
+            <a:r>
+              <a:rPr lang="en-US" altLang="zh-TW" sz="2400" dirty="0" smtClean="0">
+                <a:solidFill>
+                  <a:srgbClr val="0070C0"/>
+                </a:solidFill>
+              </a:rPr>
+              <a:t>()</a:t>
+            </a:r>
+            <a:r>
+              <a:rPr lang="en-US" altLang="zh-TW" sz="2400" dirty="0" smtClean="0"/>
+              <a:t>.string)         </a:t>
+            </a:r>
+            <a:r>
+              <a:rPr lang="en-US" altLang="zh-TW" sz="2400" dirty="0" smtClean="0">
+                <a:solidFill>
+                  <a:schemeClr val="accent5">
+                    <a:lumMod val="75000"/>
+                  </a:schemeClr>
+                </a:solidFill>
+              </a:rPr>
               <a:t>#</a:t>
             </a:r>
             <a:r>
-              <a:rPr lang="en-US" altLang="zh-TW" sz="2000" b="1" i="1" dirty="0">
+              <a:rPr lang="zh-TW" altLang="en-US" sz="2400" dirty="0" smtClean="0">
+                <a:solidFill>
+                  <a:schemeClr val="accent5">
+                    <a:lumMod val="75000"/>
+                  </a:schemeClr>
+                </a:solidFill>
+              </a:rPr>
+              <a:t> </a:t>
+            </a:r>
+            <a:r>
+              <a:rPr lang="en-US" altLang="zh-TW" sz="2400" dirty="0" smtClean="0">
+                <a:solidFill>
+                  <a:schemeClr val="accent5">
+                    <a:lumMod val="75000"/>
+                  </a:schemeClr>
+                </a:solidFill>
+              </a:rPr>
+              <a:t>Call string</a:t>
+            </a:r>
+            <a:endParaRPr lang="en-US" altLang="zh-TW" sz="2400" dirty="0">
+              <a:solidFill>
+                <a:schemeClr val="accent5">
+                  <a:lumMod val="75000"/>
+                </a:schemeClr>
+              </a:solidFill>
+            </a:endParaRPr>
+          </a:p>
+          <a:p>
+            <a:r>
+              <a:rPr lang="en-US" altLang="zh-TW" sz="2400" dirty="0" err="1" smtClean="0">
+                <a:solidFill>
+                  <a:srgbClr val="0070C0"/>
+                </a:solidFill>
+              </a:rPr>
+              <a:t>baseAnimal</a:t>
+            </a:r>
+            <a:r>
+              <a:rPr lang="en-US" altLang="zh-TW" sz="2400" dirty="0" smtClean="0">
+                <a:solidFill>
+                  <a:srgbClr val="0070C0"/>
+                </a:solidFill>
+              </a:rPr>
+              <a:t>().</a:t>
+            </a:r>
+            <a:r>
+              <a:rPr lang="en-US" altLang="zh-TW" sz="2400" dirty="0">
+                <a:solidFill>
+                  <a:srgbClr val="0070C0"/>
+                </a:solidFill>
+              </a:rPr>
+              <a:t>animal</a:t>
+            </a:r>
+            <a:r>
+              <a:rPr lang="en-US" altLang="zh-TW" sz="2400" dirty="0" smtClean="0">
+                <a:solidFill>
+                  <a:srgbClr val="0070C0"/>
+                </a:solidFill>
+              </a:rPr>
+              <a:t>()              </a:t>
+            </a:r>
+            <a:r>
+              <a:rPr lang="en-US" altLang="zh-TW" sz="2400" dirty="0" smtClean="0">
+                <a:solidFill>
+                  <a:schemeClr val="accent5">
+                    <a:lumMod val="75000"/>
+                  </a:schemeClr>
+                </a:solidFill>
+              </a:rPr>
+              <a:t># Call animal method</a:t>
+            </a:r>
+          </a:p>
+          <a:p>
+            <a:endParaRPr lang="en-US" altLang="zh-TW" sz="2400" dirty="0">
+              <a:solidFill>
+                <a:schemeClr val="accent5">
+                  <a:lumMod val="75000"/>
+                </a:schemeClr>
+              </a:solidFill>
+            </a:endParaRPr>
+          </a:p>
+          <a:p>
+            <a:r>
+              <a:rPr lang="en-US" altLang="zh-TW" sz="2400" dirty="0" smtClean="0">
+                <a:solidFill>
+                  <a:schemeClr val="accent5">
+                    <a:lumMod val="75000"/>
+                  </a:schemeClr>
+                </a:solidFill>
+              </a:rPr>
+              <a:t>#</a:t>
+            </a:r>
+            <a:r>
+              <a:rPr lang="zh-TW" altLang="en-US" sz="2000" b="1" i="1" dirty="0">
                 <a:solidFill>
                   <a:srgbClr val="FF0000"/>
                 </a:solidFill>
               </a:rPr>
-              <a:t>__</a:t>
-            </a:r>
-            <a:r>
-              <a:rPr lang="en-US" altLang="zh-TW" sz="2000" b="1" i="1" dirty="0" err="1">
-                <a:solidFill>
-                  <a:srgbClr val="FF0000"/>
-                </a:solidFill>
-              </a:rPr>
-              <a:t>init</a:t>
-            </a:r>
-            <a:r>
-              <a:rPr lang="en-US" altLang="zh-TW" sz="2000" b="1" i="1" dirty="0">
-                <a:solidFill>
-                  <a:srgbClr val="FF0000"/>
-                </a:solidFill>
-              </a:rPr>
-              <a:t>__</a:t>
-            </a:r>
-            <a:r>
-              <a:rPr lang="zh-TW" altLang="en-US" sz="2000" b="1" i="1" dirty="0">
-                <a:solidFill>
-                  <a:srgbClr val="FF0000"/>
-                </a:solidFill>
-              </a:rPr>
-              <a:t> </a:t>
-            </a:r>
-            <a:r>
-              <a:rPr lang="zh-TW" altLang="en-US" sz="2000" b="1" i="1" dirty="0" smtClean="0">
-                <a:solidFill>
-                  <a:srgbClr val="FF0000"/>
-                </a:solidFill>
-              </a:rPr>
-              <a:t>附帶宣告的變數會成為實例化時需要的參數</a:t>
+              <a:t>以匿名物件的方式省略實例化的動作來使用物件</a:t>
             </a:r>
             <a:endParaRPr lang="en-US" altLang="zh-TW" sz="2000" b="1" i="1" dirty="0">
               <a:solidFill>
@@ -36989,8 +36957,8 @@
         </p:blipFill>
         <p:spPr>
           <a:xfrm>
-            <a:off x="7273332" y="2176766"/>
-            <a:ext cx="4695754" cy="2154356"/>
+            <a:off x="1384544" y="5731613"/>
+            <a:ext cx="7624180" cy="917381"/>
           </a:xfrm>
           <a:prstGeom prst="rect">
             <a:avLst/>
@@ -37003,7 +36971,7 @@
     </p:spTree>
     <p:extLst>
       <p:ext uri="{BB962C8B-B14F-4D97-AF65-F5344CB8AC3E}">
-        <p14:creationId xmlns:p14="http://schemas.microsoft.com/office/powerpoint/2010/main" val="1366167168"/>
+        <p14:creationId xmlns:p14="http://schemas.microsoft.com/office/powerpoint/2010/main" val="922417569"/>
       </p:ext>
     </p:extLst>
   </p:cSld>
@@ -37055,7 +37023,7 @@
         </p:nvSpPr>
         <p:spPr>
           <a:xfrm>
-            <a:off x="619049" y="222095"/>
+            <a:off x="782822" y="290334"/>
             <a:ext cx="8596668" cy="796505"/>
           </a:xfrm>
           <a:prstGeom prst="rect">
@@ -37141,39 +37109,55 @@
           <a:p>
             <a:pPr lvl="1" algn="ctr"/>
             <a:r>
-              <a:rPr lang="en-US" altLang="zh-TW" sz="4000" smtClean="0"/>
-              <a:t>Encapsulation</a:t>
-            </a:r>
-            <a:r>
-              <a:rPr lang="zh-TW" altLang="en-US" sz="4000" smtClean="0"/>
-              <a:t> </a:t>
-            </a:r>
-            <a:r>
-              <a:rPr lang="en-US" altLang="zh-TW" sz="4000" smtClean="0"/>
-              <a:t>(</a:t>
-            </a:r>
-            <a:r>
-              <a:rPr lang="zh-TW" altLang="en-US" sz="4000" smtClean="0"/>
-              <a:t>封裝</a:t>
-            </a:r>
-            <a:r>
-              <a:rPr lang="en-US" altLang="zh-TW" sz="4000" smtClean="0"/>
+              <a:rPr lang="en-US" altLang="zh-TW" sz="4000" smtClean="0">
+                <a:solidFill>
+                  <a:schemeClr val="tx1"/>
+                </a:solidFill>
+              </a:rPr>
+              <a:t>Class ( __init__ </a:t>
+            </a:r>
+            <a:r>
+              <a:rPr lang="zh-TW" altLang="en-US" sz="4000" smtClean="0">
+                <a:solidFill>
+                  <a:schemeClr val="tx1"/>
+                </a:solidFill>
+              </a:rPr>
+              <a:t>建</a:t>
+            </a:r>
+            <a:r>
+              <a:rPr lang="zh-TW" altLang="en-US" sz="4000">
+                <a:solidFill>
+                  <a:schemeClr val="tx1"/>
+                </a:solidFill>
+              </a:rPr>
+              <a:t>構子</a:t>
+            </a:r>
+            <a:r>
+              <a:rPr lang="en-US" altLang="zh-TW" sz="4000" smtClean="0">
+                <a:solidFill>
+                  <a:schemeClr val="tx1"/>
+                </a:solidFill>
+              </a:rPr>
               <a:t>)</a:t>
             </a:r>
-            <a:endParaRPr lang="en-US" altLang="zh-TW" sz="4000"/>
+            <a:endParaRPr lang="en-US" altLang="zh-TW" sz="4000" dirty="0">
+              <a:solidFill>
+                <a:schemeClr val="tx1"/>
+              </a:solidFill>
+            </a:endParaRPr>
           </a:p>
         </p:txBody>
       </p:sp>
       <p:sp>
         <p:nvSpPr>
-          <p:cNvPr id="4" name="文字方塊 3"/>
+          <p:cNvPr id="8" name="文字方塊 7"/>
           <p:cNvSpPr txBox="1"/>
           <p:nvPr/>
         </p:nvSpPr>
         <p:spPr>
           <a:xfrm>
-            <a:off x="989854" y="1628786"/>
-            <a:ext cx="5341935" cy="4893647"/>
+            <a:off x="696557" y="1214717"/>
+            <a:ext cx="6454869" cy="5632311"/>
           </a:xfrm>
           <a:prstGeom prst="rect">
             <a:avLst/>
@@ -37194,7 +37178,7 @@
           <a:lstStyle/>
           <a:p>
             <a:r>
-              <a:rPr lang="en-US" altLang="zh-TW" dirty="0">
+              <a:rPr lang="en-US" altLang="zh-TW" sz="2000" dirty="0" smtClean="0">
                 <a:solidFill>
                   <a:schemeClr val="accent5">
                     <a:lumMod val="75000"/>
@@ -37205,11 +37189,11 @@
             </a:r>
           </a:p>
           <a:p>
-            <a:endParaRPr lang="en-US" altLang="zh-TW" dirty="0"/>
-          </a:p>
-          <a:p>
-            <a:r>
-              <a:rPr lang="en-US" altLang="zh-TW" dirty="0">
+            <a:endParaRPr lang="en-US" altLang="zh-TW" sz="2000" dirty="0"/>
+          </a:p>
+          <a:p>
+            <a:r>
+              <a:rPr lang="en-US" altLang="zh-TW" sz="2000" dirty="0">
                 <a:solidFill>
                   <a:srgbClr val="0070C0"/>
                 </a:solidFill>
@@ -37217,7 +37201,7 @@
               <a:t>class </a:t>
             </a:r>
             <a:r>
-              <a:rPr lang="en-US" altLang="zh-TW" dirty="0" err="1">
+              <a:rPr lang="en-US" altLang="zh-TW" sz="2000" dirty="0" err="1">
                 <a:solidFill>
                   <a:srgbClr val="0070C0"/>
                 </a:solidFill>
@@ -37225,242 +37209,298 @@
               <a:t>baseAnimal</a:t>
             </a:r>
             <a:r>
-              <a:rPr lang="en-US" altLang="zh-TW" dirty="0" smtClean="0"/>
+              <a:rPr lang="en-US" altLang="zh-TW" sz="2000" dirty="0"/>
               <a:t>:</a:t>
             </a:r>
-            <a:endParaRPr lang="en-US" altLang="zh-TW" sz="1400" dirty="0">
+            <a:r>
+              <a:rPr lang="zh-TW" altLang="en-US" sz="2000" dirty="0"/>
+              <a:t> </a:t>
+            </a:r>
+            <a:endParaRPr lang="en-US" altLang="zh-TW" sz="2000" dirty="0"/>
+          </a:p>
+          <a:p>
+            <a:r>
+              <a:rPr lang="en-US" altLang="zh-TW" sz="2000" dirty="0"/>
+              <a:t>    </a:t>
+            </a:r>
+          </a:p>
+          <a:p>
+            <a:r>
+              <a:rPr lang="en-US" altLang="zh-TW" sz="2000" dirty="0"/>
+              <a:t>    </a:t>
+            </a:r>
+            <a:r>
+              <a:rPr lang="en-US" altLang="zh-TW" sz="2000" dirty="0" err="1">
+                <a:solidFill>
+                  <a:srgbClr val="0070C0"/>
+                </a:solidFill>
+              </a:rPr>
+              <a:t>def</a:t>
+            </a:r>
+            <a:r>
+              <a:rPr lang="en-US" altLang="zh-TW" sz="2000" dirty="0">
+                <a:solidFill>
+                  <a:srgbClr val="0070C0"/>
+                </a:solidFill>
+              </a:rPr>
+              <a:t> __</a:t>
+            </a:r>
+            <a:r>
+              <a:rPr lang="en-US" altLang="zh-TW" sz="2000" dirty="0" err="1">
+                <a:solidFill>
+                  <a:srgbClr val="0070C0"/>
+                </a:solidFill>
+              </a:rPr>
+              <a:t>init</a:t>
+            </a:r>
+            <a:r>
+              <a:rPr lang="en-US" altLang="zh-TW" sz="2000" dirty="0">
+                <a:solidFill>
+                  <a:srgbClr val="0070C0"/>
+                </a:solidFill>
+              </a:rPr>
+              <a:t>__(self, name, species):</a:t>
+            </a:r>
+          </a:p>
+          <a:p>
+            <a:r>
+              <a:rPr lang="en-US" altLang="zh-TW" sz="2000" dirty="0"/>
+              <a:t>        self.name = name</a:t>
+            </a:r>
+          </a:p>
+          <a:p>
+            <a:r>
+              <a:rPr lang="en-US" altLang="zh-TW" sz="2000" dirty="0"/>
+              <a:t>        </a:t>
+            </a:r>
+            <a:r>
+              <a:rPr lang="en-US" altLang="zh-TW" sz="2000" dirty="0" err="1"/>
+              <a:t>self.species</a:t>
+            </a:r>
+            <a:r>
+              <a:rPr lang="en-US" altLang="zh-TW" sz="2000" dirty="0"/>
+              <a:t> = species</a:t>
+            </a:r>
+          </a:p>
+          <a:p>
+            <a:r>
+              <a:rPr lang="en-US" altLang="zh-TW" sz="2000" dirty="0"/>
+              <a:t>     </a:t>
+            </a:r>
+          </a:p>
+          <a:p>
+            <a:r>
+              <a:rPr lang="en-US" altLang="zh-TW" sz="2000" dirty="0"/>
+              <a:t>    </a:t>
+            </a:r>
+            <a:r>
+              <a:rPr lang="en-US" altLang="zh-TW" sz="2000" dirty="0" err="1"/>
+              <a:t>def</a:t>
+            </a:r>
+            <a:r>
+              <a:rPr lang="en-US" altLang="zh-TW" sz="2000" dirty="0"/>
+              <a:t> animal(self):</a:t>
+            </a:r>
+          </a:p>
+          <a:p>
+            <a:r>
+              <a:rPr lang="en-US" altLang="zh-TW" sz="2000" dirty="0"/>
+              <a:t>        print("Is a animal")</a:t>
+            </a:r>
+          </a:p>
+          <a:p>
+            <a:endParaRPr lang="en-US" altLang="zh-TW" sz="2000" dirty="0"/>
+          </a:p>
+          <a:p>
+            <a:r>
+              <a:rPr lang="en-US" altLang="zh-TW" sz="2000" dirty="0">
+                <a:solidFill>
+                  <a:srgbClr val="0070C0"/>
+                </a:solidFill>
+              </a:rPr>
+              <a:t>X = </a:t>
+            </a:r>
+            <a:r>
+              <a:rPr lang="en-US" altLang="zh-TW" sz="2000" dirty="0" err="1">
+                <a:solidFill>
+                  <a:srgbClr val="0070C0"/>
+                </a:solidFill>
+              </a:rPr>
+              <a:t>baseAnimal</a:t>
+            </a:r>
+            <a:r>
+              <a:rPr lang="en-US" altLang="zh-TW" sz="2000" dirty="0">
+                <a:solidFill>
+                  <a:srgbClr val="0070C0"/>
+                </a:solidFill>
+              </a:rPr>
+              <a:t>('</a:t>
+            </a:r>
+            <a:r>
+              <a:rPr lang="en-US" altLang="zh-TW" sz="2000" dirty="0" err="1">
+                <a:solidFill>
+                  <a:srgbClr val="0070C0"/>
+                </a:solidFill>
+              </a:rPr>
+              <a:t>LaLa</a:t>
+            </a:r>
+            <a:r>
+              <a:rPr lang="en-US" altLang="zh-TW" sz="2000" dirty="0">
+                <a:solidFill>
+                  <a:srgbClr val="0070C0"/>
+                </a:solidFill>
+              </a:rPr>
+              <a:t>', 'Cat')</a:t>
+            </a:r>
+          </a:p>
+          <a:p>
+            <a:r>
+              <a:rPr lang="en-US" altLang="zh-TW" sz="2000" dirty="0"/>
+              <a:t>print(X.name)</a:t>
+            </a:r>
+          </a:p>
+          <a:p>
+            <a:r>
+              <a:rPr lang="en-US" altLang="zh-TW" sz="2000" dirty="0"/>
+              <a:t>print(</a:t>
+            </a:r>
+            <a:r>
+              <a:rPr lang="en-US" altLang="zh-TW" sz="2000" dirty="0" err="1"/>
+              <a:t>X.species</a:t>
+            </a:r>
+            <a:r>
+              <a:rPr lang="en-US" altLang="zh-TW" sz="2000" dirty="0"/>
+              <a:t>)</a:t>
+            </a:r>
+          </a:p>
+          <a:p>
+            <a:r>
+              <a:rPr lang="en-US" altLang="zh-TW" sz="2000" dirty="0" err="1"/>
+              <a:t>X.animal</a:t>
+            </a:r>
+            <a:r>
+              <a:rPr lang="en-US" altLang="zh-TW" sz="2000" dirty="0" smtClean="0"/>
+              <a:t>()</a:t>
+            </a:r>
+          </a:p>
+          <a:p>
+            <a:endParaRPr lang="en-US" altLang="zh-TW" sz="2000" dirty="0"/>
+          </a:p>
+          <a:p>
+            <a:r>
+              <a:rPr lang="en-US" altLang="zh-TW" sz="2000" dirty="0" smtClean="0">
+                <a:solidFill>
+                  <a:schemeClr val="accent5">
+                    <a:lumMod val="75000"/>
+                  </a:schemeClr>
+                </a:solidFill>
+              </a:rPr>
+              <a:t>#</a:t>
+            </a:r>
+            <a:r>
+              <a:rPr lang="en-US" altLang="zh-TW" sz="2000" b="1" i="1" dirty="0" smtClean="0">
+                <a:solidFill>
+                  <a:srgbClr val="FF0000"/>
+                </a:solidFill>
+              </a:rPr>
+              <a:t>__</a:t>
+            </a:r>
+            <a:r>
+              <a:rPr lang="en-US" altLang="zh-TW" sz="2000" b="1" i="1" dirty="0" err="1" smtClean="0">
+                <a:solidFill>
+                  <a:srgbClr val="FF0000"/>
+                </a:solidFill>
+              </a:rPr>
+              <a:t>init</a:t>
+            </a:r>
+            <a:r>
+              <a:rPr lang="en-US" altLang="zh-TW" sz="2000" b="1" i="1" dirty="0" smtClean="0">
+                <a:solidFill>
+                  <a:srgbClr val="FF0000"/>
+                </a:solidFill>
+              </a:rPr>
+              <a:t>__</a:t>
+            </a:r>
+            <a:r>
+              <a:rPr lang="zh-TW" altLang="en-US" sz="2000" b="1" i="1" dirty="0" smtClean="0">
+                <a:solidFill>
+                  <a:srgbClr val="FF0000"/>
+                </a:solidFill>
+              </a:rPr>
+              <a:t> 作為設</a:t>
+            </a:r>
+            <a:r>
+              <a:rPr lang="zh-TW" altLang="en-US" sz="2000" b="1" i="1" dirty="0">
+                <a:solidFill>
+                  <a:srgbClr val="FF0000"/>
+                </a:solidFill>
+              </a:rPr>
+              <a:t>定物件</a:t>
+            </a:r>
+            <a:r>
+              <a:rPr lang="zh-TW" altLang="en-US" sz="2000" b="1" i="1" dirty="0" smtClean="0">
+                <a:solidFill>
+                  <a:srgbClr val="FF0000"/>
+                </a:solidFill>
+              </a:rPr>
+              <a:t>初始化資料使用</a:t>
+            </a:r>
+            <a:endParaRPr lang="en-US" altLang="zh-TW" sz="2000" b="1" i="1" dirty="0" smtClean="0">
               <a:solidFill>
                 <a:srgbClr val="FF0000"/>
               </a:solidFill>
             </a:endParaRPr>
           </a:p>
           <a:p>
-            <a:endParaRPr lang="en-US" altLang="zh-TW" dirty="0"/>
-          </a:p>
-          <a:p>
-            <a:r>
-              <a:rPr lang="en-US" altLang="zh-TW" dirty="0"/>
-              <a:t>    </a:t>
-            </a:r>
-            <a:r>
-              <a:rPr lang="en-US" altLang="zh-TW" dirty="0" err="1"/>
-              <a:t>def</a:t>
-            </a:r>
-            <a:r>
-              <a:rPr lang="en-US" altLang="zh-TW" dirty="0"/>
-              <a:t> __</a:t>
-            </a:r>
-            <a:r>
-              <a:rPr lang="en-US" altLang="zh-TW" dirty="0" err="1"/>
+            <a:r>
+              <a:rPr lang="en-US" altLang="zh-TW" sz="2000" dirty="0">
+                <a:solidFill>
+                  <a:schemeClr val="accent5">
+                    <a:lumMod val="75000"/>
+                  </a:schemeClr>
+                </a:solidFill>
+              </a:rPr>
+              <a:t>#</a:t>
+            </a:r>
+            <a:r>
+              <a:rPr lang="en-US" altLang="zh-TW" sz="2000" b="1" i="1" dirty="0">
+                <a:solidFill>
+                  <a:srgbClr val="FF0000"/>
+                </a:solidFill>
+              </a:rPr>
+              <a:t>__</a:t>
+            </a:r>
+            <a:r>
+              <a:rPr lang="en-US" altLang="zh-TW" sz="2000" b="1" i="1" dirty="0" err="1">
+                <a:solidFill>
+                  <a:srgbClr val="FF0000"/>
+                </a:solidFill>
+              </a:rPr>
               <a:t>init</a:t>
             </a:r>
             <a:r>
-              <a:rPr lang="en-US" altLang="zh-TW" dirty="0"/>
-              <a:t>__(self, name, species):</a:t>
-            </a:r>
-          </a:p>
-          <a:p>
-            <a:r>
-              <a:rPr lang="en-US" altLang="zh-TW" dirty="0"/>
-              <a:t>        </a:t>
-            </a:r>
-            <a:r>
-              <a:rPr lang="en-US" altLang="zh-TW" dirty="0" err="1"/>
-              <a:t>self</a:t>
-            </a:r>
-            <a:r>
-              <a:rPr lang="en-US" altLang="zh-TW" dirty="0" err="1">
-                <a:solidFill>
-                  <a:srgbClr val="0070C0"/>
-                </a:solidFill>
-              </a:rPr>
-              <a:t>.__name</a:t>
-            </a:r>
-            <a:r>
-              <a:rPr lang="en-US" altLang="zh-TW" dirty="0">
-                <a:solidFill>
-                  <a:srgbClr val="0070C0"/>
+              <a:rPr lang="en-US" altLang="zh-TW" sz="2000" b="1" i="1" dirty="0">
+                <a:solidFill>
+                  <a:srgbClr val="FF0000"/>
+                </a:solidFill>
+              </a:rPr>
+              <a:t>__</a:t>
+            </a:r>
+            <a:r>
+              <a:rPr lang="zh-TW" altLang="en-US" sz="2000" b="1" i="1" dirty="0">
+                <a:solidFill>
+                  <a:srgbClr val="FF0000"/>
                 </a:solidFill>
               </a:rPr>
               <a:t> </a:t>
             </a:r>
             <a:r>
-              <a:rPr lang="en-US" altLang="zh-TW" dirty="0"/>
-              <a:t>= name</a:t>
-            </a:r>
-          </a:p>
-          <a:p>
-            <a:r>
-              <a:rPr lang="en-US" altLang="zh-TW" dirty="0"/>
-              <a:t>        </a:t>
-            </a:r>
-            <a:r>
-              <a:rPr lang="en-US" altLang="zh-TW" dirty="0" err="1"/>
-              <a:t>self</a:t>
-            </a:r>
-            <a:r>
-              <a:rPr lang="en-US" altLang="zh-TW" dirty="0" err="1">
-                <a:solidFill>
-                  <a:srgbClr val="0070C0"/>
-                </a:solidFill>
-              </a:rPr>
-              <a:t>.__species</a:t>
-            </a:r>
-            <a:r>
-              <a:rPr lang="en-US" altLang="zh-TW" dirty="0">
-                <a:solidFill>
-                  <a:srgbClr val="0070C0"/>
-                </a:solidFill>
-              </a:rPr>
-              <a:t> </a:t>
-            </a:r>
-            <a:r>
-              <a:rPr lang="en-US" altLang="zh-TW" dirty="0"/>
-              <a:t>= species</a:t>
-            </a:r>
-          </a:p>
-          <a:p>
-            <a:r>
-              <a:rPr lang="en-US" altLang="zh-TW" dirty="0"/>
-              <a:t>     </a:t>
-            </a:r>
-          </a:p>
-          <a:p>
-            <a:r>
-              <a:rPr lang="en-US" altLang="zh-TW" dirty="0"/>
-              <a:t>    </a:t>
-            </a:r>
-            <a:r>
-              <a:rPr lang="en-US" altLang="zh-TW" dirty="0" err="1"/>
-              <a:t>def</a:t>
-            </a:r>
-            <a:r>
-              <a:rPr lang="en-US" altLang="zh-TW" dirty="0"/>
-              <a:t> animal(self):</a:t>
-            </a:r>
-          </a:p>
-          <a:p>
-            <a:r>
-              <a:rPr lang="en-US" altLang="zh-TW" dirty="0"/>
-              <a:t>        print("Is a animal")</a:t>
-            </a:r>
-          </a:p>
-          <a:p>
-            <a:endParaRPr lang="en-US" altLang="zh-TW" dirty="0"/>
-          </a:p>
-          <a:p>
-            <a:r>
-              <a:rPr lang="en-US" altLang="zh-TW" dirty="0"/>
-              <a:t>X = </a:t>
-            </a:r>
-            <a:r>
-              <a:rPr lang="en-US" altLang="zh-TW" dirty="0" err="1"/>
-              <a:t>baseAnimal</a:t>
-            </a:r>
-            <a:r>
-              <a:rPr lang="en-US" altLang="zh-TW" dirty="0"/>
-              <a:t>('</a:t>
-            </a:r>
-            <a:r>
-              <a:rPr lang="en-US" altLang="zh-TW" dirty="0" err="1"/>
-              <a:t>LaLa</a:t>
-            </a:r>
-            <a:r>
-              <a:rPr lang="en-US" altLang="zh-TW" dirty="0"/>
-              <a:t>', 'Cat')</a:t>
-            </a:r>
-          </a:p>
-          <a:p>
-            <a:r>
-              <a:rPr lang="en-US" altLang="zh-TW" dirty="0">
-                <a:solidFill>
-                  <a:srgbClr val="0070C0"/>
-                </a:solidFill>
-              </a:rPr>
-              <a:t>print(</a:t>
-            </a:r>
-            <a:r>
-              <a:rPr lang="en-US" altLang="zh-TW" dirty="0" err="1">
-                <a:solidFill>
-                  <a:srgbClr val="0070C0"/>
-                </a:solidFill>
-              </a:rPr>
-              <a:t>X.__name</a:t>
-            </a:r>
-            <a:r>
-              <a:rPr lang="en-US" altLang="zh-TW" dirty="0">
-                <a:solidFill>
-                  <a:srgbClr val="0070C0"/>
-                </a:solidFill>
-              </a:rPr>
-              <a:t>)</a:t>
-            </a:r>
-          </a:p>
-          <a:p>
-            <a:r>
-              <a:rPr lang="en-US" altLang="zh-TW" dirty="0">
-                <a:solidFill>
-                  <a:srgbClr val="0070C0"/>
-                </a:solidFill>
-              </a:rPr>
-              <a:t>print(</a:t>
-            </a:r>
-            <a:r>
-              <a:rPr lang="en-US" altLang="zh-TW" dirty="0" err="1">
-                <a:solidFill>
-                  <a:srgbClr val="0070C0"/>
-                </a:solidFill>
-              </a:rPr>
-              <a:t>X.__species</a:t>
-            </a:r>
-            <a:r>
-              <a:rPr lang="en-US" altLang="zh-TW" dirty="0">
-                <a:solidFill>
-                  <a:srgbClr val="0070C0"/>
-                </a:solidFill>
-              </a:rPr>
-              <a:t>)</a:t>
-            </a:r>
-          </a:p>
-          <a:p>
-            <a:r>
-              <a:rPr lang="en-US" altLang="zh-TW" dirty="0" err="1"/>
-              <a:t>X.animal</a:t>
-            </a:r>
-            <a:r>
-              <a:rPr lang="en-US" altLang="zh-TW" dirty="0" smtClean="0"/>
-              <a:t>()</a:t>
-            </a:r>
-          </a:p>
-          <a:p>
-            <a:endParaRPr lang="en-US" altLang="zh-TW" dirty="0"/>
-          </a:p>
-          <a:p>
-            <a:r>
-              <a:rPr lang="en-US" altLang="zh-TW" sz="2400" dirty="0">
-                <a:solidFill>
-                  <a:schemeClr val="accent5">
-                    <a:lumMod val="75000"/>
-                  </a:schemeClr>
-                </a:solidFill>
-              </a:rPr>
-              <a:t>#</a:t>
-            </a:r>
-            <a:r>
               <a:rPr lang="zh-TW" altLang="en-US" sz="2000" b="1" i="1" dirty="0" smtClean="0">
                 <a:solidFill>
                   <a:srgbClr val="FF0000"/>
                 </a:solidFill>
               </a:rPr>
-              <a:t>透過</a:t>
-            </a:r>
-            <a:r>
-              <a:rPr lang="zh-TW" altLang="en-US" sz="2000" b="1" i="1" dirty="0">
-                <a:solidFill>
-                  <a:srgbClr val="FF0000"/>
-                </a:solidFill>
-              </a:rPr>
-              <a:t>封裝防止內部資料直接被外部呼叫</a:t>
+              <a:t>附帶宣告的變數會成為實例化時需要的參數</a:t>
             </a:r>
             <a:endParaRPr lang="en-US" altLang="zh-TW" sz="2000" b="1" i="1" dirty="0">
               <a:solidFill>
@@ -37472,7 +37512,7 @@
       </p:sp>
       <p:pic>
         <p:nvPicPr>
-          <p:cNvPr id="6" name="圖片 5"/>
+          <p:cNvPr id="2" name="圖片 1"/>
           <p:cNvPicPr>
             <a:picLocks noChangeAspect="1"/>
           </p:cNvPicPr>
@@ -37486,8 +37526,8 @@
         </p:blipFill>
         <p:spPr>
           <a:xfrm>
-            <a:off x="6414431" y="2549072"/>
-            <a:ext cx="5602571" cy="1449722"/>
+            <a:off x="7273332" y="2176766"/>
+            <a:ext cx="4695754" cy="2154356"/>
           </a:xfrm>
           <a:prstGeom prst="rect">
             <a:avLst/>
@@ -37500,7 +37540,7 @@
     </p:spTree>
     <p:extLst>
       <p:ext uri="{BB962C8B-B14F-4D97-AF65-F5344CB8AC3E}">
-        <p14:creationId xmlns:p14="http://schemas.microsoft.com/office/powerpoint/2010/main" val="700463563"/>
+        <p14:creationId xmlns:p14="http://schemas.microsoft.com/office/powerpoint/2010/main" val="1366167168"/>
       </p:ext>
     </p:extLst>
   </p:cSld>
@@ -37669,6 +37709,503 @@
         </p:nvSpPr>
         <p:spPr>
           <a:xfrm>
+            <a:off x="989854" y="1628786"/>
+            <a:ext cx="5341935" cy="4893647"/>
+          </a:xfrm>
+          <a:prstGeom prst="rect">
+            <a:avLst/>
+          </a:prstGeom>
+          <a:solidFill>
+            <a:schemeClr val="bg1">
+              <a:lumMod val="85000"/>
+            </a:schemeClr>
+          </a:solidFill>
+          <a:effectLst>
+            <a:softEdge rad="76200"/>
+          </a:effectLst>
+        </p:spPr>
+        <p:txBody>
+          <a:bodyPr wrap="square" rtlCol="0">
+            <a:spAutoFit/>
+          </a:bodyPr>
+          <a:lstStyle/>
+          <a:p>
+            <a:r>
+              <a:rPr lang="en-US" altLang="zh-TW" dirty="0">
+                <a:solidFill>
+                  <a:schemeClr val="accent5">
+                    <a:lumMod val="75000"/>
+                  </a:schemeClr>
+                </a:solidFill>
+              </a:rPr>
+              <a:t># Animal Class </a:t>
+            </a:r>
+          </a:p>
+          <a:p>
+            <a:endParaRPr lang="en-US" altLang="zh-TW" dirty="0"/>
+          </a:p>
+          <a:p>
+            <a:r>
+              <a:rPr lang="en-US" altLang="zh-TW" dirty="0">
+                <a:solidFill>
+                  <a:srgbClr val="0070C0"/>
+                </a:solidFill>
+              </a:rPr>
+              <a:t>class </a:t>
+            </a:r>
+            <a:r>
+              <a:rPr lang="en-US" altLang="zh-TW" dirty="0" err="1">
+                <a:solidFill>
+                  <a:srgbClr val="0070C0"/>
+                </a:solidFill>
+              </a:rPr>
+              <a:t>baseAnimal</a:t>
+            </a:r>
+            <a:r>
+              <a:rPr lang="en-US" altLang="zh-TW" dirty="0" smtClean="0"/>
+              <a:t>:</a:t>
+            </a:r>
+            <a:endParaRPr lang="en-US" altLang="zh-TW" sz="1400" dirty="0">
+              <a:solidFill>
+                <a:srgbClr val="FF0000"/>
+              </a:solidFill>
+            </a:endParaRPr>
+          </a:p>
+          <a:p>
+            <a:endParaRPr lang="en-US" altLang="zh-TW" dirty="0"/>
+          </a:p>
+          <a:p>
+            <a:r>
+              <a:rPr lang="en-US" altLang="zh-TW" dirty="0"/>
+              <a:t>    </a:t>
+            </a:r>
+            <a:r>
+              <a:rPr lang="en-US" altLang="zh-TW" dirty="0" err="1"/>
+              <a:t>def</a:t>
+            </a:r>
+            <a:r>
+              <a:rPr lang="en-US" altLang="zh-TW" dirty="0"/>
+              <a:t> __</a:t>
+            </a:r>
+            <a:r>
+              <a:rPr lang="en-US" altLang="zh-TW" dirty="0" err="1"/>
+              <a:t>init</a:t>
+            </a:r>
+            <a:r>
+              <a:rPr lang="en-US" altLang="zh-TW" dirty="0"/>
+              <a:t>__(self, name, species):</a:t>
+            </a:r>
+          </a:p>
+          <a:p>
+            <a:r>
+              <a:rPr lang="en-US" altLang="zh-TW" dirty="0"/>
+              <a:t>        </a:t>
+            </a:r>
+            <a:r>
+              <a:rPr lang="en-US" altLang="zh-TW" dirty="0" err="1"/>
+              <a:t>self</a:t>
+            </a:r>
+            <a:r>
+              <a:rPr lang="en-US" altLang="zh-TW" dirty="0" err="1">
+                <a:solidFill>
+                  <a:srgbClr val="0070C0"/>
+                </a:solidFill>
+              </a:rPr>
+              <a:t>.__name</a:t>
+            </a:r>
+            <a:r>
+              <a:rPr lang="en-US" altLang="zh-TW" dirty="0">
+                <a:solidFill>
+                  <a:srgbClr val="0070C0"/>
+                </a:solidFill>
+              </a:rPr>
+              <a:t> </a:t>
+            </a:r>
+            <a:r>
+              <a:rPr lang="en-US" altLang="zh-TW" dirty="0"/>
+              <a:t>= name</a:t>
+            </a:r>
+          </a:p>
+          <a:p>
+            <a:r>
+              <a:rPr lang="en-US" altLang="zh-TW" dirty="0"/>
+              <a:t>        </a:t>
+            </a:r>
+            <a:r>
+              <a:rPr lang="en-US" altLang="zh-TW" dirty="0" err="1"/>
+              <a:t>self</a:t>
+            </a:r>
+            <a:r>
+              <a:rPr lang="en-US" altLang="zh-TW" dirty="0" err="1">
+                <a:solidFill>
+                  <a:srgbClr val="0070C0"/>
+                </a:solidFill>
+              </a:rPr>
+              <a:t>.__species</a:t>
+            </a:r>
+            <a:r>
+              <a:rPr lang="en-US" altLang="zh-TW" dirty="0">
+                <a:solidFill>
+                  <a:srgbClr val="0070C0"/>
+                </a:solidFill>
+              </a:rPr>
+              <a:t> </a:t>
+            </a:r>
+            <a:r>
+              <a:rPr lang="en-US" altLang="zh-TW" dirty="0"/>
+              <a:t>= species</a:t>
+            </a:r>
+          </a:p>
+          <a:p>
+            <a:r>
+              <a:rPr lang="en-US" altLang="zh-TW" dirty="0"/>
+              <a:t>     </a:t>
+            </a:r>
+          </a:p>
+          <a:p>
+            <a:r>
+              <a:rPr lang="en-US" altLang="zh-TW" dirty="0"/>
+              <a:t>    </a:t>
+            </a:r>
+            <a:r>
+              <a:rPr lang="en-US" altLang="zh-TW" dirty="0" err="1"/>
+              <a:t>def</a:t>
+            </a:r>
+            <a:r>
+              <a:rPr lang="en-US" altLang="zh-TW" dirty="0"/>
+              <a:t> animal(self):</a:t>
+            </a:r>
+          </a:p>
+          <a:p>
+            <a:r>
+              <a:rPr lang="en-US" altLang="zh-TW" dirty="0"/>
+              <a:t>        print("Is a animal")</a:t>
+            </a:r>
+          </a:p>
+          <a:p>
+            <a:endParaRPr lang="en-US" altLang="zh-TW" dirty="0"/>
+          </a:p>
+          <a:p>
+            <a:r>
+              <a:rPr lang="en-US" altLang="zh-TW" dirty="0"/>
+              <a:t>X = </a:t>
+            </a:r>
+            <a:r>
+              <a:rPr lang="en-US" altLang="zh-TW" dirty="0" err="1"/>
+              <a:t>baseAnimal</a:t>
+            </a:r>
+            <a:r>
+              <a:rPr lang="en-US" altLang="zh-TW" dirty="0"/>
+              <a:t>('</a:t>
+            </a:r>
+            <a:r>
+              <a:rPr lang="en-US" altLang="zh-TW" dirty="0" err="1"/>
+              <a:t>LaLa</a:t>
+            </a:r>
+            <a:r>
+              <a:rPr lang="en-US" altLang="zh-TW" dirty="0"/>
+              <a:t>', 'Cat')</a:t>
+            </a:r>
+          </a:p>
+          <a:p>
+            <a:r>
+              <a:rPr lang="en-US" altLang="zh-TW" dirty="0">
+                <a:solidFill>
+                  <a:srgbClr val="0070C0"/>
+                </a:solidFill>
+              </a:rPr>
+              <a:t>print(</a:t>
+            </a:r>
+            <a:r>
+              <a:rPr lang="en-US" altLang="zh-TW" dirty="0" err="1">
+                <a:solidFill>
+                  <a:srgbClr val="0070C0"/>
+                </a:solidFill>
+              </a:rPr>
+              <a:t>X.__name</a:t>
+            </a:r>
+            <a:r>
+              <a:rPr lang="en-US" altLang="zh-TW" dirty="0">
+                <a:solidFill>
+                  <a:srgbClr val="0070C0"/>
+                </a:solidFill>
+              </a:rPr>
+              <a:t>)</a:t>
+            </a:r>
+          </a:p>
+          <a:p>
+            <a:r>
+              <a:rPr lang="en-US" altLang="zh-TW" dirty="0">
+                <a:solidFill>
+                  <a:srgbClr val="0070C0"/>
+                </a:solidFill>
+              </a:rPr>
+              <a:t>print(</a:t>
+            </a:r>
+            <a:r>
+              <a:rPr lang="en-US" altLang="zh-TW" dirty="0" err="1">
+                <a:solidFill>
+                  <a:srgbClr val="0070C0"/>
+                </a:solidFill>
+              </a:rPr>
+              <a:t>X.__species</a:t>
+            </a:r>
+            <a:r>
+              <a:rPr lang="en-US" altLang="zh-TW" dirty="0">
+                <a:solidFill>
+                  <a:srgbClr val="0070C0"/>
+                </a:solidFill>
+              </a:rPr>
+              <a:t>)</a:t>
+            </a:r>
+          </a:p>
+          <a:p>
+            <a:r>
+              <a:rPr lang="en-US" altLang="zh-TW" dirty="0" err="1"/>
+              <a:t>X.animal</a:t>
+            </a:r>
+            <a:r>
+              <a:rPr lang="en-US" altLang="zh-TW" dirty="0" smtClean="0"/>
+              <a:t>()</a:t>
+            </a:r>
+          </a:p>
+          <a:p>
+            <a:endParaRPr lang="en-US" altLang="zh-TW" dirty="0"/>
+          </a:p>
+          <a:p>
+            <a:r>
+              <a:rPr lang="en-US" altLang="zh-TW" sz="2400" dirty="0">
+                <a:solidFill>
+                  <a:schemeClr val="accent5">
+                    <a:lumMod val="75000"/>
+                  </a:schemeClr>
+                </a:solidFill>
+              </a:rPr>
+              <a:t>#</a:t>
+            </a:r>
+            <a:r>
+              <a:rPr lang="zh-TW" altLang="en-US" sz="2000" b="1" i="1" dirty="0" smtClean="0">
+                <a:solidFill>
+                  <a:srgbClr val="FF0000"/>
+                </a:solidFill>
+              </a:rPr>
+              <a:t>透過</a:t>
+            </a:r>
+            <a:r>
+              <a:rPr lang="zh-TW" altLang="en-US" sz="2000" b="1" i="1" dirty="0">
+                <a:solidFill>
+                  <a:srgbClr val="FF0000"/>
+                </a:solidFill>
+              </a:rPr>
+              <a:t>封裝防止內部資料直接被外部呼叫</a:t>
+            </a:r>
+            <a:endParaRPr lang="en-US" altLang="zh-TW" sz="2000" b="1" i="1" dirty="0">
+              <a:solidFill>
+                <a:srgbClr val="FF0000"/>
+              </a:solidFill>
+            </a:endParaRPr>
+          </a:p>
+        </p:txBody>
+      </p:sp>
+      <p:pic>
+        <p:nvPicPr>
+          <p:cNvPr id="6" name="圖片 5"/>
+          <p:cNvPicPr>
+            <a:picLocks noChangeAspect="1"/>
+          </p:cNvPicPr>
+          <p:nvPr/>
+        </p:nvPicPr>
+        <p:blipFill>
+          <a:blip r:embed="rId2"/>
+          <a:stretch>
+            <a:fillRect/>
+          </a:stretch>
+        </p:blipFill>
+        <p:spPr>
+          <a:xfrm>
+            <a:off x="6414431" y="2549072"/>
+            <a:ext cx="5602571" cy="1449722"/>
+          </a:xfrm>
+          <a:prstGeom prst="rect">
+            <a:avLst/>
+          </a:prstGeom>
+          <a:effectLst>
+            <a:softEdge rad="31750"/>
+          </a:effectLst>
+        </p:spPr>
+      </p:pic>
+    </p:spTree>
+    <p:extLst>
+      <p:ext uri="{BB962C8B-B14F-4D97-AF65-F5344CB8AC3E}">
+        <p14:creationId xmlns:p14="http://schemas.microsoft.com/office/powerpoint/2010/main" val="700463563"/>
+      </p:ext>
+    </p:extLst>
+  </p:cSld>
+  <p:clrMapOvr>
+    <a:masterClrMapping/>
+  </p:clrMapOvr>
+  <mc:AlternateContent xmlns:mc="http://schemas.openxmlformats.org/markup-compatibility/2006" xmlns:p14="http://schemas.microsoft.com/office/powerpoint/2010/main">
+    <mc:Choice Requires="p14">
+      <p:transition spd="slow" p14:dur="2000"/>
+    </mc:Choice>
+    <mc:Fallback xmlns="">
+      <p:transition spd="slow"/>
+    </mc:Fallback>
+  </mc:AlternateContent>
+  <p:timing>
+    <p:tnLst>
+      <p:par>
+        <p:cTn id="1" dur="indefinite" restart="never" nodeType="tmRoot"/>
+      </p:par>
+    </p:tnLst>
+  </p:timing>
+</p:sld>
+</file>
+
+<file path=ppt/slides/slide88.xml><?xml version="1.0" encoding="utf-8"?>
+<p:sld xmlns:a="http://schemas.openxmlformats.org/drawingml/2006/main" xmlns:r="http://schemas.openxmlformats.org/officeDocument/2006/relationships" xmlns:p="http://schemas.openxmlformats.org/presentationml/2006/main">
+  <p:cSld>
+    <p:spTree>
+      <p:nvGrpSpPr>
+        <p:cNvPr id="1" name=""/>
+        <p:cNvGrpSpPr/>
+        <p:nvPr/>
+      </p:nvGrpSpPr>
+      <p:grpSpPr>
+        <a:xfrm>
+          <a:off x="0" y="0"/>
+          <a:ext cx="0" cy="0"/>
+          <a:chOff x="0" y="0"/>
+          <a:chExt cx="0" cy="0"/>
+        </a:xfrm>
+      </p:grpSpPr>
+      <p:sp>
+        <p:nvSpPr>
+          <p:cNvPr id="5" name="標題 1"/>
+          <p:cNvSpPr txBox="1">
+            <a:spLocks/>
+          </p:cNvSpPr>
+          <p:nvPr/>
+        </p:nvSpPr>
+        <p:spPr>
+          <a:xfrm>
+            <a:off x="619049" y="222095"/>
+            <a:ext cx="8596668" cy="796505"/>
+          </a:xfrm>
+          <a:prstGeom prst="rect">
+            <a:avLst/>
+          </a:prstGeom>
+        </p:spPr>
+        <p:txBody>
+          <a:bodyPr vert="horz" lIns="91440" tIns="45720" rIns="91440" bIns="45720" rtlCol="0" anchor="b">
+            <a:noAutofit/>
+          </a:bodyPr>
+          <a:lstStyle>
+            <a:lvl1pPr algn="r" defTabSz="457200" rtl="0" eaLnBrk="1" latinLnBrk="0" hangingPunct="1">
+              <a:spcBef>
+                <a:spcPct val="0"/>
+              </a:spcBef>
+              <a:buNone/>
+              <a:defRPr sz="5400" kern="1200">
+                <a:solidFill>
+                  <a:schemeClr val="accent1"/>
+                </a:solidFill>
+                <a:latin typeface="+mj-lt"/>
+                <a:ea typeface="+mj-ea"/>
+                <a:cs typeface="+mj-cs"/>
+              </a:defRPr>
+            </a:lvl1pPr>
+            <a:lvl2pPr eaLnBrk="1" hangingPunct="1">
+              <a:defRPr>
+                <a:solidFill>
+                  <a:schemeClr val="tx2"/>
+                </a:solidFill>
+              </a:defRPr>
+            </a:lvl2pPr>
+            <a:lvl3pPr eaLnBrk="1" hangingPunct="1">
+              <a:defRPr>
+                <a:solidFill>
+                  <a:schemeClr val="tx2"/>
+                </a:solidFill>
+              </a:defRPr>
+            </a:lvl3pPr>
+            <a:lvl4pPr eaLnBrk="1" hangingPunct="1">
+              <a:defRPr>
+                <a:solidFill>
+                  <a:schemeClr val="tx2"/>
+                </a:solidFill>
+              </a:defRPr>
+            </a:lvl4pPr>
+            <a:lvl5pPr eaLnBrk="1" hangingPunct="1">
+              <a:defRPr>
+                <a:solidFill>
+                  <a:schemeClr val="tx2"/>
+                </a:solidFill>
+              </a:defRPr>
+            </a:lvl5pPr>
+            <a:lvl6pPr eaLnBrk="1" hangingPunct="1">
+              <a:defRPr>
+                <a:solidFill>
+                  <a:schemeClr val="tx2"/>
+                </a:solidFill>
+              </a:defRPr>
+            </a:lvl6pPr>
+            <a:lvl7pPr eaLnBrk="1" hangingPunct="1">
+              <a:defRPr>
+                <a:solidFill>
+                  <a:schemeClr val="tx2"/>
+                </a:solidFill>
+              </a:defRPr>
+            </a:lvl7pPr>
+            <a:lvl8pPr eaLnBrk="1" hangingPunct="1">
+              <a:defRPr>
+                <a:solidFill>
+                  <a:schemeClr val="tx2"/>
+                </a:solidFill>
+              </a:defRPr>
+            </a:lvl8pPr>
+            <a:lvl9pPr eaLnBrk="1" hangingPunct="1">
+              <a:defRPr>
+                <a:solidFill>
+                  <a:schemeClr val="tx2"/>
+                </a:solidFill>
+              </a:defRPr>
+            </a:lvl9pPr>
+          </a:lstStyle>
+          <a:p>
+            <a:pPr lvl="1" algn="ctr"/>
+            <a:r>
+              <a:rPr lang="en-US" altLang="zh-TW" sz="4000" smtClean="0"/>
+              <a:t>Encapsulation</a:t>
+            </a:r>
+            <a:r>
+              <a:rPr lang="zh-TW" altLang="en-US" sz="4000" smtClean="0"/>
+              <a:t> </a:t>
+            </a:r>
+            <a:r>
+              <a:rPr lang="en-US" altLang="zh-TW" sz="4000" smtClean="0"/>
+              <a:t>(</a:t>
+            </a:r>
+            <a:r>
+              <a:rPr lang="zh-TW" altLang="en-US" sz="4000" smtClean="0"/>
+              <a:t>封裝</a:t>
+            </a:r>
+            <a:r>
+              <a:rPr lang="en-US" altLang="zh-TW" sz="4000" smtClean="0"/>
+              <a:t>)</a:t>
+            </a:r>
+            <a:endParaRPr lang="en-US" altLang="zh-TW" sz="4000"/>
+          </a:p>
+        </p:txBody>
+      </p:sp>
+      <p:sp>
+        <p:nvSpPr>
+          <p:cNvPr id="4" name="文字方塊 3"/>
+          <p:cNvSpPr txBox="1"/>
+          <p:nvPr/>
+        </p:nvSpPr>
+        <p:spPr>
+          <a:xfrm>
             <a:off x="998611" y="1230738"/>
             <a:ext cx="5177903" cy="5386090"/>
           </a:xfrm>
@@ -38191,7 +38728,7 @@
 </p:sld>
 </file>
 
-<file path=ppt/slides/slide88.xml><?xml version="1.0" encoding="utf-8"?>
+<file path=ppt/slides/slide89.xml><?xml version="1.0" encoding="utf-8"?>
 <p:sld xmlns:a="http://schemas.openxmlformats.org/drawingml/2006/main" xmlns:r="http://schemas.openxmlformats.org/officeDocument/2006/relationships" xmlns:p="http://schemas.openxmlformats.org/presentationml/2006/main">
   <p:cSld>
     <p:spTree>
@@ -38474,682 +39011,6 @@
     <p:extLst>
       <p:ext uri="{BB962C8B-B14F-4D97-AF65-F5344CB8AC3E}">
         <p14:creationId xmlns:p14="http://schemas.microsoft.com/office/powerpoint/2010/main" val="3152983772"/>
-      </p:ext>
-    </p:extLst>
-  </p:cSld>
-  <p:clrMapOvr>
-    <a:masterClrMapping/>
-  </p:clrMapOvr>
-  <mc:AlternateContent xmlns:mc="http://schemas.openxmlformats.org/markup-compatibility/2006" xmlns:p14="http://schemas.microsoft.com/office/powerpoint/2010/main">
-    <mc:Choice Requires="p14">
-      <p:transition spd="slow" p14:dur="2000"/>
-    </mc:Choice>
-    <mc:Fallback xmlns="">
-      <p:transition spd="slow"/>
-    </mc:Fallback>
-  </mc:AlternateContent>
-  <p:timing>
-    <p:tnLst>
-      <p:par>
-        <p:cTn id="1" dur="indefinite" restart="never" nodeType="tmRoot"/>
-      </p:par>
-    </p:tnLst>
-  </p:timing>
-</p:sld>
-</file>
-
-<file path=ppt/slides/slide89.xml><?xml version="1.0" encoding="utf-8"?>
-<p:sld xmlns:a="http://schemas.openxmlformats.org/drawingml/2006/main" xmlns:r="http://schemas.openxmlformats.org/officeDocument/2006/relationships" xmlns:p="http://schemas.openxmlformats.org/presentationml/2006/main">
-  <p:cSld>
-    <p:spTree>
-      <p:nvGrpSpPr>
-        <p:cNvPr id="1" name=""/>
-        <p:cNvGrpSpPr/>
-        <p:nvPr/>
-      </p:nvGrpSpPr>
-      <p:grpSpPr>
-        <a:xfrm>
-          <a:off x="0" y="0"/>
-          <a:ext cx="0" cy="0"/>
-          <a:chOff x="0" y="0"/>
-          <a:chExt cx="0" cy="0"/>
-        </a:xfrm>
-      </p:grpSpPr>
-      <p:sp>
-        <p:nvSpPr>
-          <p:cNvPr id="5" name="標題 1"/>
-          <p:cNvSpPr txBox="1">
-            <a:spLocks/>
-          </p:cNvSpPr>
-          <p:nvPr/>
-        </p:nvSpPr>
-        <p:spPr>
-          <a:xfrm>
-            <a:off x="982724" y="0"/>
-            <a:ext cx="8596668" cy="796505"/>
-          </a:xfrm>
-          <a:prstGeom prst="rect">
-            <a:avLst/>
-          </a:prstGeom>
-        </p:spPr>
-        <p:txBody>
-          <a:bodyPr vert="horz" lIns="91440" tIns="45720" rIns="91440" bIns="45720" rtlCol="0" anchor="b">
-            <a:noAutofit/>
-          </a:bodyPr>
-          <a:lstStyle>
-            <a:lvl1pPr algn="r" defTabSz="457200" rtl="0" eaLnBrk="1" latinLnBrk="0" hangingPunct="1">
-              <a:spcBef>
-                <a:spcPct val="0"/>
-              </a:spcBef>
-              <a:buNone/>
-              <a:defRPr sz="5400" kern="1200">
-                <a:solidFill>
-                  <a:schemeClr val="accent1"/>
-                </a:solidFill>
-                <a:latin typeface="+mj-lt"/>
-                <a:ea typeface="+mj-ea"/>
-                <a:cs typeface="+mj-cs"/>
-              </a:defRPr>
-            </a:lvl1pPr>
-            <a:lvl2pPr eaLnBrk="1" hangingPunct="1">
-              <a:defRPr>
-                <a:solidFill>
-                  <a:schemeClr val="tx2"/>
-                </a:solidFill>
-              </a:defRPr>
-            </a:lvl2pPr>
-            <a:lvl3pPr eaLnBrk="1" hangingPunct="1">
-              <a:defRPr>
-                <a:solidFill>
-                  <a:schemeClr val="tx2"/>
-                </a:solidFill>
-              </a:defRPr>
-            </a:lvl3pPr>
-            <a:lvl4pPr eaLnBrk="1" hangingPunct="1">
-              <a:defRPr>
-                <a:solidFill>
-                  <a:schemeClr val="tx2"/>
-                </a:solidFill>
-              </a:defRPr>
-            </a:lvl4pPr>
-            <a:lvl5pPr eaLnBrk="1" hangingPunct="1">
-              <a:defRPr>
-                <a:solidFill>
-                  <a:schemeClr val="tx2"/>
-                </a:solidFill>
-              </a:defRPr>
-            </a:lvl5pPr>
-            <a:lvl6pPr eaLnBrk="1" hangingPunct="1">
-              <a:defRPr>
-                <a:solidFill>
-                  <a:schemeClr val="tx2"/>
-                </a:solidFill>
-              </a:defRPr>
-            </a:lvl6pPr>
-            <a:lvl7pPr eaLnBrk="1" hangingPunct="1">
-              <a:defRPr>
-                <a:solidFill>
-                  <a:schemeClr val="tx2"/>
-                </a:solidFill>
-              </a:defRPr>
-            </a:lvl7pPr>
-            <a:lvl8pPr eaLnBrk="1" hangingPunct="1">
-              <a:defRPr>
-                <a:solidFill>
-                  <a:schemeClr val="tx2"/>
-                </a:solidFill>
-              </a:defRPr>
-            </a:lvl8pPr>
-            <a:lvl9pPr eaLnBrk="1" hangingPunct="1">
-              <a:defRPr>
-                <a:solidFill>
-                  <a:schemeClr val="tx2"/>
-                </a:solidFill>
-              </a:defRPr>
-            </a:lvl9pPr>
-          </a:lstStyle>
-          <a:p>
-            <a:pPr lvl="1" algn="ctr"/>
-            <a:r>
-              <a:rPr lang="en-US" altLang="zh-TW" sz="4000" smtClean="0"/>
-              <a:t>Inheritance</a:t>
-            </a:r>
-            <a:r>
-              <a:rPr lang="zh-TW" altLang="en-US" sz="4000" smtClean="0"/>
-              <a:t> </a:t>
-            </a:r>
-            <a:r>
-              <a:rPr lang="en-US" altLang="zh-TW" sz="4000" smtClean="0"/>
-              <a:t>(</a:t>
-            </a:r>
-            <a:r>
-              <a:rPr lang="zh-TW" altLang="en-US" sz="4000" smtClean="0"/>
-              <a:t>繼承</a:t>
-            </a:r>
-            <a:r>
-              <a:rPr lang="en-US" altLang="zh-TW" sz="4000" smtClean="0"/>
-              <a:t>)</a:t>
-            </a:r>
-            <a:endParaRPr lang="en-US" altLang="zh-TW" sz="4000">
-              <a:solidFill>
-                <a:schemeClr val="tx1"/>
-              </a:solidFill>
-            </a:endParaRPr>
-          </a:p>
-        </p:txBody>
-      </p:sp>
-      <p:sp>
-        <p:nvSpPr>
-          <p:cNvPr id="8" name="文字方塊 7"/>
-          <p:cNvSpPr txBox="1"/>
-          <p:nvPr/>
-        </p:nvSpPr>
-        <p:spPr>
-          <a:xfrm>
-            <a:off x="744896" y="1047113"/>
-            <a:ext cx="5604145" cy="5509200"/>
-          </a:xfrm>
-          <a:prstGeom prst="rect">
-            <a:avLst/>
-          </a:prstGeom>
-          <a:solidFill>
-            <a:schemeClr val="bg1">
-              <a:lumMod val="85000"/>
-            </a:schemeClr>
-          </a:solidFill>
-          <a:effectLst>
-            <a:softEdge rad="76200"/>
-          </a:effectLst>
-        </p:spPr>
-        <p:txBody>
-          <a:bodyPr wrap="square" rtlCol="0">
-            <a:spAutoFit/>
-          </a:bodyPr>
-          <a:lstStyle/>
-          <a:p>
-            <a:r>
-              <a:rPr lang="en-US" altLang="zh-TW" sz="1600" dirty="0">
-                <a:solidFill>
-                  <a:schemeClr val="accent5">
-                    <a:lumMod val="75000"/>
-                  </a:schemeClr>
-                </a:solidFill>
-              </a:rPr>
-              <a:t># Animal Class </a:t>
-            </a:r>
-          </a:p>
-          <a:p>
-            <a:endParaRPr lang="en-US" altLang="zh-TW" sz="1600" dirty="0"/>
-          </a:p>
-          <a:p>
-            <a:r>
-              <a:rPr lang="en-US" altLang="zh-TW" sz="1600" dirty="0"/>
-              <a:t>class </a:t>
-            </a:r>
-            <a:r>
-              <a:rPr lang="en-US" altLang="zh-TW" sz="1600" dirty="0" err="1"/>
-              <a:t>baseAnimal</a:t>
-            </a:r>
-            <a:r>
-              <a:rPr lang="en-US" altLang="zh-TW" sz="1600" dirty="0"/>
-              <a:t>:</a:t>
-            </a:r>
-          </a:p>
-          <a:p>
-            <a:r>
-              <a:rPr lang="en-US" altLang="zh-TW" sz="1600" dirty="0"/>
-              <a:t>    </a:t>
-            </a:r>
-          </a:p>
-          <a:p>
-            <a:r>
-              <a:rPr lang="en-US" altLang="zh-TW" sz="1600" dirty="0"/>
-              <a:t>    </a:t>
-            </a:r>
-            <a:r>
-              <a:rPr lang="en-US" altLang="zh-TW" sz="1600" dirty="0" err="1"/>
-              <a:t>def</a:t>
-            </a:r>
-            <a:r>
-              <a:rPr lang="en-US" altLang="zh-TW" sz="1600" dirty="0"/>
-              <a:t> __</a:t>
-            </a:r>
-            <a:r>
-              <a:rPr lang="en-US" altLang="zh-TW" sz="1600" dirty="0" err="1"/>
-              <a:t>init</a:t>
-            </a:r>
-            <a:r>
-              <a:rPr lang="en-US" altLang="zh-TW" sz="1600" dirty="0"/>
-              <a:t>__(self, name, species):</a:t>
-            </a:r>
-          </a:p>
-          <a:p>
-            <a:r>
-              <a:rPr lang="en-US" altLang="zh-TW" sz="1600" dirty="0"/>
-              <a:t>        </a:t>
-            </a:r>
-            <a:r>
-              <a:rPr lang="en-US" altLang="zh-TW" sz="1600" dirty="0" err="1"/>
-              <a:t>self.__name</a:t>
-            </a:r>
-            <a:r>
-              <a:rPr lang="en-US" altLang="zh-TW" sz="1600" dirty="0"/>
-              <a:t> = name</a:t>
-            </a:r>
-          </a:p>
-          <a:p>
-            <a:r>
-              <a:rPr lang="en-US" altLang="zh-TW" sz="1600" dirty="0"/>
-              <a:t>        </a:t>
-            </a:r>
-            <a:r>
-              <a:rPr lang="en-US" altLang="zh-TW" sz="1600" dirty="0" err="1"/>
-              <a:t>self.__species</a:t>
-            </a:r>
-            <a:r>
-              <a:rPr lang="en-US" altLang="zh-TW" sz="1600" dirty="0"/>
-              <a:t> = species</a:t>
-            </a:r>
-          </a:p>
-          <a:p>
-            <a:r>
-              <a:rPr lang="en-US" altLang="zh-TW" sz="1600" dirty="0"/>
-              <a:t>     </a:t>
-            </a:r>
-          </a:p>
-          <a:p>
-            <a:r>
-              <a:rPr lang="en-US" altLang="zh-TW" sz="1600" dirty="0"/>
-              <a:t>    </a:t>
-            </a:r>
-            <a:r>
-              <a:rPr lang="en-US" altLang="zh-TW" sz="1600" dirty="0" err="1"/>
-              <a:t>def</a:t>
-            </a:r>
-            <a:r>
-              <a:rPr lang="en-US" altLang="zh-TW" sz="1600" dirty="0"/>
-              <a:t> </a:t>
-            </a:r>
-            <a:r>
-              <a:rPr lang="en-US" altLang="zh-TW" sz="1600" dirty="0" err="1" smtClean="0"/>
-              <a:t>getAnimalName</a:t>
-            </a:r>
-            <a:r>
-              <a:rPr lang="en-US" altLang="zh-TW" sz="1600" dirty="0" smtClean="0"/>
-              <a:t>(self):</a:t>
-            </a:r>
-            <a:endParaRPr lang="en-US" altLang="zh-TW" sz="1600" dirty="0"/>
-          </a:p>
-          <a:p>
-            <a:r>
-              <a:rPr lang="en-US" altLang="zh-TW" sz="1600" dirty="0"/>
-              <a:t>        return </a:t>
-            </a:r>
-            <a:r>
-              <a:rPr lang="en-US" altLang="zh-TW" sz="1600" dirty="0" err="1" smtClean="0"/>
-              <a:t>self.__name</a:t>
-            </a:r>
-            <a:endParaRPr lang="en-US" altLang="zh-TW" sz="1600" dirty="0"/>
-          </a:p>
-          <a:p>
-            <a:r>
-              <a:rPr lang="en-US" altLang="zh-TW" sz="1600" dirty="0"/>
-              <a:t>    </a:t>
-            </a:r>
-          </a:p>
-          <a:p>
-            <a:r>
-              <a:rPr lang="en-US" altLang="zh-TW" sz="1600" dirty="0"/>
-              <a:t>    </a:t>
-            </a:r>
-            <a:r>
-              <a:rPr lang="en-US" altLang="zh-TW" sz="1600" dirty="0" err="1"/>
-              <a:t>def</a:t>
-            </a:r>
-            <a:r>
-              <a:rPr lang="en-US" altLang="zh-TW" sz="1600" dirty="0"/>
-              <a:t> </a:t>
-            </a:r>
-            <a:r>
-              <a:rPr lang="en-US" altLang="zh-TW" sz="1600" dirty="0" err="1" smtClean="0"/>
-              <a:t>getAnimalSpecies</a:t>
-            </a:r>
-            <a:r>
-              <a:rPr lang="en-US" altLang="zh-TW" sz="1600" dirty="0" smtClean="0"/>
-              <a:t>(self):</a:t>
-            </a:r>
-            <a:endParaRPr lang="en-US" altLang="zh-TW" sz="1600" dirty="0"/>
-          </a:p>
-          <a:p>
-            <a:r>
-              <a:rPr lang="en-US" altLang="zh-TW" sz="1600" dirty="0"/>
-              <a:t>        return </a:t>
-            </a:r>
-            <a:r>
-              <a:rPr lang="en-US" altLang="zh-TW" sz="1600" dirty="0" err="1" smtClean="0"/>
-              <a:t>self.__</a:t>
-            </a:r>
-            <a:r>
-              <a:rPr lang="en-US" altLang="zh-TW" sz="1600" dirty="0" err="1"/>
-              <a:t>species</a:t>
-            </a:r>
-            <a:endParaRPr lang="en-US" altLang="zh-TW" sz="1600" dirty="0"/>
-          </a:p>
-          <a:p>
-            <a:endParaRPr lang="en-US" altLang="zh-TW" sz="1600" dirty="0"/>
-          </a:p>
-          <a:p>
-            <a:r>
-              <a:rPr lang="en-US" altLang="zh-TW" sz="1600" dirty="0">
-                <a:solidFill>
-                  <a:srgbClr val="0070C0"/>
-                </a:solidFill>
-              </a:rPr>
-              <a:t>class cat(</a:t>
-            </a:r>
-            <a:r>
-              <a:rPr lang="en-US" altLang="zh-TW" sz="1600" dirty="0" err="1">
-                <a:solidFill>
-                  <a:srgbClr val="0070C0"/>
-                </a:solidFill>
-              </a:rPr>
-              <a:t>baseAnimal</a:t>
-            </a:r>
-            <a:r>
-              <a:rPr lang="en-US" altLang="zh-TW" sz="1600" dirty="0">
-                <a:solidFill>
-                  <a:srgbClr val="0070C0"/>
-                </a:solidFill>
-              </a:rPr>
-              <a:t>):</a:t>
-            </a:r>
-            <a:r>
-              <a:rPr lang="zh-TW" altLang="en-US" sz="1600" dirty="0">
-                <a:solidFill>
-                  <a:srgbClr val="0070C0"/>
-                </a:solidFill>
-              </a:rPr>
-              <a:t> </a:t>
-            </a:r>
-            <a:endParaRPr lang="en-US" altLang="zh-TW" sz="1600" dirty="0">
-              <a:solidFill>
-                <a:srgbClr val="0070C0"/>
-              </a:solidFill>
-            </a:endParaRPr>
-          </a:p>
-          <a:p>
-            <a:r>
-              <a:rPr lang="en-US" altLang="zh-TW" sz="1600" dirty="0">
-                <a:solidFill>
-                  <a:srgbClr val="0070C0"/>
-                </a:solidFill>
-              </a:rPr>
-              <a:t>    </a:t>
-            </a:r>
-            <a:r>
-              <a:rPr lang="en-US" altLang="zh-TW" sz="1600" dirty="0" err="1">
-                <a:solidFill>
-                  <a:srgbClr val="0070C0"/>
-                </a:solidFill>
-              </a:rPr>
-              <a:t>def</a:t>
-            </a:r>
-            <a:r>
-              <a:rPr lang="en-US" altLang="zh-TW" sz="1600" dirty="0">
-                <a:solidFill>
-                  <a:srgbClr val="0070C0"/>
-                </a:solidFill>
-              </a:rPr>
-              <a:t> update(self):</a:t>
-            </a:r>
-          </a:p>
-          <a:p>
-            <a:r>
-              <a:rPr lang="en-US" altLang="zh-TW" sz="1600" dirty="0">
-                <a:solidFill>
-                  <a:srgbClr val="0070C0"/>
-                </a:solidFill>
-              </a:rPr>
-              <a:t>        return "</a:t>
-            </a:r>
-            <a:r>
-              <a:rPr lang="zh-TW" altLang="en-US" sz="1600" dirty="0">
-                <a:solidFill>
-                  <a:srgbClr val="0070C0"/>
-                </a:solidFill>
-              </a:rPr>
-              <a:t>喵喵叫</a:t>
-            </a:r>
-            <a:r>
-              <a:rPr lang="en-US" altLang="zh-TW" sz="1600" dirty="0">
-                <a:solidFill>
-                  <a:srgbClr val="0070C0"/>
-                </a:solidFill>
-              </a:rPr>
-              <a:t>"</a:t>
-            </a:r>
-          </a:p>
-          <a:p>
-            <a:endParaRPr lang="en-US" altLang="zh-TW" sz="1600" dirty="0"/>
-          </a:p>
-          <a:p>
-            <a:r>
-              <a:rPr lang="en-US" altLang="zh-TW" sz="1600" dirty="0"/>
-              <a:t>X = cat("</a:t>
-            </a:r>
-            <a:r>
-              <a:rPr lang="en-US" altLang="zh-TW" sz="1600" dirty="0" err="1"/>
-              <a:t>LaLa</a:t>
-            </a:r>
-            <a:r>
-              <a:rPr lang="en-US" altLang="zh-TW" sz="1600" dirty="0"/>
-              <a:t>","Cat")</a:t>
-            </a:r>
-          </a:p>
-          <a:p>
-            <a:r>
-              <a:rPr lang="en-US" altLang="zh-TW" sz="1600" dirty="0">
-                <a:solidFill>
-                  <a:srgbClr val="0070C0"/>
-                </a:solidFill>
-              </a:rPr>
-              <a:t>print(</a:t>
-            </a:r>
-            <a:r>
-              <a:rPr lang="en-US" altLang="zh-TW" sz="1600" dirty="0" err="1">
-                <a:solidFill>
-                  <a:srgbClr val="0070C0"/>
-                </a:solidFill>
-              </a:rPr>
-              <a:t>X.getAnimalName</a:t>
-            </a:r>
-            <a:r>
-              <a:rPr lang="en-US" altLang="zh-TW" sz="1600" dirty="0">
-                <a:solidFill>
-                  <a:srgbClr val="0070C0"/>
-                </a:solidFill>
-              </a:rPr>
-              <a:t>()) </a:t>
-            </a:r>
-            <a:r>
-              <a:rPr lang="zh-TW" altLang="en-US" sz="1600" dirty="0" smtClean="0">
-                <a:solidFill>
-                  <a:srgbClr val="0070C0"/>
-                </a:solidFill>
-              </a:rPr>
-              <a:t>   </a:t>
-            </a:r>
-            <a:r>
-              <a:rPr lang="en-US" altLang="zh-TW" sz="1600" b="1" i="1" dirty="0" smtClean="0">
-                <a:solidFill>
-                  <a:schemeClr val="accent5">
-                    <a:lumMod val="75000"/>
-                  </a:schemeClr>
-                </a:solidFill>
-              </a:rPr>
-              <a:t>#</a:t>
-            </a:r>
-            <a:r>
-              <a:rPr lang="zh-TW" altLang="en-US" sz="1600" b="1" i="1" dirty="0" smtClean="0">
-                <a:solidFill>
-                  <a:srgbClr val="FF0000"/>
-                </a:solidFill>
-              </a:rPr>
-              <a:t>透過繼承取得父類別 </a:t>
-            </a:r>
-            <a:r>
-              <a:rPr lang="en-US" altLang="zh-TW" sz="1600" b="1" i="1" dirty="0" smtClean="0">
-                <a:solidFill>
-                  <a:srgbClr val="FF0000"/>
-                </a:solidFill>
-              </a:rPr>
-              <a:t>Method</a:t>
-            </a:r>
-          </a:p>
-          <a:p>
-            <a:r>
-              <a:rPr lang="en-US" altLang="zh-TW" sz="1600" dirty="0" smtClean="0">
-                <a:solidFill>
-                  <a:srgbClr val="0070C0"/>
-                </a:solidFill>
-              </a:rPr>
-              <a:t>print(</a:t>
-            </a:r>
-            <a:r>
-              <a:rPr lang="en-US" altLang="zh-TW" sz="1600" dirty="0" err="1" smtClean="0">
-                <a:solidFill>
-                  <a:srgbClr val="0070C0"/>
-                </a:solidFill>
-              </a:rPr>
-              <a:t>X.getAnimalSpecies</a:t>
-            </a:r>
-            <a:r>
-              <a:rPr lang="en-US" altLang="zh-TW" sz="1600" dirty="0" smtClean="0">
-                <a:solidFill>
-                  <a:srgbClr val="0070C0"/>
-                </a:solidFill>
-              </a:rPr>
-              <a:t>())</a:t>
-            </a:r>
-            <a:r>
-              <a:rPr lang="en-US" altLang="zh-TW" sz="1600" dirty="0">
-                <a:solidFill>
-                  <a:schemeClr val="accent5">
-                    <a:lumMod val="75000"/>
-                  </a:schemeClr>
-                </a:solidFill>
-              </a:rPr>
-              <a:t> </a:t>
-            </a:r>
-            <a:endParaRPr lang="en-US" altLang="zh-TW" sz="1600" dirty="0" smtClean="0">
-              <a:solidFill>
-                <a:schemeClr val="accent5">
-                  <a:lumMod val="75000"/>
-                </a:schemeClr>
-              </a:solidFill>
-            </a:endParaRPr>
-          </a:p>
-          <a:p>
-            <a:r>
-              <a:rPr lang="en-US" altLang="zh-TW" sz="1600" dirty="0" smtClean="0">
-                <a:solidFill>
-                  <a:srgbClr val="0070C0"/>
-                </a:solidFill>
-              </a:rPr>
-              <a:t>print(</a:t>
-            </a:r>
-            <a:r>
-              <a:rPr lang="en-US" altLang="zh-TW" sz="1600" dirty="0" err="1" smtClean="0">
-                <a:solidFill>
-                  <a:srgbClr val="0070C0"/>
-                </a:solidFill>
-              </a:rPr>
-              <a:t>X.update</a:t>
-            </a:r>
-            <a:r>
-              <a:rPr lang="en-US" altLang="zh-TW" sz="1600" dirty="0" smtClean="0">
-                <a:solidFill>
-                  <a:srgbClr val="0070C0"/>
-                </a:solidFill>
-              </a:rPr>
-              <a:t>())</a:t>
-            </a:r>
-            <a:r>
-              <a:rPr lang="zh-TW" altLang="en-US" sz="1600" dirty="0" smtClean="0">
-                <a:solidFill>
-                  <a:srgbClr val="0070C0"/>
-                </a:solidFill>
-              </a:rPr>
-              <a:t>              </a:t>
-            </a:r>
-            <a:r>
-              <a:rPr lang="en-US" altLang="zh-TW" sz="1600" b="1" i="1" dirty="0" smtClean="0">
-                <a:solidFill>
-                  <a:schemeClr val="accent5">
-                    <a:lumMod val="75000"/>
-                  </a:schemeClr>
-                </a:solidFill>
-              </a:rPr>
-              <a:t>#</a:t>
-            </a:r>
-            <a:r>
-              <a:rPr lang="zh-TW" altLang="en-US" sz="1600" b="1" i="1" dirty="0" smtClean="0">
-                <a:solidFill>
-                  <a:srgbClr val="FF0000"/>
-                </a:solidFill>
-              </a:rPr>
-              <a:t>依然</a:t>
-            </a:r>
-            <a:r>
-              <a:rPr lang="zh-TW" altLang="en-US" sz="1600" b="1" i="1" dirty="0">
-                <a:solidFill>
-                  <a:srgbClr val="FF0000"/>
-                </a:solidFill>
-              </a:rPr>
-              <a:t>可使用自己類別的 </a:t>
-            </a:r>
-            <a:r>
-              <a:rPr lang="en-US" altLang="zh-TW" sz="1600" b="1" i="1" dirty="0">
-                <a:solidFill>
-                  <a:srgbClr val="FF0000"/>
-                </a:solidFill>
-              </a:rPr>
-              <a:t>Method</a:t>
-            </a:r>
-          </a:p>
-        </p:txBody>
-      </p:sp>
-      <p:pic>
-        <p:nvPicPr>
-          <p:cNvPr id="3" name="圖片 2"/>
-          <p:cNvPicPr>
-            <a:picLocks noChangeAspect="1"/>
-          </p:cNvPicPr>
-          <p:nvPr/>
-        </p:nvPicPr>
-        <p:blipFill>
-          <a:blip r:embed="rId2"/>
-          <a:stretch>
-            <a:fillRect/>
-          </a:stretch>
-        </p:blipFill>
-        <p:spPr>
-          <a:xfrm>
-            <a:off x="6349041" y="1939331"/>
-            <a:ext cx="5339773" cy="1636382"/>
-          </a:xfrm>
-          <a:prstGeom prst="rect">
-            <a:avLst/>
-          </a:prstGeom>
-          <a:effectLst>
-            <a:softEdge rad="31750"/>
-          </a:effectLst>
-        </p:spPr>
-      </p:pic>
-    </p:spTree>
-    <p:extLst>
-      <p:ext uri="{BB962C8B-B14F-4D97-AF65-F5344CB8AC3E}">
-        <p14:creationId xmlns:p14="http://schemas.microsoft.com/office/powerpoint/2010/main" val="3562694514"/>
       </p:ext>
     </p:extLst>
   </p:cSld>
@@ -39395,6 +39256,1387 @@
         </p:nvSpPr>
         <p:spPr>
           <a:xfrm>
+            <a:off x="982724" y="0"/>
+            <a:ext cx="8596668" cy="796505"/>
+          </a:xfrm>
+          <a:prstGeom prst="rect">
+            <a:avLst/>
+          </a:prstGeom>
+        </p:spPr>
+        <p:txBody>
+          <a:bodyPr vert="horz" lIns="91440" tIns="45720" rIns="91440" bIns="45720" rtlCol="0" anchor="b">
+            <a:noAutofit/>
+          </a:bodyPr>
+          <a:lstStyle>
+            <a:lvl1pPr algn="r" defTabSz="457200" rtl="0" eaLnBrk="1" latinLnBrk="0" hangingPunct="1">
+              <a:spcBef>
+                <a:spcPct val="0"/>
+              </a:spcBef>
+              <a:buNone/>
+              <a:defRPr sz="5400" kern="1200">
+                <a:solidFill>
+                  <a:schemeClr val="accent1"/>
+                </a:solidFill>
+                <a:latin typeface="+mj-lt"/>
+                <a:ea typeface="+mj-ea"/>
+                <a:cs typeface="+mj-cs"/>
+              </a:defRPr>
+            </a:lvl1pPr>
+            <a:lvl2pPr eaLnBrk="1" hangingPunct="1">
+              <a:defRPr>
+                <a:solidFill>
+                  <a:schemeClr val="tx2"/>
+                </a:solidFill>
+              </a:defRPr>
+            </a:lvl2pPr>
+            <a:lvl3pPr eaLnBrk="1" hangingPunct="1">
+              <a:defRPr>
+                <a:solidFill>
+                  <a:schemeClr val="tx2"/>
+                </a:solidFill>
+              </a:defRPr>
+            </a:lvl3pPr>
+            <a:lvl4pPr eaLnBrk="1" hangingPunct="1">
+              <a:defRPr>
+                <a:solidFill>
+                  <a:schemeClr val="tx2"/>
+                </a:solidFill>
+              </a:defRPr>
+            </a:lvl4pPr>
+            <a:lvl5pPr eaLnBrk="1" hangingPunct="1">
+              <a:defRPr>
+                <a:solidFill>
+                  <a:schemeClr val="tx2"/>
+                </a:solidFill>
+              </a:defRPr>
+            </a:lvl5pPr>
+            <a:lvl6pPr eaLnBrk="1" hangingPunct="1">
+              <a:defRPr>
+                <a:solidFill>
+                  <a:schemeClr val="tx2"/>
+                </a:solidFill>
+              </a:defRPr>
+            </a:lvl6pPr>
+            <a:lvl7pPr eaLnBrk="1" hangingPunct="1">
+              <a:defRPr>
+                <a:solidFill>
+                  <a:schemeClr val="tx2"/>
+                </a:solidFill>
+              </a:defRPr>
+            </a:lvl7pPr>
+            <a:lvl8pPr eaLnBrk="1" hangingPunct="1">
+              <a:defRPr>
+                <a:solidFill>
+                  <a:schemeClr val="tx2"/>
+                </a:solidFill>
+              </a:defRPr>
+            </a:lvl8pPr>
+            <a:lvl9pPr eaLnBrk="1" hangingPunct="1">
+              <a:defRPr>
+                <a:solidFill>
+                  <a:schemeClr val="tx2"/>
+                </a:solidFill>
+              </a:defRPr>
+            </a:lvl9pPr>
+          </a:lstStyle>
+          <a:p>
+            <a:pPr lvl="1" algn="ctr"/>
+            <a:r>
+              <a:rPr lang="en-US" altLang="zh-TW" sz="4000" smtClean="0"/>
+              <a:t>Inheritance</a:t>
+            </a:r>
+            <a:r>
+              <a:rPr lang="zh-TW" altLang="en-US" sz="4000" smtClean="0"/>
+              <a:t> </a:t>
+            </a:r>
+            <a:r>
+              <a:rPr lang="en-US" altLang="zh-TW" sz="4000" smtClean="0"/>
+              <a:t>(</a:t>
+            </a:r>
+            <a:r>
+              <a:rPr lang="zh-TW" altLang="en-US" sz="4000" smtClean="0"/>
+              <a:t>繼承</a:t>
+            </a:r>
+            <a:r>
+              <a:rPr lang="en-US" altLang="zh-TW" sz="4000" smtClean="0"/>
+              <a:t>)</a:t>
+            </a:r>
+            <a:endParaRPr lang="en-US" altLang="zh-TW" sz="4000">
+              <a:solidFill>
+                <a:schemeClr val="tx1"/>
+              </a:solidFill>
+            </a:endParaRPr>
+          </a:p>
+        </p:txBody>
+      </p:sp>
+      <p:sp>
+        <p:nvSpPr>
+          <p:cNvPr id="8" name="文字方塊 7"/>
+          <p:cNvSpPr txBox="1"/>
+          <p:nvPr/>
+        </p:nvSpPr>
+        <p:spPr>
+          <a:xfrm>
+            <a:off x="744896" y="1047113"/>
+            <a:ext cx="5604145" cy="5509200"/>
+          </a:xfrm>
+          <a:prstGeom prst="rect">
+            <a:avLst/>
+          </a:prstGeom>
+          <a:solidFill>
+            <a:schemeClr val="bg1">
+              <a:lumMod val="85000"/>
+            </a:schemeClr>
+          </a:solidFill>
+          <a:effectLst>
+            <a:softEdge rad="76200"/>
+          </a:effectLst>
+        </p:spPr>
+        <p:txBody>
+          <a:bodyPr wrap="square" rtlCol="0">
+            <a:spAutoFit/>
+          </a:bodyPr>
+          <a:lstStyle/>
+          <a:p>
+            <a:r>
+              <a:rPr lang="en-US" altLang="zh-TW" sz="1600" dirty="0" smtClean="0">
+                <a:solidFill>
+                  <a:schemeClr val="accent5">
+                    <a:lumMod val="75000"/>
+                  </a:schemeClr>
+                </a:solidFill>
+              </a:rPr>
+              <a:t># Animal Class </a:t>
+            </a:r>
+          </a:p>
+          <a:p>
+            <a:endParaRPr lang="en-US" altLang="zh-TW" sz="1600" dirty="0" smtClean="0"/>
+          </a:p>
+          <a:p>
+            <a:r>
+              <a:rPr lang="en-US" altLang="zh-TW" sz="1600" dirty="0" smtClean="0"/>
+              <a:t>class </a:t>
+            </a:r>
+            <a:r>
+              <a:rPr lang="en-US" altLang="zh-TW" sz="1600" dirty="0" err="1" smtClean="0"/>
+              <a:t>baseAnimal</a:t>
+            </a:r>
+            <a:r>
+              <a:rPr lang="en-US" altLang="zh-TW" sz="1600" dirty="0" smtClean="0"/>
+              <a:t>:</a:t>
+            </a:r>
+          </a:p>
+          <a:p>
+            <a:r>
+              <a:rPr lang="en-US" altLang="zh-TW" sz="1600" dirty="0" smtClean="0"/>
+              <a:t>    </a:t>
+            </a:r>
+          </a:p>
+          <a:p>
+            <a:r>
+              <a:rPr lang="en-US" altLang="zh-TW" sz="1600" dirty="0" smtClean="0"/>
+              <a:t>    </a:t>
+            </a:r>
+            <a:r>
+              <a:rPr lang="en-US" altLang="zh-TW" sz="1600" dirty="0" err="1" smtClean="0"/>
+              <a:t>def</a:t>
+            </a:r>
+            <a:r>
+              <a:rPr lang="en-US" altLang="zh-TW" sz="1600" dirty="0" smtClean="0"/>
+              <a:t> __</a:t>
+            </a:r>
+            <a:r>
+              <a:rPr lang="en-US" altLang="zh-TW" sz="1600" dirty="0" err="1" smtClean="0"/>
+              <a:t>init</a:t>
+            </a:r>
+            <a:r>
+              <a:rPr lang="en-US" altLang="zh-TW" sz="1600" dirty="0" smtClean="0"/>
+              <a:t>__(self, name, species):</a:t>
+            </a:r>
+          </a:p>
+          <a:p>
+            <a:r>
+              <a:rPr lang="en-US" altLang="zh-TW" sz="1600" dirty="0" smtClean="0"/>
+              <a:t>        </a:t>
+            </a:r>
+            <a:r>
+              <a:rPr lang="en-US" altLang="zh-TW" sz="1600" dirty="0" err="1" smtClean="0"/>
+              <a:t>self.__name</a:t>
+            </a:r>
+            <a:r>
+              <a:rPr lang="en-US" altLang="zh-TW" sz="1600" dirty="0" smtClean="0"/>
+              <a:t> = name</a:t>
+            </a:r>
+          </a:p>
+          <a:p>
+            <a:r>
+              <a:rPr lang="en-US" altLang="zh-TW" sz="1600" dirty="0" smtClean="0"/>
+              <a:t>        </a:t>
+            </a:r>
+            <a:r>
+              <a:rPr lang="en-US" altLang="zh-TW" sz="1600" dirty="0" err="1" smtClean="0"/>
+              <a:t>self.__species</a:t>
+            </a:r>
+            <a:r>
+              <a:rPr lang="en-US" altLang="zh-TW" sz="1600" dirty="0" smtClean="0"/>
+              <a:t> = species</a:t>
+            </a:r>
+          </a:p>
+          <a:p>
+            <a:r>
+              <a:rPr lang="en-US" altLang="zh-TW" sz="1600" dirty="0" smtClean="0"/>
+              <a:t>     </a:t>
+            </a:r>
+          </a:p>
+          <a:p>
+            <a:r>
+              <a:rPr lang="en-US" altLang="zh-TW" sz="1600" dirty="0" smtClean="0"/>
+              <a:t>    </a:t>
+            </a:r>
+            <a:r>
+              <a:rPr lang="en-US" altLang="zh-TW" sz="1600" dirty="0" err="1" smtClean="0"/>
+              <a:t>def</a:t>
+            </a:r>
+            <a:r>
+              <a:rPr lang="en-US" altLang="zh-TW" sz="1600" dirty="0" smtClean="0"/>
+              <a:t> </a:t>
+            </a:r>
+            <a:r>
+              <a:rPr lang="en-US" altLang="zh-TW" sz="1600" dirty="0" err="1" smtClean="0"/>
+              <a:t>getAnimalName</a:t>
+            </a:r>
+            <a:r>
+              <a:rPr lang="en-US" altLang="zh-TW" sz="1600" dirty="0" smtClean="0"/>
+              <a:t>(self):</a:t>
+            </a:r>
+          </a:p>
+          <a:p>
+            <a:r>
+              <a:rPr lang="en-US" altLang="zh-TW" sz="1600" dirty="0" smtClean="0"/>
+              <a:t>        return </a:t>
+            </a:r>
+            <a:r>
+              <a:rPr lang="en-US" altLang="zh-TW" sz="1600" dirty="0" err="1" smtClean="0"/>
+              <a:t>self.__name</a:t>
+            </a:r>
+            <a:endParaRPr lang="en-US" altLang="zh-TW" sz="1600" dirty="0" smtClean="0"/>
+          </a:p>
+          <a:p>
+            <a:r>
+              <a:rPr lang="en-US" altLang="zh-TW" sz="1600" dirty="0" smtClean="0"/>
+              <a:t>    </a:t>
+            </a:r>
+          </a:p>
+          <a:p>
+            <a:r>
+              <a:rPr lang="en-US" altLang="zh-TW" sz="1600" dirty="0" smtClean="0"/>
+              <a:t>    </a:t>
+            </a:r>
+            <a:r>
+              <a:rPr lang="en-US" altLang="zh-TW" sz="1600" dirty="0" err="1" smtClean="0"/>
+              <a:t>def</a:t>
+            </a:r>
+            <a:r>
+              <a:rPr lang="en-US" altLang="zh-TW" sz="1600" dirty="0" smtClean="0"/>
+              <a:t> </a:t>
+            </a:r>
+            <a:r>
+              <a:rPr lang="en-US" altLang="zh-TW" sz="1600" dirty="0" err="1" smtClean="0"/>
+              <a:t>getAnimalSpecies</a:t>
+            </a:r>
+            <a:r>
+              <a:rPr lang="en-US" altLang="zh-TW" sz="1600" dirty="0" smtClean="0"/>
+              <a:t>(self):</a:t>
+            </a:r>
+          </a:p>
+          <a:p>
+            <a:r>
+              <a:rPr lang="en-US" altLang="zh-TW" sz="1600" dirty="0" smtClean="0"/>
+              <a:t>        return </a:t>
+            </a:r>
+            <a:r>
+              <a:rPr lang="en-US" altLang="zh-TW" sz="1600" dirty="0" err="1" smtClean="0"/>
+              <a:t>self.__species</a:t>
+            </a:r>
+            <a:endParaRPr lang="en-US" altLang="zh-TW" sz="1600" dirty="0" smtClean="0"/>
+          </a:p>
+          <a:p>
+            <a:endParaRPr lang="en-US" altLang="zh-TW" sz="1600" dirty="0" smtClean="0"/>
+          </a:p>
+          <a:p>
+            <a:r>
+              <a:rPr lang="en-US" altLang="zh-TW" sz="1600" dirty="0" smtClean="0">
+                <a:solidFill>
+                  <a:srgbClr val="0070C0"/>
+                </a:solidFill>
+              </a:rPr>
+              <a:t>class cat(</a:t>
+            </a:r>
+            <a:r>
+              <a:rPr lang="en-US" altLang="zh-TW" sz="1600" dirty="0" err="1" smtClean="0">
+                <a:solidFill>
+                  <a:srgbClr val="0070C0"/>
+                </a:solidFill>
+              </a:rPr>
+              <a:t>baseAnimal</a:t>
+            </a:r>
+            <a:r>
+              <a:rPr lang="en-US" altLang="zh-TW" sz="1600" dirty="0" smtClean="0">
+                <a:solidFill>
+                  <a:srgbClr val="0070C0"/>
+                </a:solidFill>
+              </a:rPr>
+              <a:t>):</a:t>
+            </a:r>
+            <a:r>
+              <a:rPr lang="zh-TW" altLang="en-US" sz="1600" dirty="0" smtClean="0">
+                <a:solidFill>
+                  <a:srgbClr val="0070C0"/>
+                </a:solidFill>
+              </a:rPr>
+              <a:t> </a:t>
+            </a:r>
+            <a:endParaRPr lang="en-US" altLang="zh-TW" sz="1600" dirty="0" smtClean="0">
+              <a:solidFill>
+                <a:srgbClr val="0070C0"/>
+              </a:solidFill>
+            </a:endParaRPr>
+          </a:p>
+          <a:p>
+            <a:r>
+              <a:rPr lang="en-US" altLang="zh-TW" sz="1600" dirty="0"/>
+              <a:t>    </a:t>
+            </a:r>
+            <a:r>
+              <a:rPr lang="en-US" altLang="zh-TW" sz="1600" dirty="0" err="1"/>
+              <a:t>def</a:t>
+            </a:r>
+            <a:r>
+              <a:rPr lang="en-US" altLang="zh-TW" sz="1600" dirty="0"/>
+              <a:t> update(self):</a:t>
+            </a:r>
+          </a:p>
+          <a:p>
+            <a:r>
+              <a:rPr lang="en-US" altLang="zh-TW" sz="1600" dirty="0"/>
+              <a:t>        return "</a:t>
+            </a:r>
+            <a:r>
+              <a:rPr lang="zh-TW" altLang="en-US" sz="1600" dirty="0"/>
+              <a:t>喵喵叫</a:t>
+            </a:r>
+            <a:r>
+              <a:rPr lang="en-US" altLang="zh-TW" sz="1600" dirty="0"/>
+              <a:t>"</a:t>
+            </a:r>
+          </a:p>
+          <a:p>
+            <a:endParaRPr lang="en-US" altLang="zh-TW" sz="1600" dirty="0"/>
+          </a:p>
+          <a:p>
+            <a:r>
+              <a:rPr lang="en-US" altLang="zh-TW" sz="1600" dirty="0"/>
+              <a:t>X = cat("</a:t>
+            </a:r>
+            <a:r>
+              <a:rPr lang="en-US" altLang="zh-TW" sz="1600" dirty="0" err="1"/>
+              <a:t>LaLa</a:t>
+            </a:r>
+            <a:r>
+              <a:rPr lang="en-US" altLang="zh-TW" sz="1600" dirty="0"/>
+              <a:t>","Cat")</a:t>
+            </a:r>
+          </a:p>
+          <a:p>
+            <a:r>
+              <a:rPr lang="en-US" altLang="zh-TW" sz="1600" dirty="0">
+                <a:solidFill>
+                  <a:srgbClr val="0070C0"/>
+                </a:solidFill>
+              </a:rPr>
+              <a:t>print(</a:t>
+            </a:r>
+            <a:r>
+              <a:rPr lang="en-US" altLang="zh-TW" sz="1600" dirty="0" err="1">
+                <a:solidFill>
+                  <a:srgbClr val="0070C0"/>
+                </a:solidFill>
+              </a:rPr>
+              <a:t>X.getAnimalName</a:t>
+            </a:r>
+            <a:r>
+              <a:rPr lang="en-US" altLang="zh-TW" sz="1600" dirty="0">
+                <a:solidFill>
+                  <a:srgbClr val="0070C0"/>
+                </a:solidFill>
+              </a:rPr>
+              <a:t>()) </a:t>
+            </a:r>
+            <a:r>
+              <a:rPr lang="zh-TW" altLang="en-US" sz="1600" dirty="0" smtClean="0">
+                <a:solidFill>
+                  <a:srgbClr val="0070C0"/>
+                </a:solidFill>
+              </a:rPr>
+              <a:t>   </a:t>
+            </a:r>
+            <a:r>
+              <a:rPr lang="en-US" altLang="zh-TW" sz="1600" b="1" i="1" dirty="0" smtClean="0">
+                <a:solidFill>
+                  <a:schemeClr val="accent5">
+                    <a:lumMod val="75000"/>
+                  </a:schemeClr>
+                </a:solidFill>
+              </a:rPr>
+              <a:t>#</a:t>
+            </a:r>
+            <a:r>
+              <a:rPr lang="zh-TW" altLang="en-US" sz="1600" b="1" i="1" dirty="0" smtClean="0">
+                <a:solidFill>
+                  <a:srgbClr val="FF0000"/>
+                </a:solidFill>
+              </a:rPr>
+              <a:t>透過繼承取得父類別 </a:t>
+            </a:r>
+            <a:r>
+              <a:rPr lang="en-US" altLang="zh-TW" sz="1600" b="1" i="1" dirty="0" smtClean="0">
+                <a:solidFill>
+                  <a:srgbClr val="FF0000"/>
+                </a:solidFill>
+              </a:rPr>
+              <a:t>Method</a:t>
+            </a:r>
+          </a:p>
+          <a:p>
+            <a:r>
+              <a:rPr lang="en-US" altLang="zh-TW" sz="1600" dirty="0" smtClean="0">
+                <a:solidFill>
+                  <a:srgbClr val="0070C0"/>
+                </a:solidFill>
+              </a:rPr>
+              <a:t>print(</a:t>
+            </a:r>
+            <a:r>
+              <a:rPr lang="en-US" altLang="zh-TW" sz="1600" dirty="0" err="1" smtClean="0">
+                <a:solidFill>
+                  <a:srgbClr val="0070C0"/>
+                </a:solidFill>
+              </a:rPr>
+              <a:t>X.getAnimalSpecies</a:t>
+            </a:r>
+            <a:r>
+              <a:rPr lang="en-US" altLang="zh-TW" sz="1600" dirty="0" smtClean="0">
+                <a:solidFill>
+                  <a:srgbClr val="0070C0"/>
+                </a:solidFill>
+              </a:rPr>
+              <a:t>())</a:t>
+            </a:r>
+            <a:r>
+              <a:rPr lang="en-US" altLang="zh-TW" sz="1600" dirty="0">
+                <a:solidFill>
+                  <a:schemeClr val="accent5">
+                    <a:lumMod val="75000"/>
+                  </a:schemeClr>
+                </a:solidFill>
+              </a:rPr>
+              <a:t> </a:t>
+            </a:r>
+            <a:endParaRPr lang="en-US" altLang="zh-TW" sz="1600" dirty="0" smtClean="0">
+              <a:solidFill>
+                <a:schemeClr val="accent5">
+                  <a:lumMod val="75000"/>
+                </a:schemeClr>
+              </a:solidFill>
+            </a:endParaRPr>
+          </a:p>
+          <a:p>
+            <a:r>
+              <a:rPr lang="en-US" altLang="zh-TW" sz="1600" dirty="0" smtClean="0">
+                <a:solidFill>
+                  <a:srgbClr val="0070C0"/>
+                </a:solidFill>
+              </a:rPr>
+              <a:t>print(</a:t>
+            </a:r>
+            <a:r>
+              <a:rPr lang="en-US" altLang="zh-TW" sz="1600" dirty="0" err="1" smtClean="0">
+                <a:solidFill>
+                  <a:srgbClr val="0070C0"/>
+                </a:solidFill>
+              </a:rPr>
+              <a:t>X.update</a:t>
+            </a:r>
+            <a:r>
+              <a:rPr lang="en-US" altLang="zh-TW" sz="1600" dirty="0" smtClean="0">
+                <a:solidFill>
+                  <a:srgbClr val="0070C0"/>
+                </a:solidFill>
+              </a:rPr>
+              <a:t>())</a:t>
+            </a:r>
+            <a:r>
+              <a:rPr lang="zh-TW" altLang="en-US" sz="1600" dirty="0" smtClean="0">
+                <a:solidFill>
+                  <a:srgbClr val="0070C0"/>
+                </a:solidFill>
+              </a:rPr>
+              <a:t>              </a:t>
+            </a:r>
+            <a:r>
+              <a:rPr lang="en-US" altLang="zh-TW" sz="1600" b="1" i="1" dirty="0" smtClean="0">
+                <a:solidFill>
+                  <a:schemeClr val="accent5">
+                    <a:lumMod val="75000"/>
+                  </a:schemeClr>
+                </a:solidFill>
+              </a:rPr>
+              <a:t>#</a:t>
+            </a:r>
+            <a:r>
+              <a:rPr lang="zh-TW" altLang="en-US" sz="1600" b="1" i="1" dirty="0" smtClean="0">
+                <a:solidFill>
+                  <a:srgbClr val="FF0000"/>
+                </a:solidFill>
+              </a:rPr>
+              <a:t>依然</a:t>
+            </a:r>
+            <a:r>
+              <a:rPr lang="zh-TW" altLang="en-US" sz="1600" b="1" i="1" dirty="0">
+                <a:solidFill>
+                  <a:srgbClr val="FF0000"/>
+                </a:solidFill>
+              </a:rPr>
+              <a:t>可使用自己類別的 </a:t>
+            </a:r>
+            <a:r>
+              <a:rPr lang="en-US" altLang="zh-TW" sz="1600" b="1" i="1" dirty="0">
+                <a:solidFill>
+                  <a:srgbClr val="FF0000"/>
+                </a:solidFill>
+              </a:rPr>
+              <a:t>Method</a:t>
+            </a:r>
+          </a:p>
+        </p:txBody>
+      </p:sp>
+      <p:pic>
+        <p:nvPicPr>
+          <p:cNvPr id="3" name="圖片 2"/>
+          <p:cNvPicPr>
+            <a:picLocks noChangeAspect="1"/>
+          </p:cNvPicPr>
+          <p:nvPr/>
+        </p:nvPicPr>
+        <p:blipFill>
+          <a:blip r:embed="rId2"/>
+          <a:stretch>
+            <a:fillRect/>
+          </a:stretch>
+        </p:blipFill>
+        <p:spPr>
+          <a:xfrm>
+            <a:off x="6349041" y="1939331"/>
+            <a:ext cx="5339773" cy="1636382"/>
+          </a:xfrm>
+          <a:prstGeom prst="rect">
+            <a:avLst/>
+          </a:prstGeom>
+          <a:effectLst>
+            <a:softEdge rad="31750"/>
+          </a:effectLst>
+        </p:spPr>
+      </p:pic>
+    </p:spTree>
+    <p:extLst>
+      <p:ext uri="{BB962C8B-B14F-4D97-AF65-F5344CB8AC3E}">
+        <p14:creationId xmlns:p14="http://schemas.microsoft.com/office/powerpoint/2010/main" val="3562694514"/>
+      </p:ext>
+    </p:extLst>
+  </p:cSld>
+  <p:clrMapOvr>
+    <a:masterClrMapping/>
+  </p:clrMapOvr>
+  <mc:AlternateContent xmlns:mc="http://schemas.openxmlformats.org/markup-compatibility/2006" xmlns:p14="http://schemas.microsoft.com/office/powerpoint/2010/main">
+    <mc:Choice Requires="p14">
+      <p:transition spd="slow" p14:dur="2000"/>
+    </mc:Choice>
+    <mc:Fallback xmlns="">
+      <p:transition spd="slow"/>
+    </mc:Fallback>
+  </mc:AlternateContent>
+  <p:timing>
+    <p:tnLst>
+      <p:par>
+        <p:cTn id="1" dur="indefinite" restart="never" nodeType="tmRoot"/>
+      </p:par>
+    </p:tnLst>
+  </p:timing>
+</p:sld>
+</file>
+
+<file path=ppt/slides/slide91.xml><?xml version="1.0" encoding="utf-8"?>
+<p:sld xmlns:a="http://schemas.openxmlformats.org/drawingml/2006/main" xmlns:r="http://schemas.openxmlformats.org/officeDocument/2006/relationships" xmlns:p="http://schemas.openxmlformats.org/presentationml/2006/main">
+  <p:cSld>
+    <p:spTree>
+      <p:nvGrpSpPr>
+        <p:cNvPr id="1" name=""/>
+        <p:cNvGrpSpPr/>
+        <p:nvPr/>
+      </p:nvGrpSpPr>
+      <p:grpSpPr>
+        <a:xfrm>
+          <a:off x="0" y="0"/>
+          <a:ext cx="0" cy="0"/>
+          <a:chOff x="0" y="0"/>
+          <a:chExt cx="0" cy="0"/>
+        </a:xfrm>
+      </p:grpSpPr>
+      <p:sp>
+        <p:nvSpPr>
+          <p:cNvPr id="5" name="標題 1"/>
+          <p:cNvSpPr txBox="1">
+            <a:spLocks/>
+          </p:cNvSpPr>
+          <p:nvPr/>
+        </p:nvSpPr>
+        <p:spPr>
+          <a:xfrm>
+            <a:off x="982724" y="0"/>
+            <a:ext cx="8596668" cy="796505"/>
+          </a:xfrm>
+          <a:prstGeom prst="rect">
+            <a:avLst/>
+          </a:prstGeom>
+        </p:spPr>
+        <p:txBody>
+          <a:bodyPr vert="horz" lIns="91440" tIns="45720" rIns="91440" bIns="45720" rtlCol="0" anchor="b">
+            <a:noAutofit/>
+          </a:bodyPr>
+          <a:lstStyle>
+            <a:lvl1pPr algn="r" defTabSz="457200" rtl="0" eaLnBrk="1" latinLnBrk="0" hangingPunct="1">
+              <a:spcBef>
+                <a:spcPct val="0"/>
+              </a:spcBef>
+              <a:buNone/>
+              <a:defRPr sz="5400" kern="1200">
+                <a:solidFill>
+                  <a:schemeClr val="accent1"/>
+                </a:solidFill>
+                <a:latin typeface="+mj-lt"/>
+                <a:ea typeface="+mj-ea"/>
+                <a:cs typeface="+mj-cs"/>
+              </a:defRPr>
+            </a:lvl1pPr>
+            <a:lvl2pPr eaLnBrk="1" hangingPunct="1">
+              <a:defRPr>
+                <a:solidFill>
+                  <a:schemeClr val="tx2"/>
+                </a:solidFill>
+              </a:defRPr>
+            </a:lvl2pPr>
+            <a:lvl3pPr eaLnBrk="1" hangingPunct="1">
+              <a:defRPr>
+                <a:solidFill>
+                  <a:schemeClr val="tx2"/>
+                </a:solidFill>
+              </a:defRPr>
+            </a:lvl3pPr>
+            <a:lvl4pPr eaLnBrk="1" hangingPunct="1">
+              <a:defRPr>
+                <a:solidFill>
+                  <a:schemeClr val="tx2"/>
+                </a:solidFill>
+              </a:defRPr>
+            </a:lvl4pPr>
+            <a:lvl5pPr eaLnBrk="1" hangingPunct="1">
+              <a:defRPr>
+                <a:solidFill>
+                  <a:schemeClr val="tx2"/>
+                </a:solidFill>
+              </a:defRPr>
+            </a:lvl5pPr>
+            <a:lvl6pPr eaLnBrk="1" hangingPunct="1">
+              <a:defRPr>
+                <a:solidFill>
+                  <a:schemeClr val="tx2"/>
+                </a:solidFill>
+              </a:defRPr>
+            </a:lvl6pPr>
+            <a:lvl7pPr eaLnBrk="1" hangingPunct="1">
+              <a:defRPr>
+                <a:solidFill>
+                  <a:schemeClr val="tx2"/>
+                </a:solidFill>
+              </a:defRPr>
+            </a:lvl7pPr>
+            <a:lvl8pPr eaLnBrk="1" hangingPunct="1">
+              <a:defRPr>
+                <a:solidFill>
+                  <a:schemeClr val="tx2"/>
+                </a:solidFill>
+              </a:defRPr>
+            </a:lvl8pPr>
+            <a:lvl9pPr eaLnBrk="1" hangingPunct="1">
+              <a:defRPr>
+                <a:solidFill>
+                  <a:schemeClr val="tx2"/>
+                </a:solidFill>
+              </a:defRPr>
+            </a:lvl9pPr>
+          </a:lstStyle>
+          <a:p>
+            <a:pPr lvl="1" algn="ctr"/>
+            <a:r>
+              <a:rPr lang="en-US" altLang="zh-TW" sz="4000" dirty="0" smtClean="0"/>
+              <a:t>Inheritance</a:t>
+            </a:r>
+            <a:r>
+              <a:rPr lang="zh-TW" altLang="en-US" sz="4000" dirty="0" smtClean="0"/>
+              <a:t> </a:t>
+            </a:r>
+            <a:r>
+              <a:rPr lang="en-US" altLang="zh-TW" sz="4000" dirty="0" smtClean="0"/>
+              <a:t>(</a:t>
+            </a:r>
+            <a:r>
+              <a:rPr lang="zh-TW" altLang="en-US" sz="4000" dirty="0" smtClean="0"/>
+              <a:t>多重繼承</a:t>
+            </a:r>
+            <a:r>
+              <a:rPr lang="en-US" altLang="zh-TW" sz="4000" dirty="0" smtClean="0"/>
+              <a:t>)</a:t>
+            </a:r>
+            <a:endParaRPr lang="en-US" altLang="zh-TW" sz="4000" dirty="0">
+              <a:solidFill>
+                <a:schemeClr val="tx1"/>
+              </a:solidFill>
+            </a:endParaRPr>
+          </a:p>
+        </p:txBody>
+      </p:sp>
+      <p:sp>
+        <p:nvSpPr>
+          <p:cNvPr id="8" name="文字方塊 7"/>
+          <p:cNvSpPr txBox="1"/>
+          <p:nvPr/>
+        </p:nvSpPr>
+        <p:spPr>
+          <a:xfrm>
+            <a:off x="379136" y="796505"/>
+            <a:ext cx="6113104" cy="6093976"/>
+          </a:xfrm>
+          <a:prstGeom prst="rect">
+            <a:avLst/>
+          </a:prstGeom>
+          <a:solidFill>
+            <a:schemeClr val="bg1">
+              <a:lumMod val="85000"/>
+            </a:schemeClr>
+          </a:solidFill>
+          <a:effectLst>
+            <a:softEdge rad="76200"/>
+          </a:effectLst>
+        </p:spPr>
+        <p:txBody>
+          <a:bodyPr wrap="square" rtlCol="0">
+            <a:spAutoFit/>
+          </a:bodyPr>
+          <a:lstStyle/>
+          <a:p>
+            <a:r>
+              <a:rPr lang="en-US" altLang="zh-TW" sz="1500" dirty="0">
+                <a:solidFill>
+                  <a:schemeClr val="accent5">
+                    <a:lumMod val="75000"/>
+                  </a:schemeClr>
+                </a:solidFill>
+              </a:rPr>
+              <a:t># Animal Class </a:t>
+            </a:r>
+            <a:endParaRPr lang="en-US" altLang="zh-TW" sz="1500" dirty="0" smtClean="0">
+              <a:solidFill>
+                <a:schemeClr val="accent5">
+                  <a:lumMod val="75000"/>
+                </a:schemeClr>
+              </a:solidFill>
+            </a:endParaRPr>
+          </a:p>
+          <a:p>
+            <a:endParaRPr lang="en-US" altLang="zh-TW" sz="1500" dirty="0"/>
+          </a:p>
+          <a:p>
+            <a:r>
+              <a:rPr lang="en-US" altLang="zh-TW" sz="1500" dirty="0" smtClean="0"/>
+              <a:t>class </a:t>
+            </a:r>
+            <a:r>
+              <a:rPr lang="en-US" altLang="zh-TW" sz="1500" dirty="0" err="1"/>
+              <a:t>baseAnimal</a:t>
+            </a:r>
+            <a:r>
+              <a:rPr lang="en-US" altLang="zh-TW" sz="1500" dirty="0"/>
+              <a:t>:</a:t>
+            </a:r>
+          </a:p>
+          <a:p>
+            <a:r>
+              <a:rPr lang="en-US" altLang="zh-TW" sz="1500" dirty="0"/>
+              <a:t>    </a:t>
+            </a:r>
+            <a:r>
+              <a:rPr lang="en-US" altLang="zh-TW" sz="1500" dirty="0" err="1"/>
+              <a:t>def</a:t>
+            </a:r>
+            <a:r>
+              <a:rPr lang="en-US" altLang="zh-TW" sz="1500" dirty="0"/>
+              <a:t> __</a:t>
+            </a:r>
+            <a:r>
+              <a:rPr lang="en-US" altLang="zh-TW" sz="1500" dirty="0" err="1"/>
+              <a:t>init</a:t>
+            </a:r>
+            <a:r>
+              <a:rPr lang="en-US" altLang="zh-TW" sz="1500" dirty="0"/>
+              <a:t>__(self, name):</a:t>
+            </a:r>
+          </a:p>
+          <a:p>
+            <a:r>
+              <a:rPr lang="en-US" altLang="zh-TW" sz="1500" dirty="0"/>
+              <a:t>        </a:t>
+            </a:r>
+            <a:r>
+              <a:rPr lang="en-US" altLang="zh-TW" sz="1500" dirty="0" err="1"/>
+              <a:t>self.__name</a:t>
+            </a:r>
+            <a:r>
+              <a:rPr lang="en-US" altLang="zh-TW" sz="1500" dirty="0"/>
+              <a:t> = name</a:t>
+            </a:r>
+          </a:p>
+          <a:p>
+            <a:r>
+              <a:rPr lang="en-US" altLang="zh-TW" sz="1500" dirty="0"/>
+              <a:t>    </a:t>
+            </a:r>
+            <a:r>
+              <a:rPr lang="en-US" altLang="zh-TW" sz="1500" dirty="0" err="1"/>
+              <a:t>def</a:t>
+            </a:r>
+            <a:r>
+              <a:rPr lang="en-US" altLang="zh-TW" sz="1500" dirty="0"/>
+              <a:t> </a:t>
+            </a:r>
+            <a:r>
+              <a:rPr lang="en-US" altLang="zh-TW" sz="1500" dirty="0" err="1"/>
+              <a:t>getAnimalName</a:t>
+            </a:r>
+            <a:r>
+              <a:rPr lang="en-US" altLang="zh-TW" sz="1500" dirty="0"/>
+              <a:t>(self):</a:t>
+            </a:r>
+          </a:p>
+          <a:p>
+            <a:r>
+              <a:rPr lang="en-US" altLang="zh-TW" sz="1500" dirty="0"/>
+              <a:t>        return </a:t>
+            </a:r>
+            <a:r>
+              <a:rPr lang="en-US" altLang="zh-TW" sz="1500" dirty="0" err="1"/>
+              <a:t>self.__name</a:t>
+            </a:r>
+            <a:endParaRPr lang="en-US" altLang="zh-TW" sz="1500" dirty="0"/>
+          </a:p>
+          <a:p>
+            <a:r>
+              <a:rPr lang="en-US" altLang="zh-TW" sz="1500" dirty="0"/>
+              <a:t>    </a:t>
+            </a:r>
+          </a:p>
+          <a:p>
+            <a:r>
+              <a:rPr lang="en-US" altLang="zh-TW" sz="1500" dirty="0"/>
+              <a:t>class baseAnimal2:</a:t>
+            </a:r>
+          </a:p>
+          <a:p>
+            <a:r>
+              <a:rPr lang="en-US" altLang="zh-TW" sz="1500" dirty="0"/>
+              <a:t>    </a:t>
+            </a:r>
+            <a:r>
+              <a:rPr lang="en-US" altLang="zh-TW" sz="1500" dirty="0" err="1"/>
+              <a:t>def</a:t>
+            </a:r>
+            <a:r>
+              <a:rPr lang="en-US" altLang="zh-TW" sz="1500" dirty="0"/>
+              <a:t> __</a:t>
+            </a:r>
+            <a:r>
+              <a:rPr lang="en-US" altLang="zh-TW" sz="1500" dirty="0" err="1"/>
+              <a:t>init</a:t>
+            </a:r>
+            <a:r>
+              <a:rPr lang="en-US" altLang="zh-TW" sz="1500" dirty="0"/>
+              <a:t>__(self, species):</a:t>
+            </a:r>
+          </a:p>
+          <a:p>
+            <a:r>
+              <a:rPr lang="en-US" altLang="zh-TW" sz="1500" dirty="0"/>
+              <a:t>        </a:t>
+            </a:r>
+            <a:r>
+              <a:rPr lang="en-US" altLang="zh-TW" sz="1500" dirty="0" err="1"/>
+              <a:t>self.__species</a:t>
+            </a:r>
+            <a:r>
+              <a:rPr lang="en-US" altLang="zh-TW" sz="1500" dirty="0"/>
+              <a:t> = species    </a:t>
+            </a:r>
+          </a:p>
+          <a:p>
+            <a:r>
+              <a:rPr lang="en-US" altLang="zh-TW" sz="1500" dirty="0"/>
+              <a:t>    </a:t>
+            </a:r>
+            <a:r>
+              <a:rPr lang="en-US" altLang="zh-TW" sz="1500" dirty="0" err="1"/>
+              <a:t>def</a:t>
+            </a:r>
+            <a:r>
+              <a:rPr lang="en-US" altLang="zh-TW" sz="1500" dirty="0"/>
+              <a:t> </a:t>
+            </a:r>
+            <a:r>
+              <a:rPr lang="en-US" altLang="zh-TW" sz="1500" dirty="0" err="1"/>
+              <a:t>getAnimalSpecies</a:t>
+            </a:r>
+            <a:r>
+              <a:rPr lang="en-US" altLang="zh-TW" sz="1500" dirty="0"/>
+              <a:t>(self):</a:t>
+            </a:r>
+          </a:p>
+          <a:p>
+            <a:r>
+              <a:rPr lang="en-US" altLang="zh-TW" sz="1500" dirty="0"/>
+              <a:t>        return </a:t>
+            </a:r>
+            <a:r>
+              <a:rPr lang="en-US" altLang="zh-TW" sz="1500" dirty="0" err="1"/>
+              <a:t>self.__species</a:t>
+            </a:r>
+            <a:endParaRPr lang="en-US" altLang="zh-TW" sz="1500" dirty="0"/>
+          </a:p>
+          <a:p>
+            <a:r>
+              <a:rPr lang="en-US" altLang="zh-TW" sz="1500" dirty="0"/>
+              <a:t/>
+            </a:r>
+            <a:br>
+              <a:rPr lang="en-US" altLang="zh-TW" sz="1500" dirty="0"/>
+            </a:br>
+            <a:r>
+              <a:rPr lang="en-US" altLang="zh-TW" sz="1500" dirty="0">
+                <a:solidFill>
+                  <a:srgbClr val="0070C0"/>
+                </a:solidFill>
+              </a:rPr>
+              <a:t>class cat(</a:t>
+            </a:r>
+            <a:r>
+              <a:rPr lang="en-US" altLang="zh-TW" sz="1500" dirty="0" err="1">
+                <a:solidFill>
+                  <a:srgbClr val="0070C0"/>
+                </a:solidFill>
+              </a:rPr>
+              <a:t>baseAnimal</a:t>
+            </a:r>
+            <a:r>
+              <a:rPr lang="en-US" altLang="zh-TW" sz="1500" dirty="0">
+                <a:solidFill>
+                  <a:srgbClr val="0070C0"/>
+                </a:solidFill>
+              </a:rPr>
+              <a:t>, baseAnimal2):</a:t>
+            </a:r>
+          </a:p>
+          <a:p>
+            <a:r>
+              <a:rPr lang="en-US" altLang="zh-TW" sz="1500" dirty="0"/>
+              <a:t>    </a:t>
+            </a:r>
+            <a:r>
+              <a:rPr lang="en-US" altLang="zh-TW" sz="1500" dirty="0" err="1"/>
+              <a:t>def</a:t>
+            </a:r>
+            <a:r>
+              <a:rPr lang="en-US" altLang="zh-TW" sz="1500" dirty="0"/>
+              <a:t> __</a:t>
+            </a:r>
+            <a:r>
+              <a:rPr lang="en-US" altLang="zh-TW" sz="1500" dirty="0" err="1"/>
+              <a:t>init</a:t>
+            </a:r>
+            <a:r>
+              <a:rPr lang="en-US" altLang="zh-TW" sz="1500" dirty="0"/>
+              <a:t>__(self, name, specie):</a:t>
+            </a:r>
+          </a:p>
+          <a:p>
+            <a:r>
+              <a:rPr lang="en-US" altLang="zh-TW" sz="1500" dirty="0"/>
+              <a:t>        </a:t>
+            </a:r>
+            <a:r>
+              <a:rPr lang="en-US" altLang="zh-TW" sz="1500" dirty="0" err="1"/>
+              <a:t>baseAnimal</a:t>
+            </a:r>
+            <a:r>
+              <a:rPr lang="en-US" altLang="zh-TW" sz="1500" dirty="0"/>
+              <a:t>.__</a:t>
+            </a:r>
+            <a:r>
+              <a:rPr lang="en-US" altLang="zh-TW" sz="1500" dirty="0" err="1"/>
+              <a:t>init</a:t>
+            </a:r>
+            <a:r>
+              <a:rPr lang="en-US" altLang="zh-TW" sz="1500" dirty="0"/>
+              <a:t>__(</a:t>
+            </a:r>
+            <a:r>
+              <a:rPr lang="en-US" altLang="zh-TW" sz="1500" dirty="0" err="1"/>
+              <a:t>self,name</a:t>
+            </a:r>
+            <a:r>
+              <a:rPr lang="en-US" altLang="zh-TW" sz="1500" dirty="0"/>
+              <a:t>)</a:t>
+            </a:r>
+          </a:p>
+          <a:p>
+            <a:r>
+              <a:rPr lang="en-US" altLang="zh-TW" sz="1500" dirty="0"/>
+              <a:t>        baseAnimal2.__init__(</a:t>
+            </a:r>
+            <a:r>
+              <a:rPr lang="en-US" altLang="zh-TW" sz="1500" dirty="0" err="1"/>
+              <a:t>self,specie</a:t>
+            </a:r>
+            <a:r>
+              <a:rPr lang="en-US" altLang="zh-TW" sz="1500" dirty="0"/>
+              <a:t>) </a:t>
+            </a:r>
+          </a:p>
+          <a:p>
+            <a:r>
+              <a:rPr lang="en-US" altLang="zh-TW" sz="1500" dirty="0"/>
+              <a:t>    </a:t>
+            </a:r>
+            <a:r>
+              <a:rPr lang="en-US" altLang="zh-TW" sz="1500" dirty="0" err="1"/>
+              <a:t>def</a:t>
+            </a:r>
+            <a:r>
+              <a:rPr lang="en-US" altLang="zh-TW" sz="1500" dirty="0"/>
+              <a:t> update(self):</a:t>
+            </a:r>
+          </a:p>
+          <a:p>
+            <a:r>
+              <a:rPr lang="en-US" altLang="zh-TW" sz="1500" dirty="0"/>
+              <a:t>        return "</a:t>
+            </a:r>
+            <a:r>
+              <a:rPr lang="zh-TW" altLang="en-US" sz="1500" dirty="0"/>
+              <a:t>喵喵叫</a:t>
+            </a:r>
+            <a:r>
+              <a:rPr lang="en-US" altLang="zh-TW" sz="1500" dirty="0"/>
+              <a:t>"</a:t>
+            </a:r>
+            <a:endParaRPr lang="zh-TW" altLang="en-US" sz="1500" dirty="0"/>
+          </a:p>
+          <a:p>
+            <a:endParaRPr lang="en-US" altLang="zh-TW" sz="1500" dirty="0"/>
+          </a:p>
+          <a:p>
+            <a:r>
+              <a:rPr lang="en-US" altLang="zh-TW" sz="1500" dirty="0"/>
+              <a:t>X = cat("</a:t>
+            </a:r>
+            <a:r>
+              <a:rPr lang="en-US" altLang="zh-TW" sz="1500" dirty="0" err="1"/>
+              <a:t>LaLa</a:t>
+            </a:r>
+            <a:r>
+              <a:rPr lang="en-US" altLang="zh-TW" sz="1500" dirty="0"/>
+              <a:t>","Cat")</a:t>
+            </a:r>
+          </a:p>
+          <a:p>
+            <a:r>
+              <a:rPr lang="en-US" altLang="zh-TW" sz="1500" dirty="0">
+                <a:solidFill>
+                  <a:srgbClr val="0070C0"/>
+                </a:solidFill>
+              </a:rPr>
+              <a:t>print(</a:t>
+            </a:r>
+            <a:r>
+              <a:rPr lang="en-US" altLang="zh-TW" sz="1500" dirty="0" err="1">
+                <a:solidFill>
+                  <a:srgbClr val="0070C0"/>
+                </a:solidFill>
+              </a:rPr>
+              <a:t>X.getAnimalName</a:t>
+            </a:r>
+            <a:r>
+              <a:rPr lang="en-US" altLang="zh-TW" sz="1500" dirty="0">
+                <a:solidFill>
+                  <a:srgbClr val="0070C0"/>
+                </a:solidFill>
+              </a:rPr>
+              <a:t>()) </a:t>
+            </a:r>
+            <a:r>
+              <a:rPr lang="zh-TW" altLang="en-US" sz="1500" dirty="0" smtClean="0">
+                <a:solidFill>
+                  <a:srgbClr val="0070C0"/>
+                </a:solidFill>
+              </a:rPr>
+              <a:t>   </a:t>
+            </a:r>
+            <a:r>
+              <a:rPr lang="en-US" altLang="zh-TW" sz="1500" b="1" i="1" dirty="0" smtClean="0">
+                <a:solidFill>
+                  <a:schemeClr val="accent5">
+                    <a:lumMod val="75000"/>
+                  </a:schemeClr>
+                </a:solidFill>
+              </a:rPr>
+              <a:t>#</a:t>
+            </a:r>
+            <a:r>
+              <a:rPr lang="zh-TW" altLang="en-US" sz="1500" b="1" i="1" dirty="0" smtClean="0">
+                <a:solidFill>
+                  <a:srgbClr val="FF0000"/>
+                </a:solidFill>
+              </a:rPr>
+              <a:t>透過多重繼承取得兩個父類別 </a:t>
+            </a:r>
+            <a:r>
+              <a:rPr lang="en-US" altLang="zh-TW" sz="1500" b="1" i="1" dirty="0" smtClean="0">
+                <a:solidFill>
+                  <a:srgbClr val="FF0000"/>
+                </a:solidFill>
+              </a:rPr>
+              <a:t>Method</a:t>
+            </a:r>
+          </a:p>
+          <a:p>
+            <a:r>
+              <a:rPr lang="en-US" altLang="zh-TW" sz="1500" dirty="0" smtClean="0">
+                <a:solidFill>
+                  <a:srgbClr val="0070C0"/>
+                </a:solidFill>
+              </a:rPr>
+              <a:t>print(</a:t>
+            </a:r>
+            <a:r>
+              <a:rPr lang="en-US" altLang="zh-TW" sz="1500" dirty="0" err="1" smtClean="0">
+                <a:solidFill>
+                  <a:srgbClr val="0070C0"/>
+                </a:solidFill>
+              </a:rPr>
+              <a:t>X.getAnimalSpecies</a:t>
+            </a:r>
+            <a:r>
+              <a:rPr lang="en-US" altLang="zh-TW" sz="1500" dirty="0" smtClean="0">
+                <a:solidFill>
+                  <a:srgbClr val="0070C0"/>
+                </a:solidFill>
+              </a:rPr>
+              <a:t>())</a:t>
+            </a:r>
+            <a:r>
+              <a:rPr lang="en-US" altLang="zh-TW" sz="1500" dirty="0">
+                <a:solidFill>
+                  <a:schemeClr val="accent5">
+                    <a:lumMod val="75000"/>
+                  </a:schemeClr>
+                </a:solidFill>
+              </a:rPr>
+              <a:t> </a:t>
+            </a:r>
+            <a:endParaRPr lang="en-US" altLang="zh-TW" sz="1500" dirty="0" smtClean="0">
+              <a:solidFill>
+                <a:schemeClr val="accent5">
+                  <a:lumMod val="75000"/>
+                </a:schemeClr>
+              </a:solidFill>
+            </a:endParaRPr>
+          </a:p>
+          <a:p>
+            <a:r>
+              <a:rPr lang="en-US" altLang="zh-TW" sz="1500" dirty="0" smtClean="0">
+                <a:solidFill>
+                  <a:srgbClr val="0070C0"/>
+                </a:solidFill>
+              </a:rPr>
+              <a:t>print(</a:t>
+            </a:r>
+            <a:r>
+              <a:rPr lang="en-US" altLang="zh-TW" sz="1500" dirty="0" err="1" smtClean="0">
+                <a:solidFill>
+                  <a:srgbClr val="0070C0"/>
+                </a:solidFill>
+              </a:rPr>
+              <a:t>X.update</a:t>
+            </a:r>
+            <a:r>
+              <a:rPr lang="en-US" altLang="zh-TW" sz="1500" dirty="0" smtClean="0">
+                <a:solidFill>
+                  <a:srgbClr val="0070C0"/>
+                </a:solidFill>
+              </a:rPr>
+              <a:t>())</a:t>
+            </a:r>
+            <a:r>
+              <a:rPr lang="zh-TW" altLang="en-US" sz="1500" dirty="0" smtClean="0">
+                <a:solidFill>
+                  <a:srgbClr val="0070C0"/>
+                </a:solidFill>
+              </a:rPr>
+              <a:t>             </a:t>
+            </a:r>
+            <a:r>
+              <a:rPr lang="en-US" altLang="zh-TW" sz="1500" b="1" i="1" dirty="0" smtClean="0">
+                <a:solidFill>
+                  <a:schemeClr val="accent5">
+                    <a:lumMod val="75000"/>
+                  </a:schemeClr>
+                </a:solidFill>
+              </a:rPr>
+              <a:t>#</a:t>
+            </a:r>
+            <a:r>
+              <a:rPr lang="zh-TW" altLang="en-US" sz="1500" b="1" i="1" dirty="0">
+                <a:solidFill>
+                  <a:srgbClr val="FF0000"/>
+                </a:solidFill>
+              </a:rPr>
+              <a:t>多重繼承後</a:t>
+            </a:r>
+            <a:r>
+              <a:rPr lang="zh-TW" altLang="en-US" sz="1500" b="1" i="1" dirty="0" smtClean="0">
+                <a:solidFill>
+                  <a:srgbClr val="FF0000"/>
+                </a:solidFill>
+              </a:rPr>
+              <a:t>依然</a:t>
+            </a:r>
+            <a:r>
+              <a:rPr lang="zh-TW" altLang="en-US" sz="1500" b="1" i="1" dirty="0">
+                <a:solidFill>
+                  <a:srgbClr val="FF0000"/>
+                </a:solidFill>
+              </a:rPr>
+              <a:t>可使用自己類別的 </a:t>
+            </a:r>
+            <a:r>
+              <a:rPr lang="en-US" altLang="zh-TW" sz="1500" b="1" i="1" dirty="0">
+                <a:solidFill>
+                  <a:srgbClr val="FF0000"/>
+                </a:solidFill>
+              </a:rPr>
+              <a:t>Method</a:t>
+            </a:r>
+          </a:p>
+        </p:txBody>
+      </p:sp>
+      <p:pic>
+        <p:nvPicPr>
+          <p:cNvPr id="3" name="圖片 2"/>
+          <p:cNvPicPr>
+            <a:picLocks noChangeAspect="1"/>
+          </p:cNvPicPr>
+          <p:nvPr/>
+        </p:nvPicPr>
+        <p:blipFill>
+          <a:blip r:embed="rId2"/>
+          <a:stretch>
+            <a:fillRect/>
+          </a:stretch>
+        </p:blipFill>
+        <p:spPr>
+          <a:xfrm>
+            <a:off x="6636424" y="2840667"/>
+            <a:ext cx="5339773" cy="1636382"/>
+          </a:xfrm>
+          <a:prstGeom prst="rect">
+            <a:avLst/>
+          </a:prstGeom>
+          <a:effectLst>
+            <a:softEdge rad="31750"/>
+          </a:effectLst>
+        </p:spPr>
+      </p:pic>
+    </p:spTree>
+    <p:extLst>
+      <p:ext uri="{BB962C8B-B14F-4D97-AF65-F5344CB8AC3E}">
+        <p14:creationId xmlns:p14="http://schemas.microsoft.com/office/powerpoint/2010/main" val="1486754515"/>
+      </p:ext>
+    </p:extLst>
+  </p:cSld>
+  <p:clrMapOvr>
+    <a:masterClrMapping/>
+  </p:clrMapOvr>
+  <mc:AlternateContent xmlns:mc="http://schemas.openxmlformats.org/markup-compatibility/2006" xmlns:p14="http://schemas.microsoft.com/office/powerpoint/2010/main">
+    <mc:Choice Requires="p14">
+      <p:transition spd="slow" p14:dur="2000"/>
+    </mc:Choice>
+    <mc:Fallback xmlns="">
+      <p:transition spd="slow"/>
+    </mc:Fallback>
+  </mc:AlternateContent>
+  <p:timing>
+    <p:tnLst>
+      <p:par>
+        <p:cTn id="1" dur="indefinite" restart="never" nodeType="tmRoot"/>
+      </p:par>
+    </p:tnLst>
+  </p:timing>
+</p:sld>
+</file>
+
+<file path=ppt/slides/slide92.xml><?xml version="1.0" encoding="utf-8"?>
+<p:sld xmlns:a="http://schemas.openxmlformats.org/drawingml/2006/main" xmlns:r="http://schemas.openxmlformats.org/officeDocument/2006/relationships" xmlns:p="http://schemas.openxmlformats.org/presentationml/2006/main">
+  <p:cSld>
+    <p:spTree>
+      <p:nvGrpSpPr>
+        <p:cNvPr id="1" name=""/>
+        <p:cNvGrpSpPr/>
+        <p:nvPr/>
+      </p:nvGrpSpPr>
+      <p:grpSpPr>
+        <a:xfrm>
+          <a:off x="0" y="0"/>
+          <a:ext cx="0" cy="0"/>
+          <a:chOff x="0" y="0"/>
+          <a:chExt cx="0" cy="0"/>
+        </a:xfrm>
+      </p:grpSpPr>
+      <p:sp>
+        <p:nvSpPr>
+          <p:cNvPr id="5" name="標題 1"/>
+          <p:cNvSpPr txBox="1">
+            <a:spLocks/>
+          </p:cNvSpPr>
+          <p:nvPr/>
+        </p:nvSpPr>
+        <p:spPr>
+          <a:xfrm>
             <a:off x="529948" y="176083"/>
             <a:ext cx="8596668" cy="796505"/>
           </a:xfrm>
@@ -39893,7 +41135,7 @@
 </p:sld>
 </file>
 
-<file path=ppt/slides/slide91.xml><?xml version="1.0" encoding="utf-8"?>
+<file path=ppt/slides/slide93.xml><?xml version="1.0" encoding="utf-8"?>
 <p:sld xmlns:a="http://schemas.openxmlformats.org/drawingml/2006/main" xmlns:r="http://schemas.openxmlformats.org/officeDocument/2006/relationships" xmlns:p="http://schemas.openxmlformats.org/presentationml/2006/main">
   <p:cSld>
     <p:spTree>
@@ -40679,7 +41921,7 @@
 </p:sld>
 </file>
 
-<file path=ppt/slides/slide92.xml><?xml version="1.0" encoding="utf-8"?>
+<file path=ppt/slides/slide94.xml><?xml version="1.0" encoding="utf-8"?>
 <p:sld xmlns:a="http://schemas.openxmlformats.org/drawingml/2006/main" xmlns:r="http://schemas.openxmlformats.org/officeDocument/2006/relationships" xmlns:p="http://schemas.openxmlformats.org/presentationml/2006/main">
   <p:cSld>
     <p:spTree>
@@ -41664,7 +42906,7 @@
 </p:sld>
 </file>
 
-<file path=ppt/slides/slide93.xml><?xml version="1.0" encoding="utf-8"?>
+<file path=ppt/slides/slide95.xml><?xml version="1.0" encoding="utf-8"?>
 <p:sld xmlns:a="http://schemas.openxmlformats.org/drawingml/2006/main" xmlns:r="http://schemas.openxmlformats.org/officeDocument/2006/relationships" xmlns:p="http://schemas.openxmlformats.org/presentationml/2006/main">
   <p:cSld>
     <p:spTree>
@@ -41982,7 +43224,7 @@
 </p:sld>
 </file>
 
-<file path=ppt/slides/slide94.xml><?xml version="1.0" encoding="utf-8"?>
+<file path=ppt/slides/slide96.xml><?xml version="1.0" encoding="utf-8"?>
 <p:sld xmlns:a="http://schemas.openxmlformats.org/drawingml/2006/main" xmlns:r="http://schemas.openxmlformats.org/officeDocument/2006/relationships" xmlns:p="http://schemas.openxmlformats.org/presentationml/2006/main">
   <p:cSld>
     <p:spTree>

--- a/Python Introduction.pptx
+++ b/Python Introduction.pptx
@@ -96,11 +96,13 @@
     <p:sldId id="353" r:id="rId90"/>
     <p:sldId id="358" r:id="rId91"/>
     <p:sldId id="402" r:id="rId92"/>
-    <p:sldId id="359" r:id="rId93"/>
-    <p:sldId id="360" r:id="rId94"/>
-    <p:sldId id="361" r:id="rId95"/>
-    <p:sldId id="318" r:id="rId96"/>
-    <p:sldId id="304" r:id="rId97"/>
+    <p:sldId id="403" r:id="rId93"/>
+    <p:sldId id="404" r:id="rId94"/>
+    <p:sldId id="359" r:id="rId95"/>
+    <p:sldId id="360" r:id="rId96"/>
+    <p:sldId id="361" r:id="rId97"/>
+    <p:sldId id="318" r:id="rId98"/>
+    <p:sldId id="304" r:id="rId99"/>
   </p:sldIdLst>
   <p:sldSz cx="12192000" cy="6858000"/>
   <p:notesSz cx="6858000" cy="9144000"/>
@@ -40637,6 +40639,1572 @@
         </p:nvSpPr>
         <p:spPr>
           <a:xfrm>
+            <a:off x="982724" y="0"/>
+            <a:ext cx="8596668" cy="796505"/>
+          </a:xfrm>
+          <a:prstGeom prst="rect">
+            <a:avLst/>
+          </a:prstGeom>
+        </p:spPr>
+        <p:txBody>
+          <a:bodyPr vert="horz" lIns="91440" tIns="45720" rIns="91440" bIns="45720" rtlCol="0" anchor="b">
+            <a:noAutofit/>
+          </a:bodyPr>
+          <a:lstStyle>
+            <a:lvl1pPr algn="r" defTabSz="457200" rtl="0" eaLnBrk="1" latinLnBrk="0" hangingPunct="1">
+              <a:spcBef>
+                <a:spcPct val="0"/>
+              </a:spcBef>
+              <a:buNone/>
+              <a:defRPr sz="5400" kern="1200">
+                <a:solidFill>
+                  <a:schemeClr val="accent1"/>
+                </a:solidFill>
+                <a:latin typeface="+mj-lt"/>
+                <a:ea typeface="+mj-ea"/>
+                <a:cs typeface="+mj-cs"/>
+              </a:defRPr>
+            </a:lvl1pPr>
+            <a:lvl2pPr eaLnBrk="1" hangingPunct="1">
+              <a:defRPr>
+                <a:solidFill>
+                  <a:schemeClr val="tx2"/>
+                </a:solidFill>
+              </a:defRPr>
+            </a:lvl2pPr>
+            <a:lvl3pPr eaLnBrk="1" hangingPunct="1">
+              <a:defRPr>
+                <a:solidFill>
+                  <a:schemeClr val="tx2"/>
+                </a:solidFill>
+              </a:defRPr>
+            </a:lvl3pPr>
+            <a:lvl4pPr eaLnBrk="1" hangingPunct="1">
+              <a:defRPr>
+                <a:solidFill>
+                  <a:schemeClr val="tx2"/>
+                </a:solidFill>
+              </a:defRPr>
+            </a:lvl4pPr>
+            <a:lvl5pPr eaLnBrk="1" hangingPunct="1">
+              <a:defRPr>
+                <a:solidFill>
+                  <a:schemeClr val="tx2"/>
+                </a:solidFill>
+              </a:defRPr>
+            </a:lvl5pPr>
+            <a:lvl6pPr eaLnBrk="1" hangingPunct="1">
+              <a:defRPr>
+                <a:solidFill>
+                  <a:schemeClr val="tx2"/>
+                </a:solidFill>
+              </a:defRPr>
+            </a:lvl6pPr>
+            <a:lvl7pPr eaLnBrk="1" hangingPunct="1">
+              <a:defRPr>
+                <a:solidFill>
+                  <a:schemeClr val="tx2"/>
+                </a:solidFill>
+              </a:defRPr>
+            </a:lvl7pPr>
+            <a:lvl8pPr eaLnBrk="1" hangingPunct="1">
+              <a:defRPr>
+                <a:solidFill>
+                  <a:schemeClr val="tx2"/>
+                </a:solidFill>
+              </a:defRPr>
+            </a:lvl8pPr>
+            <a:lvl9pPr eaLnBrk="1" hangingPunct="1">
+              <a:defRPr>
+                <a:solidFill>
+                  <a:schemeClr val="tx2"/>
+                </a:solidFill>
+              </a:defRPr>
+            </a:lvl9pPr>
+          </a:lstStyle>
+          <a:p>
+            <a:pPr lvl="1" algn="ctr"/>
+            <a:r>
+              <a:rPr lang="en-US" altLang="zh-TW" sz="4000" dirty="0" smtClean="0"/>
+              <a:t>Inheritance</a:t>
+            </a:r>
+            <a:r>
+              <a:rPr lang="zh-TW" altLang="en-US" sz="4000" dirty="0" smtClean="0"/>
+              <a:t> </a:t>
+            </a:r>
+            <a:r>
+              <a:rPr lang="en-US" altLang="zh-TW" sz="4000" dirty="0" smtClean="0"/>
+              <a:t>(</a:t>
+            </a:r>
+            <a:r>
+              <a:rPr lang="zh-TW" altLang="en-US" sz="4000" dirty="0" smtClean="0"/>
+              <a:t>覆寫</a:t>
+            </a:r>
+            <a:r>
+              <a:rPr lang="en-US" altLang="zh-TW" sz="4000" dirty="0" smtClean="0"/>
+              <a:t>)</a:t>
+            </a:r>
+            <a:endParaRPr lang="en-US" altLang="zh-TW" sz="4000" dirty="0">
+              <a:solidFill>
+                <a:schemeClr val="tx1"/>
+              </a:solidFill>
+            </a:endParaRPr>
+          </a:p>
+        </p:txBody>
+      </p:sp>
+      <p:sp>
+        <p:nvSpPr>
+          <p:cNvPr id="8" name="文字方塊 7"/>
+          <p:cNvSpPr txBox="1"/>
+          <p:nvPr/>
+        </p:nvSpPr>
+        <p:spPr>
+          <a:xfrm>
+            <a:off x="535890" y="741241"/>
+            <a:ext cx="5786803" cy="6093976"/>
+          </a:xfrm>
+          <a:prstGeom prst="rect">
+            <a:avLst/>
+          </a:prstGeom>
+          <a:solidFill>
+            <a:schemeClr val="bg1">
+              <a:lumMod val="85000"/>
+            </a:schemeClr>
+          </a:solidFill>
+          <a:effectLst>
+            <a:softEdge rad="76200"/>
+          </a:effectLst>
+        </p:spPr>
+        <p:txBody>
+          <a:bodyPr wrap="square" rtlCol="0">
+            <a:spAutoFit/>
+          </a:bodyPr>
+          <a:lstStyle/>
+          <a:p>
+            <a:r>
+              <a:rPr lang="en-US" altLang="zh-TW" sz="1500" dirty="0" smtClean="0">
+                <a:solidFill>
+                  <a:schemeClr val="accent5">
+                    <a:lumMod val="75000"/>
+                  </a:schemeClr>
+                </a:solidFill>
+              </a:rPr>
+              <a:t># Animal Class </a:t>
+            </a:r>
+          </a:p>
+          <a:p>
+            <a:endParaRPr lang="en-US" altLang="zh-TW" sz="1500" dirty="0" smtClean="0"/>
+          </a:p>
+          <a:p>
+            <a:r>
+              <a:rPr lang="en-US" altLang="zh-TW" sz="1500" dirty="0" smtClean="0"/>
+              <a:t>class </a:t>
+            </a:r>
+            <a:r>
+              <a:rPr lang="en-US" altLang="zh-TW" sz="1500" dirty="0" err="1" smtClean="0"/>
+              <a:t>baseAnimal</a:t>
+            </a:r>
+            <a:r>
+              <a:rPr lang="en-US" altLang="zh-TW" sz="1500" dirty="0" smtClean="0"/>
+              <a:t>:</a:t>
+            </a:r>
+          </a:p>
+          <a:p>
+            <a:r>
+              <a:rPr lang="en-US" altLang="zh-TW" sz="1500" dirty="0" smtClean="0"/>
+              <a:t>    </a:t>
+            </a:r>
+          </a:p>
+          <a:p>
+            <a:r>
+              <a:rPr lang="en-US" altLang="zh-TW" sz="1500" dirty="0" smtClean="0"/>
+              <a:t>    </a:t>
+            </a:r>
+            <a:r>
+              <a:rPr lang="en-US" altLang="zh-TW" sz="1500" dirty="0" err="1" smtClean="0"/>
+              <a:t>def</a:t>
+            </a:r>
+            <a:r>
+              <a:rPr lang="en-US" altLang="zh-TW" sz="1500" dirty="0" smtClean="0"/>
+              <a:t> __</a:t>
+            </a:r>
+            <a:r>
+              <a:rPr lang="en-US" altLang="zh-TW" sz="1500" dirty="0" err="1" smtClean="0"/>
+              <a:t>init</a:t>
+            </a:r>
+            <a:r>
+              <a:rPr lang="en-US" altLang="zh-TW" sz="1500" dirty="0" smtClean="0"/>
+              <a:t>__(self, name, species):</a:t>
+            </a:r>
+          </a:p>
+          <a:p>
+            <a:r>
+              <a:rPr lang="en-US" altLang="zh-TW" sz="1500" dirty="0" smtClean="0"/>
+              <a:t>        </a:t>
+            </a:r>
+            <a:r>
+              <a:rPr lang="en-US" altLang="zh-TW" sz="1500" dirty="0" err="1" smtClean="0"/>
+              <a:t>self.__name</a:t>
+            </a:r>
+            <a:r>
+              <a:rPr lang="en-US" altLang="zh-TW" sz="1500" dirty="0" smtClean="0"/>
+              <a:t> = name</a:t>
+            </a:r>
+          </a:p>
+          <a:p>
+            <a:r>
+              <a:rPr lang="en-US" altLang="zh-TW" sz="1500" dirty="0" smtClean="0"/>
+              <a:t>        </a:t>
+            </a:r>
+            <a:r>
+              <a:rPr lang="en-US" altLang="zh-TW" sz="1500" dirty="0" err="1" smtClean="0"/>
+              <a:t>self.__species</a:t>
+            </a:r>
+            <a:r>
+              <a:rPr lang="en-US" altLang="zh-TW" sz="1500" dirty="0" smtClean="0"/>
+              <a:t> = species</a:t>
+            </a:r>
+          </a:p>
+          <a:p>
+            <a:r>
+              <a:rPr lang="en-US" altLang="zh-TW" sz="1500" dirty="0" smtClean="0"/>
+              <a:t>     </a:t>
+            </a:r>
+          </a:p>
+          <a:p>
+            <a:r>
+              <a:rPr lang="en-US" altLang="zh-TW" sz="1500" dirty="0" smtClean="0"/>
+              <a:t>    </a:t>
+            </a:r>
+            <a:r>
+              <a:rPr lang="en-US" altLang="zh-TW" sz="1500" dirty="0" err="1" smtClean="0"/>
+              <a:t>def</a:t>
+            </a:r>
+            <a:r>
+              <a:rPr lang="en-US" altLang="zh-TW" sz="1500" dirty="0" smtClean="0"/>
+              <a:t> </a:t>
+            </a:r>
+            <a:r>
+              <a:rPr lang="en-US" altLang="zh-TW" sz="1500" dirty="0" err="1" smtClean="0"/>
+              <a:t>getAnimalName</a:t>
+            </a:r>
+            <a:r>
+              <a:rPr lang="en-US" altLang="zh-TW" sz="1500" dirty="0" smtClean="0"/>
+              <a:t>(self):</a:t>
+            </a:r>
+          </a:p>
+          <a:p>
+            <a:r>
+              <a:rPr lang="en-US" altLang="zh-TW" sz="1500" dirty="0" smtClean="0"/>
+              <a:t>        return </a:t>
+            </a:r>
+            <a:r>
+              <a:rPr lang="en-US" altLang="zh-TW" sz="1500" dirty="0" err="1" smtClean="0"/>
+              <a:t>self.__name</a:t>
+            </a:r>
+            <a:endParaRPr lang="en-US" altLang="zh-TW" sz="1500" dirty="0" smtClean="0"/>
+          </a:p>
+          <a:p>
+            <a:r>
+              <a:rPr lang="en-US" altLang="zh-TW" sz="1500" dirty="0" smtClean="0"/>
+              <a:t>    </a:t>
+            </a:r>
+          </a:p>
+          <a:p>
+            <a:r>
+              <a:rPr lang="en-US" altLang="zh-TW" sz="1500" dirty="0" smtClean="0"/>
+              <a:t>    </a:t>
+            </a:r>
+            <a:r>
+              <a:rPr lang="en-US" altLang="zh-TW" sz="1500" dirty="0" err="1" smtClean="0"/>
+              <a:t>def</a:t>
+            </a:r>
+            <a:r>
+              <a:rPr lang="en-US" altLang="zh-TW" sz="1500" dirty="0" smtClean="0"/>
+              <a:t> </a:t>
+            </a:r>
+            <a:r>
+              <a:rPr lang="en-US" altLang="zh-TW" sz="1500" dirty="0" err="1" smtClean="0"/>
+              <a:t>getAnimalSpecies</a:t>
+            </a:r>
+            <a:r>
+              <a:rPr lang="en-US" altLang="zh-TW" sz="1500" dirty="0" smtClean="0"/>
+              <a:t>(self):</a:t>
+            </a:r>
+          </a:p>
+          <a:p>
+            <a:r>
+              <a:rPr lang="en-US" altLang="zh-TW" sz="1500" dirty="0" smtClean="0"/>
+              <a:t>        return </a:t>
+            </a:r>
+            <a:r>
+              <a:rPr lang="en-US" altLang="zh-TW" sz="1500" dirty="0" err="1" smtClean="0"/>
+              <a:t>self.__species</a:t>
+            </a:r>
+            <a:endParaRPr lang="en-US" altLang="zh-TW" sz="1500" dirty="0" smtClean="0"/>
+          </a:p>
+          <a:p>
+            <a:endParaRPr lang="en-US" altLang="zh-TW" sz="1500" dirty="0" smtClean="0"/>
+          </a:p>
+          <a:p>
+            <a:r>
+              <a:rPr lang="en-US" altLang="zh-TW" sz="1500" dirty="0"/>
+              <a:t>class cat(</a:t>
+            </a:r>
+            <a:r>
+              <a:rPr lang="en-US" altLang="zh-TW" sz="1500" dirty="0" err="1"/>
+              <a:t>baseAnimal</a:t>
+            </a:r>
+            <a:r>
+              <a:rPr lang="en-US" altLang="zh-TW" sz="1500" dirty="0"/>
+              <a:t>):</a:t>
+            </a:r>
+            <a:r>
+              <a:rPr lang="zh-TW" altLang="en-US" sz="1500" dirty="0"/>
+              <a:t> </a:t>
+            </a:r>
+            <a:endParaRPr lang="en-US" altLang="zh-TW" sz="1500" dirty="0"/>
+          </a:p>
+          <a:p>
+            <a:r>
+              <a:rPr lang="en-US" altLang="zh-TW" sz="1500" dirty="0"/>
+              <a:t>    </a:t>
+            </a:r>
+            <a:r>
+              <a:rPr lang="en-US" altLang="zh-TW" sz="1500" dirty="0" err="1"/>
+              <a:t>def</a:t>
+            </a:r>
+            <a:r>
+              <a:rPr lang="en-US" altLang="zh-TW" sz="1500" dirty="0"/>
+              <a:t> update(self):</a:t>
+            </a:r>
+          </a:p>
+          <a:p>
+            <a:r>
+              <a:rPr lang="en-US" altLang="zh-TW" sz="1500" dirty="0"/>
+              <a:t>        return "</a:t>
+            </a:r>
+            <a:r>
+              <a:rPr lang="zh-TW" altLang="en-US" sz="1500" dirty="0"/>
+              <a:t>喵喵</a:t>
+            </a:r>
+            <a:r>
+              <a:rPr lang="zh-TW" altLang="en-US" sz="1500" dirty="0" smtClean="0"/>
+              <a:t>叫</a:t>
+            </a:r>
+            <a:r>
+              <a:rPr lang="en-US" altLang="zh-TW" sz="1500" dirty="0"/>
+              <a:t>"</a:t>
+            </a:r>
+            <a:endParaRPr lang="en-US" altLang="zh-TW" sz="1500" dirty="0" smtClean="0"/>
+          </a:p>
+          <a:p>
+            <a:r>
+              <a:rPr lang="zh-TW" altLang="en-US" sz="1500" dirty="0" smtClean="0"/>
+              <a:t>    </a:t>
+            </a:r>
+            <a:endParaRPr lang="en-US" altLang="zh-TW" sz="1500" dirty="0" smtClean="0"/>
+          </a:p>
+          <a:p>
+            <a:r>
+              <a:rPr lang="zh-TW" altLang="en-US" sz="1500" dirty="0"/>
+              <a:t> </a:t>
+            </a:r>
+            <a:r>
+              <a:rPr lang="zh-TW" altLang="en-US" sz="1500" dirty="0" smtClean="0"/>
+              <a:t>   </a:t>
+            </a:r>
+            <a:r>
+              <a:rPr lang="en-US" altLang="zh-TW" sz="1500" dirty="0" err="1" smtClean="0">
+                <a:solidFill>
+                  <a:srgbClr val="0070C0"/>
+                </a:solidFill>
+              </a:rPr>
+              <a:t>def</a:t>
+            </a:r>
+            <a:r>
+              <a:rPr lang="en-US" altLang="zh-TW" sz="1500" dirty="0" smtClean="0">
+                <a:solidFill>
+                  <a:srgbClr val="0070C0"/>
+                </a:solidFill>
+              </a:rPr>
+              <a:t> </a:t>
+            </a:r>
+            <a:r>
+              <a:rPr lang="en-US" altLang="zh-TW" sz="1500" dirty="0" err="1" smtClean="0">
+                <a:solidFill>
+                  <a:srgbClr val="0070C0"/>
+                </a:solidFill>
+              </a:rPr>
+              <a:t>getAnimalSpecies</a:t>
+            </a:r>
+            <a:r>
+              <a:rPr lang="en-US" altLang="zh-TW" sz="1500" dirty="0" smtClean="0">
+                <a:solidFill>
+                  <a:srgbClr val="0070C0"/>
+                </a:solidFill>
+              </a:rPr>
+              <a:t>(self):</a:t>
+            </a:r>
+            <a:r>
+              <a:rPr lang="zh-TW" altLang="en-US" sz="1500" dirty="0" smtClean="0">
+                <a:solidFill>
+                  <a:srgbClr val="0070C0"/>
+                </a:solidFill>
+              </a:rPr>
+              <a:t> </a:t>
+            </a:r>
+            <a:r>
+              <a:rPr lang="en-US" altLang="zh-TW" sz="1500" b="1" i="1" dirty="0" smtClean="0">
+                <a:solidFill>
+                  <a:schemeClr val="accent5">
+                    <a:lumMod val="75000"/>
+                  </a:schemeClr>
+                </a:solidFill>
+              </a:rPr>
+              <a:t>#</a:t>
+            </a:r>
+            <a:r>
+              <a:rPr lang="zh-TW" altLang="en-US" sz="1500" b="1" i="1" dirty="0" smtClean="0">
+                <a:solidFill>
+                  <a:srgbClr val="FF0000"/>
+                </a:solidFill>
+              </a:rPr>
+              <a:t>以相同名稱的 </a:t>
+            </a:r>
+            <a:r>
+              <a:rPr lang="en-US" altLang="zh-TW" sz="1500" b="1" i="1" dirty="0">
+                <a:solidFill>
+                  <a:srgbClr val="FF0000"/>
+                </a:solidFill>
+              </a:rPr>
+              <a:t>M</a:t>
+            </a:r>
+            <a:r>
+              <a:rPr lang="en-US" altLang="zh-TW" sz="1500" b="1" i="1" dirty="0" smtClean="0">
+                <a:solidFill>
+                  <a:srgbClr val="FF0000"/>
+                </a:solidFill>
+              </a:rPr>
+              <a:t>ethod</a:t>
+            </a:r>
+            <a:r>
+              <a:rPr lang="zh-TW" altLang="en-US" sz="1500" b="1" i="1" dirty="0" smtClean="0">
+                <a:solidFill>
+                  <a:srgbClr val="FF0000"/>
+                </a:solidFill>
+              </a:rPr>
+              <a:t>覆寫父類別</a:t>
+            </a:r>
+            <a:endParaRPr lang="en-US" altLang="zh-TW" sz="1500" dirty="0" smtClean="0">
+              <a:solidFill>
+                <a:srgbClr val="0070C0"/>
+              </a:solidFill>
+            </a:endParaRPr>
+          </a:p>
+          <a:p>
+            <a:r>
+              <a:rPr lang="zh-TW" altLang="en-US" sz="1500" dirty="0"/>
+              <a:t> </a:t>
+            </a:r>
+            <a:r>
+              <a:rPr lang="zh-TW" altLang="en-US" sz="1500" dirty="0" smtClean="0"/>
+              <a:t>       </a:t>
+            </a:r>
+            <a:r>
+              <a:rPr lang="en-US" altLang="zh-TW" sz="1500" dirty="0" smtClean="0"/>
+              <a:t>return "</a:t>
+            </a:r>
+            <a:r>
+              <a:rPr lang="zh-TW" altLang="en-US" sz="1500" dirty="0" smtClean="0"/>
+              <a:t>我是貓咪</a:t>
+            </a:r>
+            <a:r>
+              <a:rPr lang="en-US" altLang="zh-TW" sz="1500" dirty="0" smtClean="0"/>
+              <a:t>"</a:t>
+            </a:r>
+            <a:endParaRPr lang="zh-TW" altLang="en-US" sz="1500" dirty="0" smtClean="0"/>
+          </a:p>
+          <a:p>
+            <a:endParaRPr lang="en-US" altLang="zh-TW" sz="1500" dirty="0"/>
+          </a:p>
+          <a:p>
+            <a:r>
+              <a:rPr lang="en-US" altLang="zh-TW" sz="1500" dirty="0"/>
+              <a:t>X = cat("</a:t>
+            </a:r>
+            <a:r>
+              <a:rPr lang="en-US" altLang="zh-TW" sz="1500" dirty="0" err="1"/>
+              <a:t>LaLa</a:t>
+            </a:r>
+            <a:r>
+              <a:rPr lang="en-US" altLang="zh-TW" sz="1500" dirty="0"/>
+              <a:t>","Cat")</a:t>
+            </a:r>
+          </a:p>
+          <a:p>
+            <a:r>
+              <a:rPr lang="en-US" altLang="zh-TW" sz="1500" dirty="0" smtClean="0">
+                <a:solidFill>
+                  <a:srgbClr val="0070C0"/>
+                </a:solidFill>
+              </a:rPr>
+              <a:t>print(</a:t>
+            </a:r>
+            <a:r>
+              <a:rPr lang="en-US" altLang="zh-TW" sz="1500" dirty="0" err="1" smtClean="0">
+                <a:solidFill>
+                  <a:srgbClr val="0070C0"/>
+                </a:solidFill>
+              </a:rPr>
+              <a:t>X.getAnimalName</a:t>
+            </a:r>
+            <a:r>
+              <a:rPr lang="en-US" altLang="zh-TW" sz="1500" dirty="0" smtClean="0">
+                <a:solidFill>
+                  <a:srgbClr val="0070C0"/>
+                </a:solidFill>
+              </a:rPr>
+              <a:t>()) </a:t>
+            </a:r>
+            <a:r>
+              <a:rPr lang="zh-TW" altLang="en-US" sz="1500" dirty="0" smtClean="0">
+                <a:solidFill>
+                  <a:srgbClr val="0070C0"/>
+                </a:solidFill>
+              </a:rPr>
+              <a:t>   </a:t>
+            </a:r>
+            <a:r>
+              <a:rPr lang="en-US" altLang="zh-TW" sz="1500" b="1" i="1" dirty="0" smtClean="0">
+                <a:solidFill>
+                  <a:schemeClr val="accent5">
+                    <a:lumMod val="75000"/>
+                  </a:schemeClr>
+                </a:solidFill>
+              </a:rPr>
+              <a:t>#</a:t>
+            </a:r>
+            <a:r>
+              <a:rPr lang="zh-TW" altLang="en-US" sz="1500" b="1" i="1" dirty="0" smtClean="0">
+                <a:solidFill>
+                  <a:srgbClr val="FF0000"/>
+                </a:solidFill>
+              </a:rPr>
+              <a:t>透過繼承取得父類別 </a:t>
+            </a:r>
+            <a:r>
+              <a:rPr lang="en-US" altLang="zh-TW" sz="1500" b="1" i="1" dirty="0" smtClean="0">
+                <a:solidFill>
+                  <a:srgbClr val="FF0000"/>
+                </a:solidFill>
+              </a:rPr>
+              <a:t>Method</a:t>
+            </a:r>
+          </a:p>
+          <a:p>
+            <a:r>
+              <a:rPr lang="en-US" altLang="zh-TW" sz="1500" dirty="0" smtClean="0">
+                <a:solidFill>
+                  <a:srgbClr val="0070C0"/>
+                </a:solidFill>
+              </a:rPr>
+              <a:t>print(</a:t>
+            </a:r>
+            <a:r>
+              <a:rPr lang="en-US" altLang="zh-TW" sz="1500" dirty="0" err="1" smtClean="0">
+                <a:solidFill>
+                  <a:srgbClr val="0070C0"/>
+                </a:solidFill>
+              </a:rPr>
+              <a:t>X.getAnimalSpecies</a:t>
+            </a:r>
+            <a:r>
+              <a:rPr lang="en-US" altLang="zh-TW" sz="1500" dirty="0" smtClean="0">
+                <a:solidFill>
+                  <a:srgbClr val="0070C0"/>
+                </a:solidFill>
+              </a:rPr>
+              <a:t>())</a:t>
+            </a:r>
+            <a:r>
+              <a:rPr lang="en-US" altLang="zh-TW" sz="1500" dirty="0">
+                <a:solidFill>
+                  <a:schemeClr val="accent5">
+                    <a:lumMod val="75000"/>
+                  </a:schemeClr>
+                </a:solidFill>
+              </a:rPr>
+              <a:t> </a:t>
+            </a:r>
+            <a:endParaRPr lang="en-US" altLang="zh-TW" sz="1500" dirty="0" smtClean="0">
+              <a:solidFill>
+                <a:schemeClr val="accent5">
+                  <a:lumMod val="75000"/>
+                </a:schemeClr>
+              </a:solidFill>
+            </a:endParaRPr>
+          </a:p>
+          <a:p>
+            <a:r>
+              <a:rPr lang="en-US" altLang="zh-TW" sz="1500" dirty="0" smtClean="0">
+                <a:solidFill>
+                  <a:srgbClr val="0070C0"/>
+                </a:solidFill>
+              </a:rPr>
+              <a:t>print(</a:t>
+            </a:r>
+            <a:r>
+              <a:rPr lang="en-US" altLang="zh-TW" sz="1500" dirty="0" err="1" smtClean="0">
+                <a:solidFill>
+                  <a:srgbClr val="0070C0"/>
+                </a:solidFill>
+              </a:rPr>
+              <a:t>X.update</a:t>
+            </a:r>
+            <a:r>
+              <a:rPr lang="en-US" altLang="zh-TW" sz="1500" dirty="0" smtClean="0">
+                <a:solidFill>
+                  <a:srgbClr val="0070C0"/>
+                </a:solidFill>
+              </a:rPr>
+              <a:t>())</a:t>
+            </a:r>
+            <a:r>
+              <a:rPr lang="zh-TW" altLang="en-US" sz="1500" dirty="0" smtClean="0">
+                <a:solidFill>
+                  <a:srgbClr val="0070C0"/>
+                </a:solidFill>
+              </a:rPr>
+              <a:t>               </a:t>
+            </a:r>
+            <a:r>
+              <a:rPr lang="en-US" altLang="zh-TW" sz="1500" b="1" i="1" dirty="0" smtClean="0">
+                <a:solidFill>
+                  <a:schemeClr val="accent5">
+                    <a:lumMod val="75000"/>
+                  </a:schemeClr>
+                </a:solidFill>
+              </a:rPr>
+              <a:t>#</a:t>
+            </a:r>
+            <a:r>
+              <a:rPr lang="zh-TW" altLang="en-US" sz="1500" b="1" i="1" dirty="0" smtClean="0">
+                <a:solidFill>
+                  <a:srgbClr val="FF0000"/>
+                </a:solidFill>
+              </a:rPr>
+              <a:t>依然</a:t>
+            </a:r>
+            <a:r>
+              <a:rPr lang="zh-TW" altLang="en-US" sz="1500" b="1" i="1" dirty="0">
+                <a:solidFill>
+                  <a:srgbClr val="FF0000"/>
+                </a:solidFill>
+              </a:rPr>
+              <a:t>可使用自己類別的 </a:t>
+            </a:r>
+            <a:r>
+              <a:rPr lang="en-US" altLang="zh-TW" sz="1500" b="1" i="1" dirty="0">
+                <a:solidFill>
+                  <a:srgbClr val="FF0000"/>
+                </a:solidFill>
+              </a:rPr>
+              <a:t>Method</a:t>
+            </a:r>
+          </a:p>
+        </p:txBody>
+      </p:sp>
+      <p:pic>
+        <p:nvPicPr>
+          <p:cNvPr id="2" name="圖片 1"/>
+          <p:cNvPicPr>
+            <a:picLocks noChangeAspect="1"/>
+          </p:cNvPicPr>
+          <p:nvPr/>
+        </p:nvPicPr>
+        <p:blipFill>
+          <a:blip r:embed="rId2"/>
+          <a:stretch>
+            <a:fillRect/>
+          </a:stretch>
+        </p:blipFill>
+        <p:spPr>
+          <a:xfrm>
+            <a:off x="6322693" y="2202316"/>
+            <a:ext cx="5081743" cy="1585913"/>
+          </a:xfrm>
+          <a:prstGeom prst="rect">
+            <a:avLst/>
+          </a:prstGeom>
+          <a:effectLst>
+            <a:softEdge rad="31750"/>
+          </a:effectLst>
+        </p:spPr>
+      </p:pic>
+    </p:spTree>
+    <p:extLst>
+      <p:ext uri="{BB962C8B-B14F-4D97-AF65-F5344CB8AC3E}">
+        <p14:creationId xmlns:p14="http://schemas.microsoft.com/office/powerpoint/2010/main" val="3076500680"/>
+      </p:ext>
+    </p:extLst>
+  </p:cSld>
+  <p:clrMapOvr>
+    <a:masterClrMapping/>
+  </p:clrMapOvr>
+  <mc:AlternateContent xmlns:mc="http://schemas.openxmlformats.org/markup-compatibility/2006" xmlns:p14="http://schemas.microsoft.com/office/powerpoint/2010/main">
+    <mc:Choice Requires="p14">
+      <p:transition spd="slow" p14:dur="2000"/>
+    </mc:Choice>
+    <mc:Fallback xmlns="">
+      <p:transition spd="slow"/>
+    </mc:Fallback>
+  </mc:AlternateContent>
+  <p:timing>
+    <p:tnLst>
+      <p:par>
+        <p:cTn id="1" dur="indefinite" restart="never" nodeType="tmRoot"/>
+      </p:par>
+    </p:tnLst>
+  </p:timing>
+</p:sld>
+</file>
+
+<file path=ppt/slides/slide93.xml><?xml version="1.0" encoding="utf-8"?>
+<p:sld xmlns:a="http://schemas.openxmlformats.org/drawingml/2006/main" xmlns:r="http://schemas.openxmlformats.org/officeDocument/2006/relationships" xmlns:p="http://schemas.openxmlformats.org/presentationml/2006/main">
+  <p:cSld>
+    <p:spTree>
+      <p:nvGrpSpPr>
+        <p:cNvPr id="1" name=""/>
+        <p:cNvGrpSpPr/>
+        <p:nvPr/>
+      </p:nvGrpSpPr>
+      <p:grpSpPr>
+        <a:xfrm>
+          <a:off x="0" y="0"/>
+          <a:ext cx="0" cy="0"/>
+          <a:chOff x="0" y="0"/>
+          <a:chExt cx="0" cy="0"/>
+        </a:xfrm>
+      </p:grpSpPr>
+      <p:sp>
+        <p:nvSpPr>
+          <p:cNvPr id="5" name="標題 1"/>
+          <p:cNvSpPr txBox="1">
+            <a:spLocks/>
+          </p:cNvSpPr>
+          <p:nvPr/>
+        </p:nvSpPr>
+        <p:spPr>
+          <a:xfrm>
+            <a:off x="982724" y="0"/>
+            <a:ext cx="8596668" cy="796505"/>
+          </a:xfrm>
+          <a:prstGeom prst="rect">
+            <a:avLst/>
+          </a:prstGeom>
+        </p:spPr>
+        <p:txBody>
+          <a:bodyPr vert="horz" lIns="91440" tIns="45720" rIns="91440" bIns="45720" rtlCol="0" anchor="b">
+            <a:noAutofit/>
+          </a:bodyPr>
+          <a:lstStyle>
+            <a:lvl1pPr algn="r" defTabSz="457200" rtl="0" eaLnBrk="1" latinLnBrk="0" hangingPunct="1">
+              <a:spcBef>
+                <a:spcPct val="0"/>
+              </a:spcBef>
+              <a:buNone/>
+              <a:defRPr sz="5400" kern="1200">
+                <a:solidFill>
+                  <a:schemeClr val="accent1"/>
+                </a:solidFill>
+                <a:latin typeface="+mj-lt"/>
+                <a:ea typeface="+mj-ea"/>
+                <a:cs typeface="+mj-cs"/>
+              </a:defRPr>
+            </a:lvl1pPr>
+            <a:lvl2pPr eaLnBrk="1" hangingPunct="1">
+              <a:defRPr>
+                <a:solidFill>
+                  <a:schemeClr val="tx2"/>
+                </a:solidFill>
+              </a:defRPr>
+            </a:lvl2pPr>
+            <a:lvl3pPr eaLnBrk="1" hangingPunct="1">
+              <a:defRPr>
+                <a:solidFill>
+                  <a:schemeClr val="tx2"/>
+                </a:solidFill>
+              </a:defRPr>
+            </a:lvl3pPr>
+            <a:lvl4pPr eaLnBrk="1" hangingPunct="1">
+              <a:defRPr>
+                <a:solidFill>
+                  <a:schemeClr val="tx2"/>
+                </a:solidFill>
+              </a:defRPr>
+            </a:lvl4pPr>
+            <a:lvl5pPr eaLnBrk="1" hangingPunct="1">
+              <a:defRPr>
+                <a:solidFill>
+                  <a:schemeClr val="tx2"/>
+                </a:solidFill>
+              </a:defRPr>
+            </a:lvl5pPr>
+            <a:lvl6pPr eaLnBrk="1" hangingPunct="1">
+              <a:defRPr>
+                <a:solidFill>
+                  <a:schemeClr val="tx2"/>
+                </a:solidFill>
+              </a:defRPr>
+            </a:lvl6pPr>
+            <a:lvl7pPr eaLnBrk="1" hangingPunct="1">
+              <a:defRPr>
+                <a:solidFill>
+                  <a:schemeClr val="tx2"/>
+                </a:solidFill>
+              </a:defRPr>
+            </a:lvl7pPr>
+            <a:lvl8pPr eaLnBrk="1" hangingPunct="1">
+              <a:defRPr>
+                <a:solidFill>
+                  <a:schemeClr val="tx2"/>
+                </a:solidFill>
+              </a:defRPr>
+            </a:lvl8pPr>
+            <a:lvl9pPr eaLnBrk="1" hangingPunct="1">
+              <a:defRPr>
+                <a:solidFill>
+                  <a:schemeClr val="tx2"/>
+                </a:solidFill>
+              </a:defRPr>
+            </a:lvl9pPr>
+          </a:lstStyle>
+          <a:p>
+            <a:pPr lvl="1" algn="ctr"/>
+            <a:r>
+              <a:rPr lang="en-US" altLang="zh-TW" sz="4000" dirty="0" smtClean="0"/>
+              <a:t>Inheritance</a:t>
+            </a:r>
+            <a:r>
+              <a:rPr lang="zh-TW" altLang="en-US" sz="4000" dirty="0" smtClean="0"/>
+              <a:t> </a:t>
+            </a:r>
+            <a:r>
+              <a:rPr lang="en-US" altLang="zh-TW" sz="4000" dirty="0" smtClean="0"/>
+              <a:t>(super</a:t>
+            </a:r>
+            <a:r>
+              <a:rPr lang="zh-TW" altLang="en-US" sz="4000" dirty="0"/>
+              <a:t> </a:t>
+            </a:r>
+            <a:r>
+              <a:rPr lang="en-US" altLang="zh-TW" sz="4000" dirty="0" smtClean="0"/>
+              <a:t>())</a:t>
+            </a:r>
+            <a:endParaRPr lang="en-US" altLang="zh-TW" sz="4000" dirty="0">
+              <a:solidFill>
+                <a:schemeClr val="tx1"/>
+              </a:solidFill>
+            </a:endParaRPr>
+          </a:p>
+        </p:txBody>
+      </p:sp>
+      <p:sp>
+        <p:nvSpPr>
+          <p:cNvPr id="8" name="文字方塊 7"/>
+          <p:cNvSpPr txBox="1"/>
+          <p:nvPr/>
+        </p:nvSpPr>
+        <p:spPr>
+          <a:xfrm>
+            <a:off x="326883" y="796505"/>
+            <a:ext cx="6309047" cy="6093976"/>
+          </a:xfrm>
+          <a:prstGeom prst="rect">
+            <a:avLst/>
+          </a:prstGeom>
+          <a:solidFill>
+            <a:schemeClr val="bg1">
+              <a:lumMod val="85000"/>
+            </a:schemeClr>
+          </a:solidFill>
+          <a:effectLst>
+            <a:softEdge rad="76200"/>
+          </a:effectLst>
+        </p:spPr>
+        <p:txBody>
+          <a:bodyPr wrap="square" rtlCol="0">
+            <a:spAutoFit/>
+          </a:bodyPr>
+          <a:lstStyle/>
+          <a:p>
+            <a:r>
+              <a:rPr lang="en-US" altLang="zh-TW" sz="1500" dirty="0" smtClean="0">
+                <a:solidFill>
+                  <a:schemeClr val="accent5">
+                    <a:lumMod val="75000"/>
+                  </a:schemeClr>
+                </a:solidFill>
+              </a:rPr>
+              <a:t># Animal Class </a:t>
+            </a:r>
+          </a:p>
+          <a:p>
+            <a:endParaRPr lang="en-US" altLang="zh-TW" sz="1500" dirty="0" smtClean="0"/>
+          </a:p>
+          <a:p>
+            <a:r>
+              <a:rPr lang="en-US" altLang="zh-TW" sz="1500" dirty="0" smtClean="0"/>
+              <a:t>class </a:t>
+            </a:r>
+            <a:r>
+              <a:rPr lang="en-US" altLang="zh-TW" sz="1500" dirty="0" err="1" smtClean="0"/>
+              <a:t>baseAnimal</a:t>
+            </a:r>
+            <a:r>
+              <a:rPr lang="en-US" altLang="zh-TW" sz="1500" dirty="0" smtClean="0"/>
+              <a:t>:</a:t>
+            </a:r>
+          </a:p>
+          <a:p>
+            <a:r>
+              <a:rPr lang="en-US" altLang="zh-TW" sz="1500" dirty="0" smtClean="0"/>
+              <a:t>    </a:t>
+            </a:r>
+          </a:p>
+          <a:p>
+            <a:r>
+              <a:rPr lang="en-US" altLang="zh-TW" sz="1500" dirty="0" smtClean="0"/>
+              <a:t>    </a:t>
+            </a:r>
+            <a:r>
+              <a:rPr lang="en-US" altLang="zh-TW" sz="1500" dirty="0" err="1" smtClean="0"/>
+              <a:t>def</a:t>
+            </a:r>
+            <a:r>
+              <a:rPr lang="en-US" altLang="zh-TW" sz="1500" dirty="0" smtClean="0"/>
+              <a:t> __</a:t>
+            </a:r>
+            <a:r>
+              <a:rPr lang="en-US" altLang="zh-TW" sz="1500" dirty="0" err="1" smtClean="0"/>
+              <a:t>init</a:t>
+            </a:r>
+            <a:r>
+              <a:rPr lang="en-US" altLang="zh-TW" sz="1500" dirty="0" smtClean="0"/>
+              <a:t>__(self, name, species):</a:t>
+            </a:r>
+          </a:p>
+          <a:p>
+            <a:r>
+              <a:rPr lang="en-US" altLang="zh-TW" sz="1500" dirty="0" smtClean="0"/>
+              <a:t>        </a:t>
+            </a:r>
+            <a:r>
+              <a:rPr lang="en-US" altLang="zh-TW" sz="1500" dirty="0" err="1" smtClean="0"/>
+              <a:t>self.__name</a:t>
+            </a:r>
+            <a:r>
+              <a:rPr lang="en-US" altLang="zh-TW" sz="1500" dirty="0" smtClean="0"/>
+              <a:t> = name</a:t>
+            </a:r>
+          </a:p>
+          <a:p>
+            <a:r>
+              <a:rPr lang="en-US" altLang="zh-TW" sz="1500" dirty="0" smtClean="0"/>
+              <a:t>        </a:t>
+            </a:r>
+            <a:r>
+              <a:rPr lang="en-US" altLang="zh-TW" sz="1500" dirty="0" err="1" smtClean="0"/>
+              <a:t>self.__species</a:t>
+            </a:r>
+            <a:r>
+              <a:rPr lang="en-US" altLang="zh-TW" sz="1500" dirty="0" smtClean="0"/>
+              <a:t> = species</a:t>
+            </a:r>
+          </a:p>
+          <a:p>
+            <a:r>
+              <a:rPr lang="en-US" altLang="zh-TW" sz="1500" dirty="0" smtClean="0"/>
+              <a:t>     </a:t>
+            </a:r>
+          </a:p>
+          <a:p>
+            <a:r>
+              <a:rPr lang="en-US" altLang="zh-TW" sz="1500" dirty="0" smtClean="0"/>
+              <a:t>    </a:t>
+            </a:r>
+            <a:r>
+              <a:rPr lang="en-US" altLang="zh-TW" sz="1500" dirty="0" err="1" smtClean="0"/>
+              <a:t>def</a:t>
+            </a:r>
+            <a:r>
+              <a:rPr lang="en-US" altLang="zh-TW" sz="1500" dirty="0" smtClean="0"/>
+              <a:t> </a:t>
+            </a:r>
+            <a:r>
+              <a:rPr lang="en-US" altLang="zh-TW" sz="1500" dirty="0" err="1" smtClean="0"/>
+              <a:t>getAnimalName</a:t>
+            </a:r>
+            <a:r>
+              <a:rPr lang="en-US" altLang="zh-TW" sz="1500" dirty="0" smtClean="0"/>
+              <a:t>(self):</a:t>
+            </a:r>
+          </a:p>
+          <a:p>
+            <a:r>
+              <a:rPr lang="en-US" altLang="zh-TW" sz="1500" dirty="0" smtClean="0"/>
+              <a:t>        return </a:t>
+            </a:r>
+            <a:r>
+              <a:rPr lang="en-US" altLang="zh-TW" sz="1500" dirty="0" err="1" smtClean="0"/>
+              <a:t>self.__name</a:t>
+            </a:r>
+            <a:endParaRPr lang="en-US" altLang="zh-TW" sz="1500" dirty="0" smtClean="0"/>
+          </a:p>
+          <a:p>
+            <a:r>
+              <a:rPr lang="en-US" altLang="zh-TW" sz="1500" dirty="0" smtClean="0"/>
+              <a:t>    </a:t>
+            </a:r>
+          </a:p>
+          <a:p>
+            <a:r>
+              <a:rPr lang="en-US" altLang="zh-TW" sz="1500" dirty="0" smtClean="0"/>
+              <a:t>    </a:t>
+            </a:r>
+            <a:r>
+              <a:rPr lang="en-US" altLang="zh-TW" sz="1500" dirty="0" err="1" smtClean="0"/>
+              <a:t>def</a:t>
+            </a:r>
+            <a:r>
+              <a:rPr lang="en-US" altLang="zh-TW" sz="1500" dirty="0" smtClean="0"/>
+              <a:t> </a:t>
+            </a:r>
+            <a:r>
+              <a:rPr lang="en-US" altLang="zh-TW" sz="1500" dirty="0" err="1" smtClean="0"/>
+              <a:t>getAnimalSpecies</a:t>
+            </a:r>
+            <a:r>
+              <a:rPr lang="en-US" altLang="zh-TW" sz="1500" dirty="0" smtClean="0"/>
+              <a:t>(self):</a:t>
+            </a:r>
+          </a:p>
+          <a:p>
+            <a:r>
+              <a:rPr lang="en-US" altLang="zh-TW" sz="1500" dirty="0" smtClean="0"/>
+              <a:t>        return </a:t>
+            </a:r>
+            <a:r>
+              <a:rPr lang="en-US" altLang="zh-TW" sz="1500" dirty="0" err="1" smtClean="0"/>
+              <a:t>self.__species</a:t>
+            </a:r>
+            <a:endParaRPr lang="en-US" altLang="zh-TW" sz="1500" dirty="0" smtClean="0"/>
+          </a:p>
+          <a:p>
+            <a:endParaRPr lang="en-US" altLang="zh-TW" sz="1500" dirty="0" smtClean="0"/>
+          </a:p>
+          <a:p>
+            <a:r>
+              <a:rPr lang="en-US" altLang="zh-TW" sz="1500" dirty="0"/>
+              <a:t>class cat(</a:t>
+            </a:r>
+            <a:r>
+              <a:rPr lang="en-US" altLang="zh-TW" sz="1500" dirty="0" err="1"/>
+              <a:t>baseAnimal</a:t>
+            </a:r>
+            <a:r>
+              <a:rPr lang="en-US" altLang="zh-TW" sz="1500" dirty="0"/>
+              <a:t>):</a:t>
+            </a:r>
+            <a:r>
+              <a:rPr lang="zh-TW" altLang="en-US" sz="1500" dirty="0"/>
+              <a:t> </a:t>
+            </a:r>
+            <a:endParaRPr lang="en-US" altLang="zh-TW" sz="1500" dirty="0"/>
+          </a:p>
+          <a:p>
+            <a:r>
+              <a:rPr lang="en-US" altLang="zh-TW" sz="1500" dirty="0"/>
+              <a:t>    </a:t>
+            </a:r>
+            <a:r>
+              <a:rPr lang="en-US" altLang="zh-TW" sz="1500" dirty="0" err="1"/>
+              <a:t>def</a:t>
+            </a:r>
+            <a:r>
+              <a:rPr lang="en-US" altLang="zh-TW" sz="1500" dirty="0"/>
+              <a:t> update(self):</a:t>
+            </a:r>
+          </a:p>
+          <a:p>
+            <a:r>
+              <a:rPr lang="en-US" altLang="zh-TW" sz="1500" dirty="0"/>
+              <a:t>        return "</a:t>
+            </a:r>
+            <a:r>
+              <a:rPr lang="zh-TW" altLang="en-US" sz="1500" dirty="0"/>
+              <a:t>喵喵</a:t>
+            </a:r>
+            <a:r>
+              <a:rPr lang="zh-TW" altLang="en-US" sz="1500" dirty="0" smtClean="0"/>
+              <a:t>叫</a:t>
+            </a:r>
+            <a:r>
+              <a:rPr lang="en-US" altLang="zh-TW" sz="1500" dirty="0"/>
+              <a:t>"</a:t>
+            </a:r>
+            <a:endParaRPr lang="en-US" altLang="zh-TW" sz="1500" dirty="0" smtClean="0"/>
+          </a:p>
+          <a:p>
+            <a:r>
+              <a:rPr lang="zh-TW" altLang="en-US" sz="1500" dirty="0" smtClean="0"/>
+              <a:t>    </a:t>
+            </a:r>
+            <a:endParaRPr lang="en-US" altLang="zh-TW" sz="1500" dirty="0" smtClean="0"/>
+          </a:p>
+          <a:p>
+            <a:r>
+              <a:rPr lang="zh-TW" altLang="en-US" sz="1500" dirty="0"/>
+              <a:t> </a:t>
+            </a:r>
+            <a:r>
+              <a:rPr lang="zh-TW" altLang="en-US" sz="1500" dirty="0" smtClean="0"/>
+              <a:t>   </a:t>
+            </a:r>
+            <a:r>
+              <a:rPr lang="en-US" altLang="zh-TW" sz="1500" dirty="0" err="1"/>
+              <a:t>def</a:t>
+            </a:r>
+            <a:r>
+              <a:rPr lang="en-US" altLang="zh-TW" sz="1500" dirty="0"/>
+              <a:t> </a:t>
+            </a:r>
+            <a:r>
+              <a:rPr lang="en-US" altLang="zh-TW" sz="1500" dirty="0" err="1"/>
+              <a:t>getAnimalSpecies</a:t>
+            </a:r>
+            <a:r>
+              <a:rPr lang="en-US" altLang="zh-TW" sz="1500" dirty="0"/>
+              <a:t>(self):</a:t>
+            </a:r>
+            <a:r>
+              <a:rPr lang="zh-TW" altLang="en-US" sz="1500" dirty="0"/>
+              <a:t> </a:t>
+            </a:r>
+            <a:r>
+              <a:rPr lang="zh-TW" altLang="en-US" sz="1500" dirty="0" smtClean="0"/>
+              <a:t>      </a:t>
+            </a:r>
+            <a:r>
+              <a:rPr lang="en-US" altLang="zh-TW" sz="1500" b="1" i="1" dirty="0" smtClean="0">
+                <a:solidFill>
+                  <a:schemeClr val="accent5">
+                    <a:lumMod val="75000"/>
+                  </a:schemeClr>
+                </a:solidFill>
+              </a:rPr>
+              <a:t>#</a:t>
+            </a:r>
+            <a:r>
+              <a:rPr lang="zh-TW" altLang="en-US" sz="1500" b="1" i="1" dirty="0" smtClean="0">
+                <a:solidFill>
+                  <a:srgbClr val="FF0000"/>
+                </a:solidFill>
+              </a:rPr>
+              <a:t>以相同名稱的 </a:t>
+            </a:r>
+            <a:r>
+              <a:rPr lang="en-US" altLang="zh-TW" sz="1500" b="1" i="1" dirty="0" smtClean="0">
+                <a:solidFill>
+                  <a:srgbClr val="FF0000"/>
+                </a:solidFill>
+              </a:rPr>
+              <a:t>Method</a:t>
+            </a:r>
+            <a:r>
+              <a:rPr lang="zh-TW" altLang="en-US" sz="1500" b="1" i="1" dirty="0" smtClean="0">
+                <a:solidFill>
+                  <a:srgbClr val="FF0000"/>
+                </a:solidFill>
+              </a:rPr>
+              <a:t>覆寫父類別</a:t>
+            </a:r>
+            <a:endParaRPr lang="en-US" altLang="zh-TW" sz="1500" dirty="0" smtClean="0">
+              <a:solidFill>
+                <a:srgbClr val="0070C0"/>
+              </a:solidFill>
+            </a:endParaRPr>
+          </a:p>
+          <a:p>
+            <a:r>
+              <a:rPr lang="zh-TW" altLang="en-US" sz="1500" dirty="0"/>
+              <a:t> </a:t>
+            </a:r>
+            <a:r>
+              <a:rPr lang="zh-TW" altLang="en-US" sz="1500" dirty="0" smtClean="0"/>
+              <a:t>       </a:t>
+            </a:r>
+            <a:r>
+              <a:rPr lang="en-US" altLang="zh-TW" sz="1500" dirty="0">
+                <a:solidFill>
+                  <a:srgbClr val="0070C0"/>
+                </a:solidFill>
+              </a:rPr>
+              <a:t>return super().</a:t>
+            </a:r>
+            <a:r>
+              <a:rPr lang="en-US" altLang="zh-TW" sz="1500" dirty="0" err="1">
+                <a:solidFill>
+                  <a:srgbClr val="0070C0"/>
+                </a:solidFill>
+              </a:rPr>
+              <a:t>getAnimalName</a:t>
+            </a:r>
+            <a:r>
+              <a:rPr lang="en-US" altLang="zh-TW" sz="1500" dirty="0" smtClean="0">
+                <a:solidFill>
+                  <a:srgbClr val="0070C0"/>
+                </a:solidFill>
+              </a:rPr>
+              <a:t>()</a:t>
+            </a:r>
+            <a:r>
+              <a:rPr lang="zh-TW" altLang="en-US" sz="1500" dirty="0" smtClean="0">
+                <a:solidFill>
+                  <a:srgbClr val="0070C0"/>
+                </a:solidFill>
+              </a:rPr>
+              <a:t>  </a:t>
+            </a:r>
+            <a:r>
+              <a:rPr lang="en-US" altLang="zh-TW" sz="1500" b="1" i="1" dirty="0" smtClean="0">
+                <a:solidFill>
+                  <a:schemeClr val="accent5">
+                    <a:lumMod val="75000"/>
+                  </a:schemeClr>
+                </a:solidFill>
+              </a:rPr>
+              <a:t>#</a:t>
+            </a:r>
+            <a:r>
+              <a:rPr lang="zh-TW" altLang="en-US" sz="1500" b="1" i="1" dirty="0" smtClean="0">
+                <a:solidFill>
+                  <a:srgbClr val="FF0000"/>
+                </a:solidFill>
+              </a:rPr>
+              <a:t>以 </a:t>
+            </a:r>
+            <a:r>
+              <a:rPr lang="en-US" altLang="zh-TW" sz="1500" b="1" i="1" dirty="0" smtClean="0">
+                <a:solidFill>
+                  <a:srgbClr val="FF0000"/>
+                </a:solidFill>
+              </a:rPr>
+              <a:t>super() </a:t>
+            </a:r>
+            <a:r>
+              <a:rPr lang="zh-TW" altLang="en-US" sz="1500" b="1" i="1" dirty="0" smtClean="0">
+                <a:solidFill>
+                  <a:srgbClr val="FF0000"/>
+                </a:solidFill>
+              </a:rPr>
+              <a:t>指定父類別 </a:t>
+            </a:r>
+            <a:r>
+              <a:rPr lang="en-US" altLang="zh-TW" sz="1500" b="1" i="1" dirty="0">
+                <a:solidFill>
+                  <a:srgbClr val="FF0000"/>
+                </a:solidFill>
+              </a:rPr>
+              <a:t>M</a:t>
+            </a:r>
+            <a:r>
+              <a:rPr lang="en-US" altLang="zh-TW" sz="1500" b="1" i="1" dirty="0" smtClean="0">
+                <a:solidFill>
+                  <a:srgbClr val="FF0000"/>
+                </a:solidFill>
+              </a:rPr>
+              <a:t>ethod</a:t>
+            </a:r>
+            <a:endParaRPr lang="en-US" altLang="zh-TW" sz="1500" dirty="0">
+              <a:solidFill>
+                <a:srgbClr val="0070C0"/>
+              </a:solidFill>
+            </a:endParaRPr>
+          </a:p>
+          <a:p>
+            <a:endParaRPr lang="en-US" altLang="zh-TW" sz="1500" dirty="0"/>
+          </a:p>
+          <a:p>
+            <a:r>
+              <a:rPr lang="en-US" altLang="zh-TW" sz="1500" dirty="0"/>
+              <a:t>X = cat("</a:t>
+            </a:r>
+            <a:r>
+              <a:rPr lang="en-US" altLang="zh-TW" sz="1500" dirty="0" err="1"/>
+              <a:t>LaLa</a:t>
+            </a:r>
+            <a:r>
+              <a:rPr lang="en-US" altLang="zh-TW" sz="1500" dirty="0"/>
+              <a:t>","Cat")</a:t>
+            </a:r>
+          </a:p>
+          <a:p>
+            <a:r>
+              <a:rPr lang="en-US" altLang="zh-TW" sz="1500" dirty="0" smtClean="0">
+                <a:solidFill>
+                  <a:srgbClr val="0070C0"/>
+                </a:solidFill>
+              </a:rPr>
+              <a:t>print(</a:t>
+            </a:r>
+            <a:r>
+              <a:rPr lang="en-US" altLang="zh-TW" sz="1500" dirty="0" err="1" smtClean="0">
+                <a:solidFill>
+                  <a:srgbClr val="0070C0"/>
+                </a:solidFill>
+              </a:rPr>
+              <a:t>X.getAnimalName</a:t>
+            </a:r>
+            <a:r>
+              <a:rPr lang="en-US" altLang="zh-TW" sz="1500" dirty="0" smtClean="0">
+                <a:solidFill>
+                  <a:srgbClr val="0070C0"/>
+                </a:solidFill>
+              </a:rPr>
+              <a:t>()) </a:t>
+            </a:r>
+            <a:r>
+              <a:rPr lang="zh-TW" altLang="en-US" sz="1500" dirty="0" smtClean="0">
+                <a:solidFill>
+                  <a:srgbClr val="0070C0"/>
+                </a:solidFill>
+              </a:rPr>
+              <a:t>   </a:t>
+            </a:r>
+            <a:r>
+              <a:rPr lang="en-US" altLang="zh-TW" sz="1500" b="1" i="1" dirty="0" smtClean="0">
+                <a:solidFill>
+                  <a:schemeClr val="accent5">
+                    <a:lumMod val="75000"/>
+                  </a:schemeClr>
+                </a:solidFill>
+              </a:rPr>
+              <a:t>#</a:t>
+            </a:r>
+            <a:r>
+              <a:rPr lang="zh-TW" altLang="en-US" sz="1500" b="1" i="1" dirty="0" smtClean="0">
+                <a:solidFill>
+                  <a:srgbClr val="FF0000"/>
+                </a:solidFill>
+              </a:rPr>
+              <a:t>透過繼承取得父類別 </a:t>
+            </a:r>
+            <a:r>
+              <a:rPr lang="en-US" altLang="zh-TW" sz="1500" b="1" i="1" dirty="0" smtClean="0">
+                <a:solidFill>
+                  <a:srgbClr val="FF0000"/>
+                </a:solidFill>
+              </a:rPr>
+              <a:t>Method</a:t>
+            </a:r>
+          </a:p>
+          <a:p>
+            <a:r>
+              <a:rPr lang="en-US" altLang="zh-TW" sz="1500" dirty="0" smtClean="0">
+                <a:solidFill>
+                  <a:srgbClr val="0070C0"/>
+                </a:solidFill>
+              </a:rPr>
+              <a:t>print(</a:t>
+            </a:r>
+            <a:r>
+              <a:rPr lang="en-US" altLang="zh-TW" sz="1500" dirty="0" err="1" smtClean="0">
+                <a:solidFill>
+                  <a:srgbClr val="0070C0"/>
+                </a:solidFill>
+              </a:rPr>
+              <a:t>X.getAnimalSpecies</a:t>
+            </a:r>
+            <a:r>
+              <a:rPr lang="en-US" altLang="zh-TW" sz="1500" dirty="0" smtClean="0">
+                <a:solidFill>
+                  <a:srgbClr val="0070C0"/>
+                </a:solidFill>
+              </a:rPr>
+              <a:t>())</a:t>
+            </a:r>
+            <a:r>
+              <a:rPr lang="en-US" altLang="zh-TW" sz="1500" dirty="0">
+                <a:solidFill>
+                  <a:schemeClr val="accent5">
+                    <a:lumMod val="75000"/>
+                  </a:schemeClr>
+                </a:solidFill>
+              </a:rPr>
+              <a:t> </a:t>
+            </a:r>
+            <a:endParaRPr lang="en-US" altLang="zh-TW" sz="1500" dirty="0" smtClean="0">
+              <a:solidFill>
+                <a:schemeClr val="accent5">
+                  <a:lumMod val="75000"/>
+                </a:schemeClr>
+              </a:solidFill>
+            </a:endParaRPr>
+          </a:p>
+          <a:p>
+            <a:r>
+              <a:rPr lang="en-US" altLang="zh-TW" sz="1500" dirty="0" smtClean="0">
+                <a:solidFill>
+                  <a:srgbClr val="0070C0"/>
+                </a:solidFill>
+              </a:rPr>
+              <a:t>print(</a:t>
+            </a:r>
+            <a:r>
+              <a:rPr lang="en-US" altLang="zh-TW" sz="1500" dirty="0" err="1" smtClean="0">
+                <a:solidFill>
+                  <a:srgbClr val="0070C0"/>
+                </a:solidFill>
+              </a:rPr>
+              <a:t>X.update</a:t>
+            </a:r>
+            <a:r>
+              <a:rPr lang="en-US" altLang="zh-TW" sz="1500" dirty="0" smtClean="0">
+                <a:solidFill>
+                  <a:srgbClr val="0070C0"/>
+                </a:solidFill>
+              </a:rPr>
+              <a:t>())</a:t>
+            </a:r>
+            <a:r>
+              <a:rPr lang="zh-TW" altLang="en-US" sz="1500" dirty="0" smtClean="0">
+                <a:solidFill>
+                  <a:srgbClr val="0070C0"/>
+                </a:solidFill>
+              </a:rPr>
+              <a:t>               </a:t>
+            </a:r>
+            <a:r>
+              <a:rPr lang="en-US" altLang="zh-TW" sz="1500" b="1" i="1" dirty="0" smtClean="0">
+                <a:solidFill>
+                  <a:schemeClr val="accent5">
+                    <a:lumMod val="75000"/>
+                  </a:schemeClr>
+                </a:solidFill>
+              </a:rPr>
+              <a:t>#</a:t>
+            </a:r>
+            <a:r>
+              <a:rPr lang="zh-TW" altLang="en-US" sz="1500" b="1" i="1" dirty="0" smtClean="0">
+                <a:solidFill>
+                  <a:srgbClr val="FF0000"/>
+                </a:solidFill>
+              </a:rPr>
+              <a:t>依然</a:t>
+            </a:r>
+            <a:r>
+              <a:rPr lang="zh-TW" altLang="en-US" sz="1500" b="1" i="1" dirty="0">
+                <a:solidFill>
+                  <a:srgbClr val="FF0000"/>
+                </a:solidFill>
+              </a:rPr>
+              <a:t>可使用自己類別的 </a:t>
+            </a:r>
+            <a:r>
+              <a:rPr lang="en-US" altLang="zh-TW" sz="1500" b="1" i="1" dirty="0">
+                <a:solidFill>
+                  <a:srgbClr val="FF0000"/>
+                </a:solidFill>
+              </a:rPr>
+              <a:t>Method</a:t>
+            </a:r>
+          </a:p>
+        </p:txBody>
+      </p:sp>
+      <p:pic>
+        <p:nvPicPr>
+          <p:cNvPr id="2" name="圖片 1"/>
+          <p:cNvPicPr>
+            <a:picLocks noChangeAspect="1"/>
+          </p:cNvPicPr>
+          <p:nvPr/>
+        </p:nvPicPr>
+        <p:blipFill>
+          <a:blip r:embed="rId2"/>
+          <a:stretch>
+            <a:fillRect/>
+          </a:stretch>
+        </p:blipFill>
+        <p:spPr>
+          <a:xfrm>
+            <a:off x="6779894" y="2346007"/>
+            <a:ext cx="5081743" cy="1585913"/>
+          </a:xfrm>
+          <a:prstGeom prst="rect">
+            <a:avLst/>
+          </a:prstGeom>
+          <a:effectLst>
+            <a:softEdge rad="31750"/>
+          </a:effectLst>
+        </p:spPr>
+      </p:pic>
+    </p:spTree>
+    <p:extLst>
+      <p:ext uri="{BB962C8B-B14F-4D97-AF65-F5344CB8AC3E}">
+        <p14:creationId xmlns:p14="http://schemas.microsoft.com/office/powerpoint/2010/main" val="4277558595"/>
+      </p:ext>
+    </p:extLst>
+  </p:cSld>
+  <p:clrMapOvr>
+    <a:masterClrMapping/>
+  </p:clrMapOvr>
+  <mc:AlternateContent xmlns:mc="http://schemas.openxmlformats.org/markup-compatibility/2006" xmlns:p14="http://schemas.microsoft.com/office/powerpoint/2010/main">
+    <mc:Choice Requires="p14">
+      <p:transition spd="slow" p14:dur="2000"/>
+    </mc:Choice>
+    <mc:Fallback xmlns="">
+      <p:transition spd="slow"/>
+    </mc:Fallback>
+  </mc:AlternateContent>
+  <p:timing>
+    <p:tnLst>
+      <p:par>
+        <p:cTn id="1" dur="indefinite" restart="never" nodeType="tmRoot"/>
+      </p:par>
+    </p:tnLst>
+  </p:timing>
+</p:sld>
+</file>
+
+<file path=ppt/slides/slide94.xml><?xml version="1.0" encoding="utf-8"?>
+<p:sld xmlns:a="http://schemas.openxmlformats.org/drawingml/2006/main" xmlns:r="http://schemas.openxmlformats.org/officeDocument/2006/relationships" xmlns:p="http://schemas.openxmlformats.org/presentationml/2006/main">
+  <p:cSld>
+    <p:spTree>
+      <p:nvGrpSpPr>
+        <p:cNvPr id="1" name=""/>
+        <p:cNvGrpSpPr/>
+        <p:nvPr/>
+      </p:nvGrpSpPr>
+      <p:grpSpPr>
+        <a:xfrm>
+          <a:off x="0" y="0"/>
+          <a:ext cx="0" cy="0"/>
+          <a:chOff x="0" y="0"/>
+          <a:chExt cx="0" cy="0"/>
+        </a:xfrm>
+      </p:grpSpPr>
+      <p:sp>
+        <p:nvSpPr>
+          <p:cNvPr id="5" name="標題 1"/>
+          <p:cNvSpPr txBox="1">
+            <a:spLocks/>
+          </p:cNvSpPr>
+          <p:nvPr/>
+        </p:nvSpPr>
+        <p:spPr>
+          <a:xfrm>
             <a:off x="529948" y="176083"/>
             <a:ext cx="8596668" cy="796505"/>
           </a:xfrm>
@@ -41135,7 +42703,7 @@
 </p:sld>
 </file>
 
-<file path=ppt/slides/slide93.xml><?xml version="1.0" encoding="utf-8"?>
+<file path=ppt/slides/slide95.xml><?xml version="1.0" encoding="utf-8"?>
 <p:sld xmlns:a="http://schemas.openxmlformats.org/drawingml/2006/main" xmlns:r="http://schemas.openxmlformats.org/officeDocument/2006/relationships" xmlns:p="http://schemas.openxmlformats.org/presentationml/2006/main">
   <p:cSld>
     <p:spTree>
@@ -41921,7 +43489,7 @@
 </p:sld>
 </file>
 
-<file path=ppt/slides/slide94.xml><?xml version="1.0" encoding="utf-8"?>
+<file path=ppt/slides/slide96.xml><?xml version="1.0" encoding="utf-8"?>
 <p:sld xmlns:a="http://schemas.openxmlformats.org/drawingml/2006/main" xmlns:r="http://schemas.openxmlformats.org/officeDocument/2006/relationships" xmlns:p="http://schemas.openxmlformats.org/presentationml/2006/main">
   <p:cSld>
     <p:spTree>
@@ -42906,7 +44474,7 @@
 </p:sld>
 </file>
 
-<file path=ppt/slides/slide95.xml><?xml version="1.0" encoding="utf-8"?>
+<file path=ppt/slides/slide97.xml><?xml version="1.0" encoding="utf-8"?>
 <p:sld xmlns:a="http://schemas.openxmlformats.org/drawingml/2006/main" xmlns:r="http://schemas.openxmlformats.org/officeDocument/2006/relationships" xmlns:p="http://schemas.openxmlformats.org/presentationml/2006/main">
   <p:cSld>
     <p:spTree>
@@ -43224,7 +44792,7 @@
 </p:sld>
 </file>
 
-<file path=ppt/slides/slide96.xml><?xml version="1.0" encoding="utf-8"?>
+<file path=ppt/slides/slide98.xml><?xml version="1.0" encoding="utf-8"?>
 <p:sld xmlns:a="http://schemas.openxmlformats.org/drawingml/2006/main" xmlns:r="http://schemas.openxmlformats.org/officeDocument/2006/relationships" xmlns:p="http://schemas.openxmlformats.org/presentationml/2006/main">
   <p:cSld>
     <p:spTree>

--- a/Python Introduction.pptx
+++ b/Python Introduction.pptx
@@ -77,32 +77,34 @@
     <p:sldId id="399" r:id="rId71"/>
     <p:sldId id="400" r:id="rId72"/>
     <p:sldId id="350" r:id="rId73"/>
-    <p:sldId id="341" r:id="rId74"/>
-    <p:sldId id="345" r:id="rId75"/>
-    <p:sldId id="389" r:id="rId76"/>
-    <p:sldId id="351" r:id="rId77"/>
-    <p:sldId id="347" r:id="rId78"/>
-    <p:sldId id="366" r:id="rId79"/>
-    <p:sldId id="348" r:id="rId80"/>
-    <p:sldId id="346" r:id="rId81"/>
-    <p:sldId id="352" r:id="rId82"/>
-    <p:sldId id="349" r:id="rId83"/>
-    <p:sldId id="365" r:id="rId84"/>
-    <p:sldId id="354" r:id="rId85"/>
-    <p:sldId id="401" r:id="rId86"/>
-    <p:sldId id="355" r:id="rId87"/>
-    <p:sldId id="356" r:id="rId88"/>
-    <p:sldId id="357" r:id="rId89"/>
-    <p:sldId id="353" r:id="rId90"/>
-    <p:sldId id="358" r:id="rId91"/>
-    <p:sldId id="402" r:id="rId92"/>
-    <p:sldId id="403" r:id="rId93"/>
-    <p:sldId id="404" r:id="rId94"/>
-    <p:sldId id="359" r:id="rId95"/>
-    <p:sldId id="360" r:id="rId96"/>
-    <p:sldId id="361" r:id="rId97"/>
-    <p:sldId id="318" r:id="rId98"/>
-    <p:sldId id="304" r:id="rId99"/>
+    <p:sldId id="408" r:id="rId74"/>
+    <p:sldId id="407" r:id="rId75"/>
+    <p:sldId id="405" r:id="rId76"/>
+    <p:sldId id="389" r:id="rId77"/>
+    <p:sldId id="345" r:id="rId78"/>
+    <p:sldId id="351" r:id="rId79"/>
+    <p:sldId id="347" r:id="rId80"/>
+    <p:sldId id="366" r:id="rId81"/>
+    <p:sldId id="348" r:id="rId82"/>
+    <p:sldId id="346" r:id="rId83"/>
+    <p:sldId id="352" r:id="rId84"/>
+    <p:sldId id="349" r:id="rId85"/>
+    <p:sldId id="365" r:id="rId86"/>
+    <p:sldId id="354" r:id="rId87"/>
+    <p:sldId id="401" r:id="rId88"/>
+    <p:sldId id="355" r:id="rId89"/>
+    <p:sldId id="356" r:id="rId90"/>
+    <p:sldId id="357" r:id="rId91"/>
+    <p:sldId id="353" r:id="rId92"/>
+    <p:sldId id="358" r:id="rId93"/>
+    <p:sldId id="402" r:id="rId94"/>
+    <p:sldId id="403" r:id="rId95"/>
+    <p:sldId id="404" r:id="rId96"/>
+    <p:sldId id="359" r:id="rId97"/>
+    <p:sldId id="360" r:id="rId98"/>
+    <p:sldId id="361" r:id="rId99"/>
+    <p:sldId id="318" r:id="rId100"/>
+    <p:sldId id="304" r:id="rId101"/>
   </p:sldIdLst>
   <p:sldSz cx="12192000" cy="6858000"/>
   <p:notesSz cx="6858000" cy="9144000"/>
@@ -6205,6 +6207,118 @@
     <p:extLst>
       <p:ext uri="{BB962C8B-B14F-4D97-AF65-F5344CB8AC3E}">
         <p14:creationId xmlns:p14="http://schemas.microsoft.com/office/powerpoint/2010/main" val="2155599608"/>
+      </p:ext>
+    </p:extLst>
+  </p:cSld>
+  <p:clrMapOvr>
+    <a:masterClrMapping/>
+  </p:clrMapOvr>
+  <mc:AlternateContent xmlns:mc="http://schemas.openxmlformats.org/markup-compatibility/2006" xmlns:p14="http://schemas.microsoft.com/office/powerpoint/2010/main">
+    <mc:Choice Requires="p14">
+      <p:transition spd="slow" p14:dur="2000"/>
+    </mc:Choice>
+    <mc:Fallback xmlns="">
+      <p:transition spd="slow"/>
+    </mc:Fallback>
+  </mc:AlternateContent>
+  <p:timing>
+    <p:tnLst>
+      <p:par>
+        <p:cTn id="1" dur="indefinite" restart="never" nodeType="tmRoot"/>
+      </p:par>
+    </p:tnLst>
+  </p:timing>
+</p:sld>
+</file>
+
+<file path=ppt/slides/slide100.xml><?xml version="1.0" encoding="utf-8"?>
+<p:sld xmlns:a="http://schemas.openxmlformats.org/drawingml/2006/main" xmlns:r="http://schemas.openxmlformats.org/officeDocument/2006/relationships" xmlns:p="http://schemas.openxmlformats.org/presentationml/2006/main">
+  <p:cSld>
+    <p:spTree>
+      <p:nvGrpSpPr>
+        <p:cNvPr id="1" name=""/>
+        <p:cNvGrpSpPr/>
+        <p:nvPr/>
+      </p:nvGrpSpPr>
+      <p:grpSpPr>
+        <a:xfrm>
+          <a:off x="0" y="0"/>
+          <a:ext cx="0" cy="0"/>
+          <a:chOff x="0" y="0"/>
+          <a:chExt cx="0" cy="0"/>
+        </a:xfrm>
+      </p:grpSpPr>
+      <p:sp>
+        <p:nvSpPr>
+          <p:cNvPr id="2" name="標題 1"/>
+          <p:cNvSpPr>
+            <a:spLocks noGrp="1"/>
+          </p:cNvSpPr>
+          <p:nvPr>
+            <p:ph type="ctrTitle"/>
+          </p:nvPr>
+        </p:nvSpPr>
+        <p:spPr/>
+        <p:txBody>
+          <a:bodyPr/>
+          <a:lstStyle/>
+          <a:p>
+            <a:pPr algn="ctr"/>
+            <a:r>
+              <a:rPr lang="en-US" altLang="zh-TW" dirty="0" smtClean="0"/>
+              <a:t>Q</a:t>
+            </a:r>
+            <a:r>
+              <a:rPr lang="en-US" altLang="zh-TW" dirty="0" smtClean="0">
+                <a:latin typeface="+mj-ea"/>
+              </a:rPr>
+              <a:t>&amp;</a:t>
+            </a:r>
+            <a:r>
+              <a:rPr lang="en-US" altLang="zh-TW" dirty="0" smtClean="0"/>
+              <a:t>A</a:t>
+            </a:r>
+            <a:br>
+              <a:rPr lang="en-US" altLang="zh-TW" dirty="0" smtClean="0"/>
+            </a:br>
+            <a:endParaRPr lang="zh-TW" altLang="en-US" dirty="0"/>
+          </a:p>
+        </p:txBody>
+      </p:sp>
+      <p:pic>
+        <p:nvPicPr>
+          <p:cNvPr id="3" name="圖片 2"/>
+          <p:cNvPicPr>
+            <a:picLocks noChangeAspect="1"/>
+          </p:cNvPicPr>
+          <p:nvPr/>
+        </p:nvPicPr>
+        <p:blipFill>
+          <a:blip r:embed="rId2">
+            <a:extLst>
+              <a:ext uri="{28A0092B-C50C-407E-A947-70E740481C1C}">
+                <a14:useLocalDpi xmlns:a14="http://schemas.microsoft.com/office/drawing/2010/main" val="0"/>
+              </a:ext>
+            </a:extLst>
+          </a:blip>
+          <a:stretch>
+            <a:fillRect/>
+          </a:stretch>
+        </p:blipFill>
+        <p:spPr>
+          <a:xfrm>
+            <a:off x="161111" y="5218611"/>
+            <a:ext cx="1739972" cy="1449977"/>
+          </a:xfrm>
+          <a:prstGeom prst="rect">
+            <a:avLst/>
+          </a:prstGeom>
+        </p:spPr>
+      </p:pic>
+    </p:spTree>
+    <p:extLst>
+      <p:ext uri="{BB962C8B-B14F-4D97-AF65-F5344CB8AC3E}">
+        <p14:creationId xmlns:p14="http://schemas.microsoft.com/office/powerpoint/2010/main" val="2544297589"/>
       </p:ext>
     </p:extLst>
   </p:cSld>
@@ -32472,20 +32586,12 @@
           <a:p>
             <a:pPr lvl="1" algn="ctr"/>
             <a:r>
-              <a:rPr lang="en-US" altLang="zh-TW" sz="4000">
+              <a:rPr lang="en-US" altLang="zh-TW" sz="4000" dirty="0" smtClean="0">
                 <a:solidFill>
                   <a:schemeClr val="tx1"/>
                 </a:solidFill>
               </a:rPr>
-              <a:t>M</a:t>
-            </a:r>
-            <a:r>
-              <a:rPr lang="en-US" altLang="zh-TW" sz="4000" smtClean="0">
-                <a:solidFill>
-                  <a:schemeClr val="tx1"/>
-                </a:solidFill>
-              </a:rPr>
-              <a:t>odule </a:t>
+              <a:t>Module(Import) </a:t>
             </a:r>
             <a:endParaRPr lang="en-US" altLang="zh-TW" sz="4000" dirty="0">
               <a:solidFill>
@@ -32532,8 +32638,15 @@
                   </a:schemeClr>
                 </a:solidFill>
               </a:rPr>
-              <a:t>#Test.py</a:t>
-            </a:r>
+              <a:t>#util.py</a:t>
+            </a:r>
+            <a:endParaRPr lang="en-US" altLang="zh-TW" sz="2000" dirty="0" smtClean="0">
+              <a:solidFill>
+                <a:schemeClr val="accent5">
+                  <a:lumMod val="75000"/>
+                </a:schemeClr>
+              </a:solidFill>
+            </a:endParaRPr>
           </a:p>
           <a:p>
             <a:endParaRPr lang="en-US" altLang="zh-TW" sz="2000" dirty="0"/>
@@ -32648,27 +32761,54 @@
           <a:lstStyle/>
           <a:p>
             <a:r>
-              <a:rPr lang="en-US" altLang="zh-TW" sz="2000" dirty="0">
+              <a:rPr lang="en-US" altLang="zh-TW" sz="2000" dirty="0" smtClean="0">
                 <a:solidFill>
                   <a:schemeClr val="accent5">
                     <a:lumMod val="75000"/>
                   </a:schemeClr>
                 </a:solidFill>
               </a:rPr>
-              <a:t>#import.py</a:t>
-            </a:r>
+              <a:t>#</a:t>
+            </a:r>
+            <a:r>
+              <a:rPr lang="en-US" altLang="zh-TW" sz="2000" dirty="0" smtClean="0">
+                <a:solidFill>
+                  <a:schemeClr val="accent5">
+                    <a:lumMod val="75000"/>
+                  </a:schemeClr>
+                </a:solidFill>
+              </a:rPr>
+              <a:t>Demo</a:t>
+            </a:r>
+            <a:r>
+              <a:rPr lang="en-US" altLang="zh-TW" sz="2000" dirty="0" smtClean="0">
+                <a:solidFill>
+                  <a:schemeClr val="accent5">
+                    <a:lumMod val="75000"/>
+                  </a:schemeClr>
+                </a:solidFill>
+              </a:rPr>
+              <a:t>.py</a:t>
+            </a:r>
+            <a:endParaRPr lang="en-US" altLang="zh-TW" sz="2000" dirty="0">
+              <a:solidFill>
+                <a:schemeClr val="accent5">
+                  <a:lumMod val="75000"/>
+                </a:schemeClr>
+              </a:solidFill>
+            </a:endParaRPr>
           </a:p>
           <a:p>
             <a:endParaRPr lang="en-US" altLang="zh-TW" sz="2000" dirty="0"/>
           </a:p>
           <a:p>
             <a:r>
-              <a:rPr lang="en-US" altLang="zh-TW" sz="2000" dirty="0"/>
-              <a:t>import </a:t>
-            </a:r>
-            <a:r>
               <a:rPr lang="en-US" altLang="zh-TW" sz="2000" dirty="0" smtClean="0"/>
-              <a:t>Test</a:t>
+              <a:t>Import </a:t>
+            </a:r>
+            <a:r>
+              <a:rPr lang="en-US" altLang="zh-TW" sz="2000" dirty="0" err="1" smtClean="0"/>
+              <a:t>util</a:t>
             </a:r>
             <a:endParaRPr lang="en-US" altLang="zh-TW" sz="2000" dirty="0"/>
           </a:p>
@@ -32678,7 +32818,11 @@
           <a:p>
             <a:r>
               <a:rPr lang="en-US" altLang="zh-TW" sz="2000" dirty="0" smtClean="0"/>
-              <a:t>Test.example1</a:t>
+              <a:t>util</a:t>
+            </a:r>
+            <a:r>
+              <a:rPr lang="en-US" altLang="zh-TW" sz="2000" dirty="0" smtClean="0"/>
+              <a:t>.example1</a:t>
             </a:r>
             <a:r>
               <a:rPr lang="en-US" altLang="zh-TW" sz="2000" dirty="0"/>
@@ -32691,7 +32835,11 @@
           <a:p>
             <a:r>
               <a:rPr lang="en-US" altLang="zh-TW" sz="2000" dirty="0" smtClean="0"/>
-              <a:t>Test.example2</a:t>
+              <a:t>util</a:t>
+            </a:r>
+            <a:r>
+              <a:rPr lang="en-US" altLang="zh-TW" sz="2000" dirty="0" smtClean="0"/>
+              <a:t>.example2</a:t>
             </a:r>
             <a:r>
               <a:rPr lang="en-US" altLang="zh-TW" sz="2000" dirty="0"/>
@@ -32739,7 +32887,7 @@
     </p:spTree>
     <p:extLst>
       <p:ext uri="{BB962C8B-B14F-4D97-AF65-F5344CB8AC3E}">
-        <p14:creationId xmlns:p14="http://schemas.microsoft.com/office/powerpoint/2010/main" val="134715608"/>
+        <p14:creationId xmlns:p14="http://schemas.microsoft.com/office/powerpoint/2010/main" val="862918780"/>
       </p:ext>
     </p:extLst>
   </p:cSld>
@@ -32791,8 +32939,8 @@
         </p:nvSpPr>
         <p:spPr>
           <a:xfrm>
-            <a:off x="782822" y="290334"/>
-            <a:ext cx="8596668" cy="796505"/>
+            <a:off x="782821" y="290334"/>
+            <a:ext cx="9562962" cy="796505"/>
           </a:xfrm>
           <a:prstGeom prst="rect">
             <a:avLst/>
@@ -32877,52 +33025,44 @@
           <a:p>
             <a:pPr lvl="1" algn="ctr"/>
             <a:r>
-              <a:rPr lang="en-US" altLang="zh-TW" sz="4000">
+              <a:rPr lang="en-US" altLang="zh-TW" sz="4000" dirty="0" smtClean="0">
                 <a:solidFill>
                   <a:schemeClr val="tx1"/>
                 </a:solidFill>
               </a:rPr>
-              <a:t>M</a:t>
-            </a:r>
-            <a:r>
-              <a:rPr lang="en-US" altLang="zh-TW" sz="4000" smtClean="0">
+              <a:t>Module</a:t>
+            </a:r>
+            <a:r>
+              <a:rPr lang="zh-TW" altLang="en-US" sz="4000" dirty="0" smtClean="0">
                 <a:solidFill>
                   <a:schemeClr val="tx1"/>
                 </a:solidFill>
               </a:rPr>
-              <a:t>odule</a:t>
-            </a:r>
-            <a:r>
-              <a:rPr lang="zh-TW" altLang="en-US" sz="4000" smtClean="0">
+              <a:t> </a:t>
+            </a:r>
+            <a:r>
+              <a:rPr lang="en-US" altLang="zh-TW" sz="4000" dirty="0" smtClean="0">
                 <a:solidFill>
                   <a:schemeClr val="tx1"/>
                 </a:solidFill>
               </a:rPr>
+              <a:t>(Different Folder</a:t>
+            </a:r>
+            <a:r>
+              <a:rPr lang="zh-TW" altLang="en-US" sz="4000" dirty="0" smtClean="0">
+                <a:solidFill>
+                  <a:schemeClr val="tx1"/>
+                </a:solidFill>
+              </a:rPr>
               <a:t> </a:t>
             </a:r>
             <a:r>
-              <a:rPr lang="en-US" altLang="zh-TW" sz="4000" smtClean="0">
+              <a:rPr lang="en-US" altLang="zh-TW" sz="4000" dirty="0">
                 <a:solidFill>
                   <a:schemeClr val="tx1"/>
                 </a:solidFill>
               </a:rPr>
-              <a:t>(</a:t>
-            </a:r>
-            <a:r>
-              <a:rPr lang="en-US" altLang="zh-TW" sz="4000">
-                <a:solidFill>
-                  <a:schemeClr val="tx1"/>
-                </a:solidFill>
-              </a:rPr>
-              <a:t>U</a:t>
-            </a:r>
-            <a:r>
-              <a:rPr lang="en-US" altLang="zh-TW" sz="4000" smtClean="0">
-                <a:solidFill>
-                  <a:schemeClr val="tx1"/>
-                </a:solidFill>
-              </a:rPr>
-              <a:t>sed by CMD) </a:t>
+              <a:t>Import) </a:t>
             </a:r>
             <a:endParaRPr lang="en-US" altLang="zh-TW" sz="4000" dirty="0">
               <a:solidFill>
@@ -32932,258 +33072,24 @@
           </a:p>
         </p:txBody>
       </p:sp>
-      <p:sp>
-        <p:nvSpPr>
-          <p:cNvPr id="8" name="文字方塊 7"/>
-          <p:cNvSpPr txBox="1"/>
-          <p:nvPr/>
-        </p:nvSpPr>
-        <p:spPr>
-          <a:xfrm>
-            <a:off x="986251" y="1455573"/>
-            <a:ext cx="3816197" cy="5016758"/>
-          </a:xfrm>
-          <a:prstGeom prst="rect">
-            <a:avLst/>
-          </a:prstGeom>
-          <a:solidFill>
-            <a:schemeClr val="bg1">
-              <a:lumMod val="85000"/>
-            </a:schemeClr>
-          </a:solidFill>
-          <a:effectLst>
-            <a:softEdge rad="76200"/>
-          </a:effectLst>
-        </p:spPr>
-        <p:txBody>
-          <a:bodyPr wrap="square" rtlCol="0">
-            <a:spAutoFit/>
-          </a:bodyPr>
-          <a:lstStyle/>
-          <a:p>
-            <a:r>
-              <a:rPr lang="en-US" altLang="zh-TW" sz="2000" dirty="0"/>
-              <a:t>#temp.py</a:t>
-            </a:r>
-          </a:p>
-          <a:p>
-            <a:r>
-              <a:rPr lang="en-US" altLang="zh-TW" sz="2000" dirty="0"/>
-              <a:t>import sys</a:t>
-            </a:r>
-          </a:p>
-          <a:p>
-            <a:endParaRPr lang="en-US" altLang="zh-TW" sz="2000" dirty="0"/>
-          </a:p>
-          <a:p>
-            <a:r>
-              <a:rPr lang="en-US" altLang="zh-TW" sz="2000" dirty="0" err="1"/>
-              <a:t>def</a:t>
-            </a:r>
-            <a:r>
-              <a:rPr lang="en-US" altLang="zh-TW" sz="2000" dirty="0"/>
-              <a:t> example1(n):</a:t>
-            </a:r>
-          </a:p>
-          <a:p>
-            <a:r>
-              <a:rPr lang="en-US" altLang="zh-TW" sz="2000" dirty="0"/>
-              <a:t>   print("example1 function")</a:t>
-            </a:r>
-          </a:p>
-          <a:p>
-            <a:r>
-              <a:rPr lang="en-US" altLang="zh-TW" sz="2000" dirty="0"/>
-              <a:t>   if n == "Yes":</a:t>
-            </a:r>
-          </a:p>
-          <a:p>
-            <a:r>
-              <a:rPr lang="en-US" altLang="zh-TW" sz="2000" dirty="0"/>
-              <a:t>       print("</a:t>
-            </a:r>
-            <a:r>
-              <a:rPr lang="zh-TW" altLang="en-US" sz="2000" dirty="0"/>
-              <a:t>輸入了 </a:t>
-            </a:r>
-            <a:r>
-              <a:rPr lang="en-US" altLang="zh-TW" sz="2000" dirty="0"/>
-              <a:t>Yes")</a:t>
-            </a:r>
-          </a:p>
-          <a:p>
-            <a:endParaRPr lang="en-US" altLang="zh-TW" sz="2000" dirty="0"/>
-          </a:p>
-          <a:p>
-            <a:r>
-              <a:rPr lang="en-US" altLang="zh-TW" sz="2000" dirty="0" err="1"/>
-              <a:t>def</a:t>
-            </a:r>
-            <a:r>
-              <a:rPr lang="en-US" altLang="zh-TW" sz="2000" dirty="0"/>
-              <a:t> example2(m):</a:t>
-            </a:r>
-          </a:p>
-          <a:p>
-            <a:r>
-              <a:rPr lang="en-US" altLang="zh-TW" sz="2000" dirty="0"/>
-              <a:t>   print("example2 function")</a:t>
-            </a:r>
-          </a:p>
-          <a:p>
-            <a:r>
-              <a:rPr lang="en-US" altLang="zh-TW" sz="2000" dirty="0"/>
-              <a:t>   if m == "No" :</a:t>
-            </a:r>
-          </a:p>
-          <a:p>
-            <a:r>
-              <a:rPr lang="en-US" altLang="zh-TW" sz="2000" dirty="0"/>
-              <a:t>       print("</a:t>
-            </a:r>
-            <a:r>
-              <a:rPr lang="zh-TW" altLang="en-US" sz="2000" dirty="0"/>
-              <a:t>輸入了 </a:t>
-            </a:r>
-            <a:r>
-              <a:rPr lang="en-US" altLang="zh-TW" sz="2000" dirty="0"/>
-              <a:t>No")</a:t>
-            </a:r>
-          </a:p>
-          <a:p>
-            <a:r>
-              <a:rPr lang="en-US" altLang="zh-TW" sz="2000" dirty="0"/>
-              <a:t>   </a:t>
-            </a:r>
-          </a:p>
-          <a:p>
-            <a:r>
-              <a:rPr lang="en-US" altLang="zh-TW" sz="2000" dirty="0">
-                <a:solidFill>
-                  <a:srgbClr val="FF0000"/>
-                </a:solidFill>
-              </a:rPr>
-              <a:t>if __name__ == "__main__":</a:t>
-            </a:r>
-          </a:p>
-          <a:p>
-            <a:r>
-              <a:rPr lang="en-US" altLang="zh-TW" sz="2000" dirty="0" smtClean="0">
-                <a:solidFill>
-                  <a:srgbClr val="0070C0"/>
-                </a:solidFill>
-              </a:rPr>
-              <a:t>    example1(</a:t>
-            </a:r>
-            <a:r>
-              <a:rPr lang="en-US" altLang="zh-TW" sz="2000" dirty="0" err="1" smtClean="0">
-                <a:solidFill>
-                  <a:srgbClr val="0070C0"/>
-                </a:solidFill>
-              </a:rPr>
-              <a:t>str</a:t>
-            </a:r>
-            <a:r>
-              <a:rPr lang="en-US" altLang="zh-TW" sz="2000" dirty="0" smtClean="0">
-                <a:solidFill>
-                  <a:srgbClr val="0070C0"/>
-                </a:solidFill>
-              </a:rPr>
-              <a:t>(</a:t>
-            </a:r>
-            <a:r>
-              <a:rPr lang="en-US" altLang="zh-TW" sz="2000" dirty="0" err="1" smtClean="0">
-                <a:solidFill>
-                  <a:srgbClr val="0070C0"/>
-                </a:solidFill>
-              </a:rPr>
-              <a:t>sys.argv</a:t>
-            </a:r>
-            <a:r>
-              <a:rPr lang="en-US" altLang="zh-TW" sz="2000" dirty="0" smtClean="0">
-                <a:solidFill>
-                  <a:srgbClr val="0070C0"/>
-                </a:solidFill>
-              </a:rPr>
-              <a:t>[1</a:t>
-            </a:r>
-            <a:r>
-              <a:rPr lang="en-US" altLang="zh-TW" sz="2000" dirty="0">
-                <a:solidFill>
-                  <a:srgbClr val="0070C0"/>
-                </a:solidFill>
-              </a:rPr>
-              <a:t>]))</a:t>
-            </a:r>
-          </a:p>
-          <a:p>
-            <a:r>
-              <a:rPr lang="en-US" altLang="zh-TW" sz="2000" dirty="0">
-                <a:solidFill>
-                  <a:srgbClr val="0070C0"/>
-                </a:solidFill>
-              </a:rPr>
-              <a:t>    example2(</a:t>
-            </a:r>
-            <a:r>
-              <a:rPr lang="en-US" altLang="zh-TW" sz="2000" dirty="0" err="1">
-                <a:solidFill>
-                  <a:srgbClr val="0070C0"/>
-                </a:solidFill>
-              </a:rPr>
-              <a:t>str</a:t>
-            </a:r>
-            <a:r>
-              <a:rPr lang="en-US" altLang="zh-TW" sz="2000" dirty="0">
-                <a:solidFill>
-                  <a:srgbClr val="0070C0"/>
-                </a:solidFill>
-              </a:rPr>
-              <a:t>(</a:t>
-            </a:r>
-            <a:r>
-              <a:rPr lang="en-US" altLang="zh-TW" sz="2000" dirty="0" err="1">
-                <a:solidFill>
-                  <a:srgbClr val="0070C0"/>
-                </a:solidFill>
-              </a:rPr>
-              <a:t>sys.argv</a:t>
-            </a:r>
-            <a:r>
-              <a:rPr lang="en-US" altLang="zh-TW" sz="2000" dirty="0">
-                <a:solidFill>
-                  <a:srgbClr val="0070C0"/>
-                </a:solidFill>
-              </a:rPr>
-              <a:t>[2]))</a:t>
-            </a:r>
-          </a:p>
-        </p:txBody>
-      </p:sp>
       <p:pic>
         <p:nvPicPr>
-          <p:cNvPr id="2" name="圖片 1"/>
+          <p:cNvPr id="4" name="圖片 3"/>
           <p:cNvPicPr>
             <a:picLocks noChangeAspect="1"/>
           </p:cNvPicPr>
           <p:nvPr/>
         </p:nvPicPr>
         <p:blipFill>
-          <a:blip r:embed="rId2">
-            <a:extLst>
-              <a:ext uri="{28A0092B-C50C-407E-A947-70E740481C1C}">
-                <a14:useLocalDpi xmlns:a14="http://schemas.microsoft.com/office/drawing/2010/main" val="0"/>
-              </a:ext>
-            </a:extLst>
-          </a:blip>
+          <a:blip r:embed="rId2"/>
           <a:stretch>
             <a:fillRect/>
           </a:stretch>
         </p:blipFill>
         <p:spPr>
           <a:xfrm>
-            <a:off x="5225143" y="1455573"/>
-            <a:ext cx="5865223" cy="5016758"/>
+            <a:off x="4689565" y="1987339"/>
+            <a:ext cx="7328535" cy="4640761"/>
           </a:xfrm>
           <a:prstGeom prst="rect">
             <a:avLst/>
@@ -33193,10 +33099,112 @@
           </a:effectLst>
         </p:spPr>
       </p:pic>
+      <p:sp>
+        <p:nvSpPr>
+          <p:cNvPr id="7" name="文字方塊 6"/>
+          <p:cNvSpPr txBox="1"/>
+          <p:nvPr/>
+        </p:nvSpPr>
+        <p:spPr>
+          <a:xfrm>
+            <a:off x="339635" y="1987339"/>
+            <a:ext cx="4349930" cy="1692771"/>
+          </a:xfrm>
+          <a:prstGeom prst="rect">
+            <a:avLst/>
+          </a:prstGeom>
+          <a:noFill/>
+        </p:spPr>
+        <p:txBody>
+          <a:bodyPr wrap="square" rtlCol="0">
+            <a:spAutoFit/>
+          </a:bodyPr>
+          <a:lstStyle/>
+          <a:p>
+            <a:r>
+              <a:rPr lang="en-US" altLang="zh-TW" dirty="0" smtClean="0"/>
+              <a:t>Add Project package path as below with </a:t>
+            </a:r>
+            <a:r>
+              <a:rPr lang="en-US" altLang="zh-TW" b="1" i="1" u="sng" dirty="0" smtClean="0">
+                <a:solidFill>
+                  <a:srgbClr val="0070C0"/>
+                </a:solidFill>
+              </a:rPr>
+              <a:t>.</a:t>
+            </a:r>
+            <a:r>
+              <a:rPr lang="en-US" altLang="zh-TW" b="1" i="1" u="sng" dirty="0" err="1" smtClean="0">
+                <a:solidFill>
+                  <a:srgbClr val="0070C0"/>
+                </a:solidFill>
+              </a:rPr>
+              <a:t>pth</a:t>
+            </a:r>
+            <a:r>
+              <a:rPr lang="en-US" altLang="zh-TW" b="1" i="1" u="sng" dirty="0" smtClean="0">
+                <a:solidFill>
+                  <a:srgbClr val="0070C0"/>
+                </a:solidFill>
+              </a:rPr>
+              <a:t>  </a:t>
+            </a:r>
+            <a:r>
+              <a:rPr lang="en-US" altLang="zh-TW" dirty="0" smtClean="0"/>
+              <a:t>file </a:t>
+            </a:r>
+            <a:r>
+              <a:rPr lang="en-US" altLang="zh-TW" dirty="0"/>
+              <a:t>for python to </a:t>
+            </a:r>
+            <a:r>
+              <a:rPr lang="en-US" altLang="zh-TW" dirty="0" smtClean="0"/>
+              <a:t>Identify your package module</a:t>
+            </a:r>
+            <a:endParaRPr lang="en-US" altLang="zh-TW" dirty="0"/>
+          </a:p>
+          <a:p>
+            <a:endParaRPr lang="en-US" altLang="zh-TW" dirty="0"/>
+          </a:p>
+          <a:p>
+            <a:r>
+              <a:rPr lang="en-US" altLang="zh-TW" sz="1600" dirty="0" smtClean="0"/>
+              <a:t>*</a:t>
+            </a:r>
+            <a:r>
+              <a:rPr lang="en-US" altLang="zh-TW" sz="1600" i="1" dirty="0" err="1" smtClean="0">
+                <a:solidFill>
+                  <a:schemeClr val="accent5">
+                    <a:lumMod val="75000"/>
+                  </a:schemeClr>
+                </a:solidFill>
+              </a:rPr>
+              <a:t>AppData</a:t>
+            </a:r>
+            <a:r>
+              <a:rPr lang="en-US" altLang="zh-TW" sz="1600" i="1" dirty="0" smtClean="0">
+                <a:solidFill>
+                  <a:schemeClr val="accent5">
+                    <a:lumMod val="75000"/>
+                  </a:schemeClr>
+                </a:solidFill>
+              </a:rPr>
+              <a:t>\Local\Programs\Python\Python310\Lib\site-packages </a:t>
+            </a:r>
+            <a:endParaRPr lang="zh-TW" altLang="en-US" sz="1600" i="1" dirty="0">
+              <a:solidFill>
+                <a:schemeClr val="accent5">
+                  <a:lumMod val="75000"/>
+                </a:schemeClr>
+              </a:solidFill>
+            </a:endParaRPr>
+          </a:p>
+        </p:txBody>
+      </p:sp>
     </p:spTree>
     <p:extLst>
       <p:ext uri="{BB962C8B-B14F-4D97-AF65-F5344CB8AC3E}">
-        <p14:creationId xmlns:p14="http://schemas.microsoft.com/office/powerpoint/2010/main" val="1912442512"/>
+        <p14:creationId xmlns:p14="http://schemas.microsoft.com/office/powerpoint/2010/main" val="2418675741"/>
       </p:ext>
     </p:extLst>
   </p:cSld>
@@ -33222,6 +33230,480 @@
 </file>
 
 <file path=ppt/slides/slide75.xml><?xml version="1.0" encoding="utf-8"?>
+<p:sld xmlns:a="http://schemas.openxmlformats.org/drawingml/2006/main" xmlns:r="http://schemas.openxmlformats.org/officeDocument/2006/relationships" xmlns:p="http://schemas.openxmlformats.org/presentationml/2006/main">
+  <p:cSld>
+    <p:spTree>
+      <p:nvGrpSpPr>
+        <p:cNvPr id="1" name=""/>
+        <p:cNvGrpSpPr/>
+        <p:nvPr/>
+      </p:nvGrpSpPr>
+      <p:grpSpPr>
+        <a:xfrm>
+          <a:off x="0" y="0"/>
+          <a:ext cx="0" cy="0"/>
+          <a:chOff x="0" y="0"/>
+          <a:chExt cx="0" cy="0"/>
+        </a:xfrm>
+      </p:grpSpPr>
+      <p:sp>
+        <p:nvSpPr>
+          <p:cNvPr id="5" name="標題 1"/>
+          <p:cNvSpPr txBox="1">
+            <a:spLocks/>
+          </p:cNvSpPr>
+          <p:nvPr/>
+        </p:nvSpPr>
+        <p:spPr>
+          <a:xfrm>
+            <a:off x="782822" y="290334"/>
+            <a:ext cx="8596668" cy="796505"/>
+          </a:xfrm>
+          <a:prstGeom prst="rect">
+            <a:avLst/>
+          </a:prstGeom>
+        </p:spPr>
+        <p:txBody>
+          <a:bodyPr vert="horz" lIns="91440" tIns="45720" rIns="91440" bIns="45720" rtlCol="0" anchor="b">
+            <a:noAutofit/>
+          </a:bodyPr>
+          <a:lstStyle>
+            <a:lvl1pPr algn="r" defTabSz="457200" rtl="0" eaLnBrk="1" latinLnBrk="0" hangingPunct="1">
+              <a:spcBef>
+                <a:spcPct val="0"/>
+              </a:spcBef>
+              <a:buNone/>
+              <a:defRPr sz="5400" kern="1200">
+                <a:solidFill>
+                  <a:schemeClr val="accent1"/>
+                </a:solidFill>
+                <a:latin typeface="+mj-lt"/>
+                <a:ea typeface="+mj-ea"/>
+                <a:cs typeface="+mj-cs"/>
+              </a:defRPr>
+            </a:lvl1pPr>
+            <a:lvl2pPr eaLnBrk="1" hangingPunct="1">
+              <a:defRPr>
+                <a:solidFill>
+                  <a:schemeClr val="tx2"/>
+                </a:solidFill>
+              </a:defRPr>
+            </a:lvl2pPr>
+            <a:lvl3pPr eaLnBrk="1" hangingPunct="1">
+              <a:defRPr>
+                <a:solidFill>
+                  <a:schemeClr val="tx2"/>
+                </a:solidFill>
+              </a:defRPr>
+            </a:lvl3pPr>
+            <a:lvl4pPr eaLnBrk="1" hangingPunct="1">
+              <a:defRPr>
+                <a:solidFill>
+                  <a:schemeClr val="tx2"/>
+                </a:solidFill>
+              </a:defRPr>
+            </a:lvl4pPr>
+            <a:lvl5pPr eaLnBrk="1" hangingPunct="1">
+              <a:defRPr>
+                <a:solidFill>
+                  <a:schemeClr val="tx2"/>
+                </a:solidFill>
+              </a:defRPr>
+            </a:lvl5pPr>
+            <a:lvl6pPr eaLnBrk="1" hangingPunct="1">
+              <a:defRPr>
+                <a:solidFill>
+                  <a:schemeClr val="tx2"/>
+                </a:solidFill>
+              </a:defRPr>
+            </a:lvl6pPr>
+            <a:lvl7pPr eaLnBrk="1" hangingPunct="1">
+              <a:defRPr>
+                <a:solidFill>
+                  <a:schemeClr val="tx2"/>
+                </a:solidFill>
+              </a:defRPr>
+            </a:lvl7pPr>
+            <a:lvl8pPr eaLnBrk="1" hangingPunct="1">
+              <a:defRPr>
+                <a:solidFill>
+                  <a:schemeClr val="tx2"/>
+                </a:solidFill>
+              </a:defRPr>
+            </a:lvl8pPr>
+            <a:lvl9pPr eaLnBrk="1" hangingPunct="1">
+              <a:defRPr>
+                <a:solidFill>
+                  <a:schemeClr val="tx2"/>
+                </a:solidFill>
+              </a:defRPr>
+            </a:lvl9pPr>
+          </a:lstStyle>
+          <a:p>
+            <a:pPr lvl="1" algn="ctr"/>
+            <a:r>
+              <a:rPr lang="en-US" altLang="zh-TW" sz="4000" dirty="0">
+                <a:solidFill>
+                  <a:schemeClr val="tx1"/>
+                </a:solidFill>
+              </a:rPr>
+              <a:t>Module(Different Folder</a:t>
+            </a:r>
+            <a:r>
+              <a:rPr lang="zh-TW" altLang="en-US" sz="4000" dirty="0">
+                <a:solidFill>
+                  <a:schemeClr val="tx1"/>
+                </a:solidFill>
+              </a:rPr>
+              <a:t> </a:t>
+            </a:r>
+            <a:r>
+              <a:rPr lang="en-US" altLang="zh-TW" sz="4000" dirty="0">
+                <a:solidFill>
+                  <a:schemeClr val="tx1"/>
+                </a:solidFill>
+              </a:rPr>
+              <a:t>Import) </a:t>
+            </a:r>
+            <a:endParaRPr lang="en-US" altLang="zh-TW" sz="4000" dirty="0">
+              <a:solidFill>
+                <a:schemeClr val="tx1"/>
+              </a:solidFill>
+            </a:endParaRPr>
+          </a:p>
+        </p:txBody>
+      </p:sp>
+      <p:sp>
+        <p:nvSpPr>
+          <p:cNvPr id="8" name="文字方塊 7"/>
+          <p:cNvSpPr txBox="1"/>
+          <p:nvPr/>
+        </p:nvSpPr>
+        <p:spPr>
+          <a:xfrm>
+            <a:off x="2959002" y="1474145"/>
+            <a:ext cx="4031858" cy="3139321"/>
+          </a:xfrm>
+          <a:prstGeom prst="rect">
+            <a:avLst/>
+          </a:prstGeom>
+          <a:solidFill>
+            <a:schemeClr val="bg1">
+              <a:lumMod val="85000"/>
+            </a:schemeClr>
+          </a:solidFill>
+          <a:effectLst>
+            <a:softEdge rad="76200"/>
+          </a:effectLst>
+        </p:spPr>
+        <p:txBody>
+          <a:bodyPr wrap="square" rtlCol="0">
+            <a:spAutoFit/>
+          </a:bodyPr>
+          <a:lstStyle/>
+          <a:p>
+            <a:r>
+              <a:rPr lang="en-US" altLang="zh-TW" sz="2000" dirty="0" smtClean="0">
+                <a:solidFill>
+                  <a:schemeClr val="accent5">
+                    <a:lumMod val="75000"/>
+                  </a:schemeClr>
+                </a:solidFill>
+              </a:rPr>
+              <a:t>#util.py</a:t>
+            </a:r>
+            <a:endParaRPr lang="en-US" altLang="zh-TW" sz="2000" dirty="0" smtClean="0">
+              <a:solidFill>
+                <a:schemeClr val="accent5">
+                  <a:lumMod val="75000"/>
+                </a:schemeClr>
+              </a:solidFill>
+            </a:endParaRPr>
+          </a:p>
+          <a:p>
+            <a:endParaRPr lang="en-US" altLang="zh-TW" sz="2000" dirty="0"/>
+          </a:p>
+          <a:p>
+            <a:r>
+              <a:rPr lang="en-US" altLang="zh-TW" sz="2000" dirty="0" err="1"/>
+              <a:t>def</a:t>
+            </a:r>
+            <a:r>
+              <a:rPr lang="en-US" altLang="zh-TW" sz="2000" dirty="0"/>
+              <a:t> example1():</a:t>
+            </a:r>
+          </a:p>
+          <a:p>
+            <a:r>
+              <a:rPr lang="en-US" altLang="zh-TW" sz="2000" dirty="0"/>
+              <a:t>        print</a:t>
+            </a:r>
+            <a:r>
+              <a:rPr lang="en-US" altLang="zh-TW" sz="2000" dirty="0" smtClean="0"/>
+              <a:t>("example1 function</a:t>
+            </a:r>
+            <a:r>
+              <a:rPr lang="en-US" altLang="zh-TW" sz="2000" dirty="0"/>
+              <a:t>"</a:t>
+            </a:r>
+            <a:r>
+              <a:rPr lang="en-US" altLang="zh-TW" sz="2000" dirty="0" smtClean="0"/>
+              <a:t>)</a:t>
+            </a:r>
+            <a:endParaRPr lang="en-US" altLang="zh-TW" sz="2000" dirty="0"/>
+          </a:p>
+          <a:p>
+            <a:endParaRPr lang="en-US" altLang="zh-TW" sz="2000" dirty="0" smtClean="0"/>
+          </a:p>
+          <a:p>
+            <a:r>
+              <a:rPr lang="en-US" altLang="zh-TW" sz="2000" dirty="0" err="1"/>
+              <a:t>def</a:t>
+            </a:r>
+            <a:r>
+              <a:rPr lang="en-US" altLang="zh-TW" sz="2000" dirty="0"/>
+              <a:t> example2():</a:t>
+            </a:r>
+          </a:p>
+          <a:p>
+            <a:r>
+              <a:rPr lang="en-US" altLang="zh-TW" sz="2000" dirty="0"/>
+              <a:t>        print</a:t>
+            </a:r>
+            <a:r>
+              <a:rPr lang="en-US" altLang="zh-TW" sz="2000" dirty="0" smtClean="0"/>
+              <a:t>(</a:t>
+            </a:r>
+            <a:r>
+              <a:rPr lang="en-US" altLang="zh-TW" sz="2000" dirty="0"/>
+              <a:t>"</a:t>
+            </a:r>
+            <a:r>
+              <a:rPr lang="en-US" altLang="zh-TW" sz="2000" dirty="0" smtClean="0"/>
+              <a:t>example2 function</a:t>
+            </a:r>
+            <a:r>
+              <a:rPr lang="en-US" altLang="zh-TW" sz="2000" dirty="0"/>
+              <a:t>"</a:t>
+            </a:r>
+            <a:r>
+              <a:rPr lang="en-US" altLang="zh-TW" sz="2000" dirty="0" smtClean="0"/>
+              <a:t>)</a:t>
+            </a:r>
+            <a:endParaRPr lang="en-US" altLang="zh-TW" sz="2000" dirty="0"/>
+          </a:p>
+          <a:p>
+            <a:endParaRPr lang="en-US" altLang="zh-TW" sz="2000" dirty="0"/>
+          </a:p>
+          <a:p>
+            <a:endParaRPr lang="en-US" altLang="zh-TW" sz="2000" dirty="0" smtClean="0"/>
+          </a:p>
+          <a:p>
+            <a:endParaRPr lang="en-US" altLang="zh-TW" dirty="0"/>
+          </a:p>
+        </p:txBody>
+      </p:sp>
+      <p:sp>
+        <p:nvSpPr>
+          <p:cNvPr id="6" name="文字方塊 5"/>
+          <p:cNvSpPr txBox="1"/>
+          <p:nvPr/>
+        </p:nvSpPr>
+        <p:spPr>
+          <a:xfrm>
+            <a:off x="6990860" y="1504923"/>
+            <a:ext cx="4343509" cy="3077766"/>
+          </a:xfrm>
+          <a:prstGeom prst="rect">
+            <a:avLst/>
+          </a:prstGeom>
+          <a:solidFill>
+            <a:schemeClr val="bg1">
+              <a:lumMod val="85000"/>
+            </a:schemeClr>
+          </a:solidFill>
+          <a:effectLst>
+            <a:softEdge rad="76200"/>
+          </a:effectLst>
+        </p:spPr>
+        <p:txBody>
+          <a:bodyPr wrap="square" rtlCol="0">
+            <a:spAutoFit/>
+          </a:bodyPr>
+          <a:lstStyle/>
+          <a:p>
+            <a:r>
+              <a:rPr lang="en-US" altLang="zh-TW" sz="2000" dirty="0" smtClean="0">
+                <a:solidFill>
+                  <a:schemeClr val="accent5">
+                    <a:lumMod val="75000"/>
+                  </a:schemeClr>
+                </a:solidFill>
+              </a:rPr>
+              <a:t>#</a:t>
+            </a:r>
+            <a:r>
+              <a:rPr lang="en-US" altLang="zh-TW" sz="2000" dirty="0" smtClean="0">
+                <a:solidFill>
+                  <a:schemeClr val="accent5">
+                    <a:lumMod val="75000"/>
+                  </a:schemeClr>
+                </a:solidFill>
+              </a:rPr>
+              <a:t>Demo</a:t>
+            </a:r>
+            <a:r>
+              <a:rPr lang="en-US" altLang="zh-TW" sz="2000" dirty="0" smtClean="0">
+                <a:solidFill>
+                  <a:schemeClr val="accent5">
+                    <a:lumMod val="75000"/>
+                  </a:schemeClr>
+                </a:solidFill>
+              </a:rPr>
+              <a:t>.py</a:t>
+            </a:r>
+            <a:endParaRPr lang="en-US" altLang="zh-TW" sz="2000" dirty="0">
+              <a:solidFill>
+                <a:schemeClr val="accent5">
+                  <a:lumMod val="75000"/>
+                </a:schemeClr>
+              </a:solidFill>
+            </a:endParaRPr>
+          </a:p>
+          <a:p>
+            <a:endParaRPr lang="en-US" altLang="zh-TW" sz="2000" dirty="0"/>
+          </a:p>
+          <a:p>
+            <a:r>
+              <a:rPr lang="en-US" altLang="zh-TW" sz="2000" dirty="0"/>
+              <a:t>from </a:t>
+            </a:r>
+            <a:r>
+              <a:rPr lang="en-US" altLang="zh-TW" sz="2000" dirty="0" err="1"/>
+              <a:t>Demo_File.tool</a:t>
+            </a:r>
+            <a:r>
+              <a:rPr lang="en-US" altLang="zh-TW" sz="2000" dirty="0"/>
+              <a:t> import </a:t>
+            </a:r>
+            <a:r>
+              <a:rPr lang="en-US" altLang="zh-TW" sz="2000" dirty="0" err="1"/>
+              <a:t>util</a:t>
+            </a:r>
+            <a:endParaRPr lang="en-US" altLang="zh-TW" sz="2000" dirty="0"/>
+          </a:p>
+          <a:p>
+            <a:endParaRPr lang="en-US" altLang="zh-TW" sz="2000" dirty="0"/>
+          </a:p>
+          <a:p>
+            <a:r>
+              <a:rPr lang="en-US" altLang="zh-TW" sz="2000" dirty="0" smtClean="0"/>
+              <a:t>util.example1()</a:t>
+            </a:r>
+          </a:p>
+          <a:p>
+            <a:endParaRPr lang="en-US" altLang="zh-TW" sz="2000" dirty="0"/>
+          </a:p>
+          <a:p>
+            <a:r>
+              <a:rPr lang="en-US" altLang="zh-TW" sz="2000" dirty="0"/>
+              <a:t>util.example2()</a:t>
+            </a:r>
+          </a:p>
+          <a:p>
+            <a:endParaRPr lang="en-US" altLang="zh-TW" dirty="0"/>
+          </a:p>
+          <a:p>
+            <a:endParaRPr lang="en-US" altLang="zh-TW" dirty="0" smtClean="0"/>
+          </a:p>
+          <a:p>
+            <a:endParaRPr lang="en-US" altLang="zh-TW" dirty="0" smtClean="0"/>
+          </a:p>
+        </p:txBody>
+      </p:sp>
+      <p:pic>
+        <p:nvPicPr>
+          <p:cNvPr id="2" name="圖片 1"/>
+          <p:cNvPicPr>
+            <a:picLocks noChangeAspect="1"/>
+          </p:cNvPicPr>
+          <p:nvPr/>
+        </p:nvPicPr>
+        <p:blipFill>
+          <a:blip r:embed="rId2"/>
+          <a:stretch>
+            <a:fillRect/>
+          </a:stretch>
+        </p:blipFill>
+        <p:spPr>
+          <a:xfrm>
+            <a:off x="2959002" y="4863819"/>
+            <a:ext cx="8181162" cy="1055215"/>
+          </a:xfrm>
+          <a:prstGeom prst="rect">
+            <a:avLst/>
+          </a:prstGeom>
+          <a:effectLst>
+            <a:softEdge rad="31750"/>
+          </a:effectLst>
+        </p:spPr>
+      </p:pic>
+      <p:pic>
+        <p:nvPicPr>
+          <p:cNvPr id="4" name="圖片 3"/>
+          <p:cNvPicPr>
+            <a:picLocks noChangeAspect="1"/>
+          </p:cNvPicPr>
+          <p:nvPr/>
+        </p:nvPicPr>
+        <p:blipFill>
+          <a:blip r:embed="rId3"/>
+          <a:stretch>
+            <a:fillRect/>
+          </a:stretch>
+        </p:blipFill>
+        <p:spPr>
+          <a:xfrm>
+            <a:off x="667703" y="1504922"/>
+            <a:ext cx="2114686" cy="3077766"/>
+          </a:xfrm>
+          <a:prstGeom prst="rect">
+            <a:avLst/>
+          </a:prstGeom>
+          <a:effectLst>
+            <a:softEdge rad="31750"/>
+          </a:effectLst>
+        </p:spPr>
+      </p:pic>
+    </p:spTree>
+    <p:extLst>
+      <p:ext uri="{BB962C8B-B14F-4D97-AF65-F5344CB8AC3E}">
+        <p14:creationId xmlns:p14="http://schemas.microsoft.com/office/powerpoint/2010/main" val="600935643"/>
+      </p:ext>
+    </p:extLst>
+  </p:cSld>
+  <p:clrMapOvr>
+    <a:masterClrMapping/>
+  </p:clrMapOvr>
+  <mc:AlternateContent xmlns:mc="http://schemas.openxmlformats.org/markup-compatibility/2006" xmlns:p14="http://schemas.microsoft.com/office/powerpoint/2010/main">
+    <mc:Choice Requires="p14">
+      <p:transition spd="slow" p14:dur="2000"/>
+    </mc:Choice>
+    <mc:Fallback xmlns="">
+      <p:transition spd="slow"/>
+    </mc:Fallback>
+  </mc:AlternateContent>
+  <p:timing>
+    <p:tnLst>
+      <p:par>
+        <p:cTn id="1" dur="indefinite" restart="never" nodeType="tmRoot"/>
+      </p:par>
+    </p:tnLst>
+  </p:timing>
+</p:sld>
+</file>
+
+<file path=ppt/slides/slide76.xml><?xml version="1.0" encoding="utf-8"?>
 <p:sld xmlns:a="http://schemas.openxmlformats.org/drawingml/2006/main" xmlns:r="http://schemas.openxmlformats.org/officeDocument/2006/relationships" xmlns:p="http://schemas.openxmlformats.org/presentationml/2006/main">
   <p:cSld>
     <p:spTree>
@@ -33665,7 +34147,467 @@
 </p:sld>
 </file>
 
-<file path=ppt/slides/slide76.xml><?xml version="1.0" encoding="utf-8"?>
+<file path=ppt/slides/slide77.xml><?xml version="1.0" encoding="utf-8"?>
+<p:sld xmlns:a="http://schemas.openxmlformats.org/drawingml/2006/main" xmlns:r="http://schemas.openxmlformats.org/officeDocument/2006/relationships" xmlns:p="http://schemas.openxmlformats.org/presentationml/2006/main">
+  <p:cSld>
+    <p:spTree>
+      <p:nvGrpSpPr>
+        <p:cNvPr id="1" name=""/>
+        <p:cNvGrpSpPr/>
+        <p:nvPr/>
+      </p:nvGrpSpPr>
+      <p:grpSpPr>
+        <a:xfrm>
+          <a:off x="0" y="0"/>
+          <a:ext cx="0" cy="0"/>
+          <a:chOff x="0" y="0"/>
+          <a:chExt cx="0" cy="0"/>
+        </a:xfrm>
+      </p:grpSpPr>
+      <p:sp>
+        <p:nvSpPr>
+          <p:cNvPr id="5" name="標題 1"/>
+          <p:cNvSpPr txBox="1">
+            <a:spLocks/>
+          </p:cNvSpPr>
+          <p:nvPr/>
+        </p:nvSpPr>
+        <p:spPr>
+          <a:xfrm>
+            <a:off x="782822" y="290334"/>
+            <a:ext cx="9001258" cy="796505"/>
+          </a:xfrm>
+          <a:prstGeom prst="rect">
+            <a:avLst/>
+          </a:prstGeom>
+        </p:spPr>
+        <p:txBody>
+          <a:bodyPr vert="horz" lIns="91440" tIns="45720" rIns="91440" bIns="45720" rtlCol="0" anchor="b">
+            <a:noAutofit/>
+          </a:bodyPr>
+          <a:lstStyle>
+            <a:lvl1pPr algn="r" defTabSz="457200" rtl="0" eaLnBrk="1" latinLnBrk="0" hangingPunct="1">
+              <a:spcBef>
+                <a:spcPct val="0"/>
+              </a:spcBef>
+              <a:buNone/>
+              <a:defRPr sz="5400" kern="1200">
+                <a:solidFill>
+                  <a:schemeClr val="accent1"/>
+                </a:solidFill>
+                <a:latin typeface="+mj-lt"/>
+                <a:ea typeface="+mj-ea"/>
+                <a:cs typeface="+mj-cs"/>
+              </a:defRPr>
+            </a:lvl1pPr>
+            <a:lvl2pPr eaLnBrk="1" hangingPunct="1">
+              <a:defRPr>
+                <a:solidFill>
+                  <a:schemeClr val="tx2"/>
+                </a:solidFill>
+              </a:defRPr>
+            </a:lvl2pPr>
+            <a:lvl3pPr eaLnBrk="1" hangingPunct="1">
+              <a:defRPr>
+                <a:solidFill>
+                  <a:schemeClr val="tx2"/>
+                </a:solidFill>
+              </a:defRPr>
+            </a:lvl3pPr>
+            <a:lvl4pPr eaLnBrk="1" hangingPunct="1">
+              <a:defRPr>
+                <a:solidFill>
+                  <a:schemeClr val="tx2"/>
+                </a:solidFill>
+              </a:defRPr>
+            </a:lvl4pPr>
+            <a:lvl5pPr eaLnBrk="1" hangingPunct="1">
+              <a:defRPr>
+                <a:solidFill>
+                  <a:schemeClr val="tx2"/>
+                </a:solidFill>
+              </a:defRPr>
+            </a:lvl5pPr>
+            <a:lvl6pPr eaLnBrk="1" hangingPunct="1">
+              <a:defRPr>
+                <a:solidFill>
+                  <a:schemeClr val="tx2"/>
+                </a:solidFill>
+              </a:defRPr>
+            </a:lvl6pPr>
+            <a:lvl7pPr eaLnBrk="1" hangingPunct="1">
+              <a:defRPr>
+                <a:solidFill>
+                  <a:schemeClr val="tx2"/>
+                </a:solidFill>
+              </a:defRPr>
+            </a:lvl7pPr>
+            <a:lvl8pPr eaLnBrk="1" hangingPunct="1">
+              <a:defRPr>
+                <a:solidFill>
+                  <a:schemeClr val="tx2"/>
+                </a:solidFill>
+              </a:defRPr>
+            </a:lvl8pPr>
+            <a:lvl9pPr eaLnBrk="1" hangingPunct="1">
+              <a:defRPr>
+                <a:solidFill>
+                  <a:schemeClr val="tx2"/>
+                </a:solidFill>
+              </a:defRPr>
+            </a:lvl9pPr>
+          </a:lstStyle>
+          <a:p>
+            <a:pPr lvl="1" algn="ctr"/>
+            <a:r>
+              <a:rPr lang="en-US" altLang="zh-TW" sz="4000" dirty="0">
+                <a:solidFill>
+                  <a:schemeClr val="tx1"/>
+                </a:solidFill>
+              </a:rPr>
+              <a:t>M</a:t>
+            </a:r>
+            <a:r>
+              <a:rPr lang="en-US" altLang="zh-TW" sz="4000" dirty="0" smtClean="0">
+                <a:solidFill>
+                  <a:schemeClr val="tx1"/>
+                </a:solidFill>
+              </a:rPr>
+              <a:t>odule</a:t>
+            </a:r>
+            <a:r>
+              <a:rPr lang="zh-TW" altLang="en-US" sz="4000" dirty="0" smtClean="0">
+                <a:solidFill>
+                  <a:schemeClr val="tx1"/>
+                </a:solidFill>
+              </a:rPr>
+              <a:t> </a:t>
+            </a:r>
+            <a:r>
+              <a:rPr lang="en-US" altLang="zh-TW" sz="4000" dirty="0" smtClean="0">
+                <a:solidFill>
+                  <a:schemeClr val="tx1"/>
+                </a:solidFill>
+              </a:rPr>
+              <a:t>(</a:t>
+            </a:r>
+            <a:r>
+              <a:rPr lang="en-US" altLang="zh-TW" sz="4000" dirty="0">
+                <a:solidFill>
+                  <a:schemeClr val="tx1"/>
+                </a:solidFill>
+              </a:rPr>
+              <a:t>L</a:t>
+            </a:r>
+            <a:r>
+              <a:rPr lang="en-US" altLang="zh-TW" sz="4000" dirty="0" smtClean="0">
+                <a:solidFill>
+                  <a:schemeClr val="tx1"/>
+                </a:solidFill>
+              </a:rPr>
+              <a:t>ibrary </a:t>
+            </a:r>
+            <a:r>
+              <a:rPr lang="en-US" altLang="zh-TW" sz="4000" dirty="0">
+                <a:solidFill>
+                  <a:schemeClr val="tx1"/>
+                </a:solidFill>
+              </a:rPr>
+              <a:t>modules</a:t>
+            </a:r>
+            <a:r>
+              <a:rPr lang="en-US" altLang="zh-TW" sz="4000" dirty="0" smtClean="0">
+                <a:solidFill>
+                  <a:schemeClr val="tx1"/>
+                </a:solidFill>
+              </a:rPr>
+              <a:t>) </a:t>
+            </a:r>
+            <a:endParaRPr lang="en-US" altLang="zh-TW" sz="4000" dirty="0">
+              <a:solidFill>
+                <a:schemeClr val="tx1"/>
+              </a:solidFill>
+            </a:endParaRPr>
+          </a:p>
+        </p:txBody>
+      </p:sp>
+      <p:sp>
+        <p:nvSpPr>
+          <p:cNvPr id="8" name="文字方塊 7"/>
+          <p:cNvSpPr txBox="1"/>
+          <p:nvPr/>
+        </p:nvSpPr>
+        <p:spPr>
+          <a:xfrm>
+            <a:off x="1012377" y="1808271"/>
+            <a:ext cx="3816197" cy="3785652"/>
+          </a:xfrm>
+          <a:prstGeom prst="rect">
+            <a:avLst/>
+          </a:prstGeom>
+          <a:solidFill>
+            <a:schemeClr val="bg1">
+              <a:lumMod val="85000"/>
+            </a:schemeClr>
+          </a:solidFill>
+          <a:effectLst>
+            <a:softEdge rad="76200"/>
+          </a:effectLst>
+        </p:spPr>
+        <p:txBody>
+          <a:bodyPr wrap="square" rtlCol="0">
+            <a:spAutoFit/>
+          </a:bodyPr>
+          <a:lstStyle/>
+          <a:p>
+            <a:r>
+              <a:rPr lang="en-US" altLang="zh-TW" sz="2000" dirty="0">
+                <a:solidFill>
+                  <a:schemeClr val="accent5">
+                    <a:lumMod val="75000"/>
+                  </a:schemeClr>
+                </a:solidFill>
+              </a:rPr>
+              <a:t>#temp.py</a:t>
+            </a:r>
+          </a:p>
+          <a:p>
+            <a:r>
+              <a:rPr lang="en-US" altLang="zh-TW" sz="2000" dirty="0">
+                <a:solidFill>
+                  <a:srgbClr val="0070C0"/>
+                </a:solidFill>
+              </a:rPr>
+              <a:t>import sys</a:t>
+            </a:r>
+          </a:p>
+          <a:p>
+            <a:endParaRPr lang="en-US" altLang="zh-TW" sz="2000" dirty="0"/>
+          </a:p>
+          <a:p>
+            <a:r>
+              <a:rPr lang="en-US" altLang="zh-TW" sz="2000" dirty="0" err="1"/>
+              <a:t>def</a:t>
+            </a:r>
+            <a:r>
+              <a:rPr lang="en-US" altLang="zh-TW" sz="2000" dirty="0"/>
+              <a:t> example1(n</a:t>
+            </a:r>
+            <a:r>
+              <a:rPr lang="en-US" altLang="zh-TW" sz="2000" dirty="0" smtClean="0"/>
+              <a:t>):</a:t>
+            </a:r>
+            <a:endParaRPr lang="en-US" altLang="zh-TW" sz="2000" dirty="0"/>
+          </a:p>
+          <a:p>
+            <a:r>
+              <a:rPr lang="en-US" altLang="zh-TW" sz="2000" dirty="0"/>
+              <a:t>       </a:t>
+            </a:r>
+            <a:r>
+              <a:rPr lang="en-US" altLang="zh-TW" sz="2000" dirty="0" smtClean="0"/>
+              <a:t>print(n)</a:t>
+            </a:r>
+            <a:endParaRPr lang="en-US" altLang="zh-TW" sz="2000" dirty="0"/>
+          </a:p>
+          <a:p>
+            <a:endParaRPr lang="en-US" altLang="zh-TW" sz="2000" dirty="0"/>
+          </a:p>
+          <a:p>
+            <a:r>
+              <a:rPr lang="en-US" altLang="zh-TW" sz="2000" dirty="0" err="1"/>
+              <a:t>def</a:t>
+            </a:r>
+            <a:r>
+              <a:rPr lang="en-US" altLang="zh-TW" sz="2000" dirty="0"/>
+              <a:t> example2(m</a:t>
+            </a:r>
+            <a:r>
+              <a:rPr lang="en-US" altLang="zh-TW" sz="2000" dirty="0" smtClean="0"/>
+              <a:t>):</a:t>
+            </a:r>
+          </a:p>
+          <a:p>
+            <a:r>
+              <a:rPr lang="en-US" altLang="zh-TW" sz="2000" dirty="0"/>
+              <a:t> </a:t>
+            </a:r>
+            <a:r>
+              <a:rPr lang="en-US" altLang="zh-TW" sz="2000" dirty="0" smtClean="0"/>
+              <a:t>      </a:t>
+            </a:r>
+            <a:r>
+              <a:rPr lang="en-US" altLang="zh-TW" sz="2000" dirty="0" smtClean="0"/>
+              <a:t>print(m)</a:t>
+            </a:r>
+            <a:endParaRPr lang="en-US" altLang="zh-TW" sz="2000" dirty="0"/>
+          </a:p>
+          <a:p>
+            <a:r>
+              <a:rPr lang="en-US" altLang="zh-TW" sz="2000" dirty="0"/>
+              <a:t>   </a:t>
+            </a:r>
+          </a:p>
+          <a:p>
+            <a:r>
+              <a:rPr lang="en-US" altLang="zh-TW" sz="2000" dirty="0">
+                <a:solidFill>
+                  <a:srgbClr val="FF0000"/>
+                </a:solidFill>
+              </a:rPr>
+              <a:t>if __name__ == "__main__":</a:t>
+            </a:r>
+          </a:p>
+          <a:p>
+            <a:r>
+              <a:rPr lang="en-US" altLang="zh-TW" sz="2000" dirty="0" smtClean="0">
+                <a:solidFill>
+                  <a:srgbClr val="0070C0"/>
+                </a:solidFill>
+              </a:rPr>
+              <a:t>    example1(</a:t>
+            </a:r>
+            <a:r>
+              <a:rPr lang="en-US" altLang="zh-TW" sz="2000" dirty="0" err="1" smtClean="0">
+                <a:solidFill>
+                  <a:srgbClr val="0070C0"/>
+                </a:solidFill>
+              </a:rPr>
+              <a:t>str</a:t>
+            </a:r>
+            <a:r>
+              <a:rPr lang="en-US" altLang="zh-TW" sz="2000" dirty="0" smtClean="0">
+                <a:solidFill>
+                  <a:srgbClr val="0070C0"/>
+                </a:solidFill>
+              </a:rPr>
+              <a:t>(</a:t>
+            </a:r>
+            <a:r>
+              <a:rPr lang="en-US" altLang="zh-TW" sz="2000" dirty="0" err="1" smtClean="0">
+                <a:solidFill>
+                  <a:srgbClr val="0070C0"/>
+                </a:solidFill>
+              </a:rPr>
+              <a:t>sys.argv</a:t>
+            </a:r>
+            <a:r>
+              <a:rPr lang="en-US" altLang="zh-TW" sz="2000" dirty="0" smtClean="0">
+                <a:solidFill>
+                  <a:srgbClr val="0070C0"/>
+                </a:solidFill>
+              </a:rPr>
+              <a:t>[1</a:t>
+            </a:r>
+            <a:r>
+              <a:rPr lang="en-US" altLang="zh-TW" sz="2000" dirty="0">
+                <a:solidFill>
+                  <a:srgbClr val="0070C0"/>
+                </a:solidFill>
+              </a:rPr>
+              <a:t>]))</a:t>
+            </a:r>
+          </a:p>
+          <a:p>
+            <a:r>
+              <a:rPr lang="en-US" altLang="zh-TW" sz="2000" dirty="0">
+                <a:solidFill>
+                  <a:srgbClr val="0070C0"/>
+                </a:solidFill>
+              </a:rPr>
+              <a:t>    example2(</a:t>
+            </a:r>
+            <a:r>
+              <a:rPr lang="en-US" altLang="zh-TW" sz="2000" dirty="0" err="1">
+                <a:solidFill>
+                  <a:srgbClr val="0070C0"/>
+                </a:solidFill>
+              </a:rPr>
+              <a:t>str</a:t>
+            </a:r>
+            <a:r>
+              <a:rPr lang="en-US" altLang="zh-TW" sz="2000" dirty="0">
+                <a:solidFill>
+                  <a:srgbClr val="0070C0"/>
+                </a:solidFill>
+              </a:rPr>
+              <a:t>(</a:t>
+            </a:r>
+            <a:r>
+              <a:rPr lang="en-US" altLang="zh-TW" sz="2000" dirty="0" err="1">
+                <a:solidFill>
+                  <a:srgbClr val="0070C0"/>
+                </a:solidFill>
+              </a:rPr>
+              <a:t>sys.argv</a:t>
+            </a:r>
+            <a:r>
+              <a:rPr lang="en-US" altLang="zh-TW" sz="2000" dirty="0">
+                <a:solidFill>
+                  <a:srgbClr val="0070C0"/>
+                </a:solidFill>
+              </a:rPr>
+              <a:t>[2]))</a:t>
+            </a:r>
+          </a:p>
+        </p:txBody>
+      </p:sp>
+      <p:pic>
+        <p:nvPicPr>
+          <p:cNvPr id="3" name="圖片 2"/>
+          <p:cNvPicPr>
+            <a:picLocks noChangeAspect="1"/>
+          </p:cNvPicPr>
+          <p:nvPr/>
+        </p:nvPicPr>
+        <p:blipFill>
+          <a:blip r:embed="rId2"/>
+          <a:stretch>
+            <a:fillRect/>
+          </a:stretch>
+        </p:blipFill>
+        <p:spPr>
+          <a:xfrm>
+            <a:off x="5081156" y="1808271"/>
+            <a:ext cx="5610225" cy="3785652"/>
+          </a:xfrm>
+          <a:prstGeom prst="rect">
+            <a:avLst/>
+          </a:prstGeom>
+          <a:effectLst>
+            <a:softEdge rad="31750"/>
+          </a:effectLst>
+        </p:spPr>
+      </p:pic>
+    </p:spTree>
+    <p:extLst>
+      <p:ext uri="{BB962C8B-B14F-4D97-AF65-F5344CB8AC3E}">
+        <p14:creationId xmlns:p14="http://schemas.microsoft.com/office/powerpoint/2010/main" val="1912442512"/>
+      </p:ext>
+    </p:extLst>
+  </p:cSld>
+  <p:clrMapOvr>
+    <a:masterClrMapping/>
+  </p:clrMapOvr>
+  <mc:AlternateContent xmlns:mc="http://schemas.openxmlformats.org/markup-compatibility/2006" xmlns:p14="http://schemas.microsoft.com/office/powerpoint/2010/main">
+    <mc:Choice Requires="p14">
+      <p:transition spd="slow" p14:dur="2000"/>
+    </mc:Choice>
+    <mc:Fallback xmlns="">
+      <p:transition spd="slow"/>
+    </mc:Fallback>
+  </mc:AlternateContent>
+  <p:timing>
+    <p:tnLst>
+      <p:par>
+        <p:cTn id="1" dur="indefinite" restart="never" nodeType="tmRoot"/>
+      </p:par>
+    </p:tnLst>
+  </p:timing>
+</p:sld>
+</file>
+
+<file path=ppt/slides/slide78.xml><?xml version="1.0" encoding="utf-8"?>
 <p:sld xmlns:a="http://schemas.openxmlformats.org/drawingml/2006/main" xmlns:r="http://schemas.openxmlformats.org/officeDocument/2006/relationships" xmlns:p="http://schemas.openxmlformats.org/presentationml/2006/main">
   <p:cSld>
     <p:spTree>
@@ -33791,7 +34733,7 @@
 </p:sld>
 </file>
 
-<file path=ppt/slides/slide77.xml><?xml version="1.0" encoding="utf-8"?>
+<file path=ppt/slides/slide79.xml><?xml version="1.0" encoding="utf-8"?>
 <p:sld xmlns:a="http://schemas.openxmlformats.org/drawingml/2006/main" xmlns:r="http://schemas.openxmlformats.org/officeDocument/2006/relationships" xmlns:p="http://schemas.openxmlformats.org/presentationml/2006/main">
   <p:cSld>
     <p:spTree>
@@ -34102,506 +35044,6 @@
     <p:extLst>
       <p:ext uri="{BB962C8B-B14F-4D97-AF65-F5344CB8AC3E}">
         <p14:creationId xmlns:p14="http://schemas.microsoft.com/office/powerpoint/2010/main" val="4025561454"/>
-      </p:ext>
-    </p:extLst>
-  </p:cSld>
-  <p:clrMapOvr>
-    <a:masterClrMapping/>
-  </p:clrMapOvr>
-  <mc:AlternateContent xmlns:mc="http://schemas.openxmlformats.org/markup-compatibility/2006" xmlns:p14="http://schemas.microsoft.com/office/powerpoint/2010/main">
-    <mc:Choice Requires="p14">
-      <p:transition spd="slow" p14:dur="2000"/>
-    </mc:Choice>
-    <mc:Fallback xmlns="">
-      <p:transition spd="slow"/>
-    </mc:Fallback>
-  </mc:AlternateContent>
-  <p:timing>
-    <p:tnLst>
-      <p:par>
-        <p:cTn id="1" dur="indefinite" restart="never" nodeType="tmRoot"/>
-      </p:par>
-    </p:tnLst>
-  </p:timing>
-</p:sld>
-</file>
-
-<file path=ppt/slides/slide78.xml><?xml version="1.0" encoding="utf-8"?>
-<p:sld xmlns:a="http://schemas.openxmlformats.org/drawingml/2006/main" xmlns:r="http://schemas.openxmlformats.org/officeDocument/2006/relationships" xmlns:p="http://schemas.openxmlformats.org/presentationml/2006/main">
-  <p:cSld>
-    <p:spTree>
-      <p:nvGrpSpPr>
-        <p:cNvPr id="1" name=""/>
-        <p:cNvGrpSpPr/>
-        <p:nvPr/>
-      </p:nvGrpSpPr>
-      <p:grpSpPr>
-        <a:xfrm>
-          <a:off x="0" y="0"/>
-          <a:ext cx="0" cy="0"/>
-          <a:chOff x="0" y="0"/>
-          <a:chExt cx="0" cy="0"/>
-        </a:xfrm>
-      </p:grpSpPr>
-      <p:sp>
-        <p:nvSpPr>
-          <p:cNvPr id="5" name="標題 1"/>
-          <p:cNvSpPr txBox="1">
-            <a:spLocks/>
-          </p:cNvSpPr>
-          <p:nvPr/>
-        </p:nvSpPr>
-        <p:spPr>
-          <a:xfrm>
-            <a:off x="782822" y="290334"/>
-            <a:ext cx="8596668" cy="796505"/>
-          </a:xfrm>
-          <a:prstGeom prst="rect">
-            <a:avLst/>
-          </a:prstGeom>
-        </p:spPr>
-        <p:txBody>
-          <a:bodyPr vert="horz" lIns="91440" tIns="45720" rIns="91440" bIns="45720" rtlCol="0" anchor="b">
-            <a:noAutofit/>
-          </a:bodyPr>
-          <a:lstStyle>
-            <a:lvl1pPr algn="r" defTabSz="457200" rtl="0" eaLnBrk="1" latinLnBrk="0" hangingPunct="1">
-              <a:spcBef>
-                <a:spcPct val="0"/>
-              </a:spcBef>
-              <a:buNone/>
-              <a:defRPr sz="5400" kern="1200">
-                <a:solidFill>
-                  <a:schemeClr val="accent1"/>
-                </a:solidFill>
-                <a:latin typeface="+mj-lt"/>
-                <a:ea typeface="+mj-ea"/>
-                <a:cs typeface="+mj-cs"/>
-              </a:defRPr>
-            </a:lvl1pPr>
-            <a:lvl2pPr eaLnBrk="1" hangingPunct="1">
-              <a:defRPr>
-                <a:solidFill>
-                  <a:schemeClr val="tx2"/>
-                </a:solidFill>
-              </a:defRPr>
-            </a:lvl2pPr>
-            <a:lvl3pPr eaLnBrk="1" hangingPunct="1">
-              <a:defRPr>
-                <a:solidFill>
-                  <a:schemeClr val="tx2"/>
-                </a:solidFill>
-              </a:defRPr>
-            </a:lvl3pPr>
-            <a:lvl4pPr eaLnBrk="1" hangingPunct="1">
-              <a:defRPr>
-                <a:solidFill>
-                  <a:schemeClr val="tx2"/>
-                </a:solidFill>
-              </a:defRPr>
-            </a:lvl4pPr>
-            <a:lvl5pPr eaLnBrk="1" hangingPunct="1">
-              <a:defRPr>
-                <a:solidFill>
-                  <a:schemeClr val="tx2"/>
-                </a:solidFill>
-              </a:defRPr>
-            </a:lvl5pPr>
-            <a:lvl6pPr eaLnBrk="1" hangingPunct="1">
-              <a:defRPr>
-                <a:solidFill>
-                  <a:schemeClr val="tx2"/>
-                </a:solidFill>
-              </a:defRPr>
-            </a:lvl6pPr>
-            <a:lvl7pPr eaLnBrk="1" hangingPunct="1">
-              <a:defRPr>
-                <a:solidFill>
-                  <a:schemeClr val="tx2"/>
-                </a:solidFill>
-              </a:defRPr>
-            </a:lvl7pPr>
-            <a:lvl8pPr eaLnBrk="1" hangingPunct="1">
-              <a:defRPr>
-                <a:solidFill>
-                  <a:schemeClr val="tx2"/>
-                </a:solidFill>
-              </a:defRPr>
-            </a:lvl8pPr>
-            <a:lvl9pPr eaLnBrk="1" hangingPunct="1">
-              <a:defRPr>
-                <a:solidFill>
-                  <a:schemeClr val="tx2"/>
-                </a:solidFill>
-              </a:defRPr>
-            </a:lvl9pPr>
-          </a:lstStyle>
-          <a:p>
-            <a:pPr lvl="1" algn="ctr"/>
-            <a:r>
-              <a:rPr lang="en-US" altLang="zh-TW" sz="4000" dirty="0" smtClean="0"/>
-              <a:t>Exception (Error Type)</a:t>
-            </a:r>
-            <a:r>
-              <a:rPr lang="en-US" altLang="zh-TW" sz="4000" dirty="0" smtClean="0">
-                <a:solidFill>
-                  <a:schemeClr val="tx1"/>
-                </a:solidFill>
-              </a:rPr>
-              <a:t> </a:t>
-            </a:r>
-            <a:endParaRPr lang="en-US" altLang="zh-TW" sz="4000" dirty="0">
-              <a:solidFill>
-                <a:schemeClr val="tx1"/>
-              </a:solidFill>
-            </a:endParaRPr>
-          </a:p>
-        </p:txBody>
-      </p:sp>
-      <p:pic>
-        <p:nvPicPr>
-          <p:cNvPr id="2" name="圖片 1"/>
-          <p:cNvPicPr>
-            <a:picLocks noChangeAspect="1"/>
-          </p:cNvPicPr>
-          <p:nvPr/>
-        </p:nvPicPr>
-        <p:blipFill>
-          <a:blip r:embed="rId2">
-            <a:extLst>
-              <a:ext uri="{28A0092B-C50C-407E-A947-70E740481C1C}">
-                <a14:useLocalDpi xmlns:a14="http://schemas.microsoft.com/office/drawing/2010/main" val="0"/>
-              </a:ext>
-            </a:extLst>
-          </a:blip>
-          <a:stretch>
-            <a:fillRect/>
-          </a:stretch>
-        </p:blipFill>
-        <p:spPr>
-          <a:xfrm>
-            <a:off x="782822" y="1603873"/>
-            <a:ext cx="8563229" cy="3830276"/>
-          </a:xfrm>
-          <a:prstGeom prst="rect">
-            <a:avLst/>
-          </a:prstGeom>
-        </p:spPr>
-      </p:pic>
-    </p:spTree>
-    <p:extLst>
-      <p:ext uri="{BB962C8B-B14F-4D97-AF65-F5344CB8AC3E}">
-        <p14:creationId xmlns:p14="http://schemas.microsoft.com/office/powerpoint/2010/main" val="2884484318"/>
-      </p:ext>
-    </p:extLst>
-  </p:cSld>
-  <p:clrMapOvr>
-    <a:masterClrMapping/>
-  </p:clrMapOvr>
-  <mc:AlternateContent xmlns:mc="http://schemas.openxmlformats.org/markup-compatibility/2006" xmlns:p14="http://schemas.microsoft.com/office/powerpoint/2010/main">
-    <mc:Choice Requires="p14">
-      <p:transition spd="slow" p14:dur="2000"/>
-    </mc:Choice>
-    <mc:Fallback xmlns="">
-      <p:transition spd="slow"/>
-    </mc:Fallback>
-  </mc:AlternateContent>
-  <p:timing>
-    <p:tnLst>
-      <p:par>
-        <p:cTn id="1" dur="indefinite" restart="never" nodeType="tmRoot"/>
-      </p:par>
-    </p:tnLst>
-  </p:timing>
-</p:sld>
-</file>
-
-<file path=ppt/slides/slide79.xml><?xml version="1.0" encoding="utf-8"?>
-<p:sld xmlns:a="http://schemas.openxmlformats.org/drawingml/2006/main" xmlns:r="http://schemas.openxmlformats.org/officeDocument/2006/relationships" xmlns:p="http://schemas.openxmlformats.org/presentationml/2006/main">
-  <p:cSld>
-    <p:spTree>
-      <p:nvGrpSpPr>
-        <p:cNvPr id="1" name=""/>
-        <p:cNvGrpSpPr/>
-        <p:nvPr/>
-      </p:nvGrpSpPr>
-      <p:grpSpPr>
-        <a:xfrm>
-          <a:off x="0" y="0"/>
-          <a:ext cx="0" cy="0"/>
-          <a:chOff x="0" y="0"/>
-          <a:chExt cx="0" cy="0"/>
-        </a:xfrm>
-      </p:grpSpPr>
-      <p:sp>
-        <p:nvSpPr>
-          <p:cNvPr id="5" name="標題 1"/>
-          <p:cNvSpPr txBox="1">
-            <a:spLocks/>
-          </p:cNvSpPr>
-          <p:nvPr/>
-        </p:nvSpPr>
-        <p:spPr>
-          <a:xfrm>
-            <a:off x="730570" y="290334"/>
-            <a:ext cx="8596668" cy="796505"/>
-          </a:xfrm>
-          <a:prstGeom prst="rect">
-            <a:avLst/>
-          </a:prstGeom>
-        </p:spPr>
-        <p:txBody>
-          <a:bodyPr vert="horz" lIns="91440" tIns="45720" rIns="91440" bIns="45720" rtlCol="0" anchor="b">
-            <a:noAutofit/>
-          </a:bodyPr>
-          <a:lstStyle>
-            <a:lvl1pPr algn="r" defTabSz="457200" rtl="0" eaLnBrk="1" latinLnBrk="0" hangingPunct="1">
-              <a:spcBef>
-                <a:spcPct val="0"/>
-              </a:spcBef>
-              <a:buNone/>
-              <a:defRPr sz="5400" kern="1200">
-                <a:solidFill>
-                  <a:schemeClr val="accent1"/>
-                </a:solidFill>
-                <a:latin typeface="+mj-lt"/>
-                <a:ea typeface="+mj-ea"/>
-                <a:cs typeface="+mj-cs"/>
-              </a:defRPr>
-            </a:lvl1pPr>
-            <a:lvl2pPr eaLnBrk="1" hangingPunct="1">
-              <a:defRPr>
-                <a:solidFill>
-                  <a:schemeClr val="tx2"/>
-                </a:solidFill>
-              </a:defRPr>
-            </a:lvl2pPr>
-            <a:lvl3pPr eaLnBrk="1" hangingPunct="1">
-              <a:defRPr>
-                <a:solidFill>
-                  <a:schemeClr val="tx2"/>
-                </a:solidFill>
-              </a:defRPr>
-            </a:lvl3pPr>
-            <a:lvl4pPr eaLnBrk="1" hangingPunct="1">
-              <a:defRPr>
-                <a:solidFill>
-                  <a:schemeClr val="tx2"/>
-                </a:solidFill>
-              </a:defRPr>
-            </a:lvl4pPr>
-            <a:lvl5pPr eaLnBrk="1" hangingPunct="1">
-              <a:defRPr>
-                <a:solidFill>
-                  <a:schemeClr val="tx2"/>
-                </a:solidFill>
-              </a:defRPr>
-            </a:lvl5pPr>
-            <a:lvl6pPr eaLnBrk="1" hangingPunct="1">
-              <a:defRPr>
-                <a:solidFill>
-                  <a:schemeClr val="tx2"/>
-                </a:solidFill>
-              </a:defRPr>
-            </a:lvl6pPr>
-            <a:lvl7pPr eaLnBrk="1" hangingPunct="1">
-              <a:defRPr>
-                <a:solidFill>
-                  <a:schemeClr val="tx2"/>
-                </a:solidFill>
-              </a:defRPr>
-            </a:lvl7pPr>
-            <a:lvl8pPr eaLnBrk="1" hangingPunct="1">
-              <a:defRPr>
-                <a:solidFill>
-                  <a:schemeClr val="tx2"/>
-                </a:solidFill>
-              </a:defRPr>
-            </a:lvl8pPr>
-            <a:lvl9pPr eaLnBrk="1" hangingPunct="1">
-              <a:defRPr>
-                <a:solidFill>
-                  <a:schemeClr val="tx2"/>
-                </a:solidFill>
-              </a:defRPr>
-            </a:lvl9pPr>
-          </a:lstStyle>
-          <a:p>
-            <a:pPr lvl="1" algn="ctr"/>
-            <a:r>
-              <a:rPr lang="en-US" altLang="zh-TW" sz="4000" dirty="0" smtClean="0"/>
-              <a:t>Exception (Error)</a:t>
-            </a:r>
-            <a:r>
-              <a:rPr lang="en-US" altLang="zh-TW" sz="4000" dirty="0" smtClean="0">
-                <a:solidFill>
-                  <a:schemeClr val="tx1"/>
-                </a:solidFill>
-              </a:rPr>
-              <a:t> </a:t>
-            </a:r>
-            <a:endParaRPr lang="en-US" altLang="zh-TW" sz="4000" dirty="0">
-              <a:solidFill>
-                <a:schemeClr val="tx1"/>
-              </a:solidFill>
-            </a:endParaRPr>
-          </a:p>
-        </p:txBody>
-      </p:sp>
-      <p:sp>
-        <p:nvSpPr>
-          <p:cNvPr id="8" name="文字方塊 7"/>
-          <p:cNvSpPr txBox="1"/>
-          <p:nvPr/>
-        </p:nvSpPr>
-        <p:spPr>
-          <a:xfrm>
-            <a:off x="1306281" y="1700866"/>
-            <a:ext cx="8399421" cy="1477328"/>
-          </a:xfrm>
-          <a:prstGeom prst="rect">
-            <a:avLst/>
-          </a:prstGeom>
-          <a:solidFill>
-            <a:schemeClr val="bg1">
-              <a:lumMod val="85000"/>
-            </a:schemeClr>
-          </a:solidFill>
-          <a:effectLst>
-            <a:softEdge rad="76200"/>
-          </a:effectLst>
-        </p:spPr>
-        <p:txBody>
-          <a:bodyPr wrap="square" rtlCol="0">
-            <a:spAutoFit/>
-          </a:bodyPr>
-          <a:lstStyle/>
-          <a:p>
-            <a:r>
-              <a:rPr lang="en-US" altLang="zh-TW" sz="2400" dirty="0">
-                <a:solidFill>
-                  <a:schemeClr val="accent5">
-                    <a:lumMod val="75000"/>
-                  </a:schemeClr>
-                </a:solidFill>
-              </a:rPr>
-              <a:t># Exception </a:t>
-            </a:r>
-            <a:r>
-              <a:rPr lang="en-US" altLang="zh-TW" sz="2400" dirty="0" smtClean="0">
-                <a:solidFill>
-                  <a:schemeClr val="accent5">
-                    <a:lumMod val="75000"/>
-                  </a:schemeClr>
-                </a:solidFill>
-              </a:rPr>
-              <a:t>error</a:t>
-            </a:r>
-            <a:endParaRPr lang="en-US" altLang="zh-TW" sz="2400" dirty="0">
-              <a:solidFill>
-                <a:schemeClr val="accent5">
-                  <a:lumMod val="75000"/>
-                </a:schemeClr>
-              </a:solidFill>
-            </a:endParaRPr>
-          </a:p>
-          <a:p>
-            <a:endParaRPr lang="en-US" altLang="zh-TW" sz="2400" dirty="0"/>
-          </a:p>
-          <a:p>
-            <a:r>
-              <a:rPr lang="en-US" altLang="zh-TW" sz="2400" dirty="0"/>
-              <a:t>Number = </a:t>
-            </a:r>
-            <a:r>
-              <a:rPr lang="en-US" altLang="zh-TW" sz="2400" dirty="0" err="1"/>
-              <a:t>int</a:t>
-            </a:r>
-            <a:r>
-              <a:rPr lang="en-US" altLang="zh-TW" sz="2400" dirty="0"/>
-              <a:t>(input</a:t>
-            </a:r>
-            <a:r>
-              <a:rPr lang="en-US" altLang="zh-TW" sz="2400" dirty="0" smtClean="0"/>
-              <a:t>( </a:t>
-            </a:r>
-            <a:r>
-              <a:rPr lang="en-US" altLang="zh-TW" sz="2400" dirty="0" smtClean="0">
-                <a:solidFill>
-                  <a:srgbClr val="0070C0"/>
-                </a:solidFill>
-              </a:rPr>
-              <a:t>"</a:t>
-            </a:r>
-            <a:r>
-              <a:rPr lang="en-US" altLang="zh-TW" sz="2400" dirty="0">
-                <a:solidFill>
-                  <a:srgbClr val="0070C0"/>
-                </a:solidFill>
-              </a:rPr>
-              <a:t>Please enter a </a:t>
-            </a:r>
-            <a:r>
-              <a:rPr lang="en-US" altLang="zh-TW" sz="2400" dirty="0" smtClean="0">
-                <a:solidFill>
-                  <a:srgbClr val="0070C0"/>
-                </a:solidFill>
-              </a:rPr>
-              <a:t>number : </a:t>
-            </a:r>
-            <a:r>
-              <a:rPr lang="en-US" altLang="zh-TW" sz="2400" dirty="0">
-                <a:solidFill>
-                  <a:srgbClr val="0070C0"/>
-                </a:solidFill>
-              </a:rPr>
-              <a:t>"</a:t>
-            </a:r>
-            <a:r>
-              <a:rPr lang="en-US" altLang="zh-TW" sz="2400" dirty="0" smtClean="0">
-                <a:solidFill>
-                  <a:srgbClr val="0070C0"/>
-                </a:solidFill>
-              </a:rPr>
-              <a:t>))</a:t>
-            </a:r>
-          </a:p>
-          <a:p>
-            <a:endParaRPr lang="en-US" altLang="zh-TW" dirty="0"/>
-          </a:p>
-        </p:txBody>
-      </p:sp>
-      <p:pic>
-        <p:nvPicPr>
-          <p:cNvPr id="3" name="圖片 2"/>
-          <p:cNvPicPr>
-            <a:picLocks noChangeAspect="1"/>
-          </p:cNvPicPr>
-          <p:nvPr/>
-        </p:nvPicPr>
-        <p:blipFill>
-          <a:blip r:embed="rId2"/>
-          <a:stretch>
-            <a:fillRect/>
-          </a:stretch>
-        </p:blipFill>
-        <p:spPr>
-          <a:xfrm>
-            <a:off x="1328236" y="3479253"/>
-            <a:ext cx="8377466" cy="1761487"/>
-          </a:xfrm>
-          <a:prstGeom prst="rect">
-            <a:avLst/>
-          </a:prstGeom>
-          <a:effectLst>
-            <a:softEdge rad="31750"/>
-          </a:effectLst>
-        </p:spPr>
-      </p:pic>
-    </p:spTree>
-    <p:extLst>
-      <p:ext uri="{BB962C8B-B14F-4D97-AF65-F5344CB8AC3E}">
-        <p14:creationId xmlns:p14="http://schemas.microsoft.com/office/powerpoint/2010/main" val="488436348"/>
       </p:ext>
     </p:extLst>
   </p:cSld>
@@ -34964,6 +35406,506 @@
           <a:p>
             <a:pPr lvl="1" algn="ctr"/>
             <a:r>
+              <a:rPr lang="en-US" altLang="zh-TW" sz="4000" dirty="0" smtClean="0"/>
+              <a:t>Exception (Error Type)</a:t>
+            </a:r>
+            <a:r>
+              <a:rPr lang="en-US" altLang="zh-TW" sz="4000" dirty="0" smtClean="0">
+                <a:solidFill>
+                  <a:schemeClr val="tx1"/>
+                </a:solidFill>
+              </a:rPr>
+              <a:t> </a:t>
+            </a:r>
+            <a:endParaRPr lang="en-US" altLang="zh-TW" sz="4000" dirty="0">
+              <a:solidFill>
+                <a:schemeClr val="tx1"/>
+              </a:solidFill>
+            </a:endParaRPr>
+          </a:p>
+        </p:txBody>
+      </p:sp>
+      <p:pic>
+        <p:nvPicPr>
+          <p:cNvPr id="2" name="圖片 1"/>
+          <p:cNvPicPr>
+            <a:picLocks noChangeAspect="1"/>
+          </p:cNvPicPr>
+          <p:nvPr/>
+        </p:nvPicPr>
+        <p:blipFill>
+          <a:blip r:embed="rId2">
+            <a:extLst>
+              <a:ext uri="{28A0092B-C50C-407E-A947-70E740481C1C}">
+                <a14:useLocalDpi xmlns:a14="http://schemas.microsoft.com/office/drawing/2010/main" val="0"/>
+              </a:ext>
+            </a:extLst>
+          </a:blip>
+          <a:stretch>
+            <a:fillRect/>
+          </a:stretch>
+        </p:blipFill>
+        <p:spPr>
+          <a:xfrm>
+            <a:off x="782822" y="1603873"/>
+            <a:ext cx="8563229" cy="3830276"/>
+          </a:xfrm>
+          <a:prstGeom prst="rect">
+            <a:avLst/>
+          </a:prstGeom>
+        </p:spPr>
+      </p:pic>
+    </p:spTree>
+    <p:extLst>
+      <p:ext uri="{BB962C8B-B14F-4D97-AF65-F5344CB8AC3E}">
+        <p14:creationId xmlns:p14="http://schemas.microsoft.com/office/powerpoint/2010/main" val="2884484318"/>
+      </p:ext>
+    </p:extLst>
+  </p:cSld>
+  <p:clrMapOvr>
+    <a:masterClrMapping/>
+  </p:clrMapOvr>
+  <mc:AlternateContent xmlns:mc="http://schemas.openxmlformats.org/markup-compatibility/2006" xmlns:p14="http://schemas.microsoft.com/office/powerpoint/2010/main">
+    <mc:Choice Requires="p14">
+      <p:transition spd="slow" p14:dur="2000"/>
+    </mc:Choice>
+    <mc:Fallback xmlns="">
+      <p:transition spd="slow"/>
+    </mc:Fallback>
+  </mc:AlternateContent>
+  <p:timing>
+    <p:tnLst>
+      <p:par>
+        <p:cTn id="1" dur="indefinite" restart="never" nodeType="tmRoot"/>
+      </p:par>
+    </p:tnLst>
+  </p:timing>
+</p:sld>
+</file>
+
+<file path=ppt/slides/slide81.xml><?xml version="1.0" encoding="utf-8"?>
+<p:sld xmlns:a="http://schemas.openxmlformats.org/drawingml/2006/main" xmlns:r="http://schemas.openxmlformats.org/officeDocument/2006/relationships" xmlns:p="http://schemas.openxmlformats.org/presentationml/2006/main">
+  <p:cSld>
+    <p:spTree>
+      <p:nvGrpSpPr>
+        <p:cNvPr id="1" name=""/>
+        <p:cNvGrpSpPr/>
+        <p:nvPr/>
+      </p:nvGrpSpPr>
+      <p:grpSpPr>
+        <a:xfrm>
+          <a:off x="0" y="0"/>
+          <a:ext cx="0" cy="0"/>
+          <a:chOff x="0" y="0"/>
+          <a:chExt cx="0" cy="0"/>
+        </a:xfrm>
+      </p:grpSpPr>
+      <p:sp>
+        <p:nvSpPr>
+          <p:cNvPr id="5" name="標題 1"/>
+          <p:cNvSpPr txBox="1">
+            <a:spLocks/>
+          </p:cNvSpPr>
+          <p:nvPr/>
+        </p:nvSpPr>
+        <p:spPr>
+          <a:xfrm>
+            <a:off x="730570" y="290334"/>
+            <a:ext cx="8596668" cy="796505"/>
+          </a:xfrm>
+          <a:prstGeom prst="rect">
+            <a:avLst/>
+          </a:prstGeom>
+        </p:spPr>
+        <p:txBody>
+          <a:bodyPr vert="horz" lIns="91440" tIns="45720" rIns="91440" bIns="45720" rtlCol="0" anchor="b">
+            <a:noAutofit/>
+          </a:bodyPr>
+          <a:lstStyle>
+            <a:lvl1pPr algn="r" defTabSz="457200" rtl="0" eaLnBrk="1" latinLnBrk="0" hangingPunct="1">
+              <a:spcBef>
+                <a:spcPct val="0"/>
+              </a:spcBef>
+              <a:buNone/>
+              <a:defRPr sz="5400" kern="1200">
+                <a:solidFill>
+                  <a:schemeClr val="accent1"/>
+                </a:solidFill>
+                <a:latin typeface="+mj-lt"/>
+                <a:ea typeface="+mj-ea"/>
+                <a:cs typeface="+mj-cs"/>
+              </a:defRPr>
+            </a:lvl1pPr>
+            <a:lvl2pPr eaLnBrk="1" hangingPunct="1">
+              <a:defRPr>
+                <a:solidFill>
+                  <a:schemeClr val="tx2"/>
+                </a:solidFill>
+              </a:defRPr>
+            </a:lvl2pPr>
+            <a:lvl3pPr eaLnBrk="1" hangingPunct="1">
+              <a:defRPr>
+                <a:solidFill>
+                  <a:schemeClr val="tx2"/>
+                </a:solidFill>
+              </a:defRPr>
+            </a:lvl3pPr>
+            <a:lvl4pPr eaLnBrk="1" hangingPunct="1">
+              <a:defRPr>
+                <a:solidFill>
+                  <a:schemeClr val="tx2"/>
+                </a:solidFill>
+              </a:defRPr>
+            </a:lvl4pPr>
+            <a:lvl5pPr eaLnBrk="1" hangingPunct="1">
+              <a:defRPr>
+                <a:solidFill>
+                  <a:schemeClr val="tx2"/>
+                </a:solidFill>
+              </a:defRPr>
+            </a:lvl5pPr>
+            <a:lvl6pPr eaLnBrk="1" hangingPunct="1">
+              <a:defRPr>
+                <a:solidFill>
+                  <a:schemeClr val="tx2"/>
+                </a:solidFill>
+              </a:defRPr>
+            </a:lvl6pPr>
+            <a:lvl7pPr eaLnBrk="1" hangingPunct="1">
+              <a:defRPr>
+                <a:solidFill>
+                  <a:schemeClr val="tx2"/>
+                </a:solidFill>
+              </a:defRPr>
+            </a:lvl7pPr>
+            <a:lvl8pPr eaLnBrk="1" hangingPunct="1">
+              <a:defRPr>
+                <a:solidFill>
+                  <a:schemeClr val="tx2"/>
+                </a:solidFill>
+              </a:defRPr>
+            </a:lvl8pPr>
+            <a:lvl9pPr eaLnBrk="1" hangingPunct="1">
+              <a:defRPr>
+                <a:solidFill>
+                  <a:schemeClr val="tx2"/>
+                </a:solidFill>
+              </a:defRPr>
+            </a:lvl9pPr>
+          </a:lstStyle>
+          <a:p>
+            <a:pPr lvl="1" algn="ctr"/>
+            <a:r>
+              <a:rPr lang="en-US" altLang="zh-TW" sz="4000" dirty="0" smtClean="0"/>
+              <a:t>Exception (Error)</a:t>
+            </a:r>
+            <a:r>
+              <a:rPr lang="en-US" altLang="zh-TW" sz="4000" dirty="0" smtClean="0">
+                <a:solidFill>
+                  <a:schemeClr val="tx1"/>
+                </a:solidFill>
+              </a:rPr>
+              <a:t> </a:t>
+            </a:r>
+            <a:endParaRPr lang="en-US" altLang="zh-TW" sz="4000" dirty="0">
+              <a:solidFill>
+                <a:schemeClr val="tx1"/>
+              </a:solidFill>
+            </a:endParaRPr>
+          </a:p>
+        </p:txBody>
+      </p:sp>
+      <p:sp>
+        <p:nvSpPr>
+          <p:cNvPr id="8" name="文字方塊 7"/>
+          <p:cNvSpPr txBox="1"/>
+          <p:nvPr/>
+        </p:nvSpPr>
+        <p:spPr>
+          <a:xfrm>
+            <a:off x="1306281" y="1700866"/>
+            <a:ext cx="8399421" cy="1477328"/>
+          </a:xfrm>
+          <a:prstGeom prst="rect">
+            <a:avLst/>
+          </a:prstGeom>
+          <a:solidFill>
+            <a:schemeClr val="bg1">
+              <a:lumMod val="85000"/>
+            </a:schemeClr>
+          </a:solidFill>
+          <a:effectLst>
+            <a:softEdge rad="76200"/>
+          </a:effectLst>
+        </p:spPr>
+        <p:txBody>
+          <a:bodyPr wrap="square" rtlCol="0">
+            <a:spAutoFit/>
+          </a:bodyPr>
+          <a:lstStyle/>
+          <a:p>
+            <a:r>
+              <a:rPr lang="en-US" altLang="zh-TW" sz="2400" dirty="0">
+                <a:solidFill>
+                  <a:schemeClr val="accent5">
+                    <a:lumMod val="75000"/>
+                  </a:schemeClr>
+                </a:solidFill>
+              </a:rPr>
+              <a:t># Exception </a:t>
+            </a:r>
+            <a:r>
+              <a:rPr lang="en-US" altLang="zh-TW" sz="2400" dirty="0" smtClean="0">
+                <a:solidFill>
+                  <a:schemeClr val="accent5">
+                    <a:lumMod val="75000"/>
+                  </a:schemeClr>
+                </a:solidFill>
+              </a:rPr>
+              <a:t>error</a:t>
+            </a:r>
+            <a:endParaRPr lang="en-US" altLang="zh-TW" sz="2400" dirty="0">
+              <a:solidFill>
+                <a:schemeClr val="accent5">
+                  <a:lumMod val="75000"/>
+                </a:schemeClr>
+              </a:solidFill>
+            </a:endParaRPr>
+          </a:p>
+          <a:p>
+            <a:endParaRPr lang="en-US" altLang="zh-TW" sz="2400" dirty="0"/>
+          </a:p>
+          <a:p>
+            <a:r>
+              <a:rPr lang="en-US" altLang="zh-TW" sz="2400" dirty="0"/>
+              <a:t>Number = </a:t>
+            </a:r>
+            <a:r>
+              <a:rPr lang="en-US" altLang="zh-TW" sz="2400" dirty="0" err="1"/>
+              <a:t>int</a:t>
+            </a:r>
+            <a:r>
+              <a:rPr lang="en-US" altLang="zh-TW" sz="2400" dirty="0"/>
+              <a:t>(input</a:t>
+            </a:r>
+            <a:r>
+              <a:rPr lang="en-US" altLang="zh-TW" sz="2400" dirty="0" smtClean="0"/>
+              <a:t>( </a:t>
+            </a:r>
+            <a:r>
+              <a:rPr lang="en-US" altLang="zh-TW" sz="2400" dirty="0" smtClean="0">
+                <a:solidFill>
+                  <a:srgbClr val="0070C0"/>
+                </a:solidFill>
+              </a:rPr>
+              <a:t>"</a:t>
+            </a:r>
+            <a:r>
+              <a:rPr lang="en-US" altLang="zh-TW" sz="2400" dirty="0">
+                <a:solidFill>
+                  <a:srgbClr val="0070C0"/>
+                </a:solidFill>
+              </a:rPr>
+              <a:t>Please enter a </a:t>
+            </a:r>
+            <a:r>
+              <a:rPr lang="en-US" altLang="zh-TW" sz="2400" dirty="0" smtClean="0">
+                <a:solidFill>
+                  <a:srgbClr val="0070C0"/>
+                </a:solidFill>
+              </a:rPr>
+              <a:t>number : </a:t>
+            </a:r>
+            <a:r>
+              <a:rPr lang="en-US" altLang="zh-TW" sz="2400" dirty="0">
+                <a:solidFill>
+                  <a:srgbClr val="0070C0"/>
+                </a:solidFill>
+              </a:rPr>
+              <a:t>"</a:t>
+            </a:r>
+            <a:r>
+              <a:rPr lang="en-US" altLang="zh-TW" sz="2400" dirty="0" smtClean="0">
+                <a:solidFill>
+                  <a:srgbClr val="0070C0"/>
+                </a:solidFill>
+              </a:rPr>
+              <a:t>))</a:t>
+            </a:r>
+          </a:p>
+          <a:p>
+            <a:endParaRPr lang="en-US" altLang="zh-TW" dirty="0"/>
+          </a:p>
+        </p:txBody>
+      </p:sp>
+      <p:pic>
+        <p:nvPicPr>
+          <p:cNvPr id="3" name="圖片 2"/>
+          <p:cNvPicPr>
+            <a:picLocks noChangeAspect="1"/>
+          </p:cNvPicPr>
+          <p:nvPr/>
+        </p:nvPicPr>
+        <p:blipFill>
+          <a:blip r:embed="rId2"/>
+          <a:stretch>
+            <a:fillRect/>
+          </a:stretch>
+        </p:blipFill>
+        <p:spPr>
+          <a:xfrm>
+            <a:off x="1328236" y="3479253"/>
+            <a:ext cx="8377466" cy="1761487"/>
+          </a:xfrm>
+          <a:prstGeom prst="rect">
+            <a:avLst/>
+          </a:prstGeom>
+          <a:effectLst>
+            <a:softEdge rad="31750"/>
+          </a:effectLst>
+        </p:spPr>
+      </p:pic>
+    </p:spTree>
+    <p:extLst>
+      <p:ext uri="{BB962C8B-B14F-4D97-AF65-F5344CB8AC3E}">
+        <p14:creationId xmlns:p14="http://schemas.microsoft.com/office/powerpoint/2010/main" val="488436348"/>
+      </p:ext>
+    </p:extLst>
+  </p:cSld>
+  <p:clrMapOvr>
+    <a:masterClrMapping/>
+  </p:clrMapOvr>
+  <mc:AlternateContent xmlns:mc="http://schemas.openxmlformats.org/markup-compatibility/2006" xmlns:p14="http://schemas.microsoft.com/office/powerpoint/2010/main">
+    <mc:Choice Requires="p14">
+      <p:transition spd="slow" p14:dur="2000"/>
+    </mc:Choice>
+    <mc:Fallback xmlns="">
+      <p:transition spd="slow"/>
+    </mc:Fallback>
+  </mc:AlternateContent>
+  <p:timing>
+    <p:tnLst>
+      <p:par>
+        <p:cTn id="1" dur="indefinite" restart="never" nodeType="tmRoot"/>
+      </p:par>
+    </p:tnLst>
+  </p:timing>
+</p:sld>
+</file>
+
+<file path=ppt/slides/slide82.xml><?xml version="1.0" encoding="utf-8"?>
+<p:sld xmlns:a="http://schemas.openxmlformats.org/drawingml/2006/main" xmlns:r="http://schemas.openxmlformats.org/officeDocument/2006/relationships" xmlns:p="http://schemas.openxmlformats.org/presentationml/2006/main">
+  <p:cSld>
+    <p:spTree>
+      <p:nvGrpSpPr>
+        <p:cNvPr id="1" name=""/>
+        <p:cNvGrpSpPr/>
+        <p:nvPr/>
+      </p:nvGrpSpPr>
+      <p:grpSpPr>
+        <a:xfrm>
+          <a:off x="0" y="0"/>
+          <a:ext cx="0" cy="0"/>
+          <a:chOff x="0" y="0"/>
+          <a:chExt cx="0" cy="0"/>
+        </a:xfrm>
+      </p:grpSpPr>
+      <p:sp>
+        <p:nvSpPr>
+          <p:cNvPr id="5" name="標題 1"/>
+          <p:cNvSpPr txBox="1">
+            <a:spLocks/>
+          </p:cNvSpPr>
+          <p:nvPr/>
+        </p:nvSpPr>
+        <p:spPr>
+          <a:xfrm>
+            <a:off x="782822" y="290334"/>
+            <a:ext cx="8596668" cy="796505"/>
+          </a:xfrm>
+          <a:prstGeom prst="rect">
+            <a:avLst/>
+          </a:prstGeom>
+        </p:spPr>
+        <p:txBody>
+          <a:bodyPr vert="horz" lIns="91440" tIns="45720" rIns="91440" bIns="45720" rtlCol="0" anchor="b">
+            <a:noAutofit/>
+          </a:bodyPr>
+          <a:lstStyle>
+            <a:lvl1pPr algn="r" defTabSz="457200" rtl="0" eaLnBrk="1" latinLnBrk="0" hangingPunct="1">
+              <a:spcBef>
+                <a:spcPct val="0"/>
+              </a:spcBef>
+              <a:buNone/>
+              <a:defRPr sz="5400" kern="1200">
+                <a:solidFill>
+                  <a:schemeClr val="accent1"/>
+                </a:solidFill>
+                <a:latin typeface="+mj-lt"/>
+                <a:ea typeface="+mj-ea"/>
+                <a:cs typeface="+mj-cs"/>
+              </a:defRPr>
+            </a:lvl1pPr>
+            <a:lvl2pPr eaLnBrk="1" hangingPunct="1">
+              <a:defRPr>
+                <a:solidFill>
+                  <a:schemeClr val="tx2"/>
+                </a:solidFill>
+              </a:defRPr>
+            </a:lvl2pPr>
+            <a:lvl3pPr eaLnBrk="1" hangingPunct="1">
+              <a:defRPr>
+                <a:solidFill>
+                  <a:schemeClr val="tx2"/>
+                </a:solidFill>
+              </a:defRPr>
+            </a:lvl3pPr>
+            <a:lvl4pPr eaLnBrk="1" hangingPunct="1">
+              <a:defRPr>
+                <a:solidFill>
+                  <a:schemeClr val="tx2"/>
+                </a:solidFill>
+              </a:defRPr>
+            </a:lvl4pPr>
+            <a:lvl5pPr eaLnBrk="1" hangingPunct="1">
+              <a:defRPr>
+                <a:solidFill>
+                  <a:schemeClr val="tx2"/>
+                </a:solidFill>
+              </a:defRPr>
+            </a:lvl5pPr>
+            <a:lvl6pPr eaLnBrk="1" hangingPunct="1">
+              <a:defRPr>
+                <a:solidFill>
+                  <a:schemeClr val="tx2"/>
+                </a:solidFill>
+              </a:defRPr>
+            </a:lvl6pPr>
+            <a:lvl7pPr eaLnBrk="1" hangingPunct="1">
+              <a:defRPr>
+                <a:solidFill>
+                  <a:schemeClr val="tx2"/>
+                </a:solidFill>
+              </a:defRPr>
+            </a:lvl7pPr>
+            <a:lvl8pPr eaLnBrk="1" hangingPunct="1">
+              <a:defRPr>
+                <a:solidFill>
+                  <a:schemeClr val="tx2"/>
+                </a:solidFill>
+              </a:defRPr>
+            </a:lvl8pPr>
+            <a:lvl9pPr eaLnBrk="1" hangingPunct="1">
+              <a:defRPr>
+                <a:solidFill>
+                  <a:schemeClr val="tx2"/>
+                </a:solidFill>
+              </a:defRPr>
+            </a:lvl9pPr>
+          </a:lstStyle>
+          <a:p>
+            <a:pPr lvl="1" algn="ctr"/>
+            <a:r>
               <a:rPr lang="en-US" altLang="zh-TW" sz="4000" smtClean="0"/>
               <a:t>Exception (try_catch)</a:t>
             </a:r>
@@ -35212,7 +36154,7 @@
 </p:sld>
 </file>
 
-<file path=ppt/slides/slide81.xml><?xml version="1.0" encoding="utf-8"?>
+<file path=ppt/slides/slide83.xml><?xml version="1.0" encoding="utf-8"?>
 <p:sld xmlns:a="http://schemas.openxmlformats.org/drawingml/2006/main" xmlns:r="http://schemas.openxmlformats.org/officeDocument/2006/relationships" xmlns:p="http://schemas.openxmlformats.org/presentationml/2006/main">
   <p:cSld>
     <p:spTree>
@@ -35339,7 +36281,7 @@
 </p:sld>
 </file>
 
-<file path=ppt/slides/slide82.xml><?xml version="1.0" encoding="utf-8"?>
+<file path=ppt/slides/slide84.xml><?xml version="1.0" encoding="utf-8"?>
 <p:sld xmlns:a="http://schemas.openxmlformats.org/drawingml/2006/main" xmlns:r="http://schemas.openxmlformats.org/officeDocument/2006/relationships" xmlns:p="http://schemas.openxmlformats.org/presentationml/2006/main">
   <p:cSld>
     <p:spTree>
@@ -35622,7 +36564,7 @@
 </p:sld>
 </file>
 
-<file path=ppt/slides/slide83.xml><?xml version="1.0" encoding="utf-8"?>
+<file path=ppt/slides/slide85.xml><?xml version="1.0" encoding="utf-8"?>
 <p:sld xmlns:a="http://schemas.openxmlformats.org/drawingml/2006/main" xmlns:r="http://schemas.openxmlformats.org/officeDocument/2006/relationships" xmlns:p="http://schemas.openxmlformats.org/presentationml/2006/main">
   <p:cSld>
     <p:spTree>
@@ -35918,7 +36860,7 @@
 </p:sld>
 </file>
 
-<file path=ppt/slides/slide84.xml><?xml version="1.0" encoding="utf-8"?>
+<file path=ppt/slides/slide86.xml><?xml version="1.0" encoding="utf-8"?>
 <p:sld xmlns:a="http://schemas.openxmlformats.org/drawingml/2006/main" xmlns:r="http://schemas.openxmlformats.org/officeDocument/2006/relationships" xmlns:p="http://schemas.openxmlformats.org/presentationml/2006/main">
   <p:cSld>
     <p:spTree>
@@ -36463,7 +37405,7 @@
 </p:sld>
 </file>
 
-<file path=ppt/slides/slide85.xml><?xml version="1.0" encoding="utf-8"?>
+<file path=ppt/slides/slide87.xml><?xml version="1.0" encoding="utf-8"?>
 <p:sld xmlns:a="http://schemas.openxmlformats.org/drawingml/2006/main" xmlns:r="http://schemas.openxmlformats.org/officeDocument/2006/relationships" xmlns:p="http://schemas.openxmlformats.org/presentationml/2006/main">
   <p:cSld>
     <p:spTree>
@@ -36998,7 +37940,7 @@
 </p:sld>
 </file>
 
-<file path=ppt/slides/slide86.xml><?xml version="1.0" encoding="utf-8"?>
+<file path=ppt/slides/slide88.xml><?xml version="1.0" encoding="utf-8"?>
 <p:sld xmlns:a="http://schemas.openxmlformats.org/drawingml/2006/main" xmlns:r="http://schemas.openxmlformats.org/officeDocument/2006/relationships" xmlns:p="http://schemas.openxmlformats.org/presentationml/2006/main">
   <p:cSld>
     <p:spTree>
@@ -37567,7 +38509,7 @@
 </p:sld>
 </file>
 
-<file path=ppt/slides/slide87.xml><?xml version="1.0" encoding="utf-8"?>
+<file path=ppt/slides/slide89.xml><?xml version="1.0" encoding="utf-8"?>
 <p:sld xmlns:a="http://schemas.openxmlformats.org/drawingml/2006/main" xmlns:r="http://schemas.openxmlformats.org/officeDocument/2006/relationships" xmlns:p="http://schemas.openxmlformats.org/presentationml/2006/main">
   <p:cSld>
     <p:spTree>
@@ -38040,979 +38982,6 @@
     <p:extLst>
       <p:ext uri="{BB962C8B-B14F-4D97-AF65-F5344CB8AC3E}">
         <p14:creationId xmlns:p14="http://schemas.microsoft.com/office/powerpoint/2010/main" val="700463563"/>
-      </p:ext>
-    </p:extLst>
-  </p:cSld>
-  <p:clrMapOvr>
-    <a:masterClrMapping/>
-  </p:clrMapOvr>
-  <mc:AlternateContent xmlns:mc="http://schemas.openxmlformats.org/markup-compatibility/2006" xmlns:p14="http://schemas.microsoft.com/office/powerpoint/2010/main">
-    <mc:Choice Requires="p14">
-      <p:transition spd="slow" p14:dur="2000"/>
-    </mc:Choice>
-    <mc:Fallback xmlns="">
-      <p:transition spd="slow"/>
-    </mc:Fallback>
-  </mc:AlternateContent>
-  <p:timing>
-    <p:tnLst>
-      <p:par>
-        <p:cTn id="1" dur="indefinite" restart="never" nodeType="tmRoot"/>
-      </p:par>
-    </p:tnLst>
-  </p:timing>
-</p:sld>
-</file>
-
-<file path=ppt/slides/slide88.xml><?xml version="1.0" encoding="utf-8"?>
-<p:sld xmlns:a="http://schemas.openxmlformats.org/drawingml/2006/main" xmlns:r="http://schemas.openxmlformats.org/officeDocument/2006/relationships" xmlns:p="http://schemas.openxmlformats.org/presentationml/2006/main">
-  <p:cSld>
-    <p:spTree>
-      <p:nvGrpSpPr>
-        <p:cNvPr id="1" name=""/>
-        <p:cNvGrpSpPr/>
-        <p:nvPr/>
-      </p:nvGrpSpPr>
-      <p:grpSpPr>
-        <a:xfrm>
-          <a:off x="0" y="0"/>
-          <a:ext cx="0" cy="0"/>
-          <a:chOff x="0" y="0"/>
-          <a:chExt cx="0" cy="0"/>
-        </a:xfrm>
-      </p:grpSpPr>
-      <p:sp>
-        <p:nvSpPr>
-          <p:cNvPr id="5" name="標題 1"/>
-          <p:cNvSpPr txBox="1">
-            <a:spLocks/>
-          </p:cNvSpPr>
-          <p:nvPr/>
-        </p:nvSpPr>
-        <p:spPr>
-          <a:xfrm>
-            <a:off x="619049" y="222095"/>
-            <a:ext cx="8596668" cy="796505"/>
-          </a:xfrm>
-          <a:prstGeom prst="rect">
-            <a:avLst/>
-          </a:prstGeom>
-        </p:spPr>
-        <p:txBody>
-          <a:bodyPr vert="horz" lIns="91440" tIns="45720" rIns="91440" bIns="45720" rtlCol="0" anchor="b">
-            <a:noAutofit/>
-          </a:bodyPr>
-          <a:lstStyle>
-            <a:lvl1pPr algn="r" defTabSz="457200" rtl="0" eaLnBrk="1" latinLnBrk="0" hangingPunct="1">
-              <a:spcBef>
-                <a:spcPct val="0"/>
-              </a:spcBef>
-              <a:buNone/>
-              <a:defRPr sz="5400" kern="1200">
-                <a:solidFill>
-                  <a:schemeClr val="accent1"/>
-                </a:solidFill>
-                <a:latin typeface="+mj-lt"/>
-                <a:ea typeface="+mj-ea"/>
-                <a:cs typeface="+mj-cs"/>
-              </a:defRPr>
-            </a:lvl1pPr>
-            <a:lvl2pPr eaLnBrk="1" hangingPunct="1">
-              <a:defRPr>
-                <a:solidFill>
-                  <a:schemeClr val="tx2"/>
-                </a:solidFill>
-              </a:defRPr>
-            </a:lvl2pPr>
-            <a:lvl3pPr eaLnBrk="1" hangingPunct="1">
-              <a:defRPr>
-                <a:solidFill>
-                  <a:schemeClr val="tx2"/>
-                </a:solidFill>
-              </a:defRPr>
-            </a:lvl3pPr>
-            <a:lvl4pPr eaLnBrk="1" hangingPunct="1">
-              <a:defRPr>
-                <a:solidFill>
-                  <a:schemeClr val="tx2"/>
-                </a:solidFill>
-              </a:defRPr>
-            </a:lvl4pPr>
-            <a:lvl5pPr eaLnBrk="1" hangingPunct="1">
-              <a:defRPr>
-                <a:solidFill>
-                  <a:schemeClr val="tx2"/>
-                </a:solidFill>
-              </a:defRPr>
-            </a:lvl5pPr>
-            <a:lvl6pPr eaLnBrk="1" hangingPunct="1">
-              <a:defRPr>
-                <a:solidFill>
-                  <a:schemeClr val="tx2"/>
-                </a:solidFill>
-              </a:defRPr>
-            </a:lvl6pPr>
-            <a:lvl7pPr eaLnBrk="1" hangingPunct="1">
-              <a:defRPr>
-                <a:solidFill>
-                  <a:schemeClr val="tx2"/>
-                </a:solidFill>
-              </a:defRPr>
-            </a:lvl7pPr>
-            <a:lvl8pPr eaLnBrk="1" hangingPunct="1">
-              <a:defRPr>
-                <a:solidFill>
-                  <a:schemeClr val="tx2"/>
-                </a:solidFill>
-              </a:defRPr>
-            </a:lvl8pPr>
-            <a:lvl9pPr eaLnBrk="1" hangingPunct="1">
-              <a:defRPr>
-                <a:solidFill>
-                  <a:schemeClr val="tx2"/>
-                </a:solidFill>
-              </a:defRPr>
-            </a:lvl9pPr>
-          </a:lstStyle>
-          <a:p>
-            <a:pPr lvl="1" algn="ctr"/>
-            <a:r>
-              <a:rPr lang="en-US" altLang="zh-TW" sz="4000" smtClean="0"/>
-              <a:t>Encapsulation</a:t>
-            </a:r>
-            <a:r>
-              <a:rPr lang="zh-TW" altLang="en-US" sz="4000" smtClean="0"/>
-              <a:t> </a:t>
-            </a:r>
-            <a:r>
-              <a:rPr lang="en-US" altLang="zh-TW" sz="4000" smtClean="0"/>
-              <a:t>(</a:t>
-            </a:r>
-            <a:r>
-              <a:rPr lang="zh-TW" altLang="en-US" sz="4000" smtClean="0"/>
-              <a:t>封裝</a:t>
-            </a:r>
-            <a:r>
-              <a:rPr lang="en-US" altLang="zh-TW" sz="4000" smtClean="0"/>
-              <a:t>)</a:t>
-            </a:r>
-            <a:endParaRPr lang="en-US" altLang="zh-TW" sz="4000"/>
-          </a:p>
-        </p:txBody>
-      </p:sp>
-      <p:sp>
-        <p:nvSpPr>
-          <p:cNvPr id="4" name="文字方塊 3"/>
-          <p:cNvSpPr txBox="1"/>
-          <p:nvPr/>
-        </p:nvSpPr>
-        <p:spPr>
-          <a:xfrm>
-            <a:off x="998611" y="1230738"/>
-            <a:ext cx="5177903" cy="5386090"/>
-          </a:xfrm>
-          <a:prstGeom prst="rect">
-            <a:avLst/>
-          </a:prstGeom>
-          <a:solidFill>
-            <a:schemeClr val="bg1">
-              <a:lumMod val="85000"/>
-            </a:schemeClr>
-          </a:solidFill>
-          <a:effectLst>
-            <a:softEdge rad="76200"/>
-          </a:effectLst>
-        </p:spPr>
-        <p:txBody>
-          <a:bodyPr wrap="square" rtlCol="0">
-            <a:spAutoFit/>
-          </a:bodyPr>
-          <a:lstStyle/>
-          <a:p>
-            <a:r>
-              <a:rPr lang="en-US" altLang="zh-TW" dirty="0" smtClean="0">
-                <a:solidFill>
-                  <a:schemeClr val="accent5">
-                    <a:lumMod val="75000"/>
-                  </a:schemeClr>
-                </a:solidFill>
-              </a:rPr>
-              <a:t># Animal Class </a:t>
-            </a:r>
-          </a:p>
-          <a:p>
-            <a:endParaRPr lang="en-US" altLang="zh-TW" sz="2000" dirty="0">
-              <a:solidFill>
-                <a:schemeClr val="accent2">
-                  <a:lumMod val="75000"/>
-                </a:schemeClr>
-              </a:solidFill>
-            </a:endParaRPr>
-          </a:p>
-          <a:p>
-            <a:r>
-              <a:rPr lang="en-US" altLang="zh-TW" dirty="0"/>
-              <a:t>class </a:t>
-            </a:r>
-            <a:r>
-              <a:rPr lang="en-US" altLang="zh-TW" dirty="0" err="1"/>
-              <a:t>baseAnimal</a:t>
-            </a:r>
-            <a:r>
-              <a:rPr lang="en-US" altLang="zh-TW" dirty="0"/>
-              <a:t>:</a:t>
-            </a:r>
-          </a:p>
-          <a:p>
-            <a:r>
-              <a:rPr lang="en-US" altLang="zh-TW" dirty="0"/>
-              <a:t>    </a:t>
-            </a:r>
-          </a:p>
-          <a:p>
-            <a:r>
-              <a:rPr lang="en-US" altLang="zh-TW" dirty="0"/>
-              <a:t>    </a:t>
-            </a:r>
-            <a:r>
-              <a:rPr lang="en-US" altLang="zh-TW" dirty="0" err="1"/>
-              <a:t>def</a:t>
-            </a:r>
-            <a:r>
-              <a:rPr lang="en-US" altLang="zh-TW" dirty="0"/>
-              <a:t> __</a:t>
-            </a:r>
-            <a:r>
-              <a:rPr lang="en-US" altLang="zh-TW" dirty="0" err="1"/>
-              <a:t>init</a:t>
-            </a:r>
-            <a:r>
-              <a:rPr lang="en-US" altLang="zh-TW" dirty="0"/>
-              <a:t>__(self, name, species):</a:t>
-            </a:r>
-          </a:p>
-          <a:p>
-            <a:r>
-              <a:rPr lang="en-US" altLang="zh-TW" dirty="0"/>
-              <a:t>        </a:t>
-            </a:r>
-            <a:r>
-              <a:rPr lang="en-US" altLang="zh-TW" dirty="0" err="1"/>
-              <a:t>self._</a:t>
-            </a:r>
-            <a:r>
-              <a:rPr lang="en-US" altLang="zh-TW" dirty="0" err="1">
-                <a:solidFill>
-                  <a:srgbClr val="0070C0"/>
-                </a:solidFill>
-              </a:rPr>
-              <a:t>_name</a:t>
-            </a:r>
-            <a:r>
-              <a:rPr lang="en-US" altLang="zh-TW" dirty="0">
-                <a:solidFill>
-                  <a:srgbClr val="0070C0"/>
-                </a:solidFill>
-              </a:rPr>
-              <a:t> </a:t>
-            </a:r>
-            <a:r>
-              <a:rPr lang="en-US" altLang="zh-TW" dirty="0"/>
-              <a:t>= name</a:t>
-            </a:r>
-          </a:p>
-          <a:p>
-            <a:r>
-              <a:rPr lang="en-US" altLang="zh-TW" dirty="0"/>
-              <a:t>        </a:t>
-            </a:r>
-            <a:r>
-              <a:rPr lang="en-US" altLang="zh-TW" dirty="0" err="1"/>
-              <a:t>self</a:t>
-            </a:r>
-            <a:r>
-              <a:rPr lang="en-US" altLang="zh-TW" dirty="0" err="1">
-                <a:solidFill>
-                  <a:srgbClr val="0070C0"/>
-                </a:solidFill>
-              </a:rPr>
-              <a:t>.__species</a:t>
-            </a:r>
-            <a:r>
-              <a:rPr lang="en-US" altLang="zh-TW" dirty="0">
-                <a:solidFill>
-                  <a:srgbClr val="0070C0"/>
-                </a:solidFill>
-              </a:rPr>
-              <a:t> </a:t>
-            </a:r>
-            <a:r>
-              <a:rPr lang="en-US" altLang="zh-TW" dirty="0"/>
-              <a:t>= species</a:t>
-            </a:r>
-          </a:p>
-          <a:p>
-            <a:r>
-              <a:rPr lang="en-US" altLang="zh-TW" dirty="0"/>
-              <a:t>     </a:t>
-            </a:r>
-          </a:p>
-          <a:p>
-            <a:r>
-              <a:rPr lang="en-US" altLang="zh-TW" dirty="0">
-                <a:solidFill>
-                  <a:srgbClr val="0070C0"/>
-                </a:solidFill>
-              </a:rPr>
-              <a:t>    </a:t>
-            </a:r>
-            <a:r>
-              <a:rPr lang="en-US" altLang="zh-TW" dirty="0" err="1">
-                <a:solidFill>
-                  <a:srgbClr val="0070C0"/>
-                </a:solidFill>
-              </a:rPr>
-              <a:t>def</a:t>
-            </a:r>
-            <a:r>
-              <a:rPr lang="en-US" altLang="zh-TW" dirty="0">
-                <a:solidFill>
-                  <a:srgbClr val="0070C0"/>
-                </a:solidFill>
-              </a:rPr>
-              <a:t> </a:t>
-            </a:r>
-            <a:r>
-              <a:rPr lang="en-US" altLang="zh-TW" dirty="0" err="1">
-                <a:solidFill>
-                  <a:srgbClr val="0070C0"/>
-                </a:solidFill>
-              </a:rPr>
-              <a:t>getAnimalName</a:t>
-            </a:r>
-            <a:r>
-              <a:rPr lang="en-US" altLang="zh-TW" dirty="0">
-                <a:solidFill>
-                  <a:srgbClr val="0070C0"/>
-                </a:solidFill>
-              </a:rPr>
-              <a:t>(</a:t>
-            </a:r>
-            <a:r>
-              <a:rPr lang="en-US" altLang="zh-TW" dirty="0" err="1">
-                <a:solidFill>
-                  <a:srgbClr val="0070C0"/>
-                </a:solidFill>
-              </a:rPr>
-              <a:t>getname</a:t>
-            </a:r>
-            <a:r>
-              <a:rPr lang="en-US" altLang="zh-TW" dirty="0">
-                <a:solidFill>
-                  <a:srgbClr val="0070C0"/>
-                </a:solidFill>
-              </a:rPr>
-              <a:t>):</a:t>
-            </a:r>
-            <a:r>
-              <a:rPr lang="zh-TW" altLang="en-US" dirty="0">
-                <a:solidFill>
-                  <a:srgbClr val="0070C0"/>
-                </a:solidFill>
-              </a:rPr>
-              <a:t> </a:t>
-            </a:r>
-            <a:endParaRPr lang="en-US" altLang="zh-TW" dirty="0">
-              <a:solidFill>
-                <a:srgbClr val="0070C0"/>
-              </a:solidFill>
-            </a:endParaRPr>
-          </a:p>
-          <a:p>
-            <a:r>
-              <a:rPr lang="en-US" altLang="zh-TW" dirty="0">
-                <a:solidFill>
-                  <a:srgbClr val="0070C0"/>
-                </a:solidFill>
-              </a:rPr>
-              <a:t>        return </a:t>
-            </a:r>
-            <a:r>
-              <a:rPr lang="en-US" altLang="zh-TW" dirty="0" err="1">
-                <a:solidFill>
-                  <a:srgbClr val="0070C0"/>
-                </a:solidFill>
-              </a:rPr>
-              <a:t>getname</a:t>
-            </a:r>
-            <a:r>
-              <a:rPr lang="en-US" altLang="zh-TW" dirty="0">
-                <a:solidFill>
-                  <a:srgbClr val="0070C0"/>
-                </a:solidFill>
-              </a:rPr>
-              <a:t>.__name</a:t>
-            </a:r>
-          </a:p>
-          <a:p>
-            <a:r>
-              <a:rPr lang="en-US" altLang="zh-TW" dirty="0">
-                <a:solidFill>
-                  <a:srgbClr val="0070C0"/>
-                </a:solidFill>
-              </a:rPr>
-              <a:t>    </a:t>
-            </a:r>
-          </a:p>
-          <a:p>
-            <a:r>
-              <a:rPr lang="en-US" altLang="zh-TW" dirty="0">
-                <a:solidFill>
-                  <a:srgbClr val="0070C0"/>
-                </a:solidFill>
-              </a:rPr>
-              <a:t>    </a:t>
-            </a:r>
-            <a:r>
-              <a:rPr lang="en-US" altLang="zh-TW" dirty="0" err="1">
-                <a:solidFill>
-                  <a:srgbClr val="0070C0"/>
-                </a:solidFill>
-              </a:rPr>
-              <a:t>def</a:t>
-            </a:r>
-            <a:r>
-              <a:rPr lang="en-US" altLang="zh-TW" dirty="0">
-                <a:solidFill>
-                  <a:srgbClr val="0070C0"/>
-                </a:solidFill>
-              </a:rPr>
-              <a:t> </a:t>
-            </a:r>
-            <a:r>
-              <a:rPr lang="en-US" altLang="zh-TW" dirty="0" err="1">
-                <a:solidFill>
-                  <a:srgbClr val="0070C0"/>
-                </a:solidFill>
-              </a:rPr>
-              <a:t>getAnimalSpecies</a:t>
-            </a:r>
-            <a:r>
-              <a:rPr lang="en-US" altLang="zh-TW" dirty="0">
-                <a:solidFill>
-                  <a:srgbClr val="0070C0"/>
-                </a:solidFill>
-              </a:rPr>
-              <a:t>(</a:t>
-            </a:r>
-            <a:r>
-              <a:rPr lang="en-US" altLang="zh-TW" dirty="0" err="1">
-                <a:solidFill>
-                  <a:srgbClr val="0070C0"/>
-                </a:solidFill>
-              </a:rPr>
-              <a:t>getspecies</a:t>
-            </a:r>
-            <a:r>
-              <a:rPr lang="en-US" altLang="zh-TW" dirty="0">
-                <a:solidFill>
-                  <a:srgbClr val="0070C0"/>
-                </a:solidFill>
-              </a:rPr>
-              <a:t>):</a:t>
-            </a:r>
-          </a:p>
-          <a:p>
-            <a:r>
-              <a:rPr lang="en-US" altLang="zh-TW" dirty="0">
-                <a:solidFill>
-                  <a:srgbClr val="0070C0"/>
-                </a:solidFill>
-              </a:rPr>
-              <a:t>        return </a:t>
-            </a:r>
-            <a:r>
-              <a:rPr lang="en-US" altLang="zh-TW" dirty="0" err="1">
-                <a:solidFill>
-                  <a:srgbClr val="0070C0"/>
-                </a:solidFill>
-              </a:rPr>
-              <a:t>getspecies</a:t>
-            </a:r>
-            <a:r>
-              <a:rPr lang="en-US" altLang="zh-TW" dirty="0">
-                <a:solidFill>
-                  <a:srgbClr val="0070C0"/>
-                </a:solidFill>
-              </a:rPr>
-              <a:t>.__species</a:t>
-            </a:r>
-          </a:p>
-          <a:p>
-            <a:endParaRPr lang="en-US" altLang="zh-TW" dirty="0"/>
-          </a:p>
-          <a:p>
-            <a:r>
-              <a:rPr lang="en-US" altLang="zh-TW" dirty="0"/>
-              <a:t>X = </a:t>
-            </a:r>
-            <a:r>
-              <a:rPr lang="en-US" altLang="zh-TW" dirty="0" err="1"/>
-              <a:t>baseAnimal</a:t>
-            </a:r>
-            <a:r>
-              <a:rPr lang="en-US" altLang="zh-TW" dirty="0" smtClean="0"/>
-              <a:t>("</a:t>
-            </a:r>
-            <a:r>
-              <a:rPr lang="en-US" altLang="zh-TW" dirty="0" err="1"/>
-              <a:t>LaLa</a:t>
-            </a:r>
-            <a:r>
-              <a:rPr lang="en-US" altLang="zh-TW" dirty="0"/>
-              <a:t>","Cat")</a:t>
-            </a:r>
-          </a:p>
-          <a:p>
-            <a:r>
-              <a:rPr lang="en-US" altLang="zh-TW" dirty="0">
-                <a:solidFill>
-                  <a:srgbClr val="0070C0"/>
-                </a:solidFill>
-              </a:rPr>
-              <a:t>print(</a:t>
-            </a:r>
-            <a:r>
-              <a:rPr lang="en-US" altLang="zh-TW" dirty="0" err="1">
-                <a:solidFill>
-                  <a:srgbClr val="0070C0"/>
-                </a:solidFill>
-              </a:rPr>
-              <a:t>X.getAnimalName</a:t>
-            </a:r>
-            <a:r>
-              <a:rPr lang="en-US" altLang="zh-TW" dirty="0">
-                <a:solidFill>
-                  <a:srgbClr val="0070C0"/>
-                </a:solidFill>
-              </a:rPr>
-              <a:t>())</a:t>
-            </a:r>
-          </a:p>
-          <a:p>
-            <a:r>
-              <a:rPr lang="en-US" altLang="zh-TW" dirty="0">
-                <a:solidFill>
-                  <a:srgbClr val="0070C0"/>
-                </a:solidFill>
-              </a:rPr>
-              <a:t>print(</a:t>
-            </a:r>
-            <a:r>
-              <a:rPr lang="en-US" altLang="zh-TW" dirty="0" err="1">
-                <a:solidFill>
-                  <a:srgbClr val="0070C0"/>
-                </a:solidFill>
-              </a:rPr>
-              <a:t>X.getAnimalSpecies</a:t>
-            </a:r>
-            <a:r>
-              <a:rPr lang="en-US" altLang="zh-TW" dirty="0">
-                <a:solidFill>
-                  <a:srgbClr val="0070C0"/>
-                </a:solidFill>
-              </a:rPr>
-              <a:t>())</a:t>
-            </a:r>
-          </a:p>
-          <a:p>
-            <a:endParaRPr lang="en-US" altLang="zh-TW" dirty="0" smtClean="0"/>
-          </a:p>
-          <a:p>
-            <a:r>
-              <a:rPr lang="en-US" altLang="zh-TW" dirty="0">
-                <a:solidFill>
-                  <a:schemeClr val="accent5">
-                    <a:lumMod val="75000"/>
-                  </a:schemeClr>
-                </a:solidFill>
-              </a:rPr>
-              <a:t>#</a:t>
-            </a:r>
-            <a:r>
-              <a:rPr lang="zh-TW" altLang="en-US" b="1" i="1" dirty="0">
-                <a:solidFill>
-                  <a:srgbClr val="FF0000"/>
-                </a:solidFill>
-              </a:rPr>
-              <a:t>透過 </a:t>
-            </a:r>
-            <a:r>
-              <a:rPr lang="en-US" altLang="zh-TW" b="1" i="1" dirty="0">
-                <a:solidFill>
-                  <a:srgbClr val="FF0000"/>
-                </a:solidFill>
-              </a:rPr>
-              <a:t>Method </a:t>
-            </a:r>
-            <a:r>
-              <a:rPr lang="zh-TW" altLang="en-US" b="1" i="1" dirty="0">
-                <a:solidFill>
-                  <a:srgbClr val="FF0000"/>
-                </a:solidFill>
-              </a:rPr>
-              <a:t>回傳被封裝的</a:t>
-            </a:r>
-            <a:r>
-              <a:rPr lang="zh-TW" altLang="en-US" b="1" i="1" dirty="0" smtClean="0">
-                <a:solidFill>
-                  <a:srgbClr val="FF0000"/>
-                </a:solidFill>
-              </a:rPr>
-              <a:t>資料</a:t>
-            </a:r>
-            <a:endParaRPr lang="en-US" altLang="zh-TW" dirty="0"/>
-          </a:p>
-        </p:txBody>
-      </p:sp>
-      <p:pic>
-        <p:nvPicPr>
-          <p:cNvPr id="2" name="圖片 1"/>
-          <p:cNvPicPr>
-            <a:picLocks noChangeAspect="1"/>
-          </p:cNvPicPr>
-          <p:nvPr/>
-        </p:nvPicPr>
-        <p:blipFill>
-          <a:blip r:embed="rId2"/>
-          <a:stretch>
-            <a:fillRect/>
-          </a:stretch>
-        </p:blipFill>
-        <p:spPr>
-          <a:xfrm>
-            <a:off x="6282164" y="2225651"/>
-            <a:ext cx="5326850" cy="1431949"/>
-          </a:xfrm>
-          <a:prstGeom prst="rect">
-            <a:avLst/>
-          </a:prstGeom>
-          <a:effectLst>
-            <a:softEdge rad="31750"/>
-          </a:effectLst>
-        </p:spPr>
-      </p:pic>
-    </p:spTree>
-    <p:extLst>
-      <p:ext uri="{BB962C8B-B14F-4D97-AF65-F5344CB8AC3E}">
-        <p14:creationId xmlns:p14="http://schemas.microsoft.com/office/powerpoint/2010/main" val="935092635"/>
-      </p:ext>
-    </p:extLst>
-  </p:cSld>
-  <p:clrMapOvr>
-    <a:masterClrMapping/>
-  </p:clrMapOvr>
-  <mc:AlternateContent xmlns:mc="http://schemas.openxmlformats.org/markup-compatibility/2006" xmlns:p14="http://schemas.microsoft.com/office/powerpoint/2010/main">
-    <mc:Choice Requires="p14">
-      <p:transition spd="slow" p14:dur="2000"/>
-    </mc:Choice>
-    <mc:Fallback xmlns="">
-      <p:transition spd="slow"/>
-    </mc:Fallback>
-  </mc:AlternateContent>
-  <p:timing>
-    <p:tnLst>
-      <p:par>
-        <p:cTn id="1" dur="indefinite" restart="never" nodeType="tmRoot"/>
-      </p:par>
-    </p:tnLst>
-  </p:timing>
-</p:sld>
-</file>
-
-<file path=ppt/slides/slide89.xml><?xml version="1.0" encoding="utf-8"?>
-<p:sld xmlns:a="http://schemas.openxmlformats.org/drawingml/2006/main" xmlns:r="http://schemas.openxmlformats.org/officeDocument/2006/relationships" xmlns:p="http://schemas.openxmlformats.org/presentationml/2006/main">
-  <p:cSld>
-    <p:spTree>
-      <p:nvGrpSpPr>
-        <p:cNvPr id="1" name=""/>
-        <p:cNvGrpSpPr/>
-        <p:nvPr/>
-      </p:nvGrpSpPr>
-      <p:grpSpPr>
-        <a:xfrm>
-          <a:off x="0" y="0"/>
-          <a:ext cx="0" cy="0"/>
-          <a:chOff x="0" y="0"/>
-          <a:chExt cx="0" cy="0"/>
-        </a:xfrm>
-      </p:grpSpPr>
-      <p:sp>
-        <p:nvSpPr>
-          <p:cNvPr id="5" name="標題 1"/>
-          <p:cNvSpPr txBox="1">
-            <a:spLocks/>
-          </p:cNvSpPr>
-          <p:nvPr/>
-        </p:nvSpPr>
-        <p:spPr>
-          <a:xfrm>
-            <a:off x="584539" y="424862"/>
-            <a:ext cx="8596668" cy="796505"/>
-          </a:xfrm>
-          <a:prstGeom prst="rect">
-            <a:avLst/>
-          </a:prstGeom>
-        </p:spPr>
-        <p:txBody>
-          <a:bodyPr vert="horz" lIns="91440" tIns="45720" rIns="91440" bIns="45720" rtlCol="0" anchor="b">
-            <a:noAutofit/>
-          </a:bodyPr>
-          <a:lstStyle>
-            <a:lvl1pPr algn="r" defTabSz="457200" rtl="0" eaLnBrk="1" latinLnBrk="0" hangingPunct="1">
-              <a:spcBef>
-                <a:spcPct val="0"/>
-              </a:spcBef>
-              <a:buNone/>
-              <a:defRPr sz="5400" kern="1200">
-                <a:solidFill>
-                  <a:schemeClr val="accent1"/>
-                </a:solidFill>
-                <a:latin typeface="+mj-lt"/>
-                <a:ea typeface="+mj-ea"/>
-                <a:cs typeface="+mj-cs"/>
-              </a:defRPr>
-            </a:lvl1pPr>
-            <a:lvl2pPr eaLnBrk="1" hangingPunct="1">
-              <a:defRPr>
-                <a:solidFill>
-                  <a:schemeClr val="tx2"/>
-                </a:solidFill>
-              </a:defRPr>
-            </a:lvl2pPr>
-            <a:lvl3pPr eaLnBrk="1" hangingPunct="1">
-              <a:defRPr>
-                <a:solidFill>
-                  <a:schemeClr val="tx2"/>
-                </a:solidFill>
-              </a:defRPr>
-            </a:lvl3pPr>
-            <a:lvl4pPr eaLnBrk="1" hangingPunct="1">
-              <a:defRPr>
-                <a:solidFill>
-                  <a:schemeClr val="tx2"/>
-                </a:solidFill>
-              </a:defRPr>
-            </a:lvl4pPr>
-            <a:lvl5pPr eaLnBrk="1" hangingPunct="1">
-              <a:defRPr>
-                <a:solidFill>
-                  <a:schemeClr val="tx2"/>
-                </a:solidFill>
-              </a:defRPr>
-            </a:lvl5pPr>
-            <a:lvl6pPr eaLnBrk="1" hangingPunct="1">
-              <a:defRPr>
-                <a:solidFill>
-                  <a:schemeClr val="tx2"/>
-                </a:solidFill>
-              </a:defRPr>
-            </a:lvl6pPr>
-            <a:lvl7pPr eaLnBrk="1" hangingPunct="1">
-              <a:defRPr>
-                <a:solidFill>
-                  <a:schemeClr val="tx2"/>
-                </a:solidFill>
-              </a:defRPr>
-            </a:lvl7pPr>
-            <a:lvl8pPr eaLnBrk="1" hangingPunct="1">
-              <a:defRPr>
-                <a:solidFill>
-                  <a:schemeClr val="tx2"/>
-                </a:solidFill>
-              </a:defRPr>
-            </a:lvl8pPr>
-            <a:lvl9pPr eaLnBrk="1" hangingPunct="1">
-              <a:defRPr>
-                <a:solidFill>
-                  <a:schemeClr val="tx2"/>
-                </a:solidFill>
-              </a:defRPr>
-            </a:lvl9pPr>
-          </a:lstStyle>
-          <a:p>
-            <a:pPr lvl="1" algn="ctr"/>
-            <a:r>
-              <a:rPr lang="en-US" altLang="zh-TW" sz="4000" smtClean="0"/>
-              <a:t>Inheritance</a:t>
-            </a:r>
-            <a:r>
-              <a:rPr lang="zh-TW" altLang="en-US" sz="4000" smtClean="0"/>
-              <a:t> </a:t>
-            </a:r>
-            <a:r>
-              <a:rPr lang="en-US" altLang="zh-TW" sz="4000" smtClean="0"/>
-              <a:t>(</a:t>
-            </a:r>
-            <a:r>
-              <a:rPr lang="zh-TW" altLang="en-US" sz="4000" smtClean="0"/>
-              <a:t>繼承</a:t>
-            </a:r>
-            <a:r>
-              <a:rPr lang="en-US" altLang="zh-TW" sz="4000" smtClean="0"/>
-              <a:t>)</a:t>
-            </a:r>
-            <a:endParaRPr lang="en-US" altLang="zh-TW" sz="4000">
-              <a:solidFill>
-                <a:schemeClr val="tx1"/>
-              </a:solidFill>
-            </a:endParaRPr>
-          </a:p>
-        </p:txBody>
-      </p:sp>
-      <p:sp>
-        <p:nvSpPr>
-          <p:cNvPr id="8" name="文字方塊 7"/>
-          <p:cNvSpPr txBox="1"/>
-          <p:nvPr/>
-        </p:nvSpPr>
-        <p:spPr>
-          <a:xfrm>
-            <a:off x="1784297" y="1936491"/>
-            <a:ext cx="7079713" cy="3600986"/>
-          </a:xfrm>
-          <a:prstGeom prst="rect">
-            <a:avLst/>
-          </a:prstGeom>
-          <a:solidFill>
-            <a:schemeClr val="bg1">
-              <a:lumMod val="85000"/>
-            </a:schemeClr>
-          </a:solidFill>
-          <a:effectLst>
-            <a:softEdge rad="76200"/>
-          </a:effectLst>
-        </p:spPr>
-        <p:txBody>
-          <a:bodyPr wrap="square" rtlCol="0">
-            <a:spAutoFit/>
-          </a:bodyPr>
-          <a:lstStyle/>
-          <a:p>
-            <a:pPr marL="0" lvl="2"/>
-            <a:r>
-              <a:rPr lang="en-US" altLang="zh-TW" sz="2400" dirty="0" smtClean="0">
-                <a:solidFill>
-                  <a:schemeClr val="accent5">
-                    <a:lumMod val="75000"/>
-                  </a:schemeClr>
-                </a:solidFill>
-              </a:rPr>
-              <a:t># Inheritance</a:t>
-            </a:r>
-          </a:p>
-          <a:p>
-            <a:endParaRPr lang="en-US" altLang="zh-TW" sz="2400" dirty="0">
-              <a:solidFill>
-                <a:schemeClr val="accent2">
-                  <a:lumMod val="75000"/>
-                </a:schemeClr>
-              </a:solidFill>
-            </a:endParaRPr>
-          </a:p>
-          <a:p>
-            <a:r>
-              <a:rPr lang="en-US" altLang="zh-TW" sz="2400" dirty="0" smtClean="0">
-                <a:solidFill>
-                  <a:srgbClr val="0070C0"/>
-                </a:solidFill>
-              </a:rPr>
-              <a:t>class </a:t>
-            </a:r>
-            <a:r>
-              <a:rPr lang="en-US" altLang="zh-TW" sz="2400" dirty="0" err="1" smtClean="0">
-                <a:solidFill>
-                  <a:srgbClr val="0070C0"/>
-                </a:solidFill>
-              </a:rPr>
-              <a:t>DerivedClassName</a:t>
-            </a:r>
-            <a:r>
-              <a:rPr lang="en-US" altLang="zh-TW" sz="2400" dirty="0" smtClean="0">
-                <a:solidFill>
-                  <a:srgbClr val="0070C0"/>
-                </a:solidFill>
-              </a:rPr>
-              <a:t>(</a:t>
-            </a:r>
-            <a:r>
-              <a:rPr lang="en-US" altLang="zh-TW" sz="2400" dirty="0" err="1" smtClean="0">
-                <a:solidFill>
-                  <a:srgbClr val="0070C0"/>
-                </a:solidFill>
-              </a:rPr>
-              <a:t>BaseClassName</a:t>
-            </a:r>
-            <a:r>
-              <a:rPr lang="en-US" altLang="zh-TW" sz="2400" dirty="0">
-                <a:solidFill>
-                  <a:srgbClr val="0070C0"/>
-                </a:solidFill>
-              </a:rPr>
-              <a:t>):</a:t>
-            </a:r>
-          </a:p>
-          <a:p>
-            <a:r>
-              <a:rPr lang="en-US" altLang="zh-TW" sz="2400" dirty="0"/>
-              <a:t>    &lt;statement-1&gt;</a:t>
-            </a:r>
-          </a:p>
-          <a:p>
-            <a:r>
-              <a:rPr lang="en-US" altLang="zh-TW" sz="2400" dirty="0"/>
-              <a:t>    </a:t>
-            </a:r>
-            <a:r>
-              <a:rPr lang="en-US" altLang="zh-TW" sz="2400" dirty="0" smtClean="0"/>
-              <a:t>.</a:t>
-            </a:r>
-            <a:endParaRPr lang="en-US" altLang="zh-TW" sz="2400" dirty="0"/>
-          </a:p>
-          <a:p>
-            <a:r>
-              <a:rPr lang="en-US" altLang="zh-TW" sz="2400" dirty="0"/>
-              <a:t>    .</a:t>
-            </a:r>
-          </a:p>
-          <a:p>
-            <a:r>
-              <a:rPr lang="en-US" altLang="zh-TW" sz="2400" dirty="0"/>
-              <a:t>    .</a:t>
-            </a:r>
-          </a:p>
-          <a:p>
-            <a:r>
-              <a:rPr lang="en-US" altLang="zh-TW" sz="2400" dirty="0"/>
-              <a:t>    &lt;statement-N</a:t>
-            </a:r>
-            <a:r>
-              <a:rPr lang="en-US" altLang="zh-TW" sz="2400" dirty="0" smtClean="0"/>
-              <a:t>&gt;</a:t>
-            </a:r>
-          </a:p>
-          <a:p>
-            <a:endParaRPr lang="en-US" altLang="zh-TW" dirty="0"/>
-          </a:p>
-          <a:p>
-            <a:endParaRPr lang="en-US" altLang="zh-TW" dirty="0"/>
-          </a:p>
-        </p:txBody>
-      </p:sp>
-    </p:spTree>
-    <p:extLst>
-      <p:ext uri="{BB962C8B-B14F-4D97-AF65-F5344CB8AC3E}">
-        <p14:creationId xmlns:p14="http://schemas.microsoft.com/office/powerpoint/2010/main" val="3152983772"/>
       </p:ext>
     </p:extLst>
   </p:cSld>
@@ -39258,7 +39227,7 @@
         </p:nvSpPr>
         <p:spPr>
           <a:xfrm>
-            <a:off x="982724" y="0"/>
+            <a:off x="619049" y="222095"/>
             <a:ext cx="8596668" cy="796505"/>
           </a:xfrm>
           <a:prstGeom prst="rect">
@@ -39345,7 +39314,7 @@
             <a:pPr lvl="1" algn="ctr"/>
             <a:r>
               <a:rPr lang="en-US" altLang="zh-TW" sz="4000" smtClean="0"/>
-              <a:t>Inheritance</a:t>
+              <a:t>Encapsulation</a:t>
             </a:r>
             <a:r>
               <a:rPr lang="zh-TW" altLang="en-US" sz="4000" smtClean="0"/>
@@ -39357,30 +39326,26 @@
             </a:r>
             <a:r>
               <a:rPr lang="zh-TW" altLang="en-US" sz="4000" smtClean="0"/>
-              <a:t>繼承</a:t>
+              <a:t>封裝</a:t>
             </a:r>
             <a:r>
               <a:rPr lang="en-US" altLang="zh-TW" sz="4000" smtClean="0"/>
               <a:t>)</a:t>
             </a:r>
-            <a:endParaRPr lang="en-US" altLang="zh-TW" sz="4000">
-              <a:solidFill>
-                <a:schemeClr val="tx1"/>
-              </a:solidFill>
-            </a:endParaRPr>
+            <a:endParaRPr lang="en-US" altLang="zh-TW" sz="4000"/>
           </a:p>
         </p:txBody>
       </p:sp>
       <p:sp>
         <p:nvSpPr>
-          <p:cNvPr id="8" name="文字方塊 7"/>
+          <p:cNvPr id="4" name="文字方塊 3"/>
           <p:cNvSpPr txBox="1"/>
           <p:nvPr/>
         </p:nvSpPr>
         <p:spPr>
           <a:xfrm>
-            <a:off x="744896" y="1047113"/>
-            <a:ext cx="5604145" cy="5509200"/>
+            <a:off x="998611" y="1230738"/>
+            <a:ext cx="5177903" cy="5386090"/>
           </a:xfrm>
           <a:prstGeom prst="rect">
             <a:avLst/>
@@ -39401,7 +39366,7 @@
           <a:lstStyle/>
           <a:p>
             <a:r>
-              <a:rPr lang="en-US" altLang="zh-TW" sz="1600" dirty="0" smtClean="0">
+              <a:rPr lang="en-US" altLang="zh-TW" dirty="0" smtClean="0">
                 <a:solidFill>
                   <a:schemeClr val="accent5">
                     <a:lumMod val="75000"/>
@@ -39412,193 +39377,188 @@
             </a:r>
           </a:p>
           <a:p>
-            <a:endParaRPr lang="en-US" altLang="zh-TW" sz="1600" dirty="0" smtClean="0"/>
-          </a:p>
-          <a:p>
-            <a:r>
-              <a:rPr lang="en-US" altLang="zh-TW" sz="1600" dirty="0" smtClean="0"/>
+            <a:endParaRPr lang="en-US" altLang="zh-TW" sz="2000" dirty="0">
+              <a:solidFill>
+                <a:schemeClr val="accent2">
+                  <a:lumMod val="75000"/>
+                </a:schemeClr>
+              </a:solidFill>
+            </a:endParaRPr>
+          </a:p>
+          <a:p>
+            <a:r>
+              <a:rPr lang="en-US" altLang="zh-TW" dirty="0"/>
               <a:t>class </a:t>
             </a:r>
             <a:r>
-              <a:rPr lang="en-US" altLang="zh-TW" sz="1600" dirty="0" err="1" smtClean="0"/>
+              <a:rPr lang="en-US" altLang="zh-TW" dirty="0" err="1"/>
               <a:t>baseAnimal</a:t>
             </a:r>
             <a:r>
-              <a:rPr lang="en-US" altLang="zh-TW" sz="1600" dirty="0" smtClean="0"/>
+              <a:rPr lang="en-US" altLang="zh-TW" dirty="0"/>
               <a:t>:</a:t>
             </a:r>
           </a:p>
           <a:p>
             <a:r>
-              <a:rPr lang="en-US" altLang="zh-TW" sz="1600" dirty="0" smtClean="0"/>
+              <a:rPr lang="en-US" altLang="zh-TW" dirty="0"/>
               <a:t>    </a:t>
             </a:r>
           </a:p>
           <a:p>
             <a:r>
-              <a:rPr lang="en-US" altLang="zh-TW" sz="1600" dirty="0" smtClean="0"/>
+              <a:rPr lang="en-US" altLang="zh-TW" dirty="0"/>
               <a:t>    </a:t>
             </a:r>
             <a:r>
-              <a:rPr lang="en-US" altLang="zh-TW" sz="1600" dirty="0" err="1" smtClean="0"/>
+              <a:rPr lang="en-US" altLang="zh-TW" dirty="0" err="1"/>
               <a:t>def</a:t>
             </a:r>
             <a:r>
-              <a:rPr lang="en-US" altLang="zh-TW" sz="1600" dirty="0" smtClean="0"/>
+              <a:rPr lang="en-US" altLang="zh-TW" dirty="0"/>
               <a:t> __</a:t>
             </a:r>
             <a:r>
-              <a:rPr lang="en-US" altLang="zh-TW" sz="1600" dirty="0" err="1" smtClean="0"/>
+              <a:rPr lang="en-US" altLang="zh-TW" dirty="0" err="1"/>
               <a:t>init</a:t>
             </a:r>
             <a:r>
-              <a:rPr lang="en-US" altLang="zh-TW" sz="1600" dirty="0" smtClean="0"/>
+              <a:rPr lang="en-US" altLang="zh-TW" dirty="0"/>
               <a:t>__(self, name, species):</a:t>
             </a:r>
           </a:p>
           <a:p>
             <a:r>
-              <a:rPr lang="en-US" altLang="zh-TW" sz="1600" dirty="0" smtClean="0"/>
+              <a:rPr lang="en-US" altLang="zh-TW" dirty="0"/>
               <a:t>        </a:t>
             </a:r>
             <a:r>
-              <a:rPr lang="en-US" altLang="zh-TW" sz="1600" dirty="0" err="1" smtClean="0"/>
-              <a:t>self.__name</a:t>
-            </a:r>
-            <a:r>
-              <a:rPr lang="en-US" altLang="zh-TW" sz="1600" dirty="0" smtClean="0"/>
-              <a:t> = name</a:t>
-            </a:r>
-          </a:p>
-          <a:p>
-            <a:r>
-              <a:rPr lang="en-US" altLang="zh-TW" sz="1600" dirty="0" smtClean="0"/>
+              <a:rPr lang="en-US" altLang="zh-TW" dirty="0" err="1"/>
+              <a:t>self._</a:t>
+            </a:r>
+            <a:r>
+              <a:rPr lang="en-US" altLang="zh-TW" dirty="0" err="1">
+                <a:solidFill>
+                  <a:srgbClr val="0070C0"/>
+                </a:solidFill>
+              </a:rPr>
+              <a:t>_name</a:t>
+            </a:r>
+            <a:r>
+              <a:rPr lang="en-US" altLang="zh-TW" dirty="0">
+                <a:solidFill>
+                  <a:srgbClr val="0070C0"/>
+                </a:solidFill>
+              </a:rPr>
+              <a:t> </a:t>
+            </a:r>
+            <a:r>
+              <a:rPr lang="en-US" altLang="zh-TW" dirty="0"/>
+              <a:t>= name</a:t>
+            </a:r>
+          </a:p>
+          <a:p>
+            <a:r>
+              <a:rPr lang="en-US" altLang="zh-TW" dirty="0"/>
               <a:t>        </a:t>
             </a:r>
             <a:r>
-              <a:rPr lang="en-US" altLang="zh-TW" sz="1600" dirty="0" err="1" smtClean="0"/>
-              <a:t>self.__species</a:t>
-            </a:r>
-            <a:r>
-              <a:rPr lang="en-US" altLang="zh-TW" sz="1600" dirty="0" smtClean="0"/>
-              <a:t> = species</a:t>
-            </a:r>
-          </a:p>
-          <a:p>
-            <a:r>
-              <a:rPr lang="en-US" altLang="zh-TW" sz="1600" dirty="0" smtClean="0"/>
+              <a:rPr lang="en-US" altLang="zh-TW" dirty="0" err="1"/>
+              <a:t>self</a:t>
+            </a:r>
+            <a:r>
+              <a:rPr lang="en-US" altLang="zh-TW" dirty="0" err="1">
+                <a:solidFill>
+                  <a:srgbClr val="0070C0"/>
+                </a:solidFill>
+              </a:rPr>
+              <a:t>.__species</a:t>
+            </a:r>
+            <a:r>
+              <a:rPr lang="en-US" altLang="zh-TW" dirty="0">
+                <a:solidFill>
+                  <a:srgbClr val="0070C0"/>
+                </a:solidFill>
+              </a:rPr>
+              <a:t> </a:t>
+            </a:r>
+            <a:r>
+              <a:rPr lang="en-US" altLang="zh-TW" dirty="0"/>
+              <a:t>= species</a:t>
+            </a:r>
+          </a:p>
+          <a:p>
+            <a:r>
+              <a:rPr lang="en-US" altLang="zh-TW" dirty="0"/>
               <a:t>     </a:t>
             </a:r>
           </a:p>
           <a:p>
             <a:r>
-              <a:rPr lang="en-US" altLang="zh-TW" sz="1600" dirty="0" smtClean="0"/>
+              <a:rPr lang="en-US" altLang="zh-TW" dirty="0">
+                <a:solidFill>
+                  <a:srgbClr val="0070C0"/>
+                </a:solidFill>
+              </a:rPr>
               <a:t>    </a:t>
             </a:r>
             <a:r>
-              <a:rPr lang="en-US" altLang="zh-TW" sz="1600" dirty="0" err="1" smtClean="0"/>
+              <a:rPr lang="en-US" altLang="zh-TW" dirty="0" err="1">
+                <a:solidFill>
+                  <a:srgbClr val="0070C0"/>
+                </a:solidFill>
+              </a:rPr>
               <a:t>def</a:t>
             </a:r>
             <a:r>
-              <a:rPr lang="en-US" altLang="zh-TW" sz="1600" dirty="0" smtClean="0"/>
+              <a:rPr lang="en-US" altLang="zh-TW" dirty="0">
+                <a:solidFill>
+                  <a:srgbClr val="0070C0"/>
+                </a:solidFill>
+              </a:rPr>
               <a:t> </a:t>
             </a:r>
             <a:r>
-              <a:rPr lang="en-US" altLang="zh-TW" sz="1600" dirty="0" err="1" smtClean="0"/>
+              <a:rPr lang="en-US" altLang="zh-TW" dirty="0" err="1">
+                <a:solidFill>
+                  <a:srgbClr val="0070C0"/>
+                </a:solidFill>
+              </a:rPr>
               <a:t>getAnimalName</a:t>
             </a:r>
             <a:r>
-              <a:rPr lang="en-US" altLang="zh-TW" sz="1600" dirty="0" smtClean="0"/>
-              <a:t>(self):</a:t>
-            </a:r>
-          </a:p>
-          <a:p>
-            <a:r>
-              <a:rPr lang="en-US" altLang="zh-TW" sz="1600" dirty="0" smtClean="0"/>
-              <a:t>        return </a:t>
-            </a:r>
-            <a:r>
-              <a:rPr lang="en-US" altLang="zh-TW" sz="1600" dirty="0" err="1" smtClean="0"/>
-              <a:t>self.__name</a:t>
-            </a:r>
-            <a:endParaRPr lang="en-US" altLang="zh-TW" sz="1600" dirty="0" smtClean="0"/>
-          </a:p>
-          <a:p>
-            <a:r>
-              <a:rPr lang="en-US" altLang="zh-TW" sz="1600" dirty="0" smtClean="0"/>
-              <a:t>    </a:t>
-            </a:r>
-          </a:p>
-          <a:p>
-            <a:r>
-              <a:rPr lang="en-US" altLang="zh-TW" sz="1600" dirty="0" smtClean="0"/>
-              <a:t>    </a:t>
-            </a:r>
-            <a:r>
-              <a:rPr lang="en-US" altLang="zh-TW" sz="1600" dirty="0" err="1" smtClean="0"/>
-              <a:t>def</a:t>
-            </a:r>
-            <a:r>
-              <a:rPr lang="en-US" altLang="zh-TW" sz="1600" dirty="0" smtClean="0"/>
+              <a:rPr lang="en-US" altLang="zh-TW" dirty="0">
+                <a:solidFill>
+                  <a:srgbClr val="0070C0"/>
+                </a:solidFill>
+              </a:rPr>
+              <a:t>(</a:t>
+            </a:r>
+            <a:r>
+              <a:rPr lang="en-US" altLang="zh-TW" dirty="0" err="1">
+                <a:solidFill>
+                  <a:srgbClr val="0070C0"/>
+                </a:solidFill>
+              </a:rPr>
+              <a:t>getname</a:t>
+            </a:r>
+            <a:r>
+              <a:rPr lang="en-US" altLang="zh-TW" dirty="0">
+                <a:solidFill>
+                  <a:srgbClr val="0070C0"/>
+                </a:solidFill>
+              </a:rPr>
+              <a:t>):</a:t>
+            </a:r>
+            <a:r>
+              <a:rPr lang="zh-TW" altLang="en-US" dirty="0">
+                <a:solidFill>
+                  <a:srgbClr val="0070C0"/>
+                </a:solidFill>
+              </a:rPr>
               <a:t> </a:t>
             </a:r>
-            <a:r>
-              <a:rPr lang="en-US" altLang="zh-TW" sz="1600" dirty="0" err="1" smtClean="0"/>
-              <a:t>getAnimalSpecies</a:t>
-            </a:r>
-            <a:r>
-              <a:rPr lang="en-US" altLang="zh-TW" sz="1600" dirty="0" smtClean="0"/>
-              <a:t>(self):</a:t>
-            </a:r>
-          </a:p>
-          <a:p>
-            <a:r>
-              <a:rPr lang="en-US" altLang="zh-TW" sz="1600" dirty="0" smtClean="0"/>
-              <a:t>        return </a:t>
-            </a:r>
-            <a:r>
-              <a:rPr lang="en-US" altLang="zh-TW" sz="1600" dirty="0" err="1" smtClean="0"/>
-              <a:t>self.__species</a:t>
-            </a:r>
-            <a:endParaRPr lang="en-US" altLang="zh-TW" sz="1600" dirty="0" smtClean="0"/>
-          </a:p>
-          <a:p>
-            <a:endParaRPr lang="en-US" altLang="zh-TW" sz="1600" dirty="0" smtClean="0"/>
-          </a:p>
-          <a:p>
-            <a:r>
-              <a:rPr lang="en-US" altLang="zh-TW" sz="1600" dirty="0" smtClean="0">
-                <a:solidFill>
-                  <a:srgbClr val="0070C0"/>
-                </a:solidFill>
-              </a:rPr>
-              <a:t>class cat(</a:t>
-            </a:r>
-            <a:r>
-              <a:rPr lang="en-US" altLang="zh-TW" sz="1600" dirty="0" err="1" smtClean="0">
-                <a:solidFill>
-                  <a:srgbClr val="0070C0"/>
-                </a:solidFill>
-              </a:rPr>
-              <a:t>baseAnimal</a:t>
-            </a:r>
-            <a:r>
-              <a:rPr lang="en-US" altLang="zh-TW" sz="1600" dirty="0" smtClean="0">
-                <a:solidFill>
-                  <a:srgbClr val="0070C0"/>
-                </a:solidFill>
-              </a:rPr>
-              <a:t>):</a:t>
-            </a:r>
-            <a:r>
-              <a:rPr lang="zh-TW" altLang="en-US" sz="1600" dirty="0" smtClean="0">
-                <a:solidFill>
-                  <a:srgbClr val="0070C0"/>
-                </a:solidFill>
-              </a:rPr>
-              <a:t> </a:t>
-            </a:r>
-            <a:endParaRPr lang="en-US" altLang="zh-TW" sz="1600" dirty="0" smtClean="0">
+            <a:endParaRPr lang="en-US" altLang="zh-TW" dirty="0">
               <a:solidFill>
                 <a:srgbClr val="0070C0"/>
               </a:solidFill>
@@ -39606,52 +39566,152 @@
           </a:p>
           <a:p>
             <a:r>
-              <a:rPr lang="en-US" altLang="zh-TW" sz="1600" dirty="0"/>
+              <a:rPr lang="en-US" altLang="zh-TW" dirty="0">
+                <a:solidFill>
+                  <a:srgbClr val="0070C0"/>
+                </a:solidFill>
+              </a:rPr>
+              <a:t>        return </a:t>
+            </a:r>
+            <a:r>
+              <a:rPr lang="en-US" altLang="zh-TW" dirty="0" err="1">
+                <a:solidFill>
+                  <a:srgbClr val="0070C0"/>
+                </a:solidFill>
+              </a:rPr>
+              <a:t>getname</a:t>
+            </a:r>
+            <a:r>
+              <a:rPr lang="en-US" altLang="zh-TW" dirty="0">
+                <a:solidFill>
+                  <a:srgbClr val="0070C0"/>
+                </a:solidFill>
+              </a:rPr>
+              <a:t>.__name</a:t>
+            </a:r>
+          </a:p>
+          <a:p>
+            <a:r>
+              <a:rPr lang="en-US" altLang="zh-TW" dirty="0">
+                <a:solidFill>
+                  <a:srgbClr val="0070C0"/>
+                </a:solidFill>
+              </a:rPr>
               <a:t>    </a:t>
             </a:r>
-            <a:r>
-              <a:rPr lang="en-US" altLang="zh-TW" sz="1600" dirty="0" err="1"/>
+          </a:p>
+          <a:p>
+            <a:r>
+              <a:rPr lang="en-US" altLang="zh-TW" dirty="0">
+                <a:solidFill>
+                  <a:srgbClr val="0070C0"/>
+                </a:solidFill>
+              </a:rPr>
+              <a:t>    </a:t>
+            </a:r>
+            <a:r>
+              <a:rPr lang="en-US" altLang="zh-TW" dirty="0" err="1">
+                <a:solidFill>
+                  <a:srgbClr val="0070C0"/>
+                </a:solidFill>
+              </a:rPr>
               <a:t>def</a:t>
             </a:r>
             <a:r>
-              <a:rPr lang="en-US" altLang="zh-TW" sz="1600" dirty="0"/>
-              <a:t> update(self):</a:t>
-            </a:r>
-          </a:p>
-          <a:p>
-            <a:r>
-              <a:rPr lang="en-US" altLang="zh-TW" sz="1600" dirty="0"/>
-              <a:t>        return "</a:t>
-            </a:r>
-            <a:r>
-              <a:rPr lang="zh-TW" altLang="en-US" sz="1600" dirty="0"/>
-              <a:t>喵喵叫</a:t>
-            </a:r>
-            <a:r>
-              <a:rPr lang="en-US" altLang="zh-TW" sz="1600" dirty="0"/>
-              <a:t>"</a:t>
-            </a:r>
-          </a:p>
-          <a:p>
-            <a:endParaRPr lang="en-US" altLang="zh-TW" sz="1600" dirty="0"/>
-          </a:p>
-          <a:p>
-            <a:r>
-              <a:rPr lang="en-US" altLang="zh-TW" sz="1600" dirty="0"/>
-              <a:t>X = cat("</a:t>
-            </a:r>
-            <a:r>
-              <a:rPr lang="en-US" altLang="zh-TW" sz="1600" dirty="0" err="1"/>
+              <a:rPr lang="en-US" altLang="zh-TW" dirty="0">
+                <a:solidFill>
+                  <a:srgbClr val="0070C0"/>
+                </a:solidFill>
+              </a:rPr>
+              <a:t> </a:t>
+            </a:r>
+            <a:r>
+              <a:rPr lang="en-US" altLang="zh-TW" dirty="0" err="1">
+                <a:solidFill>
+                  <a:srgbClr val="0070C0"/>
+                </a:solidFill>
+              </a:rPr>
+              <a:t>getAnimalSpecies</a:t>
+            </a:r>
+            <a:r>
+              <a:rPr lang="en-US" altLang="zh-TW" dirty="0">
+                <a:solidFill>
+                  <a:srgbClr val="0070C0"/>
+                </a:solidFill>
+              </a:rPr>
+              <a:t>(</a:t>
+            </a:r>
+            <a:r>
+              <a:rPr lang="en-US" altLang="zh-TW" dirty="0" err="1">
+                <a:solidFill>
+                  <a:srgbClr val="0070C0"/>
+                </a:solidFill>
+              </a:rPr>
+              <a:t>getspecies</a:t>
+            </a:r>
+            <a:r>
+              <a:rPr lang="en-US" altLang="zh-TW" dirty="0">
+                <a:solidFill>
+                  <a:srgbClr val="0070C0"/>
+                </a:solidFill>
+              </a:rPr>
+              <a:t>):</a:t>
+            </a:r>
+          </a:p>
+          <a:p>
+            <a:r>
+              <a:rPr lang="en-US" altLang="zh-TW" dirty="0">
+                <a:solidFill>
+                  <a:srgbClr val="0070C0"/>
+                </a:solidFill>
+              </a:rPr>
+              <a:t>        return </a:t>
+            </a:r>
+            <a:r>
+              <a:rPr lang="en-US" altLang="zh-TW" dirty="0" err="1">
+                <a:solidFill>
+                  <a:srgbClr val="0070C0"/>
+                </a:solidFill>
+              </a:rPr>
+              <a:t>getspecies</a:t>
+            </a:r>
+            <a:r>
+              <a:rPr lang="en-US" altLang="zh-TW" dirty="0">
+                <a:solidFill>
+                  <a:srgbClr val="0070C0"/>
+                </a:solidFill>
+              </a:rPr>
+              <a:t>.__species</a:t>
+            </a:r>
+          </a:p>
+          <a:p>
+            <a:endParaRPr lang="en-US" altLang="zh-TW" dirty="0"/>
+          </a:p>
+          <a:p>
+            <a:r>
+              <a:rPr lang="en-US" altLang="zh-TW" dirty="0"/>
+              <a:t>X = </a:t>
+            </a:r>
+            <a:r>
+              <a:rPr lang="en-US" altLang="zh-TW" dirty="0" err="1"/>
+              <a:t>baseAnimal</a:t>
+            </a:r>
+            <a:r>
+              <a:rPr lang="en-US" altLang="zh-TW" dirty="0" smtClean="0"/>
+              <a:t>("</a:t>
+            </a:r>
+            <a:r>
+              <a:rPr lang="en-US" altLang="zh-TW" dirty="0" err="1"/>
               <a:t>LaLa</a:t>
             </a:r>
             <a:r>
-              <a:rPr lang="en-US" altLang="zh-TW" sz="1600" dirty="0"/>
+              <a:rPr lang="en-US" altLang="zh-TW" dirty="0"/>
               <a:t>","Cat")</a:t>
             </a:r>
           </a:p>
           <a:p>
             <a:r>
-              <a:rPr lang="en-US" altLang="zh-TW" sz="1600" dirty="0">
+              <a:rPr lang="en-US" altLang="zh-TW" dirty="0">
                 <a:solidFill>
                   <a:srgbClr val="0070C0"/>
                 </a:solidFill>
@@ -39659,7 +39719,7 @@
               <a:t>print(</a:t>
             </a:r>
             <a:r>
-              <a:rPr lang="en-US" altLang="zh-TW" sz="1600" dirty="0" err="1">
+              <a:rPr lang="en-US" altLang="zh-TW" dirty="0" err="1">
                 <a:solidFill>
                   <a:srgbClr val="0070C0"/>
                 </a:solidFill>
@@ -39667,23 +39727,46 @@
               <a:t>X.getAnimalName</a:t>
             </a:r>
             <a:r>
-              <a:rPr lang="en-US" altLang="zh-TW" sz="1600" dirty="0">
+              <a:rPr lang="en-US" altLang="zh-TW" dirty="0">
                 <a:solidFill>
                   <a:srgbClr val="0070C0"/>
                 </a:solidFill>
               </a:rPr>
-              <a:t>()) </a:t>
-            </a:r>
-            <a:r>
-              <a:rPr lang="zh-TW" altLang="en-US" sz="1600" dirty="0" smtClean="0">
+              <a:t>())</a:t>
+            </a:r>
+          </a:p>
+          <a:p>
+            <a:r>
+              <a:rPr lang="en-US" altLang="zh-TW" dirty="0">
                 <a:solidFill>
                   <a:srgbClr val="0070C0"/>
                 </a:solidFill>
               </a:rPr>
-              <a:t>   </a:t>
-            </a:r>
-            <a:r>
-              <a:rPr lang="en-US" altLang="zh-TW" sz="1600" b="1" i="1" dirty="0" smtClean="0">
+              <a:t>print(</a:t>
+            </a:r>
+            <a:r>
+              <a:rPr lang="en-US" altLang="zh-TW" dirty="0" err="1">
+                <a:solidFill>
+                  <a:srgbClr val="0070C0"/>
+                </a:solidFill>
+              </a:rPr>
+              <a:t>X.getAnimalSpecies</a:t>
+            </a:r>
+            <a:r>
+              <a:rPr lang="en-US" altLang="zh-TW" dirty="0">
+                <a:solidFill>
+                  <a:srgbClr val="0070C0"/>
+                </a:solidFill>
+              </a:rPr>
+              <a:t>())</a:t>
+            </a:r>
+          </a:p>
+          <a:p>
+            <a:endParaRPr lang="en-US" altLang="zh-TW" dirty="0" smtClean="0"/>
+          </a:p>
+          <a:p>
+            <a:r>
+              <a:rPr lang="en-US" altLang="zh-TW" dirty="0">
                 <a:solidFill>
                   <a:schemeClr val="accent5">
                     <a:lumMod val="75000"/>
@@ -39693,138 +39776,44 @@
               <a:t>#</a:t>
             </a:r>
             <a:r>
-              <a:rPr lang="zh-TW" altLang="en-US" sz="1600" b="1" i="1" dirty="0" smtClean="0">
+              <a:rPr lang="zh-TW" altLang="en-US" b="1" i="1" dirty="0">
                 <a:solidFill>
                   <a:srgbClr val="FF0000"/>
                 </a:solidFill>
               </a:rPr>
-              <a:t>透過繼承取得父類別 </a:t>
-            </a:r>
-            <a:r>
-              <a:rPr lang="en-US" altLang="zh-TW" sz="1600" b="1" i="1" dirty="0" smtClean="0">
+              <a:t>透過 </a:t>
+            </a:r>
+            <a:r>
+              <a:rPr lang="en-US" altLang="zh-TW" b="1" i="1" dirty="0">
                 <a:solidFill>
                   <a:srgbClr val="FF0000"/>
                 </a:solidFill>
               </a:rPr>
-              <a:t>Method</a:t>
-            </a:r>
-          </a:p>
-          <a:p>
-            <a:r>
-              <a:rPr lang="en-US" altLang="zh-TW" sz="1600" dirty="0" smtClean="0">
-                <a:solidFill>
-                  <a:srgbClr val="0070C0"/>
-                </a:solidFill>
-              </a:rPr>
-              <a:t>print(</a:t>
-            </a:r>
-            <a:r>
-              <a:rPr lang="en-US" altLang="zh-TW" sz="1600" dirty="0" err="1" smtClean="0">
-                <a:solidFill>
-                  <a:srgbClr val="0070C0"/>
-                </a:solidFill>
-              </a:rPr>
-              <a:t>X.getAnimalSpecies</a:t>
-            </a:r>
-            <a:r>
-              <a:rPr lang="en-US" altLang="zh-TW" sz="1600" dirty="0" smtClean="0">
-                <a:solidFill>
-                  <a:srgbClr val="0070C0"/>
-                </a:solidFill>
-              </a:rPr>
-              <a:t>())</a:t>
-            </a:r>
-            <a:r>
-              <a:rPr lang="en-US" altLang="zh-TW" sz="1600" dirty="0">
-                <a:solidFill>
-                  <a:schemeClr val="accent5">
-                    <a:lumMod val="75000"/>
-                  </a:schemeClr>
-                </a:solidFill>
-              </a:rPr>
-              <a:t> </a:t>
-            </a:r>
-            <a:endParaRPr lang="en-US" altLang="zh-TW" sz="1600" dirty="0" smtClean="0">
-              <a:solidFill>
-                <a:schemeClr val="accent5">
-                  <a:lumMod val="75000"/>
-                </a:schemeClr>
-              </a:solidFill>
-            </a:endParaRPr>
-          </a:p>
-          <a:p>
-            <a:r>
-              <a:rPr lang="en-US" altLang="zh-TW" sz="1600" dirty="0" smtClean="0">
-                <a:solidFill>
-                  <a:srgbClr val="0070C0"/>
-                </a:solidFill>
-              </a:rPr>
-              <a:t>print(</a:t>
-            </a:r>
-            <a:r>
-              <a:rPr lang="en-US" altLang="zh-TW" sz="1600" dirty="0" err="1" smtClean="0">
-                <a:solidFill>
-                  <a:srgbClr val="0070C0"/>
-                </a:solidFill>
-              </a:rPr>
-              <a:t>X.update</a:t>
-            </a:r>
-            <a:r>
-              <a:rPr lang="en-US" altLang="zh-TW" sz="1600" dirty="0" smtClean="0">
-                <a:solidFill>
-                  <a:srgbClr val="0070C0"/>
-                </a:solidFill>
-              </a:rPr>
-              <a:t>())</a:t>
-            </a:r>
-            <a:r>
-              <a:rPr lang="zh-TW" altLang="en-US" sz="1600" dirty="0" smtClean="0">
-                <a:solidFill>
-                  <a:srgbClr val="0070C0"/>
-                </a:solidFill>
-              </a:rPr>
-              <a:t>              </a:t>
-            </a:r>
-            <a:r>
-              <a:rPr lang="en-US" altLang="zh-TW" sz="1600" b="1" i="1" dirty="0" smtClean="0">
-                <a:solidFill>
-                  <a:schemeClr val="accent5">
-                    <a:lumMod val="75000"/>
-                  </a:schemeClr>
-                </a:solidFill>
-              </a:rPr>
-              <a:t>#</a:t>
-            </a:r>
-            <a:r>
-              <a:rPr lang="zh-TW" altLang="en-US" sz="1600" b="1" i="1" dirty="0" smtClean="0">
+              <a:t>Method </a:t>
+            </a:r>
+            <a:r>
+              <a:rPr lang="zh-TW" altLang="en-US" b="1" i="1" dirty="0">
                 <a:solidFill>
                   <a:srgbClr val="FF0000"/>
                 </a:solidFill>
               </a:rPr>
-              <a:t>依然</a:t>
-            </a:r>
-            <a:r>
-              <a:rPr lang="zh-TW" altLang="en-US" sz="1600" b="1" i="1" dirty="0">
+              <a:t>回傳被封裝的</a:t>
+            </a:r>
+            <a:r>
+              <a:rPr lang="zh-TW" altLang="en-US" b="1" i="1" dirty="0" smtClean="0">
                 <a:solidFill>
                   <a:srgbClr val="FF0000"/>
                 </a:solidFill>
               </a:rPr>
-              <a:t>可使用自己類別的 </a:t>
-            </a:r>
-            <a:r>
-              <a:rPr lang="en-US" altLang="zh-TW" sz="1600" b="1" i="1" dirty="0">
-                <a:solidFill>
-                  <a:srgbClr val="FF0000"/>
-                </a:solidFill>
-              </a:rPr>
-              <a:t>Method</a:t>
-            </a:r>
+              <a:t>資料</a:t>
+            </a:r>
+            <a:endParaRPr lang="en-US" altLang="zh-TW" dirty="0"/>
           </a:p>
         </p:txBody>
       </p:sp>
       <p:pic>
         <p:nvPicPr>
-          <p:cNvPr id="3" name="圖片 2"/>
+          <p:cNvPr id="2" name="圖片 1"/>
           <p:cNvPicPr>
             <a:picLocks noChangeAspect="1"/>
           </p:cNvPicPr>
@@ -39838,8 +39827,8 @@
         </p:blipFill>
         <p:spPr>
           <a:xfrm>
-            <a:off x="6349041" y="1939331"/>
-            <a:ext cx="5339773" cy="1636382"/>
+            <a:off x="6282164" y="2225651"/>
+            <a:ext cx="5326850" cy="1431949"/>
           </a:xfrm>
           <a:prstGeom prst="rect">
             <a:avLst/>
@@ -39852,7 +39841,7 @@
     </p:spTree>
     <p:extLst>
       <p:ext uri="{BB962C8B-B14F-4D97-AF65-F5344CB8AC3E}">
-        <p14:creationId xmlns:p14="http://schemas.microsoft.com/office/powerpoint/2010/main" val="3562694514"/>
+        <p14:creationId xmlns:p14="http://schemas.microsoft.com/office/powerpoint/2010/main" val="935092635"/>
       </p:ext>
     </p:extLst>
   </p:cSld>
@@ -39904,7 +39893,7 @@
         </p:nvSpPr>
         <p:spPr>
           <a:xfrm>
-            <a:off x="982724" y="0"/>
+            <a:off x="584539" y="424862"/>
             <a:ext cx="8596668" cy="796505"/>
           </a:xfrm>
           <a:prstGeom prst="rect">
@@ -39990,26 +39979,26 @@
           <a:p>
             <a:pPr lvl="1" algn="ctr"/>
             <a:r>
-              <a:rPr lang="en-US" altLang="zh-TW" sz="4000" dirty="0" smtClean="0"/>
+              <a:rPr lang="en-US" altLang="zh-TW" sz="4000" smtClean="0"/>
               <a:t>Inheritance</a:t>
             </a:r>
             <a:r>
-              <a:rPr lang="zh-TW" altLang="en-US" sz="4000" dirty="0" smtClean="0"/>
+              <a:rPr lang="zh-TW" altLang="en-US" sz="4000" smtClean="0"/>
               <a:t> </a:t>
             </a:r>
             <a:r>
-              <a:rPr lang="en-US" altLang="zh-TW" sz="4000" dirty="0" smtClean="0"/>
+              <a:rPr lang="en-US" altLang="zh-TW" sz="4000" smtClean="0"/>
               <a:t>(</a:t>
             </a:r>
             <a:r>
-              <a:rPr lang="zh-TW" altLang="en-US" sz="4000" dirty="0" smtClean="0"/>
-              <a:t>多重繼承</a:t>
-            </a:r>
-            <a:r>
-              <a:rPr lang="en-US" altLang="zh-TW" sz="4000" dirty="0" smtClean="0"/>
+              <a:rPr lang="zh-TW" altLang="en-US" sz="4000" smtClean="0"/>
+              <a:t>繼承</a:t>
+            </a:r>
+            <a:r>
+              <a:rPr lang="en-US" altLang="zh-TW" sz="4000" smtClean="0"/>
               <a:t>)</a:t>
             </a:r>
-            <a:endParaRPr lang="en-US" altLang="zh-TW" sz="4000" dirty="0">
+            <a:endParaRPr lang="en-US" altLang="zh-TW" sz="4000">
               <a:solidFill>
                 <a:schemeClr val="tx1"/>
               </a:solidFill>
@@ -40025,8 +40014,8 @@
         </p:nvSpPr>
         <p:spPr>
           <a:xfrm>
-            <a:off x="379136" y="796505"/>
-            <a:ext cx="6113104" cy="6093976"/>
+            <a:off x="1784297" y="1936491"/>
+            <a:ext cx="7079713" cy="3600986"/>
           </a:xfrm>
           <a:prstGeom prst="rect">
             <a:avLst/>
@@ -40046,548 +40035,120 @@
           </a:bodyPr>
           <a:lstStyle/>
           <a:p>
-            <a:r>
-              <a:rPr lang="en-US" altLang="zh-TW" sz="1500" dirty="0">
+            <a:pPr marL="0" lvl="2"/>
+            <a:r>
+              <a:rPr lang="en-US" altLang="zh-TW" sz="2400" dirty="0" smtClean="0">
                 <a:solidFill>
                   <a:schemeClr val="accent5">
                     <a:lumMod val="75000"/>
                   </a:schemeClr>
                 </a:solidFill>
               </a:rPr>
-              <a:t># Animal Class </a:t>
-            </a:r>
-            <a:endParaRPr lang="en-US" altLang="zh-TW" sz="1500" dirty="0" smtClean="0">
+              <a:t># Inheritance</a:t>
+            </a:r>
+          </a:p>
+          <a:p>
+            <a:endParaRPr lang="en-US" altLang="zh-TW" sz="2400" dirty="0">
               <a:solidFill>
-                <a:schemeClr val="accent5">
+                <a:schemeClr val="accent2">
                   <a:lumMod val="75000"/>
                 </a:schemeClr>
               </a:solidFill>
             </a:endParaRPr>
           </a:p>
           <a:p>
-            <a:endParaRPr lang="en-US" altLang="zh-TW" sz="1500" dirty="0"/>
-          </a:p>
-          <a:p>
-            <a:r>
-              <a:rPr lang="en-US" altLang="zh-TW" sz="1500" dirty="0" smtClean="0"/>
+            <a:r>
+              <a:rPr lang="en-US" altLang="zh-TW" sz="2400" dirty="0" smtClean="0">
+                <a:solidFill>
+                  <a:srgbClr val="0070C0"/>
+                </a:solidFill>
+              </a:rPr>
               <a:t>class </a:t>
             </a:r>
             <a:r>
-              <a:rPr lang="en-US" altLang="zh-TW" sz="1500" dirty="0" err="1"/>
-              <a:t>baseAnimal</a:t>
-            </a:r>
-            <a:r>
-              <a:rPr lang="en-US" altLang="zh-TW" sz="1500" dirty="0"/>
-              <a:t>:</a:t>
-            </a:r>
-          </a:p>
-          <a:p>
-            <a:r>
-              <a:rPr lang="en-US" altLang="zh-TW" sz="1500" dirty="0"/>
-              <a:t>    </a:t>
-            </a:r>
-            <a:r>
-              <a:rPr lang="en-US" altLang="zh-TW" sz="1500" dirty="0" err="1"/>
-              <a:t>def</a:t>
-            </a:r>
-            <a:r>
-              <a:rPr lang="en-US" altLang="zh-TW" sz="1500" dirty="0"/>
-              <a:t> __</a:t>
-            </a:r>
-            <a:r>
-              <a:rPr lang="en-US" altLang="zh-TW" sz="1500" dirty="0" err="1"/>
-              <a:t>init</a:t>
-            </a:r>
-            <a:r>
-              <a:rPr lang="en-US" altLang="zh-TW" sz="1500" dirty="0"/>
-              <a:t>__(self, name):</a:t>
-            </a:r>
-          </a:p>
-          <a:p>
-            <a:r>
-              <a:rPr lang="en-US" altLang="zh-TW" sz="1500" dirty="0"/>
-              <a:t>        </a:t>
-            </a:r>
-            <a:r>
-              <a:rPr lang="en-US" altLang="zh-TW" sz="1500" dirty="0" err="1"/>
-              <a:t>self.__name</a:t>
-            </a:r>
-            <a:r>
-              <a:rPr lang="en-US" altLang="zh-TW" sz="1500" dirty="0"/>
-              <a:t> = name</a:t>
-            </a:r>
-          </a:p>
-          <a:p>
-            <a:r>
-              <a:rPr lang="en-US" altLang="zh-TW" sz="1500" dirty="0"/>
-              <a:t>    </a:t>
-            </a:r>
-            <a:r>
-              <a:rPr lang="en-US" altLang="zh-TW" sz="1500" dirty="0" err="1"/>
-              <a:t>def</a:t>
-            </a:r>
-            <a:r>
-              <a:rPr lang="en-US" altLang="zh-TW" sz="1500" dirty="0"/>
-              <a:t> </a:t>
-            </a:r>
-            <a:r>
-              <a:rPr lang="en-US" altLang="zh-TW" sz="1500" dirty="0" err="1"/>
-              <a:t>getAnimalName</a:t>
-            </a:r>
-            <a:r>
-              <a:rPr lang="en-US" altLang="zh-TW" sz="1500" dirty="0"/>
-              <a:t>(self):</a:t>
-            </a:r>
-          </a:p>
-          <a:p>
-            <a:r>
-              <a:rPr lang="en-US" altLang="zh-TW" sz="1500" dirty="0"/>
-              <a:t>        return </a:t>
-            </a:r>
-            <a:r>
-              <a:rPr lang="en-US" altLang="zh-TW" sz="1500" dirty="0" err="1"/>
-              <a:t>self.__name</a:t>
-            </a:r>
-            <a:endParaRPr lang="en-US" altLang="zh-TW" sz="1500" dirty="0"/>
-          </a:p>
-          <a:p>
-            <a:r>
-              <a:rPr lang="en-US" altLang="zh-TW" sz="1500" dirty="0"/>
-              <a:t>    </a:t>
-            </a:r>
-          </a:p>
-          <a:p>
-            <a:r>
-              <a:rPr lang="en-US" altLang="zh-TW" sz="1500" dirty="0"/>
-              <a:t>class baseAnimal2:</a:t>
-            </a:r>
-          </a:p>
-          <a:p>
-            <a:r>
-              <a:rPr lang="en-US" altLang="zh-TW" sz="1500" dirty="0"/>
-              <a:t>    </a:t>
-            </a:r>
-            <a:r>
-              <a:rPr lang="en-US" altLang="zh-TW" sz="1500" dirty="0" err="1"/>
-              <a:t>def</a:t>
-            </a:r>
-            <a:r>
-              <a:rPr lang="en-US" altLang="zh-TW" sz="1500" dirty="0"/>
-              <a:t> __</a:t>
-            </a:r>
-            <a:r>
-              <a:rPr lang="en-US" altLang="zh-TW" sz="1500" dirty="0" err="1"/>
-              <a:t>init</a:t>
-            </a:r>
-            <a:r>
-              <a:rPr lang="en-US" altLang="zh-TW" sz="1500" dirty="0"/>
-              <a:t>__(self, species):</a:t>
-            </a:r>
-          </a:p>
-          <a:p>
-            <a:r>
-              <a:rPr lang="en-US" altLang="zh-TW" sz="1500" dirty="0"/>
-              <a:t>        </a:t>
-            </a:r>
-            <a:r>
-              <a:rPr lang="en-US" altLang="zh-TW" sz="1500" dirty="0" err="1"/>
-              <a:t>self.__species</a:t>
-            </a:r>
-            <a:r>
-              <a:rPr lang="en-US" altLang="zh-TW" sz="1500" dirty="0"/>
-              <a:t> = species    </a:t>
-            </a:r>
-          </a:p>
-          <a:p>
-            <a:r>
-              <a:rPr lang="en-US" altLang="zh-TW" sz="1500" dirty="0"/>
-              <a:t>    </a:t>
-            </a:r>
-            <a:r>
-              <a:rPr lang="en-US" altLang="zh-TW" sz="1500" dirty="0" err="1"/>
-              <a:t>def</a:t>
-            </a:r>
-            <a:r>
-              <a:rPr lang="en-US" altLang="zh-TW" sz="1500" dirty="0"/>
-              <a:t> </a:t>
-            </a:r>
-            <a:r>
-              <a:rPr lang="en-US" altLang="zh-TW" sz="1500" dirty="0" err="1"/>
-              <a:t>getAnimalSpecies</a:t>
-            </a:r>
-            <a:r>
-              <a:rPr lang="en-US" altLang="zh-TW" sz="1500" dirty="0"/>
-              <a:t>(self):</a:t>
-            </a:r>
-          </a:p>
-          <a:p>
-            <a:r>
-              <a:rPr lang="en-US" altLang="zh-TW" sz="1500" dirty="0"/>
-              <a:t>        return </a:t>
-            </a:r>
-            <a:r>
-              <a:rPr lang="en-US" altLang="zh-TW" sz="1500" dirty="0" err="1"/>
-              <a:t>self.__species</a:t>
-            </a:r>
-            <a:endParaRPr lang="en-US" altLang="zh-TW" sz="1500" dirty="0"/>
-          </a:p>
-          <a:p>
-            <a:r>
-              <a:rPr lang="en-US" altLang="zh-TW" sz="1500" dirty="0"/>
-              <a:t/>
-            </a:r>
-            <a:br>
-              <a:rPr lang="en-US" altLang="zh-TW" sz="1500" dirty="0"/>
-            </a:br>
-            <a:r>
-              <a:rPr lang="en-US" altLang="zh-TW" sz="1500" dirty="0">
+              <a:rPr lang="en-US" altLang="zh-TW" sz="2400" dirty="0" err="1" smtClean="0">
                 <a:solidFill>
                   <a:srgbClr val="0070C0"/>
                 </a:solidFill>
               </a:rPr>
-              <a:t>class cat(</a:t>
-            </a:r>
-            <a:r>
-              <a:rPr lang="en-US" altLang="zh-TW" sz="1500" dirty="0" err="1">
+              <a:t>DerivedClassName</a:t>
+            </a:r>
+            <a:r>
+              <a:rPr lang="en-US" altLang="zh-TW" sz="2400" dirty="0" smtClean="0">
                 <a:solidFill>
                   <a:srgbClr val="0070C0"/>
                 </a:solidFill>
               </a:rPr>
-              <a:t>baseAnimal</a:t>
-            </a:r>
-            <a:r>
-              <a:rPr lang="en-US" altLang="zh-TW" sz="1500" dirty="0">
+              <a:t>(</a:t>
+            </a:r>
+            <a:r>
+              <a:rPr lang="en-US" altLang="zh-TW" sz="2400" dirty="0" err="1" smtClean="0">
                 <a:solidFill>
                   <a:srgbClr val="0070C0"/>
                 </a:solidFill>
               </a:rPr>
-              <a:t>, baseAnimal2):</a:t>
-            </a:r>
-          </a:p>
-          <a:p>
-            <a:r>
-              <a:rPr lang="en-US" altLang="zh-TW" sz="1500" dirty="0"/>
-              <a:t>    </a:t>
-            </a:r>
-            <a:r>
-              <a:rPr lang="en-US" altLang="zh-TW" sz="1500" dirty="0" err="1"/>
-              <a:t>def</a:t>
-            </a:r>
-            <a:r>
-              <a:rPr lang="en-US" altLang="zh-TW" sz="1500" dirty="0"/>
-              <a:t> __</a:t>
-            </a:r>
-            <a:r>
-              <a:rPr lang="en-US" altLang="zh-TW" sz="1500" dirty="0" err="1"/>
-              <a:t>init</a:t>
-            </a:r>
-            <a:r>
-              <a:rPr lang="en-US" altLang="zh-TW" sz="1500" dirty="0"/>
-              <a:t>__(self, name, specie):</a:t>
-            </a:r>
-          </a:p>
-          <a:p>
-            <a:r>
-              <a:rPr lang="en-US" altLang="zh-TW" sz="1500" dirty="0"/>
-              <a:t>        </a:t>
-            </a:r>
-            <a:r>
-              <a:rPr lang="en-US" altLang="zh-TW" sz="1500" dirty="0" err="1"/>
-              <a:t>baseAnimal</a:t>
-            </a:r>
-            <a:r>
-              <a:rPr lang="en-US" altLang="zh-TW" sz="1500" dirty="0"/>
-              <a:t>.__</a:t>
-            </a:r>
-            <a:r>
-              <a:rPr lang="en-US" altLang="zh-TW" sz="1500" dirty="0" err="1"/>
-              <a:t>init</a:t>
-            </a:r>
-            <a:r>
-              <a:rPr lang="en-US" altLang="zh-TW" sz="1500" dirty="0"/>
-              <a:t>__(</a:t>
-            </a:r>
-            <a:r>
-              <a:rPr lang="en-US" altLang="zh-TW" sz="1500" dirty="0" err="1"/>
-              <a:t>self,name</a:t>
-            </a:r>
-            <a:r>
-              <a:rPr lang="en-US" altLang="zh-TW" sz="1500" dirty="0"/>
-              <a:t>)</a:t>
-            </a:r>
-          </a:p>
-          <a:p>
-            <a:r>
-              <a:rPr lang="en-US" altLang="zh-TW" sz="1500" dirty="0"/>
-              <a:t>        baseAnimal2.__init__(</a:t>
-            </a:r>
-            <a:r>
-              <a:rPr lang="en-US" altLang="zh-TW" sz="1500" dirty="0" err="1"/>
-              <a:t>self,specie</a:t>
-            </a:r>
-            <a:r>
-              <a:rPr lang="en-US" altLang="zh-TW" sz="1500" dirty="0"/>
-              <a:t>) </a:t>
-            </a:r>
-          </a:p>
-          <a:p>
-            <a:r>
-              <a:rPr lang="en-US" altLang="zh-TW" sz="1500" dirty="0"/>
-              <a:t>    </a:t>
-            </a:r>
-            <a:r>
-              <a:rPr lang="en-US" altLang="zh-TW" sz="1500" dirty="0" err="1"/>
-              <a:t>def</a:t>
-            </a:r>
-            <a:r>
-              <a:rPr lang="en-US" altLang="zh-TW" sz="1500" dirty="0"/>
-              <a:t> update(self):</a:t>
-            </a:r>
-          </a:p>
-          <a:p>
-            <a:r>
-              <a:rPr lang="en-US" altLang="zh-TW" sz="1500" dirty="0"/>
-              <a:t>        return "</a:t>
-            </a:r>
-            <a:r>
-              <a:rPr lang="zh-TW" altLang="en-US" sz="1500" dirty="0"/>
-              <a:t>喵喵叫</a:t>
-            </a:r>
-            <a:r>
-              <a:rPr lang="en-US" altLang="zh-TW" sz="1500" dirty="0"/>
-              <a:t>"</a:t>
-            </a:r>
-            <a:endParaRPr lang="zh-TW" altLang="en-US" sz="1500" dirty="0"/>
-          </a:p>
-          <a:p>
-            <a:endParaRPr lang="en-US" altLang="zh-TW" sz="1500" dirty="0"/>
-          </a:p>
-          <a:p>
-            <a:r>
-              <a:rPr lang="en-US" altLang="zh-TW" sz="1500" dirty="0"/>
-              <a:t>X = cat("</a:t>
-            </a:r>
-            <a:r>
-              <a:rPr lang="en-US" altLang="zh-TW" sz="1500" dirty="0" err="1"/>
-              <a:t>LaLa</a:t>
-            </a:r>
-            <a:r>
-              <a:rPr lang="en-US" altLang="zh-TW" sz="1500" dirty="0"/>
-              <a:t>","Cat")</a:t>
-            </a:r>
-          </a:p>
-          <a:p>
-            <a:r>
-              <a:rPr lang="en-US" altLang="zh-TW" sz="1500" dirty="0">
+              <a:t>BaseClassName</a:t>
+            </a:r>
+            <a:r>
+              <a:rPr lang="en-US" altLang="zh-TW" sz="2400" dirty="0">
                 <a:solidFill>
                   <a:srgbClr val="0070C0"/>
                 </a:solidFill>
               </a:rPr>
-              <a:t>print(</a:t>
-            </a:r>
-            <a:r>
-              <a:rPr lang="en-US" altLang="zh-TW" sz="1500" dirty="0" err="1">
-                <a:solidFill>
-                  <a:srgbClr val="0070C0"/>
-                </a:solidFill>
-              </a:rPr>
-              <a:t>X.getAnimalName</a:t>
-            </a:r>
-            <a:r>
-              <a:rPr lang="en-US" altLang="zh-TW" sz="1500" dirty="0">
-                <a:solidFill>
-                  <a:srgbClr val="0070C0"/>
-                </a:solidFill>
-              </a:rPr>
-              <a:t>()) </a:t>
-            </a:r>
-            <a:r>
-              <a:rPr lang="zh-TW" altLang="en-US" sz="1500" dirty="0" smtClean="0">
-                <a:solidFill>
-                  <a:srgbClr val="0070C0"/>
-                </a:solidFill>
-              </a:rPr>
-              <a:t>   </a:t>
-            </a:r>
-            <a:r>
-              <a:rPr lang="en-US" altLang="zh-TW" sz="1500" b="1" i="1" dirty="0" smtClean="0">
-                <a:solidFill>
-                  <a:schemeClr val="accent5">
-                    <a:lumMod val="75000"/>
-                  </a:schemeClr>
-                </a:solidFill>
-              </a:rPr>
-              <a:t>#</a:t>
-            </a:r>
-            <a:r>
-              <a:rPr lang="zh-TW" altLang="en-US" sz="1500" b="1" i="1" dirty="0" smtClean="0">
-                <a:solidFill>
-                  <a:srgbClr val="FF0000"/>
-                </a:solidFill>
-              </a:rPr>
-              <a:t>透過多重繼承取得兩個父類別 </a:t>
-            </a:r>
-            <a:r>
-              <a:rPr lang="en-US" altLang="zh-TW" sz="1500" b="1" i="1" dirty="0" smtClean="0">
-                <a:solidFill>
-                  <a:srgbClr val="FF0000"/>
-                </a:solidFill>
-              </a:rPr>
-              <a:t>Method</a:t>
-            </a:r>
-          </a:p>
-          <a:p>
-            <a:r>
-              <a:rPr lang="en-US" altLang="zh-TW" sz="1500" dirty="0" smtClean="0">
-                <a:solidFill>
-                  <a:srgbClr val="0070C0"/>
-                </a:solidFill>
-              </a:rPr>
-              <a:t>print(</a:t>
-            </a:r>
-            <a:r>
-              <a:rPr lang="en-US" altLang="zh-TW" sz="1500" dirty="0" err="1" smtClean="0">
-                <a:solidFill>
-                  <a:srgbClr val="0070C0"/>
-                </a:solidFill>
-              </a:rPr>
-              <a:t>X.getAnimalSpecies</a:t>
-            </a:r>
-            <a:r>
-              <a:rPr lang="en-US" altLang="zh-TW" sz="1500" dirty="0" smtClean="0">
-                <a:solidFill>
-                  <a:srgbClr val="0070C0"/>
-                </a:solidFill>
-              </a:rPr>
-              <a:t>())</a:t>
-            </a:r>
-            <a:r>
-              <a:rPr lang="en-US" altLang="zh-TW" sz="1500" dirty="0">
-                <a:solidFill>
-                  <a:schemeClr val="accent5">
-                    <a:lumMod val="75000"/>
-                  </a:schemeClr>
-                </a:solidFill>
-              </a:rPr>
-              <a:t> </a:t>
-            </a:r>
-            <a:endParaRPr lang="en-US" altLang="zh-TW" sz="1500" dirty="0" smtClean="0">
-              <a:solidFill>
-                <a:schemeClr val="accent5">
-                  <a:lumMod val="75000"/>
-                </a:schemeClr>
-              </a:solidFill>
-            </a:endParaRPr>
-          </a:p>
-          <a:p>
-            <a:r>
-              <a:rPr lang="en-US" altLang="zh-TW" sz="1500" dirty="0" smtClean="0">
-                <a:solidFill>
-                  <a:srgbClr val="0070C0"/>
-                </a:solidFill>
-              </a:rPr>
-              <a:t>print(</a:t>
-            </a:r>
-            <a:r>
-              <a:rPr lang="en-US" altLang="zh-TW" sz="1500" dirty="0" err="1" smtClean="0">
-                <a:solidFill>
-                  <a:srgbClr val="0070C0"/>
-                </a:solidFill>
-              </a:rPr>
-              <a:t>X.update</a:t>
-            </a:r>
-            <a:r>
-              <a:rPr lang="en-US" altLang="zh-TW" sz="1500" dirty="0" smtClean="0">
-                <a:solidFill>
-                  <a:srgbClr val="0070C0"/>
-                </a:solidFill>
-              </a:rPr>
-              <a:t>())</a:t>
-            </a:r>
-            <a:r>
-              <a:rPr lang="zh-TW" altLang="en-US" sz="1500" dirty="0" smtClean="0">
-                <a:solidFill>
-                  <a:srgbClr val="0070C0"/>
-                </a:solidFill>
-              </a:rPr>
-              <a:t>             </a:t>
-            </a:r>
-            <a:r>
-              <a:rPr lang="en-US" altLang="zh-TW" sz="1500" b="1" i="1" dirty="0" smtClean="0">
-                <a:solidFill>
-                  <a:schemeClr val="accent5">
-                    <a:lumMod val="75000"/>
-                  </a:schemeClr>
-                </a:solidFill>
-              </a:rPr>
-              <a:t>#</a:t>
-            </a:r>
-            <a:r>
-              <a:rPr lang="zh-TW" altLang="en-US" sz="1500" b="1" i="1" dirty="0">
-                <a:solidFill>
-                  <a:srgbClr val="FF0000"/>
-                </a:solidFill>
-              </a:rPr>
-              <a:t>多重繼承後</a:t>
-            </a:r>
-            <a:r>
-              <a:rPr lang="zh-TW" altLang="en-US" sz="1500" b="1" i="1" dirty="0" smtClean="0">
-                <a:solidFill>
-                  <a:srgbClr val="FF0000"/>
-                </a:solidFill>
-              </a:rPr>
-              <a:t>依然</a:t>
-            </a:r>
-            <a:r>
-              <a:rPr lang="zh-TW" altLang="en-US" sz="1500" b="1" i="1" dirty="0">
-                <a:solidFill>
-                  <a:srgbClr val="FF0000"/>
-                </a:solidFill>
-              </a:rPr>
-              <a:t>可使用自己類別的 </a:t>
-            </a:r>
-            <a:r>
-              <a:rPr lang="en-US" altLang="zh-TW" sz="1500" b="1" i="1" dirty="0">
-                <a:solidFill>
-                  <a:srgbClr val="FF0000"/>
-                </a:solidFill>
-              </a:rPr>
-              <a:t>Method</a:t>
-            </a:r>
+              <a:t>):</a:t>
+            </a:r>
+          </a:p>
+          <a:p>
+            <a:r>
+              <a:rPr lang="en-US" altLang="zh-TW" sz="2400" dirty="0"/>
+              <a:t>    &lt;statement-1&gt;</a:t>
+            </a:r>
+          </a:p>
+          <a:p>
+            <a:r>
+              <a:rPr lang="en-US" altLang="zh-TW" sz="2400" dirty="0"/>
+              <a:t>    </a:t>
+            </a:r>
+            <a:r>
+              <a:rPr lang="en-US" altLang="zh-TW" sz="2400" dirty="0" smtClean="0"/>
+              <a:t>.</a:t>
+            </a:r>
+            <a:endParaRPr lang="en-US" altLang="zh-TW" sz="2400" dirty="0"/>
+          </a:p>
+          <a:p>
+            <a:r>
+              <a:rPr lang="en-US" altLang="zh-TW" sz="2400" dirty="0"/>
+              <a:t>    .</a:t>
+            </a:r>
+          </a:p>
+          <a:p>
+            <a:r>
+              <a:rPr lang="en-US" altLang="zh-TW" sz="2400" dirty="0"/>
+              <a:t>    .</a:t>
+            </a:r>
+          </a:p>
+          <a:p>
+            <a:r>
+              <a:rPr lang="en-US" altLang="zh-TW" sz="2400" dirty="0"/>
+              <a:t>    &lt;statement-N</a:t>
+            </a:r>
+            <a:r>
+              <a:rPr lang="en-US" altLang="zh-TW" sz="2400" dirty="0" smtClean="0"/>
+              <a:t>&gt;</a:t>
+            </a:r>
+          </a:p>
+          <a:p>
+            <a:endParaRPr lang="en-US" altLang="zh-TW" dirty="0"/>
+          </a:p>
+          <a:p>
+            <a:endParaRPr lang="en-US" altLang="zh-TW" dirty="0"/>
           </a:p>
         </p:txBody>
       </p:sp>
-      <p:pic>
-        <p:nvPicPr>
-          <p:cNvPr id="3" name="圖片 2"/>
-          <p:cNvPicPr>
-            <a:picLocks noChangeAspect="1"/>
-          </p:cNvPicPr>
-          <p:nvPr/>
-        </p:nvPicPr>
-        <p:blipFill>
-          <a:blip r:embed="rId2"/>
-          <a:stretch>
-            <a:fillRect/>
-          </a:stretch>
-        </p:blipFill>
-        <p:spPr>
-          <a:xfrm>
-            <a:off x="6636424" y="2840667"/>
-            <a:ext cx="5339773" cy="1636382"/>
-          </a:xfrm>
-          <a:prstGeom prst="rect">
-            <a:avLst/>
-          </a:prstGeom>
-          <a:effectLst>
-            <a:softEdge rad="31750"/>
-          </a:effectLst>
-        </p:spPr>
-      </p:pic>
     </p:spTree>
     <p:extLst>
       <p:ext uri="{BB962C8B-B14F-4D97-AF65-F5344CB8AC3E}">
-        <p14:creationId xmlns:p14="http://schemas.microsoft.com/office/powerpoint/2010/main" val="1486754515"/>
+        <p14:creationId xmlns:p14="http://schemas.microsoft.com/office/powerpoint/2010/main" val="3152983772"/>
       </p:ext>
     </p:extLst>
   </p:cSld>
@@ -40725,26 +40286,26 @@
           <a:p>
             <a:pPr lvl="1" algn="ctr"/>
             <a:r>
-              <a:rPr lang="en-US" altLang="zh-TW" sz="4000" dirty="0" smtClean="0"/>
+              <a:rPr lang="en-US" altLang="zh-TW" sz="4000" smtClean="0"/>
               <a:t>Inheritance</a:t>
             </a:r>
             <a:r>
-              <a:rPr lang="zh-TW" altLang="en-US" sz="4000" dirty="0" smtClean="0"/>
+              <a:rPr lang="zh-TW" altLang="en-US" sz="4000" smtClean="0"/>
               <a:t> </a:t>
             </a:r>
             <a:r>
-              <a:rPr lang="en-US" altLang="zh-TW" sz="4000" dirty="0" smtClean="0"/>
+              <a:rPr lang="en-US" altLang="zh-TW" sz="4000" smtClean="0"/>
               <a:t>(</a:t>
             </a:r>
             <a:r>
-              <a:rPr lang="zh-TW" altLang="en-US" sz="4000" dirty="0" smtClean="0"/>
-              <a:t>覆寫</a:t>
-            </a:r>
-            <a:r>
-              <a:rPr lang="en-US" altLang="zh-TW" sz="4000" dirty="0" smtClean="0"/>
+              <a:rPr lang="zh-TW" altLang="en-US" sz="4000" smtClean="0"/>
+              <a:t>繼承</a:t>
+            </a:r>
+            <a:r>
+              <a:rPr lang="en-US" altLang="zh-TW" sz="4000" smtClean="0"/>
               <a:t>)</a:t>
             </a:r>
-            <a:endParaRPr lang="en-US" altLang="zh-TW" sz="4000" dirty="0">
+            <a:endParaRPr lang="en-US" altLang="zh-TW" sz="4000">
               <a:solidFill>
                 <a:schemeClr val="tx1"/>
               </a:solidFill>
@@ -40760,8 +40321,8 @@
         </p:nvSpPr>
         <p:spPr>
           <a:xfrm>
-            <a:off x="535890" y="741241"/>
-            <a:ext cx="5786803" cy="6093976"/>
+            <a:off x="744896" y="1047113"/>
+            <a:ext cx="5604145" cy="5509200"/>
           </a:xfrm>
           <a:prstGeom prst="rect">
             <a:avLst/>
@@ -40782,7 +40343,7 @@
           <a:lstStyle/>
           <a:p>
             <a:r>
-              <a:rPr lang="en-US" altLang="zh-TW" sz="1500" dirty="0" smtClean="0">
+              <a:rPr lang="en-US" altLang="zh-TW" sz="1600" dirty="0" smtClean="0">
                 <a:solidFill>
                   <a:schemeClr val="accent5">
                     <a:lumMod val="75000"/>
@@ -40793,310 +40354,193 @@
             </a:r>
           </a:p>
           <a:p>
-            <a:endParaRPr lang="en-US" altLang="zh-TW" sz="1500" dirty="0" smtClean="0"/>
-          </a:p>
-          <a:p>
-            <a:r>
-              <a:rPr lang="en-US" altLang="zh-TW" sz="1500" dirty="0" smtClean="0"/>
+            <a:endParaRPr lang="en-US" altLang="zh-TW" sz="1600" dirty="0" smtClean="0"/>
+          </a:p>
+          <a:p>
+            <a:r>
+              <a:rPr lang="en-US" altLang="zh-TW" sz="1600" dirty="0" smtClean="0"/>
               <a:t>class </a:t>
             </a:r>
             <a:r>
-              <a:rPr lang="en-US" altLang="zh-TW" sz="1500" dirty="0" err="1" smtClean="0"/>
+              <a:rPr lang="en-US" altLang="zh-TW" sz="1600" dirty="0" err="1" smtClean="0"/>
               <a:t>baseAnimal</a:t>
             </a:r>
             <a:r>
-              <a:rPr lang="en-US" altLang="zh-TW" sz="1500" dirty="0" smtClean="0"/>
+              <a:rPr lang="en-US" altLang="zh-TW" sz="1600" dirty="0" smtClean="0"/>
               <a:t>:</a:t>
             </a:r>
           </a:p>
           <a:p>
             <a:r>
-              <a:rPr lang="en-US" altLang="zh-TW" sz="1500" dirty="0" smtClean="0"/>
+              <a:rPr lang="en-US" altLang="zh-TW" sz="1600" dirty="0" smtClean="0"/>
               <a:t>    </a:t>
             </a:r>
           </a:p>
           <a:p>
             <a:r>
-              <a:rPr lang="en-US" altLang="zh-TW" sz="1500" dirty="0" smtClean="0"/>
+              <a:rPr lang="en-US" altLang="zh-TW" sz="1600" dirty="0" smtClean="0"/>
               <a:t>    </a:t>
             </a:r>
             <a:r>
-              <a:rPr lang="en-US" altLang="zh-TW" sz="1500" dirty="0" err="1" smtClean="0"/>
+              <a:rPr lang="en-US" altLang="zh-TW" sz="1600" dirty="0" err="1" smtClean="0"/>
               <a:t>def</a:t>
             </a:r>
             <a:r>
-              <a:rPr lang="en-US" altLang="zh-TW" sz="1500" dirty="0" smtClean="0"/>
+              <a:rPr lang="en-US" altLang="zh-TW" sz="1600" dirty="0" smtClean="0"/>
               <a:t> __</a:t>
             </a:r>
             <a:r>
-              <a:rPr lang="en-US" altLang="zh-TW" sz="1500" dirty="0" err="1" smtClean="0"/>
+              <a:rPr lang="en-US" altLang="zh-TW" sz="1600" dirty="0" err="1" smtClean="0"/>
               <a:t>init</a:t>
             </a:r>
             <a:r>
-              <a:rPr lang="en-US" altLang="zh-TW" sz="1500" dirty="0" smtClean="0"/>
+              <a:rPr lang="en-US" altLang="zh-TW" sz="1600" dirty="0" smtClean="0"/>
               <a:t>__(self, name, species):</a:t>
             </a:r>
           </a:p>
           <a:p>
             <a:r>
-              <a:rPr lang="en-US" altLang="zh-TW" sz="1500" dirty="0" smtClean="0"/>
+              <a:rPr lang="en-US" altLang="zh-TW" sz="1600" dirty="0" smtClean="0"/>
               <a:t>        </a:t>
             </a:r>
             <a:r>
-              <a:rPr lang="en-US" altLang="zh-TW" sz="1500" dirty="0" err="1" smtClean="0"/>
+              <a:rPr lang="en-US" altLang="zh-TW" sz="1600" dirty="0" err="1" smtClean="0"/>
               <a:t>self.__name</a:t>
             </a:r>
             <a:r>
-              <a:rPr lang="en-US" altLang="zh-TW" sz="1500" dirty="0" smtClean="0"/>
+              <a:rPr lang="en-US" altLang="zh-TW" sz="1600" dirty="0" smtClean="0"/>
               <a:t> = name</a:t>
             </a:r>
           </a:p>
           <a:p>
             <a:r>
-              <a:rPr lang="en-US" altLang="zh-TW" sz="1500" dirty="0" smtClean="0"/>
+              <a:rPr lang="en-US" altLang="zh-TW" sz="1600" dirty="0" smtClean="0"/>
               <a:t>        </a:t>
             </a:r>
             <a:r>
-              <a:rPr lang="en-US" altLang="zh-TW" sz="1500" dirty="0" err="1" smtClean="0"/>
+              <a:rPr lang="en-US" altLang="zh-TW" sz="1600" dirty="0" err="1" smtClean="0"/>
               <a:t>self.__species</a:t>
             </a:r>
             <a:r>
-              <a:rPr lang="en-US" altLang="zh-TW" sz="1500" dirty="0" smtClean="0"/>
+              <a:rPr lang="en-US" altLang="zh-TW" sz="1600" dirty="0" smtClean="0"/>
               <a:t> = species</a:t>
             </a:r>
           </a:p>
           <a:p>
             <a:r>
-              <a:rPr lang="en-US" altLang="zh-TW" sz="1500" dirty="0" smtClean="0"/>
+              <a:rPr lang="en-US" altLang="zh-TW" sz="1600" dirty="0" smtClean="0"/>
               <a:t>     </a:t>
             </a:r>
           </a:p>
           <a:p>
             <a:r>
-              <a:rPr lang="en-US" altLang="zh-TW" sz="1500" dirty="0" smtClean="0"/>
+              <a:rPr lang="en-US" altLang="zh-TW" sz="1600" dirty="0" smtClean="0"/>
               <a:t>    </a:t>
             </a:r>
             <a:r>
-              <a:rPr lang="en-US" altLang="zh-TW" sz="1500" dirty="0" err="1" smtClean="0"/>
+              <a:rPr lang="en-US" altLang="zh-TW" sz="1600" dirty="0" err="1" smtClean="0"/>
               <a:t>def</a:t>
             </a:r>
             <a:r>
-              <a:rPr lang="en-US" altLang="zh-TW" sz="1500" dirty="0" smtClean="0"/>
+              <a:rPr lang="en-US" altLang="zh-TW" sz="1600" dirty="0" smtClean="0"/>
               <a:t> </a:t>
             </a:r>
             <a:r>
-              <a:rPr lang="en-US" altLang="zh-TW" sz="1500" dirty="0" err="1" smtClean="0"/>
+              <a:rPr lang="en-US" altLang="zh-TW" sz="1600" dirty="0" err="1" smtClean="0"/>
               <a:t>getAnimalName</a:t>
             </a:r>
             <a:r>
-              <a:rPr lang="en-US" altLang="zh-TW" sz="1500" dirty="0" smtClean="0"/>
+              <a:rPr lang="en-US" altLang="zh-TW" sz="1600" dirty="0" smtClean="0"/>
               <a:t>(self):</a:t>
             </a:r>
           </a:p>
           <a:p>
             <a:r>
-              <a:rPr lang="en-US" altLang="zh-TW" sz="1500" dirty="0" smtClean="0"/>
+              <a:rPr lang="en-US" altLang="zh-TW" sz="1600" dirty="0" smtClean="0"/>
               <a:t>        return </a:t>
             </a:r>
             <a:r>
-              <a:rPr lang="en-US" altLang="zh-TW" sz="1500" dirty="0" err="1" smtClean="0"/>
+              <a:rPr lang="en-US" altLang="zh-TW" sz="1600" dirty="0" err="1" smtClean="0"/>
               <a:t>self.__name</a:t>
             </a:r>
-            <a:endParaRPr lang="en-US" altLang="zh-TW" sz="1500" dirty="0" smtClean="0"/>
-          </a:p>
-          <a:p>
-            <a:r>
-              <a:rPr lang="en-US" altLang="zh-TW" sz="1500" dirty="0" smtClean="0"/>
+            <a:endParaRPr lang="en-US" altLang="zh-TW" sz="1600" dirty="0" smtClean="0"/>
+          </a:p>
+          <a:p>
+            <a:r>
+              <a:rPr lang="en-US" altLang="zh-TW" sz="1600" dirty="0" smtClean="0"/>
               <a:t>    </a:t>
             </a:r>
           </a:p>
           <a:p>
             <a:r>
-              <a:rPr lang="en-US" altLang="zh-TW" sz="1500" dirty="0" smtClean="0"/>
+              <a:rPr lang="en-US" altLang="zh-TW" sz="1600" dirty="0" smtClean="0"/>
               <a:t>    </a:t>
             </a:r>
             <a:r>
-              <a:rPr lang="en-US" altLang="zh-TW" sz="1500" dirty="0" err="1" smtClean="0"/>
+              <a:rPr lang="en-US" altLang="zh-TW" sz="1600" dirty="0" err="1" smtClean="0"/>
               <a:t>def</a:t>
             </a:r>
             <a:r>
-              <a:rPr lang="en-US" altLang="zh-TW" sz="1500" dirty="0" smtClean="0"/>
+              <a:rPr lang="en-US" altLang="zh-TW" sz="1600" dirty="0" smtClean="0"/>
               <a:t> </a:t>
             </a:r>
             <a:r>
-              <a:rPr lang="en-US" altLang="zh-TW" sz="1500" dirty="0" err="1" smtClean="0"/>
+              <a:rPr lang="en-US" altLang="zh-TW" sz="1600" dirty="0" err="1" smtClean="0"/>
               <a:t>getAnimalSpecies</a:t>
             </a:r>
             <a:r>
-              <a:rPr lang="en-US" altLang="zh-TW" sz="1500" dirty="0" smtClean="0"/>
+              <a:rPr lang="en-US" altLang="zh-TW" sz="1600" dirty="0" smtClean="0"/>
               <a:t>(self):</a:t>
             </a:r>
           </a:p>
           <a:p>
             <a:r>
-              <a:rPr lang="en-US" altLang="zh-TW" sz="1500" dirty="0" smtClean="0"/>
+              <a:rPr lang="en-US" altLang="zh-TW" sz="1600" dirty="0" smtClean="0"/>
               <a:t>        return </a:t>
             </a:r>
             <a:r>
-              <a:rPr lang="en-US" altLang="zh-TW" sz="1500" dirty="0" err="1" smtClean="0"/>
+              <a:rPr lang="en-US" altLang="zh-TW" sz="1600" dirty="0" err="1" smtClean="0"/>
               <a:t>self.__species</a:t>
             </a:r>
-            <a:endParaRPr lang="en-US" altLang="zh-TW" sz="1500" dirty="0" smtClean="0"/>
-          </a:p>
-          <a:p>
-            <a:endParaRPr lang="en-US" altLang="zh-TW" sz="1500" dirty="0" smtClean="0"/>
-          </a:p>
-          <a:p>
-            <a:r>
-              <a:rPr lang="en-US" altLang="zh-TW" sz="1500" dirty="0"/>
+            <a:endParaRPr lang="en-US" altLang="zh-TW" sz="1600" dirty="0" smtClean="0"/>
+          </a:p>
+          <a:p>
+            <a:endParaRPr lang="en-US" altLang="zh-TW" sz="1600" dirty="0" smtClean="0"/>
+          </a:p>
+          <a:p>
+            <a:r>
+              <a:rPr lang="en-US" altLang="zh-TW" sz="1600" dirty="0" smtClean="0">
+                <a:solidFill>
+                  <a:srgbClr val="0070C0"/>
+                </a:solidFill>
+              </a:rPr>
               <a:t>class cat(</a:t>
             </a:r>
             <a:r>
-              <a:rPr lang="en-US" altLang="zh-TW" sz="1500" dirty="0" err="1"/>
+              <a:rPr lang="en-US" altLang="zh-TW" sz="1600" dirty="0" err="1" smtClean="0">
+                <a:solidFill>
+                  <a:srgbClr val="0070C0"/>
+                </a:solidFill>
+              </a:rPr>
               <a:t>baseAnimal</a:t>
             </a:r>
             <a:r>
-              <a:rPr lang="en-US" altLang="zh-TW" sz="1500" dirty="0"/>
+              <a:rPr lang="en-US" altLang="zh-TW" sz="1600" dirty="0" smtClean="0">
+                <a:solidFill>
+                  <a:srgbClr val="0070C0"/>
+                </a:solidFill>
+              </a:rPr>
               <a:t>):</a:t>
             </a:r>
             <a:r>
-              <a:rPr lang="zh-TW" altLang="en-US" sz="1500" dirty="0"/>
+              <a:rPr lang="zh-TW" altLang="en-US" sz="1600" dirty="0" smtClean="0">
+                <a:solidFill>
+                  <a:srgbClr val="0070C0"/>
+                </a:solidFill>
+              </a:rPr>
               <a:t> </a:t>
             </a:r>
-            <a:endParaRPr lang="en-US" altLang="zh-TW" sz="1500" dirty="0"/>
-          </a:p>
-          <a:p>
-            <a:r>
-              <a:rPr lang="en-US" altLang="zh-TW" sz="1500" dirty="0"/>
-              <a:t>    </a:t>
-            </a:r>
-            <a:r>
-              <a:rPr lang="en-US" altLang="zh-TW" sz="1500" dirty="0" err="1"/>
-              <a:t>def</a:t>
-            </a:r>
-            <a:r>
-              <a:rPr lang="en-US" altLang="zh-TW" sz="1500" dirty="0"/>
-              <a:t> update(self):</a:t>
-            </a:r>
-          </a:p>
-          <a:p>
-            <a:r>
-              <a:rPr lang="en-US" altLang="zh-TW" sz="1500" dirty="0"/>
-              <a:t>        return "</a:t>
-            </a:r>
-            <a:r>
-              <a:rPr lang="zh-TW" altLang="en-US" sz="1500" dirty="0"/>
-              <a:t>喵喵</a:t>
-            </a:r>
-            <a:r>
-              <a:rPr lang="zh-TW" altLang="en-US" sz="1500" dirty="0" smtClean="0"/>
-              <a:t>叫</a:t>
-            </a:r>
-            <a:r>
-              <a:rPr lang="en-US" altLang="zh-TW" sz="1500" dirty="0"/>
-              <a:t>"</a:t>
-            </a:r>
-            <a:endParaRPr lang="en-US" altLang="zh-TW" sz="1500" dirty="0" smtClean="0"/>
-          </a:p>
-          <a:p>
-            <a:r>
-              <a:rPr lang="zh-TW" altLang="en-US" sz="1500" dirty="0" smtClean="0"/>
-              <a:t>    </a:t>
-            </a:r>
-            <a:endParaRPr lang="en-US" altLang="zh-TW" sz="1500" dirty="0" smtClean="0"/>
-          </a:p>
-          <a:p>
-            <a:r>
-              <a:rPr lang="zh-TW" altLang="en-US" sz="1500" dirty="0"/>
-              <a:t> </a:t>
-            </a:r>
-            <a:r>
-              <a:rPr lang="zh-TW" altLang="en-US" sz="1500" dirty="0" smtClean="0"/>
-              <a:t>   </a:t>
-            </a:r>
-            <a:r>
-              <a:rPr lang="en-US" altLang="zh-TW" sz="1500" dirty="0" err="1" smtClean="0">
-                <a:solidFill>
-                  <a:srgbClr val="0070C0"/>
-                </a:solidFill>
-              </a:rPr>
-              <a:t>def</a:t>
-            </a:r>
-            <a:r>
-              <a:rPr lang="en-US" altLang="zh-TW" sz="1500" dirty="0" smtClean="0">
-                <a:solidFill>
-                  <a:srgbClr val="0070C0"/>
-                </a:solidFill>
-              </a:rPr>
-              <a:t> </a:t>
-            </a:r>
-            <a:r>
-              <a:rPr lang="en-US" altLang="zh-TW" sz="1500" dirty="0" err="1" smtClean="0">
-                <a:solidFill>
-                  <a:srgbClr val="0070C0"/>
-                </a:solidFill>
-              </a:rPr>
-              <a:t>getAnimalSpecies</a:t>
-            </a:r>
-            <a:r>
-              <a:rPr lang="en-US" altLang="zh-TW" sz="1500" dirty="0" smtClean="0">
-                <a:solidFill>
-                  <a:srgbClr val="0070C0"/>
-                </a:solidFill>
-              </a:rPr>
-              <a:t>(self):</a:t>
-            </a:r>
-            <a:r>
-              <a:rPr lang="zh-TW" altLang="en-US" sz="1500" dirty="0" smtClean="0">
-                <a:solidFill>
-                  <a:srgbClr val="0070C0"/>
-                </a:solidFill>
-              </a:rPr>
-              <a:t> </a:t>
-            </a:r>
-            <a:r>
-              <a:rPr lang="en-US" altLang="zh-TW" sz="1500" b="1" i="1" dirty="0" smtClean="0">
-                <a:solidFill>
-                  <a:schemeClr val="accent5">
-                    <a:lumMod val="75000"/>
-                  </a:schemeClr>
-                </a:solidFill>
-              </a:rPr>
-              <a:t>#</a:t>
-            </a:r>
-            <a:r>
-              <a:rPr lang="zh-TW" altLang="en-US" sz="1500" b="1" i="1" dirty="0" smtClean="0">
-                <a:solidFill>
-                  <a:srgbClr val="FF0000"/>
-                </a:solidFill>
-              </a:rPr>
-              <a:t>以相同名稱的 </a:t>
-            </a:r>
-            <a:r>
-              <a:rPr lang="en-US" altLang="zh-TW" sz="1500" b="1" i="1" dirty="0">
-                <a:solidFill>
-                  <a:srgbClr val="FF0000"/>
-                </a:solidFill>
-              </a:rPr>
-              <a:t>M</a:t>
-            </a:r>
-            <a:r>
-              <a:rPr lang="en-US" altLang="zh-TW" sz="1500" b="1" i="1" dirty="0" smtClean="0">
-                <a:solidFill>
-                  <a:srgbClr val="FF0000"/>
-                </a:solidFill>
-              </a:rPr>
-              <a:t>ethod</a:t>
-            </a:r>
-            <a:r>
-              <a:rPr lang="zh-TW" altLang="en-US" sz="1500" b="1" i="1" dirty="0" smtClean="0">
-                <a:solidFill>
-                  <a:srgbClr val="FF0000"/>
-                </a:solidFill>
-              </a:rPr>
-              <a:t>覆寫父類別</a:t>
-            </a:r>
-            <a:endParaRPr lang="en-US" altLang="zh-TW" sz="1500" dirty="0" smtClean="0">
+            <a:endParaRPr lang="en-US" altLang="zh-TW" sz="1600" dirty="0" smtClean="0">
               <a:solidFill>
                 <a:srgbClr val="0070C0"/>
               </a:solidFill>
@@ -41104,140 +40548,145 @@
           </a:p>
           <a:p>
             <a:r>
-              <a:rPr lang="zh-TW" altLang="en-US" sz="1500" dirty="0"/>
+              <a:rPr lang="en-US" altLang="zh-TW" sz="1600" dirty="0"/>
+              <a:t>    </a:t>
+            </a:r>
+            <a:r>
+              <a:rPr lang="en-US" altLang="zh-TW" sz="1600" dirty="0" err="1"/>
+              <a:t>def</a:t>
+            </a:r>
+            <a:r>
+              <a:rPr lang="en-US" altLang="zh-TW" sz="1600" dirty="0"/>
+              <a:t> update(self):</a:t>
+            </a:r>
+          </a:p>
+          <a:p>
+            <a:r>
+              <a:rPr lang="en-US" altLang="zh-TW" sz="1600" dirty="0"/>
+              <a:t>        return "</a:t>
+            </a:r>
+            <a:r>
+              <a:rPr lang="zh-TW" altLang="en-US" sz="1600" dirty="0"/>
+              <a:t>喵喵叫</a:t>
+            </a:r>
+            <a:r>
+              <a:rPr lang="en-US" altLang="zh-TW" sz="1600" dirty="0"/>
+              <a:t>"</a:t>
+            </a:r>
+          </a:p>
+          <a:p>
+            <a:endParaRPr lang="en-US" altLang="zh-TW" sz="1600" dirty="0"/>
+          </a:p>
+          <a:p>
+            <a:r>
+              <a:rPr lang="en-US" altLang="zh-TW" sz="1600" dirty="0"/>
+              <a:t>X = cat("</a:t>
+            </a:r>
+            <a:r>
+              <a:rPr lang="en-US" altLang="zh-TW" sz="1600" dirty="0" err="1"/>
+              <a:t>LaLa</a:t>
+            </a:r>
+            <a:r>
+              <a:rPr lang="en-US" altLang="zh-TW" sz="1600" dirty="0"/>
+              <a:t>","Cat")</a:t>
+            </a:r>
+          </a:p>
+          <a:p>
+            <a:r>
+              <a:rPr lang="en-US" altLang="zh-TW" sz="1600" dirty="0">
+                <a:solidFill>
+                  <a:srgbClr val="0070C0"/>
+                </a:solidFill>
+              </a:rPr>
+              <a:t>print(</a:t>
+            </a:r>
+            <a:r>
+              <a:rPr lang="en-US" altLang="zh-TW" sz="1600" dirty="0" err="1">
+                <a:solidFill>
+                  <a:srgbClr val="0070C0"/>
+                </a:solidFill>
+              </a:rPr>
+              <a:t>X.getAnimalName</a:t>
+            </a:r>
+            <a:r>
+              <a:rPr lang="en-US" altLang="zh-TW" sz="1600" dirty="0">
+                <a:solidFill>
+                  <a:srgbClr val="0070C0"/>
+                </a:solidFill>
+              </a:rPr>
+              <a:t>()) </a:t>
+            </a:r>
+            <a:r>
+              <a:rPr lang="zh-TW" altLang="en-US" sz="1600" dirty="0" smtClean="0">
+                <a:solidFill>
+                  <a:srgbClr val="0070C0"/>
+                </a:solidFill>
+              </a:rPr>
+              <a:t>   </a:t>
+            </a:r>
+            <a:r>
+              <a:rPr lang="en-US" altLang="zh-TW" sz="1600" b="1" i="1" dirty="0" smtClean="0">
+                <a:solidFill>
+                  <a:schemeClr val="accent5">
+                    <a:lumMod val="75000"/>
+                  </a:schemeClr>
+                </a:solidFill>
+              </a:rPr>
+              <a:t>#</a:t>
+            </a:r>
+            <a:r>
+              <a:rPr lang="zh-TW" altLang="en-US" sz="1600" b="1" i="1" dirty="0" smtClean="0">
+                <a:solidFill>
+                  <a:srgbClr val="FF0000"/>
+                </a:solidFill>
+              </a:rPr>
+              <a:t>透過繼承取得父類別 </a:t>
+            </a:r>
+            <a:r>
+              <a:rPr lang="en-US" altLang="zh-TW" sz="1600" b="1" i="1" dirty="0" smtClean="0">
+                <a:solidFill>
+                  <a:srgbClr val="FF0000"/>
+                </a:solidFill>
+              </a:rPr>
+              <a:t>Method</a:t>
+            </a:r>
+          </a:p>
+          <a:p>
+            <a:r>
+              <a:rPr lang="en-US" altLang="zh-TW" sz="1600" dirty="0" smtClean="0">
+                <a:solidFill>
+                  <a:srgbClr val="0070C0"/>
+                </a:solidFill>
+              </a:rPr>
+              <a:t>print(</a:t>
+            </a:r>
+            <a:r>
+              <a:rPr lang="en-US" altLang="zh-TW" sz="1600" dirty="0" err="1" smtClean="0">
+                <a:solidFill>
+                  <a:srgbClr val="0070C0"/>
+                </a:solidFill>
+              </a:rPr>
+              <a:t>X.getAnimalSpecies</a:t>
+            </a:r>
+            <a:r>
+              <a:rPr lang="en-US" altLang="zh-TW" sz="1600" dirty="0" smtClean="0">
+                <a:solidFill>
+                  <a:srgbClr val="0070C0"/>
+                </a:solidFill>
+              </a:rPr>
+              <a:t>())</a:t>
+            </a:r>
+            <a:r>
+              <a:rPr lang="en-US" altLang="zh-TW" sz="1600" dirty="0">
+                <a:solidFill>
+                  <a:schemeClr val="accent5">
+                    <a:lumMod val="75000"/>
+                  </a:schemeClr>
+                </a:solidFill>
+              </a:rPr>
               <a:t> </a:t>
             </a:r>
-            <a:r>
-              <a:rPr lang="zh-TW" altLang="en-US" sz="1500" dirty="0" smtClean="0"/>
-              <a:t>       </a:t>
-            </a:r>
-            <a:r>
-              <a:rPr lang="en-US" altLang="zh-TW" sz="1500" dirty="0" smtClean="0"/>
-              <a:t>return "</a:t>
-            </a:r>
-            <a:r>
-              <a:rPr lang="zh-TW" altLang="en-US" sz="1500" dirty="0" smtClean="0"/>
-              <a:t>我是貓咪</a:t>
-            </a:r>
-            <a:r>
-              <a:rPr lang="en-US" altLang="zh-TW" sz="1500" dirty="0" smtClean="0"/>
-              <a:t>"</a:t>
-            </a:r>
-            <a:endParaRPr lang="zh-TW" altLang="en-US" sz="1500" dirty="0" smtClean="0"/>
-          </a:p>
-          <a:p>
-            <a:endParaRPr lang="en-US" altLang="zh-TW" sz="1500" dirty="0"/>
-          </a:p>
-          <a:p>
-            <a:r>
-              <a:rPr lang="en-US" altLang="zh-TW" sz="1500" dirty="0"/>
-              <a:t>X = cat("</a:t>
-            </a:r>
-            <a:r>
-              <a:rPr lang="en-US" altLang="zh-TW" sz="1500" dirty="0" err="1"/>
-              <a:t>LaLa</a:t>
-            </a:r>
-            <a:r>
-              <a:rPr lang="en-US" altLang="zh-TW" sz="1500" dirty="0"/>
-              <a:t>","Cat")</a:t>
-            </a:r>
-          </a:p>
-          <a:p>
-            <a:r>
-              <a:rPr lang="en-US" altLang="zh-TW" sz="1500" dirty="0" smtClean="0">
-                <a:solidFill>
-                  <a:srgbClr val="0070C0"/>
-                </a:solidFill>
-              </a:rPr>
-              <a:t>print(</a:t>
-            </a:r>
-            <a:r>
-              <a:rPr lang="en-US" altLang="zh-TW" sz="1500" dirty="0" err="1" smtClean="0">
-                <a:solidFill>
-                  <a:srgbClr val="0070C0"/>
-                </a:solidFill>
-              </a:rPr>
-              <a:t>X.getAnimalName</a:t>
-            </a:r>
-            <a:r>
-              <a:rPr lang="en-US" altLang="zh-TW" sz="1500" dirty="0" smtClean="0">
-                <a:solidFill>
-                  <a:srgbClr val="0070C0"/>
-                </a:solidFill>
-              </a:rPr>
-              <a:t>()) </a:t>
-            </a:r>
-            <a:r>
-              <a:rPr lang="zh-TW" altLang="en-US" sz="1500" dirty="0" smtClean="0">
-                <a:solidFill>
-                  <a:srgbClr val="0070C0"/>
-                </a:solidFill>
-              </a:rPr>
-              <a:t>   </a:t>
-            </a:r>
-            <a:r>
-              <a:rPr lang="en-US" altLang="zh-TW" sz="1500" b="1" i="1" dirty="0" smtClean="0">
-                <a:solidFill>
-                  <a:schemeClr val="accent5">
-                    <a:lumMod val="75000"/>
-                  </a:schemeClr>
-                </a:solidFill>
-              </a:rPr>
-              <a:t>#</a:t>
-            </a:r>
-            <a:r>
-              <a:rPr lang="zh-TW" altLang="en-US" sz="1500" b="1" i="1" dirty="0" smtClean="0">
-                <a:solidFill>
-                  <a:srgbClr val="FF0000"/>
-                </a:solidFill>
-              </a:rPr>
-              <a:t>透過繼承取得父類別 </a:t>
-            </a:r>
-            <a:r>
-              <a:rPr lang="en-US" altLang="zh-TW" sz="1500" b="1" i="1" dirty="0" smtClean="0">
-                <a:solidFill>
-                  <a:srgbClr val="FF0000"/>
-                </a:solidFill>
-              </a:rPr>
-              <a:t>Method</a:t>
-            </a:r>
-          </a:p>
-          <a:p>
-            <a:r>
-              <a:rPr lang="en-US" altLang="zh-TW" sz="1500" dirty="0" smtClean="0">
-                <a:solidFill>
-                  <a:srgbClr val="0070C0"/>
-                </a:solidFill>
-              </a:rPr>
-              <a:t>print(</a:t>
-            </a:r>
-            <a:r>
-              <a:rPr lang="en-US" altLang="zh-TW" sz="1500" dirty="0" err="1" smtClean="0">
-                <a:solidFill>
-                  <a:srgbClr val="0070C0"/>
-                </a:solidFill>
-              </a:rPr>
-              <a:t>X.getAnimalSpecies</a:t>
-            </a:r>
-            <a:r>
-              <a:rPr lang="en-US" altLang="zh-TW" sz="1500" dirty="0" smtClean="0">
-                <a:solidFill>
-                  <a:srgbClr val="0070C0"/>
-                </a:solidFill>
-              </a:rPr>
-              <a:t>())</a:t>
-            </a:r>
-            <a:r>
-              <a:rPr lang="en-US" altLang="zh-TW" sz="1500" dirty="0">
-                <a:solidFill>
-                  <a:schemeClr val="accent5">
-                    <a:lumMod val="75000"/>
-                  </a:schemeClr>
-                </a:solidFill>
-              </a:rPr>
-              <a:t> </a:t>
-            </a:r>
-            <a:endParaRPr lang="en-US" altLang="zh-TW" sz="1500" dirty="0" smtClean="0">
+            <a:endParaRPr lang="en-US" altLang="zh-TW" sz="1600" dirty="0" smtClean="0">
               <a:solidFill>
                 <a:schemeClr val="accent5">
                   <a:lumMod val="75000"/>
@@ -41247,7 +40696,7 @@
           </a:p>
           <a:p>
             <a:r>
-              <a:rPr lang="en-US" altLang="zh-TW" sz="1500" dirty="0" smtClean="0">
+              <a:rPr lang="en-US" altLang="zh-TW" sz="1600" dirty="0" smtClean="0">
                 <a:solidFill>
                   <a:srgbClr val="0070C0"/>
                 </a:solidFill>
@@ -41255,7 +40704,7 @@
               <a:t>print(</a:t>
             </a:r>
             <a:r>
-              <a:rPr lang="en-US" altLang="zh-TW" sz="1500" dirty="0" err="1" smtClean="0">
+              <a:rPr lang="en-US" altLang="zh-TW" sz="1600" dirty="0" err="1" smtClean="0">
                 <a:solidFill>
                   <a:srgbClr val="0070C0"/>
                 </a:solidFill>
@@ -41263,7 +40712,7 @@
               <a:t>X.update</a:t>
             </a:r>
             <a:r>
-              <a:rPr lang="en-US" altLang="zh-TW" sz="1500" dirty="0" smtClean="0">
+              <a:rPr lang="en-US" altLang="zh-TW" sz="1600" dirty="0" smtClean="0">
                 <a:solidFill>
                   <a:srgbClr val="0070C0"/>
                 </a:solidFill>
@@ -41271,15 +40720,15 @@
               <a:t>())</a:t>
             </a:r>
             <a:r>
-              <a:rPr lang="zh-TW" altLang="en-US" sz="1500" dirty="0" smtClean="0">
+              <a:rPr lang="zh-TW" altLang="en-US" sz="1600" dirty="0" smtClean="0">
                 <a:solidFill>
                   <a:srgbClr val="0070C0"/>
                 </a:solidFill>
               </a:rPr>
-              <a:t>               </a:t>
-            </a:r>
-            <a:r>
-              <a:rPr lang="en-US" altLang="zh-TW" sz="1500" b="1" i="1" dirty="0" smtClean="0">
+              <a:t>              </a:t>
+            </a:r>
+            <a:r>
+              <a:rPr lang="en-US" altLang="zh-TW" sz="1600" b="1" i="1" dirty="0" smtClean="0">
                 <a:solidFill>
                   <a:schemeClr val="accent5">
                     <a:lumMod val="75000"/>
@@ -41289,7 +40738,7 @@
               <a:t>#</a:t>
             </a:r>
             <a:r>
-              <a:rPr lang="zh-TW" altLang="en-US" sz="1500" b="1" i="1" dirty="0" smtClean="0">
+              <a:rPr lang="zh-TW" altLang="en-US" sz="1600" b="1" i="1" dirty="0" smtClean="0">
                 <a:solidFill>
                   <a:srgbClr val="FF0000"/>
                 </a:solidFill>
@@ -41297,7 +40746,7 @@
               <a:t>依然</a:t>
             </a:r>
             <a:r>
-              <a:rPr lang="zh-TW" altLang="en-US" sz="1500" b="1" i="1" dirty="0">
+              <a:rPr lang="zh-TW" altLang="en-US" sz="1600" b="1" i="1" dirty="0">
                 <a:solidFill>
                   <a:srgbClr val="FF0000"/>
                 </a:solidFill>
@@ -41305,7 +40754,7 @@
               <a:t>可使用自己類別的 </a:t>
             </a:r>
             <a:r>
-              <a:rPr lang="en-US" altLang="zh-TW" sz="1500" b="1" i="1" dirty="0">
+              <a:rPr lang="en-US" altLang="zh-TW" sz="1600" b="1" i="1" dirty="0">
                 <a:solidFill>
                   <a:srgbClr val="FF0000"/>
                 </a:solidFill>
@@ -41317,7 +40766,7 @@
       </p:sp>
       <p:pic>
         <p:nvPicPr>
-          <p:cNvPr id="2" name="圖片 1"/>
+          <p:cNvPr id="3" name="圖片 2"/>
           <p:cNvPicPr>
             <a:picLocks noChangeAspect="1"/>
           </p:cNvPicPr>
@@ -41331,8 +40780,8 @@
         </p:blipFill>
         <p:spPr>
           <a:xfrm>
-            <a:off x="6322693" y="2202316"/>
-            <a:ext cx="5081743" cy="1585913"/>
+            <a:off x="6349041" y="1939331"/>
+            <a:ext cx="5339773" cy="1636382"/>
           </a:xfrm>
           <a:prstGeom prst="rect">
             <a:avLst/>
@@ -41345,7 +40794,7 @@
     </p:spTree>
     <p:extLst>
       <p:ext uri="{BB962C8B-B14F-4D97-AF65-F5344CB8AC3E}">
-        <p14:creationId xmlns:p14="http://schemas.microsoft.com/office/powerpoint/2010/main" val="3076500680"/>
+        <p14:creationId xmlns:p14="http://schemas.microsoft.com/office/powerpoint/2010/main" val="3562694514"/>
       </p:ext>
     </p:extLst>
   </p:cSld>
@@ -41492,6 +40941,1499 @@
             </a:r>
             <a:r>
               <a:rPr lang="en-US" altLang="zh-TW" sz="4000" dirty="0" smtClean="0"/>
+              <a:t>(</a:t>
+            </a:r>
+            <a:r>
+              <a:rPr lang="zh-TW" altLang="en-US" sz="4000" dirty="0" smtClean="0"/>
+              <a:t>多重繼承</a:t>
+            </a:r>
+            <a:r>
+              <a:rPr lang="en-US" altLang="zh-TW" sz="4000" dirty="0" smtClean="0"/>
+              <a:t>)</a:t>
+            </a:r>
+            <a:endParaRPr lang="en-US" altLang="zh-TW" sz="4000" dirty="0">
+              <a:solidFill>
+                <a:schemeClr val="tx1"/>
+              </a:solidFill>
+            </a:endParaRPr>
+          </a:p>
+        </p:txBody>
+      </p:sp>
+      <p:sp>
+        <p:nvSpPr>
+          <p:cNvPr id="8" name="文字方塊 7"/>
+          <p:cNvSpPr txBox="1"/>
+          <p:nvPr/>
+        </p:nvSpPr>
+        <p:spPr>
+          <a:xfrm>
+            <a:off x="379136" y="796505"/>
+            <a:ext cx="6113104" cy="6093976"/>
+          </a:xfrm>
+          <a:prstGeom prst="rect">
+            <a:avLst/>
+          </a:prstGeom>
+          <a:solidFill>
+            <a:schemeClr val="bg1">
+              <a:lumMod val="85000"/>
+            </a:schemeClr>
+          </a:solidFill>
+          <a:effectLst>
+            <a:softEdge rad="76200"/>
+          </a:effectLst>
+        </p:spPr>
+        <p:txBody>
+          <a:bodyPr wrap="square" rtlCol="0">
+            <a:spAutoFit/>
+          </a:bodyPr>
+          <a:lstStyle/>
+          <a:p>
+            <a:r>
+              <a:rPr lang="en-US" altLang="zh-TW" sz="1500" dirty="0">
+                <a:solidFill>
+                  <a:schemeClr val="accent5">
+                    <a:lumMod val="75000"/>
+                  </a:schemeClr>
+                </a:solidFill>
+              </a:rPr>
+              <a:t># Animal Class </a:t>
+            </a:r>
+            <a:endParaRPr lang="en-US" altLang="zh-TW" sz="1500" dirty="0" smtClean="0">
+              <a:solidFill>
+                <a:schemeClr val="accent5">
+                  <a:lumMod val="75000"/>
+                </a:schemeClr>
+              </a:solidFill>
+            </a:endParaRPr>
+          </a:p>
+          <a:p>
+            <a:endParaRPr lang="en-US" altLang="zh-TW" sz="1500" dirty="0"/>
+          </a:p>
+          <a:p>
+            <a:r>
+              <a:rPr lang="en-US" altLang="zh-TW" sz="1500" dirty="0" smtClean="0"/>
+              <a:t>class </a:t>
+            </a:r>
+            <a:r>
+              <a:rPr lang="en-US" altLang="zh-TW" sz="1500" dirty="0" err="1"/>
+              <a:t>baseAnimal</a:t>
+            </a:r>
+            <a:r>
+              <a:rPr lang="en-US" altLang="zh-TW" sz="1500" dirty="0"/>
+              <a:t>:</a:t>
+            </a:r>
+          </a:p>
+          <a:p>
+            <a:r>
+              <a:rPr lang="en-US" altLang="zh-TW" sz="1500" dirty="0"/>
+              <a:t>    </a:t>
+            </a:r>
+            <a:r>
+              <a:rPr lang="en-US" altLang="zh-TW" sz="1500" dirty="0" err="1"/>
+              <a:t>def</a:t>
+            </a:r>
+            <a:r>
+              <a:rPr lang="en-US" altLang="zh-TW" sz="1500" dirty="0"/>
+              <a:t> __</a:t>
+            </a:r>
+            <a:r>
+              <a:rPr lang="en-US" altLang="zh-TW" sz="1500" dirty="0" err="1"/>
+              <a:t>init</a:t>
+            </a:r>
+            <a:r>
+              <a:rPr lang="en-US" altLang="zh-TW" sz="1500" dirty="0"/>
+              <a:t>__(self, name):</a:t>
+            </a:r>
+          </a:p>
+          <a:p>
+            <a:r>
+              <a:rPr lang="en-US" altLang="zh-TW" sz="1500" dirty="0"/>
+              <a:t>        </a:t>
+            </a:r>
+            <a:r>
+              <a:rPr lang="en-US" altLang="zh-TW" sz="1500" dirty="0" err="1"/>
+              <a:t>self.__name</a:t>
+            </a:r>
+            <a:r>
+              <a:rPr lang="en-US" altLang="zh-TW" sz="1500" dirty="0"/>
+              <a:t> = name</a:t>
+            </a:r>
+          </a:p>
+          <a:p>
+            <a:r>
+              <a:rPr lang="en-US" altLang="zh-TW" sz="1500" dirty="0"/>
+              <a:t>    </a:t>
+            </a:r>
+            <a:r>
+              <a:rPr lang="en-US" altLang="zh-TW" sz="1500" dirty="0" err="1"/>
+              <a:t>def</a:t>
+            </a:r>
+            <a:r>
+              <a:rPr lang="en-US" altLang="zh-TW" sz="1500" dirty="0"/>
+              <a:t> </a:t>
+            </a:r>
+            <a:r>
+              <a:rPr lang="en-US" altLang="zh-TW" sz="1500" dirty="0" err="1"/>
+              <a:t>getAnimalName</a:t>
+            </a:r>
+            <a:r>
+              <a:rPr lang="en-US" altLang="zh-TW" sz="1500" dirty="0"/>
+              <a:t>(self):</a:t>
+            </a:r>
+          </a:p>
+          <a:p>
+            <a:r>
+              <a:rPr lang="en-US" altLang="zh-TW" sz="1500" dirty="0"/>
+              <a:t>        return </a:t>
+            </a:r>
+            <a:r>
+              <a:rPr lang="en-US" altLang="zh-TW" sz="1500" dirty="0" err="1"/>
+              <a:t>self.__name</a:t>
+            </a:r>
+            <a:endParaRPr lang="en-US" altLang="zh-TW" sz="1500" dirty="0"/>
+          </a:p>
+          <a:p>
+            <a:r>
+              <a:rPr lang="en-US" altLang="zh-TW" sz="1500" dirty="0"/>
+              <a:t>    </a:t>
+            </a:r>
+          </a:p>
+          <a:p>
+            <a:r>
+              <a:rPr lang="en-US" altLang="zh-TW" sz="1500" dirty="0"/>
+              <a:t>class baseAnimal2:</a:t>
+            </a:r>
+          </a:p>
+          <a:p>
+            <a:r>
+              <a:rPr lang="en-US" altLang="zh-TW" sz="1500" dirty="0"/>
+              <a:t>    </a:t>
+            </a:r>
+            <a:r>
+              <a:rPr lang="en-US" altLang="zh-TW" sz="1500" dirty="0" err="1"/>
+              <a:t>def</a:t>
+            </a:r>
+            <a:r>
+              <a:rPr lang="en-US" altLang="zh-TW" sz="1500" dirty="0"/>
+              <a:t> __</a:t>
+            </a:r>
+            <a:r>
+              <a:rPr lang="en-US" altLang="zh-TW" sz="1500" dirty="0" err="1"/>
+              <a:t>init</a:t>
+            </a:r>
+            <a:r>
+              <a:rPr lang="en-US" altLang="zh-TW" sz="1500" dirty="0"/>
+              <a:t>__(self, species):</a:t>
+            </a:r>
+          </a:p>
+          <a:p>
+            <a:r>
+              <a:rPr lang="en-US" altLang="zh-TW" sz="1500" dirty="0"/>
+              <a:t>        </a:t>
+            </a:r>
+            <a:r>
+              <a:rPr lang="en-US" altLang="zh-TW" sz="1500" dirty="0" err="1"/>
+              <a:t>self.__species</a:t>
+            </a:r>
+            <a:r>
+              <a:rPr lang="en-US" altLang="zh-TW" sz="1500" dirty="0"/>
+              <a:t> = species    </a:t>
+            </a:r>
+          </a:p>
+          <a:p>
+            <a:r>
+              <a:rPr lang="en-US" altLang="zh-TW" sz="1500" dirty="0"/>
+              <a:t>    </a:t>
+            </a:r>
+            <a:r>
+              <a:rPr lang="en-US" altLang="zh-TW" sz="1500" dirty="0" err="1"/>
+              <a:t>def</a:t>
+            </a:r>
+            <a:r>
+              <a:rPr lang="en-US" altLang="zh-TW" sz="1500" dirty="0"/>
+              <a:t> </a:t>
+            </a:r>
+            <a:r>
+              <a:rPr lang="en-US" altLang="zh-TW" sz="1500" dirty="0" err="1"/>
+              <a:t>getAnimalSpecies</a:t>
+            </a:r>
+            <a:r>
+              <a:rPr lang="en-US" altLang="zh-TW" sz="1500" dirty="0"/>
+              <a:t>(self):</a:t>
+            </a:r>
+          </a:p>
+          <a:p>
+            <a:r>
+              <a:rPr lang="en-US" altLang="zh-TW" sz="1500" dirty="0"/>
+              <a:t>        return </a:t>
+            </a:r>
+            <a:r>
+              <a:rPr lang="en-US" altLang="zh-TW" sz="1500" dirty="0" err="1"/>
+              <a:t>self.__species</a:t>
+            </a:r>
+            <a:endParaRPr lang="en-US" altLang="zh-TW" sz="1500" dirty="0"/>
+          </a:p>
+          <a:p>
+            <a:r>
+              <a:rPr lang="en-US" altLang="zh-TW" sz="1500" dirty="0"/>
+              <a:t/>
+            </a:r>
+            <a:br>
+              <a:rPr lang="en-US" altLang="zh-TW" sz="1500" dirty="0"/>
+            </a:br>
+            <a:r>
+              <a:rPr lang="en-US" altLang="zh-TW" sz="1500" dirty="0">
+                <a:solidFill>
+                  <a:srgbClr val="0070C0"/>
+                </a:solidFill>
+              </a:rPr>
+              <a:t>class cat(</a:t>
+            </a:r>
+            <a:r>
+              <a:rPr lang="en-US" altLang="zh-TW" sz="1500" dirty="0" err="1">
+                <a:solidFill>
+                  <a:srgbClr val="0070C0"/>
+                </a:solidFill>
+              </a:rPr>
+              <a:t>baseAnimal</a:t>
+            </a:r>
+            <a:r>
+              <a:rPr lang="en-US" altLang="zh-TW" sz="1500" dirty="0">
+                <a:solidFill>
+                  <a:srgbClr val="0070C0"/>
+                </a:solidFill>
+              </a:rPr>
+              <a:t>, baseAnimal2):</a:t>
+            </a:r>
+          </a:p>
+          <a:p>
+            <a:r>
+              <a:rPr lang="en-US" altLang="zh-TW" sz="1500" dirty="0"/>
+              <a:t>    </a:t>
+            </a:r>
+            <a:r>
+              <a:rPr lang="en-US" altLang="zh-TW" sz="1500" dirty="0" err="1"/>
+              <a:t>def</a:t>
+            </a:r>
+            <a:r>
+              <a:rPr lang="en-US" altLang="zh-TW" sz="1500" dirty="0"/>
+              <a:t> __</a:t>
+            </a:r>
+            <a:r>
+              <a:rPr lang="en-US" altLang="zh-TW" sz="1500" dirty="0" err="1"/>
+              <a:t>init</a:t>
+            </a:r>
+            <a:r>
+              <a:rPr lang="en-US" altLang="zh-TW" sz="1500" dirty="0"/>
+              <a:t>__(self, name, specie):</a:t>
+            </a:r>
+          </a:p>
+          <a:p>
+            <a:r>
+              <a:rPr lang="en-US" altLang="zh-TW" sz="1500" dirty="0"/>
+              <a:t>        </a:t>
+            </a:r>
+            <a:r>
+              <a:rPr lang="en-US" altLang="zh-TW" sz="1500" dirty="0" err="1"/>
+              <a:t>baseAnimal</a:t>
+            </a:r>
+            <a:r>
+              <a:rPr lang="en-US" altLang="zh-TW" sz="1500" dirty="0"/>
+              <a:t>.__</a:t>
+            </a:r>
+            <a:r>
+              <a:rPr lang="en-US" altLang="zh-TW" sz="1500" dirty="0" err="1"/>
+              <a:t>init</a:t>
+            </a:r>
+            <a:r>
+              <a:rPr lang="en-US" altLang="zh-TW" sz="1500" dirty="0"/>
+              <a:t>__(</a:t>
+            </a:r>
+            <a:r>
+              <a:rPr lang="en-US" altLang="zh-TW" sz="1500" dirty="0" err="1"/>
+              <a:t>self,name</a:t>
+            </a:r>
+            <a:r>
+              <a:rPr lang="en-US" altLang="zh-TW" sz="1500" dirty="0"/>
+              <a:t>)</a:t>
+            </a:r>
+          </a:p>
+          <a:p>
+            <a:r>
+              <a:rPr lang="en-US" altLang="zh-TW" sz="1500" dirty="0"/>
+              <a:t>        baseAnimal2.__init__(</a:t>
+            </a:r>
+            <a:r>
+              <a:rPr lang="en-US" altLang="zh-TW" sz="1500" dirty="0" err="1"/>
+              <a:t>self,specie</a:t>
+            </a:r>
+            <a:r>
+              <a:rPr lang="en-US" altLang="zh-TW" sz="1500" dirty="0"/>
+              <a:t>) </a:t>
+            </a:r>
+          </a:p>
+          <a:p>
+            <a:r>
+              <a:rPr lang="en-US" altLang="zh-TW" sz="1500" dirty="0"/>
+              <a:t>    </a:t>
+            </a:r>
+            <a:r>
+              <a:rPr lang="en-US" altLang="zh-TW" sz="1500" dirty="0" err="1"/>
+              <a:t>def</a:t>
+            </a:r>
+            <a:r>
+              <a:rPr lang="en-US" altLang="zh-TW" sz="1500" dirty="0"/>
+              <a:t> update(self):</a:t>
+            </a:r>
+          </a:p>
+          <a:p>
+            <a:r>
+              <a:rPr lang="en-US" altLang="zh-TW" sz="1500" dirty="0"/>
+              <a:t>        return "</a:t>
+            </a:r>
+            <a:r>
+              <a:rPr lang="zh-TW" altLang="en-US" sz="1500" dirty="0"/>
+              <a:t>喵喵叫</a:t>
+            </a:r>
+            <a:r>
+              <a:rPr lang="en-US" altLang="zh-TW" sz="1500" dirty="0"/>
+              <a:t>"</a:t>
+            </a:r>
+            <a:endParaRPr lang="zh-TW" altLang="en-US" sz="1500" dirty="0"/>
+          </a:p>
+          <a:p>
+            <a:endParaRPr lang="en-US" altLang="zh-TW" sz="1500" dirty="0"/>
+          </a:p>
+          <a:p>
+            <a:r>
+              <a:rPr lang="en-US" altLang="zh-TW" sz="1500" dirty="0"/>
+              <a:t>X = cat("</a:t>
+            </a:r>
+            <a:r>
+              <a:rPr lang="en-US" altLang="zh-TW" sz="1500" dirty="0" err="1"/>
+              <a:t>LaLa</a:t>
+            </a:r>
+            <a:r>
+              <a:rPr lang="en-US" altLang="zh-TW" sz="1500" dirty="0"/>
+              <a:t>","Cat")</a:t>
+            </a:r>
+          </a:p>
+          <a:p>
+            <a:r>
+              <a:rPr lang="en-US" altLang="zh-TW" sz="1500" dirty="0">
+                <a:solidFill>
+                  <a:srgbClr val="0070C0"/>
+                </a:solidFill>
+              </a:rPr>
+              <a:t>print(</a:t>
+            </a:r>
+            <a:r>
+              <a:rPr lang="en-US" altLang="zh-TW" sz="1500" dirty="0" err="1">
+                <a:solidFill>
+                  <a:srgbClr val="0070C0"/>
+                </a:solidFill>
+              </a:rPr>
+              <a:t>X.getAnimalName</a:t>
+            </a:r>
+            <a:r>
+              <a:rPr lang="en-US" altLang="zh-TW" sz="1500" dirty="0">
+                <a:solidFill>
+                  <a:srgbClr val="0070C0"/>
+                </a:solidFill>
+              </a:rPr>
+              <a:t>()) </a:t>
+            </a:r>
+            <a:r>
+              <a:rPr lang="zh-TW" altLang="en-US" sz="1500" dirty="0" smtClean="0">
+                <a:solidFill>
+                  <a:srgbClr val="0070C0"/>
+                </a:solidFill>
+              </a:rPr>
+              <a:t>   </a:t>
+            </a:r>
+            <a:r>
+              <a:rPr lang="en-US" altLang="zh-TW" sz="1500" b="1" i="1" dirty="0" smtClean="0">
+                <a:solidFill>
+                  <a:schemeClr val="accent5">
+                    <a:lumMod val="75000"/>
+                  </a:schemeClr>
+                </a:solidFill>
+              </a:rPr>
+              <a:t>#</a:t>
+            </a:r>
+            <a:r>
+              <a:rPr lang="zh-TW" altLang="en-US" sz="1500" b="1" i="1" dirty="0" smtClean="0">
+                <a:solidFill>
+                  <a:srgbClr val="FF0000"/>
+                </a:solidFill>
+              </a:rPr>
+              <a:t>透過多重繼承取得兩個父類別 </a:t>
+            </a:r>
+            <a:r>
+              <a:rPr lang="en-US" altLang="zh-TW" sz="1500" b="1" i="1" dirty="0" smtClean="0">
+                <a:solidFill>
+                  <a:srgbClr val="FF0000"/>
+                </a:solidFill>
+              </a:rPr>
+              <a:t>Method</a:t>
+            </a:r>
+          </a:p>
+          <a:p>
+            <a:r>
+              <a:rPr lang="en-US" altLang="zh-TW" sz="1500" dirty="0" smtClean="0">
+                <a:solidFill>
+                  <a:srgbClr val="0070C0"/>
+                </a:solidFill>
+              </a:rPr>
+              <a:t>print(</a:t>
+            </a:r>
+            <a:r>
+              <a:rPr lang="en-US" altLang="zh-TW" sz="1500" dirty="0" err="1" smtClean="0">
+                <a:solidFill>
+                  <a:srgbClr val="0070C0"/>
+                </a:solidFill>
+              </a:rPr>
+              <a:t>X.getAnimalSpecies</a:t>
+            </a:r>
+            <a:r>
+              <a:rPr lang="en-US" altLang="zh-TW" sz="1500" dirty="0" smtClean="0">
+                <a:solidFill>
+                  <a:srgbClr val="0070C0"/>
+                </a:solidFill>
+              </a:rPr>
+              <a:t>())</a:t>
+            </a:r>
+            <a:r>
+              <a:rPr lang="en-US" altLang="zh-TW" sz="1500" dirty="0">
+                <a:solidFill>
+                  <a:schemeClr val="accent5">
+                    <a:lumMod val="75000"/>
+                  </a:schemeClr>
+                </a:solidFill>
+              </a:rPr>
+              <a:t> </a:t>
+            </a:r>
+            <a:endParaRPr lang="en-US" altLang="zh-TW" sz="1500" dirty="0" smtClean="0">
+              <a:solidFill>
+                <a:schemeClr val="accent5">
+                  <a:lumMod val="75000"/>
+                </a:schemeClr>
+              </a:solidFill>
+            </a:endParaRPr>
+          </a:p>
+          <a:p>
+            <a:r>
+              <a:rPr lang="en-US" altLang="zh-TW" sz="1500" dirty="0" smtClean="0">
+                <a:solidFill>
+                  <a:srgbClr val="0070C0"/>
+                </a:solidFill>
+              </a:rPr>
+              <a:t>print(</a:t>
+            </a:r>
+            <a:r>
+              <a:rPr lang="en-US" altLang="zh-TW" sz="1500" dirty="0" err="1" smtClean="0">
+                <a:solidFill>
+                  <a:srgbClr val="0070C0"/>
+                </a:solidFill>
+              </a:rPr>
+              <a:t>X.update</a:t>
+            </a:r>
+            <a:r>
+              <a:rPr lang="en-US" altLang="zh-TW" sz="1500" dirty="0" smtClean="0">
+                <a:solidFill>
+                  <a:srgbClr val="0070C0"/>
+                </a:solidFill>
+              </a:rPr>
+              <a:t>())</a:t>
+            </a:r>
+            <a:r>
+              <a:rPr lang="zh-TW" altLang="en-US" sz="1500" dirty="0" smtClean="0">
+                <a:solidFill>
+                  <a:srgbClr val="0070C0"/>
+                </a:solidFill>
+              </a:rPr>
+              <a:t>             </a:t>
+            </a:r>
+            <a:r>
+              <a:rPr lang="en-US" altLang="zh-TW" sz="1500" b="1" i="1" dirty="0" smtClean="0">
+                <a:solidFill>
+                  <a:schemeClr val="accent5">
+                    <a:lumMod val="75000"/>
+                  </a:schemeClr>
+                </a:solidFill>
+              </a:rPr>
+              <a:t>#</a:t>
+            </a:r>
+            <a:r>
+              <a:rPr lang="zh-TW" altLang="en-US" sz="1500" b="1" i="1" dirty="0">
+                <a:solidFill>
+                  <a:srgbClr val="FF0000"/>
+                </a:solidFill>
+              </a:rPr>
+              <a:t>多重繼承後</a:t>
+            </a:r>
+            <a:r>
+              <a:rPr lang="zh-TW" altLang="en-US" sz="1500" b="1" i="1" dirty="0" smtClean="0">
+                <a:solidFill>
+                  <a:srgbClr val="FF0000"/>
+                </a:solidFill>
+              </a:rPr>
+              <a:t>依然</a:t>
+            </a:r>
+            <a:r>
+              <a:rPr lang="zh-TW" altLang="en-US" sz="1500" b="1" i="1" dirty="0">
+                <a:solidFill>
+                  <a:srgbClr val="FF0000"/>
+                </a:solidFill>
+              </a:rPr>
+              <a:t>可使用自己類別的 </a:t>
+            </a:r>
+            <a:r>
+              <a:rPr lang="en-US" altLang="zh-TW" sz="1500" b="1" i="1" dirty="0">
+                <a:solidFill>
+                  <a:srgbClr val="FF0000"/>
+                </a:solidFill>
+              </a:rPr>
+              <a:t>Method</a:t>
+            </a:r>
+          </a:p>
+        </p:txBody>
+      </p:sp>
+      <p:pic>
+        <p:nvPicPr>
+          <p:cNvPr id="3" name="圖片 2"/>
+          <p:cNvPicPr>
+            <a:picLocks noChangeAspect="1"/>
+          </p:cNvPicPr>
+          <p:nvPr/>
+        </p:nvPicPr>
+        <p:blipFill>
+          <a:blip r:embed="rId2"/>
+          <a:stretch>
+            <a:fillRect/>
+          </a:stretch>
+        </p:blipFill>
+        <p:spPr>
+          <a:xfrm>
+            <a:off x="6636424" y="2840667"/>
+            <a:ext cx="5339773" cy="1636382"/>
+          </a:xfrm>
+          <a:prstGeom prst="rect">
+            <a:avLst/>
+          </a:prstGeom>
+          <a:effectLst>
+            <a:softEdge rad="31750"/>
+          </a:effectLst>
+        </p:spPr>
+      </p:pic>
+    </p:spTree>
+    <p:extLst>
+      <p:ext uri="{BB962C8B-B14F-4D97-AF65-F5344CB8AC3E}">
+        <p14:creationId xmlns:p14="http://schemas.microsoft.com/office/powerpoint/2010/main" val="1486754515"/>
+      </p:ext>
+    </p:extLst>
+  </p:cSld>
+  <p:clrMapOvr>
+    <a:masterClrMapping/>
+  </p:clrMapOvr>
+  <mc:AlternateContent xmlns:mc="http://schemas.openxmlformats.org/markup-compatibility/2006" xmlns:p14="http://schemas.microsoft.com/office/powerpoint/2010/main">
+    <mc:Choice Requires="p14">
+      <p:transition spd="slow" p14:dur="2000"/>
+    </mc:Choice>
+    <mc:Fallback xmlns="">
+      <p:transition spd="slow"/>
+    </mc:Fallback>
+  </mc:AlternateContent>
+  <p:timing>
+    <p:tnLst>
+      <p:par>
+        <p:cTn id="1" dur="indefinite" restart="never" nodeType="tmRoot"/>
+      </p:par>
+    </p:tnLst>
+  </p:timing>
+</p:sld>
+</file>
+
+<file path=ppt/slides/slide94.xml><?xml version="1.0" encoding="utf-8"?>
+<p:sld xmlns:a="http://schemas.openxmlformats.org/drawingml/2006/main" xmlns:r="http://schemas.openxmlformats.org/officeDocument/2006/relationships" xmlns:p="http://schemas.openxmlformats.org/presentationml/2006/main">
+  <p:cSld>
+    <p:spTree>
+      <p:nvGrpSpPr>
+        <p:cNvPr id="1" name=""/>
+        <p:cNvGrpSpPr/>
+        <p:nvPr/>
+      </p:nvGrpSpPr>
+      <p:grpSpPr>
+        <a:xfrm>
+          <a:off x="0" y="0"/>
+          <a:ext cx="0" cy="0"/>
+          <a:chOff x="0" y="0"/>
+          <a:chExt cx="0" cy="0"/>
+        </a:xfrm>
+      </p:grpSpPr>
+      <p:sp>
+        <p:nvSpPr>
+          <p:cNvPr id="5" name="標題 1"/>
+          <p:cNvSpPr txBox="1">
+            <a:spLocks/>
+          </p:cNvSpPr>
+          <p:nvPr/>
+        </p:nvSpPr>
+        <p:spPr>
+          <a:xfrm>
+            <a:off x="982724" y="0"/>
+            <a:ext cx="8596668" cy="796505"/>
+          </a:xfrm>
+          <a:prstGeom prst="rect">
+            <a:avLst/>
+          </a:prstGeom>
+        </p:spPr>
+        <p:txBody>
+          <a:bodyPr vert="horz" lIns="91440" tIns="45720" rIns="91440" bIns="45720" rtlCol="0" anchor="b">
+            <a:noAutofit/>
+          </a:bodyPr>
+          <a:lstStyle>
+            <a:lvl1pPr algn="r" defTabSz="457200" rtl="0" eaLnBrk="1" latinLnBrk="0" hangingPunct="1">
+              <a:spcBef>
+                <a:spcPct val="0"/>
+              </a:spcBef>
+              <a:buNone/>
+              <a:defRPr sz="5400" kern="1200">
+                <a:solidFill>
+                  <a:schemeClr val="accent1"/>
+                </a:solidFill>
+                <a:latin typeface="+mj-lt"/>
+                <a:ea typeface="+mj-ea"/>
+                <a:cs typeface="+mj-cs"/>
+              </a:defRPr>
+            </a:lvl1pPr>
+            <a:lvl2pPr eaLnBrk="1" hangingPunct="1">
+              <a:defRPr>
+                <a:solidFill>
+                  <a:schemeClr val="tx2"/>
+                </a:solidFill>
+              </a:defRPr>
+            </a:lvl2pPr>
+            <a:lvl3pPr eaLnBrk="1" hangingPunct="1">
+              <a:defRPr>
+                <a:solidFill>
+                  <a:schemeClr val="tx2"/>
+                </a:solidFill>
+              </a:defRPr>
+            </a:lvl3pPr>
+            <a:lvl4pPr eaLnBrk="1" hangingPunct="1">
+              <a:defRPr>
+                <a:solidFill>
+                  <a:schemeClr val="tx2"/>
+                </a:solidFill>
+              </a:defRPr>
+            </a:lvl4pPr>
+            <a:lvl5pPr eaLnBrk="1" hangingPunct="1">
+              <a:defRPr>
+                <a:solidFill>
+                  <a:schemeClr val="tx2"/>
+                </a:solidFill>
+              </a:defRPr>
+            </a:lvl5pPr>
+            <a:lvl6pPr eaLnBrk="1" hangingPunct="1">
+              <a:defRPr>
+                <a:solidFill>
+                  <a:schemeClr val="tx2"/>
+                </a:solidFill>
+              </a:defRPr>
+            </a:lvl6pPr>
+            <a:lvl7pPr eaLnBrk="1" hangingPunct="1">
+              <a:defRPr>
+                <a:solidFill>
+                  <a:schemeClr val="tx2"/>
+                </a:solidFill>
+              </a:defRPr>
+            </a:lvl7pPr>
+            <a:lvl8pPr eaLnBrk="1" hangingPunct="1">
+              <a:defRPr>
+                <a:solidFill>
+                  <a:schemeClr val="tx2"/>
+                </a:solidFill>
+              </a:defRPr>
+            </a:lvl8pPr>
+            <a:lvl9pPr eaLnBrk="1" hangingPunct="1">
+              <a:defRPr>
+                <a:solidFill>
+                  <a:schemeClr val="tx2"/>
+                </a:solidFill>
+              </a:defRPr>
+            </a:lvl9pPr>
+          </a:lstStyle>
+          <a:p>
+            <a:pPr lvl="1" algn="ctr"/>
+            <a:r>
+              <a:rPr lang="en-US" altLang="zh-TW" sz="4000" dirty="0" smtClean="0"/>
+              <a:t>Inheritance</a:t>
+            </a:r>
+            <a:r>
+              <a:rPr lang="zh-TW" altLang="en-US" sz="4000" dirty="0" smtClean="0"/>
+              <a:t> </a:t>
+            </a:r>
+            <a:r>
+              <a:rPr lang="en-US" altLang="zh-TW" sz="4000" dirty="0" smtClean="0"/>
+              <a:t>(</a:t>
+            </a:r>
+            <a:r>
+              <a:rPr lang="zh-TW" altLang="en-US" sz="4000" dirty="0" smtClean="0"/>
+              <a:t>覆寫</a:t>
+            </a:r>
+            <a:r>
+              <a:rPr lang="en-US" altLang="zh-TW" sz="4000" dirty="0" smtClean="0"/>
+              <a:t>)</a:t>
+            </a:r>
+            <a:endParaRPr lang="en-US" altLang="zh-TW" sz="4000" dirty="0">
+              <a:solidFill>
+                <a:schemeClr val="tx1"/>
+              </a:solidFill>
+            </a:endParaRPr>
+          </a:p>
+        </p:txBody>
+      </p:sp>
+      <p:sp>
+        <p:nvSpPr>
+          <p:cNvPr id="8" name="文字方塊 7"/>
+          <p:cNvSpPr txBox="1"/>
+          <p:nvPr/>
+        </p:nvSpPr>
+        <p:spPr>
+          <a:xfrm>
+            <a:off x="535890" y="741241"/>
+            <a:ext cx="5786803" cy="6093976"/>
+          </a:xfrm>
+          <a:prstGeom prst="rect">
+            <a:avLst/>
+          </a:prstGeom>
+          <a:solidFill>
+            <a:schemeClr val="bg1">
+              <a:lumMod val="85000"/>
+            </a:schemeClr>
+          </a:solidFill>
+          <a:effectLst>
+            <a:softEdge rad="76200"/>
+          </a:effectLst>
+        </p:spPr>
+        <p:txBody>
+          <a:bodyPr wrap="square" rtlCol="0">
+            <a:spAutoFit/>
+          </a:bodyPr>
+          <a:lstStyle/>
+          <a:p>
+            <a:r>
+              <a:rPr lang="en-US" altLang="zh-TW" sz="1500" dirty="0" smtClean="0">
+                <a:solidFill>
+                  <a:schemeClr val="accent5">
+                    <a:lumMod val="75000"/>
+                  </a:schemeClr>
+                </a:solidFill>
+              </a:rPr>
+              <a:t># Animal Class </a:t>
+            </a:r>
+          </a:p>
+          <a:p>
+            <a:endParaRPr lang="en-US" altLang="zh-TW" sz="1500" dirty="0" smtClean="0"/>
+          </a:p>
+          <a:p>
+            <a:r>
+              <a:rPr lang="en-US" altLang="zh-TW" sz="1500" dirty="0" smtClean="0"/>
+              <a:t>class </a:t>
+            </a:r>
+            <a:r>
+              <a:rPr lang="en-US" altLang="zh-TW" sz="1500" dirty="0" err="1" smtClean="0"/>
+              <a:t>baseAnimal</a:t>
+            </a:r>
+            <a:r>
+              <a:rPr lang="en-US" altLang="zh-TW" sz="1500" dirty="0" smtClean="0"/>
+              <a:t>:</a:t>
+            </a:r>
+          </a:p>
+          <a:p>
+            <a:r>
+              <a:rPr lang="en-US" altLang="zh-TW" sz="1500" dirty="0" smtClean="0"/>
+              <a:t>    </a:t>
+            </a:r>
+          </a:p>
+          <a:p>
+            <a:r>
+              <a:rPr lang="en-US" altLang="zh-TW" sz="1500" dirty="0" smtClean="0"/>
+              <a:t>    </a:t>
+            </a:r>
+            <a:r>
+              <a:rPr lang="en-US" altLang="zh-TW" sz="1500" dirty="0" err="1" smtClean="0"/>
+              <a:t>def</a:t>
+            </a:r>
+            <a:r>
+              <a:rPr lang="en-US" altLang="zh-TW" sz="1500" dirty="0" smtClean="0"/>
+              <a:t> __</a:t>
+            </a:r>
+            <a:r>
+              <a:rPr lang="en-US" altLang="zh-TW" sz="1500" dirty="0" err="1" smtClean="0"/>
+              <a:t>init</a:t>
+            </a:r>
+            <a:r>
+              <a:rPr lang="en-US" altLang="zh-TW" sz="1500" dirty="0" smtClean="0"/>
+              <a:t>__(self, name, species):</a:t>
+            </a:r>
+          </a:p>
+          <a:p>
+            <a:r>
+              <a:rPr lang="en-US" altLang="zh-TW" sz="1500" dirty="0" smtClean="0"/>
+              <a:t>        </a:t>
+            </a:r>
+            <a:r>
+              <a:rPr lang="en-US" altLang="zh-TW" sz="1500" dirty="0" err="1" smtClean="0"/>
+              <a:t>self.__name</a:t>
+            </a:r>
+            <a:r>
+              <a:rPr lang="en-US" altLang="zh-TW" sz="1500" dirty="0" smtClean="0"/>
+              <a:t> = name</a:t>
+            </a:r>
+          </a:p>
+          <a:p>
+            <a:r>
+              <a:rPr lang="en-US" altLang="zh-TW" sz="1500" dirty="0" smtClean="0"/>
+              <a:t>        </a:t>
+            </a:r>
+            <a:r>
+              <a:rPr lang="en-US" altLang="zh-TW" sz="1500" dirty="0" err="1" smtClean="0"/>
+              <a:t>self.__species</a:t>
+            </a:r>
+            <a:r>
+              <a:rPr lang="en-US" altLang="zh-TW" sz="1500" dirty="0" smtClean="0"/>
+              <a:t> = species</a:t>
+            </a:r>
+          </a:p>
+          <a:p>
+            <a:r>
+              <a:rPr lang="en-US" altLang="zh-TW" sz="1500" dirty="0" smtClean="0"/>
+              <a:t>     </a:t>
+            </a:r>
+          </a:p>
+          <a:p>
+            <a:r>
+              <a:rPr lang="en-US" altLang="zh-TW" sz="1500" dirty="0" smtClean="0"/>
+              <a:t>    </a:t>
+            </a:r>
+            <a:r>
+              <a:rPr lang="en-US" altLang="zh-TW" sz="1500" dirty="0" err="1" smtClean="0"/>
+              <a:t>def</a:t>
+            </a:r>
+            <a:r>
+              <a:rPr lang="en-US" altLang="zh-TW" sz="1500" dirty="0" smtClean="0"/>
+              <a:t> </a:t>
+            </a:r>
+            <a:r>
+              <a:rPr lang="en-US" altLang="zh-TW" sz="1500" dirty="0" err="1" smtClean="0"/>
+              <a:t>getAnimalName</a:t>
+            </a:r>
+            <a:r>
+              <a:rPr lang="en-US" altLang="zh-TW" sz="1500" dirty="0" smtClean="0"/>
+              <a:t>(self):</a:t>
+            </a:r>
+          </a:p>
+          <a:p>
+            <a:r>
+              <a:rPr lang="en-US" altLang="zh-TW" sz="1500" dirty="0" smtClean="0"/>
+              <a:t>        return </a:t>
+            </a:r>
+            <a:r>
+              <a:rPr lang="en-US" altLang="zh-TW" sz="1500" dirty="0" err="1" smtClean="0"/>
+              <a:t>self.__name</a:t>
+            </a:r>
+            <a:endParaRPr lang="en-US" altLang="zh-TW" sz="1500" dirty="0" smtClean="0"/>
+          </a:p>
+          <a:p>
+            <a:r>
+              <a:rPr lang="en-US" altLang="zh-TW" sz="1500" dirty="0" smtClean="0"/>
+              <a:t>    </a:t>
+            </a:r>
+          </a:p>
+          <a:p>
+            <a:r>
+              <a:rPr lang="en-US" altLang="zh-TW" sz="1500" dirty="0" smtClean="0"/>
+              <a:t>    </a:t>
+            </a:r>
+            <a:r>
+              <a:rPr lang="en-US" altLang="zh-TW" sz="1500" dirty="0" err="1" smtClean="0"/>
+              <a:t>def</a:t>
+            </a:r>
+            <a:r>
+              <a:rPr lang="en-US" altLang="zh-TW" sz="1500" dirty="0" smtClean="0"/>
+              <a:t> </a:t>
+            </a:r>
+            <a:r>
+              <a:rPr lang="en-US" altLang="zh-TW" sz="1500" dirty="0" err="1" smtClean="0"/>
+              <a:t>getAnimalSpecies</a:t>
+            </a:r>
+            <a:r>
+              <a:rPr lang="en-US" altLang="zh-TW" sz="1500" dirty="0" smtClean="0"/>
+              <a:t>(self):</a:t>
+            </a:r>
+          </a:p>
+          <a:p>
+            <a:r>
+              <a:rPr lang="en-US" altLang="zh-TW" sz="1500" dirty="0" smtClean="0"/>
+              <a:t>        return </a:t>
+            </a:r>
+            <a:r>
+              <a:rPr lang="en-US" altLang="zh-TW" sz="1500" dirty="0" err="1" smtClean="0"/>
+              <a:t>self.__species</a:t>
+            </a:r>
+            <a:endParaRPr lang="en-US" altLang="zh-TW" sz="1500" dirty="0" smtClean="0"/>
+          </a:p>
+          <a:p>
+            <a:endParaRPr lang="en-US" altLang="zh-TW" sz="1500" dirty="0" smtClean="0"/>
+          </a:p>
+          <a:p>
+            <a:r>
+              <a:rPr lang="en-US" altLang="zh-TW" sz="1500" dirty="0"/>
+              <a:t>class cat(</a:t>
+            </a:r>
+            <a:r>
+              <a:rPr lang="en-US" altLang="zh-TW" sz="1500" dirty="0" err="1"/>
+              <a:t>baseAnimal</a:t>
+            </a:r>
+            <a:r>
+              <a:rPr lang="en-US" altLang="zh-TW" sz="1500" dirty="0"/>
+              <a:t>):</a:t>
+            </a:r>
+            <a:r>
+              <a:rPr lang="zh-TW" altLang="en-US" sz="1500" dirty="0"/>
+              <a:t> </a:t>
+            </a:r>
+            <a:endParaRPr lang="en-US" altLang="zh-TW" sz="1500" dirty="0"/>
+          </a:p>
+          <a:p>
+            <a:r>
+              <a:rPr lang="en-US" altLang="zh-TW" sz="1500" dirty="0"/>
+              <a:t>    </a:t>
+            </a:r>
+            <a:r>
+              <a:rPr lang="en-US" altLang="zh-TW" sz="1500" dirty="0" err="1"/>
+              <a:t>def</a:t>
+            </a:r>
+            <a:r>
+              <a:rPr lang="en-US" altLang="zh-TW" sz="1500" dirty="0"/>
+              <a:t> update(self):</a:t>
+            </a:r>
+          </a:p>
+          <a:p>
+            <a:r>
+              <a:rPr lang="en-US" altLang="zh-TW" sz="1500" dirty="0"/>
+              <a:t>        return "</a:t>
+            </a:r>
+            <a:r>
+              <a:rPr lang="zh-TW" altLang="en-US" sz="1500" dirty="0"/>
+              <a:t>喵喵</a:t>
+            </a:r>
+            <a:r>
+              <a:rPr lang="zh-TW" altLang="en-US" sz="1500" dirty="0" smtClean="0"/>
+              <a:t>叫</a:t>
+            </a:r>
+            <a:r>
+              <a:rPr lang="en-US" altLang="zh-TW" sz="1500" dirty="0"/>
+              <a:t>"</a:t>
+            </a:r>
+            <a:endParaRPr lang="en-US" altLang="zh-TW" sz="1500" dirty="0" smtClean="0"/>
+          </a:p>
+          <a:p>
+            <a:r>
+              <a:rPr lang="zh-TW" altLang="en-US" sz="1500" dirty="0" smtClean="0"/>
+              <a:t>    </a:t>
+            </a:r>
+            <a:endParaRPr lang="en-US" altLang="zh-TW" sz="1500" dirty="0" smtClean="0"/>
+          </a:p>
+          <a:p>
+            <a:r>
+              <a:rPr lang="zh-TW" altLang="en-US" sz="1500" dirty="0"/>
+              <a:t> </a:t>
+            </a:r>
+            <a:r>
+              <a:rPr lang="zh-TW" altLang="en-US" sz="1500" dirty="0" smtClean="0"/>
+              <a:t>   </a:t>
+            </a:r>
+            <a:r>
+              <a:rPr lang="en-US" altLang="zh-TW" sz="1500" dirty="0" err="1" smtClean="0">
+                <a:solidFill>
+                  <a:srgbClr val="0070C0"/>
+                </a:solidFill>
+              </a:rPr>
+              <a:t>def</a:t>
+            </a:r>
+            <a:r>
+              <a:rPr lang="en-US" altLang="zh-TW" sz="1500" dirty="0" smtClean="0">
+                <a:solidFill>
+                  <a:srgbClr val="0070C0"/>
+                </a:solidFill>
+              </a:rPr>
+              <a:t> </a:t>
+            </a:r>
+            <a:r>
+              <a:rPr lang="en-US" altLang="zh-TW" sz="1500" dirty="0" err="1" smtClean="0">
+                <a:solidFill>
+                  <a:srgbClr val="0070C0"/>
+                </a:solidFill>
+              </a:rPr>
+              <a:t>getAnimalSpecies</a:t>
+            </a:r>
+            <a:r>
+              <a:rPr lang="en-US" altLang="zh-TW" sz="1500" dirty="0" smtClean="0">
+                <a:solidFill>
+                  <a:srgbClr val="0070C0"/>
+                </a:solidFill>
+              </a:rPr>
+              <a:t>(self):</a:t>
+            </a:r>
+            <a:r>
+              <a:rPr lang="zh-TW" altLang="en-US" sz="1500" dirty="0" smtClean="0">
+                <a:solidFill>
+                  <a:srgbClr val="0070C0"/>
+                </a:solidFill>
+              </a:rPr>
+              <a:t> </a:t>
+            </a:r>
+            <a:r>
+              <a:rPr lang="en-US" altLang="zh-TW" sz="1500" b="1" i="1" dirty="0" smtClean="0">
+                <a:solidFill>
+                  <a:schemeClr val="accent5">
+                    <a:lumMod val="75000"/>
+                  </a:schemeClr>
+                </a:solidFill>
+              </a:rPr>
+              <a:t>#</a:t>
+            </a:r>
+            <a:r>
+              <a:rPr lang="zh-TW" altLang="en-US" sz="1500" b="1" i="1" dirty="0" smtClean="0">
+                <a:solidFill>
+                  <a:srgbClr val="FF0000"/>
+                </a:solidFill>
+              </a:rPr>
+              <a:t>以相同名稱的 </a:t>
+            </a:r>
+            <a:r>
+              <a:rPr lang="en-US" altLang="zh-TW" sz="1500" b="1" i="1" dirty="0">
+                <a:solidFill>
+                  <a:srgbClr val="FF0000"/>
+                </a:solidFill>
+              </a:rPr>
+              <a:t>M</a:t>
+            </a:r>
+            <a:r>
+              <a:rPr lang="en-US" altLang="zh-TW" sz="1500" b="1" i="1" dirty="0" smtClean="0">
+                <a:solidFill>
+                  <a:srgbClr val="FF0000"/>
+                </a:solidFill>
+              </a:rPr>
+              <a:t>ethod</a:t>
+            </a:r>
+            <a:r>
+              <a:rPr lang="zh-TW" altLang="en-US" sz="1500" b="1" i="1" dirty="0" smtClean="0">
+                <a:solidFill>
+                  <a:srgbClr val="FF0000"/>
+                </a:solidFill>
+              </a:rPr>
+              <a:t>覆寫父類別</a:t>
+            </a:r>
+            <a:endParaRPr lang="en-US" altLang="zh-TW" sz="1500" dirty="0" smtClean="0">
+              <a:solidFill>
+                <a:srgbClr val="0070C0"/>
+              </a:solidFill>
+            </a:endParaRPr>
+          </a:p>
+          <a:p>
+            <a:r>
+              <a:rPr lang="zh-TW" altLang="en-US" sz="1500" dirty="0"/>
+              <a:t> </a:t>
+            </a:r>
+            <a:r>
+              <a:rPr lang="zh-TW" altLang="en-US" sz="1500" dirty="0" smtClean="0"/>
+              <a:t>       </a:t>
+            </a:r>
+            <a:r>
+              <a:rPr lang="en-US" altLang="zh-TW" sz="1500" dirty="0" smtClean="0"/>
+              <a:t>return "</a:t>
+            </a:r>
+            <a:r>
+              <a:rPr lang="zh-TW" altLang="en-US" sz="1500" dirty="0" smtClean="0"/>
+              <a:t>我是貓咪</a:t>
+            </a:r>
+            <a:r>
+              <a:rPr lang="en-US" altLang="zh-TW" sz="1500" dirty="0" smtClean="0"/>
+              <a:t>"</a:t>
+            </a:r>
+            <a:endParaRPr lang="zh-TW" altLang="en-US" sz="1500" dirty="0" smtClean="0"/>
+          </a:p>
+          <a:p>
+            <a:endParaRPr lang="en-US" altLang="zh-TW" sz="1500" dirty="0"/>
+          </a:p>
+          <a:p>
+            <a:r>
+              <a:rPr lang="en-US" altLang="zh-TW" sz="1500" dirty="0"/>
+              <a:t>X = cat("</a:t>
+            </a:r>
+            <a:r>
+              <a:rPr lang="en-US" altLang="zh-TW" sz="1500" dirty="0" err="1"/>
+              <a:t>LaLa</a:t>
+            </a:r>
+            <a:r>
+              <a:rPr lang="en-US" altLang="zh-TW" sz="1500" dirty="0"/>
+              <a:t>","Cat")</a:t>
+            </a:r>
+          </a:p>
+          <a:p>
+            <a:r>
+              <a:rPr lang="en-US" altLang="zh-TW" sz="1500" dirty="0" smtClean="0">
+                <a:solidFill>
+                  <a:srgbClr val="0070C0"/>
+                </a:solidFill>
+              </a:rPr>
+              <a:t>print(</a:t>
+            </a:r>
+            <a:r>
+              <a:rPr lang="en-US" altLang="zh-TW" sz="1500" dirty="0" err="1" smtClean="0">
+                <a:solidFill>
+                  <a:srgbClr val="0070C0"/>
+                </a:solidFill>
+              </a:rPr>
+              <a:t>X.getAnimalName</a:t>
+            </a:r>
+            <a:r>
+              <a:rPr lang="en-US" altLang="zh-TW" sz="1500" dirty="0" smtClean="0">
+                <a:solidFill>
+                  <a:srgbClr val="0070C0"/>
+                </a:solidFill>
+              </a:rPr>
+              <a:t>()) </a:t>
+            </a:r>
+            <a:r>
+              <a:rPr lang="zh-TW" altLang="en-US" sz="1500" dirty="0" smtClean="0">
+                <a:solidFill>
+                  <a:srgbClr val="0070C0"/>
+                </a:solidFill>
+              </a:rPr>
+              <a:t>   </a:t>
+            </a:r>
+            <a:r>
+              <a:rPr lang="en-US" altLang="zh-TW" sz="1500" b="1" i="1" dirty="0" smtClean="0">
+                <a:solidFill>
+                  <a:schemeClr val="accent5">
+                    <a:lumMod val="75000"/>
+                  </a:schemeClr>
+                </a:solidFill>
+              </a:rPr>
+              <a:t>#</a:t>
+            </a:r>
+            <a:r>
+              <a:rPr lang="zh-TW" altLang="en-US" sz="1500" b="1" i="1" dirty="0" smtClean="0">
+                <a:solidFill>
+                  <a:srgbClr val="FF0000"/>
+                </a:solidFill>
+              </a:rPr>
+              <a:t>透過繼承取得父類別 </a:t>
+            </a:r>
+            <a:r>
+              <a:rPr lang="en-US" altLang="zh-TW" sz="1500" b="1" i="1" dirty="0" smtClean="0">
+                <a:solidFill>
+                  <a:srgbClr val="FF0000"/>
+                </a:solidFill>
+              </a:rPr>
+              <a:t>Method</a:t>
+            </a:r>
+          </a:p>
+          <a:p>
+            <a:r>
+              <a:rPr lang="en-US" altLang="zh-TW" sz="1500" dirty="0" smtClean="0">
+                <a:solidFill>
+                  <a:srgbClr val="0070C0"/>
+                </a:solidFill>
+              </a:rPr>
+              <a:t>print(</a:t>
+            </a:r>
+            <a:r>
+              <a:rPr lang="en-US" altLang="zh-TW" sz="1500" dirty="0" err="1" smtClean="0">
+                <a:solidFill>
+                  <a:srgbClr val="0070C0"/>
+                </a:solidFill>
+              </a:rPr>
+              <a:t>X.getAnimalSpecies</a:t>
+            </a:r>
+            <a:r>
+              <a:rPr lang="en-US" altLang="zh-TW" sz="1500" dirty="0" smtClean="0">
+                <a:solidFill>
+                  <a:srgbClr val="0070C0"/>
+                </a:solidFill>
+              </a:rPr>
+              <a:t>())</a:t>
+            </a:r>
+            <a:r>
+              <a:rPr lang="en-US" altLang="zh-TW" sz="1500" dirty="0">
+                <a:solidFill>
+                  <a:schemeClr val="accent5">
+                    <a:lumMod val="75000"/>
+                  </a:schemeClr>
+                </a:solidFill>
+              </a:rPr>
+              <a:t> </a:t>
+            </a:r>
+            <a:endParaRPr lang="en-US" altLang="zh-TW" sz="1500" dirty="0" smtClean="0">
+              <a:solidFill>
+                <a:schemeClr val="accent5">
+                  <a:lumMod val="75000"/>
+                </a:schemeClr>
+              </a:solidFill>
+            </a:endParaRPr>
+          </a:p>
+          <a:p>
+            <a:r>
+              <a:rPr lang="en-US" altLang="zh-TW" sz="1500" dirty="0" smtClean="0">
+                <a:solidFill>
+                  <a:srgbClr val="0070C0"/>
+                </a:solidFill>
+              </a:rPr>
+              <a:t>print(</a:t>
+            </a:r>
+            <a:r>
+              <a:rPr lang="en-US" altLang="zh-TW" sz="1500" dirty="0" err="1" smtClean="0">
+                <a:solidFill>
+                  <a:srgbClr val="0070C0"/>
+                </a:solidFill>
+              </a:rPr>
+              <a:t>X.update</a:t>
+            </a:r>
+            <a:r>
+              <a:rPr lang="en-US" altLang="zh-TW" sz="1500" dirty="0" smtClean="0">
+                <a:solidFill>
+                  <a:srgbClr val="0070C0"/>
+                </a:solidFill>
+              </a:rPr>
+              <a:t>())</a:t>
+            </a:r>
+            <a:r>
+              <a:rPr lang="zh-TW" altLang="en-US" sz="1500" dirty="0" smtClean="0">
+                <a:solidFill>
+                  <a:srgbClr val="0070C0"/>
+                </a:solidFill>
+              </a:rPr>
+              <a:t>               </a:t>
+            </a:r>
+            <a:r>
+              <a:rPr lang="en-US" altLang="zh-TW" sz="1500" b="1" i="1" dirty="0" smtClean="0">
+                <a:solidFill>
+                  <a:schemeClr val="accent5">
+                    <a:lumMod val="75000"/>
+                  </a:schemeClr>
+                </a:solidFill>
+              </a:rPr>
+              <a:t>#</a:t>
+            </a:r>
+            <a:r>
+              <a:rPr lang="zh-TW" altLang="en-US" sz="1500" b="1" i="1" dirty="0" smtClean="0">
+                <a:solidFill>
+                  <a:srgbClr val="FF0000"/>
+                </a:solidFill>
+              </a:rPr>
+              <a:t>依然</a:t>
+            </a:r>
+            <a:r>
+              <a:rPr lang="zh-TW" altLang="en-US" sz="1500" b="1" i="1" dirty="0">
+                <a:solidFill>
+                  <a:srgbClr val="FF0000"/>
+                </a:solidFill>
+              </a:rPr>
+              <a:t>可使用自己類別的 </a:t>
+            </a:r>
+            <a:r>
+              <a:rPr lang="en-US" altLang="zh-TW" sz="1500" b="1" i="1" dirty="0">
+                <a:solidFill>
+                  <a:srgbClr val="FF0000"/>
+                </a:solidFill>
+              </a:rPr>
+              <a:t>Method</a:t>
+            </a:r>
+          </a:p>
+        </p:txBody>
+      </p:sp>
+      <p:pic>
+        <p:nvPicPr>
+          <p:cNvPr id="2" name="圖片 1"/>
+          <p:cNvPicPr>
+            <a:picLocks noChangeAspect="1"/>
+          </p:cNvPicPr>
+          <p:nvPr/>
+        </p:nvPicPr>
+        <p:blipFill>
+          <a:blip r:embed="rId2"/>
+          <a:stretch>
+            <a:fillRect/>
+          </a:stretch>
+        </p:blipFill>
+        <p:spPr>
+          <a:xfrm>
+            <a:off x="6322693" y="2202316"/>
+            <a:ext cx="5081743" cy="1585913"/>
+          </a:xfrm>
+          <a:prstGeom prst="rect">
+            <a:avLst/>
+          </a:prstGeom>
+          <a:effectLst>
+            <a:softEdge rad="31750"/>
+          </a:effectLst>
+        </p:spPr>
+      </p:pic>
+    </p:spTree>
+    <p:extLst>
+      <p:ext uri="{BB962C8B-B14F-4D97-AF65-F5344CB8AC3E}">
+        <p14:creationId xmlns:p14="http://schemas.microsoft.com/office/powerpoint/2010/main" val="3076500680"/>
+      </p:ext>
+    </p:extLst>
+  </p:cSld>
+  <p:clrMapOvr>
+    <a:masterClrMapping/>
+  </p:clrMapOvr>
+  <mc:AlternateContent xmlns:mc="http://schemas.openxmlformats.org/markup-compatibility/2006" xmlns:p14="http://schemas.microsoft.com/office/powerpoint/2010/main">
+    <mc:Choice Requires="p14">
+      <p:transition spd="slow" p14:dur="2000"/>
+    </mc:Choice>
+    <mc:Fallback xmlns="">
+      <p:transition spd="slow"/>
+    </mc:Fallback>
+  </mc:AlternateContent>
+  <p:timing>
+    <p:tnLst>
+      <p:par>
+        <p:cTn id="1" dur="indefinite" restart="never" nodeType="tmRoot"/>
+      </p:par>
+    </p:tnLst>
+  </p:timing>
+</p:sld>
+</file>
+
+<file path=ppt/slides/slide95.xml><?xml version="1.0" encoding="utf-8"?>
+<p:sld xmlns:a="http://schemas.openxmlformats.org/drawingml/2006/main" xmlns:r="http://schemas.openxmlformats.org/officeDocument/2006/relationships" xmlns:p="http://schemas.openxmlformats.org/presentationml/2006/main">
+  <p:cSld>
+    <p:spTree>
+      <p:nvGrpSpPr>
+        <p:cNvPr id="1" name=""/>
+        <p:cNvGrpSpPr/>
+        <p:nvPr/>
+      </p:nvGrpSpPr>
+      <p:grpSpPr>
+        <a:xfrm>
+          <a:off x="0" y="0"/>
+          <a:ext cx="0" cy="0"/>
+          <a:chOff x="0" y="0"/>
+          <a:chExt cx="0" cy="0"/>
+        </a:xfrm>
+      </p:grpSpPr>
+      <p:sp>
+        <p:nvSpPr>
+          <p:cNvPr id="5" name="標題 1"/>
+          <p:cNvSpPr txBox="1">
+            <a:spLocks/>
+          </p:cNvSpPr>
+          <p:nvPr/>
+        </p:nvSpPr>
+        <p:spPr>
+          <a:xfrm>
+            <a:off x="982724" y="0"/>
+            <a:ext cx="8596668" cy="796505"/>
+          </a:xfrm>
+          <a:prstGeom prst="rect">
+            <a:avLst/>
+          </a:prstGeom>
+        </p:spPr>
+        <p:txBody>
+          <a:bodyPr vert="horz" lIns="91440" tIns="45720" rIns="91440" bIns="45720" rtlCol="0" anchor="b">
+            <a:noAutofit/>
+          </a:bodyPr>
+          <a:lstStyle>
+            <a:lvl1pPr algn="r" defTabSz="457200" rtl="0" eaLnBrk="1" latinLnBrk="0" hangingPunct="1">
+              <a:spcBef>
+                <a:spcPct val="0"/>
+              </a:spcBef>
+              <a:buNone/>
+              <a:defRPr sz="5400" kern="1200">
+                <a:solidFill>
+                  <a:schemeClr val="accent1"/>
+                </a:solidFill>
+                <a:latin typeface="+mj-lt"/>
+                <a:ea typeface="+mj-ea"/>
+                <a:cs typeface="+mj-cs"/>
+              </a:defRPr>
+            </a:lvl1pPr>
+            <a:lvl2pPr eaLnBrk="1" hangingPunct="1">
+              <a:defRPr>
+                <a:solidFill>
+                  <a:schemeClr val="tx2"/>
+                </a:solidFill>
+              </a:defRPr>
+            </a:lvl2pPr>
+            <a:lvl3pPr eaLnBrk="1" hangingPunct="1">
+              <a:defRPr>
+                <a:solidFill>
+                  <a:schemeClr val="tx2"/>
+                </a:solidFill>
+              </a:defRPr>
+            </a:lvl3pPr>
+            <a:lvl4pPr eaLnBrk="1" hangingPunct="1">
+              <a:defRPr>
+                <a:solidFill>
+                  <a:schemeClr val="tx2"/>
+                </a:solidFill>
+              </a:defRPr>
+            </a:lvl4pPr>
+            <a:lvl5pPr eaLnBrk="1" hangingPunct="1">
+              <a:defRPr>
+                <a:solidFill>
+                  <a:schemeClr val="tx2"/>
+                </a:solidFill>
+              </a:defRPr>
+            </a:lvl5pPr>
+            <a:lvl6pPr eaLnBrk="1" hangingPunct="1">
+              <a:defRPr>
+                <a:solidFill>
+                  <a:schemeClr val="tx2"/>
+                </a:solidFill>
+              </a:defRPr>
+            </a:lvl6pPr>
+            <a:lvl7pPr eaLnBrk="1" hangingPunct="1">
+              <a:defRPr>
+                <a:solidFill>
+                  <a:schemeClr val="tx2"/>
+                </a:solidFill>
+              </a:defRPr>
+            </a:lvl7pPr>
+            <a:lvl8pPr eaLnBrk="1" hangingPunct="1">
+              <a:defRPr>
+                <a:solidFill>
+                  <a:schemeClr val="tx2"/>
+                </a:solidFill>
+              </a:defRPr>
+            </a:lvl8pPr>
+            <a:lvl9pPr eaLnBrk="1" hangingPunct="1">
+              <a:defRPr>
+                <a:solidFill>
+                  <a:schemeClr val="tx2"/>
+                </a:solidFill>
+              </a:defRPr>
+            </a:lvl9pPr>
+          </a:lstStyle>
+          <a:p>
+            <a:pPr lvl="1" algn="ctr"/>
+            <a:r>
+              <a:rPr lang="en-US" altLang="zh-TW" sz="4000" dirty="0" smtClean="0"/>
+              <a:t>Inheritance</a:t>
+            </a:r>
+            <a:r>
+              <a:rPr lang="zh-TW" altLang="en-US" sz="4000" dirty="0" smtClean="0"/>
+              <a:t> </a:t>
+            </a:r>
+            <a:r>
+              <a:rPr lang="en-US" altLang="zh-TW" sz="4000" dirty="0" smtClean="0"/>
               <a:t>(super</a:t>
             </a:r>
             <a:r>
@@ -42178,7 +43120,7 @@
 </p:sld>
 </file>
 
-<file path=ppt/slides/slide94.xml><?xml version="1.0" encoding="utf-8"?>
+<file path=ppt/slides/slide96.xml><?xml version="1.0" encoding="utf-8"?>
 <p:sld xmlns:a="http://schemas.openxmlformats.org/drawingml/2006/main" xmlns:r="http://schemas.openxmlformats.org/officeDocument/2006/relationships" xmlns:p="http://schemas.openxmlformats.org/presentationml/2006/main">
   <p:cSld>
     <p:spTree>
@@ -42703,7 +43645,7 @@
 </p:sld>
 </file>
 
-<file path=ppt/slides/slide95.xml><?xml version="1.0" encoding="utf-8"?>
+<file path=ppt/slides/slide97.xml><?xml version="1.0" encoding="utf-8"?>
 <p:sld xmlns:a="http://schemas.openxmlformats.org/drawingml/2006/main" xmlns:r="http://schemas.openxmlformats.org/officeDocument/2006/relationships" xmlns:p="http://schemas.openxmlformats.org/presentationml/2006/main">
   <p:cSld>
     <p:spTree>
@@ -43489,7 +44431,7 @@
 </p:sld>
 </file>
 
-<file path=ppt/slides/slide96.xml><?xml version="1.0" encoding="utf-8"?>
+<file path=ppt/slides/slide98.xml><?xml version="1.0" encoding="utf-8"?>
 <p:sld xmlns:a="http://schemas.openxmlformats.org/drawingml/2006/main" xmlns:r="http://schemas.openxmlformats.org/officeDocument/2006/relationships" xmlns:p="http://schemas.openxmlformats.org/presentationml/2006/main">
   <p:cSld>
     <p:spTree>
@@ -44474,7 +45416,7 @@
 </p:sld>
 </file>
 
-<file path=ppt/slides/slide97.xml><?xml version="1.0" encoding="utf-8"?>
+<file path=ppt/slides/slide99.xml><?xml version="1.0" encoding="utf-8"?>
 <p:sld xmlns:a="http://schemas.openxmlformats.org/drawingml/2006/main" xmlns:r="http://schemas.openxmlformats.org/officeDocument/2006/relationships" xmlns:p="http://schemas.openxmlformats.org/presentationml/2006/main">
   <p:cSld>
     <p:spTree>
@@ -44768,118 +45710,6 @@
     <p:extLst>
       <p:ext uri="{BB962C8B-B14F-4D97-AF65-F5344CB8AC3E}">
         <p14:creationId xmlns:p14="http://schemas.microsoft.com/office/powerpoint/2010/main" val="2722024250"/>
-      </p:ext>
-    </p:extLst>
-  </p:cSld>
-  <p:clrMapOvr>
-    <a:masterClrMapping/>
-  </p:clrMapOvr>
-  <mc:AlternateContent xmlns:mc="http://schemas.openxmlformats.org/markup-compatibility/2006" xmlns:p14="http://schemas.microsoft.com/office/powerpoint/2010/main">
-    <mc:Choice Requires="p14">
-      <p:transition spd="slow" p14:dur="2000"/>
-    </mc:Choice>
-    <mc:Fallback xmlns="">
-      <p:transition spd="slow"/>
-    </mc:Fallback>
-  </mc:AlternateContent>
-  <p:timing>
-    <p:tnLst>
-      <p:par>
-        <p:cTn id="1" dur="indefinite" restart="never" nodeType="tmRoot"/>
-      </p:par>
-    </p:tnLst>
-  </p:timing>
-</p:sld>
-</file>
-
-<file path=ppt/slides/slide98.xml><?xml version="1.0" encoding="utf-8"?>
-<p:sld xmlns:a="http://schemas.openxmlformats.org/drawingml/2006/main" xmlns:r="http://schemas.openxmlformats.org/officeDocument/2006/relationships" xmlns:p="http://schemas.openxmlformats.org/presentationml/2006/main">
-  <p:cSld>
-    <p:spTree>
-      <p:nvGrpSpPr>
-        <p:cNvPr id="1" name=""/>
-        <p:cNvGrpSpPr/>
-        <p:nvPr/>
-      </p:nvGrpSpPr>
-      <p:grpSpPr>
-        <a:xfrm>
-          <a:off x="0" y="0"/>
-          <a:ext cx="0" cy="0"/>
-          <a:chOff x="0" y="0"/>
-          <a:chExt cx="0" cy="0"/>
-        </a:xfrm>
-      </p:grpSpPr>
-      <p:sp>
-        <p:nvSpPr>
-          <p:cNvPr id="2" name="標題 1"/>
-          <p:cNvSpPr>
-            <a:spLocks noGrp="1"/>
-          </p:cNvSpPr>
-          <p:nvPr>
-            <p:ph type="ctrTitle"/>
-          </p:nvPr>
-        </p:nvSpPr>
-        <p:spPr/>
-        <p:txBody>
-          <a:bodyPr/>
-          <a:lstStyle/>
-          <a:p>
-            <a:pPr algn="ctr"/>
-            <a:r>
-              <a:rPr lang="en-US" altLang="zh-TW" dirty="0" smtClean="0"/>
-              <a:t>Q</a:t>
-            </a:r>
-            <a:r>
-              <a:rPr lang="en-US" altLang="zh-TW" dirty="0" smtClean="0">
-                <a:latin typeface="+mj-ea"/>
-              </a:rPr>
-              <a:t>&amp;</a:t>
-            </a:r>
-            <a:r>
-              <a:rPr lang="en-US" altLang="zh-TW" dirty="0" smtClean="0"/>
-              <a:t>A</a:t>
-            </a:r>
-            <a:br>
-              <a:rPr lang="en-US" altLang="zh-TW" dirty="0" smtClean="0"/>
-            </a:br>
-            <a:endParaRPr lang="zh-TW" altLang="en-US" dirty="0"/>
-          </a:p>
-        </p:txBody>
-      </p:sp>
-      <p:pic>
-        <p:nvPicPr>
-          <p:cNvPr id="3" name="圖片 2"/>
-          <p:cNvPicPr>
-            <a:picLocks noChangeAspect="1"/>
-          </p:cNvPicPr>
-          <p:nvPr/>
-        </p:nvPicPr>
-        <p:blipFill>
-          <a:blip r:embed="rId2">
-            <a:extLst>
-              <a:ext uri="{28A0092B-C50C-407E-A947-70E740481C1C}">
-                <a14:useLocalDpi xmlns:a14="http://schemas.microsoft.com/office/drawing/2010/main" val="0"/>
-              </a:ext>
-            </a:extLst>
-          </a:blip>
-          <a:stretch>
-            <a:fillRect/>
-          </a:stretch>
-        </p:blipFill>
-        <p:spPr>
-          <a:xfrm>
-            <a:off x="161111" y="5218611"/>
-            <a:ext cx="1739972" cy="1449977"/>
-          </a:xfrm>
-          <a:prstGeom prst="rect">
-            <a:avLst/>
-          </a:prstGeom>
-        </p:spPr>
-      </p:pic>
-    </p:spTree>
-    <p:extLst>
-      <p:ext uri="{BB962C8B-B14F-4D97-AF65-F5344CB8AC3E}">
-        <p14:creationId xmlns:p14="http://schemas.microsoft.com/office/powerpoint/2010/main" val="2544297589"/>
       </p:ext>
     </p:extLst>
   </p:cSld>

--- a/Python Introduction.pptx
+++ b/Python Introduction.pptx
@@ -32640,13 +32640,6 @@
               </a:rPr>
               <a:t>#util.py</a:t>
             </a:r>
-            <a:endParaRPr lang="en-US" altLang="zh-TW" sz="2000" dirty="0" smtClean="0">
-              <a:solidFill>
-                <a:schemeClr val="accent5">
-                  <a:lumMod val="75000"/>
-                </a:schemeClr>
-              </a:solidFill>
-            </a:endParaRPr>
           </a:p>
           <a:p>
             <a:endParaRPr lang="en-US" altLang="zh-TW" sz="2000" dirty="0"/>
@@ -32768,27 +32761,7 @@
                   </a:schemeClr>
                 </a:solidFill>
               </a:rPr>
-              <a:t>#</a:t>
-            </a:r>
-            <a:r>
-              <a:rPr lang="en-US" altLang="zh-TW" sz="2000" dirty="0" smtClean="0">
-                <a:solidFill>
-                  <a:schemeClr val="accent5">
-                    <a:lumMod val="75000"/>
-                  </a:schemeClr>
-                </a:solidFill>
-              </a:rPr>
-              <a:t>Demo</a:t>
-            </a:r>
-            <a:r>
-              <a:rPr lang="en-US" altLang="zh-TW" sz="2000" dirty="0" smtClean="0">
-                <a:solidFill>
-                  <a:schemeClr val="accent5">
-                    <a:lumMod val="75000"/>
-                  </a:schemeClr>
-                </a:solidFill>
-              </a:rPr>
-              <a:t>.py</a:t>
+              <a:t>#Demo.py</a:t>
             </a:r>
             <a:endParaRPr lang="en-US" altLang="zh-TW" sz="2000" dirty="0">
               <a:solidFill>
@@ -32818,11 +32791,7 @@
           <a:p>
             <a:r>
               <a:rPr lang="en-US" altLang="zh-TW" sz="2000" dirty="0" smtClean="0"/>
-              <a:t>util</a:t>
-            </a:r>
-            <a:r>
-              <a:rPr lang="en-US" altLang="zh-TW" sz="2000" dirty="0" smtClean="0"/>
-              <a:t>.example1</a:t>
+              <a:t>util.example1</a:t>
             </a:r>
             <a:r>
               <a:rPr lang="en-US" altLang="zh-TW" sz="2000" dirty="0"/>
@@ -32835,11 +32804,7 @@
           <a:p>
             <a:r>
               <a:rPr lang="en-US" altLang="zh-TW" sz="2000" dirty="0" smtClean="0"/>
-              <a:t>util</a:t>
-            </a:r>
-            <a:r>
-              <a:rPr lang="en-US" altLang="zh-TW" sz="2000" dirty="0" smtClean="0"/>
-              <a:t>.example2</a:t>
+              <a:t>util.example2</a:t>
             </a:r>
             <a:r>
               <a:rPr lang="en-US" altLang="zh-TW" sz="2000" dirty="0"/>
@@ -33064,11 +33029,6 @@
               </a:rPr>
               <a:t>Import) </a:t>
             </a:r>
-            <a:endParaRPr lang="en-US" altLang="zh-TW" sz="4000" dirty="0">
-              <a:solidFill>
-                <a:schemeClr val="tx1"/>
-              </a:solidFill>
-            </a:endParaRPr>
           </a:p>
         </p:txBody>
       </p:sp>
@@ -33365,11 +33325,6 @@
               </a:rPr>
               <a:t>Import) </a:t>
             </a:r>
-            <a:endParaRPr lang="en-US" altLang="zh-TW" sz="4000" dirty="0">
-              <a:solidFill>
-                <a:schemeClr val="tx1"/>
-              </a:solidFill>
-            </a:endParaRPr>
           </a:p>
         </p:txBody>
       </p:sp>
@@ -33412,13 +33367,6 @@
               </a:rPr>
               <a:t>#util.py</a:t>
             </a:r>
-            <a:endParaRPr lang="en-US" altLang="zh-TW" sz="2000" dirty="0" smtClean="0">
-              <a:solidFill>
-                <a:schemeClr val="accent5">
-                  <a:lumMod val="75000"/>
-                </a:schemeClr>
-              </a:solidFill>
-            </a:endParaRPr>
           </a:p>
           <a:p>
             <a:endParaRPr lang="en-US" altLang="zh-TW" sz="2000" dirty="0"/>
@@ -33540,27 +33488,7 @@
                   </a:schemeClr>
                 </a:solidFill>
               </a:rPr>
-              <a:t>#</a:t>
-            </a:r>
-            <a:r>
-              <a:rPr lang="en-US" altLang="zh-TW" sz="2000" dirty="0" smtClean="0">
-                <a:solidFill>
-                  <a:schemeClr val="accent5">
-                    <a:lumMod val="75000"/>
-                  </a:schemeClr>
-                </a:solidFill>
-              </a:rPr>
-              <a:t>Demo</a:t>
-            </a:r>
-            <a:r>
-              <a:rPr lang="en-US" altLang="zh-TW" sz="2000" dirty="0" smtClean="0">
-                <a:solidFill>
-                  <a:schemeClr val="accent5">
-                    <a:lumMod val="75000"/>
-                  </a:schemeClr>
-                </a:solidFill>
-              </a:rPr>
-              <a:t>.py</a:t>
+              <a:t>#Demo.py</a:t>
             </a:r>
             <a:endParaRPr lang="en-US" altLang="zh-TW" sz="2000" dirty="0">
               <a:solidFill>
@@ -34434,11 +34362,7 @@
             </a:r>
             <a:r>
               <a:rPr lang="en-US" altLang="zh-TW" sz="2000" dirty="0" smtClean="0"/>
-              <a:t>      </a:t>
-            </a:r>
-            <a:r>
-              <a:rPr lang="en-US" altLang="zh-TW" sz="2000" dirty="0" smtClean="0"/>
-              <a:t>print(m)</a:t>
+              <a:t>      print(m)</a:t>
             </a:r>
             <a:endParaRPr lang="en-US" altLang="zh-TW" sz="2000" dirty="0"/>
           </a:p>
@@ -41515,7 +41439,7 @@
         </p:blipFill>
         <p:spPr>
           <a:xfrm>
-            <a:off x="6636424" y="2840667"/>
+            <a:off x="6610299" y="2631662"/>
             <a:ext cx="5339773" cy="1636382"/>
           </a:xfrm>
           <a:prstGeom prst="rect">
@@ -42461,7 +42385,7 @@
         <p:spPr>
           <a:xfrm>
             <a:off x="326883" y="796505"/>
-            <a:ext cx="6309047" cy="6093976"/>
+            <a:ext cx="6622557" cy="6093976"/>
           </a:xfrm>
           <a:prstGeom prst="rect">
             <a:avLst/>
@@ -42793,15 +42717,23 @@
                   <a:srgbClr val="0070C0"/>
                 </a:solidFill>
               </a:rPr>
-              <a:t>return super().</a:t>
-            </a:r>
-            <a:r>
-              <a:rPr lang="en-US" altLang="zh-TW" sz="1500" dirty="0" err="1">
+              <a:t>return super</a:t>
+            </a:r>
+            <a:r>
+              <a:rPr lang="en-US" altLang="zh-TW" sz="1500" dirty="0" smtClean="0">
                 <a:solidFill>
                   <a:srgbClr val="0070C0"/>
                 </a:solidFill>
               </a:rPr>
-              <a:t>getAnimalName</a:t>
+              <a:t>().</a:t>
+            </a:r>
+            <a:r>
+              <a:rPr lang="en-US" altLang="zh-TW" sz="1500" dirty="0" err="1" smtClean="0">
+                <a:solidFill>
+                  <a:srgbClr val="0070C0"/>
+                </a:solidFill>
+              </a:rPr>
+              <a:t>getAnimalSpecies</a:t>
             </a:r>
             <a:r>
               <a:rPr lang="en-US" altLang="zh-TW" sz="1500" dirty="0" smtClean="0">
@@ -43067,7 +42999,7 @@
       </p:sp>
       <p:pic>
         <p:nvPicPr>
-          <p:cNvPr id="2" name="圖片 1"/>
+          <p:cNvPr id="6" name="圖片 5"/>
           <p:cNvPicPr>
             <a:picLocks noChangeAspect="1"/>
           </p:cNvPicPr>
@@ -43081,8 +43013,8 @@
         </p:blipFill>
         <p:spPr>
           <a:xfrm>
-            <a:off x="6779894" y="2346007"/>
-            <a:ext cx="5081743" cy="1585913"/>
+            <a:off x="7077855" y="2553285"/>
+            <a:ext cx="5003074" cy="1636382"/>
           </a:xfrm>
           <a:prstGeom prst="rect">
             <a:avLst/>

--- a/Python Introduction.pptx
+++ b/Python Introduction.pptx
@@ -956,7 +956,7 @@
           <a:p>
             <a:fld id="{117F0709-AC62-415F-B52D-54A77B1A61B0}" type="datetimeFigureOut">
               <a:rPr lang="zh-TW" altLang="en-US" smtClean="0"/>
-              <a:t>2022/5/15</a:t>
+              <a:t>2022/5/19</a:t>
             </a:fld>
             <a:endParaRPr lang="zh-TW" altLang="en-US"/>
           </a:p>
@@ -1207,7 +1207,7 @@
           <a:p>
             <a:fld id="{117F0709-AC62-415F-B52D-54A77B1A61B0}" type="datetimeFigureOut">
               <a:rPr lang="zh-TW" altLang="en-US" smtClean="0"/>
-              <a:t>2022/5/15</a:t>
+              <a:t>2022/5/19</a:t>
             </a:fld>
             <a:endParaRPr lang="zh-TW" altLang="en-US"/>
           </a:p>
@@ -1521,7 +1521,7 @@
           <a:p>
             <a:fld id="{117F0709-AC62-415F-B52D-54A77B1A61B0}" type="datetimeFigureOut">
               <a:rPr lang="zh-TW" altLang="en-US" smtClean="0"/>
-              <a:t>2022/5/15</a:t>
+              <a:t>2022/5/19</a:t>
             </a:fld>
             <a:endParaRPr lang="zh-TW" altLang="en-US"/>
           </a:p>
@@ -1854,7 +1854,7 @@
           <a:p>
             <a:fld id="{117F0709-AC62-415F-B52D-54A77B1A61B0}" type="datetimeFigureOut">
               <a:rPr lang="zh-TW" altLang="en-US" smtClean="0"/>
-              <a:t>2022/5/15</a:t>
+              <a:t>2022/5/19</a:t>
             </a:fld>
             <a:endParaRPr lang="zh-TW" altLang="en-US"/>
           </a:p>
@@ -2168,7 +2168,7 @@
           <a:p>
             <a:fld id="{117F0709-AC62-415F-B52D-54A77B1A61B0}" type="datetimeFigureOut">
               <a:rPr lang="zh-TW" altLang="en-US" smtClean="0"/>
-              <a:t>2022/5/15</a:t>
+              <a:t>2022/5/19</a:t>
             </a:fld>
             <a:endParaRPr lang="zh-TW" altLang="en-US"/>
           </a:p>
@@ -2561,7 +2561,7 @@
           <a:p>
             <a:fld id="{117F0709-AC62-415F-B52D-54A77B1A61B0}" type="datetimeFigureOut">
               <a:rPr lang="zh-TW" altLang="en-US" smtClean="0"/>
-              <a:t>2022/5/15</a:t>
+              <a:t>2022/5/19</a:t>
             </a:fld>
             <a:endParaRPr lang="zh-TW" altLang="en-US"/>
           </a:p>
@@ -2731,7 +2731,7 @@
           <a:p>
             <a:fld id="{117F0709-AC62-415F-B52D-54A77B1A61B0}" type="datetimeFigureOut">
               <a:rPr lang="zh-TW" altLang="en-US" smtClean="0"/>
-              <a:t>2022/5/15</a:t>
+              <a:t>2022/5/19</a:t>
             </a:fld>
             <a:endParaRPr lang="zh-TW" altLang="en-US"/>
           </a:p>
@@ -2911,7 +2911,7 @@
           <a:p>
             <a:fld id="{117F0709-AC62-415F-B52D-54A77B1A61B0}" type="datetimeFigureOut">
               <a:rPr lang="zh-TW" altLang="en-US" smtClean="0"/>
-              <a:t>2022/5/15</a:t>
+              <a:t>2022/5/19</a:t>
             </a:fld>
             <a:endParaRPr lang="zh-TW" altLang="en-US"/>
           </a:p>
@@ -3081,7 +3081,7 @@
           <a:p>
             <a:fld id="{117F0709-AC62-415F-B52D-54A77B1A61B0}" type="datetimeFigureOut">
               <a:rPr lang="zh-TW" altLang="en-US" smtClean="0"/>
-              <a:t>2022/5/15</a:t>
+              <a:t>2022/5/19</a:t>
             </a:fld>
             <a:endParaRPr lang="zh-TW" altLang="en-US"/>
           </a:p>
@@ -3328,7 +3328,7 @@
           <a:p>
             <a:fld id="{117F0709-AC62-415F-B52D-54A77B1A61B0}" type="datetimeFigureOut">
               <a:rPr lang="zh-TW" altLang="en-US" smtClean="0"/>
-              <a:t>2022/5/15</a:t>
+              <a:t>2022/5/19</a:t>
             </a:fld>
             <a:endParaRPr lang="zh-TW" altLang="en-US"/>
           </a:p>
@@ -3560,7 +3560,7 @@
           <a:p>
             <a:fld id="{117F0709-AC62-415F-B52D-54A77B1A61B0}" type="datetimeFigureOut">
               <a:rPr lang="zh-TW" altLang="en-US" smtClean="0"/>
-              <a:t>2022/5/15</a:t>
+              <a:t>2022/5/19</a:t>
             </a:fld>
             <a:endParaRPr lang="zh-TW" altLang="en-US"/>
           </a:p>
@@ -3934,7 +3934,7 @@
           <a:p>
             <a:fld id="{117F0709-AC62-415F-B52D-54A77B1A61B0}" type="datetimeFigureOut">
               <a:rPr lang="zh-TW" altLang="en-US" smtClean="0"/>
-              <a:t>2022/5/15</a:t>
+              <a:t>2022/5/19</a:t>
             </a:fld>
             <a:endParaRPr lang="zh-TW" altLang="en-US"/>
           </a:p>
@@ -4057,7 +4057,7 @@
           <a:p>
             <a:fld id="{117F0709-AC62-415F-B52D-54A77B1A61B0}" type="datetimeFigureOut">
               <a:rPr lang="zh-TW" altLang="en-US" smtClean="0"/>
-              <a:t>2022/5/15</a:t>
+              <a:t>2022/5/19</a:t>
             </a:fld>
             <a:endParaRPr lang="zh-TW" altLang="en-US"/>
           </a:p>
@@ -4152,7 +4152,7 @@
           <a:p>
             <a:fld id="{117F0709-AC62-415F-B52D-54A77B1A61B0}" type="datetimeFigureOut">
               <a:rPr lang="zh-TW" altLang="en-US" smtClean="0"/>
-              <a:t>2022/5/15</a:t>
+              <a:t>2022/5/19</a:t>
             </a:fld>
             <a:endParaRPr lang="zh-TW" altLang="en-US"/>
           </a:p>
@@ -4407,7 +4407,7 @@
           <a:p>
             <a:fld id="{117F0709-AC62-415F-B52D-54A77B1A61B0}" type="datetimeFigureOut">
               <a:rPr lang="zh-TW" altLang="en-US" smtClean="0"/>
-              <a:t>2022/5/15</a:t>
+              <a:t>2022/5/19</a:t>
             </a:fld>
             <a:endParaRPr lang="zh-TW" altLang="en-US"/>
           </a:p>
@@ -4712,7 +4712,7 @@
           <a:p>
             <a:fld id="{117F0709-AC62-415F-B52D-54A77B1A61B0}" type="datetimeFigureOut">
               <a:rPr lang="zh-TW" altLang="en-US" smtClean="0"/>
-              <a:t>2022/5/15</a:t>
+              <a:t>2022/5/19</a:t>
             </a:fld>
             <a:endParaRPr lang="zh-TW" altLang="en-US"/>
           </a:p>
@@ -5414,7 +5414,7 @@
           <a:p>
             <a:fld id="{117F0709-AC62-415F-B52D-54A77B1A61B0}" type="datetimeFigureOut">
               <a:rPr lang="zh-TW" altLang="en-US" smtClean="0"/>
-              <a:t>2022/5/15</a:t>
+              <a:t>2022/5/19</a:t>
             </a:fld>
             <a:endParaRPr lang="zh-TW" altLang="en-US"/>
           </a:p>
@@ -13638,16 +13638,16 @@
             <a:endParaRPr lang="en-US" altLang="zh-TW" sz="2400" dirty="0"/>
           </a:p>
           <a:p>
+            <a:endParaRPr lang="en-US" altLang="zh-TW" sz="2400" dirty="0"/>
+          </a:p>
+          <a:p>
             <a:r>
               <a:rPr lang="en-US" altLang="zh-TW" sz="2400" dirty="0" smtClean="0"/>
-              <a:t/>
-            </a:r>
-            <a:br>
+              <a:t>print</a:t>
+            </a:r>
+            <a:r>
               <a:rPr lang="en-US" altLang="zh-TW" sz="2400" dirty="0" smtClean="0"/>
-            </a:br>
-            <a:r>
-              <a:rPr lang="en-US" altLang="zh-TW" sz="2400" dirty="0" smtClean="0"/>
-              <a:t>print("a + b = ", a + b)           </a:t>
+              <a:t>("a + b = ", a + b)           </a:t>
             </a:r>
             <a:r>
               <a:rPr lang="en-US" altLang="zh-TW" sz="2400" dirty="0" smtClean="0">
@@ -15768,26 +15768,27 @@
                   </a:schemeClr>
                 </a:solidFill>
               </a:rPr>
-              <a:t># Assign “string” to x </a:t>
-            </a:r>
-            <a:r>
-              <a:rPr lang="en-US" altLang="zh-TW" sz="2400" dirty="0"/>
-              <a:t/>
-            </a:r>
-            <a:br>
-              <a:rPr lang="en-US" altLang="zh-TW" sz="2400" dirty="0"/>
-            </a:br>
-            <a:r>
-              <a:rPr lang="en-US" altLang="zh-TW" sz="2400" dirty="0"/>
-              <a:t>print(x</a:t>
-            </a:r>
+              <a:t># Assign “string” to </a:t>
+            </a:r>
+            <a:r>
+              <a:rPr lang="en-US" altLang="zh-TW" sz="2400" dirty="0" smtClean="0">
+                <a:solidFill>
+                  <a:schemeClr val="accent5">
+                    <a:lumMod val="75000"/>
+                  </a:schemeClr>
+                </a:solidFill>
+              </a:rPr>
+              <a:t>x</a:t>
+            </a:r>
+          </a:p>
+          <a:p>
             <a:r>
               <a:rPr lang="en-US" altLang="zh-TW" sz="2400" dirty="0" smtClean="0"/>
-              <a:t>) </a:t>
+              <a:t>print(x)</a:t>
             </a:r>
             <a:r>
               <a:rPr lang="zh-TW" altLang="en-US" sz="2400" dirty="0" smtClean="0"/>
-              <a:t>                  </a:t>
+              <a:t>                   </a:t>
             </a:r>
             <a:r>
               <a:rPr lang="en-US" altLang="zh-TW" sz="2400" dirty="0" smtClean="0">
@@ -15807,17 +15808,23 @@
                   </a:schemeClr>
                 </a:solidFill>
               </a:rPr>
-              <a:t>print x</a:t>
-            </a:r>
-            <a:r>
-              <a:rPr lang="en-US" altLang="zh-TW" sz="2400" dirty="0"/>
-              <a:t/>
-            </a:r>
-            <a:br>
-              <a:rPr lang="en-US" altLang="zh-TW" sz="2400" dirty="0"/>
-            </a:br>
-            <a:r>
-              <a:rPr lang="en-US" altLang="zh-TW" sz="2400" dirty="0"/>
+              <a:t>print </a:t>
+            </a:r>
+            <a:r>
+              <a:rPr lang="en-US" altLang="zh-TW" sz="2400" dirty="0" smtClean="0">
+                <a:solidFill>
+                  <a:schemeClr val="accent5">
+                    <a:lumMod val="75000"/>
+                  </a:schemeClr>
+                </a:solidFill>
+              </a:rPr>
+              <a:t>x</a:t>
+            </a:r>
+            <a:endParaRPr lang="en-US" altLang="zh-TW" sz="2400" dirty="0"/>
+          </a:p>
+          <a:p>
+            <a:r>
+              <a:rPr lang="en-US" altLang="zh-TW" sz="2400" dirty="0" smtClean="0"/>
               <a:t>print(type(x</a:t>
             </a:r>
             <a:r>
@@ -15856,11 +15863,28 @@
                   </a:schemeClr>
                 </a:solidFill>
               </a:rPr>
-              <a:t>x type</a:t>
-            </a:r>
-          </a:p>
-          <a:p>
+              <a:t>x </a:t>
+            </a:r>
+            <a:r>
+              <a:rPr lang="en-US" altLang="zh-TW" sz="2400" dirty="0" smtClean="0">
+                <a:solidFill>
+                  <a:schemeClr val="accent5">
+                    <a:lumMod val="75000"/>
+                  </a:schemeClr>
+                </a:solidFill>
+              </a:rPr>
+              <a:t>type</a:t>
+            </a:r>
             <a:endParaRPr lang="en-US" altLang="zh-TW" sz="2400" dirty="0"/>
+          </a:p>
+          <a:p>
+            <a:endParaRPr lang="en-US" altLang="zh-TW" sz="2400" dirty="0" smtClean="0">
+              <a:solidFill>
+                <a:schemeClr val="accent5">
+                  <a:lumMod val="75000"/>
+                </a:schemeClr>
+              </a:solidFill>
+            </a:endParaRPr>
           </a:p>
         </p:txBody>
       </p:sp>
@@ -16060,7 +16084,7 @@
         <p:spPr>
           <a:xfrm>
             <a:off x="1479457" y="1286704"/>
-            <a:ext cx="7599229" cy="3046988"/>
+            <a:ext cx="7599229" cy="2677656"/>
           </a:xfrm>
           <a:prstGeom prst="rect">
             <a:avLst/>
@@ -16220,20 +16244,16 @@
             </a:r>
           </a:p>
           <a:p>
+            <a:endParaRPr lang="en-US" altLang="zh-TW" sz="2400" dirty="0"/>
+          </a:p>
+          <a:p>
             <a:r>
               <a:rPr lang="en-US" altLang="zh-TW" sz="2400" dirty="0" smtClean="0"/>
-              <a:t> </a:t>
-            </a:r>
-            <a:r>
-              <a:rPr lang="en-US" altLang="zh-TW" sz="2400" dirty="0"/>
-              <a:t/>
-            </a:r>
-            <a:br>
-              <a:rPr lang="en-US" altLang="zh-TW" sz="2400" dirty="0"/>
-            </a:br>
+              <a:t>print(x</a:t>
+            </a:r>
             <a:r>
               <a:rPr lang="en-US" altLang="zh-TW" sz="2400" dirty="0" smtClean="0"/>
-              <a:t>print(x) </a:t>
+              <a:t>) </a:t>
             </a:r>
             <a:r>
               <a:rPr lang="zh-TW" altLang="en-US" sz="2400" dirty="0" smtClean="0"/>
@@ -16257,18 +16277,28 @@
                   </a:schemeClr>
                 </a:solidFill>
               </a:rPr>
-              <a:t>print x</a:t>
-            </a:r>
-            <a:r>
-              <a:rPr lang="en-US" altLang="zh-TW" sz="2400" dirty="0"/>
-              <a:t/>
-            </a:r>
-            <a:br>
-              <a:rPr lang="en-US" altLang="zh-TW" sz="2400" dirty="0"/>
-            </a:br>
+              <a:t>print </a:t>
+            </a:r>
+            <a:r>
+              <a:rPr lang="en-US" altLang="zh-TW" sz="2400" dirty="0" smtClean="0">
+                <a:solidFill>
+                  <a:schemeClr val="accent5">
+                    <a:lumMod val="75000"/>
+                  </a:schemeClr>
+                </a:solidFill>
+              </a:rPr>
+              <a:t>x</a:t>
+            </a:r>
+            <a:endParaRPr lang="en-US" altLang="zh-TW" sz="2400" dirty="0"/>
+          </a:p>
+          <a:p>
             <a:r>
               <a:rPr lang="en-US" altLang="zh-TW" sz="2400" dirty="0" smtClean="0"/>
-              <a:t>print(type(x)) </a:t>
+              <a:t>print(type(x</a:t>
+            </a:r>
+            <a:r>
+              <a:rPr lang="en-US" altLang="zh-TW" sz="2400" dirty="0" smtClean="0"/>
+              <a:t>)) </a:t>
             </a:r>
             <a:r>
               <a:rPr lang="zh-TW" altLang="en-US" sz="2400" dirty="0" smtClean="0"/>
@@ -16302,16 +16332,27 @@
                   </a:schemeClr>
                 </a:solidFill>
               </a:rPr>
-              <a:t>x type</a:t>
-            </a:r>
-          </a:p>
-          <a:p>
-            <a:endParaRPr lang="en-US" altLang="zh-TW" sz="2400" dirty="0" smtClean="0"/>
+              <a:t>x </a:t>
+            </a:r>
+            <a:r>
+              <a:rPr lang="en-US" altLang="zh-TW" sz="2400" dirty="0" smtClean="0">
+                <a:solidFill>
+                  <a:schemeClr val="accent5">
+                    <a:lumMod val="75000"/>
+                  </a:schemeClr>
+                </a:solidFill>
+              </a:rPr>
+              <a:t>type</a:t>
+            </a:r>
           </a:p>
           <a:p>
             <a:r>
               <a:rPr lang="en-US" altLang="zh-TW" sz="2400" dirty="0" smtClean="0"/>
-              <a:t>print(y) </a:t>
+              <a:t>print(y</a:t>
+            </a:r>
+            <a:r>
+              <a:rPr lang="en-US" altLang="zh-TW" sz="2400" dirty="0" smtClean="0"/>
+              <a:t>) </a:t>
             </a:r>
             <a:r>
               <a:rPr lang="zh-TW" altLang="en-US" sz="2400" dirty="0" smtClean="0"/>
@@ -16325,18 +16366,28 @@
                   </a:schemeClr>
                 </a:solidFill>
               </a:rPr>
-              <a:t># print x</a:t>
-            </a:r>
-            <a:r>
-              <a:rPr lang="en-US" altLang="zh-TW" sz="2400" dirty="0"/>
-              <a:t/>
-            </a:r>
-            <a:br>
-              <a:rPr lang="en-US" altLang="zh-TW" sz="2400" dirty="0"/>
-            </a:br>
+              <a:t># print </a:t>
+            </a:r>
+            <a:r>
+              <a:rPr lang="en-US" altLang="zh-TW" sz="2400" dirty="0" smtClean="0">
+                <a:solidFill>
+                  <a:schemeClr val="accent5">
+                    <a:lumMod val="75000"/>
+                  </a:schemeClr>
+                </a:solidFill>
+              </a:rPr>
+              <a:t>x</a:t>
+            </a:r>
+            <a:endParaRPr lang="en-US" altLang="zh-TW" sz="2400" dirty="0"/>
+          </a:p>
+          <a:p>
             <a:r>
               <a:rPr lang="en-US" altLang="zh-TW" sz="2400" dirty="0" smtClean="0"/>
-              <a:t>print(type(y)) </a:t>
+              <a:t>print(type(y</a:t>
+            </a:r>
+            <a:r>
+              <a:rPr lang="en-US" altLang="zh-TW" sz="2400" dirty="0" smtClean="0"/>
+              <a:t>)) </a:t>
             </a:r>
             <a:r>
               <a:rPr lang="zh-TW" altLang="en-US" sz="2400" dirty="0" smtClean="0"/>
@@ -16388,7 +16439,7 @@
         </p:blipFill>
         <p:spPr>
           <a:xfrm>
-            <a:off x="1479457" y="4745899"/>
+            <a:off x="1479457" y="4463267"/>
             <a:ext cx="7602855" cy="1263015"/>
           </a:xfrm>
           <a:prstGeom prst="rect">
@@ -23904,7 +23955,7 @@
         <p:spPr>
           <a:xfrm>
             <a:off x="1015904" y="1304054"/>
-            <a:ext cx="9388840" cy="1938992"/>
+            <a:ext cx="9388840" cy="2677656"/>
           </a:xfrm>
           <a:prstGeom prst="rect">
             <a:avLst/>
@@ -24012,6 +24063,8 @@
               </a:rPr>
               <a:t>}</a:t>
             </a:r>
+          </a:p>
+          <a:p>
             <a:endParaRPr lang="en-US" altLang="zh-TW" sz="2400" dirty="0"/>
           </a:p>
           <a:p>
@@ -24049,9 +24102,12 @@
               <a:t>dict</a:t>
             </a:r>
             <a:r>
-              <a:rPr lang="en-US" altLang="zh-TW" sz="2400" dirty="0"/>
+              <a:rPr lang="en-US" altLang="zh-TW" sz="2400" dirty="0" smtClean="0"/>
               <a:t>)</a:t>
             </a:r>
+          </a:p>
+          <a:p>
+            <a:endParaRPr lang="en-US" altLang="zh-TW" sz="2400" dirty="0"/>
           </a:p>
           <a:p>
             <a:r>
@@ -27011,21 +27067,37 @@
                   <a:srgbClr val="0070C0"/>
                 </a:solidFill>
               </a:rPr>
-              <a:t>in words</a:t>
+              <a:t>in </a:t>
+            </a:r>
+            <a:r>
+              <a:rPr lang="en-US" altLang="zh-TW" sz="2000" dirty="0" smtClean="0">
+                <a:solidFill>
+                  <a:srgbClr val="0070C0"/>
+                </a:solidFill>
+              </a:rPr>
+              <a:t>words</a:t>
             </a:r>
             <a:r>
               <a:rPr lang="en-US" altLang="zh-TW" sz="2000" dirty="0" smtClean="0"/>
-              <a:t>:                          </a:t>
-            </a:r>
-          </a:p>
-          <a:p>
-            <a:r>
-              <a:rPr lang="en-US" altLang="zh-TW" sz="2000" dirty="0"/>
-              <a:t>	</a:t>
+              <a:t>:</a:t>
+            </a:r>
+          </a:p>
+          <a:p>
+            <a:r>
+              <a:rPr lang="zh-TW" altLang="en-US" sz="2000" dirty="0"/>
+              <a:t> </a:t>
+            </a:r>
+            <a:r>
+              <a:rPr lang="zh-TW" altLang="en-US" sz="2000" dirty="0" smtClean="0"/>
+              <a:t>           </a:t>
             </a:r>
             <a:r>
               <a:rPr lang="en-US" altLang="zh-TW" sz="2000" dirty="0" smtClean="0"/>
-              <a:t>  print(j)                         </a:t>
+              <a:t>print(j</a:t>
+            </a:r>
+            <a:r>
+              <a:rPr lang="en-US" altLang="zh-TW" sz="2000" dirty="0" smtClean="0"/>
+              <a:t>)                         </a:t>
             </a:r>
             <a:r>
               <a:rPr lang="en-US" altLang="zh-TW" sz="2000" dirty="0" smtClean="0">
@@ -27252,8 +27324,8 @@
         </p:nvSpPr>
         <p:spPr>
           <a:xfrm>
-            <a:off x="782823" y="1889909"/>
-            <a:ext cx="9001258" cy="1908215"/>
+            <a:off x="782822" y="1625926"/>
+            <a:ext cx="9857469" cy="2215991"/>
           </a:xfrm>
           <a:prstGeom prst="rect">
             <a:avLst/>
@@ -27274,60 +27346,78 @@
           <a:lstStyle/>
           <a:p>
             <a:r>
-              <a:rPr lang="en-US" altLang="zh-TW" sz="2000" dirty="0"/>
-              <a:t>f</a:t>
-            </a:r>
-            <a:r>
-              <a:rPr lang="en-US" altLang="zh-TW" sz="2000" dirty="0" smtClean="0"/>
-              <a:t>or </a:t>
-            </a:r>
-            <a:r>
-              <a:rPr lang="en-US" altLang="zh-TW" sz="2000" dirty="0" err="1" smtClean="0"/>
+              <a:rPr lang="en-US" sz="2400" dirty="0"/>
+              <a:t>for </a:t>
+            </a:r>
+            <a:r>
+              <a:rPr lang="en-US" sz="2400" dirty="0" err="1"/>
               <a:t>i</a:t>
             </a:r>
             <a:r>
-              <a:rPr lang="en-US" altLang="zh-TW" sz="2000" dirty="0" smtClean="0"/>
-              <a:t> in range(5):                       </a:t>
-            </a:r>
-          </a:p>
-          <a:p>
-            <a:r>
-              <a:rPr lang="en-US" altLang="zh-TW" sz="2000" dirty="0"/>
+              <a:rPr lang="en-US" sz="2400" dirty="0"/>
+              <a:t> in range(5</a:t>
+            </a:r>
+            <a:r>
+              <a:rPr lang="en-US" sz="2400" dirty="0" smtClean="0"/>
+              <a:t>):</a:t>
+            </a:r>
+          </a:p>
+          <a:p>
+            <a:r>
+              <a:rPr lang="zh-TW" altLang="en-US" sz="2400" dirty="0"/>
               <a:t> </a:t>
             </a:r>
             <a:r>
-              <a:rPr lang="en-US" altLang="zh-TW" sz="2000" dirty="0" smtClean="0"/>
-              <a:t>     print(</a:t>
-            </a:r>
-            <a:r>
-              <a:rPr lang="en-US" altLang="zh-TW" sz="2000" dirty="0" err="1" smtClean="0"/>
+              <a:rPr lang="zh-TW" altLang="en-US" sz="2400" dirty="0" smtClean="0"/>
+              <a:t>     </a:t>
+            </a:r>
+            <a:r>
+              <a:rPr lang="en-US" sz="2400" dirty="0" smtClean="0"/>
+              <a:t>print(</a:t>
+            </a:r>
+            <a:r>
+              <a:rPr lang="en-US" sz="2400" dirty="0" err="1" smtClean="0"/>
               <a:t>i</a:t>
             </a:r>
             <a:r>
-              <a:rPr lang="en-US" altLang="zh-TW" sz="2000" dirty="0" smtClean="0"/>
-              <a:t>)                                </a:t>
-            </a:r>
-            <a:r>
-              <a:rPr lang="en-US" altLang="zh-TW" sz="2000" dirty="0" smtClean="0">
+              <a:rPr lang="en-US" sz="2400" dirty="0" smtClean="0"/>
+              <a:t>)		</a:t>
+            </a:r>
+            <a:r>
+              <a:rPr lang="zh-TW" altLang="en-US" sz="2400" dirty="0" smtClean="0"/>
+              <a:t>        </a:t>
+            </a:r>
+            <a:r>
+              <a:rPr lang="en-US" sz="2400" dirty="0" smtClean="0">
                 <a:solidFill>
                   <a:schemeClr val="accent5">
                     <a:lumMod val="75000"/>
                   </a:schemeClr>
                 </a:solidFill>
               </a:rPr>
-              <a:t>#Print </a:t>
-            </a:r>
-            <a:r>
-              <a:rPr lang="en-US" altLang="zh-TW" sz="2000" dirty="0" err="1" smtClean="0">
+              <a:t>#</a:t>
+            </a:r>
+            <a:r>
+              <a:rPr lang="en-US" sz="2400" dirty="0">
                 <a:solidFill>
                   <a:schemeClr val="accent5">
                     <a:lumMod val="75000"/>
                   </a:schemeClr>
                 </a:solidFill>
               </a:rPr>
-              <a:t>i</a:t>
-            </a:r>
-            <a:endParaRPr lang="en-US" altLang="zh-TW" sz="2000" dirty="0" smtClean="0">
+              <a:t>Print </a:t>
+            </a:r>
+            <a:r>
+              <a:rPr lang="en-US" sz="2400" dirty="0" smtClean="0">
+                <a:solidFill>
+                  <a:schemeClr val="accent5">
+                    <a:lumMod val="75000"/>
+                  </a:schemeClr>
+                </a:solidFill>
+              </a:rPr>
+              <a:t>I</a:t>
+            </a:r>
+            <a:endParaRPr lang="en-US" sz="2400" dirty="0">
               <a:solidFill>
                 <a:schemeClr val="accent5">
                   <a:lumMod val="75000"/>
@@ -27337,77 +27427,140 @@
           </a:p>
           <a:p>
             <a:r>
-              <a:rPr lang="en-US" altLang="zh-TW" sz="2000" dirty="0"/>
+              <a:rPr lang="zh-TW" altLang="en-US" sz="2400" dirty="0"/>
               <a:t> </a:t>
             </a:r>
             <a:r>
-              <a:rPr lang="en-US" altLang="zh-TW" sz="2000" dirty="0" smtClean="0"/>
-              <a:t>     if </a:t>
-            </a:r>
-            <a:r>
-              <a:rPr lang="en-US" altLang="zh-TW" sz="2000" dirty="0" err="1" smtClean="0"/>
+              <a:rPr lang="zh-TW" altLang="en-US" sz="2400" dirty="0" smtClean="0"/>
+              <a:t>     </a:t>
+            </a:r>
+            <a:r>
+              <a:rPr lang="en-US" sz="2400" dirty="0" smtClean="0"/>
+              <a:t>if </a:t>
+            </a:r>
+            <a:r>
+              <a:rPr lang="en-US" sz="2400" dirty="0" err="1"/>
               <a:t>i</a:t>
             </a:r>
             <a:r>
-              <a:rPr lang="en-US" altLang="zh-TW" sz="2000" dirty="0" smtClean="0"/>
-              <a:t> == 3:                                 </a:t>
-            </a:r>
-          </a:p>
-          <a:p>
-            <a:r>
-              <a:rPr lang="en-US" altLang="zh-TW" sz="2000" dirty="0"/>
-              <a:t>	</a:t>
-            </a:r>
-            <a:r>
-              <a:rPr lang="en-US" altLang="zh-TW" sz="2000" dirty="0" smtClean="0"/>
-              <a:t>print</a:t>
-            </a:r>
-            <a:r>
-              <a:rPr lang="en-US" altLang="zh-TW" sz="2000" dirty="0"/>
-              <a:t>("Loop Break")</a:t>
-            </a:r>
-            <a:r>
-              <a:rPr lang="en-US" altLang="zh-TW" sz="2000" dirty="0" smtClean="0"/>
+              <a:rPr lang="en-US" sz="2400" dirty="0"/>
+              <a:t> == </a:t>
+            </a:r>
+            <a:r>
+              <a:rPr lang="en-US" sz="2400" dirty="0" smtClean="0"/>
+              <a:t>3:</a:t>
+            </a:r>
+            <a:r>
+              <a:rPr lang="zh-TW" altLang="en-US" sz="2400" dirty="0" smtClean="0"/>
+              <a:t>                   </a:t>
+            </a:r>
+            <a:r>
+              <a:rPr lang="en-US" sz="2400" dirty="0" smtClean="0">
+                <a:solidFill>
+                  <a:schemeClr val="accent5">
+                    <a:lumMod val="75000"/>
+                  </a:schemeClr>
+                </a:solidFill>
+              </a:rPr>
+              <a:t>#</a:t>
+            </a:r>
+            <a:r>
+              <a:rPr lang="en-US" sz="2400" dirty="0">
+                <a:solidFill>
+                  <a:schemeClr val="accent5">
+                    <a:lumMod val="75000"/>
+                  </a:schemeClr>
+                </a:solidFill>
+              </a:rPr>
+              <a:t>if </a:t>
+            </a:r>
+            <a:r>
+              <a:rPr lang="en-US" sz="2400" dirty="0" err="1">
+                <a:solidFill>
+                  <a:schemeClr val="accent5">
+                    <a:lumMod val="75000"/>
+                  </a:schemeClr>
+                </a:solidFill>
+              </a:rPr>
+              <a:t>i</a:t>
+            </a:r>
+            <a:r>
+              <a:rPr lang="en-US" sz="2400" dirty="0">
+                <a:solidFill>
+                  <a:schemeClr val="accent5">
+                    <a:lumMod val="75000"/>
+                  </a:schemeClr>
+                </a:solidFill>
+              </a:rPr>
+              <a:t> = 3</a:t>
+            </a:r>
+            <a:endParaRPr lang="en-US" sz="2400" dirty="0" smtClean="0"/>
+          </a:p>
+          <a:p>
+            <a:r>
+              <a:rPr lang="zh-TW" altLang="en-US" sz="2400" dirty="0" smtClean="0"/>
               <a:t>        </a:t>
             </a:r>
             <a:r>
-              <a:rPr lang="en-US" altLang="zh-TW" sz="2000" dirty="0" smtClean="0">
+              <a:rPr lang="en-US" sz="2400" dirty="0" smtClean="0"/>
+              <a:t>print("Loop Break")</a:t>
+            </a:r>
+            <a:r>
+              <a:rPr lang="zh-TW" altLang="en-US" sz="2400" dirty="0" smtClean="0"/>
+              <a:t>  </a:t>
+            </a:r>
+            <a:r>
+              <a:rPr lang="en-US" altLang="zh-TW" sz="2400" dirty="0" smtClean="0">
                 <a:solidFill>
                   <a:schemeClr val="accent5">
                     <a:lumMod val="75000"/>
                   </a:schemeClr>
                 </a:solidFill>
               </a:rPr>
-              <a:t>#if </a:t>
-            </a:r>
-            <a:r>
-              <a:rPr lang="en-US" altLang="zh-TW" sz="2000" dirty="0" err="1" smtClean="0">
+              <a:t>#</a:t>
+            </a:r>
+            <a:r>
+              <a:rPr lang="en-US" sz="2400" dirty="0" smtClean="0">
                 <a:solidFill>
                   <a:schemeClr val="accent5">
                     <a:lumMod val="75000"/>
                   </a:schemeClr>
                 </a:solidFill>
               </a:rPr>
-              <a:t>i</a:t>
-            </a:r>
-            <a:r>
-              <a:rPr lang="en-US" altLang="zh-TW" sz="2000" dirty="0" smtClean="0">
+              <a:t>print </a:t>
+            </a:r>
+            <a:r>
+              <a:rPr lang="en-US" sz="2400" dirty="0">
                 <a:solidFill>
                   <a:schemeClr val="accent5">
                     <a:lumMod val="75000"/>
                   </a:schemeClr>
                 </a:solidFill>
               </a:rPr>
-              <a:t> = 3, print “Loop Break” then break loop</a:t>
-            </a:r>
-          </a:p>
-          <a:p>
-            <a:r>
-              <a:rPr lang="en-US" altLang="zh-TW" sz="2000" dirty="0"/>
-              <a:t>	</a:t>
-            </a:r>
-            <a:r>
-              <a:rPr lang="en-US" altLang="zh-TW" sz="2000" dirty="0" smtClean="0">
+              <a:t>“Loop Break” then break </a:t>
+            </a:r>
+            <a:r>
+              <a:rPr lang="en-US" sz="2400" dirty="0" smtClean="0">
+                <a:solidFill>
+                  <a:schemeClr val="accent5">
+                    <a:lumMod val="75000"/>
+                  </a:schemeClr>
+                </a:solidFill>
+              </a:rPr>
+              <a:t>loop</a:t>
+            </a:r>
+          </a:p>
+          <a:p>
+            <a:r>
+              <a:rPr lang="zh-TW" altLang="en-US" sz="2400" dirty="0"/>
+              <a:t> </a:t>
+            </a:r>
+            <a:r>
+              <a:rPr lang="zh-TW" altLang="en-US" sz="2400" dirty="0" smtClean="0"/>
+              <a:t>       </a:t>
+            </a:r>
+            <a:r>
+              <a:rPr lang="en-US" sz="2400" dirty="0" smtClean="0">
                 <a:solidFill>
                   <a:srgbClr val="0070C0"/>
                 </a:solidFill>
@@ -27416,7 +27569,7 @@
             </a:r>
           </a:p>
           <a:p>
-            <a:endParaRPr lang="en-US" altLang="zh-TW" dirty="0"/>
+            <a:endParaRPr lang="en-US" dirty="0"/>
           </a:p>
         </p:txBody>
       </p:sp>
@@ -27436,7 +27589,7 @@
         </p:blipFill>
         <p:spPr>
           <a:xfrm>
-            <a:off x="782822" y="3908937"/>
+            <a:off x="782822" y="4357824"/>
             <a:ext cx="9004512" cy="1606959"/>
           </a:xfrm>
           <a:prstGeom prst="rect">
@@ -27764,160 +27917,200 @@
           <a:lstStyle/>
           <a:p>
             <a:r>
-              <a:rPr lang="en-US" altLang="zh-TW" sz="2400" dirty="0"/>
-              <a:t>f</a:t>
+              <a:rPr lang="en-US" sz="2400" dirty="0"/>
+              <a:t>for </a:t>
+            </a:r>
+            <a:r>
+              <a:rPr lang="en-US" sz="2400" dirty="0" err="1"/>
+              <a:t>i</a:t>
+            </a:r>
+            <a:r>
+              <a:rPr lang="en-US" sz="2400" dirty="0"/>
+              <a:t> in range(5</a:t>
+            </a:r>
+            <a:r>
+              <a:rPr lang="en-US" sz="2400" dirty="0" smtClean="0"/>
+              <a:t>):</a:t>
+            </a:r>
+          </a:p>
+          <a:p>
+            <a:r>
+              <a:rPr lang="zh-TW" altLang="en-US" sz="2400" dirty="0" smtClean="0"/>
+              <a:t>    </a:t>
+            </a:r>
+            <a:r>
+              <a:rPr lang="en-US" sz="2400" dirty="0" smtClean="0"/>
+              <a:t>if </a:t>
+            </a:r>
+            <a:r>
+              <a:rPr lang="en-US" sz="2400" dirty="0" err="1"/>
+              <a:t>i</a:t>
+            </a:r>
+            <a:r>
+              <a:rPr lang="en-US" sz="2400" dirty="0"/>
+              <a:t> == </a:t>
+            </a:r>
+            <a:r>
+              <a:rPr lang="en-US" sz="2400" dirty="0" smtClean="0"/>
+              <a:t>3</a:t>
             </a:r>
             <a:r>
               <a:rPr lang="en-US" altLang="zh-TW" sz="2400" dirty="0" smtClean="0"/>
-              <a:t>or </a:t>
-            </a:r>
-            <a:r>
-              <a:rPr lang="en-US" altLang="zh-TW" sz="2400" dirty="0" err="1" smtClean="0"/>
+              <a:t>:</a:t>
+            </a:r>
+            <a:r>
+              <a:rPr lang="zh-TW" altLang="en-US" sz="2400" dirty="0" smtClean="0"/>
+              <a:t>                 </a:t>
+            </a:r>
+            <a:r>
+              <a:rPr lang="en-US" sz="2400" dirty="0" smtClean="0">
+                <a:solidFill>
+                  <a:schemeClr val="accent5">
+                    <a:lumMod val="75000"/>
+                  </a:schemeClr>
+                </a:solidFill>
+              </a:rPr>
+              <a:t>#if </a:t>
+            </a:r>
+            <a:r>
+              <a:rPr lang="en-US" sz="2400" dirty="0" err="1">
+                <a:solidFill>
+                  <a:schemeClr val="accent5">
+                    <a:lumMod val="75000"/>
+                  </a:schemeClr>
+                </a:solidFill>
+              </a:rPr>
               <a:t>i</a:t>
             </a:r>
             <a:r>
-              <a:rPr lang="en-US" altLang="zh-TW" sz="2400" dirty="0" smtClean="0"/>
-              <a:t> in range(5):</a:t>
-            </a:r>
-          </a:p>
-          <a:p>
-            <a:r>
-              <a:rPr lang="en-US" altLang="zh-TW" sz="2400" dirty="0"/>
+              <a:rPr lang="en-US" sz="2400" dirty="0">
+                <a:solidFill>
+                  <a:schemeClr val="accent5">
+                    <a:lumMod val="75000"/>
+                  </a:schemeClr>
+                </a:solidFill>
+              </a:rPr>
+              <a:t> = </a:t>
+            </a:r>
+            <a:r>
+              <a:rPr lang="en-US" sz="2400" dirty="0" smtClean="0">
+                <a:solidFill>
+                  <a:schemeClr val="accent5">
+                    <a:lumMod val="75000"/>
+                  </a:schemeClr>
+                </a:solidFill>
+              </a:rPr>
+              <a:t>3</a:t>
+            </a:r>
+          </a:p>
+          <a:p>
+            <a:r>
+              <a:rPr lang="zh-TW" altLang="en-US" sz="2400" dirty="0"/>
               <a:t> </a:t>
             </a:r>
             <a:r>
-              <a:rPr lang="en-US" altLang="zh-TW" sz="2400" dirty="0" smtClean="0"/>
-              <a:t>       if </a:t>
-            </a:r>
-            <a:r>
-              <a:rPr lang="en-US" altLang="zh-TW" sz="2400" dirty="0" err="1" smtClean="0"/>
+              <a:rPr lang="zh-TW" altLang="en-US" sz="2400" dirty="0" smtClean="0"/>
+              <a:t>       </a:t>
+            </a:r>
+            <a:r>
+              <a:rPr lang="en-US" sz="2400" dirty="0" smtClean="0">
+                <a:solidFill>
+                  <a:srgbClr val="0070C0"/>
+                </a:solidFill>
+              </a:rPr>
+              <a:t>continue</a:t>
+            </a:r>
+            <a:r>
+              <a:rPr lang="zh-TW" altLang="en-US" sz="2400" dirty="0" smtClean="0"/>
+              <a:t>            </a:t>
+            </a:r>
+            <a:r>
+              <a:rPr lang="en-US" sz="2400" dirty="0" smtClean="0">
+                <a:solidFill>
+                  <a:schemeClr val="accent5">
+                    <a:lumMod val="75000"/>
+                  </a:schemeClr>
+                </a:solidFill>
+              </a:rPr>
+              <a:t>#Bypass </a:t>
+            </a:r>
+            <a:r>
+              <a:rPr lang="en-US" sz="2400" dirty="0">
+                <a:solidFill>
+                  <a:schemeClr val="accent5">
+                    <a:lumMod val="75000"/>
+                  </a:schemeClr>
+                </a:solidFill>
+              </a:rPr>
+              <a:t>then continue </a:t>
+            </a:r>
+            <a:r>
+              <a:rPr lang="en-US" sz="2400" dirty="0" smtClean="0">
+                <a:solidFill>
+                  <a:schemeClr val="accent5">
+                    <a:lumMod val="75000"/>
+                  </a:schemeClr>
+                </a:solidFill>
+              </a:rPr>
+              <a:t>loop</a:t>
+            </a:r>
+          </a:p>
+          <a:p>
+            <a:r>
+              <a:rPr lang="zh-TW" altLang="en-US" sz="2400" dirty="0"/>
+              <a:t> </a:t>
+            </a:r>
+            <a:r>
+              <a:rPr lang="zh-TW" altLang="en-US" sz="2400" dirty="0" smtClean="0"/>
+              <a:t>   </a:t>
+            </a:r>
+            <a:r>
+              <a:rPr lang="en-US" sz="2400" dirty="0" smtClean="0"/>
+              <a:t>print(</a:t>
+            </a:r>
+            <a:r>
+              <a:rPr lang="en-US" sz="2400" dirty="0" err="1" smtClean="0"/>
               <a:t>i</a:t>
             </a:r>
             <a:r>
-              <a:rPr lang="en-US" altLang="zh-TW" sz="2400" dirty="0" smtClean="0"/>
-              <a:t> == 3:               </a:t>
-            </a:r>
-            <a:r>
-              <a:rPr lang="en-US" altLang="zh-TW" sz="2400" dirty="0" smtClean="0">
+              <a:rPr lang="en-US" sz="2400" dirty="0" smtClean="0"/>
+              <a:t>)</a:t>
+            </a:r>
+            <a:r>
+              <a:rPr lang="zh-TW" altLang="en-US" sz="2400" dirty="0" smtClean="0"/>
+              <a:t>                  </a:t>
+            </a:r>
+            <a:r>
+              <a:rPr lang="en-US" sz="2400" dirty="0" smtClean="0">
                 <a:solidFill>
                   <a:schemeClr val="accent5">
                     <a:lumMod val="75000"/>
                   </a:schemeClr>
                 </a:solidFill>
               </a:rPr>
-              <a:t>#if </a:t>
-            </a:r>
-            <a:r>
-              <a:rPr lang="en-US" altLang="zh-TW" sz="2400" dirty="0" err="1" smtClean="0">
+              <a:t>#</a:t>
+            </a:r>
+            <a:r>
+              <a:rPr lang="en-US" sz="2400" dirty="0">
                 <a:solidFill>
                   <a:schemeClr val="accent5">
                     <a:lumMod val="75000"/>
                   </a:schemeClr>
                 </a:solidFill>
               </a:rPr>
+              <a:t>Print </a:t>
+            </a:r>
+            <a:r>
+              <a:rPr lang="en-US" sz="2400" dirty="0" err="1">
+                <a:solidFill>
+                  <a:schemeClr val="accent5">
+                    <a:lumMod val="75000"/>
+                  </a:schemeClr>
+                </a:solidFill>
+              </a:rPr>
               <a:t>i</a:t>
             </a:r>
-            <a:r>
-              <a:rPr lang="en-US" altLang="zh-TW" sz="2400" dirty="0" smtClean="0">
-                <a:solidFill>
-                  <a:schemeClr val="accent5">
-                    <a:lumMod val="75000"/>
-                  </a:schemeClr>
-                </a:solidFill>
-              </a:rPr>
-              <a:t> = 3 </a:t>
-            </a:r>
-          </a:p>
-          <a:p>
-            <a:r>
-              <a:rPr lang="en-US" altLang="zh-TW" sz="2400" dirty="0"/>
-              <a:t>	</a:t>
-            </a:r>
-            <a:r>
-              <a:rPr lang="en-US" altLang="zh-TW" sz="2400" dirty="0" smtClean="0"/>
-              <a:t>  </a:t>
-            </a:r>
-            <a:r>
-              <a:rPr lang="en-US" altLang="zh-TW" sz="2400" dirty="0" smtClean="0">
-                <a:solidFill>
-                  <a:srgbClr val="0070C0"/>
-                </a:solidFill>
-              </a:rPr>
-              <a:t>continue</a:t>
-            </a:r>
-            <a:r>
-              <a:rPr lang="en-US" altLang="zh-TW" sz="2400" dirty="0" smtClean="0"/>
-              <a:t>          </a:t>
-            </a:r>
-            <a:r>
-              <a:rPr lang="en-US" altLang="zh-TW" sz="2400" dirty="0" smtClean="0">
-                <a:solidFill>
-                  <a:schemeClr val="accent5">
-                    <a:lumMod val="75000"/>
-                  </a:schemeClr>
-                </a:solidFill>
-              </a:rPr>
-              <a:t>#Bypass then continue </a:t>
-            </a:r>
-            <a:r>
-              <a:rPr lang="en-US" altLang="zh-TW" sz="2400" dirty="0">
-                <a:solidFill>
-                  <a:schemeClr val="accent5">
-                    <a:lumMod val="75000"/>
-                  </a:schemeClr>
-                </a:solidFill>
-              </a:rPr>
-              <a:t>l</a:t>
-            </a:r>
-            <a:r>
-              <a:rPr lang="en-US" altLang="zh-TW" sz="2400" dirty="0" smtClean="0">
-                <a:solidFill>
-                  <a:schemeClr val="accent5">
-                    <a:lumMod val="75000"/>
-                  </a:schemeClr>
-                </a:solidFill>
-              </a:rPr>
-              <a:t>oop</a:t>
-            </a:r>
-          </a:p>
-          <a:p>
-            <a:r>
-              <a:rPr lang="en-US" altLang="zh-TW" sz="2400" dirty="0"/>
-              <a:t> </a:t>
-            </a:r>
-            <a:r>
-              <a:rPr lang="en-US" altLang="zh-TW" sz="2400" dirty="0" smtClean="0"/>
-              <a:t>       print(</a:t>
-            </a:r>
-            <a:r>
-              <a:rPr lang="en-US" altLang="zh-TW" sz="2400" dirty="0" err="1" smtClean="0"/>
-              <a:t>i</a:t>
-            </a:r>
-            <a:r>
-              <a:rPr lang="en-US" altLang="zh-TW" sz="2400" dirty="0" smtClean="0"/>
-              <a:t>)                </a:t>
-            </a:r>
-            <a:r>
-              <a:rPr lang="en-US" altLang="zh-TW" sz="2400" dirty="0" smtClean="0">
-                <a:solidFill>
-                  <a:schemeClr val="accent5">
-                    <a:lumMod val="75000"/>
-                  </a:schemeClr>
-                </a:solidFill>
-              </a:rPr>
-              <a:t>#Print </a:t>
-            </a:r>
-            <a:r>
-              <a:rPr lang="en-US" altLang="zh-TW" sz="2400" dirty="0" err="1" smtClean="0">
-                <a:solidFill>
-                  <a:schemeClr val="accent5">
-                    <a:lumMod val="75000"/>
-                  </a:schemeClr>
-                </a:solidFill>
-              </a:rPr>
-              <a:t>i</a:t>
-            </a:r>
-            <a:endParaRPr lang="en-US" altLang="zh-TW" sz="2400" dirty="0" smtClean="0">
+            <a:endParaRPr lang="en-US" sz="2400" dirty="0">
               <a:solidFill>
                 <a:schemeClr val="accent5">
                   <a:lumMod val="75000"/>
@@ -27926,7 +28119,7 @@
             </a:endParaRPr>
           </a:p>
           <a:p>
-            <a:endParaRPr lang="en-US" altLang="zh-TW" dirty="0" smtClean="0"/>
+            <a:endParaRPr lang="en-US" dirty="0"/>
           </a:p>
         </p:txBody>
       </p:sp>
@@ -40891,8 +41084,8 @@
         </p:nvSpPr>
         <p:spPr>
           <a:xfrm>
-            <a:off x="379136" y="796505"/>
-            <a:ext cx="6113104" cy="6093976"/>
+            <a:off x="437325" y="796505"/>
+            <a:ext cx="6172974" cy="5863144"/>
           </a:xfrm>
           <a:prstGeom prst="rect">
             <a:avLst/>
@@ -40939,26 +41132,34 @@
               <a:t>class </a:t>
             </a:r>
             <a:r>
-              <a:rPr lang="en-US" altLang="zh-TW" sz="1500" dirty="0" err="1"/>
+              <a:rPr lang="en-US" altLang="zh-TW" sz="1500" dirty="0" err="1" smtClean="0"/>
               <a:t>baseAnimal</a:t>
             </a:r>
             <a:r>
+              <a:rPr lang="en-US" altLang="zh-TW" sz="1500" dirty="0" smtClean="0"/>
+              <a:t>:</a:t>
+            </a:r>
+          </a:p>
+          <a:p>
+            <a:r>
+              <a:rPr lang="zh-TW" altLang="en-US" sz="1500" dirty="0"/>
+              <a:t> </a:t>
+            </a:r>
+            <a:r>
+              <a:rPr lang="zh-TW" altLang="en-US" sz="1500" dirty="0" smtClean="0"/>
+              <a:t>   </a:t>
+            </a:r>
+            <a:r>
+              <a:rPr lang="en-US" altLang="zh-TW" sz="1500" dirty="0" err="1" smtClean="0"/>
+              <a:t>def</a:t>
+            </a:r>
+            <a:r>
+              <a:rPr lang="en-US" altLang="zh-TW" sz="1500" dirty="0" smtClean="0"/>
+              <a:t> </a:t>
+            </a:r>
+            <a:r>
               <a:rPr lang="en-US" altLang="zh-TW" sz="1500" dirty="0"/>
-              <a:t>:</a:t>
-            </a:r>
-          </a:p>
-          <a:p>
-            <a:r>
-              <a:rPr lang="en-US" altLang="zh-TW" sz="1500" dirty="0"/>
-              <a:t>    </a:t>
-            </a:r>
-            <a:r>
-              <a:rPr lang="en-US" altLang="zh-TW" sz="1500" dirty="0" err="1"/>
-              <a:t>def</a:t>
-            </a:r>
-            <a:r>
-              <a:rPr lang="en-US" altLang="zh-TW" sz="1500" dirty="0"/>
-              <a:t> __</a:t>
+              <a:t>__</a:t>
             </a:r>
             <a:r>
               <a:rPr lang="en-US" altLang="zh-TW" sz="1500" dirty="0" err="1"/>
@@ -40966,80 +41167,117 @@
             </a:r>
             <a:r>
               <a:rPr lang="en-US" altLang="zh-TW" sz="1500" dirty="0"/>
-              <a:t>__(self, name):</a:t>
-            </a:r>
-          </a:p>
-          <a:p>
+              <a:t>__(self, name</a:t>
+            </a:r>
+            <a:r>
+              <a:rPr lang="en-US" altLang="zh-TW" sz="1500" dirty="0" smtClean="0"/>
+              <a:t>):</a:t>
+            </a:r>
+          </a:p>
+          <a:p>
+            <a:r>
+              <a:rPr lang="zh-TW" altLang="en-US" sz="1500" dirty="0"/>
+              <a:t> </a:t>
+            </a:r>
+            <a:r>
+              <a:rPr lang="zh-TW" altLang="en-US" sz="1500" dirty="0" smtClean="0"/>
+              <a:t>       </a:t>
+            </a:r>
+            <a:r>
+              <a:rPr lang="en-US" altLang="zh-TW" sz="1500" dirty="0" err="1" smtClean="0"/>
+              <a:t>self</a:t>
+            </a:r>
+            <a:r>
+              <a:rPr lang="en-US" altLang="zh-TW" sz="1500" dirty="0" err="1"/>
+              <a:t>.__name</a:t>
+            </a:r>
             <a:r>
               <a:rPr lang="en-US" altLang="zh-TW" sz="1500" dirty="0"/>
-              <a:t>        </a:t>
+              <a:t> = </a:t>
+            </a:r>
+            <a:r>
+              <a:rPr lang="en-US" altLang="zh-TW" sz="1500" dirty="0" smtClean="0"/>
+              <a:t>name</a:t>
+            </a:r>
+          </a:p>
+          <a:p>
+            <a:r>
+              <a:rPr lang="zh-TW" altLang="en-US" sz="1500" dirty="0"/>
+              <a:t> </a:t>
+            </a:r>
+            <a:r>
+              <a:rPr lang="zh-TW" altLang="en-US" sz="1500" dirty="0" smtClean="0"/>
+              <a:t>   </a:t>
+            </a:r>
+            <a:r>
+              <a:rPr lang="en-US" altLang="zh-TW" sz="1500" dirty="0" err="1" smtClean="0"/>
+              <a:t>def</a:t>
+            </a:r>
+            <a:r>
+              <a:rPr lang="en-US" altLang="zh-TW" sz="1500" dirty="0" smtClean="0"/>
+              <a:t> </a:t>
+            </a:r>
+            <a:r>
+              <a:rPr lang="en-US" altLang="zh-TW" sz="1500" dirty="0" err="1" smtClean="0"/>
+              <a:t>getAnimalName</a:t>
+            </a:r>
+            <a:r>
+              <a:rPr lang="en-US" altLang="zh-TW" sz="1500" dirty="0" smtClean="0"/>
+              <a:t>(self):</a:t>
+            </a:r>
+          </a:p>
+          <a:p>
+            <a:r>
+              <a:rPr lang="zh-TW" altLang="en-US" sz="1500" dirty="0"/>
+              <a:t> </a:t>
+            </a:r>
+            <a:r>
+              <a:rPr lang="zh-TW" altLang="en-US" sz="1500" dirty="0" smtClean="0"/>
+              <a:t>       </a:t>
+            </a:r>
+            <a:r>
+              <a:rPr lang="en-US" altLang="zh-TW" sz="1500" dirty="0" smtClean="0"/>
+              <a:t>return </a:t>
             </a:r>
             <a:r>
               <a:rPr lang="en-US" altLang="zh-TW" sz="1500" dirty="0" err="1"/>
-              <a:t>self.__name</a:t>
+              <a:t>self.__</a:t>
+            </a:r>
+            <a:r>
+              <a:rPr lang="en-US" altLang="zh-TW" sz="1500" dirty="0" err="1" smtClean="0"/>
+              <a:t>name</a:t>
+            </a:r>
+            <a:endParaRPr lang="en-US" altLang="zh-TW" sz="1500" dirty="0"/>
+          </a:p>
+          <a:p>
+            <a:endParaRPr lang="en-US" altLang="zh-TW" sz="1500" dirty="0"/>
+          </a:p>
+          <a:p>
+            <a:r>
+              <a:rPr lang="en-US" altLang="zh-TW" sz="1500" dirty="0" smtClean="0"/>
+              <a:t>class baseAnimal2:</a:t>
+            </a:r>
+          </a:p>
+          <a:p>
+            <a:r>
+              <a:rPr lang="zh-TW" altLang="en-US" sz="1500" dirty="0"/>
+              <a:t> </a:t>
+            </a:r>
+            <a:r>
+              <a:rPr lang="zh-TW" altLang="en-US" sz="1500" dirty="0" smtClean="0"/>
+              <a:t>   </a:t>
+            </a:r>
+            <a:r>
+              <a:rPr lang="en-US" altLang="zh-TW" sz="1500" dirty="0" err="1" smtClean="0"/>
+              <a:t>def</a:t>
+            </a:r>
+            <a:r>
+              <a:rPr lang="en-US" altLang="zh-TW" sz="1500" dirty="0" smtClean="0"/>
+              <a:t> </a:t>
             </a:r>
             <a:r>
               <a:rPr lang="en-US" altLang="zh-TW" sz="1500" dirty="0"/>
-              <a:t> = name</a:t>
-            </a:r>
-          </a:p>
-          <a:p>
-            <a:r>
-              <a:rPr lang="en-US" altLang="zh-TW" sz="1500" dirty="0"/>
-              <a:t>    </a:t>
-            </a:r>
-            <a:r>
-              <a:rPr lang="en-US" altLang="zh-TW" sz="1500" dirty="0" err="1"/>
-              <a:t>def</a:t>
-            </a:r>
-            <a:r>
-              <a:rPr lang="en-US" altLang="zh-TW" sz="1500" dirty="0"/>
-              <a:t> </a:t>
-            </a:r>
-            <a:r>
-              <a:rPr lang="en-US" altLang="zh-TW" sz="1500" dirty="0" err="1"/>
-              <a:t>getAnimalName</a:t>
-            </a:r>
-            <a:r>
-              <a:rPr lang="en-US" altLang="zh-TW" sz="1500" dirty="0"/>
-              <a:t>(self):</a:t>
-            </a:r>
-          </a:p>
-          <a:p>
-            <a:r>
-              <a:rPr lang="en-US" altLang="zh-TW" sz="1500" dirty="0"/>
-              <a:t>        return </a:t>
-            </a:r>
-            <a:r>
-              <a:rPr lang="en-US" altLang="zh-TW" sz="1500" dirty="0" err="1"/>
-              <a:t>self.__name</a:t>
-            </a:r>
-            <a:endParaRPr lang="en-US" altLang="zh-TW" sz="1500" dirty="0"/>
-          </a:p>
-          <a:p>
-            <a:r>
-              <a:rPr lang="en-US" altLang="zh-TW" sz="1500" dirty="0"/>
-              <a:t>    </a:t>
-            </a:r>
-          </a:p>
-          <a:p>
-            <a:r>
-              <a:rPr lang="en-US" altLang="zh-TW" sz="1500" dirty="0"/>
-              <a:t>class baseAnimal2:</a:t>
-            </a:r>
-          </a:p>
-          <a:p>
-            <a:r>
-              <a:rPr lang="en-US" altLang="zh-TW" sz="1500" dirty="0"/>
-              <a:t>    </a:t>
-            </a:r>
-            <a:r>
-              <a:rPr lang="en-US" altLang="zh-TW" sz="1500" dirty="0" err="1"/>
-              <a:t>def</a:t>
-            </a:r>
-            <a:r>
-              <a:rPr lang="en-US" altLang="zh-TW" sz="1500" dirty="0"/>
-              <a:t> __</a:t>
+              <a:t>__</a:t>
             </a:r>
             <a:r>
               <a:rPr lang="en-US" altLang="zh-TW" sz="1500" dirty="0" err="1"/>
@@ -41047,34 +41285,54 @@
             </a:r>
             <a:r>
               <a:rPr lang="en-US" altLang="zh-TW" sz="1500" dirty="0"/>
-              <a:t>__(self, species):</a:t>
-            </a:r>
-          </a:p>
-          <a:p>
+              <a:t>__(self, species</a:t>
+            </a:r>
+            <a:r>
+              <a:rPr lang="en-US" altLang="zh-TW" sz="1500" dirty="0" smtClean="0"/>
+              <a:t>):</a:t>
+            </a:r>
+          </a:p>
+          <a:p>
+            <a:r>
+              <a:rPr lang="zh-TW" altLang="en-US" sz="1500" dirty="0"/>
+              <a:t> </a:t>
+            </a:r>
+            <a:r>
+              <a:rPr lang="zh-TW" altLang="en-US" sz="1500" dirty="0" smtClean="0"/>
+              <a:t>       </a:t>
+            </a:r>
+            <a:r>
+              <a:rPr lang="en-US" altLang="zh-TW" sz="1500" dirty="0" err="1" smtClean="0"/>
+              <a:t>self</a:t>
+            </a:r>
+            <a:r>
+              <a:rPr lang="en-US" altLang="zh-TW" sz="1500" dirty="0" err="1"/>
+              <a:t>.__species</a:t>
+            </a:r>
             <a:r>
               <a:rPr lang="en-US" altLang="zh-TW" sz="1500" dirty="0"/>
-              <a:t>        </a:t>
-            </a:r>
-            <a:r>
-              <a:rPr lang="en-US" altLang="zh-TW" sz="1500" dirty="0" err="1"/>
-              <a:t>self.__species</a:t>
-            </a:r>
-            <a:r>
-              <a:rPr lang="en-US" altLang="zh-TW" sz="1500" dirty="0"/>
-              <a:t> = species    </a:t>
-            </a:r>
-          </a:p>
-          <a:p>
-            <a:r>
-              <a:rPr lang="en-US" altLang="zh-TW" sz="1500" dirty="0"/>
-              <a:t>    </a:t>
-            </a:r>
-            <a:r>
-              <a:rPr lang="en-US" altLang="zh-TW" sz="1500" dirty="0" err="1"/>
+              <a:t> = </a:t>
+            </a:r>
+            <a:r>
+              <a:rPr lang="en-US" altLang="zh-TW" sz="1500" dirty="0" smtClean="0"/>
+              <a:t>species</a:t>
+            </a:r>
+          </a:p>
+          <a:p>
+            <a:r>
+              <a:rPr lang="zh-TW" altLang="en-US" sz="1500" dirty="0"/>
+              <a:t> </a:t>
+            </a:r>
+            <a:r>
+              <a:rPr lang="zh-TW" altLang="en-US" sz="1500" dirty="0" smtClean="0"/>
+              <a:t>   </a:t>
+            </a:r>
+            <a:r>
+              <a:rPr lang="en-US" altLang="zh-TW" sz="1500" dirty="0" err="1" smtClean="0"/>
               <a:t>def</a:t>
             </a:r>
             <a:r>
-              <a:rPr lang="en-US" altLang="zh-TW" sz="1500" dirty="0"/>
+              <a:rPr lang="en-US" altLang="zh-TW" sz="1500" dirty="0" smtClean="0"/>
               <a:t> </a:t>
             </a:r>
             <a:r>
@@ -41083,65 +41341,113 @@
             </a:r>
             <a:r>
               <a:rPr lang="en-US" altLang="zh-TW" sz="1500" dirty="0"/>
-              <a:t>(self):</a:t>
-            </a:r>
-          </a:p>
-          <a:p>
+              <a:t>(self</a:t>
+            </a:r>
+            <a:r>
+              <a:rPr lang="en-US" altLang="zh-TW" sz="1500" dirty="0" smtClean="0"/>
+              <a:t>):</a:t>
+            </a:r>
+          </a:p>
+          <a:p>
+            <a:r>
+              <a:rPr lang="zh-TW" altLang="en-US" sz="1500" dirty="0"/>
+              <a:t> </a:t>
+            </a:r>
+            <a:r>
+              <a:rPr lang="zh-TW" altLang="en-US" sz="1500" dirty="0" smtClean="0"/>
+              <a:t>       </a:t>
+            </a:r>
+            <a:r>
+              <a:rPr lang="en-US" altLang="zh-TW" sz="1500" dirty="0" smtClean="0"/>
+              <a:t>return </a:t>
+            </a:r>
+            <a:r>
+              <a:rPr lang="en-US" altLang="zh-TW" sz="1500" dirty="0" err="1"/>
+              <a:t>self.__</a:t>
+            </a:r>
+            <a:r>
+              <a:rPr lang="en-US" altLang="zh-TW" sz="1500" dirty="0" err="1" smtClean="0"/>
+              <a:t>species</a:t>
+            </a:r>
+            <a:endParaRPr lang="en-US" altLang="zh-TW" sz="1500" dirty="0"/>
+          </a:p>
+          <a:p>
+            <a:endParaRPr lang="en-US" altLang="zh-TW" sz="1500" dirty="0">
+              <a:solidFill>
+                <a:srgbClr val="0070C0"/>
+              </a:solidFill>
+            </a:endParaRPr>
+          </a:p>
+          <a:p>
+            <a:r>
+              <a:rPr lang="en-US" altLang="zh-TW" sz="1500" dirty="0" smtClean="0">
+                <a:solidFill>
+                  <a:srgbClr val="0070C0"/>
+                </a:solidFill>
+              </a:rPr>
+              <a:t>class </a:t>
+            </a:r>
+            <a:r>
+              <a:rPr lang="en-US" altLang="zh-TW" sz="1500" dirty="0">
+                <a:solidFill>
+                  <a:srgbClr val="0070C0"/>
+                </a:solidFill>
+              </a:rPr>
+              <a:t>cat(</a:t>
+            </a:r>
+            <a:r>
+              <a:rPr lang="en-US" altLang="zh-TW" sz="1500" dirty="0" err="1">
+                <a:solidFill>
+                  <a:srgbClr val="0070C0"/>
+                </a:solidFill>
+              </a:rPr>
+              <a:t>baseAnimal</a:t>
+            </a:r>
+            <a:r>
+              <a:rPr lang="en-US" altLang="zh-TW" sz="1500" dirty="0">
+                <a:solidFill>
+                  <a:srgbClr val="0070C0"/>
+                </a:solidFill>
+              </a:rPr>
+              <a:t>, baseAnimal2</a:t>
+            </a:r>
+            <a:r>
+              <a:rPr lang="en-US" altLang="zh-TW" sz="1500" dirty="0" smtClean="0">
+                <a:solidFill>
+                  <a:srgbClr val="0070C0"/>
+                </a:solidFill>
+              </a:rPr>
+              <a:t>):</a:t>
+            </a:r>
+          </a:p>
+          <a:p>
+            <a:r>
+              <a:rPr lang="zh-TW" altLang="en-US" sz="1500" dirty="0">
+                <a:solidFill>
+                  <a:srgbClr val="0070C0"/>
+                </a:solidFill>
+              </a:rPr>
+              <a:t> </a:t>
+            </a:r>
+            <a:r>
+              <a:rPr lang="zh-TW" altLang="en-US" sz="1500" dirty="0" smtClean="0">
+                <a:solidFill>
+                  <a:srgbClr val="0070C0"/>
+                </a:solidFill>
+              </a:rPr>
+              <a:t>   </a:t>
+            </a:r>
+            <a:r>
+              <a:rPr lang="en-US" altLang="zh-TW" sz="1500" dirty="0" err="1" smtClean="0"/>
+              <a:t>def</a:t>
+            </a:r>
+            <a:r>
+              <a:rPr lang="en-US" altLang="zh-TW" sz="1500" dirty="0" smtClean="0"/>
+              <a:t> </a:t>
+            </a:r>
             <a:r>
               <a:rPr lang="en-US" altLang="zh-TW" sz="1500" dirty="0"/>
-              <a:t>        return </a:t>
-            </a:r>
-            <a:r>
-              <a:rPr lang="en-US" altLang="zh-TW" sz="1500" dirty="0" err="1"/>
-              <a:t>self.__species</a:t>
-            </a:r>
-            <a:endParaRPr lang="en-US" altLang="zh-TW" sz="1500" dirty="0"/>
-          </a:p>
-          <a:p>
-            <a:r>
-              <a:rPr lang="en-US" altLang="zh-TW" sz="1500" dirty="0"/>
-              <a:t/>
-            </a:r>
-            <a:br>
-              <a:rPr lang="en-US" altLang="zh-TW" sz="1500" dirty="0"/>
-            </a:br>
-            <a:r>
-              <a:rPr lang="en-US" altLang="zh-TW" sz="1500" dirty="0">
-                <a:solidFill>
-                  <a:srgbClr val="0070C0"/>
-                </a:solidFill>
-              </a:rPr>
-              <a:t>class cat(</a:t>
-            </a:r>
-            <a:r>
-              <a:rPr lang="en-US" altLang="zh-TW" sz="1500" dirty="0" err="1">
-                <a:solidFill>
-                  <a:srgbClr val="0070C0"/>
-                </a:solidFill>
-              </a:rPr>
-              <a:t>baseAnimal</a:t>
-            </a:r>
-            <a:r>
-              <a:rPr lang="en-US" altLang="zh-TW" sz="1500" dirty="0">
-                <a:solidFill>
-                  <a:srgbClr val="0070C0"/>
-                </a:solidFill>
-              </a:rPr>
-              <a:t>, baseAnimal2):</a:t>
-            </a:r>
-          </a:p>
-          <a:p>
-            <a:r>
-              <a:rPr lang="en-US" altLang="zh-TW" sz="1500" dirty="0"/>
-              <a:t>    </a:t>
-            </a:r>
-            <a:r>
-              <a:rPr lang="en-US" altLang="zh-TW" sz="1500" dirty="0" err="1"/>
-              <a:t>def</a:t>
-            </a:r>
-            <a:r>
-              <a:rPr lang="en-US" altLang="zh-TW" sz="1500" dirty="0"/>
-              <a:t> __</a:t>
+              <a:t>__</a:t>
             </a:r>
             <a:r>
               <a:rPr lang="en-US" altLang="zh-TW" sz="1500" dirty="0" err="1"/>
@@ -41149,16 +41455,24 @@
             </a:r>
             <a:r>
               <a:rPr lang="en-US" altLang="zh-TW" sz="1500" dirty="0"/>
-              <a:t>__(self, name, specie):</a:t>
-            </a:r>
-          </a:p>
-          <a:p>
-            <a:r>
-              <a:rPr lang="en-US" altLang="zh-TW" sz="1500" dirty="0"/>
-              <a:t>        </a:t>
-            </a:r>
-            <a:r>
-              <a:rPr lang="en-US" altLang="zh-TW" sz="1500" dirty="0" err="1"/>
+              <a:t>__(self, name, specie</a:t>
+            </a:r>
+            <a:r>
+              <a:rPr lang="en-US" altLang="zh-TW" sz="1500" dirty="0" smtClean="0"/>
+              <a:t>):</a:t>
+            </a:r>
+          </a:p>
+          <a:p>
+            <a:r>
+              <a:rPr lang="zh-TW" altLang="en-US" sz="1500" dirty="0"/>
+              <a:t> </a:t>
+            </a:r>
+            <a:r>
+              <a:rPr lang="zh-TW" altLang="en-US" sz="1500" dirty="0" smtClean="0"/>
+              <a:t>       </a:t>
+            </a:r>
+            <a:r>
+              <a:rPr lang="en-US" altLang="zh-TW" sz="1500" dirty="0" err="1" smtClean="0"/>
               <a:t>baseAnimal</a:t>
             </a:r>
             <a:r>
@@ -41174,56 +41488,96 @@
               <a:t>__(</a:t>
             </a:r>
             <a:r>
-              <a:rPr lang="en-US" altLang="zh-TW" sz="1500" dirty="0" err="1"/>
+              <a:rPr lang="en-US" altLang="zh-TW" sz="1500" dirty="0" err="1" smtClean="0"/>
               <a:t>self,name</a:t>
             </a:r>
             <a:r>
+              <a:rPr lang="en-US" altLang="zh-TW" sz="1500" dirty="0" smtClean="0"/>
+              <a:t>)</a:t>
+            </a:r>
+          </a:p>
+          <a:p>
+            <a:r>
+              <a:rPr lang="zh-TW" altLang="en-US" sz="1500" dirty="0"/>
+              <a:t> </a:t>
+            </a:r>
+            <a:r>
+              <a:rPr lang="zh-TW" altLang="en-US" sz="1500" dirty="0" smtClean="0"/>
+              <a:t>       </a:t>
+            </a:r>
+            <a:r>
+              <a:rPr lang="en-US" altLang="zh-TW" sz="1500" dirty="0" smtClean="0"/>
+              <a:t>baseAnimal2</a:t>
+            </a:r>
+            <a:r>
               <a:rPr lang="en-US" altLang="zh-TW" sz="1500" dirty="0"/>
+              <a:t>.__init__(</a:t>
+            </a:r>
+            <a:r>
+              <a:rPr lang="en-US" altLang="zh-TW" sz="1500" dirty="0" err="1" smtClean="0"/>
+              <a:t>self,specie</a:t>
+            </a:r>
+            <a:r>
+              <a:rPr lang="en-US" altLang="zh-TW" sz="1500" dirty="0" smtClean="0"/>
               <a:t>)</a:t>
             </a:r>
           </a:p>
           <a:p>
             <a:r>
+              <a:rPr lang="zh-TW" altLang="en-US" sz="1500" dirty="0"/>
+              <a:t> </a:t>
+            </a:r>
+            <a:r>
+              <a:rPr lang="zh-TW" altLang="en-US" sz="1500" dirty="0" smtClean="0"/>
+              <a:t>   </a:t>
+            </a:r>
+            <a:r>
+              <a:rPr lang="en-US" altLang="zh-TW" sz="1500" dirty="0" err="1" smtClean="0"/>
+              <a:t>def</a:t>
+            </a:r>
+            <a:r>
+              <a:rPr lang="en-US" altLang="zh-TW" sz="1500" dirty="0" smtClean="0"/>
+              <a:t> </a:t>
+            </a:r>
+            <a:r>
               <a:rPr lang="en-US" altLang="zh-TW" sz="1500" dirty="0"/>
-              <a:t>        baseAnimal2.__init__(</a:t>
-            </a:r>
-            <a:r>
-              <a:rPr lang="en-US" altLang="zh-TW" sz="1500" dirty="0" err="1"/>
-              <a:t>self,specie</a:t>
-            </a:r>
-            <a:r>
-              <a:rPr lang="en-US" altLang="zh-TW" sz="1500" dirty="0"/>
-              <a:t>) </a:t>
-            </a:r>
-          </a:p>
-          <a:p>
-            <a:r>
-              <a:rPr lang="en-US" altLang="zh-TW" sz="1500" dirty="0"/>
-              <a:t>    </a:t>
-            </a:r>
-            <a:r>
-              <a:rPr lang="en-US" altLang="zh-TW" sz="1500" dirty="0" err="1"/>
-              <a:t>def</a:t>
-            </a:r>
-            <a:r>
-              <a:rPr lang="en-US" altLang="zh-TW" sz="1500" dirty="0"/>
-              <a:t> update(self):</a:t>
-            </a:r>
-          </a:p>
-          <a:p>
-            <a:r>
-              <a:rPr lang="en-US" altLang="zh-TW" sz="1500" dirty="0"/>
-              <a:t>        return "</a:t>
-            </a:r>
+              <a:t>update(self</a:t>
+            </a:r>
+            <a:r>
+              <a:rPr lang="en-US" altLang="zh-TW" sz="1500" dirty="0" smtClean="0"/>
+              <a:t>):</a:t>
+            </a:r>
+          </a:p>
+          <a:p>
             <a:r>
               <a:rPr lang="zh-TW" altLang="en-US" sz="1500" dirty="0"/>
-              <a:t>喵喵叫</a:t>
+              <a:t> </a:t>
+            </a:r>
+            <a:r>
+              <a:rPr lang="zh-TW" altLang="en-US" sz="1500" dirty="0" smtClean="0"/>
+              <a:t>       </a:t>
+            </a:r>
+            <a:r>
+              <a:rPr lang="en-US" altLang="zh-TW" sz="1500" dirty="0" smtClean="0"/>
+              <a:t>return </a:t>
             </a:r>
             <a:r>
               <a:rPr lang="en-US" altLang="zh-TW" sz="1500" dirty="0"/>
               <a:t>"</a:t>
             </a:r>
-            <a:endParaRPr lang="zh-TW" altLang="en-US" sz="1500" dirty="0"/>
+            <a:r>
+              <a:rPr lang="zh-TW" altLang="en-US" sz="1500" dirty="0"/>
+              <a:t>喵喵</a:t>
+            </a:r>
+            <a:r>
+              <a:rPr lang="zh-TW" altLang="en-US" sz="1500" dirty="0" smtClean="0"/>
+              <a:t>叫</a:t>
+            </a:r>
+            <a:r>
+              <a:rPr lang="en-US" altLang="zh-TW" sz="1500" dirty="0"/>
+              <a:t>"</a:t>
+            </a:r>
+            <a:endParaRPr lang="en-US" altLang="zh-TW" sz="1500" dirty="0" smtClean="0"/>
           </a:p>
           <a:p>
             <a:endParaRPr lang="en-US" altLang="zh-TW" sz="1500" dirty="0"/>

--- a/Python Introduction.pptx
+++ b/Python Introduction.pptx
@@ -102,9 +102,10 @@
     <p:sldId id="404" r:id="rId96"/>
     <p:sldId id="359" r:id="rId97"/>
     <p:sldId id="360" r:id="rId98"/>
-    <p:sldId id="361" r:id="rId99"/>
-    <p:sldId id="318" r:id="rId100"/>
-    <p:sldId id="304" r:id="rId101"/>
+    <p:sldId id="409" r:id="rId99"/>
+    <p:sldId id="361" r:id="rId100"/>
+    <p:sldId id="318" r:id="rId101"/>
+    <p:sldId id="304" r:id="rId102"/>
   </p:sldIdLst>
   <p:sldSz cx="12192000" cy="6858000"/>
   <p:notesSz cx="6858000" cy="9144000"/>
@@ -956,7 +957,7 @@
           <a:p>
             <a:fld id="{117F0709-AC62-415F-B52D-54A77B1A61B0}" type="datetimeFigureOut">
               <a:rPr lang="zh-TW" altLang="en-US" smtClean="0"/>
-              <a:t>2022/5/19</a:t>
+              <a:t>2022/5/29</a:t>
             </a:fld>
             <a:endParaRPr lang="zh-TW" altLang="en-US"/>
           </a:p>
@@ -1207,7 +1208,7 @@
           <a:p>
             <a:fld id="{117F0709-AC62-415F-B52D-54A77B1A61B0}" type="datetimeFigureOut">
               <a:rPr lang="zh-TW" altLang="en-US" smtClean="0"/>
-              <a:t>2022/5/19</a:t>
+              <a:t>2022/5/29</a:t>
             </a:fld>
             <a:endParaRPr lang="zh-TW" altLang="en-US"/>
           </a:p>
@@ -1521,7 +1522,7 @@
           <a:p>
             <a:fld id="{117F0709-AC62-415F-B52D-54A77B1A61B0}" type="datetimeFigureOut">
               <a:rPr lang="zh-TW" altLang="en-US" smtClean="0"/>
-              <a:t>2022/5/19</a:t>
+              <a:t>2022/5/29</a:t>
             </a:fld>
             <a:endParaRPr lang="zh-TW" altLang="en-US"/>
           </a:p>
@@ -1854,7 +1855,7 @@
           <a:p>
             <a:fld id="{117F0709-AC62-415F-B52D-54A77B1A61B0}" type="datetimeFigureOut">
               <a:rPr lang="zh-TW" altLang="en-US" smtClean="0"/>
-              <a:t>2022/5/19</a:t>
+              <a:t>2022/5/29</a:t>
             </a:fld>
             <a:endParaRPr lang="zh-TW" altLang="en-US"/>
           </a:p>
@@ -2168,7 +2169,7 @@
           <a:p>
             <a:fld id="{117F0709-AC62-415F-B52D-54A77B1A61B0}" type="datetimeFigureOut">
               <a:rPr lang="zh-TW" altLang="en-US" smtClean="0"/>
-              <a:t>2022/5/19</a:t>
+              <a:t>2022/5/29</a:t>
             </a:fld>
             <a:endParaRPr lang="zh-TW" altLang="en-US"/>
           </a:p>
@@ -2561,7 +2562,7 @@
           <a:p>
             <a:fld id="{117F0709-AC62-415F-B52D-54A77B1A61B0}" type="datetimeFigureOut">
               <a:rPr lang="zh-TW" altLang="en-US" smtClean="0"/>
-              <a:t>2022/5/19</a:t>
+              <a:t>2022/5/29</a:t>
             </a:fld>
             <a:endParaRPr lang="zh-TW" altLang="en-US"/>
           </a:p>
@@ -2731,7 +2732,7 @@
           <a:p>
             <a:fld id="{117F0709-AC62-415F-B52D-54A77B1A61B0}" type="datetimeFigureOut">
               <a:rPr lang="zh-TW" altLang="en-US" smtClean="0"/>
-              <a:t>2022/5/19</a:t>
+              <a:t>2022/5/29</a:t>
             </a:fld>
             <a:endParaRPr lang="zh-TW" altLang="en-US"/>
           </a:p>
@@ -2911,7 +2912,7 @@
           <a:p>
             <a:fld id="{117F0709-AC62-415F-B52D-54A77B1A61B0}" type="datetimeFigureOut">
               <a:rPr lang="zh-TW" altLang="en-US" smtClean="0"/>
-              <a:t>2022/5/19</a:t>
+              <a:t>2022/5/29</a:t>
             </a:fld>
             <a:endParaRPr lang="zh-TW" altLang="en-US"/>
           </a:p>
@@ -3081,7 +3082,7 @@
           <a:p>
             <a:fld id="{117F0709-AC62-415F-B52D-54A77B1A61B0}" type="datetimeFigureOut">
               <a:rPr lang="zh-TW" altLang="en-US" smtClean="0"/>
-              <a:t>2022/5/19</a:t>
+              <a:t>2022/5/29</a:t>
             </a:fld>
             <a:endParaRPr lang="zh-TW" altLang="en-US"/>
           </a:p>
@@ -3328,7 +3329,7 @@
           <a:p>
             <a:fld id="{117F0709-AC62-415F-B52D-54A77B1A61B0}" type="datetimeFigureOut">
               <a:rPr lang="zh-TW" altLang="en-US" smtClean="0"/>
-              <a:t>2022/5/19</a:t>
+              <a:t>2022/5/29</a:t>
             </a:fld>
             <a:endParaRPr lang="zh-TW" altLang="en-US"/>
           </a:p>
@@ -3560,7 +3561,7 @@
           <a:p>
             <a:fld id="{117F0709-AC62-415F-B52D-54A77B1A61B0}" type="datetimeFigureOut">
               <a:rPr lang="zh-TW" altLang="en-US" smtClean="0"/>
-              <a:t>2022/5/19</a:t>
+              <a:t>2022/5/29</a:t>
             </a:fld>
             <a:endParaRPr lang="zh-TW" altLang="en-US"/>
           </a:p>
@@ -3934,7 +3935,7 @@
           <a:p>
             <a:fld id="{117F0709-AC62-415F-B52D-54A77B1A61B0}" type="datetimeFigureOut">
               <a:rPr lang="zh-TW" altLang="en-US" smtClean="0"/>
-              <a:t>2022/5/19</a:t>
+              <a:t>2022/5/29</a:t>
             </a:fld>
             <a:endParaRPr lang="zh-TW" altLang="en-US"/>
           </a:p>
@@ -4057,7 +4058,7 @@
           <a:p>
             <a:fld id="{117F0709-AC62-415F-B52D-54A77B1A61B0}" type="datetimeFigureOut">
               <a:rPr lang="zh-TW" altLang="en-US" smtClean="0"/>
-              <a:t>2022/5/19</a:t>
+              <a:t>2022/5/29</a:t>
             </a:fld>
             <a:endParaRPr lang="zh-TW" altLang="en-US"/>
           </a:p>
@@ -4152,7 +4153,7 @@
           <a:p>
             <a:fld id="{117F0709-AC62-415F-B52D-54A77B1A61B0}" type="datetimeFigureOut">
               <a:rPr lang="zh-TW" altLang="en-US" smtClean="0"/>
-              <a:t>2022/5/19</a:t>
+              <a:t>2022/5/29</a:t>
             </a:fld>
             <a:endParaRPr lang="zh-TW" altLang="en-US"/>
           </a:p>
@@ -4407,7 +4408,7 @@
           <a:p>
             <a:fld id="{117F0709-AC62-415F-B52D-54A77B1A61B0}" type="datetimeFigureOut">
               <a:rPr lang="zh-TW" altLang="en-US" smtClean="0"/>
-              <a:t>2022/5/19</a:t>
+              <a:t>2022/5/29</a:t>
             </a:fld>
             <a:endParaRPr lang="zh-TW" altLang="en-US"/>
           </a:p>
@@ -4712,7 +4713,7 @@
           <a:p>
             <a:fld id="{117F0709-AC62-415F-B52D-54A77B1A61B0}" type="datetimeFigureOut">
               <a:rPr lang="zh-TW" altLang="en-US" smtClean="0"/>
-              <a:t>2022/5/19</a:t>
+              <a:t>2022/5/29</a:t>
             </a:fld>
             <a:endParaRPr lang="zh-TW" altLang="en-US"/>
           </a:p>
@@ -5414,7 +5415,7 @@
           <a:p>
             <a:fld id="{117F0709-AC62-415F-B52D-54A77B1A61B0}" type="datetimeFigureOut">
               <a:rPr lang="zh-TW" altLang="en-US" smtClean="0"/>
-              <a:t>2022/5/19</a:t>
+              <a:t>2022/5/29</a:t>
             </a:fld>
             <a:endParaRPr lang="zh-TW" altLang="en-US"/>
           </a:p>
@@ -6250,6 +6251,324 @@
       </p:grpSpPr>
       <p:sp>
         <p:nvSpPr>
+          <p:cNvPr id="5" name="標題 1"/>
+          <p:cNvSpPr txBox="1">
+            <a:spLocks/>
+          </p:cNvSpPr>
+          <p:nvPr/>
+        </p:nvSpPr>
+        <p:spPr>
+          <a:xfrm>
+            <a:off x="573816" y="281796"/>
+            <a:ext cx="8596668" cy="796505"/>
+          </a:xfrm>
+          <a:prstGeom prst="rect">
+            <a:avLst/>
+          </a:prstGeom>
+        </p:spPr>
+        <p:txBody>
+          <a:bodyPr vert="horz" lIns="91440" tIns="45720" rIns="91440" bIns="45720" rtlCol="0" anchor="b">
+            <a:noAutofit/>
+          </a:bodyPr>
+          <a:lstStyle>
+            <a:lvl1pPr algn="r" defTabSz="457200" rtl="0" eaLnBrk="1" latinLnBrk="0" hangingPunct="1">
+              <a:spcBef>
+                <a:spcPct val="0"/>
+              </a:spcBef>
+              <a:buNone/>
+              <a:defRPr sz="5400" kern="1200">
+                <a:solidFill>
+                  <a:schemeClr val="accent1"/>
+                </a:solidFill>
+                <a:latin typeface="+mj-lt"/>
+                <a:ea typeface="+mj-ea"/>
+                <a:cs typeface="+mj-cs"/>
+              </a:defRPr>
+            </a:lvl1pPr>
+            <a:lvl2pPr eaLnBrk="1" hangingPunct="1">
+              <a:defRPr>
+                <a:solidFill>
+                  <a:schemeClr val="tx2"/>
+                </a:solidFill>
+              </a:defRPr>
+            </a:lvl2pPr>
+            <a:lvl3pPr eaLnBrk="1" hangingPunct="1">
+              <a:defRPr>
+                <a:solidFill>
+                  <a:schemeClr val="tx2"/>
+                </a:solidFill>
+              </a:defRPr>
+            </a:lvl3pPr>
+            <a:lvl4pPr eaLnBrk="1" hangingPunct="1">
+              <a:defRPr>
+                <a:solidFill>
+                  <a:schemeClr val="tx2"/>
+                </a:solidFill>
+              </a:defRPr>
+            </a:lvl4pPr>
+            <a:lvl5pPr eaLnBrk="1" hangingPunct="1">
+              <a:defRPr>
+                <a:solidFill>
+                  <a:schemeClr val="tx2"/>
+                </a:solidFill>
+              </a:defRPr>
+            </a:lvl5pPr>
+            <a:lvl6pPr eaLnBrk="1" hangingPunct="1">
+              <a:defRPr>
+                <a:solidFill>
+                  <a:schemeClr val="tx2"/>
+                </a:solidFill>
+              </a:defRPr>
+            </a:lvl6pPr>
+            <a:lvl7pPr eaLnBrk="1" hangingPunct="1">
+              <a:defRPr>
+                <a:solidFill>
+                  <a:schemeClr val="tx2"/>
+                </a:solidFill>
+              </a:defRPr>
+            </a:lvl7pPr>
+            <a:lvl8pPr eaLnBrk="1" hangingPunct="1">
+              <a:defRPr>
+                <a:solidFill>
+                  <a:schemeClr val="tx2"/>
+                </a:solidFill>
+              </a:defRPr>
+            </a:lvl8pPr>
+            <a:lvl9pPr eaLnBrk="1" hangingPunct="1">
+              <a:defRPr>
+                <a:solidFill>
+                  <a:schemeClr val="tx2"/>
+                </a:solidFill>
+              </a:defRPr>
+            </a:lvl9pPr>
+          </a:lstStyle>
+          <a:p>
+            <a:pPr algn="ctr"/>
+            <a:r>
+              <a:rPr lang="en-US" altLang="zh-TW" sz="3600" dirty="0" smtClean="0">
+                <a:solidFill>
+                  <a:schemeClr val="tx1"/>
+                </a:solidFill>
+              </a:rPr>
+              <a:t>Reference</a:t>
+            </a:r>
+            <a:endParaRPr lang="en-US" altLang="zh-TW" sz="3600" dirty="0">
+              <a:solidFill>
+                <a:schemeClr val="tx1"/>
+              </a:solidFill>
+            </a:endParaRPr>
+          </a:p>
+        </p:txBody>
+      </p:sp>
+      <p:sp>
+        <p:nvSpPr>
+          <p:cNvPr id="8" name="文字方塊 7"/>
+          <p:cNvSpPr txBox="1"/>
+          <p:nvPr/>
+        </p:nvSpPr>
+        <p:spPr>
+          <a:xfrm>
+            <a:off x="897147" y="1199384"/>
+            <a:ext cx="8273337" cy="6555641"/>
+          </a:xfrm>
+          <a:prstGeom prst="rect">
+            <a:avLst/>
+          </a:prstGeom>
+          <a:noFill/>
+        </p:spPr>
+        <p:txBody>
+          <a:bodyPr wrap="square" rtlCol="0">
+            <a:spAutoFit/>
+          </a:bodyPr>
+          <a:lstStyle/>
+          <a:p>
+            <a:r>
+              <a:rPr lang="en-US" altLang="zh-TW" dirty="0" smtClean="0"/>
+              <a:t>Python download</a:t>
+            </a:r>
+          </a:p>
+          <a:p>
+            <a:r>
+              <a:rPr lang="en-US" altLang="zh-TW" dirty="0" smtClean="0">
+                <a:hlinkClick r:id="rId2"/>
+              </a:rPr>
+              <a:t>https://www.python.org/downloads/</a:t>
+            </a:r>
+            <a:endParaRPr lang="en-US" altLang="zh-TW" dirty="0" smtClean="0"/>
+          </a:p>
+          <a:p>
+            <a:endParaRPr lang="en-US" altLang="zh-TW" dirty="0"/>
+          </a:p>
+          <a:p>
+            <a:endParaRPr lang="en-US" altLang="zh-TW" dirty="0" smtClean="0"/>
+          </a:p>
+          <a:p>
+            <a:r>
+              <a:rPr lang="en-US" altLang="zh-TW" dirty="0" smtClean="0"/>
+              <a:t>Visual Studio Code download</a:t>
+            </a:r>
+          </a:p>
+          <a:p>
+            <a:r>
+              <a:rPr lang="en-US" altLang="zh-TW" dirty="0">
+                <a:hlinkClick r:id="rId3"/>
+              </a:rPr>
+              <a:t>https://</a:t>
+            </a:r>
+            <a:r>
+              <a:rPr lang="en-US" altLang="zh-TW" dirty="0" smtClean="0">
+                <a:hlinkClick r:id="rId3"/>
+              </a:rPr>
+              <a:t>code.visualstudio.com/download</a:t>
+            </a:r>
+            <a:endParaRPr lang="en-US" altLang="zh-TW" dirty="0" smtClean="0"/>
+          </a:p>
+          <a:p>
+            <a:endParaRPr lang="en-US" altLang="zh-TW" dirty="0" smtClean="0"/>
+          </a:p>
+          <a:p>
+            <a:endParaRPr lang="en-US" altLang="zh-TW" dirty="0" smtClean="0"/>
+          </a:p>
+          <a:p>
+            <a:r>
+              <a:rPr lang="en-US" altLang="zh-TW" dirty="0" smtClean="0"/>
+              <a:t>Anaconda download</a:t>
+            </a:r>
+          </a:p>
+          <a:p>
+            <a:r>
+              <a:rPr lang="en-US" altLang="zh-TW" dirty="0">
+                <a:hlinkClick r:id="rId4"/>
+              </a:rPr>
+              <a:t>https://</a:t>
+            </a:r>
+            <a:r>
+              <a:rPr lang="en-US" altLang="zh-TW" dirty="0" smtClean="0">
+                <a:hlinkClick r:id="rId4"/>
+              </a:rPr>
+              <a:t>www.anaconda.com/products/individual</a:t>
+            </a:r>
+            <a:endParaRPr lang="en-US" altLang="zh-TW" dirty="0" smtClean="0"/>
+          </a:p>
+          <a:p>
+            <a:endParaRPr lang="en-US" altLang="zh-TW" dirty="0" smtClean="0"/>
+          </a:p>
+          <a:p>
+            <a:endParaRPr lang="en-US" altLang="zh-TW" dirty="0"/>
+          </a:p>
+          <a:p>
+            <a:r>
+              <a:rPr lang="en-US" altLang="zh-TW" dirty="0" smtClean="0"/>
+              <a:t>Python Document</a:t>
+            </a:r>
+          </a:p>
+          <a:p>
+            <a:r>
+              <a:rPr lang="en-US" altLang="zh-TW" dirty="0">
+                <a:hlinkClick r:id="rId5"/>
+              </a:rPr>
+              <a:t>https://</a:t>
+            </a:r>
+            <a:r>
+              <a:rPr lang="en-US" altLang="zh-TW" dirty="0" smtClean="0">
+                <a:hlinkClick r:id="rId5"/>
+              </a:rPr>
+              <a:t>docs.python.org/zh-tw/3/tutorial/index.html</a:t>
+            </a:r>
+            <a:endParaRPr lang="en-US" altLang="zh-TW" dirty="0" smtClean="0"/>
+          </a:p>
+          <a:p>
+            <a:endParaRPr lang="en-US" altLang="zh-TW" dirty="0" smtClean="0"/>
+          </a:p>
+          <a:p>
+            <a:endParaRPr lang="en-US" altLang="zh-TW" dirty="0" smtClean="0"/>
+          </a:p>
+          <a:p>
+            <a:r>
+              <a:rPr lang="en-US" altLang="zh-TW" dirty="0" smtClean="0"/>
+              <a:t>Python Learn by example</a:t>
+            </a:r>
+            <a:endParaRPr lang="en-US" altLang="zh-TW" dirty="0"/>
+          </a:p>
+          <a:p>
+            <a:r>
+              <a:rPr lang="en-US" altLang="zh-TW" dirty="0">
+                <a:hlinkClick r:id="rId6"/>
+              </a:rPr>
+              <a:t>https://</a:t>
+            </a:r>
+            <a:r>
+              <a:rPr lang="en-US" altLang="zh-TW" dirty="0" smtClean="0">
+                <a:hlinkClick r:id="rId6"/>
+              </a:rPr>
+              <a:t>www.learnbyexample.org/python-introduction/</a:t>
+            </a:r>
+            <a:endParaRPr lang="en-US" altLang="zh-TW" dirty="0" smtClean="0"/>
+          </a:p>
+          <a:p>
+            <a:endParaRPr lang="en-US" altLang="zh-TW" dirty="0" smtClean="0"/>
+          </a:p>
+          <a:p>
+            <a:endParaRPr lang="en-US" altLang="zh-TW" dirty="0"/>
+          </a:p>
+          <a:p>
+            <a:endParaRPr lang="en-US" altLang="zh-TW" sz="2400" dirty="0" smtClean="0"/>
+          </a:p>
+          <a:p>
+            <a:endParaRPr lang="en-US" altLang="zh-TW" dirty="0" smtClean="0"/>
+          </a:p>
+          <a:p>
+            <a:endParaRPr lang="zh-TW" altLang="en-US" dirty="0"/>
+          </a:p>
+        </p:txBody>
+      </p:sp>
+    </p:spTree>
+    <p:extLst>
+      <p:ext uri="{BB962C8B-B14F-4D97-AF65-F5344CB8AC3E}">
+        <p14:creationId xmlns:p14="http://schemas.microsoft.com/office/powerpoint/2010/main" val="2722024250"/>
+      </p:ext>
+    </p:extLst>
+  </p:cSld>
+  <p:clrMapOvr>
+    <a:masterClrMapping/>
+  </p:clrMapOvr>
+  <mc:AlternateContent xmlns:mc="http://schemas.openxmlformats.org/markup-compatibility/2006" xmlns:p14="http://schemas.microsoft.com/office/powerpoint/2010/main">
+    <mc:Choice Requires="p14">
+      <p:transition spd="slow" p14:dur="2000"/>
+    </mc:Choice>
+    <mc:Fallback xmlns="">
+      <p:transition spd="slow"/>
+    </mc:Fallback>
+  </mc:AlternateContent>
+  <p:timing>
+    <p:tnLst>
+      <p:par>
+        <p:cTn id="1" dur="indefinite" restart="never" nodeType="tmRoot"/>
+      </p:par>
+    </p:tnLst>
+  </p:timing>
+</p:sld>
+</file>
+
+<file path=ppt/slides/slide101.xml><?xml version="1.0" encoding="utf-8"?>
+<p:sld xmlns:a="http://schemas.openxmlformats.org/drawingml/2006/main" xmlns:r="http://schemas.openxmlformats.org/officeDocument/2006/relationships" xmlns:p="http://schemas.openxmlformats.org/presentationml/2006/main">
+  <p:cSld>
+    <p:spTree>
+      <p:nvGrpSpPr>
+        <p:cNvPr id="1" name=""/>
+        <p:cNvGrpSpPr/>
+        <p:nvPr/>
+      </p:nvGrpSpPr>
+      <p:grpSpPr>
+        <a:xfrm>
+          <a:off x="0" y="0"/>
+          <a:ext cx="0" cy="0"/>
+          <a:chOff x="0" y="0"/>
+          <a:chExt cx="0" cy="0"/>
+        </a:xfrm>
+      </p:grpSpPr>
+      <p:sp>
+        <p:nvSpPr>
           <p:cNvPr id="2" name="標題 1"/>
           <p:cNvSpPr>
             <a:spLocks noGrp="1"/>
@@ -8046,7 +8365,7 @@
             <a:pPr lvl="2"/>
             <a:r>
               <a:rPr lang="en-US" altLang="zh-TW" sz="1900" dirty="0" smtClean="0"/>
-              <a:t>Abstract Class</a:t>
+              <a:t>Abstract Method</a:t>
             </a:r>
             <a:r>
               <a:rPr lang="zh-TW" altLang="en-US" sz="1900" dirty="0" smtClean="0"/>
@@ -13643,11 +13962,7 @@
           <a:p>
             <a:r>
               <a:rPr lang="en-US" altLang="zh-TW" sz="2400" dirty="0" smtClean="0"/>
-              <a:t>print</a:t>
-            </a:r>
-            <a:r>
-              <a:rPr lang="en-US" altLang="zh-TW" sz="2400" dirty="0" smtClean="0"/>
-              <a:t>("a + b = ", a + b)           </a:t>
+              <a:t>print("a + b = ", a + b)           </a:t>
             </a:r>
             <a:r>
               <a:rPr lang="en-US" altLang="zh-TW" sz="2400" dirty="0" smtClean="0">
@@ -15768,17 +16083,7 @@
                   </a:schemeClr>
                 </a:solidFill>
               </a:rPr>
-              <a:t># Assign “string” to </a:t>
-            </a:r>
-            <a:r>
-              <a:rPr lang="en-US" altLang="zh-TW" sz="2400" dirty="0" smtClean="0">
-                <a:solidFill>
-                  <a:schemeClr val="accent5">
-                    <a:lumMod val="75000"/>
-                  </a:schemeClr>
-                </a:solidFill>
-              </a:rPr>
-              <a:t>x</a:t>
+              <a:t># Assign “string” to x</a:t>
             </a:r>
           </a:p>
           <a:p>
@@ -15825,11 +16130,7 @@
           <a:p>
             <a:r>
               <a:rPr lang="en-US" altLang="zh-TW" sz="2400" dirty="0" smtClean="0"/>
-              <a:t>print(type(x</a:t>
-            </a:r>
-            <a:r>
-              <a:rPr lang="en-US" altLang="zh-TW" sz="2400" dirty="0" smtClean="0"/>
-              <a:t>)) </a:t>
+              <a:t>print(type(x)) </a:t>
             </a:r>
             <a:r>
               <a:rPr lang="zh-TW" altLang="en-US" sz="2400" dirty="0" smtClean="0"/>
@@ -15863,17 +16164,7 @@
                   </a:schemeClr>
                 </a:solidFill>
               </a:rPr>
-              <a:t>x </a:t>
-            </a:r>
-            <a:r>
-              <a:rPr lang="en-US" altLang="zh-TW" sz="2400" dirty="0" smtClean="0">
-                <a:solidFill>
-                  <a:schemeClr val="accent5">
-                    <a:lumMod val="75000"/>
-                  </a:schemeClr>
-                </a:solidFill>
-              </a:rPr>
-              <a:t>type</a:t>
+              <a:t>x type</a:t>
             </a:r>
             <a:endParaRPr lang="en-US" altLang="zh-TW" sz="2400" dirty="0"/>
           </a:p>
@@ -16249,11 +16540,7 @@
           <a:p>
             <a:r>
               <a:rPr lang="en-US" altLang="zh-TW" sz="2400" dirty="0" smtClean="0"/>
-              <a:t>print(x</a:t>
-            </a:r>
-            <a:r>
-              <a:rPr lang="en-US" altLang="zh-TW" sz="2400" dirty="0" smtClean="0"/>
-              <a:t>) </a:t>
+              <a:t>print(x) </a:t>
             </a:r>
             <a:r>
               <a:rPr lang="zh-TW" altLang="en-US" sz="2400" dirty="0" smtClean="0"/>
@@ -16294,11 +16581,7 @@
           <a:p>
             <a:r>
               <a:rPr lang="en-US" altLang="zh-TW" sz="2400" dirty="0" smtClean="0"/>
-              <a:t>print(type(x</a:t>
-            </a:r>
-            <a:r>
-              <a:rPr lang="en-US" altLang="zh-TW" sz="2400" dirty="0" smtClean="0"/>
-              <a:t>)) </a:t>
+              <a:t>print(type(x)) </a:t>
             </a:r>
             <a:r>
               <a:rPr lang="zh-TW" altLang="en-US" sz="2400" dirty="0" smtClean="0"/>
@@ -16332,27 +16615,13 @@
                   </a:schemeClr>
                 </a:solidFill>
               </a:rPr>
-              <a:t>x </a:t>
-            </a:r>
-            <a:r>
-              <a:rPr lang="en-US" altLang="zh-TW" sz="2400" dirty="0" smtClean="0">
-                <a:solidFill>
-                  <a:schemeClr val="accent5">
-                    <a:lumMod val="75000"/>
-                  </a:schemeClr>
-                </a:solidFill>
-              </a:rPr>
-              <a:t>type</a:t>
+              <a:t>x type</a:t>
             </a:r>
           </a:p>
           <a:p>
             <a:r>
               <a:rPr lang="en-US" altLang="zh-TW" sz="2400" dirty="0" smtClean="0"/>
-              <a:t>print(y</a:t>
-            </a:r>
-            <a:r>
-              <a:rPr lang="en-US" altLang="zh-TW" sz="2400" dirty="0" smtClean="0"/>
-              <a:t>) </a:t>
+              <a:t>print(y) </a:t>
             </a:r>
             <a:r>
               <a:rPr lang="zh-TW" altLang="en-US" sz="2400" dirty="0" smtClean="0"/>
@@ -16383,11 +16652,7 @@
           <a:p>
             <a:r>
               <a:rPr lang="en-US" altLang="zh-TW" sz="2400" dirty="0" smtClean="0"/>
-              <a:t>print(type(y</a:t>
-            </a:r>
-            <a:r>
-              <a:rPr lang="en-US" altLang="zh-TW" sz="2400" dirty="0" smtClean="0"/>
-              <a:t>)) </a:t>
+              <a:t>print(type(y)) </a:t>
             </a:r>
             <a:r>
               <a:rPr lang="zh-TW" altLang="en-US" sz="2400" dirty="0" smtClean="0"/>
@@ -27067,15 +27332,7 @@
                   <a:srgbClr val="0070C0"/>
                 </a:solidFill>
               </a:rPr>
-              <a:t>in </a:t>
-            </a:r>
-            <a:r>
-              <a:rPr lang="en-US" altLang="zh-TW" sz="2000" dirty="0" smtClean="0">
-                <a:solidFill>
-                  <a:srgbClr val="0070C0"/>
-                </a:solidFill>
-              </a:rPr>
-              <a:t>words</a:t>
+              <a:t>in words</a:t>
             </a:r>
             <a:r>
               <a:rPr lang="en-US" altLang="zh-TW" sz="2000" dirty="0" smtClean="0"/>
@@ -27093,11 +27350,7 @@
             </a:r>
             <a:r>
               <a:rPr lang="en-US" altLang="zh-TW" sz="2000" dirty="0" smtClean="0"/>
-              <a:t>print(j</a:t>
-            </a:r>
-            <a:r>
-              <a:rPr lang="en-US" altLang="zh-TW" sz="2000" dirty="0" smtClean="0"/>
-              <a:t>)                         </a:t>
+              <a:t>print(j)                         </a:t>
             </a:r>
             <a:r>
               <a:rPr lang="en-US" altLang="zh-TW" sz="2000" dirty="0" smtClean="0">
@@ -32802,7 +33055,7 @@
         </p:nvSpPr>
         <p:spPr>
           <a:xfrm>
-            <a:off x="1402784" y="1474146"/>
+            <a:off x="1461507" y="1474146"/>
             <a:ext cx="4031858" cy="3139321"/>
           </a:xfrm>
           <a:prstGeom prst="rect">
@@ -34767,7 +35020,7 @@
               </a:spcBef>
             </a:pPr>
             <a:r>
-              <a:rPr lang="en-US" altLang="zh-TW" sz="6600" kern="1200" smtClean="0">
+              <a:rPr lang="en-US" altLang="zh-TW" sz="6600" kern="1200" dirty="0" smtClean="0">
                 <a:solidFill>
                   <a:schemeClr val="tx1"/>
                 </a:solidFill>
@@ -34778,11 +35031,11 @@
               <a:t>Exception </a:t>
             </a:r>
             <a:r>
-              <a:rPr lang="en-US" altLang="zh-TW"/>
+              <a:rPr lang="en-US" altLang="zh-TW" dirty="0"/>
               <a:t/>
             </a:r>
             <a:br>
-              <a:rPr lang="en-US" altLang="zh-TW"/>
+              <a:rPr lang="en-US" altLang="zh-TW" dirty="0"/>
             </a:br>
             <a:endParaRPr lang="en-US" altLang="zh-TW" dirty="0">
               <a:solidFill>
@@ -36453,7 +36706,7 @@
         <p:spPr>
           <a:xfrm>
             <a:off x="919327" y="1708700"/>
-            <a:ext cx="8405071" cy="4216539"/>
+            <a:ext cx="8405071" cy="4893647"/>
           </a:xfrm>
           <a:prstGeom prst="rect">
             <a:avLst/>
@@ -36587,6 +36840,7 @@
           </a:p>
           <a:p>
             <a:pPr marL="342900" indent="-342900">
+              <a:buFontTx/>
               <a:buAutoNum type="arabicPeriod"/>
             </a:pPr>
             <a:r>
@@ -36611,7 +36865,15 @@
             </a:r>
             <a:r>
               <a:rPr lang="zh-TW" altLang="en-US" sz="2000" dirty="0"/>
-              <a:t>為</a:t>
+              <a:t>為不同資料類型的實體提供統一的介面，</a:t>
+            </a:r>
+            <a:r>
+              <a:rPr lang="zh-TW" altLang="en-US" sz="2000" b="1" i="1" dirty="0">
+                <a:solidFill>
+                  <a:srgbClr val="FF0000"/>
+                </a:solidFill>
+              </a:rPr>
+              <a:t>透過不同的實例化物件來呼叫相同</a:t>
             </a:r>
             <a:r>
               <a:rPr lang="zh-TW" altLang="en-US" sz="2000" b="1" i="1" dirty="0" smtClean="0">
@@ -36619,7 +36881,7 @@
                   <a:srgbClr val="FF0000"/>
                 </a:solidFill>
               </a:rPr>
-              <a:t>不同資料類型的</a:t>
+              <a:t>的方法可以達</a:t>
             </a:r>
             <a:r>
               <a:rPr lang="zh-TW" altLang="en-US" sz="2000" b="1" i="1" dirty="0">
@@ -36627,7 +36889,7 @@
                   <a:srgbClr val="FF0000"/>
                 </a:solidFill>
               </a:rPr>
-              <a:t>實體提供統一</a:t>
+              <a:t>到不同的實作</a:t>
             </a:r>
             <a:r>
               <a:rPr lang="zh-TW" altLang="en-US" sz="2000" b="1" i="1" dirty="0" smtClean="0">
@@ -36635,16 +36897,18 @@
                   <a:srgbClr val="FF0000"/>
                 </a:solidFill>
               </a:rPr>
-              <a:t>的介面</a:t>
-            </a:r>
-            <a:r>
-              <a:rPr lang="zh-TW" altLang="en-US" sz="2000" dirty="0" smtClean="0">
-                <a:solidFill>
-                  <a:srgbClr val="FF0000"/>
-                </a:solidFill>
-              </a:rPr>
-              <a:t>。</a:t>
-            </a:r>
+              <a:t>方式。</a:t>
+            </a:r>
+            <a:endParaRPr lang="en-US" altLang="zh-TW" sz="2000" b="1" i="1" dirty="0">
+              <a:solidFill>
+                <a:srgbClr val="FF0000"/>
+              </a:solidFill>
+            </a:endParaRPr>
+          </a:p>
+          <a:p>
+            <a:pPr marL="342900" indent="-342900">
+              <a:buAutoNum type="arabicPeriod"/>
+            </a:pPr>
             <a:endParaRPr lang="zh-TW" altLang="en-US" sz="2400" dirty="0">
               <a:solidFill>
                 <a:srgbClr val="FF0000"/>
@@ -36849,7 +37113,7 @@
         </p:nvSpPr>
         <p:spPr>
           <a:xfrm>
-            <a:off x="2181381" y="1922935"/>
+            <a:off x="2168318" y="1896810"/>
             <a:ext cx="6374792" cy="3323987"/>
           </a:xfrm>
           <a:prstGeom prst="rect">
@@ -37992,7 +38256,15 @@
                   <a:srgbClr val="FF0000"/>
                 </a:solidFill>
               </a:rPr>
-              <a:t>以匿名物件的方式省略實例化的動作來使用物件</a:t>
+              <a:t>以匿名物件的方式省略實例化的動作來</a:t>
+            </a:r>
+            <a:r>
+              <a:rPr lang="zh-TW" altLang="en-US" sz="2000" b="1" i="1" dirty="0" smtClean="0">
+                <a:solidFill>
+                  <a:srgbClr val="FF0000"/>
+                </a:solidFill>
+              </a:rPr>
+              <a:t>使用物件內的方法</a:t>
             </a:r>
             <a:endParaRPr lang="en-US" altLang="zh-TW" sz="2000" b="1" i="1" dirty="0">
               <a:solidFill>
@@ -42522,7 +42794,39 @@
                   <a:srgbClr val="FF0000"/>
                 </a:solidFill>
               </a:rPr>
-              <a:t>可使用自己類別的 </a:t>
+              <a:t>可</a:t>
+            </a:r>
+            <a:r>
+              <a:rPr lang="zh-TW" altLang="en-US" sz="1500" b="1" i="1" dirty="0" smtClean="0">
+                <a:solidFill>
+                  <a:srgbClr val="FF0000"/>
+                </a:solidFill>
+              </a:rPr>
+              <a:t>使用</a:t>
+            </a:r>
+            <a:r>
+              <a:rPr lang="zh-TW" altLang="en-US" sz="1500" b="1" i="1" dirty="0">
+                <a:solidFill>
+                  <a:srgbClr val="FF0000"/>
+                </a:solidFill>
+              </a:rPr>
+              <a:t>本身</a:t>
+            </a:r>
+            <a:r>
+              <a:rPr lang="zh-TW" altLang="en-US" sz="1500" b="1" i="1" dirty="0" smtClean="0">
+                <a:solidFill>
+                  <a:srgbClr val="FF0000"/>
+                </a:solidFill>
+              </a:rPr>
+              <a:t>類別</a:t>
+            </a:r>
+            <a:r>
+              <a:rPr lang="zh-TW" altLang="en-US" sz="1500" b="1" i="1" dirty="0">
+                <a:solidFill>
+                  <a:srgbClr val="FF0000"/>
+                </a:solidFill>
+              </a:rPr>
+              <a:t>的 </a:t>
             </a:r>
             <a:r>
               <a:rPr lang="en-US" altLang="zh-TW" sz="1500" b="1" i="1" dirty="0">
@@ -43519,23 +43823,23 @@
           <a:p>
             <a:pPr lvl="2" algn="ctr"/>
             <a:r>
-              <a:rPr lang="en-US" altLang="zh-TW" sz="4000" smtClean="0"/>
-              <a:t>Abstract Class</a:t>
-            </a:r>
-            <a:r>
-              <a:rPr lang="zh-TW" altLang="en-US" sz="4000" smtClean="0"/>
+              <a:rPr lang="en-US" altLang="zh-TW" sz="4000" dirty="0" smtClean="0"/>
+              <a:t>Abstract Method</a:t>
+            </a:r>
+            <a:r>
+              <a:rPr lang="zh-TW" altLang="en-US" sz="4000" dirty="0" smtClean="0"/>
               <a:t> </a:t>
             </a:r>
             <a:r>
-              <a:rPr lang="en-US" altLang="zh-TW" sz="4000" smtClean="0"/>
+              <a:rPr lang="en-US" altLang="zh-TW" sz="4000" dirty="0" smtClean="0"/>
               <a:t>(</a:t>
             </a:r>
             <a:r>
-              <a:rPr lang="zh-TW" altLang="en-US" sz="4000" smtClean="0"/>
-              <a:t>抽象類別</a:t>
-            </a:r>
-            <a:r>
-              <a:rPr lang="en-US" altLang="zh-TW" sz="4000" smtClean="0"/>
+              <a:rPr lang="zh-TW" altLang="en-US" sz="4000" dirty="0" smtClean="0"/>
+              <a:t>抽象方法</a:t>
+            </a:r>
+            <a:r>
+              <a:rPr lang="en-US" altLang="zh-TW" sz="4000" dirty="0" smtClean="0"/>
               <a:t>)</a:t>
             </a:r>
             <a:endParaRPr lang="en-US" altLang="zh-TW" sz="4000" dirty="0"/>
@@ -43681,7 +43985,23 @@
                   <a:srgbClr val="FF0000"/>
                 </a:solidFill>
               </a:rPr>
-              <a:t>繼承於內建的抽象類別</a:t>
+              <a:t>繼承於 </a:t>
+            </a:r>
+            <a:r>
+              <a:rPr lang="en-US" altLang="zh-TW" sz="2000" b="1" i="1" dirty="0" smtClean="0">
+                <a:solidFill>
+                  <a:srgbClr val="FF0000"/>
+                </a:solidFill>
+              </a:rPr>
+              <a:t>python</a:t>
+            </a:r>
+            <a:r>
+              <a:rPr lang="zh-TW" altLang="en-US" sz="2000" b="1" i="1" dirty="0" smtClean="0">
+                <a:solidFill>
+                  <a:srgbClr val="FF0000"/>
+                </a:solidFill>
+              </a:rPr>
+              <a:t>內建的抽象類別</a:t>
             </a:r>
             <a:endParaRPr lang="en-US" altLang="zh-TW" sz="2000" b="1" i="1" dirty="0">
               <a:solidFill>
@@ -44044,23 +44364,31 @@
           <a:p>
             <a:pPr lvl="2" algn="ctr"/>
             <a:r>
-              <a:rPr lang="en-US" altLang="zh-TW" sz="4000" smtClean="0"/>
-              <a:t>Abstract Class</a:t>
-            </a:r>
-            <a:r>
-              <a:rPr lang="zh-TW" altLang="en-US" sz="4000" smtClean="0"/>
+              <a:rPr lang="en-US" altLang="zh-TW" sz="4000" dirty="0" smtClean="0"/>
+              <a:t>Abstract </a:t>
+            </a:r>
+            <a:r>
+              <a:rPr lang="en-US" altLang="zh-TW" sz="4000" dirty="0"/>
+              <a:t>Method</a:t>
+            </a:r>
+            <a:r>
+              <a:rPr lang="zh-TW" altLang="en-US" sz="4000" dirty="0" smtClean="0"/>
               <a:t> </a:t>
             </a:r>
             <a:r>
-              <a:rPr lang="en-US" altLang="zh-TW" sz="4000" smtClean="0"/>
+              <a:rPr lang="en-US" altLang="zh-TW" sz="4000" dirty="0" smtClean="0"/>
               <a:t>(</a:t>
             </a:r>
             <a:r>
-              <a:rPr lang="zh-TW" altLang="en-US" sz="4000" smtClean="0"/>
-              <a:t>抽象類別</a:t>
-            </a:r>
-            <a:r>
-              <a:rPr lang="en-US" altLang="zh-TW" sz="4000" smtClean="0"/>
+              <a:rPr lang="zh-TW" altLang="en-US" sz="4000" dirty="0" smtClean="0"/>
+              <a:t>抽象</a:t>
+            </a:r>
+            <a:r>
+              <a:rPr lang="zh-TW" altLang="en-US" sz="4000" dirty="0"/>
+              <a:t>方法</a:t>
+            </a:r>
+            <a:r>
+              <a:rPr lang="en-US" altLang="zh-TW" sz="4000" dirty="0" smtClean="0"/>
               <a:t>)</a:t>
             </a:r>
             <a:endParaRPr lang="en-US" altLang="zh-TW" sz="4000" dirty="0"/>
@@ -44098,7 +44426,7 @@
           <a:p>
             <a:pPr marL="0" lvl="2"/>
             <a:r>
-              <a:rPr lang="en-US" altLang="zh-TW" sz="1400" dirty="0">
+              <a:rPr lang="en-US" altLang="zh-TW" sz="1400" dirty="0" smtClean="0">
                 <a:solidFill>
                   <a:schemeClr val="accent5">
                     <a:lumMod val="75000"/>
@@ -44110,514 +44438,491 @@
           </a:p>
           <a:p>
             <a:pPr marL="0" lvl="2"/>
-            <a:endParaRPr lang="en-US" altLang="zh-TW" sz="1400" dirty="0"/>
+            <a:endParaRPr lang="en-US" altLang="zh-TW" sz="1400" dirty="0" smtClean="0"/>
           </a:p>
           <a:p>
             <a:pPr marL="0" lvl="2"/>
             <a:r>
-              <a:rPr lang="en-US" altLang="zh-TW" sz="1400" dirty="0"/>
+              <a:rPr lang="en-US" altLang="zh-TW" sz="1400" dirty="0" smtClean="0"/>
               <a:t>from </a:t>
             </a:r>
             <a:r>
-              <a:rPr lang="en-US" altLang="zh-TW" sz="1400" dirty="0" err="1"/>
+              <a:rPr lang="en-US" altLang="zh-TW" sz="1400" dirty="0" err="1" smtClean="0"/>
               <a:t>abc</a:t>
             </a:r>
             <a:r>
-              <a:rPr lang="en-US" altLang="zh-TW" sz="1400" dirty="0"/>
+              <a:rPr lang="en-US" altLang="zh-TW" sz="1400" dirty="0" smtClean="0"/>
               <a:t> import ABC, </a:t>
             </a:r>
             <a:r>
-              <a:rPr lang="en-US" altLang="zh-TW" sz="1400" dirty="0" err="1"/>
+              <a:rPr lang="en-US" altLang="zh-TW" sz="1400" dirty="0" err="1" smtClean="0"/>
               <a:t>abstractmethod</a:t>
             </a:r>
-            <a:endParaRPr lang="en-US" altLang="zh-TW" sz="1400" dirty="0"/>
+            <a:endParaRPr lang="en-US" altLang="zh-TW" sz="1400" dirty="0" smtClean="0"/>
           </a:p>
           <a:p>
             <a:pPr marL="0" lvl="2"/>
-            <a:endParaRPr lang="en-US" altLang="zh-TW" sz="1400" dirty="0"/>
+            <a:endParaRPr lang="en-US" altLang="zh-TW" sz="1400" dirty="0" smtClean="0"/>
           </a:p>
           <a:p>
             <a:pPr marL="0" lvl="2"/>
             <a:r>
-              <a:rPr lang="en-US" altLang="zh-TW" sz="1400" dirty="0"/>
+              <a:rPr lang="en-US" altLang="zh-TW" sz="1400" dirty="0" smtClean="0"/>
               <a:t>class </a:t>
             </a:r>
             <a:r>
-              <a:rPr lang="en-US" altLang="zh-TW" sz="1400" dirty="0" err="1"/>
+              <a:rPr lang="en-US" altLang="zh-TW" sz="1400" dirty="0" err="1" smtClean="0"/>
               <a:t>baseAnimal</a:t>
             </a:r>
             <a:r>
-              <a:rPr lang="en-US" altLang="zh-TW" sz="1400" dirty="0"/>
+              <a:rPr lang="en-US" altLang="zh-TW" sz="1400" dirty="0" smtClean="0"/>
               <a:t>(ABC): </a:t>
             </a:r>
           </a:p>
           <a:p>
             <a:pPr marL="0" lvl="2"/>
             <a:r>
-              <a:rPr lang="en-US" altLang="zh-TW" sz="1400" dirty="0"/>
+              <a:rPr lang="en-US" altLang="zh-TW" sz="1400" dirty="0" smtClean="0"/>
               <a:t>    @</a:t>
             </a:r>
             <a:r>
-              <a:rPr lang="en-US" altLang="zh-TW" sz="1400" dirty="0" err="1"/>
+              <a:rPr lang="en-US" altLang="zh-TW" sz="1400" dirty="0" err="1" smtClean="0"/>
               <a:t>abstractmethod</a:t>
             </a:r>
-            <a:endParaRPr lang="en-US" altLang="zh-TW" sz="1400" dirty="0"/>
+            <a:endParaRPr lang="en-US" altLang="zh-TW" sz="1400" dirty="0" smtClean="0"/>
           </a:p>
           <a:p>
             <a:pPr marL="0" lvl="2"/>
             <a:r>
-              <a:rPr lang="en-US" altLang="zh-TW" sz="1400" dirty="0"/>
+              <a:rPr lang="en-US" altLang="zh-TW" sz="1400" dirty="0" smtClean="0"/>
               <a:t>    </a:t>
             </a:r>
             <a:r>
-              <a:rPr lang="en-US" altLang="zh-TW" sz="1400" dirty="0" err="1"/>
+              <a:rPr lang="en-US" altLang="zh-TW" sz="1400" dirty="0" err="1" smtClean="0"/>
               <a:t>def</a:t>
             </a:r>
             <a:r>
-              <a:rPr lang="en-US" altLang="zh-TW" sz="1400" dirty="0"/>
+              <a:rPr lang="en-US" altLang="zh-TW" sz="1400" dirty="0" smtClean="0"/>
               <a:t> </a:t>
             </a:r>
             <a:r>
-              <a:rPr lang="en-US" altLang="zh-TW" sz="1400" dirty="0" err="1"/>
+              <a:rPr lang="en-US" altLang="zh-TW" sz="1400" dirty="0" err="1" smtClean="0"/>
               <a:t>getAnimalName</a:t>
             </a:r>
             <a:r>
-              <a:rPr lang="en-US" altLang="zh-TW" sz="1400" dirty="0"/>
+              <a:rPr lang="en-US" altLang="zh-TW" sz="1400" dirty="0" smtClean="0"/>
               <a:t>(</a:t>
             </a:r>
             <a:r>
-              <a:rPr lang="en-US" altLang="zh-TW" sz="1400" dirty="0" err="1"/>
+              <a:rPr lang="en-US" altLang="zh-TW" sz="1400" dirty="0" err="1" smtClean="0"/>
               <a:t>getname</a:t>
             </a:r>
             <a:r>
-              <a:rPr lang="en-US" altLang="zh-TW" sz="1400" dirty="0"/>
+              <a:rPr lang="en-US" altLang="zh-TW" sz="1400" dirty="0" smtClean="0"/>
               <a:t>):</a:t>
             </a:r>
           </a:p>
           <a:p>
             <a:pPr marL="0" lvl="2"/>
             <a:r>
-              <a:rPr lang="en-US" altLang="zh-TW" sz="1400" dirty="0"/>
+              <a:rPr lang="en-US" altLang="zh-TW" sz="1400" dirty="0" smtClean="0"/>
               <a:t>        pass   </a:t>
             </a:r>
           </a:p>
           <a:p>
             <a:pPr marL="0" lvl="2"/>
             <a:r>
-              <a:rPr lang="en-US" altLang="zh-TW" sz="1400" dirty="0"/>
+              <a:rPr lang="en-US" altLang="zh-TW" sz="1400" dirty="0" smtClean="0"/>
+              <a:t>    @</a:t>
+            </a:r>
+            <a:r>
+              <a:rPr lang="en-US" altLang="zh-TW" sz="1400" dirty="0" err="1" smtClean="0"/>
+              <a:t>abstractmethod</a:t>
+            </a:r>
+            <a:r>
+              <a:rPr lang="en-US" altLang="zh-TW" sz="1400" dirty="0" smtClean="0"/>
+              <a:t> </a:t>
+            </a:r>
+          </a:p>
+          <a:p>
+            <a:pPr marL="0" lvl="2"/>
+            <a:r>
+              <a:rPr lang="en-US" altLang="zh-TW" sz="1400" dirty="0" smtClean="0"/>
               <a:t>    </a:t>
             </a:r>
             <a:r>
+              <a:rPr lang="en-US" altLang="zh-TW" sz="1400" dirty="0" err="1" smtClean="0"/>
+              <a:t>def</a:t>
+            </a:r>
+            <a:r>
               <a:rPr lang="en-US" altLang="zh-TW" sz="1400" dirty="0" smtClean="0"/>
-              <a:t>@</a:t>
-            </a:r>
-            <a:r>
-              <a:rPr lang="en-US" altLang="zh-TW" sz="1400" dirty="0" err="1"/>
-              <a:t>abstractmethod</a:t>
-            </a:r>
-            <a:r>
-              <a:rPr lang="en-US" altLang="zh-TW" sz="1400" dirty="0"/>
               <a:t> </a:t>
             </a:r>
+            <a:r>
+              <a:rPr lang="en-US" altLang="zh-TW" sz="1400" dirty="0" err="1" smtClean="0"/>
+              <a:t>getAnimalSpecies</a:t>
+            </a:r>
+            <a:r>
+              <a:rPr lang="en-US" altLang="zh-TW" sz="1400" dirty="0" smtClean="0"/>
+              <a:t>(</a:t>
+            </a:r>
+            <a:r>
+              <a:rPr lang="en-US" altLang="zh-TW" sz="1400" dirty="0" err="1" smtClean="0"/>
+              <a:t>getspecies</a:t>
+            </a:r>
+            <a:r>
+              <a:rPr lang="en-US" altLang="zh-TW" sz="1400" dirty="0" smtClean="0"/>
+              <a:t>):</a:t>
+            </a:r>
           </a:p>
           <a:p>
             <a:pPr marL="0" lvl="2"/>
             <a:r>
-              <a:rPr lang="en-US" altLang="zh-TW" sz="1400" dirty="0"/>
+              <a:rPr lang="en-US" altLang="zh-TW" sz="1400" dirty="0" smtClean="0"/>
+              <a:t>        pass</a:t>
+            </a:r>
+          </a:p>
+          <a:p>
+            <a:pPr marL="0" lvl="2"/>
+            <a:endParaRPr lang="en-US" altLang="zh-TW" sz="1400" dirty="0" smtClean="0"/>
+          </a:p>
+          <a:p>
+            <a:pPr marL="0" lvl="2"/>
+            <a:r>
+              <a:rPr lang="en-US" altLang="zh-TW" sz="1400" dirty="0" smtClean="0">
+                <a:solidFill>
+                  <a:srgbClr val="0070C0"/>
+                </a:solidFill>
+              </a:rPr>
+              <a:t>class cat(</a:t>
+            </a:r>
+            <a:r>
+              <a:rPr lang="en-US" altLang="zh-TW" sz="1400" dirty="0" err="1" smtClean="0">
+                <a:solidFill>
+                  <a:srgbClr val="0070C0"/>
+                </a:solidFill>
+              </a:rPr>
+              <a:t>baseAnimal</a:t>
+            </a:r>
+            <a:r>
+              <a:rPr lang="en-US" altLang="zh-TW" sz="1400" dirty="0" smtClean="0">
+                <a:solidFill>
+                  <a:srgbClr val="0070C0"/>
+                </a:solidFill>
+              </a:rPr>
+              <a:t>):</a:t>
+            </a:r>
+          </a:p>
+          <a:p>
+            <a:pPr marL="0" lvl="2"/>
+            <a:r>
+              <a:rPr lang="en-US" altLang="zh-TW" sz="1400" dirty="0" smtClean="0"/>
               <a:t>    </a:t>
             </a:r>
-            <a:r>
-              <a:rPr lang="en-US" altLang="zh-TW" sz="1400" dirty="0" err="1"/>
+          </a:p>
+          <a:p>
+            <a:pPr marL="0" lvl="2"/>
+            <a:r>
+              <a:rPr lang="en-US" altLang="zh-TW" sz="1400" dirty="0" smtClean="0"/>
+              <a:t>    </a:t>
+            </a:r>
+            <a:r>
+              <a:rPr lang="en-US" altLang="zh-TW" sz="1400" dirty="0" err="1" smtClean="0">
+                <a:solidFill>
+                  <a:srgbClr val="0070C0"/>
+                </a:solidFill>
+              </a:rPr>
               <a:t>def</a:t>
             </a:r>
             <a:r>
-              <a:rPr lang="en-US" altLang="zh-TW" sz="1400" dirty="0"/>
-              <a:t> </a:t>
-            </a:r>
-            <a:r>
-              <a:rPr lang="en-US" altLang="zh-TW" sz="1400" dirty="0" err="1"/>
-              <a:t>getAnimalSpecies</a:t>
-            </a:r>
-            <a:r>
-              <a:rPr lang="en-US" altLang="zh-TW" sz="1400" dirty="0"/>
-              <a:t>(</a:t>
-            </a:r>
-            <a:r>
-              <a:rPr lang="en-US" altLang="zh-TW" sz="1400" dirty="0" err="1"/>
-              <a:t>getspecies</a:t>
-            </a:r>
-            <a:r>
-              <a:rPr lang="en-US" altLang="zh-TW" sz="1400" dirty="0"/>
+              <a:rPr lang="en-US" altLang="zh-TW" sz="1400" dirty="0" smtClean="0">
+                <a:solidFill>
+                  <a:srgbClr val="0070C0"/>
+                </a:solidFill>
+              </a:rPr>
+              <a:t> __</a:t>
+            </a:r>
+            <a:r>
+              <a:rPr lang="en-US" altLang="zh-TW" sz="1400" dirty="0" err="1" smtClean="0">
+                <a:solidFill>
+                  <a:srgbClr val="0070C0"/>
+                </a:solidFill>
+              </a:rPr>
+              <a:t>init</a:t>
+            </a:r>
+            <a:r>
+              <a:rPr lang="en-US" altLang="zh-TW" sz="1400" dirty="0" smtClean="0">
+                <a:solidFill>
+                  <a:srgbClr val="0070C0"/>
+                </a:solidFill>
+              </a:rPr>
+              <a:t>__(</a:t>
+            </a:r>
+            <a:r>
+              <a:rPr lang="en-US" altLang="zh-TW" sz="1400" dirty="0" err="1" smtClean="0">
+                <a:solidFill>
+                  <a:srgbClr val="0070C0"/>
+                </a:solidFill>
+              </a:rPr>
+              <a:t>self,name,species</a:t>
+            </a:r>
+            <a:r>
+              <a:rPr lang="en-US" altLang="zh-TW" sz="1400" dirty="0" smtClean="0">
+                <a:solidFill>
+                  <a:srgbClr val="0070C0"/>
+                </a:solidFill>
+              </a:rPr>
               <a:t>):</a:t>
             </a:r>
           </a:p>
           <a:p>
             <a:pPr marL="0" lvl="2"/>
             <a:r>
-              <a:rPr lang="en-US" altLang="zh-TW" sz="1400" dirty="0"/>
-              <a:t>        pass</a:t>
+              <a:rPr lang="en-US" altLang="zh-TW" sz="1400" dirty="0" smtClean="0"/>
+              <a:t>        self.name = name</a:t>
             </a:r>
           </a:p>
           <a:p>
             <a:pPr marL="0" lvl="2"/>
-            <a:endParaRPr lang="en-US" altLang="zh-TW" sz="1400" dirty="0"/>
-          </a:p>
-          <a:p>
-            <a:pPr marL="0" lvl="2"/>
-            <a:r>
-              <a:rPr lang="en-US" altLang="zh-TW" sz="1400" dirty="0">
-                <a:solidFill>
-                  <a:srgbClr val="0070C0"/>
-                </a:solidFill>
-              </a:rPr>
-              <a:t>class cat(</a:t>
-            </a:r>
-            <a:r>
-              <a:rPr lang="en-US" altLang="zh-TW" sz="1400" dirty="0" err="1">
-                <a:solidFill>
-                  <a:srgbClr val="0070C0"/>
-                </a:solidFill>
-              </a:rPr>
-              <a:t>baseAnimal</a:t>
-            </a:r>
-            <a:r>
-              <a:rPr lang="en-US" altLang="zh-TW" sz="1400" dirty="0">
-                <a:solidFill>
-                  <a:srgbClr val="0070C0"/>
-                </a:solidFill>
-              </a:rPr>
-              <a:t>):</a:t>
-            </a:r>
-          </a:p>
-          <a:p>
-            <a:pPr marL="0" lvl="2"/>
-            <a:r>
-              <a:rPr lang="en-US" altLang="zh-TW" sz="1400" dirty="0"/>
-              <a:t>    </a:t>
-            </a:r>
-          </a:p>
-          <a:p>
-            <a:pPr marL="0" lvl="2"/>
-            <a:r>
-              <a:rPr lang="en-US" altLang="zh-TW" sz="1400" dirty="0"/>
-              <a:t>    </a:t>
-            </a:r>
-            <a:r>
-              <a:rPr lang="en-US" altLang="zh-TW" sz="1400" dirty="0" err="1">
-                <a:solidFill>
-                  <a:srgbClr val="0070C0"/>
-                </a:solidFill>
-              </a:rPr>
-              <a:t>def</a:t>
-            </a:r>
-            <a:r>
-              <a:rPr lang="en-US" altLang="zh-TW" sz="1400" dirty="0">
-                <a:solidFill>
-                  <a:srgbClr val="0070C0"/>
-                </a:solidFill>
-              </a:rPr>
-              <a:t> __</a:t>
-            </a:r>
-            <a:r>
-              <a:rPr lang="en-US" altLang="zh-TW" sz="1400" dirty="0" err="1">
-                <a:solidFill>
-                  <a:srgbClr val="0070C0"/>
-                </a:solidFill>
-              </a:rPr>
-              <a:t>init</a:t>
-            </a:r>
-            <a:r>
-              <a:rPr lang="en-US" altLang="zh-TW" sz="1400" dirty="0">
-                <a:solidFill>
-                  <a:srgbClr val="0070C0"/>
-                </a:solidFill>
-              </a:rPr>
-              <a:t>__(</a:t>
-            </a:r>
-            <a:r>
-              <a:rPr lang="en-US" altLang="zh-TW" sz="1400" dirty="0" err="1">
-                <a:solidFill>
-                  <a:srgbClr val="0070C0"/>
-                </a:solidFill>
-              </a:rPr>
-              <a:t>self,name,species</a:t>
-            </a:r>
-            <a:r>
-              <a:rPr lang="en-US" altLang="zh-TW" sz="1400" dirty="0">
-                <a:solidFill>
-                  <a:srgbClr val="0070C0"/>
-                </a:solidFill>
-              </a:rPr>
-              <a:t>):</a:t>
-            </a:r>
-          </a:p>
-          <a:p>
-            <a:pPr marL="0" lvl="2"/>
-            <a:r>
-              <a:rPr lang="en-US" altLang="zh-TW" sz="1400" dirty="0"/>
-              <a:t>        self.name = name</a:t>
-            </a:r>
-          </a:p>
-          <a:p>
-            <a:pPr marL="0" lvl="2"/>
-            <a:r>
-              <a:rPr lang="en-US" altLang="zh-TW" sz="1400" dirty="0"/>
+            <a:r>
+              <a:rPr lang="en-US" altLang="zh-TW" sz="1400" dirty="0" smtClean="0"/>
               <a:t>        </a:t>
-            </a:r>
-            <a:r>
-              <a:rPr lang="en-US" altLang="zh-TW" sz="1400" dirty="0" err="1"/>
-              <a:t>self.species</a:t>
-            </a:r>
-            <a:r>
-              <a:rPr lang="en-US" altLang="zh-TW" sz="1400" dirty="0"/>
-              <a:t> = species </a:t>
-            </a:r>
-          </a:p>
-          <a:p>
-            <a:pPr marL="0" lvl="2"/>
-            <a:r>
-              <a:rPr lang="en-US" altLang="zh-TW" sz="1400" dirty="0"/>
-              <a:t>        </a:t>
-            </a:r>
-          </a:p>
-          <a:p>
-            <a:pPr marL="0" lvl="2"/>
-            <a:r>
-              <a:rPr lang="en-US" altLang="zh-TW" sz="1400" dirty="0"/>
-              <a:t>    </a:t>
-            </a:r>
-            <a:r>
-              <a:rPr lang="en-US" altLang="zh-TW" sz="1400" dirty="0" err="1">
-                <a:solidFill>
-                  <a:srgbClr val="0070C0"/>
-                </a:solidFill>
-              </a:rPr>
-              <a:t>def</a:t>
-            </a:r>
-            <a:r>
-              <a:rPr lang="en-US" altLang="zh-TW" sz="1400" dirty="0">
-                <a:solidFill>
-                  <a:srgbClr val="0070C0"/>
-                </a:solidFill>
-              </a:rPr>
-              <a:t> </a:t>
-            </a:r>
-            <a:r>
-              <a:rPr lang="en-US" altLang="zh-TW" sz="1400" dirty="0" err="1">
-                <a:solidFill>
-                  <a:srgbClr val="0070C0"/>
-                </a:solidFill>
-              </a:rPr>
-              <a:t>getAnimalName</a:t>
-            </a:r>
-            <a:r>
-              <a:rPr lang="en-US" altLang="zh-TW" sz="1400" dirty="0">
-                <a:solidFill>
-                  <a:srgbClr val="0070C0"/>
-                </a:solidFill>
-              </a:rPr>
-              <a:t>(self</a:t>
-            </a:r>
-            <a:r>
-              <a:rPr lang="en-US" altLang="zh-TW" sz="1400" dirty="0" smtClean="0">
-                <a:solidFill>
-                  <a:srgbClr val="0070C0"/>
-                </a:solidFill>
-              </a:rPr>
-              <a:t>):</a:t>
-            </a:r>
-            <a:r>
-              <a:rPr lang="en-US" altLang="zh-TW" sz="1400" dirty="0">
-                <a:solidFill>
-                  <a:schemeClr val="accent5">
-                    <a:lumMod val="75000"/>
-                  </a:schemeClr>
-                </a:solidFill>
-              </a:rPr>
-              <a:t> </a:t>
-            </a:r>
-            <a:r>
-              <a:rPr lang="zh-TW" altLang="en-US" sz="1400" dirty="0" smtClean="0">
-                <a:solidFill>
-                  <a:schemeClr val="accent5">
-                    <a:lumMod val="75000"/>
-                  </a:schemeClr>
-                </a:solidFill>
-              </a:rPr>
-              <a:t> </a:t>
-            </a:r>
-            <a:r>
-              <a:rPr lang="en-US" altLang="zh-TW" sz="1400" dirty="0" smtClean="0">
-                <a:solidFill>
-                  <a:schemeClr val="accent5">
-                    <a:lumMod val="75000"/>
-                  </a:schemeClr>
-                </a:solidFill>
-              </a:rPr>
-              <a:t>#</a:t>
-            </a:r>
-            <a:r>
-              <a:rPr lang="zh-TW" altLang="en-US" sz="1400" b="1" i="1" dirty="0">
-                <a:solidFill>
-                  <a:srgbClr val="FF0000"/>
-                </a:solidFill>
-              </a:rPr>
-              <a:t>以相同的</a:t>
-            </a:r>
-            <a:r>
-              <a:rPr lang="en-US" altLang="zh-TW" sz="1400" b="1" i="1" dirty="0">
-                <a:solidFill>
-                  <a:srgbClr val="FF0000"/>
-                </a:solidFill>
-              </a:rPr>
-              <a:t>Function</a:t>
-            </a:r>
-            <a:r>
-              <a:rPr lang="zh-TW" altLang="en-US" sz="1400" b="1" i="1" dirty="0">
-                <a:solidFill>
-                  <a:srgbClr val="FF0000"/>
-                </a:solidFill>
-              </a:rPr>
-              <a:t>名稱實現 </a:t>
-            </a:r>
-            <a:r>
-              <a:rPr lang="en-US" altLang="zh-TW" sz="1400" b="1" i="1" dirty="0">
-                <a:solidFill>
-                  <a:srgbClr val="FF0000"/>
-                </a:solidFill>
-              </a:rPr>
-              <a:t>overwrite</a:t>
-            </a:r>
-          </a:p>
-          <a:p>
-            <a:pPr marL="0" lvl="2"/>
-            <a:r>
-              <a:rPr lang="en-US" altLang="zh-TW" sz="1400" dirty="0"/>
-              <a:t>        </a:t>
-            </a:r>
-            <a:r>
-              <a:rPr lang="en-US" altLang="zh-TW" sz="1400" dirty="0" smtClean="0"/>
-              <a:t>return self.name </a:t>
-            </a:r>
-            <a:endParaRPr lang="en-US" altLang="zh-TW" sz="1400" dirty="0"/>
-          </a:p>
-          <a:p>
-            <a:pPr marL="0" lvl="2"/>
-            <a:r>
-              <a:rPr lang="en-US" altLang="zh-TW" sz="1400" dirty="0"/>
-              <a:t>        </a:t>
-            </a:r>
-          </a:p>
-          <a:p>
-            <a:pPr marL="0" lvl="2"/>
-            <a:r>
-              <a:rPr lang="en-US" altLang="zh-TW" sz="1400" dirty="0"/>
-              <a:t>    </a:t>
-            </a:r>
-            <a:r>
-              <a:rPr lang="en-US" altLang="zh-TW" sz="1400" dirty="0" err="1">
-                <a:solidFill>
-                  <a:srgbClr val="0070C0"/>
-                </a:solidFill>
-              </a:rPr>
-              <a:t>def</a:t>
-            </a:r>
-            <a:r>
-              <a:rPr lang="en-US" altLang="zh-TW" sz="1400" dirty="0">
-                <a:solidFill>
-                  <a:srgbClr val="0070C0"/>
-                </a:solidFill>
-              </a:rPr>
-              <a:t> </a:t>
-            </a:r>
-            <a:r>
-              <a:rPr lang="en-US" altLang="zh-TW" sz="1400" dirty="0" err="1">
-                <a:solidFill>
-                  <a:srgbClr val="0070C0"/>
-                </a:solidFill>
-              </a:rPr>
-              <a:t>getAnimalSpecies</a:t>
-            </a:r>
-            <a:r>
-              <a:rPr lang="en-US" altLang="zh-TW" sz="1400" dirty="0">
-                <a:solidFill>
-                  <a:srgbClr val="0070C0"/>
-                </a:solidFill>
-              </a:rPr>
-              <a:t>(self):</a:t>
-            </a:r>
-          </a:p>
-          <a:p>
-            <a:pPr marL="0" lvl="2"/>
-            <a:r>
-              <a:rPr lang="en-US" altLang="zh-TW" sz="1400" dirty="0"/>
-              <a:t>        </a:t>
-            </a:r>
-            <a:r>
-              <a:rPr lang="en-US" altLang="zh-TW" sz="1400" dirty="0" smtClean="0"/>
-              <a:t>return </a:t>
             </a:r>
             <a:r>
               <a:rPr lang="en-US" altLang="zh-TW" sz="1400" dirty="0" err="1" smtClean="0"/>
               <a:t>self.species</a:t>
             </a:r>
-            <a:endParaRPr lang="en-US" altLang="zh-TW" sz="1400" dirty="0"/>
+            <a:r>
+              <a:rPr lang="en-US" altLang="zh-TW" sz="1400" dirty="0" smtClean="0"/>
+              <a:t> = species </a:t>
+            </a:r>
           </a:p>
           <a:p>
             <a:pPr marL="0" lvl="2"/>
-            <a:endParaRPr lang="en-US" altLang="zh-TW" sz="1400" dirty="0"/>
+            <a:r>
+              <a:rPr lang="en-US" altLang="zh-TW" sz="1400" dirty="0" smtClean="0"/>
+              <a:t>        </a:t>
+            </a:r>
           </a:p>
           <a:p>
             <a:pPr marL="0" lvl="2"/>
             <a:r>
-              <a:rPr lang="en-US" altLang="zh-TW" sz="1400" dirty="0"/>
+              <a:rPr lang="en-US" altLang="zh-TW" sz="1400" dirty="0" smtClean="0"/>
+              <a:t>    </a:t>
+            </a:r>
+            <a:r>
+              <a:rPr lang="en-US" altLang="zh-TW" sz="1400" dirty="0" err="1" smtClean="0">
+                <a:solidFill>
+                  <a:srgbClr val="0070C0"/>
+                </a:solidFill>
+              </a:rPr>
+              <a:t>def</a:t>
+            </a:r>
+            <a:r>
+              <a:rPr lang="en-US" altLang="zh-TW" sz="1400" dirty="0" smtClean="0">
+                <a:solidFill>
+                  <a:srgbClr val="0070C0"/>
+                </a:solidFill>
+              </a:rPr>
+              <a:t> </a:t>
+            </a:r>
+            <a:r>
+              <a:rPr lang="en-US" altLang="zh-TW" sz="1400" dirty="0" err="1" smtClean="0">
+                <a:solidFill>
+                  <a:srgbClr val="0070C0"/>
+                </a:solidFill>
+              </a:rPr>
+              <a:t>getAnimalName</a:t>
+            </a:r>
+            <a:r>
+              <a:rPr lang="en-US" altLang="zh-TW" sz="1400" dirty="0" smtClean="0">
+                <a:solidFill>
+                  <a:srgbClr val="0070C0"/>
+                </a:solidFill>
+              </a:rPr>
+              <a:t>(self):</a:t>
+            </a:r>
+            <a:r>
+              <a:rPr lang="en-US" altLang="zh-TW" sz="1400" dirty="0" smtClean="0">
+                <a:solidFill>
+                  <a:schemeClr val="accent5">
+                    <a:lumMod val="75000"/>
+                  </a:schemeClr>
+                </a:solidFill>
+              </a:rPr>
+              <a:t> </a:t>
+            </a:r>
+            <a:r>
+              <a:rPr lang="zh-TW" altLang="en-US" sz="1400" dirty="0" smtClean="0">
+                <a:solidFill>
+                  <a:schemeClr val="accent5">
+                    <a:lumMod val="75000"/>
+                  </a:schemeClr>
+                </a:solidFill>
+              </a:rPr>
+              <a:t> </a:t>
+            </a:r>
+            <a:r>
+              <a:rPr lang="en-US" altLang="zh-TW" sz="1400" dirty="0" smtClean="0">
+                <a:solidFill>
+                  <a:schemeClr val="accent5">
+                    <a:lumMod val="75000"/>
+                  </a:schemeClr>
+                </a:solidFill>
+              </a:rPr>
+              <a:t>#</a:t>
+            </a:r>
+            <a:r>
+              <a:rPr lang="zh-TW" altLang="en-US" sz="1400" b="1" i="1" dirty="0" smtClean="0">
+                <a:solidFill>
+                  <a:srgbClr val="FF0000"/>
+                </a:solidFill>
+              </a:rPr>
+              <a:t>以相同</a:t>
+            </a:r>
+            <a:r>
+              <a:rPr lang="zh-TW" altLang="en-US" sz="1400" b="1" i="1" dirty="0" smtClean="0">
+                <a:solidFill>
+                  <a:srgbClr val="FF0000"/>
+                </a:solidFill>
+              </a:rPr>
+              <a:t>的 </a:t>
+            </a:r>
+            <a:r>
+              <a:rPr lang="en-US" altLang="zh-TW" sz="1400" b="1" i="1" dirty="0" smtClean="0">
+                <a:solidFill>
+                  <a:srgbClr val="FF0000"/>
+                </a:solidFill>
+              </a:rPr>
+              <a:t>Function</a:t>
+            </a:r>
+            <a:r>
+              <a:rPr lang="zh-TW" altLang="en-US" sz="1400" b="1" i="1" dirty="0" smtClean="0">
+                <a:solidFill>
+                  <a:srgbClr val="FF0000"/>
+                </a:solidFill>
+              </a:rPr>
+              <a:t>名稱實現 </a:t>
+            </a:r>
+            <a:r>
+              <a:rPr lang="en-US" altLang="zh-TW" sz="1400" b="1" i="1" dirty="0" smtClean="0">
+                <a:solidFill>
+                  <a:srgbClr val="FF0000"/>
+                </a:solidFill>
+              </a:rPr>
+              <a:t>overwrite</a:t>
+            </a:r>
+          </a:p>
+          <a:p>
+            <a:pPr marL="0" lvl="2"/>
+            <a:r>
+              <a:rPr lang="en-US" altLang="zh-TW" sz="1400" dirty="0" smtClean="0"/>
+              <a:t>        return self.name </a:t>
+            </a:r>
+          </a:p>
+          <a:p>
+            <a:pPr marL="0" lvl="2"/>
+            <a:r>
+              <a:rPr lang="en-US" altLang="zh-TW" sz="1400" dirty="0" smtClean="0"/>
+              <a:t>        </a:t>
+            </a:r>
+          </a:p>
+          <a:p>
+            <a:pPr marL="0" lvl="2"/>
+            <a:r>
+              <a:rPr lang="en-US" altLang="zh-TW" sz="1400" dirty="0" smtClean="0"/>
+              <a:t>    </a:t>
+            </a:r>
+            <a:r>
+              <a:rPr lang="en-US" altLang="zh-TW" sz="1400" dirty="0" err="1" smtClean="0">
+                <a:solidFill>
+                  <a:srgbClr val="0070C0"/>
+                </a:solidFill>
+              </a:rPr>
+              <a:t>def</a:t>
+            </a:r>
+            <a:r>
+              <a:rPr lang="en-US" altLang="zh-TW" sz="1400" dirty="0" smtClean="0">
+                <a:solidFill>
+                  <a:srgbClr val="0070C0"/>
+                </a:solidFill>
+              </a:rPr>
+              <a:t> </a:t>
+            </a:r>
+            <a:r>
+              <a:rPr lang="en-US" altLang="zh-TW" sz="1400" dirty="0" err="1" smtClean="0">
+                <a:solidFill>
+                  <a:srgbClr val="0070C0"/>
+                </a:solidFill>
+              </a:rPr>
+              <a:t>getAnimalSpecies</a:t>
+            </a:r>
+            <a:r>
+              <a:rPr lang="en-US" altLang="zh-TW" sz="1400" dirty="0" smtClean="0">
+                <a:solidFill>
+                  <a:srgbClr val="0070C0"/>
+                </a:solidFill>
+              </a:rPr>
+              <a:t>(self):</a:t>
+            </a:r>
+          </a:p>
+          <a:p>
+            <a:pPr marL="0" lvl="2"/>
+            <a:r>
+              <a:rPr lang="en-US" altLang="zh-TW" sz="1400" dirty="0" smtClean="0"/>
+              <a:t>        return </a:t>
+            </a:r>
+            <a:r>
+              <a:rPr lang="en-US" altLang="zh-TW" sz="1400" dirty="0" err="1" smtClean="0"/>
+              <a:t>self.species</a:t>
+            </a:r>
+            <a:endParaRPr lang="en-US" altLang="zh-TW" sz="1400" dirty="0" smtClean="0"/>
+          </a:p>
+          <a:p>
+            <a:pPr marL="0" lvl="2"/>
+            <a:endParaRPr lang="en-US" altLang="zh-TW" sz="1400" dirty="0" smtClean="0"/>
+          </a:p>
+          <a:p>
+            <a:pPr marL="0" lvl="2"/>
+            <a:r>
+              <a:rPr lang="en-US" altLang="zh-TW" sz="1400" dirty="0" smtClean="0"/>
               <a:t>cat1 = cat("</a:t>
             </a:r>
             <a:r>
-              <a:rPr lang="en-US" altLang="zh-TW" sz="1400" dirty="0" err="1"/>
+              <a:rPr lang="en-US" altLang="zh-TW" sz="1400" dirty="0" err="1" smtClean="0"/>
               <a:t>Lala</a:t>
             </a:r>
             <a:r>
-              <a:rPr lang="en-US" altLang="zh-TW" sz="1400" dirty="0"/>
+              <a:rPr lang="en-US" altLang="zh-TW" sz="1400" dirty="0" smtClean="0"/>
               <a:t>","</a:t>
             </a:r>
             <a:r>
-              <a:rPr lang="zh-TW" altLang="en-US" sz="1400" dirty="0"/>
+              <a:rPr lang="zh-TW" altLang="en-US" sz="1400" dirty="0" smtClean="0"/>
               <a:t>橘貓</a:t>
             </a:r>
             <a:r>
-              <a:rPr lang="en-US" altLang="zh-TW" sz="1400" dirty="0"/>
+              <a:rPr lang="en-US" altLang="zh-TW" sz="1400" dirty="0" smtClean="0"/>
               <a:t>")</a:t>
             </a:r>
           </a:p>
           <a:p>
             <a:pPr marL="0" lvl="2"/>
             <a:r>
-              <a:rPr lang="en-US" altLang="zh-TW" sz="1400" dirty="0"/>
-              <a:t>p</a:t>
-            </a:r>
-            <a:r>
               <a:rPr lang="en-US" altLang="zh-TW" sz="1400" dirty="0" smtClean="0"/>
-              <a:t>rint(cat1.getAnimalName())</a:t>
-            </a:r>
-            <a:endParaRPr lang="en-US" altLang="zh-TW" sz="1400" dirty="0"/>
+              <a:t>print(cat1.getAnimalName())</a:t>
+            </a:r>
           </a:p>
           <a:p>
             <a:pPr marL="0" lvl="2"/>
             <a:r>
-              <a:rPr lang="en-US" altLang="zh-TW" sz="1400" dirty="0"/>
-              <a:t>p</a:t>
-            </a:r>
-            <a:r>
               <a:rPr lang="en-US" altLang="zh-TW" sz="1400" dirty="0" smtClean="0"/>
-              <a:t>rint(cat1.getAnimalSpecies())</a:t>
-            </a:r>
-            <a:endParaRPr lang="en-US" altLang="zh-TW" sz="1400" dirty="0"/>
+              <a:t>print(cat1.getAnimalSpecies())</a:t>
+            </a:r>
           </a:p>
           <a:p>
             <a:pPr marL="0" lvl="2"/>
             <a:r>
-              <a:rPr lang="en-US" altLang="zh-TW" sz="1400" dirty="0">
+              <a:rPr lang="en-US" altLang="zh-TW" sz="1400" dirty="0" smtClean="0">
                 <a:solidFill>
                   <a:schemeClr val="accent5">
                     <a:lumMod val="75000"/>
@@ -44627,20 +44932,12 @@
               <a:t>#</a:t>
             </a:r>
             <a:r>
-              <a:rPr lang="zh-TW" altLang="en-US" sz="1400" b="1" i="1" dirty="0">
+              <a:rPr lang="zh-TW" altLang="en-US" sz="1400" b="1" i="1" dirty="0" smtClean="0">
                 <a:solidFill>
                   <a:srgbClr val="FF0000"/>
                 </a:solidFill>
               </a:rPr>
-              <a:t>抽象類別需透過</a:t>
-            </a:r>
-            <a:r>
-              <a:rPr lang="zh-TW" altLang="en-US" sz="1400" b="1" i="1" dirty="0" smtClean="0">
-                <a:solidFill>
-                  <a:srgbClr val="FF0000"/>
-                </a:solidFill>
-              </a:rPr>
-              <a:t>繼承來實現，並 </a:t>
+              <a:t>抽象類別需透過繼承來實現，並 </a:t>
             </a:r>
             <a:r>
               <a:rPr lang="en-US" altLang="zh-TW" sz="1400" b="1" i="1" dirty="0" smtClean="0">
@@ -44830,28 +45127,32 @@
           <a:p>
             <a:pPr lvl="2" algn="ctr"/>
             <a:r>
-              <a:rPr lang="en-US" altLang="zh-TW" sz="4000" smtClean="0"/>
-              <a:t>Polymorphism</a:t>
-            </a:r>
-            <a:r>
-              <a:rPr lang="zh-TW" altLang="en-US" sz="4000" smtClean="0"/>
+              <a:rPr lang="en-US" altLang="zh-TW" sz="4000" dirty="0" smtClean="0"/>
+              <a:t>Abstract </a:t>
+            </a:r>
+            <a:r>
+              <a:rPr lang="en-US" altLang="zh-TW" sz="4000" dirty="0"/>
+              <a:t>Method</a:t>
+            </a:r>
+            <a:r>
+              <a:rPr lang="zh-TW" altLang="en-US" sz="4000" dirty="0" smtClean="0"/>
               <a:t> </a:t>
             </a:r>
             <a:r>
-              <a:rPr lang="en-US" altLang="zh-TW" sz="4000" smtClean="0"/>
+              <a:rPr lang="en-US" altLang="zh-TW" sz="4000" dirty="0" smtClean="0"/>
               <a:t>(</a:t>
             </a:r>
             <a:r>
-              <a:rPr lang="zh-TW" altLang="en-US" sz="4000" smtClean="0"/>
-              <a:t>多型</a:t>
-            </a:r>
-            <a:r>
-              <a:rPr lang="en-US" altLang="zh-TW" sz="4000" smtClean="0"/>
+              <a:rPr lang="zh-TW" altLang="en-US" sz="4000" dirty="0" smtClean="0"/>
+              <a:t>抽象</a:t>
+            </a:r>
+            <a:r>
+              <a:rPr lang="zh-TW" altLang="en-US" sz="4000" dirty="0"/>
+              <a:t>方法</a:t>
+            </a:r>
+            <a:r>
+              <a:rPr lang="en-US" altLang="zh-TW" sz="4000" dirty="0" smtClean="0"/>
               <a:t>)</a:t>
-            </a:r>
-            <a:r>
-              <a:rPr lang="zh-TW" altLang="en-US" sz="4000" smtClean="0"/>
-              <a:t> </a:t>
             </a:r>
             <a:endParaRPr lang="en-US" altLang="zh-TW" sz="4000" dirty="0"/>
           </a:p>
@@ -44865,8 +45166,8 @@
         </p:nvSpPr>
         <p:spPr>
           <a:xfrm>
-            <a:off x="946768" y="801480"/>
-            <a:ext cx="3528475" cy="5047536"/>
+            <a:off x="595664" y="796505"/>
+            <a:ext cx="5764191" cy="5693866"/>
           </a:xfrm>
           <a:prstGeom prst="rect">
             <a:avLst/>
@@ -44888,7 +45189,7 @@
           <a:p>
             <a:pPr marL="0" lvl="2"/>
             <a:r>
-              <a:rPr lang="en-US" altLang="zh-TW" sz="1400" dirty="0">
+              <a:rPr lang="en-US" altLang="zh-TW" sz="1400" dirty="0" smtClean="0">
                 <a:solidFill>
                   <a:schemeClr val="accent5">
                     <a:lumMod val="75000"/>
@@ -44896,608 +45197,6 @@
                 </a:solidFill>
               </a:rPr>
               <a:t># Abstract Class</a:t>
-            </a:r>
-          </a:p>
-          <a:p>
-            <a:pPr marL="0" lvl="2"/>
-            <a:endParaRPr lang="en-US" altLang="zh-TW" sz="1400" dirty="0"/>
-          </a:p>
-          <a:p>
-            <a:pPr marL="0" lvl="2"/>
-            <a:r>
-              <a:rPr lang="en-US" altLang="zh-TW" sz="1400" dirty="0"/>
-              <a:t>from </a:t>
-            </a:r>
-            <a:r>
-              <a:rPr lang="en-US" altLang="zh-TW" sz="1400" dirty="0" err="1"/>
-              <a:t>abc</a:t>
-            </a:r>
-            <a:r>
-              <a:rPr lang="en-US" altLang="zh-TW" sz="1400" dirty="0"/>
-              <a:t> import ABC, </a:t>
-            </a:r>
-            <a:r>
-              <a:rPr lang="en-US" altLang="zh-TW" sz="1400" dirty="0" err="1"/>
-              <a:t>abstractmethod</a:t>
-            </a:r>
-            <a:endParaRPr lang="en-US" altLang="zh-TW" sz="1400" dirty="0"/>
-          </a:p>
-          <a:p>
-            <a:pPr marL="0" lvl="2"/>
-            <a:endParaRPr lang="en-US" altLang="zh-TW" sz="1400" dirty="0"/>
-          </a:p>
-          <a:p>
-            <a:pPr marL="0" lvl="2"/>
-            <a:r>
-              <a:rPr lang="en-US" altLang="zh-TW" sz="1400" dirty="0"/>
-              <a:t>class </a:t>
-            </a:r>
-            <a:r>
-              <a:rPr lang="en-US" altLang="zh-TW" sz="1400" dirty="0" err="1"/>
-              <a:t>baseAnimal</a:t>
-            </a:r>
-            <a:r>
-              <a:rPr lang="en-US" altLang="zh-TW" sz="1400" dirty="0"/>
-              <a:t>(ABC): </a:t>
-            </a:r>
-          </a:p>
-          <a:p>
-            <a:pPr marL="0" lvl="2"/>
-            <a:r>
-              <a:rPr lang="en-US" altLang="zh-TW" sz="1400" dirty="0"/>
-              <a:t>    @</a:t>
-            </a:r>
-            <a:r>
-              <a:rPr lang="en-US" altLang="zh-TW" sz="1400" dirty="0" err="1"/>
-              <a:t>abstractmethod</a:t>
-            </a:r>
-            <a:endParaRPr lang="en-US" altLang="zh-TW" sz="1400" dirty="0"/>
-          </a:p>
-          <a:p>
-            <a:pPr marL="0" lvl="2"/>
-            <a:r>
-              <a:rPr lang="en-US" altLang="zh-TW" sz="1400" dirty="0"/>
-              <a:t>    </a:t>
-            </a:r>
-            <a:r>
-              <a:rPr lang="en-US" altLang="zh-TW" sz="1400" dirty="0" err="1"/>
-              <a:t>def</a:t>
-            </a:r>
-            <a:r>
-              <a:rPr lang="en-US" altLang="zh-TW" sz="1400" dirty="0"/>
-              <a:t> </a:t>
-            </a:r>
-            <a:r>
-              <a:rPr lang="en-US" altLang="zh-TW" sz="1400" dirty="0" err="1"/>
-              <a:t>getAnimalName</a:t>
-            </a:r>
-            <a:r>
-              <a:rPr lang="en-US" altLang="zh-TW" sz="1400" dirty="0"/>
-              <a:t>(</a:t>
-            </a:r>
-            <a:r>
-              <a:rPr lang="en-US" altLang="zh-TW" sz="1400" dirty="0" err="1"/>
-              <a:t>getname</a:t>
-            </a:r>
-            <a:r>
-              <a:rPr lang="en-US" altLang="zh-TW" sz="1400" dirty="0"/>
-              <a:t>):</a:t>
-            </a:r>
-          </a:p>
-          <a:p>
-            <a:pPr marL="0" lvl="2"/>
-            <a:r>
-              <a:rPr lang="en-US" altLang="zh-TW" sz="1400" dirty="0"/>
-              <a:t>        pass  </a:t>
-            </a:r>
-          </a:p>
-          <a:p>
-            <a:pPr marL="0" lvl="2"/>
-            <a:r>
-              <a:rPr lang="en-US" altLang="zh-TW" sz="1400" dirty="0"/>
-              <a:t>    @</a:t>
-            </a:r>
-            <a:r>
-              <a:rPr lang="en-US" altLang="zh-TW" sz="1400" dirty="0" err="1"/>
-              <a:t>abstractmethod</a:t>
-            </a:r>
-            <a:endParaRPr lang="en-US" altLang="zh-TW" sz="1400" dirty="0"/>
-          </a:p>
-          <a:p>
-            <a:pPr marL="0" lvl="2"/>
-            <a:r>
-              <a:rPr lang="en-US" altLang="zh-TW" sz="1400" dirty="0"/>
-              <a:t>    </a:t>
-            </a:r>
-            <a:r>
-              <a:rPr lang="en-US" altLang="zh-TW" sz="1400" dirty="0" err="1"/>
-              <a:t>def</a:t>
-            </a:r>
-            <a:r>
-              <a:rPr lang="en-US" altLang="zh-TW" sz="1400" dirty="0"/>
-              <a:t> </a:t>
-            </a:r>
-            <a:r>
-              <a:rPr lang="en-US" altLang="zh-TW" sz="1400" dirty="0" err="1"/>
-              <a:t>getAnimalSpecies</a:t>
-            </a:r>
-            <a:r>
-              <a:rPr lang="en-US" altLang="zh-TW" sz="1400" dirty="0"/>
-              <a:t>(</a:t>
-            </a:r>
-            <a:r>
-              <a:rPr lang="en-US" altLang="zh-TW" sz="1400" dirty="0" err="1"/>
-              <a:t>getspecies</a:t>
-            </a:r>
-            <a:r>
-              <a:rPr lang="en-US" altLang="zh-TW" sz="1400" dirty="0"/>
-              <a:t>):</a:t>
-            </a:r>
-          </a:p>
-          <a:p>
-            <a:pPr marL="0" lvl="2"/>
-            <a:r>
-              <a:rPr lang="en-US" altLang="zh-TW" sz="1400" dirty="0"/>
-              <a:t>        pass</a:t>
-            </a:r>
-          </a:p>
-          <a:p>
-            <a:pPr marL="0" lvl="2"/>
-            <a:endParaRPr lang="en-US" altLang="zh-TW" sz="1400" dirty="0"/>
-          </a:p>
-          <a:p>
-            <a:pPr marL="0" lvl="2"/>
-            <a:r>
-              <a:rPr lang="en-US" altLang="zh-TW" sz="1400" dirty="0">
-                <a:solidFill>
-                  <a:srgbClr val="0070C0"/>
-                </a:solidFill>
-              </a:rPr>
-              <a:t>class cat(</a:t>
-            </a:r>
-            <a:r>
-              <a:rPr lang="en-US" altLang="zh-TW" sz="1400" dirty="0" err="1">
-                <a:solidFill>
-                  <a:srgbClr val="0070C0"/>
-                </a:solidFill>
-              </a:rPr>
-              <a:t>baseAnimal</a:t>
-            </a:r>
-            <a:r>
-              <a:rPr lang="en-US" altLang="zh-TW" sz="1400" dirty="0">
-                <a:solidFill>
-                  <a:srgbClr val="0070C0"/>
-                </a:solidFill>
-              </a:rPr>
-              <a:t>):</a:t>
-            </a:r>
-          </a:p>
-          <a:p>
-            <a:pPr marL="0" lvl="2"/>
-            <a:r>
-              <a:rPr lang="en-US" altLang="zh-TW" sz="1400" dirty="0"/>
-              <a:t>    </a:t>
-            </a:r>
-          </a:p>
-          <a:p>
-            <a:pPr marL="0" lvl="2"/>
-            <a:r>
-              <a:rPr lang="en-US" altLang="zh-TW" sz="1400" dirty="0"/>
-              <a:t>    </a:t>
-            </a:r>
-            <a:r>
-              <a:rPr lang="en-US" altLang="zh-TW" sz="1400" dirty="0" err="1"/>
-              <a:t>def</a:t>
-            </a:r>
-            <a:r>
-              <a:rPr lang="en-US" altLang="zh-TW" sz="1400" dirty="0"/>
-              <a:t> __</a:t>
-            </a:r>
-            <a:r>
-              <a:rPr lang="en-US" altLang="zh-TW" sz="1400" dirty="0" err="1"/>
-              <a:t>init</a:t>
-            </a:r>
-            <a:r>
-              <a:rPr lang="en-US" altLang="zh-TW" sz="1400" dirty="0"/>
-              <a:t>__(</a:t>
-            </a:r>
-            <a:r>
-              <a:rPr lang="en-US" altLang="zh-TW" sz="1400" dirty="0" err="1"/>
-              <a:t>self,name,species</a:t>
-            </a:r>
-            <a:r>
-              <a:rPr lang="en-US" altLang="zh-TW" sz="1400" dirty="0"/>
-              <a:t>):</a:t>
-            </a:r>
-          </a:p>
-          <a:p>
-            <a:pPr marL="0" lvl="2"/>
-            <a:r>
-              <a:rPr lang="en-US" altLang="zh-TW" sz="1400" dirty="0"/>
-              <a:t>        self.name = name</a:t>
-            </a:r>
-          </a:p>
-          <a:p>
-            <a:pPr marL="0" lvl="2"/>
-            <a:r>
-              <a:rPr lang="en-US" altLang="zh-TW" sz="1400" dirty="0"/>
-              <a:t>        </a:t>
-            </a:r>
-            <a:r>
-              <a:rPr lang="en-US" altLang="zh-TW" sz="1400" dirty="0" err="1"/>
-              <a:t>self.species</a:t>
-            </a:r>
-            <a:r>
-              <a:rPr lang="en-US" altLang="zh-TW" sz="1400" dirty="0"/>
-              <a:t> = species </a:t>
-            </a:r>
-          </a:p>
-          <a:p>
-            <a:pPr marL="0" lvl="2"/>
-            <a:r>
-              <a:rPr lang="en-US" altLang="zh-TW" sz="1400" dirty="0"/>
-              <a:t>        </a:t>
-            </a:r>
-          </a:p>
-          <a:p>
-            <a:pPr marL="0" lvl="2"/>
-            <a:r>
-              <a:rPr lang="en-US" altLang="zh-TW" sz="1400" dirty="0"/>
-              <a:t>    </a:t>
-            </a:r>
-            <a:r>
-              <a:rPr lang="en-US" altLang="zh-TW" sz="1400" dirty="0" err="1"/>
-              <a:t>def</a:t>
-            </a:r>
-            <a:r>
-              <a:rPr lang="en-US" altLang="zh-TW" sz="1400" dirty="0"/>
-              <a:t> </a:t>
-            </a:r>
-            <a:r>
-              <a:rPr lang="en-US" altLang="zh-TW" sz="1400" dirty="0" err="1"/>
-              <a:t>getAnimalName</a:t>
-            </a:r>
-            <a:r>
-              <a:rPr lang="en-US" altLang="zh-TW" sz="1400" dirty="0"/>
-              <a:t>(self):</a:t>
-            </a:r>
-          </a:p>
-          <a:p>
-            <a:pPr marL="0" lvl="2"/>
-            <a:r>
-              <a:rPr lang="en-US" altLang="zh-TW" sz="1400" dirty="0"/>
-              <a:t>        print(self.name) </a:t>
-            </a:r>
-          </a:p>
-          <a:p>
-            <a:pPr marL="0" lvl="2"/>
-            <a:r>
-              <a:rPr lang="en-US" altLang="zh-TW" sz="1400" dirty="0"/>
-              <a:t>        </a:t>
-            </a:r>
-          </a:p>
-          <a:p>
-            <a:pPr marL="0" lvl="2"/>
-            <a:r>
-              <a:rPr lang="en-US" altLang="zh-TW" sz="1400" dirty="0"/>
-              <a:t>    </a:t>
-            </a:r>
-            <a:r>
-              <a:rPr lang="en-US" altLang="zh-TW" sz="1400" dirty="0" err="1"/>
-              <a:t>def</a:t>
-            </a:r>
-            <a:r>
-              <a:rPr lang="en-US" altLang="zh-TW" sz="1400" dirty="0"/>
-              <a:t> </a:t>
-            </a:r>
-            <a:r>
-              <a:rPr lang="en-US" altLang="zh-TW" sz="1400" dirty="0" err="1"/>
-              <a:t>getAnimalSpecies</a:t>
-            </a:r>
-            <a:r>
-              <a:rPr lang="en-US" altLang="zh-TW" sz="1400" dirty="0"/>
-              <a:t>(self):</a:t>
-            </a:r>
-          </a:p>
-          <a:p>
-            <a:pPr marL="0" lvl="2"/>
-            <a:r>
-              <a:rPr lang="en-US" altLang="zh-TW" sz="1400" dirty="0"/>
-              <a:t>        print(</a:t>
-            </a:r>
-            <a:r>
-              <a:rPr lang="en-US" altLang="zh-TW" sz="1400" dirty="0" err="1"/>
-              <a:t>self.species</a:t>
-            </a:r>
-            <a:r>
-              <a:rPr lang="en-US" altLang="zh-TW" sz="1400" dirty="0"/>
-              <a:t>)</a:t>
-            </a:r>
-          </a:p>
-        </p:txBody>
-      </p:sp>
-      <p:sp>
-        <p:nvSpPr>
-          <p:cNvPr id="6" name="文字方塊 5"/>
-          <p:cNvSpPr txBox="1"/>
-          <p:nvPr/>
-        </p:nvSpPr>
-        <p:spPr>
-          <a:xfrm>
-            <a:off x="4475243" y="801480"/>
-            <a:ext cx="5505518" cy="5047536"/>
-          </a:xfrm>
-          <a:prstGeom prst="rect">
-            <a:avLst/>
-          </a:prstGeom>
-          <a:solidFill>
-            <a:schemeClr val="bg1">
-              <a:lumMod val="85000"/>
-            </a:schemeClr>
-          </a:solidFill>
-          <a:effectLst>
-            <a:softEdge rad="76200"/>
-          </a:effectLst>
-        </p:spPr>
-        <p:txBody>
-          <a:bodyPr wrap="square" rtlCol="0">
-            <a:spAutoFit/>
-          </a:bodyPr>
-          <a:lstStyle/>
-          <a:p>
-            <a:pPr marL="0" lvl="2"/>
-            <a:r>
-              <a:rPr lang="en-US" altLang="zh-TW" sz="1400" dirty="0">
-                <a:solidFill>
-                  <a:srgbClr val="0070C0"/>
-                </a:solidFill>
-              </a:rPr>
-              <a:t>class dog(</a:t>
-            </a:r>
-            <a:r>
-              <a:rPr lang="en-US" altLang="zh-TW" sz="1400" dirty="0" err="1">
-                <a:solidFill>
-                  <a:srgbClr val="0070C0"/>
-                </a:solidFill>
-              </a:rPr>
-              <a:t>baseAnimal</a:t>
-            </a:r>
-            <a:r>
-              <a:rPr lang="en-US" altLang="zh-TW" sz="1400" dirty="0">
-                <a:solidFill>
-                  <a:srgbClr val="0070C0"/>
-                </a:solidFill>
-              </a:rPr>
-              <a:t>):</a:t>
-            </a:r>
-          </a:p>
-          <a:p>
-            <a:pPr marL="0" lvl="2"/>
-            <a:endParaRPr lang="en-US" altLang="zh-TW" sz="1400" dirty="0"/>
-          </a:p>
-          <a:p>
-            <a:pPr marL="0" lvl="2"/>
-            <a:r>
-              <a:rPr lang="en-US" altLang="zh-TW" sz="1400" dirty="0"/>
-              <a:t>    </a:t>
-            </a:r>
-            <a:r>
-              <a:rPr lang="en-US" altLang="zh-TW" sz="1400" dirty="0" err="1"/>
-              <a:t>def</a:t>
-            </a:r>
-            <a:r>
-              <a:rPr lang="en-US" altLang="zh-TW" sz="1400" dirty="0"/>
-              <a:t> __</a:t>
-            </a:r>
-            <a:r>
-              <a:rPr lang="en-US" altLang="zh-TW" sz="1400" dirty="0" err="1"/>
-              <a:t>init</a:t>
-            </a:r>
-            <a:r>
-              <a:rPr lang="en-US" altLang="zh-TW" sz="1400" dirty="0"/>
-              <a:t>__(</a:t>
-            </a:r>
-            <a:r>
-              <a:rPr lang="en-US" altLang="zh-TW" sz="1400" dirty="0" err="1"/>
-              <a:t>self,name,species</a:t>
-            </a:r>
-            <a:r>
-              <a:rPr lang="en-US" altLang="zh-TW" sz="1400" dirty="0"/>
-              <a:t>):</a:t>
-            </a:r>
-          </a:p>
-          <a:p>
-            <a:pPr marL="0" lvl="2"/>
-            <a:r>
-              <a:rPr lang="en-US" altLang="zh-TW" sz="1400" dirty="0"/>
-              <a:t>        self.name = name</a:t>
-            </a:r>
-          </a:p>
-          <a:p>
-            <a:pPr marL="0" lvl="2"/>
-            <a:r>
-              <a:rPr lang="en-US" altLang="zh-TW" sz="1400" dirty="0"/>
-              <a:t>        </a:t>
-            </a:r>
-            <a:r>
-              <a:rPr lang="en-US" altLang="zh-TW" sz="1400" dirty="0" err="1"/>
-              <a:t>self.species</a:t>
-            </a:r>
-            <a:r>
-              <a:rPr lang="en-US" altLang="zh-TW" sz="1400" dirty="0"/>
-              <a:t> = species </a:t>
-            </a:r>
-          </a:p>
-          <a:p>
-            <a:pPr marL="0" lvl="2"/>
-            <a:r>
-              <a:rPr lang="en-US" altLang="zh-TW" sz="1400" dirty="0"/>
-              <a:t>        </a:t>
-            </a:r>
-          </a:p>
-          <a:p>
-            <a:pPr marL="0" lvl="2"/>
-            <a:r>
-              <a:rPr lang="en-US" altLang="zh-TW" sz="1400" dirty="0"/>
-              <a:t>    </a:t>
-            </a:r>
-            <a:r>
-              <a:rPr lang="en-US" altLang="zh-TW" sz="1400" dirty="0" err="1"/>
-              <a:t>def</a:t>
-            </a:r>
-            <a:r>
-              <a:rPr lang="en-US" altLang="zh-TW" sz="1400" dirty="0"/>
-              <a:t> </a:t>
-            </a:r>
-            <a:r>
-              <a:rPr lang="en-US" altLang="zh-TW" sz="1400" dirty="0" err="1"/>
-              <a:t>getAnimalName</a:t>
-            </a:r>
-            <a:r>
-              <a:rPr lang="en-US" altLang="zh-TW" sz="1400" dirty="0"/>
-              <a:t>(self):</a:t>
-            </a:r>
-          </a:p>
-          <a:p>
-            <a:pPr marL="0" lvl="2"/>
-            <a:r>
-              <a:rPr lang="en-US" altLang="zh-TW" sz="1400" dirty="0"/>
-              <a:t>        print(self.name)    </a:t>
-            </a:r>
-          </a:p>
-          <a:p>
-            <a:pPr marL="0" lvl="2"/>
-            <a:r>
-              <a:rPr lang="en-US" altLang="zh-TW" sz="1400" dirty="0"/>
-              <a:t>        </a:t>
-            </a:r>
-          </a:p>
-          <a:p>
-            <a:pPr marL="0" lvl="2"/>
-            <a:r>
-              <a:rPr lang="en-US" altLang="zh-TW" sz="1400" dirty="0"/>
-              <a:t>    </a:t>
-            </a:r>
-            <a:r>
-              <a:rPr lang="en-US" altLang="zh-TW" sz="1400" dirty="0" err="1"/>
-              <a:t>def</a:t>
-            </a:r>
-            <a:r>
-              <a:rPr lang="en-US" altLang="zh-TW" sz="1400" dirty="0"/>
-              <a:t> </a:t>
-            </a:r>
-            <a:r>
-              <a:rPr lang="en-US" altLang="zh-TW" sz="1400" dirty="0" err="1"/>
-              <a:t>getAnimalSpecies</a:t>
-            </a:r>
-            <a:r>
-              <a:rPr lang="en-US" altLang="zh-TW" sz="1400" dirty="0"/>
-              <a:t>(self):</a:t>
-            </a:r>
-          </a:p>
-          <a:p>
-            <a:pPr marL="0" lvl="2"/>
-            <a:r>
-              <a:rPr lang="en-US" altLang="zh-TW" sz="1400" dirty="0"/>
-              <a:t>        print(</a:t>
-            </a:r>
-            <a:r>
-              <a:rPr lang="en-US" altLang="zh-TW" sz="1400" dirty="0" err="1"/>
-              <a:t>self.species</a:t>
-            </a:r>
-            <a:r>
-              <a:rPr lang="en-US" altLang="zh-TW" sz="1400" dirty="0"/>
-              <a:t>)</a:t>
-            </a:r>
-          </a:p>
-          <a:p>
-            <a:pPr marL="0" lvl="2"/>
-            <a:endParaRPr lang="en-US" altLang="zh-TW" sz="1400" dirty="0"/>
-          </a:p>
-          <a:p>
-            <a:pPr marL="0" lvl="2"/>
-            <a:r>
-              <a:rPr lang="en-US" altLang="zh-TW" sz="1400" dirty="0">
-                <a:solidFill>
-                  <a:srgbClr val="0070C0"/>
-                </a:solidFill>
-              </a:rPr>
-              <a:t>cat1 = cat("</a:t>
-            </a:r>
-            <a:r>
-              <a:rPr lang="en-US" altLang="zh-TW" sz="1400" dirty="0" err="1">
-                <a:solidFill>
-                  <a:srgbClr val="0070C0"/>
-                </a:solidFill>
-              </a:rPr>
-              <a:t>Lala</a:t>
-            </a:r>
-            <a:r>
-              <a:rPr lang="en-US" altLang="zh-TW" sz="1400" dirty="0">
-                <a:solidFill>
-                  <a:srgbClr val="0070C0"/>
-                </a:solidFill>
-              </a:rPr>
-              <a:t>","</a:t>
-            </a:r>
-            <a:r>
-              <a:rPr lang="zh-TW" altLang="en-US" sz="1400" dirty="0">
-                <a:solidFill>
-                  <a:srgbClr val="0070C0"/>
-                </a:solidFill>
-              </a:rPr>
-              <a:t>橘貓</a:t>
-            </a:r>
-            <a:r>
-              <a:rPr lang="en-US" altLang="zh-TW" sz="1400" dirty="0">
-                <a:solidFill>
-                  <a:srgbClr val="0070C0"/>
-                </a:solidFill>
-              </a:rPr>
-              <a:t>")</a:t>
-            </a:r>
-          </a:p>
-          <a:p>
-            <a:pPr marL="0" lvl="2"/>
-            <a:r>
-              <a:rPr lang="en-US" altLang="zh-TW" sz="1400" dirty="0">
-                <a:solidFill>
-                  <a:srgbClr val="0070C0"/>
-                </a:solidFill>
-              </a:rPr>
-              <a:t>dog1 = dog("</a:t>
-            </a:r>
-            <a:r>
-              <a:rPr lang="en-US" altLang="zh-TW" sz="1400" dirty="0" err="1">
-                <a:solidFill>
-                  <a:srgbClr val="0070C0"/>
-                </a:solidFill>
-              </a:rPr>
-              <a:t>RuRu</a:t>
-            </a:r>
-            <a:r>
-              <a:rPr lang="en-US" altLang="zh-TW" sz="1400" dirty="0">
-                <a:solidFill>
-                  <a:srgbClr val="0070C0"/>
-                </a:solidFill>
-              </a:rPr>
-              <a:t>", "</a:t>
-            </a:r>
-            <a:r>
-              <a:rPr lang="zh-TW" altLang="en-US" sz="1400" dirty="0">
-                <a:solidFill>
-                  <a:srgbClr val="0070C0"/>
-                </a:solidFill>
-              </a:rPr>
-              <a:t>柴犬</a:t>
-            </a:r>
-            <a:r>
-              <a:rPr lang="en-US" altLang="zh-TW" sz="1400" dirty="0">
-                <a:solidFill>
-                  <a:srgbClr val="0070C0"/>
-                </a:solidFill>
-              </a:rPr>
-              <a:t>")</a:t>
             </a:r>
           </a:p>
           <a:p>
@@ -45506,122 +45205,297 @@
           </a:p>
           <a:p>
             <a:pPr marL="0" lvl="2"/>
-            <a:endParaRPr lang="en-US" altLang="zh-TW" sz="1400" dirty="0"/>
+            <a:r>
+              <a:rPr lang="en-US" altLang="zh-TW" sz="1400" dirty="0" smtClean="0"/>
+              <a:t>from </a:t>
+            </a:r>
+            <a:r>
+              <a:rPr lang="en-US" altLang="zh-TW" sz="1400" dirty="0" err="1" smtClean="0"/>
+              <a:t>abc</a:t>
+            </a:r>
+            <a:r>
+              <a:rPr lang="en-US" altLang="zh-TW" sz="1400" dirty="0" smtClean="0"/>
+              <a:t> import ABC, </a:t>
+            </a:r>
+            <a:r>
+              <a:rPr lang="en-US" altLang="zh-TW" sz="1400" dirty="0" err="1" smtClean="0"/>
+              <a:t>abstractmethod</a:t>
+            </a:r>
+            <a:endParaRPr lang="en-US" altLang="zh-TW" sz="1400" dirty="0" smtClean="0"/>
           </a:p>
           <a:p>
             <a:pPr marL="0" lvl="2"/>
-            <a:r>
-              <a:rPr lang="en-US" altLang="zh-TW" sz="1400" dirty="0">
+            <a:endParaRPr lang="en-US" altLang="zh-TW" sz="1400" dirty="0" smtClean="0"/>
+          </a:p>
+          <a:p>
+            <a:pPr marL="0" lvl="2"/>
+            <a:r>
+              <a:rPr lang="en-US" altLang="zh-TW" sz="1400" dirty="0" smtClean="0"/>
+              <a:t>class </a:t>
+            </a:r>
+            <a:r>
+              <a:rPr lang="en-US" altLang="zh-TW" sz="1400" dirty="0" err="1" smtClean="0"/>
+              <a:t>baseAnimal</a:t>
+            </a:r>
+            <a:r>
+              <a:rPr lang="en-US" altLang="zh-TW" sz="1400" dirty="0" smtClean="0"/>
+              <a:t>(ABC): </a:t>
+            </a:r>
+          </a:p>
+          <a:p>
+            <a:pPr marL="0" lvl="2"/>
+            <a:r>
+              <a:rPr lang="en-US" altLang="zh-TW" sz="1400" dirty="0" smtClean="0"/>
+              <a:t>    @</a:t>
+            </a:r>
+            <a:r>
+              <a:rPr lang="en-US" altLang="zh-TW" sz="1400" dirty="0" err="1" smtClean="0"/>
+              <a:t>abstractmethod</a:t>
+            </a:r>
+            <a:endParaRPr lang="en-US" altLang="zh-TW" sz="1400" dirty="0" smtClean="0"/>
+          </a:p>
+          <a:p>
+            <a:pPr marL="0" lvl="2"/>
+            <a:r>
+              <a:rPr lang="en-US" altLang="zh-TW" sz="1400" dirty="0" smtClean="0"/>
+              <a:t>    </a:t>
+            </a:r>
+            <a:r>
+              <a:rPr lang="en-US" altLang="zh-TW" sz="1400" dirty="0" err="1" smtClean="0"/>
+              <a:t>def</a:t>
+            </a:r>
+            <a:r>
+              <a:rPr lang="en-US" altLang="zh-TW" sz="1400" dirty="0" smtClean="0"/>
+              <a:t> </a:t>
+            </a:r>
+            <a:r>
+              <a:rPr lang="en-US" altLang="zh-TW" sz="1400" dirty="0" err="1" smtClean="0"/>
+              <a:t>getAnimalName</a:t>
+            </a:r>
+            <a:r>
+              <a:rPr lang="en-US" altLang="zh-TW" sz="1400" dirty="0" smtClean="0"/>
+              <a:t>(</a:t>
+            </a:r>
+            <a:r>
+              <a:rPr lang="en-US" altLang="zh-TW" sz="1400" dirty="0" err="1" smtClean="0"/>
+              <a:t>getname</a:t>
+            </a:r>
+            <a:r>
+              <a:rPr lang="en-US" altLang="zh-TW" sz="1400" dirty="0" smtClean="0"/>
+              <a:t>):</a:t>
+            </a:r>
+          </a:p>
+          <a:p>
+            <a:pPr marL="0" lvl="2"/>
+            <a:r>
+              <a:rPr lang="en-US" altLang="zh-TW" sz="1400" dirty="0" smtClean="0"/>
+              <a:t>        pass   </a:t>
+            </a:r>
+          </a:p>
+          <a:p>
+            <a:pPr marL="0" lvl="2"/>
+            <a:r>
+              <a:rPr lang="en-US" altLang="zh-TW" sz="1400" dirty="0" smtClean="0"/>
+              <a:t>    @</a:t>
+            </a:r>
+            <a:r>
+              <a:rPr lang="en-US" altLang="zh-TW" sz="1400" dirty="0" err="1" smtClean="0"/>
+              <a:t>abstractmethod</a:t>
+            </a:r>
+            <a:r>
+              <a:rPr lang="en-US" altLang="zh-TW" sz="1400" dirty="0" smtClean="0"/>
+              <a:t> </a:t>
+            </a:r>
+          </a:p>
+          <a:p>
+            <a:pPr marL="0" lvl="2"/>
+            <a:r>
+              <a:rPr lang="en-US" altLang="zh-TW" sz="1400" dirty="0" smtClean="0"/>
+              <a:t>    </a:t>
+            </a:r>
+            <a:r>
+              <a:rPr lang="en-US" altLang="zh-TW" sz="1400" dirty="0" err="1" smtClean="0"/>
+              <a:t>def</a:t>
+            </a:r>
+            <a:r>
+              <a:rPr lang="en-US" altLang="zh-TW" sz="1400" dirty="0" smtClean="0"/>
+              <a:t> </a:t>
+            </a:r>
+            <a:r>
+              <a:rPr lang="en-US" altLang="zh-TW" sz="1400" dirty="0" err="1" smtClean="0"/>
+              <a:t>getAnimalSpecies</a:t>
+            </a:r>
+            <a:r>
+              <a:rPr lang="en-US" altLang="zh-TW" sz="1400" dirty="0" smtClean="0"/>
+              <a:t>(</a:t>
+            </a:r>
+            <a:r>
+              <a:rPr lang="en-US" altLang="zh-TW" sz="1400" dirty="0" err="1" smtClean="0"/>
+              <a:t>getspecies</a:t>
+            </a:r>
+            <a:r>
+              <a:rPr lang="en-US" altLang="zh-TW" sz="1400" dirty="0" smtClean="0"/>
+              <a:t>):</a:t>
+            </a:r>
+          </a:p>
+          <a:p>
+            <a:pPr marL="0" lvl="2"/>
+            <a:r>
+              <a:rPr lang="en-US" altLang="zh-TW" sz="1400" dirty="0" smtClean="0"/>
+              <a:t>        pass</a:t>
+            </a:r>
+          </a:p>
+          <a:p>
+            <a:pPr marL="0" lvl="2"/>
+            <a:endParaRPr lang="en-US" altLang="zh-TW" sz="1400" dirty="0" smtClean="0"/>
+          </a:p>
+          <a:p>
+            <a:pPr marL="0" lvl="2"/>
+            <a:r>
+              <a:rPr lang="en-US" altLang="zh-TW" sz="1400" dirty="0" smtClean="0">
                 <a:solidFill>
                   <a:srgbClr val="0070C0"/>
                 </a:solidFill>
               </a:rPr>
-              <a:t>cat1.getAnimalName()</a:t>
-            </a:r>
-            <a:r>
-              <a:rPr lang="zh-TW" altLang="en-US" sz="1400" dirty="0">
+              <a:t>class cat(</a:t>
+            </a:r>
+            <a:r>
+              <a:rPr lang="en-US" altLang="zh-TW" sz="1400" dirty="0" err="1" smtClean="0">
                 <a:solidFill>
                   <a:srgbClr val="0070C0"/>
                 </a:solidFill>
               </a:rPr>
+              <a:t>baseAnimal</a:t>
+            </a:r>
+            <a:r>
+              <a:rPr lang="en-US" altLang="zh-TW" sz="1400" dirty="0" smtClean="0">
+                <a:solidFill>
+                  <a:srgbClr val="0070C0"/>
+                </a:solidFill>
+              </a:rPr>
+              <a:t>):</a:t>
+            </a:r>
+          </a:p>
+          <a:p>
+            <a:pPr marL="0" lvl="2"/>
+            <a:r>
+              <a:rPr lang="en-US" altLang="zh-TW" sz="1400" dirty="0" smtClean="0"/>
               <a:t>    </a:t>
             </a:r>
-            <a:r>
-              <a:rPr lang="en-US" altLang="zh-TW" sz="1400" dirty="0">
-                <a:solidFill>
-                  <a:schemeClr val="accent5">
-                    <a:lumMod val="75000"/>
-                  </a:schemeClr>
-                </a:solidFill>
-              </a:rPr>
-              <a:t>#</a:t>
-            </a:r>
-            <a:r>
-              <a:rPr lang="zh-TW" altLang="en-US" sz="1400" b="1" i="1" dirty="0">
-                <a:solidFill>
-                  <a:srgbClr val="FF0000"/>
-                </a:solidFill>
-              </a:rPr>
-              <a:t>透過不同的實例化物件來呼叫 </a:t>
-            </a:r>
-            <a:r>
-              <a:rPr lang="en-US" altLang="zh-TW" sz="1400" b="1" i="1" dirty="0">
-                <a:solidFill>
-                  <a:srgbClr val="FF0000"/>
-                </a:solidFill>
-              </a:rPr>
-              <a:t>Method</a:t>
-            </a:r>
           </a:p>
           <a:p>
             <a:pPr marL="0" lvl="2"/>
             <a:r>
-              <a:rPr lang="en-US" altLang="zh-TW" sz="1400" dirty="0">
+              <a:rPr lang="en-US" altLang="zh-TW" sz="1400" dirty="0" smtClean="0"/>
+              <a:t>    </a:t>
+            </a:r>
+            <a:r>
+              <a:rPr lang="en-US" altLang="zh-TW" sz="1400" dirty="0" err="1" smtClean="0">
                 <a:solidFill>
                   <a:srgbClr val="0070C0"/>
                 </a:solidFill>
               </a:rPr>
-              <a:t>cat1.getAnimalSpecies()</a:t>
+              <a:t>def</a:t>
+            </a:r>
+            <a:r>
+              <a:rPr lang="en-US" altLang="zh-TW" sz="1400" dirty="0" smtClean="0">
+                <a:solidFill>
+                  <a:srgbClr val="0070C0"/>
+                </a:solidFill>
+              </a:rPr>
+              <a:t> __</a:t>
+            </a:r>
+            <a:r>
+              <a:rPr lang="en-US" altLang="zh-TW" sz="1400" dirty="0" err="1" smtClean="0">
+                <a:solidFill>
+                  <a:srgbClr val="0070C0"/>
+                </a:solidFill>
+              </a:rPr>
+              <a:t>init</a:t>
+            </a:r>
+            <a:r>
+              <a:rPr lang="en-US" altLang="zh-TW" sz="1400" dirty="0" smtClean="0">
+                <a:solidFill>
+                  <a:srgbClr val="0070C0"/>
+                </a:solidFill>
+              </a:rPr>
+              <a:t>__(</a:t>
+            </a:r>
+            <a:r>
+              <a:rPr lang="en-US" altLang="zh-TW" sz="1400" dirty="0" err="1" smtClean="0">
+                <a:solidFill>
+                  <a:srgbClr val="0070C0"/>
+                </a:solidFill>
+              </a:rPr>
+              <a:t>self,name,species</a:t>
+            </a:r>
+            <a:r>
+              <a:rPr lang="en-US" altLang="zh-TW" sz="1400" dirty="0" smtClean="0">
+                <a:solidFill>
+                  <a:srgbClr val="0070C0"/>
+                </a:solidFill>
+              </a:rPr>
+              <a:t>):</a:t>
             </a:r>
           </a:p>
           <a:p>
             <a:pPr marL="0" lvl="2"/>
-            <a:endParaRPr lang="en-US" altLang="zh-TW" sz="1400" dirty="0"/>
+            <a:r>
+              <a:rPr lang="en-US" altLang="zh-TW" sz="1400" dirty="0" smtClean="0"/>
+              <a:t>        self.name = name</a:t>
+            </a:r>
           </a:p>
           <a:p>
             <a:pPr marL="0" lvl="2"/>
             <a:r>
-              <a:rPr lang="en-US" altLang="zh-TW" sz="1400" dirty="0">
+              <a:rPr lang="en-US" altLang="zh-TW" sz="1400" dirty="0" smtClean="0"/>
+              <a:t>        </a:t>
+            </a:r>
+            <a:r>
+              <a:rPr lang="en-US" altLang="zh-TW" sz="1400" dirty="0" err="1" smtClean="0"/>
+              <a:t>self.species</a:t>
+            </a:r>
+            <a:r>
+              <a:rPr lang="en-US" altLang="zh-TW" sz="1400" dirty="0" smtClean="0"/>
+              <a:t> = species </a:t>
+            </a:r>
+          </a:p>
+          <a:p>
+            <a:pPr marL="0" lvl="2"/>
+            <a:r>
+              <a:rPr lang="en-US" altLang="zh-TW" sz="1400" dirty="0" smtClean="0"/>
+              <a:t>        </a:t>
+            </a:r>
+          </a:p>
+          <a:p>
+            <a:pPr marL="0" lvl="2"/>
+            <a:r>
+              <a:rPr lang="en-US" altLang="zh-TW" sz="1400" dirty="0" smtClean="0"/>
+              <a:t>    </a:t>
+            </a:r>
+            <a:r>
+              <a:rPr lang="en-US" altLang="zh-TW" sz="1400" dirty="0" err="1" smtClean="0">
                 <a:solidFill>
                   <a:srgbClr val="0070C0"/>
                 </a:solidFill>
               </a:rPr>
-              <a:t>dog1.getAnimalName()</a:t>
-            </a:r>
-            <a:r>
-              <a:rPr lang="zh-TW" altLang="en-US" sz="1400" dirty="0">
+              <a:t>def</a:t>
+            </a:r>
+            <a:r>
+              <a:rPr lang="en-US" altLang="zh-TW" sz="1400" dirty="0" smtClean="0">
                 <a:solidFill>
                   <a:srgbClr val="0070C0"/>
                 </a:solidFill>
               </a:rPr>
-              <a:t>   </a:t>
-            </a:r>
-            <a:r>
-              <a:rPr lang="en-US" altLang="zh-TW" sz="1400" dirty="0">
-                <a:solidFill>
-                  <a:schemeClr val="accent5">
-                    <a:lumMod val="75000"/>
-                  </a:schemeClr>
-                </a:solidFill>
-              </a:rPr>
-              <a:t>#</a:t>
-            </a:r>
-            <a:r>
-              <a:rPr lang="zh-TW" altLang="en-US" sz="1400" b="1" i="1" dirty="0">
-                <a:solidFill>
-                  <a:srgbClr val="FF0000"/>
-                </a:solidFill>
-              </a:rPr>
-              <a:t>透過不同的實例化物件來呼叫 </a:t>
-            </a:r>
-            <a:r>
-              <a:rPr lang="en-US" altLang="zh-TW" sz="1400" b="1" i="1" dirty="0">
-                <a:solidFill>
-                  <a:srgbClr val="FF0000"/>
-                </a:solidFill>
-              </a:rPr>
-              <a:t>Method</a:t>
-            </a:r>
-          </a:p>
-          <a:p>
-            <a:pPr marL="0" lvl="2"/>
-            <a:r>
-              <a:rPr lang="en-US" altLang="zh-TW" sz="1400" dirty="0">
+              <a:t> </a:t>
+            </a:r>
+            <a:r>
+              <a:rPr lang="en-US" altLang="zh-TW" sz="1400" dirty="0" err="1" smtClean="0">
                 <a:solidFill>
                   <a:srgbClr val="0070C0"/>
                 </a:solidFill>
               </a:rPr>
-              <a:t>dog1.getAnimalSpecies</a:t>
+              <a:t>getAnimalName</a:t>
             </a:r>
             <a:r>
               <a:rPr lang="en-US" altLang="zh-TW" sz="1400" dirty="0" smtClean="0">
@@ -45629,21 +45503,110 @@
                   <a:srgbClr val="0070C0"/>
                 </a:solidFill>
               </a:rPr>
-              <a:t>()</a:t>
-            </a:r>
-            <a:endParaRPr lang="en-US" altLang="zh-TW" sz="1400" dirty="0">
+              <a:t>(self):</a:t>
+            </a:r>
+            <a:endParaRPr lang="en-US" altLang="zh-TW" sz="1400" b="1" i="1" dirty="0" smtClean="0">
               <a:solidFill>
-                <a:srgbClr val="0070C0"/>
+                <a:srgbClr val="FF0000"/>
               </a:solidFill>
             </a:endParaRPr>
           </a:p>
           <a:p>
             <a:pPr marL="0" lvl="2"/>
-            <a:endParaRPr lang="en-US" altLang="zh-TW" sz="1400" dirty="0" smtClean="0"/>
+            <a:r>
+              <a:rPr lang="en-US" altLang="zh-TW" sz="1400" dirty="0" smtClean="0"/>
+              <a:t>        return self.name </a:t>
+            </a:r>
+          </a:p>
+          <a:p>
+            <a:pPr marL="0" lvl="2"/>
+            <a:r>
+              <a:rPr lang="en-US" altLang="zh-TW" sz="1400" dirty="0" smtClean="0"/>
+              <a:t>        </a:t>
+            </a:r>
+          </a:p>
+          <a:p>
+            <a:pPr marL="0" lvl="2"/>
+            <a:r>
+              <a:rPr lang="en-US" altLang="zh-TW" sz="1400" dirty="0" smtClean="0"/>
+              <a:t>cat1 = cat("</a:t>
+            </a:r>
+            <a:r>
+              <a:rPr lang="en-US" altLang="zh-TW" sz="1400" dirty="0" err="1" smtClean="0"/>
+              <a:t>Lala</a:t>
+            </a:r>
+            <a:r>
+              <a:rPr lang="en-US" altLang="zh-TW" sz="1400" dirty="0" smtClean="0"/>
+              <a:t>","</a:t>
+            </a:r>
+            <a:r>
+              <a:rPr lang="zh-TW" altLang="en-US" sz="1400" dirty="0" smtClean="0"/>
+              <a:t>橘貓</a:t>
+            </a:r>
+            <a:r>
+              <a:rPr lang="en-US" altLang="zh-TW" sz="1400" dirty="0" smtClean="0"/>
+              <a:t>")</a:t>
+            </a:r>
           </a:p>
           <a:p>
             <a:pPr marL="0" lvl="2"/>
             <a:endParaRPr lang="en-US" altLang="zh-TW" sz="1400" dirty="0" smtClean="0"/>
+          </a:p>
+          <a:p>
+            <a:pPr marL="0" lvl="2"/>
+            <a:r>
+              <a:rPr lang="en-US" altLang="zh-TW" sz="1400" dirty="0" smtClean="0">
+                <a:solidFill>
+                  <a:schemeClr val="accent5">
+                    <a:lumMod val="75000"/>
+                  </a:schemeClr>
+                </a:solidFill>
+              </a:rPr>
+              <a:t>#</a:t>
+            </a:r>
+            <a:r>
+              <a:rPr lang="zh-TW" altLang="en-US" sz="1400" b="1" i="1" dirty="0" smtClean="0">
+                <a:solidFill>
+                  <a:srgbClr val="FF0000"/>
+                </a:solidFill>
+              </a:rPr>
+              <a:t>抽象類別可以強制繼承時所要實作的方法</a:t>
+            </a:r>
+            <a:endParaRPr lang="en-US" altLang="zh-TW" sz="1400" b="1" i="1" dirty="0" smtClean="0">
+              <a:solidFill>
+                <a:srgbClr val="FF0000"/>
+              </a:solidFill>
+            </a:endParaRPr>
+          </a:p>
+          <a:p>
+            <a:pPr marL="0" lvl="2"/>
+            <a:r>
+              <a:rPr lang="en-US" altLang="zh-TW" sz="1400" dirty="0" smtClean="0">
+                <a:solidFill>
+                  <a:schemeClr val="accent5">
+                    <a:lumMod val="75000"/>
+                  </a:schemeClr>
+                </a:solidFill>
+              </a:rPr>
+              <a:t>#</a:t>
+            </a:r>
+            <a:r>
+              <a:rPr lang="zh-TW" altLang="en-US" sz="1400" b="1" i="1" dirty="0" smtClean="0">
+                <a:solidFill>
+                  <a:srgbClr val="FF0000"/>
+                </a:solidFill>
+              </a:rPr>
+              <a:t>若沒有在繼承時將抽象類別的方法實作則會產生 </a:t>
+            </a:r>
+            <a:r>
+              <a:rPr lang="en-US" altLang="zh-TW" sz="1400" b="1" i="1" dirty="0" smtClean="0">
+                <a:solidFill>
+                  <a:srgbClr val="FF0000"/>
+                </a:solidFill>
+              </a:rPr>
+              <a:t>error</a:t>
+            </a:r>
+            <a:endParaRPr lang="en-US" altLang="zh-TW" sz="1400" dirty="0"/>
           </a:p>
         </p:txBody>
       </p:sp>
@@ -45663,8 +45626,8 @@
         </p:blipFill>
         <p:spPr>
           <a:xfrm>
-            <a:off x="995977" y="5810250"/>
-            <a:ext cx="8984784" cy="1047750"/>
+            <a:off x="6359855" y="2156407"/>
+            <a:ext cx="5642214" cy="1213810"/>
           </a:xfrm>
           <a:prstGeom prst="rect">
             <a:avLst/>
@@ -45677,7 +45640,7 @@
     </p:spTree>
     <p:extLst>
       <p:ext uri="{BB962C8B-B14F-4D97-AF65-F5344CB8AC3E}">
-        <p14:creationId xmlns:p14="http://schemas.microsoft.com/office/powerpoint/2010/main" val="615715379"/>
+        <p14:creationId xmlns:p14="http://schemas.microsoft.com/office/powerpoint/2010/main" val="2868243552"/>
       </p:ext>
     </p:extLst>
   </p:cSld>
@@ -45729,8 +45692,8 @@
         </p:nvSpPr>
         <p:spPr>
           <a:xfrm>
-            <a:off x="573816" y="281796"/>
-            <a:ext cx="8596668" cy="796505"/>
+            <a:off x="-418011" y="0"/>
+            <a:ext cx="11226623" cy="796505"/>
           </a:xfrm>
           <a:prstGeom prst="rect">
             <a:avLst/>
@@ -45813,20 +45776,32 @@
             </a:lvl9pPr>
           </a:lstStyle>
           <a:p>
-            <a:pPr algn="ctr"/>
-            <a:r>
-              <a:rPr lang="en-US" altLang="zh-TW" sz="3600" dirty="0" smtClean="0">
-                <a:solidFill>
-                  <a:schemeClr val="tx1"/>
-                </a:solidFill>
-              </a:rPr>
-              <a:t>Reference</a:t>
-            </a:r>
-            <a:endParaRPr lang="en-US" altLang="zh-TW" sz="3600" dirty="0">
-              <a:solidFill>
-                <a:schemeClr val="tx1"/>
-              </a:solidFill>
-            </a:endParaRPr>
+            <a:pPr lvl="2" algn="ctr"/>
+            <a:r>
+              <a:rPr lang="en-US" altLang="zh-TW" sz="4000" smtClean="0"/>
+              <a:t>Polymorphism</a:t>
+            </a:r>
+            <a:r>
+              <a:rPr lang="zh-TW" altLang="en-US" sz="4000" smtClean="0"/>
+              <a:t> </a:t>
+            </a:r>
+            <a:r>
+              <a:rPr lang="en-US" altLang="zh-TW" sz="4000" smtClean="0"/>
+              <a:t>(</a:t>
+            </a:r>
+            <a:r>
+              <a:rPr lang="zh-TW" altLang="en-US" sz="4000" smtClean="0"/>
+              <a:t>多型</a:t>
+            </a:r>
+            <a:r>
+              <a:rPr lang="en-US" altLang="zh-TW" sz="4000" smtClean="0"/>
+              <a:t>)</a:t>
+            </a:r>
+            <a:r>
+              <a:rPr lang="zh-TW" altLang="en-US" sz="4000" smtClean="0"/>
+              <a:t> </a:t>
+            </a:r>
+            <a:endParaRPr lang="en-US" altLang="zh-TW" sz="4000" dirty="0"/>
           </a:p>
         </p:txBody>
       </p:sp>
@@ -45838,13 +45813,20 @@
         </p:nvSpPr>
         <p:spPr>
           <a:xfrm>
-            <a:off x="897147" y="1199384"/>
-            <a:ext cx="8273337" cy="6555641"/>
+            <a:off x="946768" y="801480"/>
+            <a:ext cx="3528475" cy="5047536"/>
           </a:xfrm>
           <a:prstGeom prst="rect">
             <a:avLst/>
           </a:prstGeom>
-          <a:noFill/>
+          <a:solidFill>
+            <a:schemeClr val="bg1">
+              <a:lumMod val="85000"/>
+            </a:schemeClr>
+          </a:solidFill>
+          <a:effectLst>
+            <a:softEdge rad="76200"/>
+          </a:effectLst>
         </p:spPr>
         <p:txBody>
           <a:bodyPr wrap="square" rtlCol="0">
@@ -45852,150 +45834,835 @@
           </a:bodyPr>
           <a:lstStyle/>
           <a:p>
-            <a:r>
-              <a:rPr lang="en-US" altLang="zh-TW" dirty="0" smtClean="0"/>
-              <a:t>Python download</a:t>
-            </a:r>
-          </a:p>
-          <a:p>
-            <a:r>
-              <a:rPr lang="en-US" altLang="zh-TW" dirty="0" smtClean="0">
-                <a:hlinkClick r:id="rId2"/>
-              </a:rPr>
-              <a:t>https://www.python.org/downloads/</a:t>
-            </a:r>
-            <a:endParaRPr lang="en-US" altLang="zh-TW" dirty="0" smtClean="0"/>
-          </a:p>
-          <a:p>
-            <a:endParaRPr lang="en-US" altLang="zh-TW" dirty="0"/>
-          </a:p>
-          <a:p>
-            <a:endParaRPr lang="en-US" altLang="zh-TW" dirty="0" smtClean="0"/>
-          </a:p>
-          <a:p>
-            <a:r>
-              <a:rPr lang="en-US" altLang="zh-TW" dirty="0" smtClean="0"/>
-              <a:t>Visual Studio Code download</a:t>
-            </a:r>
-          </a:p>
-          <a:p>
-            <a:r>
-              <a:rPr lang="en-US" altLang="zh-TW" dirty="0">
-                <a:hlinkClick r:id="rId3"/>
-              </a:rPr>
-              <a:t>https://</a:t>
-            </a:r>
-            <a:r>
-              <a:rPr lang="en-US" altLang="zh-TW" dirty="0" smtClean="0">
-                <a:hlinkClick r:id="rId3"/>
-              </a:rPr>
-              <a:t>code.visualstudio.com/download</a:t>
-            </a:r>
-            <a:endParaRPr lang="en-US" altLang="zh-TW" dirty="0" smtClean="0"/>
-          </a:p>
-          <a:p>
-            <a:endParaRPr lang="en-US" altLang="zh-TW" dirty="0" smtClean="0"/>
-          </a:p>
-          <a:p>
-            <a:endParaRPr lang="en-US" altLang="zh-TW" dirty="0" smtClean="0"/>
-          </a:p>
-          <a:p>
-            <a:r>
-              <a:rPr lang="en-US" altLang="zh-TW" dirty="0" smtClean="0"/>
-              <a:t>Anaconda download</a:t>
-            </a:r>
-          </a:p>
-          <a:p>
-            <a:r>
-              <a:rPr lang="en-US" altLang="zh-TW" dirty="0">
-                <a:hlinkClick r:id="rId4"/>
-              </a:rPr>
-              <a:t>https://</a:t>
-            </a:r>
-            <a:r>
-              <a:rPr lang="en-US" altLang="zh-TW" dirty="0" smtClean="0">
-                <a:hlinkClick r:id="rId4"/>
-              </a:rPr>
-              <a:t>www.anaconda.com/products/individual</a:t>
-            </a:r>
-            <a:endParaRPr lang="en-US" altLang="zh-TW" dirty="0" smtClean="0"/>
-          </a:p>
-          <a:p>
-            <a:endParaRPr lang="en-US" altLang="zh-TW" dirty="0" smtClean="0"/>
-          </a:p>
-          <a:p>
-            <a:endParaRPr lang="en-US" altLang="zh-TW" dirty="0"/>
-          </a:p>
-          <a:p>
-            <a:r>
-              <a:rPr lang="en-US" altLang="zh-TW" dirty="0" smtClean="0"/>
-              <a:t>Python Document</a:t>
-            </a:r>
-          </a:p>
-          <a:p>
-            <a:r>
-              <a:rPr lang="en-US" altLang="zh-TW" dirty="0">
-                <a:hlinkClick r:id="rId5"/>
-              </a:rPr>
-              <a:t>https://</a:t>
-            </a:r>
-            <a:r>
-              <a:rPr lang="en-US" altLang="zh-TW" dirty="0" smtClean="0">
-                <a:hlinkClick r:id="rId5"/>
-              </a:rPr>
-              <a:t>docs.python.org/zh-tw/3/tutorial/index.html</a:t>
-            </a:r>
-            <a:endParaRPr lang="en-US" altLang="zh-TW" dirty="0" smtClean="0"/>
-          </a:p>
-          <a:p>
-            <a:endParaRPr lang="en-US" altLang="zh-TW" dirty="0" smtClean="0"/>
-          </a:p>
-          <a:p>
-            <a:endParaRPr lang="en-US" altLang="zh-TW" dirty="0" smtClean="0"/>
-          </a:p>
-          <a:p>
-            <a:r>
-              <a:rPr lang="en-US" altLang="zh-TW" dirty="0" smtClean="0"/>
-              <a:t>Python Learn by example</a:t>
-            </a:r>
-            <a:endParaRPr lang="en-US" altLang="zh-TW" dirty="0"/>
-          </a:p>
-          <a:p>
-            <a:r>
-              <a:rPr lang="en-US" altLang="zh-TW" dirty="0">
-                <a:hlinkClick r:id="rId6"/>
-              </a:rPr>
-              <a:t>https://</a:t>
-            </a:r>
-            <a:r>
-              <a:rPr lang="en-US" altLang="zh-TW" dirty="0" smtClean="0">
-                <a:hlinkClick r:id="rId6"/>
-              </a:rPr>
-              <a:t>www.learnbyexample.org/python-introduction/</a:t>
-            </a:r>
-            <a:endParaRPr lang="en-US" altLang="zh-TW" dirty="0" smtClean="0"/>
-          </a:p>
-          <a:p>
-            <a:endParaRPr lang="en-US" altLang="zh-TW" dirty="0" smtClean="0"/>
-          </a:p>
-          <a:p>
-            <a:endParaRPr lang="en-US" altLang="zh-TW" dirty="0"/>
-          </a:p>
-          <a:p>
-            <a:endParaRPr lang="en-US" altLang="zh-TW" sz="2400" dirty="0" smtClean="0"/>
-          </a:p>
-          <a:p>
-            <a:endParaRPr lang="en-US" altLang="zh-TW" dirty="0" smtClean="0"/>
-          </a:p>
-          <a:p>
-            <a:endParaRPr lang="zh-TW" altLang="en-US" dirty="0"/>
+            <a:pPr marL="0" lvl="2"/>
+            <a:r>
+              <a:rPr lang="en-US" altLang="zh-TW" sz="1400" dirty="0">
+                <a:solidFill>
+                  <a:schemeClr val="accent5">
+                    <a:lumMod val="75000"/>
+                  </a:schemeClr>
+                </a:solidFill>
+              </a:rPr>
+              <a:t># Abstract Class</a:t>
+            </a:r>
+          </a:p>
+          <a:p>
+            <a:pPr marL="0" lvl="2"/>
+            <a:endParaRPr lang="en-US" altLang="zh-TW" sz="1400" dirty="0"/>
+          </a:p>
+          <a:p>
+            <a:pPr marL="0" lvl="2"/>
+            <a:r>
+              <a:rPr lang="en-US" altLang="zh-TW" sz="1400" dirty="0"/>
+              <a:t>from </a:t>
+            </a:r>
+            <a:r>
+              <a:rPr lang="en-US" altLang="zh-TW" sz="1400" dirty="0" err="1"/>
+              <a:t>abc</a:t>
+            </a:r>
+            <a:r>
+              <a:rPr lang="en-US" altLang="zh-TW" sz="1400" dirty="0"/>
+              <a:t> import ABC, </a:t>
+            </a:r>
+            <a:r>
+              <a:rPr lang="en-US" altLang="zh-TW" sz="1400" dirty="0" err="1"/>
+              <a:t>abstractmethod</a:t>
+            </a:r>
+            <a:endParaRPr lang="en-US" altLang="zh-TW" sz="1400" dirty="0"/>
+          </a:p>
+          <a:p>
+            <a:pPr marL="0" lvl="2"/>
+            <a:endParaRPr lang="en-US" altLang="zh-TW" sz="1400" dirty="0"/>
+          </a:p>
+          <a:p>
+            <a:pPr marL="0" lvl="2"/>
+            <a:r>
+              <a:rPr lang="en-US" altLang="zh-TW" sz="1400" dirty="0"/>
+              <a:t>class </a:t>
+            </a:r>
+            <a:r>
+              <a:rPr lang="en-US" altLang="zh-TW" sz="1400" dirty="0" err="1"/>
+              <a:t>baseAnimal</a:t>
+            </a:r>
+            <a:r>
+              <a:rPr lang="en-US" altLang="zh-TW" sz="1400" dirty="0"/>
+              <a:t>(ABC): </a:t>
+            </a:r>
+          </a:p>
+          <a:p>
+            <a:pPr marL="0" lvl="2"/>
+            <a:r>
+              <a:rPr lang="en-US" altLang="zh-TW" sz="1400" dirty="0"/>
+              <a:t>    @</a:t>
+            </a:r>
+            <a:r>
+              <a:rPr lang="en-US" altLang="zh-TW" sz="1400" dirty="0" err="1"/>
+              <a:t>abstractmethod</a:t>
+            </a:r>
+            <a:endParaRPr lang="en-US" altLang="zh-TW" sz="1400" dirty="0"/>
+          </a:p>
+          <a:p>
+            <a:pPr marL="0" lvl="2"/>
+            <a:r>
+              <a:rPr lang="en-US" altLang="zh-TW" sz="1400" dirty="0"/>
+              <a:t>    </a:t>
+            </a:r>
+            <a:r>
+              <a:rPr lang="en-US" altLang="zh-TW" sz="1400" dirty="0" err="1"/>
+              <a:t>def</a:t>
+            </a:r>
+            <a:r>
+              <a:rPr lang="en-US" altLang="zh-TW" sz="1400" dirty="0"/>
+              <a:t> </a:t>
+            </a:r>
+            <a:r>
+              <a:rPr lang="en-US" altLang="zh-TW" sz="1400" dirty="0" err="1"/>
+              <a:t>getAnimalName</a:t>
+            </a:r>
+            <a:r>
+              <a:rPr lang="en-US" altLang="zh-TW" sz="1400" dirty="0"/>
+              <a:t>(</a:t>
+            </a:r>
+            <a:r>
+              <a:rPr lang="en-US" altLang="zh-TW" sz="1400" dirty="0" err="1"/>
+              <a:t>getname</a:t>
+            </a:r>
+            <a:r>
+              <a:rPr lang="en-US" altLang="zh-TW" sz="1400" dirty="0"/>
+              <a:t>):</a:t>
+            </a:r>
+          </a:p>
+          <a:p>
+            <a:pPr marL="0" lvl="2"/>
+            <a:r>
+              <a:rPr lang="en-US" altLang="zh-TW" sz="1400" dirty="0"/>
+              <a:t>        pass  </a:t>
+            </a:r>
+          </a:p>
+          <a:p>
+            <a:pPr marL="0" lvl="2"/>
+            <a:r>
+              <a:rPr lang="en-US" altLang="zh-TW" sz="1400" dirty="0"/>
+              <a:t>    @</a:t>
+            </a:r>
+            <a:r>
+              <a:rPr lang="en-US" altLang="zh-TW" sz="1400" dirty="0" err="1"/>
+              <a:t>abstractmethod</a:t>
+            </a:r>
+            <a:endParaRPr lang="en-US" altLang="zh-TW" sz="1400" dirty="0"/>
+          </a:p>
+          <a:p>
+            <a:pPr marL="0" lvl="2"/>
+            <a:r>
+              <a:rPr lang="en-US" altLang="zh-TW" sz="1400" dirty="0"/>
+              <a:t>    </a:t>
+            </a:r>
+            <a:r>
+              <a:rPr lang="en-US" altLang="zh-TW" sz="1400" dirty="0" err="1"/>
+              <a:t>def</a:t>
+            </a:r>
+            <a:r>
+              <a:rPr lang="en-US" altLang="zh-TW" sz="1400" dirty="0"/>
+              <a:t> </a:t>
+            </a:r>
+            <a:r>
+              <a:rPr lang="en-US" altLang="zh-TW" sz="1400" dirty="0" err="1"/>
+              <a:t>getAnimalSpecies</a:t>
+            </a:r>
+            <a:r>
+              <a:rPr lang="en-US" altLang="zh-TW" sz="1400" dirty="0"/>
+              <a:t>(</a:t>
+            </a:r>
+            <a:r>
+              <a:rPr lang="en-US" altLang="zh-TW" sz="1400" dirty="0" err="1"/>
+              <a:t>getspecies</a:t>
+            </a:r>
+            <a:r>
+              <a:rPr lang="en-US" altLang="zh-TW" sz="1400" dirty="0"/>
+              <a:t>):</a:t>
+            </a:r>
+          </a:p>
+          <a:p>
+            <a:pPr marL="0" lvl="2"/>
+            <a:r>
+              <a:rPr lang="en-US" altLang="zh-TW" sz="1400" dirty="0"/>
+              <a:t>        pass</a:t>
+            </a:r>
+          </a:p>
+          <a:p>
+            <a:pPr marL="0" lvl="2"/>
+            <a:endParaRPr lang="en-US" altLang="zh-TW" sz="1400" dirty="0"/>
+          </a:p>
+          <a:p>
+            <a:pPr marL="0" lvl="2"/>
+            <a:r>
+              <a:rPr lang="en-US" altLang="zh-TW" sz="1400" dirty="0">
+                <a:solidFill>
+                  <a:srgbClr val="0070C0"/>
+                </a:solidFill>
+              </a:rPr>
+              <a:t>class cat(</a:t>
+            </a:r>
+            <a:r>
+              <a:rPr lang="en-US" altLang="zh-TW" sz="1400" dirty="0" err="1">
+                <a:solidFill>
+                  <a:srgbClr val="0070C0"/>
+                </a:solidFill>
+              </a:rPr>
+              <a:t>baseAnimal</a:t>
+            </a:r>
+            <a:r>
+              <a:rPr lang="en-US" altLang="zh-TW" sz="1400" dirty="0">
+                <a:solidFill>
+                  <a:srgbClr val="0070C0"/>
+                </a:solidFill>
+              </a:rPr>
+              <a:t>):</a:t>
+            </a:r>
+          </a:p>
+          <a:p>
+            <a:pPr marL="0" lvl="2"/>
+            <a:r>
+              <a:rPr lang="en-US" altLang="zh-TW" sz="1400" dirty="0"/>
+              <a:t>    </a:t>
+            </a:r>
+          </a:p>
+          <a:p>
+            <a:pPr marL="0" lvl="2"/>
+            <a:r>
+              <a:rPr lang="en-US" altLang="zh-TW" sz="1400" dirty="0"/>
+              <a:t>    </a:t>
+            </a:r>
+            <a:r>
+              <a:rPr lang="en-US" altLang="zh-TW" sz="1400" dirty="0" err="1"/>
+              <a:t>def</a:t>
+            </a:r>
+            <a:r>
+              <a:rPr lang="en-US" altLang="zh-TW" sz="1400" dirty="0"/>
+              <a:t> __</a:t>
+            </a:r>
+            <a:r>
+              <a:rPr lang="en-US" altLang="zh-TW" sz="1400" dirty="0" err="1"/>
+              <a:t>init</a:t>
+            </a:r>
+            <a:r>
+              <a:rPr lang="en-US" altLang="zh-TW" sz="1400" dirty="0"/>
+              <a:t>__(</a:t>
+            </a:r>
+            <a:r>
+              <a:rPr lang="en-US" altLang="zh-TW" sz="1400" dirty="0" err="1"/>
+              <a:t>self,name,species</a:t>
+            </a:r>
+            <a:r>
+              <a:rPr lang="en-US" altLang="zh-TW" sz="1400" dirty="0"/>
+              <a:t>):</a:t>
+            </a:r>
+          </a:p>
+          <a:p>
+            <a:pPr marL="0" lvl="2"/>
+            <a:r>
+              <a:rPr lang="en-US" altLang="zh-TW" sz="1400" dirty="0"/>
+              <a:t>        self.name = name</a:t>
+            </a:r>
+          </a:p>
+          <a:p>
+            <a:pPr marL="0" lvl="2"/>
+            <a:r>
+              <a:rPr lang="en-US" altLang="zh-TW" sz="1400" dirty="0"/>
+              <a:t>        </a:t>
+            </a:r>
+            <a:r>
+              <a:rPr lang="en-US" altLang="zh-TW" sz="1400" dirty="0" err="1"/>
+              <a:t>self.species</a:t>
+            </a:r>
+            <a:r>
+              <a:rPr lang="en-US" altLang="zh-TW" sz="1400" dirty="0"/>
+              <a:t> = species </a:t>
+            </a:r>
+          </a:p>
+          <a:p>
+            <a:pPr marL="0" lvl="2"/>
+            <a:r>
+              <a:rPr lang="en-US" altLang="zh-TW" sz="1400" dirty="0"/>
+              <a:t>        </a:t>
+            </a:r>
+          </a:p>
+          <a:p>
+            <a:pPr marL="0" lvl="2"/>
+            <a:r>
+              <a:rPr lang="en-US" altLang="zh-TW" sz="1400" dirty="0"/>
+              <a:t>    </a:t>
+            </a:r>
+            <a:r>
+              <a:rPr lang="en-US" altLang="zh-TW" sz="1400" dirty="0" err="1"/>
+              <a:t>def</a:t>
+            </a:r>
+            <a:r>
+              <a:rPr lang="en-US" altLang="zh-TW" sz="1400" dirty="0"/>
+              <a:t> </a:t>
+            </a:r>
+            <a:r>
+              <a:rPr lang="en-US" altLang="zh-TW" sz="1400" dirty="0" err="1"/>
+              <a:t>getAnimalName</a:t>
+            </a:r>
+            <a:r>
+              <a:rPr lang="en-US" altLang="zh-TW" sz="1400" dirty="0"/>
+              <a:t>(self):</a:t>
+            </a:r>
+          </a:p>
+          <a:p>
+            <a:pPr marL="0" lvl="2"/>
+            <a:r>
+              <a:rPr lang="en-US" altLang="zh-TW" sz="1400" dirty="0"/>
+              <a:t>        print(self.name) </a:t>
+            </a:r>
+          </a:p>
+          <a:p>
+            <a:pPr marL="0" lvl="2"/>
+            <a:r>
+              <a:rPr lang="en-US" altLang="zh-TW" sz="1400" dirty="0"/>
+              <a:t>        </a:t>
+            </a:r>
+          </a:p>
+          <a:p>
+            <a:pPr marL="0" lvl="2"/>
+            <a:r>
+              <a:rPr lang="en-US" altLang="zh-TW" sz="1400" dirty="0"/>
+              <a:t>    </a:t>
+            </a:r>
+            <a:r>
+              <a:rPr lang="en-US" altLang="zh-TW" sz="1400" dirty="0" err="1"/>
+              <a:t>def</a:t>
+            </a:r>
+            <a:r>
+              <a:rPr lang="en-US" altLang="zh-TW" sz="1400" dirty="0"/>
+              <a:t> </a:t>
+            </a:r>
+            <a:r>
+              <a:rPr lang="en-US" altLang="zh-TW" sz="1400" dirty="0" err="1"/>
+              <a:t>getAnimalSpecies</a:t>
+            </a:r>
+            <a:r>
+              <a:rPr lang="en-US" altLang="zh-TW" sz="1400" dirty="0"/>
+              <a:t>(self):</a:t>
+            </a:r>
+          </a:p>
+          <a:p>
+            <a:pPr marL="0" lvl="2"/>
+            <a:r>
+              <a:rPr lang="en-US" altLang="zh-TW" sz="1400" dirty="0"/>
+              <a:t>        print(</a:t>
+            </a:r>
+            <a:r>
+              <a:rPr lang="en-US" altLang="zh-TW" sz="1400" dirty="0" err="1"/>
+              <a:t>self.species</a:t>
+            </a:r>
+            <a:r>
+              <a:rPr lang="en-US" altLang="zh-TW" sz="1400" dirty="0"/>
+              <a:t>)</a:t>
+            </a:r>
           </a:p>
         </p:txBody>
       </p:sp>
+      <p:sp>
+        <p:nvSpPr>
+          <p:cNvPr id="6" name="文字方塊 5"/>
+          <p:cNvSpPr txBox="1"/>
+          <p:nvPr/>
+        </p:nvSpPr>
+        <p:spPr>
+          <a:xfrm>
+            <a:off x="4475242" y="801480"/>
+            <a:ext cx="5948917" cy="5047536"/>
+          </a:xfrm>
+          <a:prstGeom prst="rect">
+            <a:avLst/>
+          </a:prstGeom>
+          <a:solidFill>
+            <a:schemeClr val="bg1">
+              <a:lumMod val="85000"/>
+            </a:schemeClr>
+          </a:solidFill>
+          <a:effectLst>
+            <a:softEdge rad="76200"/>
+          </a:effectLst>
+        </p:spPr>
+        <p:txBody>
+          <a:bodyPr wrap="square" rtlCol="0">
+            <a:spAutoFit/>
+          </a:bodyPr>
+          <a:lstStyle/>
+          <a:p>
+            <a:pPr marL="0" lvl="2"/>
+            <a:r>
+              <a:rPr lang="en-US" altLang="zh-TW" sz="1400" dirty="0">
+                <a:solidFill>
+                  <a:srgbClr val="0070C0"/>
+                </a:solidFill>
+              </a:rPr>
+              <a:t>class dog(</a:t>
+            </a:r>
+            <a:r>
+              <a:rPr lang="en-US" altLang="zh-TW" sz="1400" dirty="0" err="1">
+                <a:solidFill>
+                  <a:srgbClr val="0070C0"/>
+                </a:solidFill>
+              </a:rPr>
+              <a:t>baseAnimal</a:t>
+            </a:r>
+            <a:r>
+              <a:rPr lang="en-US" altLang="zh-TW" sz="1400" dirty="0">
+                <a:solidFill>
+                  <a:srgbClr val="0070C0"/>
+                </a:solidFill>
+              </a:rPr>
+              <a:t>):</a:t>
+            </a:r>
+          </a:p>
+          <a:p>
+            <a:pPr marL="0" lvl="2"/>
+            <a:endParaRPr lang="en-US" altLang="zh-TW" sz="1400" dirty="0"/>
+          </a:p>
+          <a:p>
+            <a:pPr marL="0" lvl="2"/>
+            <a:r>
+              <a:rPr lang="en-US" altLang="zh-TW" sz="1400" dirty="0"/>
+              <a:t>    </a:t>
+            </a:r>
+            <a:r>
+              <a:rPr lang="en-US" altLang="zh-TW" sz="1400" dirty="0" err="1"/>
+              <a:t>def</a:t>
+            </a:r>
+            <a:r>
+              <a:rPr lang="en-US" altLang="zh-TW" sz="1400" dirty="0"/>
+              <a:t> __</a:t>
+            </a:r>
+            <a:r>
+              <a:rPr lang="en-US" altLang="zh-TW" sz="1400" dirty="0" err="1"/>
+              <a:t>init</a:t>
+            </a:r>
+            <a:r>
+              <a:rPr lang="en-US" altLang="zh-TW" sz="1400" dirty="0"/>
+              <a:t>__(</a:t>
+            </a:r>
+            <a:r>
+              <a:rPr lang="en-US" altLang="zh-TW" sz="1400" dirty="0" err="1"/>
+              <a:t>self,name,species</a:t>
+            </a:r>
+            <a:r>
+              <a:rPr lang="en-US" altLang="zh-TW" sz="1400" dirty="0"/>
+              <a:t>):</a:t>
+            </a:r>
+          </a:p>
+          <a:p>
+            <a:pPr marL="0" lvl="2"/>
+            <a:r>
+              <a:rPr lang="en-US" altLang="zh-TW" sz="1400" dirty="0"/>
+              <a:t>        self.name = name</a:t>
+            </a:r>
+          </a:p>
+          <a:p>
+            <a:pPr marL="0" lvl="2"/>
+            <a:r>
+              <a:rPr lang="en-US" altLang="zh-TW" sz="1400" dirty="0"/>
+              <a:t>        </a:t>
+            </a:r>
+            <a:r>
+              <a:rPr lang="en-US" altLang="zh-TW" sz="1400" dirty="0" err="1"/>
+              <a:t>self.species</a:t>
+            </a:r>
+            <a:r>
+              <a:rPr lang="en-US" altLang="zh-TW" sz="1400" dirty="0"/>
+              <a:t> = species </a:t>
+            </a:r>
+          </a:p>
+          <a:p>
+            <a:pPr marL="0" lvl="2"/>
+            <a:r>
+              <a:rPr lang="en-US" altLang="zh-TW" sz="1400" dirty="0"/>
+              <a:t>        </a:t>
+            </a:r>
+          </a:p>
+          <a:p>
+            <a:pPr marL="0" lvl="2"/>
+            <a:r>
+              <a:rPr lang="en-US" altLang="zh-TW" sz="1400" dirty="0"/>
+              <a:t>    </a:t>
+            </a:r>
+            <a:r>
+              <a:rPr lang="en-US" altLang="zh-TW" sz="1400" dirty="0" err="1"/>
+              <a:t>def</a:t>
+            </a:r>
+            <a:r>
+              <a:rPr lang="en-US" altLang="zh-TW" sz="1400" dirty="0"/>
+              <a:t> </a:t>
+            </a:r>
+            <a:r>
+              <a:rPr lang="en-US" altLang="zh-TW" sz="1400" dirty="0" err="1"/>
+              <a:t>getAnimalName</a:t>
+            </a:r>
+            <a:r>
+              <a:rPr lang="en-US" altLang="zh-TW" sz="1400" dirty="0"/>
+              <a:t>(self):</a:t>
+            </a:r>
+          </a:p>
+          <a:p>
+            <a:pPr marL="0" lvl="2"/>
+            <a:r>
+              <a:rPr lang="en-US" altLang="zh-TW" sz="1400" dirty="0"/>
+              <a:t>        print(self.name)    </a:t>
+            </a:r>
+          </a:p>
+          <a:p>
+            <a:pPr marL="0" lvl="2"/>
+            <a:r>
+              <a:rPr lang="en-US" altLang="zh-TW" sz="1400" dirty="0"/>
+              <a:t>        </a:t>
+            </a:r>
+          </a:p>
+          <a:p>
+            <a:pPr marL="0" lvl="2"/>
+            <a:r>
+              <a:rPr lang="en-US" altLang="zh-TW" sz="1400" dirty="0"/>
+              <a:t>    </a:t>
+            </a:r>
+            <a:r>
+              <a:rPr lang="en-US" altLang="zh-TW" sz="1400" dirty="0" err="1"/>
+              <a:t>def</a:t>
+            </a:r>
+            <a:r>
+              <a:rPr lang="en-US" altLang="zh-TW" sz="1400" dirty="0"/>
+              <a:t> </a:t>
+            </a:r>
+            <a:r>
+              <a:rPr lang="en-US" altLang="zh-TW" sz="1400" dirty="0" err="1"/>
+              <a:t>getAnimalSpecies</a:t>
+            </a:r>
+            <a:r>
+              <a:rPr lang="en-US" altLang="zh-TW" sz="1400" dirty="0"/>
+              <a:t>(self):</a:t>
+            </a:r>
+          </a:p>
+          <a:p>
+            <a:pPr marL="0" lvl="2"/>
+            <a:r>
+              <a:rPr lang="en-US" altLang="zh-TW" sz="1400" dirty="0"/>
+              <a:t>        print(</a:t>
+            </a:r>
+            <a:r>
+              <a:rPr lang="en-US" altLang="zh-TW" sz="1400" dirty="0" err="1"/>
+              <a:t>self.species</a:t>
+            </a:r>
+            <a:r>
+              <a:rPr lang="en-US" altLang="zh-TW" sz="1400" dirty="0"/>
+              <a:t>)</a:t>
+            </a:r>
+          </a:p>
+          <a:p>
+            <a:pPr marL="0" lvl="2"/>
+            <a:endParaRPr lang="en-US" altLang="zh-TW" sz="1400" dirty="0"/>
+          </a:p>
+          <a:p>
+            <a:pPr marL="0" lvl="2"/>
+            <a:r>
+              <a:rPr lang="en-US" altLang="zh-TW" sz="1400" dirty="0">
+                <a:solidFill>
+                  <a:srgbClr val="0070C0"/>
+                </a:solidFill>
+              </a:rPr>
+              <a:t>cat1 = cat("</a:t>
+            </a:r>
+            <a:r>
+              <a:rPr lang="en-US" altLang="zh-TW" sz="1400" dirty="0" err="1">
+                <a:solidFill>
+                  <a:srgbClr val="0070C0"/>
+                </a:solidFill>
+              </a:rPr>
+              <a:t>Lala</a:t>
+            </a:r>
+            <a:r>
+              <a:rPr lang="en-US" altLang="zh-TW" sz="1400" dirty="0">
+                <a:solidFill>
+                  <a:srgbClr val="0070C0"/>
+                </a:solidFill>
+              </a:rPr>
+              <a:t>","</a:t>
+            </a:r>
+            <a:r>
+              <a:rPr lang="zh-TW" altLang="en-US" sz="1400" dirty="0">
+                <a:solidFill>
+                  <a:srgbClr val="0070C0"/>
+                </a:solidFill>
+              </a:rPr>
+              <a:t>橘貓</a:t>
+            </a:r>
+            <a:r>
+              <a:rPr lang="en-US" altLang="zh-TW" sz="1400" dirty="0">
+                <a:solidFill>
+                  <a:srgbClr val="0070C0"/>
+                </a:solidFill>
+              </a:rPr>
+              <a:t>")</a:t>
+            </a:r>
+          </a:p>
+          <a:p>
+            <a:pPr marL="0" lvl="2"/>
+            <a:r>
+              <a:rPr lang="en-US" altLang="zh-TW" sz="1400" dirty="0">
+                <a:solidFill>
+                  <a:srgbClr val="0070C0"/>
+                </a:solidFill>
+              </a:rPr>
+              <a:t>dog1 = dog("</a:t>
+            </a:r>
+            <a:r>
+              <a:rPr lang="en-US" altLang="zh-TW" sz="1400" dirty="0" err="1">
+                <a:solidFill>
+                  <a:srgbClr val="0070C0"/>
+                </a:solidFill>
+              </a:rPr>
+              <a:t>RuRu</a:t>
+            </a:r>
+            <a:r>
+              <a:rPr lang="en-US" altLang="zh-TW" sz="1400" dirty="0">
+                <a:solidFill>
+                  <a:srgbClr val="0070C0"/>
+                </a:solidFill>
+              </a:rPr>
+              <a:t>", "</a:t>
+            </a:r>
+            <a:r>
+              <a:rPr lang="zh-TW" altLang="en-US" sz="1400" dirty="0">
+                <a:solidFill>
+                  <a:srgbClr val="0070C0"/>
+                </a:solidFill>
+              </a:rPr>
+              <a:t>柴犬</a:t>
+            </a:r>
+            <a:r>
+              <a:rPr lang="en-US" altLang="zh-TW" sz="1400" dirty="0">
+                <a:solidFill>
+                  <a:srgbClr val="0070C0"/>
+                </a:solidFill>
+              </a:rPr>
+              <a:t>")</a:t>
+            </a:r>
+          </a:p>
+          <a:p>
+            <a:pPr marL="0" lvl="2"/>
+            <a:endParaRPr lang="en-US" altLang="zh-TW" sz="1400" dirty="0" smtClean="0"/>
+          </a:p>
+          <a:p>
+            <a:pPr marL="0" lvl="2"/>
+            <a:endParaRPr lang="en-US" altLang="zh-TW" sz="1400" dirty="0"/>
+          </a:p>
+          <a:p>
+            <a:pPr marL="0" lvl="2"/>
+            <a:r>
+              <a:rPr lang="en-US" altLang="zh-TW" sz="1400" dirty="0">
+                <a:solidFill>
+                  <a:srgbClr val="0070C0"/>
+                </a:solidFill>
+              </a:rPr>
+              <a:t>cat1.getAnimalName()</a:t>
+            </a:r>
+            <a:r>
+              <a:rPr lang="zh-TW" altLang="en-US" sz="1400" dirty="0">
+                <a:solidFill>
+                  <a:srgbClr val="0070C0"/>
+                </a:solidFill>
+              </a:rPr>
+              <a:t>    </a:t>
+            </a:r>
+            <a:r>
+              <a:rPr lang="en-US" altLang="zh-TW" sz="1400" dirty="0">
+                <a:solidFill>
+                  <a:schemeClr val="accent5">
+                    <a:lumMod val="75000"/>
+                  </a:schemeClr>
+                </a:solidFill>
+              </a:rPr>
+              <a:t>#</a:t>
+            </a:r>
+            <a:r>
+              <a:rPr lang="zh-TW" altLang="en-US" sz="1400" b="1" i="1" dirty="0">
+                <a:solidFill>
+                  <a:srgbClr val="FF0000"/>
+                </a:solidFill>
+              </a:rPr>
+              <a:t>透過不同的實例化物件來呼叫 </a:t>
+            </a:r>
+            <a:r>
+              <a:rPr lang="en-US" altLang="zh-TW" sz="1400" b="1" i="1" dirty="0">
+                <a:solidFill>
+                  <a:srgbClr val="FF0000"/>
+                </a:solidFill>
+              </a:rPr>
+              <a:t>Method</a:t>
+            </a:r>
+          </a:p>
+          <a:p>
+            <a:pPr marL="0" lvl="2"/>
+            <a:r>
+              <a:rPr lang="en-US" altLang="zh-TW" sz="1400" dirty="0">
+                <a:solidFill>
+                  <a:srgbClr val="0070C0"/>
+                </a:solidFill>
+              </a:rPr>
+              <a:t>cat1.getAnimalSpecies()</a:t>
+            </a:r>
+          </a:p>
+          <a:p>
+            <a:pPr marL="0" lvl="2"/>
+            <a:endParaRPr lang="en-US" altLang="zh-TW" sz="1400" dirty="0"/>
+          </a:p>
+          <a:p>
+            <a:pPr marL="0" lvl="2"/>
+            <a:r>
+              <a:rPr lang="en-US" altLang="zh-TW" sz="1400" dirty="0">
+                <a:solidFill>
+                  <a:srgbClr val="0070C0"/>
+                </a:solidFill>
+              </a:rPr>
+              <a:t>dog1.getAnimalName()</a:t>
+            </a:r>
+            <a:r>
+              <a:rPr lang="zh-TW" altLang="en-US" sz="1400" dirty="0">
+                <a:solidFill>
+                  <a:srgbClr val="0070C0"/>
+                </a:solidFill>
+              </a:rPr>
+              <a:t> </a:t>
+            </a:r>
+            <a:r>
+              <a:rPr lang="zh-TW" altLang="en-US" sz="1400" dirty="0" smtClean="0">
+                <a:solidFill>
+                  <a:srgbClr val="0070C0"/>
+                </a:solidFill>
+              </a:rPr>
+              <a:t>  </a:t>
+            </a:r>
+            <a:r>
+              <a:rPr lang="en-US" altLang="zh-TW" sz="1400" dirty="0" smtClean="0">
+                <a:solidFill>
+                  <a:schemeClr val="accent5">
+                    <a:lumMod val="75000"/>
+                  </a:schemeClr>
+                </a:solidFill>
+              </a:rPr>
+              <a:t>#</a:t>
+            </a:r>
+            <a:r>
+              <a:rPr lang="zh-TW" altLang="en-US" sz="1400" b="1" i="1" dirty="0" smtClean="0">
+                <a:solidFill>
+                  <a:srgbClr val="FF0000"/>
+                </a:solidFill>
+              </a:rPr>
+              <a:t>透過不同的實例化物件來呼叫 </a:t>
+            </a:r>
+            <a:r>
+              <a:rPr lang="en-US" altLang="zh-TW" sz="1400" b="1" i="1" dirty="0" smtClean="0">
+                <a:solidFill>
+                  <a:srgbClr val="FF0000"/>
+                </a:solidFill>
+              </a:rPr>
+              <a:t>Method</a:t>
+            </a:r>
+          </a:p>
+          <a:p>
+            <a:pPr marL="0" lvl="2"/>
+            <a:r>
+              <a:rPr lang="en-US" altLang="zh-TW" sz="1400" dirty="0" smtClean="0">
+                <a:solidFill>
+                  <a:srgbClr val="0070C0"/>
+                </a:solidFill>
+              </a:rPr>
+              <a:t>dog1.getAnimalSpecies()</a:t>
+            </a:r>
+          </a:p>
+          <a:p>
+            <a:pPr marL="0" lvl="2"/>
+            <a:endParaRPr lang="en-US" altLang="zh-TW" sz="1400" dirty="0" smtClean="0"/>
+          </a:p>
+          <a:p>
+            <a:pPr marL="0" lvl="2"/>
+            <a:r>
+              <a:rPr lang="en-US" altLang="zh-TW" sz="1400" dirty="0">
+                <a:solidFill>
+                  <a:schemeClr val="accent5">
+                    <a:lumMod val="75000"/>
+                  </a:schemeClr>
+                </a:solidFill>
+              </a:rPr>
+              <a:t>#</a:t>
+            </a:r>
+            <a:r>
+              <a:rPr lang="zh-TW" altLang="en-US" sz="1400" b="1" i="1" dirty="0">
+                <a:solidFill>
+                  <a:srgbClr val="FF0000"/>
+                </a:solidFill>
+              </a:rPr>
+              <a:t>透過不同的實例化物件來</a:t>
+            </a:r>
+            <a:r>
+              <a:rPr lang="zh-TW" altLang="en-US" sz="1400" b="1" i="1" dirty="0" smtClean="0">
+                <a:solidFill>
+                  <a:srgbClr val="FF0000"/>
+                </a:solidFill>
+              </a:rPr>
+              <a:t>呼叫相同的 </a:t>
+            </a:r>
+            <a:r>
+              <a:rPr lang="en-US" altLang="zh-TW" sz="1400" b="1" i="1" dirty="0" smtClean="0">
+                <a:solidFill>
+                  <a:srgbClr val="FF0000"/>
+                </a:solidFill>
+              </a:rPr>
+              <a:t>Method</a:t>
+            </a:r>
+            <a:r>
+              <a:rPr lang="zh-TW" altLang="en-US" sz="1400" b="1" i="1" dirty="0" smtClean="0">
+                <a:solidFill>
+                  <a:srgbClr val="FF0000"/>
+                </a:solidFill>
+              </a:rPr>
+              <a:t>可以達到不同的實作方式</a:t>
+            </a:r>
+            <a:endParaRPr lang="en-US" altLang="zh-TW" sz="1400" dirty="0" smtClean="0"/>
+          </a:p>
+        </p:txBody>
+      </p:sp>
+      <p:pic>
+        <p:nvPicPr>
+          <p:cNvPr id="3" name="圖片 2"/>
+          <p:cNvPicPr>
+            <a:picLocks noChangeAspect="1"/>
+          </p:cNvPicPr>
+          <p:nvPr/>
+        </p:nvPicPr>
+        <p:blipFill>
+          <a:blip r:embed="rId2"/>
+          <a:stretch>
+            <a:fillRect/>
+          </a:stretch>
+        </p:blipFill>
+        <p:spPr>
+          <a:xfrm>
+            <a:off x="995977" y="5810250"/>
+            <a:ext cx="9428182" cy="1047750"/>
+          </a:xfrm>
+          <a:prstGeom prst="rect">
+            <a:avLst/>
+          </a:prstGeom>
+          <a:effectLst>
+            <a:softEdge rad="31750"/>
+          </a:effectLst>
+        </p:spPr>
+      </p:pic>
     </p:spTree>
     <p:extLst>
       <p:ext uri="{BB962C8B-B14F-4D97-AF65-F5344CB8AC3E}">
-        <p14:creationId xmlns:p14="http://schemas.microsoft.com/office/powerpoint/2010/main" val="2722024250"/>
+        <p14:creationId xmlns:p14="http://schemas.microsoft.com/office/powerpoint/2010/main" val="615715379"/>
       </p:ext>
     </p:extLst>
   </p:cSld>

--- a/Python Introduction.pptx
+++ b/Python Introduction.pptx
@@ -44778,15 +44778,7 @@
                   <a:srgbClr val="FF0000"/>
                 </a:solidFill>
               </a:rPr>
-              <a:t>以相同</a:t>
-            </a:r>
-            <a:r>
-              <a:rPr lang="zh-TW" altLang="en-US" sz="1400" b="1" i="1" dirty="0" smtClean="0">
-                <a:solidFill>
-                  <a:srgbClr val="FF0000"/>
-                </a:solidFill>
-              </a:rPr>
-              <a:t>的 </a:t>
+              <a:t>以相同的 </a:t>
             </a:r>
             <a:r>
               <a:rPr lang="en-US" altLang="zh-TW" sz="1400" b="1" i="1" dirty="0" smtClean="0">
@@ -45778,27 +45770,27 @@
           <a:p>
             <a:pPr lvl="2" algn="ctr"/>
             <a:r>
-              <a:rPr lang="en-US" altLang="zh-TW" sz="4000" smtClean="0"/>
+              <a:rPr lang="en-US" altLang="zh-TW" sz="4000" dirty="0" smtClean="0"/>
               <a:t>Polymorphism</a:t>
             </a:r>
             <a:r>
-              <a:rPr lang="zh-TW" altLang="en-US" sz="4000" smtClean="0"/>
+              <a:rPr lang="zh-TW" altLang="en-US" sz="4000" dirty="0" smtClean="0"/>
               <a:t> </a:t>
             </a:r>
             <a:r>
-              <a:rPr lang="en-US" altLang="zh-TW" sz="4000" smtClean="0"/>
+              <a:rPr lang="en-US" altLang="zh-TW" sz="4000" dirty="0" smtClean="0"/>
               <a:t>(</a:t>
             </a:r>
             <a:r>
-              <a:rPr lang="zh-TW" altLang="en-US" sz="4000" smtClean="0"/>
+              <a:rPr lang="zh-TW" altLang="en-US" sz="4000" dirty="0" smtClean="0"/>
               <a:t>多型</a:t>
             </a:r>
             <a:r>
-              <a:rPr lang="en-US" altLang="zh-TW" sz="4000" smtClean="0"/>
+              <a:rPr lang="en-US" altLang="zh-TW" sz="4000" dirty="0" smtClean="0"/>
               <a:t>)</a:t>
             </a:r>
             <a:r>
-              <a:rPr lang="zh-TW" altLang="en-US" sz="4000" smtClean="0"/>
+              <a:rPr lang="zh-TW" altLang="en-US" sz="4000" dirty="0" smtClean="0"/>
               <a:t> </a:t>
             </a:r>
             <a:endParaRPr lang="en-US" altLang="zh-TW" sz="4000" dirty="0"/>
@@ -45813,8 +45805,8 @@
         </p:nvSpPr>
         <p:spPr>
           <a:xfrm>
-            <a:off x="946768" y="801480"/>
-            <a:ext cx="3528475" cy="5047536"/>
+            <a:off x="180287" y="796504"/>
+            <a:ext cx="3528475" cy="5447645"/>
           </a:xfrm>
           <a:prstGeom prst="rect">
             <a:avLst/>
@@ -45836,15 +45828,32 @@
           <a:p>
             <a:pPr marL="0" lvl="2"/>
             <a:r>
-              <a:rPr lang="en-US" altLang="zh-TW" sz="1400" dirty="0">
+              <a:rPr lang="en-US" altLang="zh-TW" sz="1400" dirty="0" smtClean="0">
                 <a:solidFill>
                   <a:schemeClr val="accent5">
                     <a:lumMod val="75000"/>
                   </a:schemeClr>
                 </a:solidFill>
               </a:rPr>
-              <a:t># Abstract Class</a:t>
-            </a:r>
+              <a:t># </a:t>
+            </a:r>
+            <a:r>
+              <a:rPr lang="en-US" altLang="zh-TW" sz="1400" dirty="0" smtClean="0">
+                <a:solidFill>
+                  <a:schemeClr val="accent5">
+                    <a:lumMod val="75000"/>
+                  </a:schemeClr>
+                </a:solidFill>
+              </a:rPr>
+              <a:t>Polymorphism</a:t>
+            </a:r>
+            <a:endParaRPr lang="en-US" altLang="zh-TW" sz="1400" dirty="0" smtClean="0">
+              <a:solidFill>
+                <a:schemeClr val="accent5">
+                  <a:lumMod val="75000"/>
+                </a:schemeClr>
+              </a:solidFill>
+            </a:endParaRPr>
           </a:p>
           <a:p>
             <a:pPr marL="0" lvl="2"/>
@@ -45853,314 +45862,404 @@
           <a:p>
             <a:pPr marL="0" lvl="2"/>
             <a:r>
+              <a:rPr lang="en-US" altLang="zh-TW" sz="1400" dirty="0">
+                <a:solidFill>
+                  <a:srgbClr val="0070C0"/>
+                </a:solidFill>
+              </a:rPr>
+              <a:t>class </a:t>
+            </a:r>
+            <a:r>
+              <a:rPr lang="en-US" altLang="zh-TW" sz="1400" dirty="0" smtClean="0">
+                <a:solidFill>
+                  <a:srgbClr val="0070C0"/>
+                </a:solidFill>
+              </a:rPr>
+              <a:t>cat:</a:t>
+            </a:r>
+            <a:endParaRPr lang="en-US" altLang="zh-TW" sz="1400" dirty="0"/>
+          </a:p>
+          <a:p>
+            <a:pPr marL="0" lvl="2"/>
+            <a:r>
               <a:rPr lang="en-US" altLang="zh-TW" sz="1400" dirty="0"/>
-              <a:t>from </a:t>
+              <a:t>    </a:t>
             </a:r>
             <a:r>
               <a:rPr lang="en-US" altLang="zh-TW" sz="1400" dirty="0" err="1"/>
-              <a:t>abc</a:t>
+              <a:t>def</a:t>
             </a:r>
             <a:r>
               <a:rPr lang="en-US" altLang="zh-TW" sz="1400" dirty="0"/>
-              <a:t> import ABC, </a:t>
+              <a:t> __</a:t>
             </a:r>
             <a:r>
               <a:rPr lang="en-US" altLang="zh-TW" sz="1400" dirty="0" err="1"/>
-              <a:t>abstractmethod</a:t>
+              <a:t>init</a:t>
+            </a:r>
+            <a:r>
+              <a:rPr lang="en-US" altLang="zh-TW" sz="1400" dirty="0"/>
+              <a:t>__(</a:t>
+            </a:r>
+            <a:r>
+              <a:rPr lang="en-US" altLang="zh-TW" sz="1400" dirty="0" err="1"/>
+              <a:t>self,name,species</a:t>
+            </a:r>
+            <a:r>
+              <a:rPr lang="en-US" altLang="zh-TW" sz="1400" dirty="0"/>
+              <a:t>):</a:t>
+            </a:r>
+          </a:p>
+          <a:p>
+            <a:pPr marL="0" lvl="2"/>
+            <a:r>
+              <a:rPr lang="en-US" altLang="zh-TW" sz="1400" dirty="0"/>
+              <a:t>        self.name = name</a:t>
+            </a:r>
+          </a:p>
+          <a:p>
+            <a:pPr marL="0" lvl="2"/>
+            <a:r>
+              <a:rPr lang="en-US" altLang="zh-TW" sz="1400" dirty="0"/>
+              <a:t>        </a:t>
+            </a:r>
+            <a:r>
+              <a:rPr lang="en-US" altLang="zh-TW" sz="1400" dirty="0" err="1"/>
+              <a:t>self.species</a:t>
+            </a:r>
+            <a:r>
+              <a:rPr lang="en-US" altLang="zh-TW" sz="1400" dirty="0"/>
+              <a:t> = species </a:t>
+            </a:r>
+          </a:p>
+          <a:p>
+            <a:pPr marL="0" lvl="2"/>
+            <a:r>
+              <a:rPr lang="en-US" altLang="zh-TW" sz="1400" dirty="0"/>
+              <a:t>        </a:t>
+            </a:r>
+          </a:p>
+          <a:p>
+            <a:pPr marL="0" lvl="2"/>
+            <a:r>
+              <a:rPr lang="en-US" altLang="zh-TW" sz="1400" dirty="0"/>
+              <a:t>    </a:t>
+            </a:r>
+            <a:r>
+              <a:rPr lang="en-US" altLang="zh-TW" sz="1400" dirty="0" err="1"/>
+              <a:t>def</a:t>
+            </a:r>
+            <a:r>
+              <a:rPr lang="en-US" altLang="zh-TW" sz="1400" dirty="0"/>
+              <a:t> </a:t>
+            </a:r>
+            <a:r>
+              <a:rPr lang="en-US" altLang="zh-TW" sz="1400" dirty="0" err="1"/>
+              <a:t>getAnimalName</a:t>
+            </a:r>
+            <a:r>
+              <a:rPr lang="en-US" altLang="zh-TW" sz="1400" dirty="0"/>
+              <a:t>(self):</a:t>
+            </a:r>
+          </a:p>
+          <a:p>
+            <a:pPr marL="0" lvl="2"/>
+            <a:r>
+              <a:rPr lang="en-US" altLang="zh-TW" sz="1400" dirty="0"/>
+              <a:t>        print</a:t>
+            </a:r>
+            <a:r>
+              <a:rPr lang="en-US" altLang="zh-TW" sz="1400" dirty="0"/>
+              <a:t>(</a:t>
+            </a:r>
+            <a:r>
+              <a:rPr lang="en-US" altLang="zh-TW" sz="1400" dirty="0"/>
+              <a:t>"</a:t>
+            </a:r>
+            <a:r>
+              <a:rPr lang="zh-TW" altLang="en-US" sz="1400" dirty="0"/>
+              <a:t>我叫</a:t>
+            </a:r>
+            <a:r>
+              <a:rPr lang="en-US" altLang="zh-TW" sz="1400" dirty="0"/>
+              <a:t>"</a:t>
+            </a:r>
+            <a:r>
+              <a:rPr lang="en-US" altLang="zh-TW" dirty="0" smtClean="0"/>
+              <a:t>,</a:t>
+            </a:r>
+            <a:r>
+              <a:rPr lang="en-US" altLang="zh-TW" sz="1400" dirty="0" smtClean="0"/>
+              <a:t>self.name</a:t>
+            </a:r>
+            <a:r>
+              <a:rPr lang="en-US" altLang="zh-TW" sz="1400" dirty="0"/>
+              <a:t>) </a:t>
+            </a:r>
+          </a:p>
+          <a:p>
+            <a:pPr marL="0" lvl="2"/>
+            <a:r>
+              <a:rPr lang="en-US" altLang="zh-TW" sz="1400" dirty="0"/>
+              <a:t>        </a:t>
+            </a:r>
+          </a:p>
+          <a:p>
+            <a:pPr marL="0" lvl="2"/>
+            <a:r>
+              <a:rPr lang="en-US" altLang="zh-TW" sz="1400" dirty="0"/>
+              <a:t>    </a:t>
+            </a:r>
+            <a:r>
+              <a:rPr lang="en-US" altLang="zh-TW" sz="1400" dirty="0" err="1"/>
+              <a:t>def</a:t>
+            </a:r>
+            <a:r>
+              <a:rPr lang="en-US" altLang="zh-TW" sz="1400" dirty="0"/>
+              <a:t> </a:t>
+            </a:r>
+            <a:r>
+              <a:rPr lang="en-US" altLang="zh-TW" sz="1400" dirty="0" err="1"/>
+              <a:t>getAnimalSpecies</a:t>
+            </a:r>
+            <a:r>
+              <a:rPr lang="en-US" altLang="zh-TW" sz="1400" dirty="0"/>
+              <a:t>(self):</a:t>
+            </a:r>
+          </a:p>
+          <a:p>
+            <a:pPr marL="0" lvl="2"/>
+            <a:r>
+              <a:rPr lang="en-US" altLang="zh-TW" sz="1400" dirty="0"/>
+              <a:t>        print</a:t>
+            </a:r>
+            <a:r>
+              <a:rPr lang="en-US" altLang="zh-TW" sz="1400" dirty="0"/>
+              <a:t>("</a:t>
+            </a:r>
+            <a:r>
+              <a:rPr lang="zh-TW" altLang="en-US" sz="1400" dirty="0" smtClean="0"/>
+              <a:t>我</a:t>
+            </a:r>
+            <a:r>
+              <a:rPr lang="zh-TW" altLang="en-US" sz="1400" dirty="0"/>
+              <a:t>是</a:t>
+            </a:r>
+            <a:r>
+              <a:rPr lang="en-US" altLang="zh-TW" sz="1400" dirty="0" smtClean="0"/>
+              <a:t>",</a:t>
+            </a:r>
+            <a:r>
+              <a:rPr lang="en-US" altLang="zh-TW" sz="1400" dirty="0" err="1" smtClean="0"/>
+              <a:t>self.species</a:t>
+            </a:r>
+            <a:r>
+              <a:rPr lang="en-US" altLang="zh-TW" sz="1400" dirty="0" smtClean="0"/>
+              <a:t>)</a:t>
+            </a:r>
+          </a:p>
+          <a:p>
+            <a:pPr marL="0" lvl="2"/>
+            <a:endParaRPr lang="en-US" altLang="zh-TW" sz="1400" dirty="0" smtClean="0"/>
+          </a:p>
+          <a:p>
+            <a:pPr marL="0" lvl="2"/>
+            <a:r>
+              <a:rPr lang="en-US" altLang="zh-TW" sz="1400" dirty="0">
+                <a:solidFill>
+                  <a:srgbClr val="0070C0"/>
+                </a:solidFill>
+              </a:rPr>
+              <a:t>class </a:t>
+            </a:r>
+            <a:r>
+              <a:rPr lang="en-US" altLang="zh-TW" sz="1400" dirty="0" smtClean="0">
+                <a:solidFill>
+                  <a:srgbClr val="0070C0"/>
+                </a:solidFill>
+              </a:rPr>
+              <a:t>dog:</a:t>
             </a:r>
             <a:endParaRPr lang="en-US" altLang="zh-TW" sz="1400" dirty="0"/>
+          </a:p>
+          <a:p>
+            <a:pPr marL="0" lvl="2"/>
+            <a:r>
+              <a:rPr lang="en-US" altLang="zh-TW" sz="1400" dirty="0"/>
+              <a:t>    </a:t>
+            </a:r>
+            <a:r>
+              <a:rPr lang="en-US" altLang="zh-TW" sz="1400" dirty="0" err="1"/>
+              <a:t>def</a:t>
+            </a:r>
+            <a:r>
+              <a:rPr lang="en-US" altLang="zh-TW" sz="1400" dirty="0"/>
+              <a:t> __</a:t>
+            </a:r>
+            <a:r>
+              <a:rPr lang="en-US" altLang="zh-TW" sz="1400" dirty="0" err="1"/>
+              <a:t>init</a:t>
+            </a:r>
+            <a:r>
+              <a:rPr lang="en-US" altLang="zh-TW" sz="1400" dirty="0"/>
+              <a:t>__(</a:t>
+            </a:r>
+            <a:r>
+              <a:rPr lang="en-US" altLang="zh-TW" sz="1400" dirty="0" err="1"/>
+              <a:t>self,name,species</a:t>
+            </a:r>
+            <a:r>
+              <a:rPr lang="en-US" altLang="zh-TW" sz="1400" dirty="0"/>
+              <a:t>):</a:t>
+            </a:r>
+          </a:p>
+          <a:p>
+            <a:pPr marL="0" lvl="2"/>
+            <a:r>
+              <a:rPr lang="en-US" altLang="zh-TW" sz="1400" dirty="0"/>
+              <a:t>        self.name = name</a:t>
+            </a:r>
+          </a:p>
+          <a:p>
+            <a:pPr marL="0" lvl="2"/>
+            <a:r>
+              <a:rPr lang="en-US" altLang="zh-TW" sz="1400" dirty="0"/>
+              <a:t>        </a:t>
+            </a:r>
+            <a:r>
+              <a:rPr lang="en-US" altLang="zh-TW" sz="1400" dirty="0" err="1"/>
+              <a:t>self.species</a:t>
+            </a:r>
+            <a:r>
+              <a:rPr lang="en-US" altLang="zh-TW" sz="1400" dirty="0"/>
+              <a:t> = species </a:t>
+            </a:r>
+          </a:p>
+          <a:p>
+            <a:pPr marL="0" lvl="2"/>
+            <a:r>
+              <a:rPr lang="en-US" altLang="zh-TW" sz="1400" dirty="0"/>
+              <a:t>        </a:t>
+            </a:r>
+          </a:p>
+          <a:p>
+            <a:pPr marL="0" lvl="2"/>
+            <a:r>
+              <a:rPr lang="en-US" altLang="zh-TW" sz="1400" dirty="0"/>
+              <a:t>    </a:t>
+            </a:r>
+            <a:r>
+              <a:rPr lang="en-US" altLang="zh-TW" sz="1400" dirty="0" err="1"/>
+              <a:t>def</a:t>
+            </a:r>
+            <a:r>
+              <a:rPr lang="en-US" altLang="zh-TW" sz="1400" dirty="0"/>
+              <a:t> </a:t>
+            </a:r>
+            <a:r>
+              <a:rPr lang="en-US" altLang="zh-TW" sz="1400" dirty="0" err="1"/>
+              <a:t>getAnimalName</a:t>
+            </a:r>
+            <a:r>
+              <a:rPr lang="en-US" altLang="zh-TW" sz="1400" dirty="0"/>
+              <a:t>(self):</a:t>
+            </a:r>
+          </a:p>
+          <a:p>
+            <a:pPr marL="0" lvl="2"/>
+            <a:r>
+              <a:rPr lang="en-US" altLang="zh-TW" sz="1400" dirty="0"/>
+              <a:t>        print</a:t>
+            </a:r>
+            <a:r>
+              <a:rPr lang="en-US" altLang="zh-TW" sz="1400" dirty="0" smtClean="0"/>
+              <a:t>(</a:t>
+            </a:r>
+            <a:r>
+              <a:rPr lang="en-US" altLang="zh-TW" sz="1400" dirty="0"/>
+              <a:t>"</a:t>
+            </a:r>
+            <a:r>
+              <a:rPr lang="zh-TW" altLang="en-US" sz="1400" dirty="0"/>
+              <a:t>我叫</a:t>
+            </a:r>
+            <a:r>
+              <a:rPr lang="en-US" altLang="zh-TW" sz="1400" dirty="0"/>
+              <a:t>",</a:t>
+            </a:r>
+            <a:r>
+              <a:rPr lang="en-US" altLang="zh-TW" sz="1400" dirty="0" smtClean="0"/>
+              <a:t>self.name</a:t>
+            </a:r>
+            <a:r>
+              <a:rPr lang="en-US" altLang="zh-TW" sz="1400" dirty="0"/>
+              <a:t>)    </a:t>
+            </a:r>
+          </a:p>
+          <a:p>
+            <a:pPr marL="0" lvl="2"/>
+            <a:r>
+              <a:rPr lang="en-US" altLang="zh-TW" sz="1400" dirty="0"/>
+              <a:t>        </a:t>
+            </a:r>
+          </a:p>
+          <a:p>
+            <a:pPr marL="0" lvl="2"/>
+            <a:r>
+              <a:rPr lang="en-US" altLang="zh-TW" sz="1400" dirty="0"/>
+              <a:t>    </a:t>
+            </a:r>
+            <a:r>
+              <a:rPr lang="en-US" altLang="zh-TW" sz="1400" dirty="0" err="1"/>
+              <a:t>def</a:t>
+            </a:r>
+            <a:r>
+              <a:rPr lang="en-US" altLang="zh-TW" sz="1400" dirty="0"/>
+              <a:t> </a:t>
+            </a:r>
+            <a:r>
+              <a:rPr lang="en-US" altLang="zh-TW" sz="1400" dirty="0" err="1"/>
+              <a:t>getAnimalSpecies</a:t>
+            </a:r>
+            <a:r>
+              <a:rPr lang="en-US" altLang="zh-TW" sz="1400" dirty="0"/>
+              <a:t>(self):</a:t>
+            </a:r>
+          </a:p>
+          <a:p>
+            <a:pPr marL="0" lvl="2"/>
+            <a:r>
+              <a:rPr lang="en-US" altLang="zh-TW" sz="1400" dirty="0"/>
+              <a:t>        print</a:t>
+            </a:r>
+            <a:r>
+              <a:rPr lang="en-US" altLang="zh-TW" sz="1400" dirty="0" smtClean="0"/>
+              <a:t>(</a:t>
+            </a:r>
+            <a:r>
+              <a:rPr lang="en-US" altLang="zh-TW" sz="1400" dirty="0"/>
+              <a:t>"</a:t>
+            </a:r>
+            <a:r>
+              <a:rPr lang="zh-TW" altLang="en-US" sz="1400" dirty="0" smtClean="0"/>
+              <a:t>我是</a:t>
+            </a:r>
+            <a:r>
+              <a:rPr lang="en-US" altLang="zh-TW" sz="1400" dirty="0" smtClean="0"/>
+              <a:t>",</a:t>
+            </a:r>
+            <a:r>
+              <a:rPr lang="en-US" altLang="zh-TW" sz="1400" dirty="0" err="1" smtClean="0"/>
+              <a:t>self.species</a:t>
+            </a:r>
+            <a:r>
+              <a:rPr lang="en-US" altLang="zh-TW" sz="1400" dirty="0"/>
+              <a:t>)</a:t>
+            </a:r>
           </a:p>
           <a:p>
             <a:pPr marL="0" lvl="2"/>
             <a:endParaRPr lang="en-US" altLang="zh-TW" sz="1400" dirty="0"/>
-          </a:p>
-          <a:p>
-            <a:pPr marL="0" lvl="2"/>
-            <a:r>
-              <a:rPr lang="en-US" altLang="zh-TW" sz="1400" dirty="0"/>
-              <a:t>class </a:t>
-            </a:r>
-            <a:r>
-              <a:rPr lang="en-US" altLang="zh-TW" sz="1400" dirty="0" err="1"/>
-              <a:t>baseAnimal</a:t>
-            </a:r>
-            <a:r>
-              <a:rPr lang="en-US" altLang="zh-TW" sz="1400" dirty="0"/>
-              <a:t>(ABC): </a:t>
-            </a:r>
-          </a:p>
-          <a:p>
-            <a:pPr marL="0" lvl="2"/>
-            <a:r>
-              <a:rPr lang="en-US" altLang="zh-TW" sz="1400" dirty="0"/>
-              <a:t>    @</a:t>
-            </a:r>
-            <a:r>
-              <a:rPr lang="en-US" altLang="zh-TW" sz="1400" dirty="0" err="1"/>
-              <a:t>abstractmethod</a:t>
-            </a:r>
-            <a:endParaRPr lang="en-US" altLang="zh-TW" sz="1400" dirty="0"/>
-          </a:p>
-          <a:p>
-            <a:pPr marL="0" lvl="2"/>
-            <a:r>
-              <a:rPr lang="en-US" altLang="zh-TW" sz="1400" dirty="0"/>
-              <a:t>    </a:t>
-            </a:r>
-            <a:r>
-              <a:rPr lang="en-US" altLang="zh-TW" sz="1400" dirty="0" err="1"/>
-              <a:t>def</a:t>
-            </a:r>
-            <a:r>
-              <a:rPr lang="en-US" altLang="zh-TW" sz="1400" dirty="0"/>
-              <a:t> </a:t>
-            </a:r>
-            <a:r>
-              <a:rPr lang="en-US" altLang="zh-TW" sz="1400" dirty="0" err="1"/>
-              <a:t>getAnimalName</a:t>
-            </a:r>
-            <a:r>
-              <a:rPr lang="en-US" altLang="zh-TW" sz="1400" dirty="0"/>
-              <a:t>(</a:t>
-            </a:r>
-            <a:r>
-              <a:rPr lang="en-US" altLang="zh-TW" sz="1400" dirty="0" err="1"/>
-              <a:t>getname</a:t>
-            </a:r>
-            <a:r>
-              <a:rPr lang="en-US" altLang="zh-TW" sz="1400" dirty="0"/>
-              <a:t>):</a:t>
-            </a:r>
-          </a:p>
-          <a:p>
-            <a:pPr marL="0" lvl="2"/>
-            <a:r>
-              <a:rPr lang="en-US" altLang="zh-TW" sz="1400" dirty="0"/>
-              <a:t>        pass  </a:t>
-            </a:r>
-          </a:p>
-          <a:p>
-            <a:pPr marL="0" lvl="2"/>
-            <a:r>
-              <a:rPr lang="en-US" altLang="zh-TW" sz="1400" dirty="0"/>
-              <a:t>    @</a:t>
-            </a:r>
-            <a:r>
-              <a:rPr lang="en-US" altLang="zh-TW" sz="1400" dirty="0" err="1"/>
-              <a:t>abstractmethod</a:t>
-            </a:r>
-            <a:endParaRPr lang="en-US" altLang="zh-TW" sz="1400" dirty="0"/>
-          </a:p>
-          <a:p>
-            <a:pPr marL="0" lvl="2"/>
-            <a:r>
-              <a:rPr lang="en-US" altLang="zh-TW" sz="1400" dirty="0"/>
-              <a:t>    </a:t>
-            </a:r>
-            <a:r>
-              <a:rPr lang="en-US" altLang="zh-TW" sz="1400" dirty="0" err="1"/>
-              <a:t>def</a:t>
-            </a:r>
-            <a:r>
-              <a:rPr lang="en-US" altLang="zh-TW" sz="1400" dirty="0"/>
-              <a:t> </a:t>
-            </a:r>
-            <a:r>
-              <a:rPr lang="en-US" altLang="zh-TW" sz="1400" dirty="0" err="1"/>
-              <a:t>getAnimalSpecies</a:t>
-            </a:r>
-            <a:r>
-              <a:rPr lang="en-US" altLang="zh-TW" sz="1400" dirty="0"/>
-              <a:t>(</a:t>
-            </a:r>
-            <a:r>
-              <a:rPr lang="en-US" altLang="zh-TW" sz="1400" dirty="0" err="1"/>
-              <a:t>getspecies</a:t>
-            </a:r>
-            <a:r>
-              <a:rPr lang="en-US" altLang="zh-TW" sz="1400" dirty="0"/>
-              <a:t>):</a:t>
-            </a:r>
-          </a:p>
-          <a:p>
-            <a:pPr marL="0" lvl="2"/>
-            <a:r>
-              <a:rPr lang="en-US" altLang="zh-TW" sz="1400" dirty="0"/>
-              <a:t>        pass</a:t>
-            </a:r>
-          </a:p>
-          <a:p>
-            <a:pPr marL="0" lvl="2"/>
-            <a:endParaRPr lang="en-US" altLang="zh-TW" sz="1400" dirty="0"/>
-          </a:p>
-          <a:p>
-            <a:pPr marL="0" lvl="2"/>
-            <a:r>
-              <a:rPr lang="en-US" altLang="zh-TW" sz="1400" dirty="0">
-                <a:solidFill>
-                  <a:srgbClr val="0070C0"/>
-                </a:solidFill>
-              </a:rPr>
-              <a:t>class cat(</a:t>
-            </a:r>
-            <a:r>
-              <a:rPr lang="en-US" altLang="zh-TW" sz="1400" dirty="0" err="1">
-                <a:solidFill>
-                  <a:srgbClr val="0070C0"/>
-                </a:solidFill>
-              </a:rPr>
-              <a:t>baseAnimal</a:t>
-            </a:r>
-            <a:r>
-              <a:rPr lang="en-US" altLang="zh-TW" sz="1400" dirty="0">
-                <a:solidFill>
-                  <a:srgbClr val="0070C0"/>
-                </a:solidFill>
-              </a:rPr>
-              <a:t>):</a:t>
-            </a:r>
-          </a:p>
-          <a:p>
-            <a:pPr marL="0" lvl="2"/>
-            <a:r>
-              <a:rPr lang="en-US" altLang="zh-TW" sz="1400" dirty="0"/>
-              <a:t>    </a:t>
-            </a:r>
-          </a:p>
-          <a:p>
-            <a:pPr marL="0" lvl="2"/>
-            <a:r>
-              <a:rPr lang="en-US" altLang="zh-TW" sz="1400" dirty="0"/>
-              <a:t>    </a:t>
-            </a:r>
-            <a:r>
-              <a:rPr lang="en-US" altLang="zh-TW" sz="1400" dirty="0" err="1"/>
-              <a:t>def</a:t>
-            </a:r>
-            <a:r>
-              <a:rPr lang="en-US" altLang="zh-TW" sz="1400" dirty="0"/>
-              <a:t> __</a:t>
-            </a:r>
-            <a:r>
-              <a:rPr lang="en-US" altLang="zh-TW" sz="1400" dirty="0" err="1"/>
-              <a:t>init</a:t>
-            </a:r>
-            <a:r>
-              <a:rPr lang="en-US" altLang="zh-TW" sz="1400" dirty="0"/>
-              <a:t>__(</a:t>
-            </a:r>
-            <a:r>
-              <a:rPr lang="en-US" altLang="zh-TW" sz="1400" dirty="0" err="1"/>
-              <a:t>self,name,species</a:t>
-            </a:r>
-            <a:r>
-              <a:rPr lang="en-US" altLang="zh-TW" sz="1400" dirty="0"/>
-              <a:t>):</a:t>
-            </a:r>
-          </a:p>
-          <a:p>
-            <a:pPr marL="0" lvl="2"/>
-            <a:r>
-              <a:rPr lang="en-US" altLang="zh-TW" sz="1400" dirty="0"/>
-              <a:t>        self.name = name</a:t>
-            </a:r>
-          </a:p>
-          <a:p>
-            <a:pPr marL="0" lvl="2"/>
-            <a:r>
-              <a:rPr lang="en-US" altLang="zh-TW" sz="1400" dirty="0"/>
-              <a:t>        </a:t>
-            </a:r>
-            <a:r>
-              <a:rPr lang="en-US" altLang="zh-TW" sz="1400" dirty="0" err="1"/>
-              <a:t>self.species</a:t>
-            </a:r>
-            <a:r>
-              <a:rPr lang="en-US" altLang="zh-TW" sz="1400" dirty="0"/>
-              <a:t> = species </a:t>
-            </a:r>
-          </a:p>
-          <a:p>
-            <a:pPr marL="0" lvl="2"/>
-            <a:r>
-              <a:rPr lang="en-US" altLang="zh-TW" sz="1400" dirty="0"/>
-              <a:t>        </a:t>
-            </a:r>
-          </a:p>
-          <a:p>
-            <a:pPr marL="0" lvl="2"/>
-            <a:r>
-              <a:rPr lang="en-US" altLang="zh-TW" sz="1400" dirty="0"/>
-              <a:t>    </a:t>
-            </a:r>
-            <a:r>
-              <a:rPr lang="en-US" altLang="zh-TW" sz="1400" dirty="0" err="1"/>
-              <a:t>def</a:t>
-            </a:r>
-            <a:r>
-              <a:rPr lang="en-US" altLang="zh-TW" sz="1400" dirty="0"/>
-              <a:t> </a:t>
-            </a:r>
-            <a:r>
-              <a:rPr lang="en-US" altLang="zh-TW" sz="1400" dirty="0" err="1"/>
-              <a:t>getAnimalName</a:t>
-            </a:r>
-            <a:r>
-              <a:rPr lang="en-US" altLang="zh-TW" sz="1400" dirty="0"/>
-              <a:t>(self):</a:t>
-            </a:r>
-          </a:p>
-          <a:p>
-            <a:pPr marL="0" lvl="2"/>
-            <a:r>
-              <a:rPr lang="en-US" altLang="zh-TW" sz="1400" dirty="0"/>
-              <a:t>        print(self.name) </a:t>
-            </a:r>
-          </a:p>
-          <a:p>
-            <a:pPr marL="0" lvl="2"/>
-            <a:r>
-              <a:rPr lang="en-US" altLang="zh-TW" sz="1400" dirty="0"/>
-              <a:t>        </a:t>
-            </a:r>
-          </a:p>
-          <a:p>
-            <a:pPr marL="0" lvl="2"/>
-            <a:r>
-              <a:rPr lang="en-US" altLang="zh-TW" sz="1400" dirty="0"/>
-              <a:t>    </a:t>
-            </a:r>
-            <a:r>
-              <a:rPr lang="en-US" altLang="zh-TW" sz="1400" dirty="0" err="1"/>
-              <a:t>def</a:t>
-            </a:r>
-            <a:r>
-              <a:rPr lang="en-US" altLang="zh-TW" sz="1400" dirty="0"/>
-              <a:t> </a:t>
-            </a:r>
-            <a:r>
-              <a:rPr lang="en-US" altLang="zh-TW" sz="1400" dirty="0" err="1"/>
-              <a:t>getAnimalSpecies</a:t>
-            </a:r>
-            <a:r>
-              <a:rPr lang="en-US" altLang="zh-TW" sz="1400" dirty="0"/>
-              <a:t>(self):</a:t>
-            </a:r>
-          </a:p>
-          <a:p>
-            <a:pPr marL="0" lvl="2"/>
-            <a:r>
-              <a:rPr lang="en-US" altLang="zh-TW" sz="1400" dirty="0"/>
-              <a:t>        print(</a:t>
-            </a:r>
-            <a:r>
-              <a:rPr lang="en-US" altLang="zh-TW" sz="1400" dirty="0" err="1"/>
-              <a:t>self.species</a:t>
-            </a:r>
-            <a:r>
-              <a:rPr lang="en-US" altLang="zh-TW" sz="1400" dirty="0"/>
-              <a:t>)</a:t>
-            </a:r>
           </a:p>
         </p:txBody>
       </p:sp>
@@ -46172,8 +46271,8 @@
         </p:nvSpPr>
         <p:spPr>
           <a:xfrm>
-            <a:off x="4475242" y="801480"/>
-            <a:ext cx="5948917" cy="5047536"/>
+            <a:off x="3708762" y="796503"/>
+            <a:ext cx="5948917" cy="5478423"/>
           </a:xfrm>
           <a:prstGeom prst="rect">
             <a:avLst/>
@@ -46194,13 +46293,17 @@
           <a:lstStyle/>
           <a:p>
             <a:pPr marL="0" lvl="2"/>
+            <a:endParaRPr lang="en-US" altLang="zh-TW" sz="1400" dirty="0"/>
+          </a:p>
+          <a:p>
+            <a:pPr marL="0" lvl="2"/>
             <a:r>
               <a:rPr lang="en-US" altLang="zh-TW" sz="1400" dirty="0">
                 <a:solidFill>
                   <a:srgbClr val="0070C0"/>
                 </a:solidFill>
               </a:rPr>
-              <a:t>class dog(</a:t>
+              <a:t>cat1 = cat("</a:t>
             </a:r>
             <a:r>
               <a:rPr lang="en-US" altLang="zh-TW" sz="1400" dirty="0" err="1">
@@ -46208,7 +46311,7 @@
                   <a:srgbClr val="0070C0"/>
                 </a:solidFill>
               </a:rPr>
-              <a:t>baseAnimal</a:t>
+              <a:t>Lala</a:t>
             </a:r>
             <a:r>
               <a:rPr lang="en-US" altLang="zh-TW" sz="1400" dirty="0">
@@ -46216,8 +46319,154 @@
                   <a:srgbClr val="0070C0"/>
                 </a:solidFill>
               </a:rPr>
-              <a:t>):</a:t>
-            </a:r>
+              <a:t>","</a:t>
+            </a:r>
+            <a:r>
+              <a:rPr lang="zh-TW" altLang="en-US" sz="1400" dirty="0">
+                <a:solidFill>
+                  <a:srgbClr val="0070C0"/>
+                </a:solidFill>
+              </a:rPr>
+              <a:t>橘貓</a:t>
+            </a:r>
+            <a:r>
+              <a:rPr lang="en-US" altLang="zh-TW" sz="1400" dirty="0" smtClean="0">
+                <a:solidFill>
+                  <a:srgbClr val="0070C0"/>
+                </a:solidFill>
+              </a:rPr>
+              <a:t>")</a:t>
+            </a:r>
+          </a:p>
+          <a:p>
+            <a:pPr marL="0" lvl="2"/>
+            <a:r>
+              <a:rPr lang="en-US" altLang="zh-TW" sz="1400" dirty="0" smtClean="0">
+                <a:solidFill>
+                  <a:srgbClr val="0070C0"/>
+                </a:solidFill>
+              </a:rPr>
+              <a:t>cat2 = cat("</a:t>
+            </a:r>
+            <a:r>
+              <a:rPr lang="en-US" altLang="zh-TW" sz="1400" dirty="0" err="1" smtClean="0">
+                <a:solidFill>
+                  <a:srgbClr val="0070C0"/>
+                </a:solidFill>
+              </a:rPr>
+              <a:t>YoYo</a:t>
+            </a:r>
+            <a:r>
+              <a:rPr lang="en-US" altLang="zh-TW" sz="1400" dirty="0" smtClean="0">
+                <a:solidFill>
+                  <a:srgbClr val="0070C0"/>
+                </a:solidFill>
+              </a:rPr>
+              <a:t>","</a:t>
+            </a:r>
+            <a:r>
+              <a:rPr lang="zh-TW" altLang="en-US" sz="1400" dirty="0" smtClean="0">
+                <a:solidFill>
+                  <a:srgbClr val="0070C0"/>
+                </a:solidFill>
+              </a:rPr>
+              <a:t>虎斑貓</a:t>
+            </a:r>
+            <a:r>
+              <a:rPr lang="en-US" altLang="zh-TW" sz="1400" dirty="0" smtClean="0">
+                <a:solidFill>
+                  <a:srgbClr val="0070C0"/>
+                </a:solidFill>
+              </a:rPr>
+              <a:t>")</a:t>
+            </a:r>
+          </a:p>
+          <a:p>
+            <a:pPr marL="0" lvl="2"/>
+            <a:endParaRPr lang="en-US" altLang="zh-TW" sz="1400" dirty="0" smtClean="0">
+              <a:solidFill>
+                <a:srgbClr val="0070C0"/>
+              </a:solidFill>
+            </a:endParaRPr>
+          </a:p>
+          <a:p>
+            <a:pPr marL="0" lvl="2"/>
+            <a:r>
+              <a:rPr lang="en-US" altLang="zh-TW" sz="1400" dirty="0" smtClean="0">
+                <a:solidFill>
+                  <a:srgbClr val="0070C0"/>
+                </a:solidFill>
+              </a:rPr>
+              <a:t>dog1 = dog("</a:t>
+            </a:r>
+            <a:r>
+              <a:rPr lang="en-US" altLang="zh-TW" sz="1400" dirty="0" err="1" smtClean="0">
+                <a:solidFill>
+                  <a:srgbClr val="0070C0"/>
+                </a:solidFill>
+              </a:rPr>
+              <a:t>RuRu</a:t>
+            </a:r>
+            <a:r>
+              <a:rPr lang="en-US" altLang="zh-TW" sz="1400" dirty="0" smtClean="0">
+                <a:solidFill>
+                  <a:srgbClr val="0070C0"/>
+                </a:solidFill>
+              </a:rPr>
+              <a:t>", "</a:t>
+            </a:r>
+            <a:r>
+              <a:rPr lang="zh-TW" altLang="en-US" sz="1400" dirty="0" smtClean="0">
+                <a:solidFill>
+                  <a:srgbClr val="0070C0"/>
+                </a:solidFill>
+              </a:rPr>
+              <a:t>柴犬</a:t>
+            </a:r>
+            <a:r>
+              <a:rPr lang="en-US" altLang="zh-TW" sz="1400" dirty="0" smtClean="0">
+                <a:solidFill>
+                  <a:srgbClr val="0070C0"/>
+                </a:solidFill>
+              </a:rPr>
+              <a:t>")</a:t>
+            </a:r>
+          </a:p>
+          <a:p>
+            <a:pPr marL="0" lvl="2"/>
+            <a:r>
+              <a:rPr lang="en-US" altLang="zh-TW" sz="1400" dirty="0">
+                <a:solidFill>
+                  <a:srgbClr val="0070C0"/>
+                </a:solidFill>
+              </a:rPr>
+              <a:t>dog2 = dog("QQ", "</a:t>
+            </a:r>
+            <a:r>
+              <a:rPr lang="zh-TW" altLang="en-US" sz="1400" dirty="0">
+                <a:solidFill>
+                  <a:srgbClr val="0070C0"/>
+                </a:solidFill>
+              </a:rPr>
+              <a:t>吉娃娃</a:t>
+            </a:r>
+            <a:r>
+              <a:rPr lang="en-US" altLang="zh-TW" sz="1400" dirty="0" smtClean="0">
+                <a:solidFill>
+                  <a:srgbClr val="0070C0"/>
+                </a:solidFill>
+              </a:rPr>
+              <a:t>")</a:t>
+            </a:r>
+            <a:endParaRPr lang="en-US" altLang="zh-TW" dirty="0"/>
+          </a:p>
+          <a:p>
+            <a:pPr marL="0" lvl="2"/>
+            <a:endParaRPr lang="en-US" altLang="zh-TW" sz="1400" dirty="0" smtClean="0">
+              <a:solidFill>
+                <a:srgbClr val="0070C0"/>
+              </a:solidFill>
+            </a:endParaRPr>
           </a:p>
           <a:p>
             <a:pPr marL="0" lvl="2"/>
@@ -46226,136 +46475,124 @@
           <a:p>
             <a:pPr marL="0" lvl="2"/>
             <a:r>
-              <a:rPr lang="en-US" altLang="zh-TW" sz="1400" dirty="0"/>
+              <a:rPr lang="en-US" altLang="zh-TW" sz="1400" dirty="0">
+                <a:solidFill>
+                  <a:srgbClr val="0070C0"/>
+                </a:solidFill>
+              </a:rPr>
+              <a:t>cat1.getAnimalName()</a:t>
+            </a:r>
+            <a:r>
+              <a:rPr lang="zh-TW" altLang="en-US" sz="1400" dirty="0">
+                <a:solidFill>
+                  <a:srgbClr val="0070C0"/>
+                </a:solidFill>
+              </a:rPr>
               <a:t>    </a:t>
             </a:r>
             <a:r>
-              <a:rPr lang="en-US" altLang="zh-TW" sz="1400" dirty="0" err="1"/>
-              <a:t>def</a:t>
-            </a:r>
-            <a:r>
-              <a:rPr lang="en-US" altLang="zh-TW" sz="1400" dirty="0"/>
-              <a:t> __</a:t>
-            </a:r>
-            <a:r>
-              <a:rPr lang="en-US" altLang="zh-TW" sz="1400" dirty="0" err="1"/>
-              <a:t>init</a:t>
-            </a:r>
-            <a:r>
-              <a:rPr lang="en-US" altLang="zh-TW" sz="1400" dirty="0"/>
-              <a:t>__(</a:t>
-            </a:r>
-            <a:r>
-              <a:rPr lang="en-US" altLang="zh-TW" sz="1400" dirty="0" err="1"/>
-              <a:t>self,name,species</a:t>
-            </a:r>
-            <a:r>
-              <a:rPr lang="en-US" altLang="zh-TW" sz="1400" dirty="0"/>
-              <a:t>):</a:t>
+              <a:rPr lang="en-US" altLang="zh-TW" sz="1400" dirty="0">
+                <a:solidFill>
+                  <a:schemeClr val="accent5">
+                    <a:lumMod val="75000"/>
+                  </a:schemeClr>
+                </a:solidFill>
+              </a:rPr>
+              <a:t>#</a:t>
+            </a:r>
+            <a:r>
+              <a:rPr lang="zh-TW" altLang="en-US" sz="1400" b="1" i="1" dirty="0">
+                <a:solidFill>
+                  <a:srgbClr val="FF0000"/>
+                </a:solidFill>
+              </a:rPr>
+              <a:t>透過不同的實例化物件來呼叫 </a:t>
+            </a:r>
+            <a:r>
+              <a:rPr lang="en-US" altLang="zh-TW" sz="1400" b="1" i="1" dirty="0">
+                <a:solidFill>
+                  <a:srgbClr val="FF0000"/>
+                </a:solidFill>
+              </a:rPr>
+              <a:t>Method</a:t>
             </a:r>
           </a:p>
           <a:p>
             <a:pPr marL="0" lvl="2"/>
             <a:r>
-              <a:rPr lang="en-US" altLang="zh-TW" sz="1400" dirty="0"/>
-              <a:t>        self.name = name</a:t>
+              <a:rPr lang="en-US" altLang="zh-TW" sz="1400" dirty="0">
+                <a:solidFill>
+                  <a:srgbClr val="0070C0"/>
+                </a:solidFill>
+              </a:rPr>
+              <a:t>cat1.getAnimalSpecies</a:t>
+            </a:r>
+            <a:r>
+              <a:rPr lang="en-US" altLang="zh-TW" sz="1400" dirty="0" smtClean="0">
+                <a:solidFill>
+                  <a:srgbClr val="0070C0"/>
+                </a:solidFill>
+              </a:rPr>
+              <a:t>()</a:t>
             </a:r>
           </a:p>
           <a:p>
             <a:pPr marL="0" lvl="2"/>
-            <a:r>
-              <a:rPr lang="en-US" altLang="zh-TW" sz="1400" dirty="0"/>
-              <a:t>        </a:t>
-            </a:r>
-            <a:r>
-              <a:rPr lang="en-US" altLang="zh-TW" sz="1400" dirty="0" err="1"/>
-              <a:t>self.species</a:t>
-            </a:r>
-            <a:r>
-              <a:rPr lang="en-US" altLang="zh-TW" sz="1400" dirty="0"/>
-              <a:t> = species </a:t>
-            </a:r>
+            <a:endParaRPr lang="en-US" altLang="zh-TW" sz="1400" dirty="0">
+              <a:solidFill>
+                <a:srgbClr val="0070C0"/>
+              </a:solidFill>
+            </a:endParaRPr>
           </a:p>
           <a:p>
             <a:pPr marL="0" lvl="2"/>
             <a:r>
-              <a:rPr lang="en-US" altLang="zh-TW" sz="1400" dirty="0"/>
-              <a:t>        </a:t>
-            </a:r>
+              <a:rPr lang="en-US" altLang="zh-TW" sz="1400" dirty="0" smtClean="0">
+                <a:solidFill>
+                  <a:srgbClr val="0070C0"/>
+                </a:solidFill>
+              </a:rPr>
+              <a:t>cat2.getAnimalName</a:t>
+            </a:r>
+            <a:r>
+              <a:rPr lang="en-US" altLang="zh-TW" sz="1400" dirty="0">
+                <a:solidFill>
+                  <a:srgbClr val="0070C0"/>
+                </a:solidFill>
+              </a:rPr>
+              <a:t>()</a:t>
+            </a:r>
+            <a:r>
+              <a:rPr lang="zh-TW" altLang="en-US" sz="1400" dirty="0">
+                <a:solidFill>
+                  <a:srgbClr val="0070C0"/>
+                </a:solidFill>
+              </a:rPr>
+              <a:t> </a:t>
+            </a:r>
+            <a:r>
+              <a:rPr lang="zh-TW" altLang="en-US" sz="1400" dirty="0" smtClean="0">
+                <a:solidFill>
+                  <a:srgbClr val="0070C0"/>
+                </a:solidFill>
+              </a:rPr>
+              <a:t>   </a:t>
+            </a:r>
+            <a:endParaRPr lang="en-US" altLang="zh-TW" sz="1400" b="1" i="1" dirty="0" smtClean="0">
+              <a:solidFill>
+                <a:srgbClr val="FF0000"/>
+              </a:solidFill>
+            </a:endParaRPr>
           </a:p>
           <a:p>
             <a:pPr marL="0" lvl="2"/>
             <a:r>
-              <a:rPr lang="en-US" altLang="zh-TW" sz="1400" dirty="0"/>
-              <a:t>    </a:t>
-            </a:r>
-            <a:r>
-              <a:rPr lang="en-US" altLang="zh-TW" sz="1400" dirty="0" err="1"/>
-              <a:t>def</a:t>
-            </a:r>
-            <a:r>
-              <a:rPr lang="en-US" altLang="zh-TW" sz="1400" dirty="0"/>
-              <a:t> </a:t>
-            </a:r>
-            <a:r>
-              <a:rPr lang="en-US" altLang="zh-TW" sz="1400" dirty="0" err="1"/>
-              <a:t>getAnimalName</a:t>
-            </a:r>
-            <a:r>
-              <a:rPr lang="en-US" altLang="zh-TW" sz="1400" dirty="0"/>
-              <a:t>(self):</a:t>
-            </a:r>
-          </a:p>
-          <a:p>
-            <a:pPr marL="0" lvl="2"/>
-            <a:r>
-              <a:rPr lang="en-US" altLang="zh-TW" sz="1400" dirty="0"/>
-              <a:t>        print(self.name)    </a:t>
-            </a:r>
-          </a:p>
-          <a:p>
-            <a:pPr marL="0" lvl="2"/>
-            <a:r>
-              <a:rPr lang="en-US" altLang="zh-TW" sz="1400" dirty="0"/>
-              <a:t>        </a:t>
-            </a:r>
-          </a:p>
-          <a:p>
-            <a:pPr marL="0" lvl="2"/>
-            <a:r>
-              <a:rPr lang="en-US" altLang="zh-TW" sz="1400" dirty="0"/>
-              <a:t>    </a:t>
-            </a:r>
-            <a:r>
-              <a:rPr lang="en-US" altLang="zh-TW" sz="1400" dirty="0" err="1"/>
-              <a:t>def</a:t>
-            </a:r>
-            <a:r>
-              <a:rPr lang="en-US" altLang="zh-TW" sz="1400" dirty="0"/>
-              <a:t> </a:t>
-            </a:r>
-            <a:r>
-              <a:rPr lang="en-US" altLang="zh-TW" sz="1400" dirty="0" err="1"/>
-              <a:t>getAnimalSpecies</a:t>
-            </a:r>
-            <a:r>
-              <a:rPr lang="en-US" altLang="zh-TW" sz="1400" dirty="0"/>
-              <a:t>(self):</a:t>
-            </a:r>
-          </a:p>
-          <a:p>
-            <a:pPr marL="0" lvl="2"/>
-            <a:r>
-              <a:rPr lang="en-US" altLang="zh-TW" sz="1400" dirty="0"/>
-              <a:t>        print(</a:t>
-            </a:r>
-            <a:r>
-              <a:rPr lang="en-US" altLang="zh-TW" sz="1400" dirty="0" err="1"/>
-              <a:t>self.species</a:t>
-            </a:r>
-            <a:r>
-              <a:rPr lang="en-US" altLang="zh-TW" sz="1400" dirty="0"/>
-              <a:t>)</a:t>
+              <a:rPr lang="en-US" altLang="zh-TW" sz="1400" dirty="0" smtClean="0">
+                <a:solidFill>
+                  <a:srgbClr val="0070C0"/>
+                </a:solidFill>
+              </a:rPr>
+              <a:t>cat2.getAnimalSpecies()</a:t>
             </a:r>
           </a:p>
           <a:p>
@@ -46370,15 +46607,87 @@
                   <a:srgbClr val="0070C0"/>
                 </a:solidFill>
               </a:rPr>
-              <a:t>cat1 = cat("</a:t>
-            </a:r>
-            <a:r>
-              <a:rPr lang="en-US" altLang="zh-TW" sz="1400" dirty="0" err="1">
+              <a:t>dog1.getAnimalName()</a:t>
+            </a:r>
+            <a:r>
+              <a:rPr lang="zh-TW" altLang="en-US" sz="1400" dirty="0">
                 <a:solidFill>
                   <a:srgbClr val="0070C0"/>
                 </a:solidFill>
               </a:rPr>
-              <a:t>Lala</a:t>
+              <a:t> </a:t>
+            </a:r>
+            <a:r>
+              <a:rPr lang="zh-TW" altLang="en-US" sz="1400" dirty="0" smtClean="0">
+                <a:solidFill>
+                  <a:srgbClr val="0070C0"/>
+                </a:solidFill>
+              </a:rPr>
+              <a:t>  </a:t>
+            </a:r>
+            <a:r>
+              <a:rPr lang="en-US" altLang="zh-TW" sz="1400" dirty="0" smtClean="0">
+                <a:solidFill>
+                  <a:schemeClr val="accent5">
+                    <a:lumMod val="75000"/>
+                  </a:schemeClr>
+                </a:solidFill>
+              </a:rPr>
+              <a:t>#</a:t>
+            </a:r>
+            <a:r>
+              <a:rPr lang="zh-TW" altLang="en-US" sz="1400" b="1" i="1" dirty="0" smtClean="0">
+                <a:solidFill>
+                  <a:srgbClr val="FF0000"/>
+                </a:solidFill>
+              </a:rPr>
+              <a:t>透過不同的實例化物件來呼叫 </a:t>
+            </a:r>
+            <a:r>
+              <a:rPr lang="en-US" altLang="zh-TW" sz="1400" b="1" i="1" dirty="0" smtClean="0">
+                <a:solidFill>
+                  <a:srgbClr val="FF0000"/>
+                </a:solidFill>
+              </a:rPr>
+              <a:t>Method</a:t>
+            </a:r>
+          </a:p>
+          <a:p>
+            <a:pPr marL="0" lvl="2"/>
+            <a:r>
+              <a:rPr lang="en-US" altLang="zh-TW" sz="1400" dirty="0" smtClean="0">
+                <a:solidFill>
+                  <a:srgbClr val="0070C0"/>
+                </a:solidFill>
+              </a:rPr>
+              <a:t>dog1.getAnimalSpecies</a:t>
+            </a:r>
+            <a:r>
+              <a:rPr lang="en-US" altLang="zh-TW" sz="1400" dirty="0" smtClean="0">
+                <a:solidFill>
+                  <a:srgbClr val="0070C0"/>
+                </a:solidFill>
+              </a:rPr>
+              <a:t>()</a:t>
+            </a:r>
+          </a:p>
+          <a:p>
+            <a:pPr marL="0" lvl="2"/>
+            <a:endParaRPr lang="en-US" altLang="zh-TW" sz="1400" dirty="0" smtClean="0">
+              <a:solidFill>
+                <a:srgbClr val="0070C0"/>
+              </a:solidFill>
+            </a:endParaRPr>
+          </a:p>
+          <a:p>
+            <a:pPr marL="0" lvl="2"/>
+            <a:r>
+              <a:rPr lang="en-US" altLang="zh-TW" sz="1400" dirty="0" smtClean="0">
+                <a:solidFill>
+                  <a:srgbClr val="0070C0"/>
+                </a:solidFill>
+              </a:rPr>
+              <a:t>dog2.getAnimalName</a:t>
             </a:r>
             <a:r>
               <a:rPr lang="en-US" altLang="zh-TW" sz="1400" dirty="0">
@@ -46386,7 +46695,7 @@
                   <a:srgbClr val="0070C0"/>
                 </a:solidFill>
               </a:rPr>
-              <a:t>","</a:t>
+              <a:t>()</a:t>
             </a:r>
             <a:r>
               <a:rPr lang="zh-TW" altLang="en-US" sz="1400" dirty="0">
@@ -46394,58 +46703,23 @@
                   <a:srgbClr val="0070C0"/>
                 </a:solidFill>
               </a:rPr>
-              <a:t>橘貓</a:t>
-            </a:r>
-            <a:r>
-              <a:rPr lang="en-US" altLang="zh-TW" sz="1400" dirty="0">
+              <a:t>   </a:t>
+            </a:r>
+            <a:endParaRPr lang="en-US" altLang="zh-TW" sz="1400" b="1" i="1" dirty="0" smtClean="0">
+              <a:solidFill>
+                <a:srgbClr val="FF0000"/>
+              </a:solidFill>
+            </a:endParaRPr>
+          </a:p>
+          <a:p>
+            <a:pPr marL="0" lvl="2"/>
+            <a:r>
+              <a:rPr lang="en-US" altLang="zh-TW" sz="1400" dirty="0" smtClean="0">
                 <a:solidFill>
                   <a:srgbClr val="0070C0"/>
                 </a:solidFill>
               </a:rPr>
-              <a:t>")</a:t>
-            </a:r>
-          </a:p>
-          <a:p>
-            <a:pPr marL="0" lvl="2"/>
-            <a:r>
-              <a:rPr lang="en-US" altLang="zh-TW" sz="1400" dirty="0">
-                <a:solidFill>
-                  <a:srgbClr val="0070C0"/>
-                </a:solidFill>
-              </a:rPr>
-              <a:t>dog1 = dog("</a:t>
-            </a:r>
-            <a:r>
-              <a:rPr lang="en-US" altLang="zh-TW" sz="1400" dirty="0" err="1">
-                <a:solidFill>
-                  <a:srgbClr val="0070C0"/>
-                </a:solidFill>
-              </a:rPr>
-              <a:t>RuRu</a:t>
-            </a:r>
-            <a:r>
-              <a:rPr lang="en-US" altLang="zh-TW" sz="1400" dirty="0">
-                <a:solidFill>
-                  <a:srgbClr val="0070C0"/>
-                </a:solidFill>
-              </a:rPr>
-              <a:t>", "</a:t>
-            </a:r>
-            <a:r>
-              <a:rPr lang="zh-TW" altLang="en-US" sz="1400" dirty="0">
-                <a:solidFill>
-                  <a:srgbClr val="0070C0"/>
-                </a:solidFill>
-              </a:rPr>
-              <a:t>柴犬</a:t>
-            </a:r>
-            <a:r>
-              <a:rPr lang="en-US" altLang="zh-TW" sz="1400" dirty="0">
-                <a:solidFill>
-                  <a:srgbClr val="0070C0"/>
-                </a:solidFill>
-              </a:rPr>
-              <a:t>")</a:t>
+              <a:t>dog2.getAnimalSpecies()</a:t>
             </a:r>
           </a:p>
           <a:p>
@@ -46454,29 +46728,13 @@
           </a:p>
           <a:p>
             <a:pPr marL="0" lvl="2"/>
-            <a:endParaRPr lang="en-US" altLang="zh-TW" sz="1400" dirty="0"/>
+            <a:endParaRPr lang="en-US" altLang="zh-TW" sz="1400" dirty="0" smtClean="0"/>
           </a:p>
           <a:p>
             <a:pPr marL="0" lvl="2"/>
             <a:r>
               <a:rPr lang="en-US" altLang="zh-TW" sz="1400" dirty="0">
                 <a:solidFill>
-                  <a:srgbClr val="0070C0"/>
-                </a:solidFill>
-              </a:rPr>
-              <a:t>cat1.getAnimalName()</a:t>
-            </a:r>
-            <a:r>
-              <a:rPr lang="zh-TW" altLang="en-US" sz="1400" dirty="0">
-                <a:solidFill>
-                  <a:srgbClr val="0070C0"/>
-                </a:solidFill>
-              </a:rPr>
-              <a:t>    </a:t>
-            </a:r>
-            <a:r>
-              <a:rPr lang="en-US" altLang="zh-TW" sz="1400" dirty="0">
-                <a:solidFill>
                   <a:schemeClr val="accent5">
                     <a:lumMod val="75000"/>
                   </a:schemeClr>
@@ -46490,151 +46748,71 @@
                   <a:srgbClr val="FF0000"/>
                 </a:solidFill>
               </a:rPr>
-              <a:t>透過不同的實例化物件來呼叫 </a:t>
-            </a:r>
-            <a:r>
-              <a:rPr lang="en-US" altLang="zh-TW" sz="1400" b="1" i="1" dirty="0">
+              <a:t>透過不同的實例化物件來</a:t>
+            </a:r>
+            <a:r>
+              <a:rPr lang="zh-TW" altLang="en-US" sz="1400" b="1" i="1" dirty="0" smtClean="0">
                 <a:solidFill>
                   <a:srgbClr val="FF0000"/>
                 </a:solidFill>
               </a:rPr>
+              <a:t>呼叫相同的 </a:t>
+            </a:r>
+            <a:r>
+              <a:rPr lang="en-US" altLang="zh-TW" sz="1400" b="1" i="1" dirty="0" smtClean="0">
+                <a:solidFill>
+                  <a:srgbClr val="FF0000"/>
+                </a:solidFill>
+              </a:rPr>
               <a:t>Method</a:t>
             </a:r>
+            <a:r>
+              <a:rPr lang="zh-TW" altLang="en-US" sz="1400" b="1" i="1" dirty="0" smtClean="0">
+                <a:solidFill>
+                  <a:srgbClr val="FF0000"/>
+                </a:solidFill>
+              </a:rPr>
+              <a:t>可以達到不同的實作</a:t>
+            </a:r>
+            <a:r>
+              <a:rPr lang="zh-TW" altLang="en-US" sz="1400" b="1" i="1" dirty="0" smtClean="0">
+                <a:solidFill>
+                  <a:srgbClr val="FF0000"/>
+                </a:solidFill>
+              </a:rPr>
+              <a:t>方式</a:t>
+            </a:r>
+            <a:endParaRPr lang="en-US" altLang="zh-TW" sz="1400" b="1" i="1" dirty="0" smtClean="0">
+              <a:solidFill>
+                <a:srgbClr val="FF0000"/>
+              </a:solidFill>
+            </a:endParaRPr>
           </a:p>
           <a:p>
             <a:pPr marL="0" lvl="2"/>
-            <a:r>
-              <a:rPr lang="en-US" altLang="zh-TW" sz="1400" dirty="0">
-                <a:solidFill>
-                  <a:srgbClr val="0070C0"/>
-                </a:solidFill>
-              </a:rPr>
-              <a:t>cat1.getAnimalSpecies()</a:t>
-            </a:r>
+            <a:endParaRPr lang="en-US" altLang="zh-TW" sz="1400" b="1" i="1" dirty="0">
+              <a:solidFill>
+                <a:srgbClr val="FF0000"/>
+              </a:solidFill>
+            </a:endParaRPr>
           </a:p>
           <a:p>
             <a:pPr marL="0" lvl="2"/>
-            <a:endParaRPr lang="en-US" altLang="zh-TW" sz="1400" dirty="0"/>
+            <a:endParaRPr lang="en-US" altLang="zh-TW" sz="1400" b="1" i="1" dirty="0" smtClean="0">
+              <a:solidFill>
+                <a:srgbClr val="FF0000"/>
+              </a:solidFill>
+            </a:endParaRPr>
           </a:p>
           <a:p>
             <a:pPr marL="0" lvl="2"/>
-            <a:r>
-              <a:rPr lang="en-US" altLang="zh-TW" sz="1400" dirty="0">
-                <a:solidFill>
-                  <a:srgbClr val="0070C0"/>
-                </a:solidFill>
-              </a:rPr>
-              <a:t>dog1.getAnimalName()</a:t>
-            </a:r>
-            <a:r>
-              <a:rPr lang="zh-TW" altLang="en-US" sz="1400" dirty="0">
-                <a:solidFill>
-                  <a:srgbClr val="0070C0"/>
-                </a:solidFill>
-              </a:rPr>
-              <a:t> </a:t>
-            </a:r>
-            <a:r>
-              <a:rPr lang="zh-TW" altLang="en-US" sz="1400" dirty="0" smtClean="0">
-                <a:solidFill>
-                  <a:srgbClr val="0070C0"/>
-                </a:solidFill>
-              </a:rPr>
-              <a:t>  </a:t>
-            </a:r>
-            <a:r>
-              <a:rPr lang="en-US" altLang="zh-TW" sz="1400" dirty="0" smtClean="0">
-                <a:solidFill>
-                  <a:schemeClr val="accent5">
-                    <a:lumMod val="75000"/>
-                  </a:schemeClr>
-                </a:solidFill>
-              </a:rPr>
-              <a:t>#</a:t>
-            </a:r>
-            <a:r>
-              <a:rPr lang="zh-TW" altLang="en-US" sz="1400" b="1" i="1" dirty="0" smtClean="0">
-                <a:solidFill>
-                  <a:srgbClr val="FF0000"/>
-                </a:solidFill>
-              </a:rPr>
-              <a:t>透過不同的實例化物件來呼叫 </a:t>
-            </a:r>
-            <a:r>
-              <a:rPr lang="en-US" altLang="zh-TW" sz="1400" b="1" i="1" dirty="0" smtClean="0">
-                <a:solidFill>
-                  <a:srgbClr val="FF0000"/>
-                </a:solidFill>
-              </a:rPr>
-              <a:t>Method</a:t>
-            </a:r>
-          </a:p>
-          <a:p>
-            <a:pPr marL="0" lvl="2"/>
-            <a:r>
-              <a:rPr lang="en-US" altLang="zh-TW" sz="1400" dirty="0" smtClean="0">
-                <a:solidFill>
-                  <a:srgbClr val="0070C0"/>
-                </a:solidFill>
-              </a:rPr>
-              <a:t>dog1.getAnimalSpecies()</a:t>
-            </a:r>
-          </a:p>
-          <a:p>
-            <a:pPr marL="0" lvl="2"/>
-            <a:endParaRPr lang="en-US" altLang="zh-TW" sz="1400" dirty="0" smtClean="0"/>
-          </a:p>
-          <a:p>
-            <a:pPr marL="0" lvl="2"/>
-            <a:r>
-              <a:rPr lang="en-US" altLang="zh-TW" sz="1400" dirty="0">
-                <a:solidFill>
-                  <a:schemeClr val="accent5">
-                    <a:lumMod val="75000"/>
-                  </a:schemeClr>
-                </a:solidFill>
-              </a:rPr>
-              <a:t>#</a:t>
-            </a:r>
-            <a:r>
-              <a:rPr lang="zh-TW" altLang="en-US" sz="1400" b="1" i="1" dirty="0">
-                <a:solidFill>
-                  <a:srgbClr val="FF0000"/>
-                </a:solidFill>
-              </a:rPr>
-              <a:t>透過不同的實例化物件來</a:t>
-            </a:r>
-            <a:r>
-              <a:rPr lang="zh-TW" altLang="en-US" sz="1400" b="1" i="1" dirty="0" smtClean="0">
-                <a:solidFill>
-                  <a:srgbClr val="FF0000"/>
-                </a:solidFill>
-              </a:rPr>
-              <a:t>呼叫相同的 </a:t>
-            </a:r>
-            <a:r>
-              <a:rPr lang="en-US" altLang="zh-TW" sz="1400" b="1" i="1" dirty="0" smtClean="0">
-                <a:solidFill>
-                  <a:srgbClr val="FF0000"/>
-                </a:solidFill>
-              </a:rPr>
-              <a:t>Method</a:t>
-            </a:r>
-            <a:r>
-              <a:rPr lang="zh-TW" altLang="en-US" sz="1400" b="1" i="1" dirty="0" smtClean="0">
-                <a:solidFill>
-                  <a:srgbClr val="FF0000"/>
-                </a:solidFill>
-              </a:rPr>
-              <a:t>可以達到不同的實作方式</a:t>
-            </a:r>
             <a:endParaRPr lang="en-US" altLang="zh-TW" sz="1400" dirty="0" smtClean="0"/>
           </a:p>
         </p:txBody>
       </p:sp>
       <p:pic>
         <p:nvPicPr>
-          <p:cNvPr id="3" name="圖片 2"/>
+          <p:cNvPr id="2" name="圖片 1"/>
           <p:cNvPicPr>
             <a:picLocks noChangeAspect="1"/>
           </p:cNvPicPr>
@@ -46648,8 +46826,8 @@
         </p:blipFill>
         <p:spPr>
           <a:xfrm>
-            <a:off x="995977" y="5810250"/>
-            <a:ext cx="9428182" cy="1047750"/>
+            <a:off x="9702497" y="1840763"/>
+            <a:ext cx="2368817" cy="2456915"/>
           </a:xfrm>
           <a:prstGeom prst="rect">
             <a:avLst/>
